--- a/2_query_gen/paper2_figures.pptx
+++ b/2_query_gen/paper2_figures.pptx
@@ -5,15 +5,16 @@
     <p:sldMasterId id="2147483648" r:id="rId1"/>
   </p:sldMasterIdLst>
   <p:notesMasterIdLst>
-    <p:notesMasterId r:id="rId8"/>
+    <p:notesMasterId r:id="rId9"/>
   </p:notesMasterIdLst>
   <p:sldIdLst>
     <p:sldId id="256" r:id="rId2"/>
-    <p:sldId id="265" r:id="rId3"/>
-    <p:sldId id="266" r:id="rId4"/>
-    <p:sldId id="262" r:id="rId5"/>
-    <p:sldId id="263" r:id="rId6"/>
-    <p:sldId id="264" r:id="rId7"/>
+    <p:sldId id="267" r:id="rId3"/>
+    <p:sldId id="265" r:id="rId4"/>
+    <p:sldId id="266" r:id="rId5"/>
+    <p:sldId id="262" r:id="rId6"/>
+    <p:sldId id="263" r:id="rId7"/>
+    <p:sldId id="264" r:id="rId8"/>
   </p:sldIdLst>
   <p:sldSz cx="12192000" cy="6858000"/>
   <p:notesSz cx="6858000" cy="9144000"/>
@@ -534,7 +535,7 @@
           <a:p>
             <a:fld id="{ED8374DD-E871-8E4D-8457-C0E0CFD2B840}" type="slidenum">
               <a:rPr lang="en-US" smtClean="0"/>
-              <a:t>5</a:t>
+              <a:t>6</a:t>
             </a:fld>
             <a:endParaRPr lang="en-US"/>
           </a:p>
@@ -3819,60 +3820,6 @@
           </a:p>
         </p:txBody>
       </p:sp>
-      <p:sp>
-        <p:nvSpPr>
-          <p:cNvPr id="1070" name="Rounded Rectangle 1069">
-            <a:extLst>
-              <a:ext uri="{FF2B5EF4-FFF2-40B4-BE49-F238E27FC236}">
-                <a16:creationId xmlns:a16="http://schemas.microsoft.com/office/drawing/2014/main" id="{0CD3E6A8-2CCA-C2B3-23BB-3DCDB907119A}"/>
-              </a:ext>
-            </a:extLst>
-          </p:cNvPr>
-          <p:cNvSpPr/>
-          <p:nvPr/>
-        </p:nvSpPr>
-        <p:spPr>
-          <a:xfrm>
-            <a:off x="3046684" y="98495"/>
-            <a:ext cx="7203307" cy="6251142"/>
-          </a:xfrm>
-          <a:prstGeom prst="roundRect">
-            <a:avLst/>
-          </a:prstGeom>
-          <a:solidFill>
-            <a:srgbClr val="1F1608">
-              <a:alpha val="5098"/>
-            </a:srgbClr>
-          </a:solidFill>
-          <a:ln>
-            <a:noFill/>
-          </a:ln>
-        </p:spPr>
-        <p:style>
-          <a:lnRef idx="2">
-            <a:schemeClr val="accent1">
-              <a:shade val="50000"/>
-            </a:schemeClr>
-          </a:lnRef>
-          <a:fillRef idx="1">
-            <a:schemeClr val="accent1"/>
-          </a:fillRef>
-          <a:effectRef idx="0">
-            <a:schemeClr val="accent1"/>
-          </a:effectRef>
-          <a:fontRef idx="minor">
-            <a:schemeClr val="lt1"/>
-          </a:fontRef>
-        </p:style>
-        <p:txBody>
-          <a:bodyPr rtlCol="0" anchor="ctr"/>
-          <a:lstStyle/>
-          <a:p>
-            <a:pPr algn="ctr"/>
-            <a:endParaRPr lang="en-US"/>
-          </a:p>
-        </p:txBody>
-      </p:sp>
       <p:cxnSp>
         <p:nvCxnSpPr>
           <p:cNvPr id="109" name="Straight Arrow Connector 108">
@@ -7679,10 +7626,10 @@
         </p:nvGrpSpPr>
         <p:grpSpPr>
           <a:xfrm>
-            <a:off x="1725827" y="4596596"/>
-            <a:ext cx="1027316" cy="646331"/>
+            <a:off x="1470748" y="4928110"/>
+            <a:ext cx="1550492" cy="710179"/>
             <a:chOff x="1918890" y="4331858"/>
-            <a:chExt cx="1027316" cy="646331"/>
+            <a:chExt cx="1195282" cy="710179"/>
           </a:xfrm>
         </p:grpSpPr>
         <p:sp>
@@ -7700,7 +7647,7 @@
           <p:spPr>
             <a:xfrm>
               <a:off x="1932247" y="4331858"/>
-              <a:ext cx="1013959" cy="646331"/>
+              <a:ext cx="1181925" cy="646331"/>
             </a:xfrm>
             <a:prstGeom prst="roundRect">
               <a:avLst/>
@@ -7708,7 +7655,13 @@
             <a:solidFill>
               <a:schemeClr val="bg1"/>
             </a:solidFill>
-            <a:ln w="3175"/>
+            <a:ln w="3175">
+              <a:solidFill>
+                <a:schemeClr val="bg1">
+                  <a:lumMod val="65000"/>
+                </a:schemeClr>
+              </a:solidFill>
+            </a:ln>
           </p:spPr>
           <p:style>
             <a:lnRef idx="2">
@@ -7731,7 +7684,13 @@
             <a:lstStyle/>
             <a:p>
               <a:pPr algn="ctr"/>
-              <a:endParaRPr lang="en-US"/>
+              <a:endParaRPr lang="en-US" dirty="0">
+                <a:solidFill>
+                  <a:schemeClr val="bg1">
+                    <a:lumMod val="65000"/>
+                  </a:schemeClr>
+                </a:solidFill>
+              </a:endParaRPr>
             </a:p>
           </p:txBody>
         </p:sp>
@@ -7750,7 +7709,7 @@
           <p:spPr>
             <a:xfrm>
               <a:off x="1918890" y="4395706"/>
-              <a:ext cx="1013959" cy="507831"/>
+              <a:ext cx="1013959" cy="646331"/>
             </a:xfrm>
             <a:prstGeom prst="rect">
               <a:avLst/>
@@ -7780,7 +7739,7 @@
                   <a:ea typeface="Roboto Light" panose="02000000000000000000" pitchFamily="2" charset="0"/>
                   <a:cs typeface="Consolas" panose="020B0609020204030204" pitchFamily="49" charset="0"/>
                 </a:rPr>
-                <a:t> pat_id</a:t>
+                <a:t> person_id</a:t>
               </a:r>
             </a:p>
             <a:p>
@@ -7801,7 +7760,7 @@
                   <a:ea typeface="Roboto Light" panose="02000000000000000000" pitchFamily="2" charset="0"/>
                   <a:cs typeface="Consolas" panose="020B0609020204030204" pitchFamily="49" charset="0"/>
                 </a:rPr>
-                <a:t> patients</a:t>
+                <a:t> person</a:t>
               </a:r>
             </a:p>
             <a:p>
@@ -8938,6 +8897,64 @@
           </a:prstGeom>
         </p:spPr>
       </p:pic>
+      <p:sp>
+        <p:nvSpPr>
+          <p:cNvPr id="1070" name="Rounded Rectangle 1069">
+            <a:extLst>
+              <a:ext uri="{FF2B5EF4-FFF2-40B4-BE49-F238E27FC236}">
+                <a16:creationId xmlns:a16="http://schemas.microsoft.com/office/drawing/2014/main" id="{0CD3E6A8-2CCA-C2B3-23BB-3DCDB907119A}"/>
+              </a:ext>
+            </a:extLst>
+          </p:cNvPr>
+          <p:cNvSpPr/>
+          <p:nvPr/>
+        </p:nvSpPr>
+        <p:spPr>
+          <a:xfrm>
+            <a:off x="3046684" y="98495"/>
+            <a:ext cx="7203307" cy="6251142"/>
+          </a:xfrm>
+          <a:prstGeom prst="roundRect">
+            <a:avLst/>
+          </a:prstGeom>
+          <a:solidFill>
+            <a:schemeClr val="accent1">
+              <a:alpha val="5098"/>
+            </a:schemeClr>
+          </a:solidFill>
+          <a:ln>
+            <a:noFill/>
+          </a:ln>
+        </p:spPr>
+        <p:style>
+          <a:lnRef idx="2">
+            <a:schemeClr val="accent1">
+              <a:shade val="50000"/>
+            </a:schemeClr>
+          </a:lnRef>
+          <a:fillRef idx="1">
+            <a:schemeClr val="accent1"/>
+          </a:fillRef>
+          <a:effectRef idx="0">
+            <a:schemeClr val="accent1"/>
+          </a:effectRef>
+          <a:fontRef idx="minor">
+            <a:schemeClr val="lt1"/>
+          </a:fontRef>
+        </p:style>
+        <p:txBody>
+          <a:bodyPr rtlCol="0" anchor="ctr"/>
+          <a:lstStyle/>
+          <a:p>
+            <a:pPr algn="ctr"/>
+            <a:endParaRPr lang="en-US">
+              <a:solidFill>
+                <a:srgbClr val="E3E8F7"/>
+              </a:solidFill>
+            </a:endParaRPr>
+          </a:p>
+        </p:txBody>
+      </p:sp>
     </p:spTree>
     <p:extLst>
       <p:ext uri="{BB962C8B-B14F-4D97-AF65-F5344CB8AC3E}">
@@ -8952,6 +8969,5616 @@
 </file>
 
 <file path=ppt/slides/slide2.xml><?xml version="1.0" encoding="utf-8"?>
+<p:sld xmlns:a="http://schemas.openxmlformats.org/drawingml/2006/main" xmlns:r="http://schemas.openxmlformats.org/officeDocument/2006/relationships" xmlns:p="http://schemas.openxmlformats.org/presentationml/2006/main">
+  <p:cSld>
+    <p:spTree>
+      <p:nvGrpSpPr>
+        <p:cNvPr id="1" name=""/>
+        <p:cNvGrpSpPr/>
+        <p:nvPr/>
+      </p:nvGrpSpPr>
+      <p:grpSpPr>
+        <a:xfrm>
+          <a:off x="0" y="0"/>
+          <a:ext cx="0" cy="0"/>
+          <a:chOff x="0" y="0"/>
+          <a:chExt cx="0" cy="0"/>
+        </a:xfrm>
+      </p:grpSpPr>
+      <p:sp>
+        <p:nvSpPr>
+          <p:cNvPr id="12" name="Rectangle 11">
+            <a:extLst>
+              <a:ext uri="{FF2B5EF4-FFF2-40B4-BE49-F238E27FC236}">
+                <a16:creationId xmlns:a16="http://schemas.microsoft.com/office/drawing/2014/main" id="{6B491806-D8AD-1D39-83E7-2E5EB226D7D6}"/>
+              </a:ext>
+            </a:extLst>
+          </p:cNvPr>
+          <p:cNvSpPr/>
+          <p:nvPr/>
+        </p:nvSpPr>
+        <p:spPr>
+          <a:xfrm>
+            <a:off x="-1134318" y="1"/>
+            <a:ext cx="13195602" cy="7588468"/>
+          </a:xfrm>
+          <a:prstGeom prst="rect">
+            <a:avLst/>
+          </a:prstGeom>
+          <a:solidFill>
+            <a:schemeClr val="bg1"/>
+          </a:solidFill>
+          <a:ln>
+            <a:noFill/>
+          </a:ln>
+        </p:spPr>
+        <p:style>
+          <a:lnRef idx="2">
+            <a:schemeClr val="accent1">
+              <a:shade val="50000"/>
+            </a:schemeClr>
+          </a:lnRef>
+          <a:fillRef idx="1">
+            <a:schemeClr val="accent1"/>
+          </a:fillRef>
+          <a:effectRef idx="0">
+            <a:schemeClr val="accent1"/>
+          </a:effectRef>
+          <a:fontRef idx="minor">
+            <a:schemeClr val="lt1"/>
+          </a:fontRef>
+        </p:style>
+        <p:txBody>
+          <a:bodyPr rtlCol="0" anchor="ctr"/>
+          <a:lstStyle/>
+          <a:p>
+            <a:pPr algn="ctr"/>
+            <a:endParaRPr lang="en-US" dirty="0"/>
+          </a:p>
+        </p:txBody>
+      </p:sp>
+      <p:grpSp>
+        <p:nvGrpSpPr>
+          <p:cNvPr id="8" name="Group 7">
+            <a:extLst>
+              <a:ext uri="{FF2B5EF4-FFF2-40B4-BE49-F238E27FC236}">
+                <a16:creationId xmlns:a16="http://schemas.microsoft.com/office/drawing/2014/main" id="{C30FC609-515F-35BF-8880-809A50336553}"/>
+              </a:ext>
+            </a:extLst>
+          </p:cNvPr>
+          <p:cNvGrpSpPr/>
+          <p:nvPr/>
+        </p:nvGrpSpPr>
+        <p:grpSpPr>
+          <a:xfrm>
+            <a:off x="84078" y="157408"/>
+            <a:ext cx="5302735" cy="493746"/>
+            <a:chOff x="84078" y="157408"/>
+            <a:chExt cx="5302735" cy="493746"/>
+          </a:xfrm>
+        </p:grpSpPr>
+        <p:sp>
+          <p:nvSpPr>
+            <p:cNvPr id="142" name="Rounded Rectangle 141">
+              <a:extLst>
+                <a:ext uri="{FF2B5EF4-FFF2-40B4-BE49-F238E27FC236}">
+                  <a16:creationId xmlns:a16="http://schemas.microsoft.com/office/drawing/2014/main" id="{425870EA-2259-B2C2-5D95-BA6E83C5B539}"/>
+                </a:ext>
+              </a:extLst>
+            </p:cNvPr>
+            <p:cNvSpPr/>
+            <p:nvPr/>
+          </p:nvSpPr>
+          <p:spPr>
+            <a:xfrm>
+              <a:off x="84078" y="157408"/>
+              <a:ext cx="5094503" cy="493746"/>
+            </a:xfrm>
+            <a:prstGeom prst="roundRect">
+              <a:avLst/>
+            </a:prstGeom>
+            <a:solidFill>
+              <a:srgbClr val="E3E8F7">
+                <a:alpha val="32941"/>
+              </a:srgbClr>
+            </a:solidFill>
+            <a:ln>
+              <a:noFill/>
+            </a:ln>
+          </p:spPr>
+          <p:style>
+            <a:lnRef idx="2">
+              <a:schemeClr val="accent1">
+                <a:shade val="50000"/>
+              </a:schemeClr>
+            </a:lnRef>
+            <a:fillRef idx="1">
+              <a:schemeClr val="accent1"/>
+            </a:fillRef>
+            <a:effectRef idx="0">
+              <a:schemeClr val="accent1"/>
+            </a:effectRef>
+            <a:fontRef idx="minor">
+              <a:schemeClr val="lt1"/>
+            </a:fontRef>
+          </p:style>
+          <p:txBody>
+            <a:bodyPr rtlCol="0" anchor="ctr"/>
+            <a:lstStyle/>
+            <a:p>
+              <a:pPr algn="ctr"/>
+              <a:endParaRPr lang="en-US" sz="1400">
+                <a:latin typeface="Consolas" panose="020B0609020204030204" pitchFamily="49" charset="0"/>
+                <a:cs typeface="Consolas" panose="020B0609020204030204" pitchFamily="49" charset="0"/>
+              </a:endParaRPr>
+            </a:p>
+          </p:txBody>
+        </p:sp>
+        <p:sp>
+          <p:nvSpPr>
+            <p:cNvPr id="107" name="TextBox 106">
+              <a:extLst>
+                <a:ext uri="{FF2B5EF4-FFF2-40B4-BE49-F238E27FC236}">
+                  <a16:creationId xmlns:a16="http://schemas.microsoft.com/office/drawing/2014/main" id="{170F895B-3D10-D153-6F5B-4A8803E37DAC}"/>
+                </a:ext>
+              </a:extLst>
+            </p:cNvPr>
+            <p:cNvSpPr txBox="1"/>
+            <p:nvPr/>
+          </p:nvSpPr>
+          <p:spPr>
+            <a:xfrm>
+              <a:off x="84081" y="255434"/>
+              <a:ext cx="5302732" cy="307777"/>
+            </a:xfrm>
+            <a:prstGeom prst="rect">
+              <a:avLst/>
+            </a:prstGeom>
+            <a:noFill/>
+          </p:spPr>
+          <p:txBody>
+            <a:bodyPr wrap="square" rtlCol="0">
+              <a:spAutoFit/>
+            </a:bodyPr>
+            <a:lstStyle/>
+            <a:p>
+              <a:r>
+                <a:rPr lang="en-US" sz="1400" dirty="0">
+                  <a:latin typeface="Roboto Light" panose="02000000000000000000" pitchFamily="2" charset="0"/>
+                  <a:ea typeface="Roboto Light" panose="02000000000000000000" pitchFamily="2" charset="0"/>
+                </a:rPr>
+                <a:t>“Diabetics aged over 65 with no contraindications to metformin”</a:t>
+              </a:r>
+            </a:p>
+          </p:txBody>
+        </p:sp>
+      </p:grpSp>
+      <p:grpSp>
+        <p:nvGrpSpPr>
+          <p:cNvPr id="9" name="Group 8">
+            <a:extLst>
+              <a:ext uri="{FF2B5EF4-FFF2-40B4-BE49-F238E27FC236}">
+                <a16:creationId xmlns:a16="http://schemas.microsoft.com/office/drawing/2014/main" id="{B611D771-9B7A-080F-43BA-66FC54DA42D9}"/>
+              </a:ext>
+            </a:extLst>
+          </p:cNvPr>
+          <p:cNvGrpSpPr/>
+          <p:nvPr/>
+        </p:nvGrpSpPr>
+        <p:grpSpPr>
+          <a:xfrm>
+            <a:off x="81321" y="837112"/>
+            <a:ext cx="4192753" cy="2815635"/>
+            <a:chOff x="94935" y="761058"/>
+            <a:chExt cx="4192753" cy="2815635"/>
+          </a:xfrm>
+        </p:grpSpPr>
+        <p:sp>
+          <p:nvSpPr>
+            <p:cNvPr id="143" name="Rounded Rectangle 142">
+              <a:extLst>
+                <a:ext uri="{FF2B5EF4-FFF2-40B4-BE49-F238E27FC236}">
+                  <a16:creationId xmlns:a16="http://schemas.microsoft.com/office/drawing/2014/main" id="{4EE8F1BD-4B5B-34FE-C07E-C65FB6AC27FF}"/>
+                </a:ext>
+              </a:extLst>
+            </p:cNvPr>
+            <p:cNvSpPr/>
+            <p:nvPr/>
+          </p:nvSpPr>
+          <p:spPr>
+            <a:xfrm>
+              <a:off x="94935" y="775582"/>
+              <a:ext cx="4192753" cy="2801111"/>
+            </a:xfrm>
+            <a:prstGeom prst="roundRect">
+              <a:avLst/>
+            </a:prstGeom>
+            <a:solidFill>
+              <a:srgbClr val="E3E8F7">
+                <a:alpha val="32941"/>
+              </a:srgbClr>
+            </a:solidFill>
+            <a:ln>
+              <a:noFill/>
+            </a:ln>
+          </p:spPr>
+          <p:style>
+            <a:lnRef idx="2">
+              <a:schemeClr val="accent1">
+                <a:shade val="50000"/>
+              </a:schemeClr>
+            </a:lnRef>
+            <a:fillRef idx="1">
+              <a:schemeClr val="accent1"/>
+            </a:fillRef>
+            <a:effectRef idx="0">
+              <a:schemeClr val="accent1"/>
+            </a:effectRef>
+            <a:fontRef idx="minor">
+              <a:schemeClr val="lt1"/>
+            </a:fontRef>
+          </p:style>
+          <p:txBody>
+            <a:bodyPr rtlCol="0" anchor="ctr"/>
+            <a:lstStyle/>
+            <a:p>
+              <a:pPr algn="ctr"/>
+              <a:endParaRPr lang="en-US" sz="1400">
+                <a:latin typeface="Consolas" panose="020B0609020204030204" pitchFamily="49" charset="0"/>
+                <a:cs typeface="Consolas" panose="020B0609020204030204" pitchFamily="49" charset="0"/>
+              </a:endParaRPr>
+            </a:p>
+          </p:txBody>
+        </p:sp>
+        <p:grpSp>
+          <p:nvGrpSpPr>
+            <p:cNvPr id="6" name="Group 5">
+              <a:extLst>
+                <a:ext uri="{FF2B5EF4-FFF2-40B4-BE49-F238E27FC236}">
+                  <a16:creationId xmlns:a16="http://schemas.microsoft.com/office/drawing/2014/main" id="{186278D0-66CE-5E69-320D-0B2C4FF29B43}"/>
+                </a:ext>
+              </a:extLst>
+            </p:cNvPr>
+            <p:cNvGrpSpPr/>
+            <p:nvPr/>
+          </p:nvGrpSpPr>
+          <p:grpSpPr>
+            <a:xfrm>
+              <a:off x="263071" y="761058"/>
+              <a:ext cx="3881316" cy="2597332"/>
+              <a:chOff x="94920" y="760984"/>
+              <a:chExt cx="3881316" cy="2597332"/>
+            </a:xfrm>
+          </p:grpSpPr>
+          <p:grpSp>
+            <p:nvGrpSpPr>
+              <p:cNvPr id="222" name="Group 221">
+                <a:extLst>
+                  <a:ext uri="{FF2B5EF4-FFF2-40B4-BE49-F238E27FC236}">
+                    <a16:creationId xmlns:a16="http://schemas.microsoft.com/office/drawing/2014/main" id="{BBFD12B7-A413-1E82-0B37-743025BA804C}"/>
+                  </a:ext>
+                </a:extLst>
+              </p:cNvPr>
+              <p:cNvGrpSpPr/>
+              <p:nvPr/>
+            </p:nvGrpSpPr>
+            <p:grpSpPr>
+              <a:xfrm>
+                <a:off x="2980960" y="2714849"/>
+                <a:ext cx="946272" cy="643467"/>
+                <a:chOff x="905241" y="2512259"/>
+                <a:chExt cx="946272" cy="643467"/>
+              </a:xfrm>
+            </p:grpSpPr>
+            <p:sp>
+              <p:nvSpPr>
+                <p:cNvPr id="224" name="Rounded Rectangle 223">
+                  <a:extLst>
+                    <a:ext uri="{FF2B5EF4-FFF2-40B4-BE49-F238E27FC236}">
+                      <a16:creationId xmlns:a16="http://schemas.microsoft.com/office/drawing/2014/main" id="{C820153A-D02C-9372-E724-2BCA07BAF445}"/>
+                    </a:ext>
+                  </a:extLst>
+                </p:cNvPr>
+                <p:cNvSpPr/>
+                <p:nvPr/>
+              </p:nvSpPr>
+              <p:spPr>
+                <a:xfrm>
+                  <a:off x="905241" y="2512259"/>
+                  <a:ext cx="946272" cy="643467"/>
+                </a:xfrm>
+                <a:prstGeom prst="roundRect">
+                  <a:avLst/>
+                </a:prstGeom>
+                <a:solidFill>
+                  <a:srgbClr val="EEB1DC"/>
+                </a:solidFill>
+                <a:ln>
+                  <a:noFill/>
+                </a:ln>
+              </p:spPr>
+              <p:style>
+                <a:lnRef idx="2">
+                  <a:schemeClr val="accent1">
+                    <a:shade val="50000"/>
+                  </a:schemeClr>
+                </a:lnRef>
+                <a:fillRef idx="1">
+                  <a:schemeClr val="accent1"/>
+                </a:fillRef>
+                <a:effectRef idx="0">
+                  <a:schemeClr val="accent1"/>
+                </a:effectRef>
+                <a:fontRef idx="minor">
+                  <a:schemeClr val="lt1"/>
+                </a:fontRef>
+              </p:style>
+              <p:txBody>
+                <a:bodyPr rtlCol="0" anchor="ctr"/>
+                <a:lstStyle/>
+                <a:p>
+                  <a:pPr algn="ctr"/>
+                  <a:endParaRPr lang="en-US"/>
+                </a:p>
+              </p:txBody>
+            </p:sp>
+            <p:sp>
+              <p:nvSpPr>
+                <p:cNvPr id="225" name="Rounded Rectangle 224">
+                  <a:extLst>
+                    <a:ext uri="{FF2B5EF4-FFF2-40B4-BE49-F238E27FC236}">
+                      <a16:creationId xmlns:a16="http://schemas.microsoft.com/office/drawing/2014/main" id="{AA3257D9-3D7F-BC72-B48C-56C9A2DA6B61}"/>
+                    </a:ext>
+                  </a:extLst>
+                </p:cNvPr>
+                <p:cNvSpPr/>
+                <p:nvPr/>
+              </p:nvSpPr>
+              <p:spPr>
+                <a:xfrm>
+                  <a:off x="946337" y="2585356"/>
+                  <a:ext cx="847830" cy="206171"/>
+                </a:xfrm>
+                <a:prstGeom prst="roundRect">
+                  <a:avLst/>
+                </a:prstGeom>
+                <a:solidFill>
+                  <a:schemeClr val="bg1"/>
+                </a:solidFill>
+                <a:ln>
+                  <a:noFill/>
+                </a:ln>
+              </p:spPr>
+              <p:style>
+                <a:lnRef idx="2">
+                  <a:schemeClr val="accent1">
+                    <a:shade val="50000"/>
+                  </a:schemeClr>
+                </a:lnRef>
+                <a:fillRef idx="1">
+                  <a:schemeClr val="accent1"/>
+                </a:fillRef>
+                <a:effectRef idx="0">
+                  <a:schemeClr val="accent1"/>
+                </a:effectRef>
+                <a:fontRef idx="minor">
+                  <a:schemeClr val="lt1"/>
+                </a:fontRef>
+              </p:style>
+              <p:txBody>
+                <a:bodyPr rtlCol="0" anchor="ctr"/>
+                <a:lstStyle/>
+                <a:p>
+                  <a:pPr algn="ctr"/>
+                  <a:r>
+                    <a:rPr lang="en-US" sz="1200" dirty="0">
+                      <a:solidFill>
+                        <a:schemeClr val="tx1"/>
+                      </a:solidFill>
+                      <a:latin typeface="Roboto Thin" panose="02000000000000000000" pitchFamily="2" charset="0"/>
+                      <a:ea typeface="Roboto Thin" panose="02000000000000000000" pitchFamily="2" charset="0"/>
+                    </a:rPr>
+                    <a:t>Drug</a:t>
+                  </a:r>
+                </a:p>
+              </p:txBody>
+            </p:sp>
+          </p:grpSp>
+          <p:sp>
+            <p:nvSpPr>
+              <p:cNvPr id="223" name="TextBox 222">
+                <a:extLst>
+                  <a:ext uri="{FF2B5EF4-FFF2-40B4-BE49-F238E27FC236}">
+                    <a16:creationId xmlns:a16="http://schemas.microsoft.com/office/drawing/2014/main" id="{F708017B-CB42-A4A8-CD24-5C224CD4143D}"/>
+                  </a:ext>
+                </a:extLst>
+              </p:cNvPr>
+              <p:cNvSpPr txBox="1"/>
+              <p:nvPr/>
+            </p:nvSpPr>
+            <p:spPr>
+              <a:xfrm>
+                <a:off x="2926328" y="2994117"/>
+                <a:ext cx="1049908" cy="307777"/>
+              </a:xfrm>
+              <a:prstGeom prst="rect">
+                <a:avLst/>
+              </a:prstGeom>
+              <a:noFill/>
+            </p:spPr>
+            <p:txBody>
+              <a:bodyPr wrap="square" rtlCol="0">
+                <a:spAutoFit/>
+              </a:bodyPr>
+              <a:lstStyle/>
+              <a:p>
+                <a:pPr algn="ctr"/>
+                <a:r>
+                  <a:rPr lang="en-US" sz="1400" dirty="0">
+                    <a:latin typeface="Roboto Light" panose="02000000000000000000" pitchFamily="2" charset="0"/>
+                    <a:ea typeface="Roboto Light" panose="02000000000000000000" pitchFamily="2" charset="0"/>
+                  </a:rPr>
+                  <a:t>metformin</a:t>
+                </a:r>
+              </a:p>
+            </p:txBody>
+          </p:sp>
+          <p:grpSp>
+            <p:nvGrpSpPr>
+              <p:cNvPr id="115" name="Group 114">
+                <a:extLst>
+                  <a:ext uri="{FF2B5EF4-FFF2-40B4-BE49-F238E27FC236}">
+                    <a16:creationId xmlns:a16="http://schemas.microsoft.com/office/drawing/2014/main" id="{622C6ED6-9F85-A1AF-B299-3C1261B9B0D9}"/>
+                  </a:ext>
+                </a:extLst>
+              </p:cNvPr>
+              <p:cNvGrpSpPr/>
+              <p:nvPr/>
+            </p:nvGrpSpPr>
+            <p:grpSpPr>
+              <a:xfrm>
+                <a:off x="94920" y="1192632"/>
+                <a:ext cx="922353" cy="643467"/>
+                <a:chOff x="917420" y="1707256"/>
+                <a:chExt cx="942065" cy="643467"/>
+              </a:xfrm>
+            </p:grpSpPr>
+            <p:grpSp>
+              <p:nvGrpSpPr>
+                <p:cNvPr id="184" name="Group 183">
+                  <a:extLst>
+                    <a:ext uri="{FF2B5EF4-FFF2-40B4-BE49-F238E27FC236}">
+                      <a16:creationId xmlns:a16="http://schemas.microsoft.com/office/drawing/2014/main" id="{30E46350-14F2-40D5-567A-447D3AEAE474}"/>
+                    </a:ext>
+                  </a:extLst>
+                </p:cNvPr>
+                <p:cNvGrpSpPr/>
+                <p:nvPr/>
+              </p:nvGrpSpPr>
+              <p:grpSpPr>
+                <a:xfrm>
+                  <a:off x="936617" y="1707256"/>
+                  <a:ext cx="922868" cy="643467"/>
+                  <a:chOff x="694267" y="2512259"/>
+                  <a:chExt cx="922868" cy="643467"/>
+                </a:xfrm>
+              </p:grpSpPr>
+              <p:sp>
+                <p:nvSpPr>
+                  <p:cNvPr id="191" name="Rounded Rectangle 190">
+                    <a:extLst>
+                      <a:ext uri="{FF2B5EF4-FFF2-40B4-BE49-F238E27FC236}">
+                        <a16:creationId xmlns:a16="http://schemas.microsoft.com/office/drawing/2014/main" id="{86A2F6DC-FAB5-DF2F-1914-87E600C47402}"/>
+                      </a:ext>
+                    </a:extLst>
+                  </p:cNvPr>
+                  <p:cNvSpPr/>
+                  <p:nvPr/>
+                </p:nvSpPr>
+                <p:spPr>
+                  <a:xfrm>
+                    <a:off x="694267" y="2512259"/>
+                    <a:ext cx="922868" cy="643467"/>
+                  </a:xfrm>
+                  <a:prstGeom prst="roundRect">
+                    <a:avLst/>
+                  </a:prstGeom>
+                  <a:solidFill>
+                    <a:schemeClr val="accent6">
+                      <a:lumMod val="60000"/>
+                      <a:lumOff val="40000"/>
+                    </a:schemeClr>
+                  </a:solidFill>
+                  <a:ln>
+                    <a:noFill/>
+                  </a:ln>
+                </p:spPr>
+                <p:style>
+                  <a:lnRef idx="2">
+                    <a:schemeClr val="accent1">
+                      <a:shade val="50000"/>
+                    </a:schemeClr>
+                  </a:lnRef>
+                  <a:fillRef idx="1">
+                    <a:schemeClr val="accent1"/>
+                  </a:fillRef>
+                  <a:effectRef idx="0">
+                    <a:schemeClr val="accent1"/>
+                  </a:effectRef>
+                  <a:fontRef idx="minor">
+                    <a:schemeClr val="lt1"/>
+                  </a:fontRef>
+                </p:style>
+                <p:txBody>
+                  <a:bodyPr rtlCol="0" anchor="ctr"/>
+                  <a:lstStyle/>
+                  <a:p>
+                    <a:pPr algn="ctr"/>
+                    <a:endParaRPr lang="en-US"/>
+                  </a:p>
+                </p:txBody>
+              </p:sp>
+              <p:sp>
+                <p:nvSpPr>
+                  <p:cNvPr id="195" name="Rounded Rectangle 194">
+                    <a:extLst>
+                      <a:ext uri="{FF2B5EF4-FFF2-40B4-BE49-F238E27FC236}">
+                        <a16:creationId xmlns:a16="http://schemas.microsoft.com/office/drawing/2014/main" id="{2A352D91-394D-E604-6FC8-AB43583D8ED0}"/>
+                      </a:ext>
+                    </a:extLst>
+                  </p:cNvPr>
+                  <p:cNvSpPr/>
+                  <p:nvPr/>
+                </p:nvSpPr>
+                <p:spPr>
+                  <a:xfrm>
+                    <a:off x="726350" y="2573605"/>
+                    <a:ext cx="855130" cy="215967"/>
+                  </a:xfrm>
+                  <a:prstGeom prst="roundRect">
+                    <a:avLst/>
+                  </a:prstGeom>
+                  <a:solidFill>
+                    <a:schemeClr val="bg1"/>
+                  </a:solidFill>
+                  <a:ln>
+                    <a:noFill/>
+                  </a:ln>
+                </p:spPr>
+                <p:style>
+                  <a:lnRef idx="2">
+                    <a:schemeClr val="accent1">
+                      <a:shade val="50000"/>
+                    </a:schemeClr>
+                  </a:lnRef>
+                  <a:fillRef idx="1">
+                    <a:schemeClr val="accent1"/>
+                  </a:fillRef>
+                  <a:effectRef idx="0">
+                    <a:schemeClr val="accent1"/>
+                  </a:effectRef>
+                  <a:fontRef idx="minor">
+                    <a:schemeClr val="lt1"/>
+                  </a:fontRef>
+                </p:style>
+                <p:txBody>
+                  <a:bodyPr rtlCol="0" anchor="ctr"/>
+                  <a:lstStyle/>
+                  <a:p>
+                    <a:pPr algn="ctr"/>
+                    <a:r>
+                      <a:rPr lang="en-US" sz="1200" dirty="0">
+                        <a:solidFill>
+                          <a:schemeClr val="tx1"/>
+                        </a:solidFill>
+                        <a:latin typeface="Roboto Thin" panose="02000000000000000000" pitchFamily="2" charset="0"/>
+                        <a:ea typeface="Roboto Thin" panose="02000000000000000000" pitchFamily="2" charset="0"/>
+                      </a:rPr>
+                      <a:t>Condition</a:t>
+                    </a:r>
+                  </a:p>
+                </p:txBody>
+              </p:sp>
+            </p:grpSp>
+            <p:sp>
+              <p:nvSpPr>
+                <p:cNvPr id="188" name="TextBox 187">
+                  <a:extLst>
+                    <a:ext uri="{FF2B5EF4-FFF2-40B4-BE49-F238E27FC236}">
+                      <a16:creationId xmlns:a16="http://schemas.microsoft.com/office/drawing/2014/main" id="{CEFDA2A1-F833-8CDD-02BE-01CBAF545B19}"/>
+                    </a:ext>
+                  </a:extLst>
+                </p:cNvPr>
+                <p:cNvSpPr txBox="1"/>
+                <p:nvPr/>
+              </p:nvSpPr>
+              <p:spPr>
+                <a:xfrm>
+                  <a:off x="917420" y="1978419"/>
+                  <a:ext cx="931929" cy="307777"/>
+                </a:xfrm>
+                <a:prstGeom prst="rect">
+                  <a:avLst/>
+                </a:prstGeom>
+                <a:noFill/>
+              </p:spPr>
+              <p:txBody>
+                <a:bodyPr wrap="none" rtlCol="0">
+                  <a:spAutoFit/>
+                </a:bodyPr>
+                <a:lstStyle/>
+                <a:p>
+                  <a:pPr algn="ctr"/>
+                  <a:r>
+                    <a:rPr lang="en-US" sz="1400" dirty="0">
+                      <a:latin typeface="Roboto Light" panose="02000000000000000000" pitchFamily="2" charset="0"/>
+                      <a:ea typeface="Roboto Light" panose="02000000000000000000" pitchFamily="2" charset="0"/>
+                    </a:rPr>
+                    <a:t>Diabetics</a:t>
+                  </a:r>
+                </a:p>
+              </p:txBody>
+            </p:sp>
+          </p:grpSp>
+          <p:grpSp>
+            <p:nvGrpSpPr>
+              <p:cNvPr id="118" name="Group 117">
+                <a:extLst>
+                  <a:ext uri="{FF2B5EF4-FFF2-40B4-BE49-F238E27FC236}">
+                    <a16:creationId xmlns:a16="http://schemas.microsoft.com/office/drawing/2014/main" id="{E15A6E24-98CC-99FE-3EEF-E29C7F8B6B8C}"/>
+                  </a:ext>
+                </a:extLst>
+              </p:cNvPr>
+              <p:cNvGrpSpPr/>
+              <p:nvPr/>
+            </p:nvGrpSpPr>
+            <p:grpSpPr>
+              <a:xfrm>
+                <a:off x="1659093" y="1189000"/>
+                <a:ext cx="1335614" cy="1074366"/>
+                <a:chOff x="4658669" y="1571198"/>
+                <a:chExt cx="1757585" cy="1074366"/>
+              </a:xfrm>
+            </p:grpSpPr>
+            <p:grpSp>
+              <p:nvGrpSpPr>
+                <p:cNvPr id="151" name="Group 150">
+                  <a:extLst>
+                    <a:ext uri="{FF2B5EF4-FFF2-40B4-BE49-F238E27FC236}">
+                      <a16:creationId xmlns:a16="http://schemas.microsoft.com/office/drawing/2014/main" id="{E2E152E4-5102-42E3-2F9A-1DA04DECC2E7}"/>
+                    </a:ext>
+                  </a:extLst>
+                </p:cNvPr>
+                <p:cNvGrpSpPr/>
+                <p:nvPr/>
+              </p:nvGrpSpPr>
+              <p:grpSpPr>
+                <a:xfrm>
+                  <a:off x="4658669" y="1571198"/>
+                  <a:ext cx="1757585" cy="1074366"/>
+                  <a:chOff x="963817" y="1707258"/>
+                  <a:chExt cx="799639" cy="1074366"/>
+                </a:xfrm>
+              </p:grpSpPr>
+              <p:grpSp>
+                <p:nvGrpSpPr>
+                  <p:cNvPr id="154" name="Group 153">
+                    <a:extLst>
+                      <a:ext uri="{FF2B5EF4-FFF2-40B4-BE49-F238E27FC236}">
+                        <a16:creationId xmlns:a16="http://schemas.microsoft.com/office/drawing/2014/main" id="{DA3C398A-02D6-D983-6DD1-B42793882A95}"/>
+                      </a:ext>
+                    </a:extLst>
+                  </p:cNvPr>
+                  <p:cNvGrpSpPr/>
+                  <p:nvPr/>
+                </p:nvGrpSpPr>
+                <p:grpSpPr>
+                  <a:xfrm>
+                    <a:off x="963817" y="1707258"/>
+                    <a:ext cx="799639" cy="1074366"/>
+                    <a:chOff x="721467" y="2512261"/>
+                    <a:chExt cx="799639" cy="1074366"/>
+                  </a:xfrm>
+                </p:grpSpPr>
+                <p:sp>
+                  <p:nvSpPr>
+                    <p:cNvPr id="156" name="Rounded Rectangle 155">
+                      <a:extLst>
+                        <a:ext uri="{FF2B5EF4-FFF2-40B4-BE49-F238E27FC236}">
+                          <a16:creationId xmlns:a16="http://schemas.microsoft.com/office/drawing/2014/main" id="{03A59161-5A24-97F7-3D07-1230DC53D60A}"/>
+                        </a:ext>
+                      </a:extLst>
+                    </p:cNvPr>
+                    <p:cNvSpPr/>
+                    <p:nvPr/>
+                  </p:nvSpPr>
+                  <p:spPr>
+                    <a:xfrm>
+                      <a:off x="721467" y="2512261"/>
+                      <a:ext cx="799639" cy="1074366"/>
+                    </a:xfrm>
+                    <a:prstGeom prst="roundRect">
+                      <a:avLst/>
+                    </a:prstGeom>
+                    <a:solidFill>
+                      <a:schemeClr val="accent5">
+                        <a:lumMod val="20000"/>
+                        <a:lumOff val="80000"/>
+                      </a:schemeClr>
+                    </a:solidFill>
+                    <a:ln>
+                      <a:noFill/>
+                    </a:ln>
+                  </p:spPr>
+                  <p:style>
+                    <a:lnRef idx="2">
+                      <a:schemeClr val="accent1">
+                        <a:shade val="50000"/>
+                      </a:schemeClr>
+                    </a:lnRef>
+                    <a:fillRef idx="1">
+                      <a:schemeClr val="accent1"/>
+                    </a:fillRef>
+                    <a:effectRef idx="0">
+                      <a:schemeClr val="accent1"/>
+                    </a:effectRef>
+                    <a:fontRef idx="minor">
+                      <a:schemeClr val="lt1"/>
+                    </a:fontRef>
+                  </p:style>
+                  <p:txBody>
+                    <a:bodyPr rtlCol="0" anchor="ctr"/>
+                    <a:lstStyle/>
+                    <a:p>
+                      <a:pPr algn="ctr"/>
+                      <a:endParaRPr lang="en-US"/>
+                    </a:p>
+                  </p:txBody>
+                </p:sp>
+                <p:sp>
+                  <p:nvSpPr>
+                    <p:cNvPr id="157" name="Rounded Rectangle 156">
+                      <a:extLst>
+                        <a:ext uri="{FF2B5EF4-FFF2-40B4-BE49-F238E27FC236}">
+                          <a16:creationId xmlns:a16="http://schemas.microsoft.com/office/drawing/2014/main" id="{C049C714-D174-9B20-6F29-7AA331D9813C}"/>
+                        </a:ext>
+                      </a:extLst>
+                    </p:cNvPr>
+                    <p:cNvSpPr/>
+                    <p:nvPr/>
+                  </p:nvSpPr>
+                  <p:spPr>
+                    <a:xfrm>
+                      <a:off x="751138" y="2586077"/>
+                      <a:ext cx="742548" cy="215967"/>
+                    </a:xfrm>
+                    <a:prstGeom prst="roundRect">
+                      <a:avLst/>
+                    </a:prstGeom>
+                    <a:solidFill>
+                      <a:schemeClr val="bg1"/>
+                    </a:solidFill>
+                    <a:ln>
+                      <a:noFill/>
+                    </a:ln>
+                  </p:spPr>
+                  <p:style>
+                    <a:lnRef idx="2">
+                      <a:schemeClr val="accent1">
+                        <a:shade val="50000"/>
+                      </a:schemeClr>
+                    </a:lnRef>
+                    <a:fillRef idx="1">
+                      <a:schemeClr val="accent1"/>
+                    </a:fillRef>
+                    <a:effectRef idx="0">
+                      <a:schemeClr val="accent1"/>
+                    </a:effectRef>
+                    <a:fontRef idx="minor">
+                      <a:schemeClr val="lt1"/>
+                    </a:fontRef>
+                  </p:style>
+                  <p:txBody>
+                    <a:bodyPr rtlCol="0" anchor="ctr"/>
+                    <a:lstStyle/>
+                    <a:p>
+                      <a:pPr algn="ctr"/>
+                      <a:r>
+                        <a:rPr lang="en-US" sz="1200" dirty="0">
+                          <a:solidFill>
+                            <a:schemeClr val="tx1"/>
+                          </a:solidFill>
+                          <a:latin typeface="Roboto Thin" panose="02000000000000000000" pitchFamily="2" charset="0"/>
+                          <a:ea typeface="Roboto Thin" panose="02000000000000000000" pitchFamily="2" charset="0"/>
+                        </a:rPr>
+                        <a:t>Eq-Comparison</a:t>
+                      </a:r>
+                    </a:p>
+                  </p:txBody>
+                </p:sp>
+              </p:grpSp>
+              <p:sp>
+                <p:nvSpPr>
+                  <p:cNvPr id="155" name="TextBox 154">
+                    <a:extLst>
+                      <a:ext uri="{FF2B5EF4-FFF2-40B4-BE49-F238E27FC236}">
+                        <a16:creationId xmlns:a16="http://schemas.microsoft.com/office/drawing/2014/main" id="{53C9D62B-AF91-2A4F-BC0F-B7FFF0BA80FB}"/>
+                      </a:ext>
+                    </a:extLst>
+                  </p:cNvPr>
+                  <p:cNvSpPr txBox="1"/>
+                  <p:nvPr/>
+                </p:nvSpPr>
+                <p:spPr>
+                  <a:xfrm>
+                    <a:off x="1151582" y="1983394"/>
+                    <a:ext cx="459901" cy="307777"/>
+                  </a:xfrm>
+                  <a:prstGeom prst="rect">
+                    <a:avLst/>
+                  </a:prstGeom>
+                  <a:noFill/>
+                </p:spPr>
+                <p:txBody>
+                  <a:bodyPr wrap="none" rtlCol="0">
+                    <a:spAutoFit/>
+                  </a:bodyPr>
+                  <a:lstStyle/>
+                  <a:p>
+                    <a:pPr algn="ctr"/>
+                    <a:r>
+                      <a:rPr lang="en-US" sz="1400" dirty="0">
+                        <a:latin typeface="Roboto Light" panose="02000000000000000000" pitchFamily="2" charset="0"/>
+                        <a:ea typeface="Roboto Light" panose="02000000000000000000" pitchFamily="2" charset="0"/>
+                      </a:rPr>
+                      <a:t>over 65</a:t>
+                    </a:r>
+                  </a:p>
+                </p:txBody>
+              </p:sp>
+            </p:grpSp>
+            <p:sp>
+              <p:nvSpPr>
+                <p:cNvPr id="152" name="Rounded Rectangle 151">
+                  <a:extLst>
+                    <a:ext uri="{FF2B5EF4-FFF2-40B4-BE49-F238E27FC236}">
+                      <a16:creationId xmlns:a16="http://schemas.microsoft.com/office/drawing/2014/main" id="{6A41FBCE-5304-FB0A-9F31-949A0F01308D}"/>
+                    </a:ext>
+                  </a:extLst>
+                </p:cNvPr>
+                <p:cNvSpPr/>
+                <p:nvPr/>
+              </p:nvSpPr>
+              <p:spPr>
+                <a:xfrm>
+                  <a:off x="4833835" y="2170681"/>
+                  <a:ext cx="1412201" cy="378371"/>
+                </a:xfrm>
+                <a:prstGeom prst="roundRect">
+                  <a:avLst/>
+                </a:prstGeom>
+                <a:solidFill>
+                  <a:schemeClr val="bg1"/>
+                </a:solidFill>
+                <a:ln>
+                  <a:noFill/>
+                </a:ln>
+              </p:spPr>
+              <p:style>
+                <a:lnRef idx="2">
+                  <a:schemeClr val="accent1">
+                    <a:shade val="50000"/>
+                  </a:schemeClr>
+                </a:lnRef>
+                <a:fillRef idx="1">
+                  <a:schemeClr val="accent1"/>
+                </a:fillRef>
+                <a:effectRef idx="0">
+                  <a:schemeClr val="accent1"/>
+                </a:effectRef>
+                <a:fontRef idx="minor">
+                  <a:schemeClr val="lt1"/>
+                </a:fontRef>
+              </p:style>
+              <p:txBody>
+                <a:bodyPr rtlCol="0" anchor="ctr"/>
+                <a:lstStyle/>
+                <a:p>
+                  <a:pPr algn="ctr"/>
+                  <a:endParaRPr lang="en-US" sz="1200" dirty="0">
+                    <a:solidFill>
+                      <a:schemeClr val="tx1"/>
+                    </a:solidFill>
+                    <a:latin typeface="Roboto Thin" panose="02000000000000000000" pitchFamily="2" charset="0"/>
+                    <a:ea typeface="Roboto Thin" panose="02000000000000000000" pitchFamily="2" charset="0"/>
+                  </a:endParaRPr>
+                </a:p>
+              </p:txBody>
+            </p:sp>
+            <p:sp>
+              <p:nvSpPr>
+                <p:cNvPr id="153" name="TextBox 152">
+                  <a:extLst>
+                    <a:ext uri="{FF2B5EF4-FFF2-40B4-BE49-F238E27FC236}">
+                      <a16:creationId xmlns:a16="http://schemas.microsoft.com/office/drawing/2014/main" id="{776C8800-F5A3-8601-E9D2-357A78203F83}"/>
+                    </a:ext>
+                  </a:extLst>
+                </p:cNvPr>
+                <p:cNvSpPr txBox="1"/>
+                <p:nvPr/>
+              </p:nvSpPr>
+              <p:spPr>
+                <a:xfrm>
+                  <a:off x="4771390" y="2142764"/>
+                  <a:ext cx="1583918" cy="415498"/>
+                </a:xfrm>
+                <a:prstGeom prst="rect">
+                  <a:avLst/>
+                </a:prstGeom>
+                <a:noFill/>
+              </p:spPr>
+              <p:txBody>
+                <a:bodyPr wrap="square" rtlCol="0">
+                  <a:spAutoFit/>
+                </a:bodyPr>
+                <a:lstStyle/>
+                <a:p>
+                  <a:r>
+                    <a:rPr lang="en-US" sz="1050" dirty="0">
+                      <a:latin typeface="Roboto Thin" panose="02000000000000000000" pitchFamily="2" charset="0"/>
+                      <a:ea typeface="Roboto Thin" panose="02000000000000000000" pitchFamily="2" charset="0"/>
+                    </a:rPr>
+                    <a:t>Operator: Greater</a:t>
+                  </a:r>
+                  <a:br>
+                    <a:rPr lang="en-US" sz="1050" dirty="0">
+                      <a:latin typeface="Roboto Thin" panose="02000000000000000000" pitchFamily="2" charset="0"/>
+                      <a:ea typeface="Roboto Thin" panose="02000000000000000000" pitchFamily="2" charset="0"/>
+                    </a:rPr>
+                  </a:br>
+                  <a:r>
+                    <a:rPr lang="en-US" sz="1050" dirty="0">
+                      <a:latin typeface="Roboto Thin" panose="02000000000000000000" pitchFamily="2" charset="0"/>
+                      <a:ea typeface="Roboto Thin" panose="02000000000000000000" pitchFamily="2" charset="0"/>
+                    </a:rPr>
+                    <a:t>Value:       “65”</a:t>
+                  </a:r>
+                </a:p>
+              </p:txBody>
+            </p:sp>
+          </p:grpSp>
+          <p:grpSp>
+            <p:nvGrpSpPr>
+              <p:cNvPr id="119" name="Group 118">
+                <a:extLst>
+                  <a:ext uri="{FF2B5EF4-FFF2-40B4-BE49-F238E27FC236}">
+                    <a16:creationId xmlns:a16="http://schemas.microsoft.com/office/drawing/2014/main" id="{C4F9AEB2-72F9-A088-E5C8-E1213D7F7FB7}"/>
+                  </a:ext>
+                </a:extLst>
+              </p:cNvPr>
+              <p:cNvGrpSpPr/>
+              <p:nvPr/>
+            </p:nvGrpSpPr>
+            <p:grpSpPr>
+              <a:xfrm>
+                <a:off x="108309" y="2712593"/>
+                <a:ext cx="946272" cy="643467"/>
+                <a:chOff x="936618" y="1707256"/>
+                <a:chExt cx="946272" cy="643467"/>
+              </a:xfrm>
+            </p:grpSpPr>
+            <p:grpSp>
+              <p:nvGrpSpPr>
+                <p:cNvPr id="136" name="Group 135">
+                  <a:extLst>
+                    <a:ext uri="{FF2B5EF4-FFF2-40B4-BE49-F238E27FC236}">
+                      <a16:creationId xmlns:a16="http://schemas.microsoft.com/office/drawing/2014/main" id="{7A8A2E4F-2B9A-9125-57EE-22E8A9582E2B}"/>
+                    </a:ext>
+                  </a:extLst>
+                </p:cNvPr>
+                <p:cNvGrpSpPr/>
+                <p:nvPr/>
+              </p:nvGrpSpPr>
+              <p:grpSpPr>
+                <a:xfrm>
+                  <a:off x="936618" y="1707256"/>
+                  <a:ext cx="946272" cy="643467"/>
+                  <a:chOff x="694268" y="2512259"/>
+                  <a:chExt cx="946272" cy="643467"/>
+                </a:xfrm>
+              </p:grpSpPr>
+              <p:sp>
+                <p:nvSpPr>
+                  <p:cNvPr id="145" name="Rounded Rectangle 144">
+                    <a:extLst>
+                      <a:ext uri="{FF2B5EF4-FFF2-40B4-BE49-F238E27FC236}">
+                        <a16:creationId xmlns:a16="http://schemas.microsoft.com/office/drawing/2014/main" id="{FC127693-8DB1-A002-7145-799C741689A2}"/>
+                      </a:ext>
+                    </a:extLst>
+                  </p:cNvPr>
+                  <p:cNvSpPr/>
+                  <p:nvPr/>
+                </p:nvSpPr>
+                <p:spPr>
+                  <a:xfrm>
+                    <a:off x="694268" y="2512259"/>
+                    <a:ext cx="946272" cy="643467"/>
+                  </a:xfrm>
+                  <a:prstGeom prst="roundRect">
+                    <a:avLst/>
+                  </a:prstGeom>
+                  <a:solidFill>
+                    <a:srgbClr val="EA6E47"/>
+                  </a:solidFill>
+                  <a:ln>
+                    <a:noFill/>
+                  </a:ln>
+                </p:spPr>
+                <p:style>
+                  <a:lnRef idx="2">
+                    <a:schemeClr val="accent1">
+                      <a:shade val="50000"/>
+                    </a:schemeClr>
+                  </a:lnRef>
+                  <a:fillRef idx="1">
+                    <a:schemeClr val="accent1"/>
+                  </a:fillRef>
+                  <a:effectRef idx="0">
+                    <a:schemeClr val="accent1"/>
+                  </a:effectRef>
+                  <a:fontRef idx="minor">
+                    <a:schemeClr val="lt1"/>
+                  </a:fontRef>
+                </p:style>
+                <p:txBody>
+                  <a:bodyPr rtlCol="0" anchor="ctr"/>
+                  <a:lstStyle/>
+                  <a:p>
+                    <a:pPr algn="ctr"/>
+                    <a:endParaRPr lang="en-US"/>
+                  </a:p>
+                </p:txBody>
+              </p:sp>
+              <p:sp>
+                <p:nvSpPr>
+                  <p:cNvPr id="150" name="Rounded Rectangle 149">
+                    <a:extLst>
+                      <a:ext uri="{FF2B5EF4-FFF2-40B4-BE49-F238E27FC236}">
+                        <a16:creationId xmlns:a16="http://schemas.microsoft.com/office/drawing/2014/main" id="{AC592254-F13B-77F8-CE28-7738C7787313}"/>
+                      </a:ext>
+                    </a:extLst>
+                  </p:cNvPr>
+                  <p:cNvSpPr/>
+                  <p:nvPr/>
+                </p:nvSpPr>
+                <p:spPr>
+                  <a:xfrm>
+                    <a:off x="762004" y="2576000"/>
+                    <a:ext cx="823904" cy="217783"/>
+                  </a:xfrm>
+                  <a:prstGeom prst="roundRect">
+                    <a:avLst/>
+                  </a:prstGeom>
+                  <a:solidFill>
+                    <a:schemeClr val="bg1"/>
+                  </a:solidFill>
+                  <a:ln>
+                    <a:noFill/>
+                  </a:ln>
+                </p:spPr>
+                <p:style>
+                  <a:lnRef idx="2">
+                    <a:schemeClr val="accent1">
+                      <a:shade val="50000"/>
+                    </a:schemeClr>
+                  </a:lnRef>
+                  <a:fillRef idx="1">
+                    <a:schemeClr val="accent1"/>
+                  </a:fillRef>
+                  <a:effectRef idx="0">
+                    <a:schemeClr val="accent1"/>
+                  </a:effectRef>
+                  <a:fontRef idx="minor">
+                    <a:schemeClr val="lt1"/>
+                  </a:fontRef>
+                </p:style>
+                <p:txBody>
+                  <a:bodyPr rtlCol="0" anchor="ctr"/>
+                  <a:lstStyle/>
+                  <a:p>
+                    <a:pPr algn="ctr"/>
+                    <a:r>
+                      <a:rPr lang="en-US" sz="1200" dirty="0">
+                        <a:solidFill>
+                          <a:schemeClr val="tx1"/>
+                        </a:solidFill>
+                        <a:latin typeface="Roboto Thin" panose="02000000000000000000" pitchFamily="2" charset="0"/>
+                        <a:ea typeface="Roboto Thin" panose="02000000000000000000" pitchFamily="2" charset="0"/>
+                      </a:rPr>
+                      <a:t>Negation</a:t>
+                    </a:r>
+                  </a:p>
+                </p:txBody>
+              </p:sp>
+            </p:grpSp>
+            <p:sp>
+              <p:nvSpPr>
+                <p:cNvPr id="144" name="TextBox 143">
+                  <a:extLst>
+                    <a:ext uri="{FF2B5EF4-FFF2-40B4-BE49-F238E27FC236}">
+                      <a16:creationId xmlns:a16="http://schemas.microsoft.com/office/drawing/2014/main" id="{D424D58A-5833-9C12-178A-55B64A8E80D7}"/>
+                    </a:ext>
+                  </a:extLst>
+                </p:cNvPr>
+                <p:cNvSpPr txBox="1"/>
+                <p:nvPr/>
+              </p:nvSpPr>
+              <p:spPr>
+                <a:xfrm>
+                  <a:off x="1212283" y="1978805"/>
+                  <a:ext cx="385041" cy="307777"/>
+                </a:xfrm>
+                <a:prstGeom prst="rect">
+                  <a:avLst/>
+                </a:prstGeom>
+                <a:noFill/>
+              </p:spPr>
+              <p:txBody>
+                <a:bodyPr wrap="none" rtlCol="0">
+                  <a:spAutoFit/>
+                </a:bodyPr>
+                <a:lstStyle/>
+                <a:p>
+                  <a:pPr algn="ctr"/>
+                  <a:r>
+                    <a:rPr lang="en-US" sz="1400" dirty="0">
+                      <a:latin typeface="Roboto Light" panose="02000000000000000000" pitchFamily="2" charset="0"/>
+                      <a:ea typeface="Roboto Light" panose="02000000000000000000" pitchFamily="2" charset="0"/>
+                    </a:rPr>
+                    <a:t>no</a:t>
+                  </a:r>
+                </a:p>
+              </p:txBody>
+            </p:sp>
+          </p:grpSp>
+          <p:grpSp>
+            <p:nvGrpSpPr>
+              <p:cNvPr id="120" name="Group 119">
+                <a:extLst>
+                  <a:ext uri="{FF2B5EF4-FFF2-40B4-BE49-F238E27FC236}">
+                    <a16:creationId xmlns:a16="http://schemas.microsoft.com/office/drawing/2014/main" id="{BFFF8F90-E021-E98D-28EB-4C277A4026C3}"/>
+                  </a:ext>
+                </a:extLst>
+              </p:cNvPr>
+              <p:cNvGrpSpPr/>
+              <p:nvPr/>
+            </p:nvGrpSpPr>
+            <p:grpSpPr>
+              <a:xfrm>
+                <a:off x="1098927" y="2704334"/>
+                <a:ext cx="1653669" cy="643467"/>
+                <a:chOff x="1028165" y="1707256"/>
+                <a:chExt cx="1653669" cy="643467"/>
+              </a:xfrm>
+            </p:grpSpPr>
+            <p:grpSp>
+              <p:nvGrpSpPr>
+                <p:cNvPr id="132" name="Group 131">
+                  <a:extLst>
+                    <a:ext uri="{FF2B5EF4-FFF2-40B4-BE49-F238E27FC236}">
+                      <a16:creationId xmlns:a16="http://schemas.microsoft.com/office/drawing/2014/main" id="{00C4760B-9139-BC98-4EFD-33AD88935D5B}"/>
+                    </a:ext>
+                  </a:extLst>
+                </p:cNvPr>
+                <p:cNvGrpSpPr/>
+                <p:nvPr/>
+              </p:nvGrpSpPr>
+              <p:grpSpPr>
+                <a:xfrm>
+                  <a:off x="1028165" y="1707256"/>
+                  <a:ext cx="1653669" cy="643467"/>
+                  <a:chOff x="785815" y="2512259"/>
+                  <a:chExt cx="1653669" cy="643467"/>
+                </a:xfrm>
+              </p:grpSpPr>
+              <p:sp>
+                <p:nvSpPr>
+                  <p:cNvPr id="134" name="Rounded Rectangle 133">
+                    <a:extLst>
+                      <a:ext uri="{FF2B5EF4-FFF2-40B4-BE49-F238E27FC236}">
+                        <a16:creationId xmlns:a16="http://schemas.microsoft.com/office/drawing/2014/main" id="{096B1BD8-030F-5342-A19D-13FB74E3D104}"/>
+                      </a:ext>
+                    </a:extLst>
+                  </p:cNvPr>
+                  <p:cNvSpPr/>
+                  <p:nvPr/>
+                </p:nvSpPr>
+                <p:spPr>
+                  <a:xfrm>
+                    <a:off x="785815" y="2512259"/>
+                    <a:ext cx="1653669" cy="643467"/>
+                  </a:xfrm>
+                  <a:prstGeom prst="roundRect">
+                    <a:avLst/>
+                  </a:prstGeom>
+                  <a:solidFill>
+                    <a:srgbClr val="EBA78A"/>
+                  </a:solidFill>
+                  <a:ln>
+                    <a:noFill/>
+                  </a:ln>
+                </p:spPr>
+                <p:style>
+                  <a:lnRef idx="2">
+                    <a:schemeClr val="accent1">
+                      <a:shade val="50000"/>
+                    </a:schemeClr>
+                  </a:lnRef>
+                  <a:fillRef idx="1">
+                    <a:schemeClr val="accent1"/>
+                  </a:fillRef>
+                  <a:effectRef idx="0">
+                    <a:schemeClr val="accent1"/>
+                  </a:effectRef>
+                  <a:fontRef idx="minor">
+                    <a:schemeClr val="lt1"/>
+                  </a:fontRef>
+                </p:style>
+                <p:txBody>
+                  <a:bodyPr rtlCol="0" anchor="ctr"/>
+                  <a:lstStyle/>
+                  <a:p>
+                    <a:pPr algn="ctr"/>
+                    <a:endParaRPr lang="en-US"/>
+                  </a:p>
+                </p:txBody>
+              </p:sp>
+              <p:sp>
+                <p:nvSpPr>
+                  <p:cNvPr id="135" name="Rounded Rectangle 134">
+                    <a:extLst>
+                      <a:ext uri="{FF2B5EF4-FFF2-40B4-BE49-F238E27FC236}">
+                        <a16:creationId xmlns:a16="http://schemas.microsoft.com/office/drawing/2014/main" id="{64D5A389-3795-9B29-00D4-16F18B49B8C6}"/>
+                      </a:ext>
+                    </a:extLst>
+                  </p:cNvPr>
+                  <p:cNvSpPr/>
+                  <p:nvPr/>
+                </p:nvSpPr>
+                <p:spPr>
+                  <a:xfrm>
+                    <a:off x="834249" y="2582085"/>
+                    <a:ext cx="1534177" cy="215967"/>
+                  </a:xfrm>
+                  <a:prstGeom prst="roundRect">
+                    <a:avLst/>
+                  </a:prstGeom>
+                  <a:solidFill>
+                    <a:schemeClr val="bg1"/>
+                  </a:solidFill>
+                  <a:ln>
+                    <a:noFill/>
+                  </a:ln>
+                </p:spPr>
+                <p:style>
+                  <a:lnRef idx="2">
+                    <a:schemeClr val="accent1">
+                      <a:shade val="50000"/>
+                    </a:schemeClr>
+                  </a:lnRef>
+                  <a:fillRef idx="1">
+                    <a:schemeClr val="accent1"/>
+                  </a:fillRef>
+                  <a:effectRef idx="0">
+                    <a:schemeClr val="accent1"/>
+                  </a:effectRef>
+                  <a:fontRef idx="minor">
+                    <a:schemeClr val="lt1"/>
+                  </a:fontRef>
+                </p:style>
+                <p:txBody>
+                  <a:bodyPr rtlCol="0" anchor="ctr"/>
+                  <a:lstStyle/>
+                  <a:p>
+                    <a:pPr algn="ctr"/>
+                    <a:r>
+                      <a:rPr lang="en-US" sz="1200" dirty="0">
+                        <a:solidFill>
+                          <a:schemeClr val="tx1"/>
+                        </a:solidFill>
+                        <a:latin typeface="Roboto Thin" panose="02000000000000000000" pitchFamily="2" charset="0"/>
+                        <a:ea typeface="Roboto Thin" panose="02000000000000000000" pitchFamily="2" charset="0"/>
+                      </a:rPr>
+                      <a:t>Contraindication</a:t>
+                    </a:r>
+                  </a:p>
+                </p:txBody>
+              </p:sp>
+            </p:grpSp>
+            <p:sp>
+              <p:nvSpPr>
+                <p:cNvPr id="133" name="TextBox 132">
+                  <a:extLst>
+                    <a:ext uri="{FF2B5EF4-FFF2-40B4-BE49-F238E27FC236}">
+                      <a16:creationId xmlns:a16="http://schemas.microsoft.com/office/drawing/2014/main" id="{E80E1FA4-92BD-9EFD-06B2-E79109FA1016}"/>
+                    </a:ext>
+                  </a:extLst>
+                </p:cNvPr>
+                <p:cNvSpPr txBox="1"/>
+                <p:nvPr/>
+              </p:nvSpPr>
+              <p:spPr>
+                <a:xfrm>
+                  <a:off x="1079651" y="1968774"/>
+                  <a:ext cx="1550424" cy="307777"/>
+                </a:xfrm>
+                <a:prstGeom prst="rect">
+                  <a:avLst/>
+                </a:prstGeom>
+                <a:noFill/>
+              </p:spPr>
+              <p:txBody>
+                <a:bodyPr wrap="none" rtlCol="0">
+                  <a:spAutoFit/>
+                </a:bodyPr>
+                <a:lstStyle/>
+                <a:p>
+                  <a:pPr algn="ctr"/>
+                  <a:r>
+                    <a:rPr lang="en-US" sz="1400" dirty="0">
+                      <a:latin typeface="Roboto Light" panose="02000000000000000000" pitchFamily="2" charset="0"/>
+                      <a:ea typeface="Roboto Light" panose="02000000000000000000" pitchFamily="2" charset="0"/>
+                    </a:rPr>
+                    <a:t>contraindications</a:t>
+                  </a:r>
+                </a:p>
+              </p:txBody>
+            </p:sp>
+          </p:grpSp>
+          <p:sp>
+            <p:nvSpPr>
+              <p:cNvPr id="121" name="TextBox 120">
+                <a:extLst>
+                  <a:ext uri="{FF2B5EF4-FFF2-40B4-BE49-F238E27FC236}">
+                    <a16:creationId xmlns:a16="http://schemas.microsoft.com/office/drawing/2014/main" id="{0C79905B-FFF8-1701-5915-D7A118C44AAC}"/>
+                  </a:ext>
+                </a:extLst>
+              </p:cNvPr>
+              <p:cNvSpPr txBox="1"/>
+              <p:nvPr/>
+            </p:nvSpPr>
+            <p:spPr>
+              <a:xfrm>
+                <a:off x="2704505" y="2984142"/>
+                <a:ext cx="491059" cy="307777"/>
+              </a:xfrm>
+              <a:prstGeom prst="rect">
+                <a:avLst/>
+              </a:prstGeom>
+              <a:noFill/>
+            </p:spPr>
+            <p:txBody>
+              <a:bodyPr wrap="square" rtlCol="0">
+                <a:spAutoFit/>
+              </a:bodyPr>
+              <a:lstStyle/>
+              <a:p>
+                <a:r>
+                  <a:rPr lang="en-US" sz="1400" dirty="0">
+                    <a:latin typeface="Roboto Light" panose="02000000000000000000" pitchFamily="2" charset="0"/>
+                    <a:ea typeface="Roboto Light" panose="02000000000000000000" pitchFamily="2" charset="0"/>
+                  </a:rPr>
+                  <a:t>to</a:t>
+                </a:r>
+              </a:p>
+            </p:txBody>
+          </p:sp>
+          <p:sp>
+            <p:nvSpPr>
+              <p:cNvPr id="122" name="TextBox 121">
+                <a:extLst>
+                  <a:ext uri="{FF2B5EF4-FFF2-40B4-BE49-F238E27FC236}">
+                    <a16:creationId xmlns:a16="http://schemas.microsoft.com/office/drawing/2014/main" id="{A5B38DCE-A6D9-17DA-1370-7D5366A4A3F3}"/>
+                  </a:ext>
+                </a:extLst>
+              </p:cNvPr>
+              <p:cNvSpPr txBox="1"/>
+              <p:nvPr/>
+            </p:nvSpPr>
+            <p:spPr>
+              <a:xfrm>
+                <a:off x="2959279" y="1452789"/>
+                <a:ext cx="703378" cy="307777"/>
+              </a:xfrm>
+              <a:prstGeom prst="rect">
+                <a:avLst/>
+              </a:prstGeom>
+              <a:noFill/>
+            </p:spPr>
+            <p:txBody>
+              <a:bodyPr wrap="square" rtlCol="0">
+                <a:spAutoFit/>
+              </a:bodyPr>
+              <a:lstStyle/>
+              <a:p>
+                <a:r>
+                  <a:rPr lang="en-US" sz="1400" dirty="0">
+                    <a:latin typeface="Roboto Light" panose="02000000000000000000" pitchFamily="2" charset="0"/>
+                    <a:ea typeface="Roboto Light" panose="02000000000000000000" pitchFamily="2" charset="0"/>
+                  </a:rPr>
+                  <a:t>with</a:t>
+                </a:r>
+              </a:p>
+            </p:txBody>
+          </p:sp>
+          <p:grpSp>
+            <p:nvGrpSpPr>
+              <p:cNvPr id="93" name="Group 92">
+                <a:extLst>
+                  <a:ext uri="{FF2B5EF4-FFF2-40B4-BE49-F238E27FC236}">
+                    <a16:creationId xmlns:a16="http://schemas.microsoft.com/office/drawing/2014/main" id="{1ABDDA88-C9AA-FBE1-9310-5E8EB15061A5}"/>
+                  </a:ext>
+                </a:extLst>
+              </p:cNvPr>
+              <p:cNvGrpSpPr/>
+              <p:nvPr/>
+            </p:nvGrpSpPr>
+            <p:grpSpPr>
+              <a:xfrm>
+                <a:off x="763051" y="2300118"/>
+                <a:ext cx="1275833" cy="364165"/>
+                <a:chOff x="5764893" y="327779"/>
+                <a:chExt cx="1275833" cy="364165"/>
+              </a:xfrm>
+            </p:grpSpPr>
+            <p:grpSp>
+              <p:nvGrpSpPr>
+                <p:cNvPr id="100" name="Group 99">
+                  <a:extLst>
+                    <a:ext uri="{FF2B5EF4-FFF2-40B4-BE49-F238E27FC236}">
+                      <a16:creationId xmlns:a16="http://schemas.microsoft.com/office/drawing/2014/main" id="{7DD1CDA3-EBC6-36E9-030C-59592F1BD116}"/>
+                    </a:ext>
+                  </a:extLst>
+                </p:cNvPr>
+                <p:cNvGrpSpPr/>
+                <p:nvPr/>
+              </p:nvGrpSpPr>
+              <p:grpSpPr>
+                <a:xfrm>
+                  <a:off x="5764893" y="327779"/>
+                  <a:ext cx="1239655" cy="351651"/>
+                  <a:chOff x="1664532" y="331148"/>
+                  <a:chExt cx="1239655" cy="351651"/>
+                </a:xfrm>
+              </p:grpSpPr>
+              <p:cxnSp>
+                <p:nvCxnSpPr>
+                  <p:cNvPr id="102" name="Straight Connector 101">
+                    <a:extLst>
+                      <a:ext uri="{FF2B5EF4-FFF2-40B4-BE49-F238E27FC236}">
+                        <a16:creationId xmlns:a16="http://schemas.microsoft.com/office/drawing/2014/main" id="{25B2ADA1-23DD-B8E7-F957-EBCDE4340F66}"/>
+                      </a:ext>
+                    </a:extLst>
+                  </p:cNvPr>
+                  <p:cNvCxnSpPr>
+                    <a:cxnSpLocks/>
+                  </p:cNvCxnSpPr>
+                  <p:nvPr/>
+                </p:nvCxnSpPr>
+                <p:spPr>
+                  <a:xfrm flipV="1">
+                    <a:off x="1681784" y="584871"/>
+                    <a:ext cx="0" cy="97928"/>
+                  </a:xfrm>
+                  <a:prstGeom prst="line">
+                    <a:avLst/>
+                  </a:prstGeom>
+                  <a:ln w="38100">
+                    <a:solidFill>
+                      <a:schemeClr val="bg1">
+                        <a:lumMod val="85000"/>
+                      </a:schemeClr>
+                    </a:solidFill>
+                  </a:ln>
+                </p:spPr>
+                <p:style>
+                  <a:lnRef idx="1">
+                    <a:schemeClr val="accent1"/>
+                  </a:lnRef>
+                  <a:fillRef idx="0">
+                    <a:schemeClr val="accent1"/>
+                  </a:fillRef>
+                  <a:effectRef idx="0">
+                    <a:schemeClr val="accent1"/>
+                  </a:effectRef>
+                  <a:fontRef idx="minor">
+                    <a:schemeClr val="tx1"/>
+                  </a:fontRef>
+                </p:style>
+              </p:cxnSp>
+              <p:cxnSp>
+                <p:nvCxnSpPr>
+                  <p:cNvPr id="103" name="Straight Connector 102">
+                    <a:extLst>
+                      <a:ext uri="{FF2B5EF4-FFF2-40B4-BE49-F238E27FC236}">
+                        <a16:creationId xmlns:a16="http://schemas.microsoft.com/office/drawing/2014/main" id="{7296B48C-4548-512F-C68B-D91313352097}"/>
+                      </a:ext>
+                    </a:extLst>
+                  </p:cNvPr>
+                  <p:cNvCxnSpPr>
+                    <a:cxnSpLocks/>
+                  </p:cNvCxnSpPr>
+                  <p:nvPr/>
+                </p:nvCxnSpPr>
+                <p:spPr>
+                  <a:xfrm flipH="1">
+                    <a:off x="1664532" y="583852"/>
+                    <a:ext cx="1239655" cy="0"/>
+                  </a:xfrm>
+                  <a:prstGeom prst="line">
+                    <a:avLst/>
+                  </a:prstGeom>
+                  <a:ln w="38100">
+                    <a:solidFill>
+                      <a:schemeClr val="bg1">
+                        <a:lumMod val="85000"/>
+                      </a:schemeClr>
+                    </a:solidFill>
+                  </a:ln>
+                </p:spPr>
+                <p:style>
+                  <a:lnRef idx="1">
+                    <a:schemeClr val="accent1"/>
+                  </a:lnRef>
+                  <a:fillRef idx="0">
+                    <a:schemeClr val="accent1"/>
+                  </a:fillRef>
+                  <a:effectRef idx="0">
+                    <a:schemeClr val="accent1"/>
+                  </a:effectRef>
+                  <a:fontRef idx="minor">
+                    <a:schemeClr val="tx1"/>
+                  </a:fontRef>
+                </p:style>
+              </p:cxnSp>
+              <p:sp>
+                <p:nvSpPr>
+                  <p:cNvPr id="104" name="TextBox 103">
+                    <a:extLst>
+                      <a:ext uri="{FF2B5EF4-FFF2-40B4-BE49-F238E27FC236}">
+                        <a16:creationId xmlns:a16="http://schemas.microsoft.com/office/drawing/2014/main" id="{B84F9FBF-8B6B-A3DD-94AD-FAFA5D8B92D6}"/>
+                      </a:ext>
+                    </a:extLst>
+                  </p:cNvPr>
+                  <p:cNvSpPr txBox="1"/>
+                  <p:nvPr/>
+                </p:nvSpPr>
+                <p:spPr>
+                  <a:xfrm>
+                    <a:off x="1905140" y="331148"/>
+                    <a:ext cx="915121" cy="276999"/>
+                  </a:xfrm>
+                  <a:prstGeom prst="rect">
+                    <a:avLst/>
+                  </a:prstGeom>
+                  <a:noFill/>
+                </p:spPr>
+                <p:txBody>
+                  <a:bodyPr wrap="square" rtlCol="0">
+                    <a:spAutoFit/>
+                  </a:bodyPr>
+                  <a:lstStyle/>
+                  <a:p>
+                    <a:r>
+                      <a:rPr lang="en-US" sz="1200" dirty="0">
+                        <a:latin typeface="Roboto Thin" panose="02000000000000000000" pitchFamily="2" charset="0"/>
+                        <a:ea typeface="Roboto Thin" panose="02000000000000000000" pitchFamily="2" charset="0"/>
+                      </a:rPr>
+                      <a:t>Negates</a:t>
+                    </a:r>
+                  </a:p>
+                </p:txBody>
+              </p:sp>
+            </p:grpSp>
+            <p:sp>
+              <p:nvSpPr>
+                <p:cNvPr id="101" name="Down Arrow 100">
+                  <a:extLst>
+                    <a:ext uri="{FF2B5EF4-FFF2-40B4-BE49-F238E27FC236}">
+                      <a16:creationId xmlns:a16="http://schemas.microsoft.com/office/drawing/2014/main" id="{BAB08EEF-8472-6B2A-F487-F94FC5B05E37}"/>
+                    </a:ext>
+                  </a:extLst>
+                </p:cNvPr>
+                <p:cNvSpPr/>
+                <p:nvPr/>
+              </p:nvSpPr>
+              <p:spPr>
+                <a:xfrm>
+                  <a:off x="6955502" y="566744"/>
+                  <a:ext cx="85224" cy="125200"/>
+                </a:xfrm>
+                <a:prstGeom prst="downArrow">
+                  <a:avLst/>
+                </a:prstGeom>
+                <a:solidFill>
+                  <a:schemeClr val="bg1">
+                    <a:lumMod val="85000"/>
+                  </a:schemeClr>
+                </a:solidFill>
+                <a:ln>
+                  <a:noFill/>
+                </a:ln>
+              </p:spPr>
+              <p:style>
+                <a:lnRef idx="2">
+                  <a:schemeClr val="accent1">
+                    <a:shade val="50000"/>
+                  </a:schemeClr>
+                </a:lnRef>
+                <a:fillRef idx="1">
+                  <a:schemeClr val="accent1"/>
+                </a:fillRef>
+                <a:effectRef idx="0">
+                  <a:schemeClr val="accent1"/>
+                </a:effectRef>
+                <a:fontRef idx="minor">
+                  <a:schemeClr val="lt1"/>
+                </a:fontRef>
+              </p:style>
+              <p:txBody>
+                <a:bodyPr rtlCol="0" anchor="ctr"/>
+                <a:lstStyle/>
+                <a:p>
+                  <a:pPr algn="ctr"/>
+                  <a:endParaRPr lang="en-US"/>
+                </a:p>
+              </p:txBody>
+            </p:sp>
+          </p:grpSp>
+          <p:grpSp>
+            <p:nvGrpSpPr>
+              <p:cNvPr id="94" name="Group 93">
+                <a:extLst>
+                  <a:ext uri="{FF2B5EF4-FFF2-40B4-BE49-F238E27FC236}">
+                    <a16:creationId xmlns:a16="http://schemas.microsoft.com/office/drawing/2014/main" id="{AA8FEFDB-9B31-833B-35EC-400557593C16}"/>
+                  </a:ext>
+                </a:extLst>
+              </p:cNvPr>
+              <p:cNvGrpSpPr/>
+              <p:nvPr/>
+            </p:nvGrpSpPr>
+            <p:grpSpPr>
+              <a:xfrm>
+                <a:off x="2346572" y="2273576"/>
+                <a:ext cx="1466593" cy="384220"/>
+                <a:chOff x="7348414" y="301237"/>
+                <a:chExt cx="1809022" cy="384220"/>
+              </a:xfrm>
+            </p:grpSpPr>
+            <p:grpSp>
+              <p:nvGrpSpPr>
+                <p:cNvPr id="95" name="Group 94">
+                  <a:extLst>
+                    <a:ext uri="{FF2B5EF4-FFF2-40B4-BE49-F238E27FC236}">
+                      <a16:creationId xmlns:a16="http://schemas.microsoft.com/office/drawing/2014/main" id="{498FD0FB-2B30-68AD-39CF-02BF97A065AE}"/>
+                    </a:ext>
+                  </a:extLst>
+                </p:cNvPr>
+                <p:cNvGrpSpPr/>
+                <p:nvPr/>
+              </p:nvGrpSpPr>
+              <p:grpSpPr>
+                <a:xfrm>
+                  <a:off x="7348414" y="301237"/>
+                  <a:ext cx="1778329" cy="366945"/>
+                  <a:chOff x="1664532" y="315854"/>
+                  <a:chExt cx="1239655" cy="366945"/>
+                </a:xfrm>
+              </p:grpSpPr>
+              <p:cxnSp>
+                <p:nvCxnSpPr>
+                  <p:cNvPr id="97" name="Straight Connector 96">
+                    <a:extLst>
+                      <a:ext uri="{FF2B5EF4-FFF2-40B4-BE49-F238E27FC236}">
+                        <a16:creationId xmlns:a16="http://schemas.microsoft.com/office/drawing/2014/main" id="{0820C4DF-180C-EE4C-74B7-017843DA1AC8}"/>
+                      </a:ext>
+                    </a:extLst>
+                  </p:cNvPr>
+                  <p:cNvCxnSpPr>
+                    <a:cxnSpLocks/>
+                  </p:cNvCxnSpPr>
+                  <p:nvPr/>
+                </p:nvCxnSpPr>
+                <p:spPr>
+                  <a:xfrm flipV="1">
+                    <a:off x="1681784" y="584871"/>
+                    <a:ext cx="0" cy="97928"/>
+                  </a:xfrm>
+                  <a:prstGeom prst="line">
+                    <a:avLst/>
+                  </a:prstGeom>
+                  <a:ln w="38100">
+                    <a:solidFill>
+                      <a:schemeClr val="bg1">
+                        <a:lumMod val="85000"/>
+                      </a:schemeClr>
+                    </a:solidFill>
+                  </a:ln>
+                </p:spPr>
+                <p:style>
+                  <a:lnRef idx="1">
+                    <a:schemeClr val="accent1"/>
+                  </a:lnRef>
+                  <a:fillRef idx="0">
+                    <a:schemeClr val="accent1"/>
+                  </a:fillRef>
+                  <a:effectRef idx="0">
+                    <a:schemeClr val="accent1"/>
+                  </a:effectRef>
+                  <a:fontRef idx="minor">
+                    <a:schemeClr val="tx1"/>
+                  </a:fontRef>
+                </p:style>
+              </p:cxnSp>
+              <p:cxnSp>
+                <p:nvCxnSpPr>
+                  <p:cNvPr id="98" name="Straight Connector 97">
+                    <a:extLst>
+                      <a:ext uri="{FF2B5EF4-FFF2-40B4-BE49-F238E27FC236}">
+                        <a16:creationId xmlns:a16="http://schemas.microsoft.com/office/drawing/2014/main" id="{1FD9485B-BC68-9ED3-9D09-E82BDF43FF16}"/>
+                      </a:ext>
+                    </a:extLst>
+                  </p:cNvPr>
+                  <p:cNvCxnSpPr>
+                    <a:cxnSpLocks/>
+                  </p:cNvCxnSpPr>
+                  <p:nvPr/>
+                </p:nvCxnSpPr>
+                <p:spPr>
+                  <a:xfrm flipH="1">
+                    <a:off x="1664532" y="583852"/>
+                    <a:ext cx="1239655" cy="0"/>
+                  </a:xfrm>
+                  <a:prstGeom prst="line">
+                    <a:avLst/>
+                  </a:prstGeom>
+                  <a:ln w="38100">
+                    <a:solidFill>
+                      <a:schemeClr val="bg1">
+                        <a:lumMod val="85000"/>
+                      </a:schemeClr>
+                    </a:solidFill>
+                  </a:ln>
+                </p:spPr>
+                <p:style>
+                  <a:lnRef idx="1">
+                    <a:schemeClr val="accent1"/>
+                  </a:lnRef>
+                  <a:fillRef idx="0">
+                    <a:schemeClr val="accent1"/>
+                  </a:fillRef>
+                  <a:effectRef idx="0">
+                    <a:schemeClr val="accent1"/>
+                  </a:effectRef>
+                  <a:fontRef idx="minor">
+                    <a:schemeClr val="tx1"/>
+                  </a:fontRef>
+                </p:style>
+              </p:cxnSp>
+              <p:sp>
+                <p:nvSpPr>
+                  <p:cNvPr id="99" name="TextBox 98">
+                    <a:extLst>
+                      <a:ext uri="{FF2B5EF4-FFF2-40B4-BE49-F238E27FC236}">
+                        <a16:creationId xmlns:a16="http://schemas.microsoft.com/office/drawing/2014/main" id="{F07734A0-AD1E-D7B2-EB70-88F747A6F803}"/>
+                      </a:ext>
+                    </a:extLst>
+                  </p:cNvPr>
+                  <p:cNvSpPr txBox="1"/>
+                  <p:nvPr/>
+                </p:nvSpPr>
+                <p:spPr>
+                  <a:xfrm>
+                    <a:off x="1762753" y="315854"/>
+                    <a:ext cx="1072312" cy="276999"/>
+                  </a:xfrm>
+                  <a:prstGeom prst="rect">
+                    <a:avLst/>
+                  </a:prstGeom>
+                  <a:noFill/>
+                </p:spPr>
+                <p:txBody>
+                  <a:bodyPr wrap="square" rtlCol="0">
+                    <a:spAutoFit/>
+                  </a:bodyPr>
+                  <a:lstStyle/>
+                  <a:p>
+                    <a:r>
+                      <a:rPr lang="en-US" sz="1200" dirty="0">
+                        <a:latin typeface="Roboto Thin" panose="02000000000000000000" pitchFamily="2" charset="0"/>
+                        <a:ea typeface="Roboto Thin" panose="02000000000000000000" pitchFamily="2" charset="0"/>
+                      </a:rPr>
+                      <a:t>Contraindicates</a:t>
+                    </a:r>
+                  </a:p>
+                </p:txBody>
+              </p:sp>
+            </p:grpSp>
+            <p:sp>
+              <p:nvSpPr>
+                <p:cNvPr id="96" name="Down Arrow 95">
+                  <a:extLst>
+                    <a:ext uri="{FF2B5EF4-FFF2-40B4-BE49-F238E27FC236}">
+                      <a16:creationId xmlns:a16="http://schemas.microsoft.com/office/drawing/2014/main" id="{140BC6C5-84B3-DD89-A1DA-B20CF6976B90}"/>
+                    </a:ext>
+                  </a:extLst>
+                </p:cNvPr>
+                <p:cNvSpPr/>
+                <p:nvPr/>
+              </p:nvSpPr>
+              <p:spPr>
+                <a:xfrm>
+                  <a:off x="9072212" y="560257"/>
+                  <a:ext cx="85224" cy="125200"/>
+                </a:xfrm>
+                <a:prstGeom prst="downArrow">
+                  <a:avLst/>
+                </a:prstGeom>
+                <a:solidFill>
+                  <a:schemeClr val="bg1">
+                    <a:lumMod val="85000"/>
+                  </a:schemeClr>
+                </a:solidFill>
+                <a:ln>
+                  <a:noFill/>
+                </a:ln>
+              </p:spPr>
+              <p:style>
+                <a:lnRef idx="2">
+                  <a:schemeClr val="accent1">
+                    <a:shade val="50000"/>
+                  </a:schemeClr>
+                </a:lnRef>
+                <a:fillRef idx="1">
+                  <a:schemeClr val="accent1"/>
+                </a:fillRef>
+                <a:effectRef idx="0">
+                  <a:schemeClr val="accent1"/>
+                </a:effectRef>
+                <a:fontRef idx="minor">
+                  <a:schemeClr val="lt1"/>
+                </a:fontRef>
+              </p:style>
+              <p:txBody>
+                <a:bodyPr rtlCol="0" anchor="ctr"/>
+                <a:lstStyle/>
+                <a:p>
+                  <a:pPr algn="ctr"/>
+                  <a:endParaRPr lang="en-US"/>
+                </a:p>
+              </p:txBody>
+            </p:sp>
+          </p:grpSp>
+          <p:grpSp>
+            <p:nvGrpSpPr>
+              <p:cNvPr id="2" name="Group 1">
+                <a:extLst>
+                  <a:ext uri="{FF2B5EF4-FFF2-40B4-BE49-F238E27FC236}">
+                    <a16:creationId xmlns:a16="http://schemas.microsoft.com/office/drawing/2014/main" id="{56EC5A10-FA00-7A2A-DA93-1E7F0972DEC5}"/>
+                  </a:ext>
+                </a:extLst>
+              </p:cNvPr>
+              <p:cNvGrpSpPr/>
+              <p:nvPr/>
+            </p:nvGrpSpPr>
+            <p:grpSpPr>
+              <a:xfrm>
+                <a:off x="1039338" y="1192146"/>
+                <a:ext cx="599341" cy="643467"/>
+                <a:chOff x="2506835" y="2018217"/>
+                <a:chExt cx="599341" cy="643467"/>
+              </a:xfrm>
+            </p:grpSpPr>
+            <p:sp>
+              <p:nvSpPr>
+                <p:cNvPr id="228" name="Rounded Rectangle 227">
+                  <a:extLst>
+                    <a:ext uri="{FF2B5EF4-FFF2-40B4-BE49-F238E27FC236}">
+                      <a16:creationId xmlns:a16="http://schemas.microsoft.com/office/drawing/2014/main" id="{876F27EC-D4A7-6B31-495A-40F129EE83C0}"/>
+                    </a:ext>
+                  </a:extLst>
+                </p:cNvPr>
+                <p:cNvSpPr/>
+                <p:nvPr/>
+              </p:nvSpPr>
+              <p:spPr>
+                <a:xfrm>
+                  <a:off x="2524655" y="2018217"/>
+                  <a:ext cx="555843" cy="643467"/>
+                </a:xfrm>
+                <a:prstGeom prst="roundRect">
+                  <a:avLst/>
+                </a:prstGeom>
+                <a:solidFill>
+                  <a:srgbClr val="8F1EB0">
+                    <a:alpha val="69020"/>
+                  </a:srgbClr>
+                </a:solidFill>
+                <a:ln>
+                  <a:noFill/>
+                </a:ln>
+              </p:spPr>
+              <p:style>
+                <a:lnRef idx="2">
+                  <a:schemeClr val="accent1">
+                    <a:shade val="50000"/>
+                  </a:schemeClr>
+                </a:lnRef>
+                <a:fillRef idx="1">
+                  <a:schemeClr val="accent1"/>
+                </a:fillRef>
+                <a:effectRef idx="0">
+                  <a:schemeClr val="accent1"/>
+                </a:effectRef>
+                <a:fontRef idx="minor">
+                  <a:schemeClr val="lt1"/>
+                </a:fontRef>
+              </p:style>
+              <p:txBody>
+                <a:bodyPr rtlCol="0" anchor="ctr"/>
+                <a:lstStyle/>
+                <a:p>
+                  <a:pPr algn="ctr"/>
+                  <a:endParaRPr lang="en-US" dirty="0"/>
+                </a:p>
+              </p:txBody>
+            </p:sp>
+            <p:sp>
+              <p:nvSpPr>
+                <p:cNvPr id="229" name="Rounded Rectangle 228">
+                  <a:extLst>
+                    <a:ext uri="{FF2B5EF4-FFF2-40B4-BE49-F238E27FC236}">
+                      <a16:creationId xmlns:a16="http://schemas.microsoft.com/office/drawing/2014/main" id="{1F4FFC61-F541-0C33-3830-2B52CD8579F9}"/>
+                    </a:ext>
+                  </a:extLst>
+                </p:cNvPr>
+                <p:cNvSpPr/>
+                <p:nvPr/>
+              </p:nvSpPr>
+              <p:spPr>
+                <a:xfrm>
+                  <a:off x="2568175" y="2096326"/>
+                  <a:ext cx="470099" cy="201599"/>
+                </a:xfrm>
+                <a:prstGeom prst="roundRect">
+                  <a:avLst/>
+                </a:prstGeom>
+                <a:solidFill>
+                  <a:schemeClr val="bg1"/>
+                </a:solidFill>
+                <a:ln>
+                  <a:noFill/>
+                </a:ln>
+              </p:spPr>
+              <p:style>
+                <a:lnRef idx="2">
+                  <a:schemeClr val="accent1">
+                    <a:shade val="50000"/>
+                  </a:schemeClr>
+                </a:lnRef>
+                <a:fillRef idx="1">
+                  <a:schemeClr val="accent1"/>
+                </a:fillRef>
+                <a:effectRef idx="0">
+                  <a:schemeClr val="accent1"/>
+                </a:effectRef>
+                <a:fontRef idx="minor">
+                  <a:schemeClr val="lt1"/>
+                </a:fontRef>
+              </p:style>
+              <p:txBody>
+                <a:bodyPr rtlCol="0" anchor="ctr"/>
+                <a:lstStyle/>
+                <a:p>
+                  <a:pPr algn="ctr"/>
+                  <a:r>
+                    <a:rPr lang="en-US" sz="1200" dirty="0">
+                      <a:solidFill>
+                        <a:schemeClr val="tx1"/>
+                      </a:solidFill>
+                      <a:latin typeface="Roboto Thin" panose="02000000000000000000" pitchFamily="2" charset="0"/>
+                      <a:ea typeface="Roboto Thin" panose="02000000000000000000" pitchFamily="2" charset="0"/>
+                    </a:rPr>
+                    <a:t>Age</a:t>
+                  </a:r>
+                </a:p>
+              </p:txBody>
+            </p:sp>
+            <p:sp>
+              <p:nvSpPr>
+                <p:cNvPr id="230" name="TextBox 229">
+                  <a:extLst>
+                    <a:ext uri="{FF2B5EF4-FFF2-40B4-BE49-F238E27FC236}">
+                      <a16:creationId xmlns:a16="http://schemas.microsoft.com/office/drawing/2014/main" id="{2B92D269-1520-6079-C530-E3026F194CFB}"/>
+                    </a:ext>
+                  </a:extLst>
+                </p:cNvPr>
+                <p:cNvSpPr txBox="1"/>
+                <p:nvPr/>
+              </p:nvSpPr>
+              <p:spPr>
+                <a:xfrm>
+                  <a:off x="2506835" y="2287932"/>
+                  <a:ext cx="599341" cy="307777"/>
+                </a:xfrm>
+                <a:prstGeom prst="rect">
+                  <a:avLst/>
+                </a:prstGeom>
+                <a:noFill/>
+              </p:spPr>
+              <p:txBody>
+                <a:bodyPr wrap="square" rtlCol="0">
+                  <a:spAutoFit/>
+                </a:bodyPr>
+                <a:lstStyle/>
+                <a:p>
+                  <a:pPr algn="ctr"/>
+                  <a:r>
+                    <a:rPr lang="en-US" sz="1400" dirty="0">
+                      <a:latin typeface="Roboto Light" panose="02000000000000000000" pitchFamily="2" charset="0"/>
+                      <a:ea typeface="Roboto Light" panose="02000000000000000000" pitchFamily="2" charset="0"/>
+                    </a:rPr>
+                    <a:t>aged</a:t>
+                  </a:r>
+                </a:p>
+              </p:txBody>
+            </p:sp>
+          </p:grpSp>
+          <p:grpSp>
+            <p:nvGrpSpPr>
+              <p:cNvPr id="231" name="Group 230">
+                <a:extLst>
+                  <a:ext uri="{FF2B5EF4-FFF2-40B4-BE49-F238E27FC236}">
+                    <a16:creationId xmlns:a16="http://schemas.microsoft.com/office/drawing/2014/main" id="{D1FF58B3-94BE-356D-18DB-AF9A0C204833}"/>
+                  </a:ext>
+                </a:extLst>
+              </p:cNvPr>
+              <p:cNvGrpSpPr/>
+              <p:nvPr/>
+            </p:nvGrpSpPr>
+            <p:grpSpPr>
+              <a:xfrm>
+                <a:off x="1352889" y="760984"/>
+                <a:ext cx="1317160" cy="387965"/>
+                <a:chOff x="1664532" y="327691"/>
+                <a:chExt cx="1344709" cy="387965"/>
+              </a:xfrm>
+            </p:grpSpPr>
+            <p:grpSp>
+              <p:nvGrpSpPr>
+                <p:cNvPr id="232" name="Group 231">
+                  <a:extLst>
+                    <a:ext uri="{FF2B5EF4-FFF2-40B4-BE49-F238E27FC236}">
+                      <a16:creationId xmlns:a16="http://schemas.microsoft.com/office/drawing/2014/main" id="{9414A22B-4674-F5DF-23A9-E5B65E1B6952}"/>
+                    </a:ext>
+                  </a:extLst>
+                </p:cNvPr>
+                <p:cNvGrpSpPr/>
+                <p:nvPr/>
+              </p:nvGrpSpPr>
+              <p:grpSpPr>
+                <a:xfrm>
+                  <a:off x="1664532" y="327691"/>
+                  <a:ext cx="1344709" cy="355108"/>
+                  <a:chOff x="1664532" y="327691"/>
+                  <a:chExt cx="1344709" cy="355108"/>
+                </a:xfrm>
+              </p:grpSpPr>
+              <p:cxnSp>
+                <p:nvCxnSpPr>
+                  <p:cNvPr id="234" name="Straight Connector 233">
+                    <a:extLst>
+                      <a:ext uri="{FF2B5EF4-FFF2-40B4-BE49-F238E27FC236}">
+                        <a16:creationId xmlns:a16="http://schemas.microsoft.com/office/drawing/2014/main" id="{C32D4FD7-6002-61E3-17EB-B36749744EB5}"/>
+                      </a:ext>
+                    </a:extLst>
+                  </p:cNvPr>
+                  <p:cNvCxnSpPr>
+                    <a:cxnSpLocks/>
+                  </p:cNvCxnSpPr>
+                  <p:nvPr/>
+                </p:nvCxnSpPr>
+                <p:spPr>
+                  <a:xfrm flipV="1">
+                    <a:off x="1681784" y="584871"/>
+                    <a:ext cx="0" cy="97928"/>
+                  </a:xfrm>
+                  <a:prstGeom prst="line">
+                    <a:avLst/>
+                  </a:prstGeom>
+                  <a:ln w="38100">
+                    <a:solidFill>
+                      <a:schemeClr val="bg1">
+                        <a:lumMod val="85000"/>
+                      </a:schemeClr>
+                    </a:solidFill>
+                  </a:ln>
+                </p:spPr>
+                <p:style>
+                  <a:lnRef idx="1">
+                    <a:schemeClr val="accent1"/>
+                  </a:lnRef>
+                  <a:fillRef idx="0">
+                    <a:schemeClr val="accent1"/>
+                  </a:fillRef>
+                  <a:effectRef idx="0">
+                    <a:schemeClr val="accent1"/>
+                  </a:effectRef>
+                  <a:fontRef idx="minor">
+                    <a:schemeClr val="tx1"/>
+                  </a:fontRef>
+                </p:style>
+              </p:cxnSp>
+              <p:cxnSp>
+                <p:nvCxnSpPr>
+                  <p:cNvPr id="235" name="Straight Connector 234">
+                    <a:extLst>
+                      <a:ext uri="{FF2B5EF4-FFF2-40B4-BE49-F238E27FC236}">
+                        <a16:creationId xmlns:a16="http://schemas.microsoft.com/office/drawing/2014/main" id="{58BEBC71-7F07-2219-04F3-173B72C70867}"/>
+                      </a:ext>
+                    </a:extLst>
+                  </p:cNvPr>
+                  <p:cNvCxnSpPr>
+                    <a:cxnSpLocks/>
+                  </p:cNvCxnSpPr>
+                  <p:nvPr/>
+                </p:nvCxnSpPr>
+                <p:spPr>
+                  <a:xfrm flipH="1">
+                    <a:off x="1664532" y="583852"/>
+                    <a:ext cx="1239655" cy="0"/>
+                  </a:xfrm>
+                  <a:prstGeom prst="line">
+                    <a:avLst/>
+                  </a:prstGeom>
+                  <a:ln w="38100">
+                    <a:solidFill>
+                      <a:schemeClr val="bg1">
+                        <a:lumMod val="85000"/>
+                      </a:schemeClr>
+                    </a:solidFill>
+                  </a:ln>
+                </p:spPr>
+                <p:style>
+                  <a:lnRef idx="1">
+                    <a:schemeClr val="accent1"/>
+                  </a:lnRef>
+                  <a:fillRef idx="0">
+                    <a:schemeClr val="accent1"/>
+                  </a:fillRef>
+                  <a:effectRef idx="0">
+                    <a:schemeClr val="accent1"/>
+                  </a:effectRef>
+                  <a:fontRef idx="minor">
+                    <a:schemeClr val="tx1"/>
+                  </a:fontRef>
+                </p:style>
+              </p:cxnSp>
+              <p:sp>
+                <p:nvSpPr>
+                  <p:cNvPr id="236" name="TextBox 235">
+                    <a:extLst>
+                      <a:ext uri="{FF2B5EF4-FFF2-40B4-BE49-F238E27FC236}">
+                        <a16:creationId xmlns:a16="http://schemas.microsoft.com/office/drawing/2014/main" id="{327A460D-1E46-3096-063A-B0D9C22D8BE4}"/>
+                      </a:ext>
+                    </a:extLst>
+                  </p:cNvPr>
+                  <p:cNvSpPr txBox="1"/>
+                  <p:nvPr/>
+                </p:nvSpPr>
+                <p:spPr>
+                  <a:xfrm>
+                    <a:off x="1774311" y="327691"/>
+                    <a:ext cx="1234930" cy="276999"/>
+                  </a:xfrm>
+                  <a:prstGeom prst="rect">
+                    <a:avLst/>
+                  </a:prstGeom>
+                  <a:noFill/>
+                </p:spPr>
+                <p:txBody>
+                  <a:bodyPr wrap="square" rtlCol="0">
+                    <a:spAutoFit/>
+                  </a:bodyPr>
+                  <a:lstStyle/>
+                  <a:p>
+                    <a:r>
+                      <a:rPr lang="en-US" sz="1200" dirty="0">
+                        <a:latin typeface="Roboto Thin" panose="02000000000000000000" pitchFamily="2" charset="0"/>
+                        <a:ea typeface="Roboto Thin" panose="02000000000000000000" pitchFamily="2" charset="0"/>
+                      </a:rPr>
+                      <a:t>Numeric-Filter</a:t>
+                    </a:r>
+                  </a:p>
+                </p:txBody>
+              </p:sp>
+            </p:grpSp>
+            <p:sp>
+              <p:nvSpPr>
+                <p:cNvPr id="233" name="Down Arrow 232">
+                  <a:extLst>
+                    <a:ext uri="{FF2B5EF4-FFF2-40B4-BE49-F238E27FC236}">
+                      <a16:creationId xmlns:a16="http://schemas.microsoft.com/office/drawing/2014/main" id="{EB85C27A-9F4A-26ED-31C6-A62CD25E257C}"/>
+                    </a:ext>
+                  </a:extLst>
+                </p:cNvPr>
+                <p:cNvSpPr/>
+                <p:nvPr/>
+              </p:nvSpPr>
+              <p:spPr>
+                <a:xfrm>
+                  <a:off x="2844888" y="590456"/>
+                  <a:ext cx="85224" cy="125200"/>
+                </a:xfrm>
+                <a:prstGeom prst="downArrow">
+                  <a:avLst/>
+                </a:prstGeom>
+                <a:solidFill>
+                  <a:schemeClr val="bg1">
+                    <a:lumMod val="85000"/>
+                  </a:schemeClr>
+                </a:solidFill>
+                <a:ln>
+                  <a:noFill/>
+                </a:ln>
+              </p:spPr>
+              <p:style>
+                <a:lnRef idx="2">
+                  <a:schemeClr val="accent1">
+                    <a:shade val="50000"/>
+                  </a:schemeClr>
+                </a:lnRef>
+                <a:fillRef idx="1">
+                  <a:schemeClr val="accent1"/>
+                </a:fillRef>
+                <a:effectRef idx="0">
+                  <a:schemeClr val="accent1"/>
+                </a:effectRef>
+                <a:fontRef idx="minor">
+                  <a:schemeClr val="lt1"/>
+                </a:fontRef>
+              </p:style>
+              <p:txBody>
+                <a:bodyPr rtlCol="0" anchor="ctr"/>
+                <a:lstStyle/>
+                <a:p>
+                  <a:pPr algn="ctr"/>
+                  <a:endParaRPr lang="en-US"/>
+                </a:p>
+              </p:txBody>
+            </p:sp>
+          </p:grpSp>
+        </p:grpSp>
+      </p:grpSp>
+      <p:grpSp>
+        <p:nvGrpSpPr>
+          <p:cNvPr id="10" name="Group 9">
+            <a:extLst>
+              <a:ext uri="{FF2B5EF4-FFF2-40B4-BE49-F238E27FC236}">
+                <a16:creationId xmlns:a16="http://schemas.microsoft.com/office/drawing/2014/main" id="{06B05312-F31F-D45A-CC7A-C0FA7AA9584B}"/>
+              </a:ext>
+            </a:extLst>
+          </p:cNvPr>
+          <p:cNvGrpSpPr/>
+          <p:nvPr/>
+        </p:nvGrpSpPr>
+        <p:grpSpPr>
+          <a:xfrm>
+            <a:off x="84078" y="3838705"/>
+            <a:ext cx="5283259" cy="815648"/>
+            <a:chOff x="84081" y="3903167"/>
+            <a:chExt cx="5283259" cy="815648"/>
+          </a:xfrm>
+        </p:grpSpPr>
+        <p:sp>
+          <p:nvSpPr>
+            <p:cNvPr id="146" name="Rounded Rectangle 145">
+              <a:extLst>
+                <a:ext uri="{FF2B5EF4-FFF2-40B4-BE49-F238E27FC236}">
+                  <a16:creationId xmlns:a16="http://schemas.microsoft.com/office/drawing/2014/main" id="{535C7071-C24E-1AD3-752F-E305A30C00F6}"/>
+                </a:ext>
+              </a:extLst>
+            </p:cNvPr>
+            <p:cNvSpPr/>
+            <p:nvPr/>
+          </p:nvSpPr>
+          <p:spPr>
+            <a:xfrm>
+              <a:off x="96714" y="3903167"/>
+              <a:ext cx="5190509" cy="815648"/>
+            </a:xfrm>
+            <a:prstGeom prst="roundRect">
+              <a:avLst/>
+            </a:prstGeom>
+            <a:solidFill>
+              <a:srgbClr val="E3E8F7">
+                <a:alpha val="32941"/>
+              </a:srgbClr>
+            </a:solidFill>
+            <a:ln>
+              <a:noFill/>
+            </a:ln>
+          </p:spPr>
+          <p:style>
+            <a:lnRef idx="2">
+              <a:schemeClr val="accent1">
+                <a:shade val="50000"/>
+              </a:schemeClr>
+            </a:lnRef>
+            <a:fillRef idx="1">
+              <a:schemeClr val="accent1"/>
+            </a:fillRef>
+            <a:effectRef idx="0">
+              <a:schemeClr val="accent1"/>
+            </a:effectRef>
+            <a:fontRef idx="minor">
+              <a:schemeClr val="lt1"/>
+            </a:fontRef>
+          </p:style>
+          <p:txBody>
+            <a:bodyPr rtlCol="0" anchor="ctr"/>
+            <a:lstStyle/>
+            <a:p>
+              <a:pPr algn="ctr"/>
+              <a:endParaRPr lang="en-US" sz="1400">
+                <a:latin typeface="Consolas" panose="020B0609020204030204" pitchFamily="49" charset="0"/>
+                <a:cs typeface="Consolas" panose="020B0609020204030204" pitchFamily="49" charset="0"/>
+              </a:endParaRPr>
+            </a:p>
+          </p:txBody>
+        </p:sp>
+        <p:sp>
+          <p:nvSpPr>
+            <p:cNvPr id="90" name="TextBox 89">
+              <a:extLst>
+                <a:ext uri="{FF2B5EF4-FFF2-40B4-BE49-F238E27FC236}">
+                  <a16:creationId xmlns:a16="http://schemas.microsoft.com/office/drawing/2014/main" id="{5C92720A-80E9-73D7-780D-FCD91C8EAB80}"/>
+                </a:ext>
+              </a:extLst>
+            </p:cNvPr>
+            <p:cNvSpPr txBox="1"/>
+            <p:nvPr/>
+          </p:nvSpPr>
+          <p:spPr>
+            <a:xfrm>
+              <a:off x="84081" y="3958370"/>
+              <a:ext cx="5283259" cy="738664"/>
+            </a:xfrm>
+            <a:prstGeom prst="rect">
+              <a:avLst/>
+            </a:prstGeom>
+            <a:noFill/>
+          </p:spPr>
+          <p:txBody>
+            <a:bodyPr wrap="square" rtlCol="0">
+              <a:spAutoFit/>
+            </a:bodyPr>
+            <a:lstStyle/>
+            <a:p>
+              <a:r>
+                <a:rPr lang="en-US" sz="1400" dirty="0">
+                  <a:latin typeface="Consolas" panose="020B0609020204030204" pitchFamily="49" charset="0"/>
+                  <a:cs typeface="Consolas" panose="020B0609020204030204" pitchFamily="49" charset="0"/>
+                </a:rPr>
+                <a:t>“</a:t>
+              </a:r>
+              <a:r>
+                <a:rPr lang="en-US" sz="1400" dirty="0">
+                  <a:solidFill>
+                    <a:schemeClr val="accent6"/>
+                  </a:solidFill>
+                  <a:latin typeface="Consolas" panose="020B0609020204030204" pitchFamily="49" charset="0"/>
+                  <a:cs typeface="Consolas" panose="020B0609020204030204" pitchFamily="49" charset="0"/>
+                </a:rPr>
+                <a:t>cond</a:t>
+              </a:r>
+              <a:r>
+                <a:rPr lang="en-US" sz="1400" dirty="0">
+                  <a:solidFill>
+                    <a:schemeClr val="bg1">
+                      <a:lumMod val="65000"/>
+                    </a:schemeClr>
+                  </a:solidFill>
+                  <a:latin typeface="Consolas" panose="020B0609020204030204" pitchFamily="49" charset="0"/>
+                  <a:cs typeface="Consolas" panose="020B0609020204030204" pitchFamily="49" charset="0"/>
+                </a:rPr>
+                <a:t>(</a:t>
+              </a:r>
+              <a:r>
+                <a:rPr lang="en-US" sz="1400" dirty="0">
+                  <a:solidFill>
+                    <a:srgbClr val="C00000"/>
+                  </a:solidFill>
+                  <a:latin typeface="Consolas" panose="020B0609020204030204" pitchFamily="49" charset="0"/>
+                  <a:cs typeface="Consolas" panose="020B0609020204030204" pitchFamily="49" charset="0"/>
+                </a:rPr>
+                <a:t>“Diabetics”</a:t>
+              </a:r>
+              <a:r>
+                <a:rPr lang="en-US" sz="1400" dirty="0">
+                  <a:solidFill>
+                    <a:schemeClr val="bg1">
+                      <a:lumMod val="65000"/>
+                    </a:schemeClr>
+                  </a:solidFill>
+                  <a:latin typeface="Consolas" panose="020B0609020204030204" pitchFamily="49" charset="0"/>
+                  <a:cs typeface="Consolas" panose="020B0609020204030204" pitchFamily="49" charset="0"/>
+                </a:rPr>
+                <a:t>)</a:t>
+              </a:r>
+              <a:r>
+                <a:rPr lang="en-US" sz="1400" dirty="0">
+                  <a:latin typeface="Consolas" panose="020B0609020204030204" pitchFamily="49" charset="0"/>
+                  <a:cs typeface="Consolas" panose="020B0609020204030204" pitchFamily="49" charset="0"/>
+                </a:rPr>
+                <a:t> </a:t>
+              </a:r>
+              <a:r>
+                <a:rPr lang="en-US" sz="1400" dirty="0">
+                  <a:solidFill>
+                    <a:srgbClr val="8F1EB0"/>
+                  </a:solidFill>
+                  <a:latin typeface="Consolas" panose="020B0609020204030204" pitchFamily="49" charset="0"/>
+                  <a:cs typeface="Consolas" panose="020B0609020204030204" pitchFamily="49" charset="0"/>
+                </a:rPr>
+                <a:t>age</a:t>
+              </a:r>
+              <a:r>
+                <a:rPr lang="en-US" sz="1400" dirty="0">
+                  <a:solidFill>
+                    <a:schemeClr val="bg1">
+                      <a:lumMod val="65000"/>
+                    </a:schemeClr>
+                  </a:solidFill>
+                  <a:latin typeface="Consolas" panose="020B0609020204030204" pitchFamily="49" charset="0"/>
+                  <a:cs typeface="Consolas" panose="020B0609020204030204" pitchFamily="49" charset="0"/>
+                </a:rPr>
+                <a:t>()</a:t>
+              </a:r>
+              <a:r>
+                <a:rPr lang="en-US" sz="1400" dirty="0">
+                  <a:latin typeface="Consolas" panose="020B0609020204030204" pitchFamily="49" charset="0"/>
+                  <a:cs typeface="Consolas" panose="020B0609020204030204" pitchFamily="49" charset="0"/>
+                </a:rPr>
+                <a:t> </a:t>
+              </a:r>
+              <a:r>
+                <a:rPr lang="en-US" sz="1400" dirty="0">
+                  <a:solidFill>
+                    <a:schemeClr val="accent5">
+                      <a:lumMod val="60000"/>
+                      <a:lumOff val="40000"/>
+                    </a:schemeClr>
+                  </a:solidFill>
+                  <a:latin typeface="Consolas" panose="020B0609020204030204" pitchFamily="49" charset="0"/>
+                  <a:cs typeface="Consolas" panose="020B0609020204030204" pitchFamily="49" charset="0"/>
+                </a:rPr>
+                <a:t>eq</a:t>
+              </a:r>
+              <a:r>
+                <a:rPr lang="en-US" sz="1400" dirty="0">
+                  <a:solidFill>
+                    <a:schemeClr val="bg1">
+                      <a:lumMod val="65000"/>
+                    </a:schemeClr>
+                  </a:solidFill>
+                  <a:latin typeface="Consolas" panose="020B0609020204030204" pitchFamily="49" charset="0"/>
+                  <a:cs typeface="Consolas" panose="020B0609020204030204" pitchFamily="49" charset="0"/>
+                </a:rPr>
+                <a:t>(</a:t>
+              </a:r>
+              <a:r>
+                <a:rPr lang="en-US" sz="1400" dirty="0">
+                  <a:solidFill>
+                    <a:schemeClr val="accent5">
+                      <a:lumMod val="60000"/>
+                      <a:lumOff val="40000"/>
+                    </a:schemeClr>
+                  </a:solidFill>
+                  <a:latin typeface="Consolas" panose="020B0609020204030204" pitchFamily="49" charset="0"/>
+                  <a:cs typeface="Consolas" panose="020B0609020204030204" pitchFamily="49" charset="0"/>
+                </a:rPr>
+                <a:t>op</a:t>
+              </a:r>
+              <a:r>
+                <a:rPr lang="en-US" sz="1400" dirty="0">
+                  <a:solidFill>
+                    <a:schemeClr val="bg1">
+                      <a:lumMod val="65000"/>
+                    </a:schemeClr>
+                  </a:solidFill>
+                  <a:latin typeface="Consolas" panose="020B0609020204030204" pitchFamily="49" charset="0"/>
+                  <a:cs typeface="Consolas" panose="020B0609020204030204" pitchFamily="49" charset="0"/>
+                </a:rPr>
+                <a:t>(</a:t>
+              </a:r>
+              <a:r>
+                <a:rPr lang="en-US" sz="1400" dirty="0">
+                  <a:solidFill>
+                    <a:schemeClr val="accent1"/>
+                  </a:solidFill>
+                  <a:latin typeface="Consolas" panose="020B0609020204030204" pitchFamily="49" charset="0"/>
+                  <a:cs typeface="Consolas" panose="020B0609020204030204" pitchFamily="49" charset="0"/>
+                </a:rPr>
+                <a:t>GT</a:t>
+              </a:r>
+              <a:r>
+                <a:rPr lang="en-US" sz="1400" dirty="0">
+                  <a:solidFill>
+                    <a:schemeClr val="bg1">
+                      <a:lumMod val="65000"/>
+                    </a:schemeClr>
+                  </a:solidFill>
+                  <a:latin typeface="Consolas" panose="020B0609020204030204" pitchFamily="49" charset="0"/>
+                  <a:cs typeface="Consolas" panose="020B0609020204030204" pitchFamily="49" charset="0"/>
+                </a:rPr>
+                <a:t>), </a:t>
+              </a:r>
+              <a:r>
+                <a:rPr lang="en-US" sz="1400" dirty="0">
+                  <a:solidFill>
+                    <a:schemeClr val="accent5">
+                      <a:lumMod val="60000"/>
+                      <a:lumOff val="40000"/>
+                    </a:schemeClr>
+                  </a:solidFill>
+                  <a:latin typeface="Consolas" panose="020B0609020204030204" pitchFamily="49" charset="0"/>
+                  <a:cs typeface="Consolas" panose="020B0609020204030204" pitchFamily="49" charset="0"/>
+                </a:rPr>
+                <a:t>val</a:t>
+              </a:r>
+              <a:r>
+                <a:rPr lang="en-US" sz="1400" dirty="0">
+                  <a:solidFill>
+                    <a:schemeClr val="bg1">
+                      <a:lumMod val="65000"/>
+                    </a:schemeClr>
+                  </a:solidFill>
+                  <a:latin typeface="Consolas" panose="020B0609020204030204" pitchFamily="49" charset="0"/>
+                  <a:cs typeface="Consolas" panose="020B0609020204030204" pitchFamily="49" charset="0"/>
+                </a:rPr>
+                <a:t>(</a:t>
+              </a:r>
+              <a:r>
+                <a:rPr lang="en-US" sz="1400" dirty="0">
+                  <a:solidFill>
+                    <a:srgbClr val="C00000"/>
+                  </a:solidFill>
+                  <a:latin typeface="Consolas" panose="020B0609020204030204" pitchFamily="49" charset="0"/>
+                  <a:cs typeface="Consolas" panose="020B0609020204030204" pitchFamily="49" charset="0"/>
+                </a:rPr>
+                <a:t>“65”</a:t>
+              </a:r>
+              <a:r>
+                <a:rPr lang="en-US" sz="1400" dirty="0">
+                  <a:solidFill>
+                    <a:schemeClr val="bg1">
+                      <a:lumMod val="65000"/>
+                    </a:schemeClr>
+                  </a:solidFill>
+                  <a:latin typeface="Consolas" panose="020B0609020204030204" pitchFamily="49" charset="0"/>
+                  <a:cs typeface="Consolas" panose="020B0609020204030204" pitchFamily="49" charset="0"/>
+                </a:rPr>
+                <a:t>)) with</a:t>
+              </a:r>
+              <a:br>
+                <a:rPr lang="en-US" sz="1400" dirty="0">
+                  <a:solidFill>
+                    <a:schemeClr val="bg1">
+                      <a:lumMod val="65000"/>
+                    </a:schemeClr>
+                  </a:solidFill>
+                  <a:latin typeface="Consolas" panose="020B0609020204030204" pitchFamily="49" charset="0"/>
+                  <a:cs typeface="Consolas" panose="020B0609020204030204" pitchFamily="49" charset="0"/>
+                </a:rPr>
+              </a:br>
+              <a:br>
+                <a:rPr lang="en-US" sz="1400" dirty="0">
+                  <a:solidFill>
+                    <a:schemeClr val="bg1">
+                      <a:lumMod val="65000"/>
+                    </a:schemeClr>
+                  </a:solidFill>
+                  <a:latin typeface="Consolas" panose="020B0609020204030204" pitchFamily="49" charset="0"/>
+                  <a:cs typeface="Consolas" panose="020B0609020204030204" pitchFamily="49" charset="0"/>
+                </a:rPr>
+              </a:br>
+              <a:r>
+                <a:rPr lang="en-US" sz="1400" dirty="0">
+                  <a:solidFill>
+                    <a:schemeClr val="bg1">
+                      <a:lumMod val="65000"/>
+                    </a:schemeClr>
+                  </a:solidFill>
+                  <a:latin typeface="Consolas" panose="020B0609020204030204" pitchFamily="49" charset="0"/>
+                  <a:cs typeface="Consolas" panose="020B0609020204030204" pitchFamily="49" charset="0"/>
+                </a:rPr>
+                <a:t> </a:t>
+              </a:r>
+              <a:r>
+                <a:rPr lang="en-US" sz="1400" dirty="0">
+                  <a:solidFill>
+                    <a:srgbClr val="EA6E47"/>
+                  </a:solidFill>
+                  <a:latin typeface="Consolas" panose="020B0609020204030204" pitchFamily="49" charset="0"/>
+                  <a:cs typeface="Consolas" panose="020B0609020204030204" pitchFamily="49" charset="0"/>
+                </a:rPr>
+                <a:t>neg</a:t>
+              </a:r>
+              <a:r>
+                <a:rPr lang="en-US" sz="1400" dirty="0">
+                  <a:solidFill>
+                    <a:schemeClr val="bg1">
+                      <a:lumMod val="65000"/>
+                    </a:schemeClr>
+                  </a:solidFill>
+                  <a:latin typeface="Consolas" panose="020B0609020204030204" pitchFamily="49" charset="0"/>
+                  <a:cs typeface="Consolas" panose="020B0609020204030204" pitchFamily="49" charset="0"/>
+                </a:rPr>
+                <a:t>()</a:t>
+              </a:r>
+              <a:r>
+                <a:rPr lang="en-US" sz="1400" dirty="0">
+                  <a:latin typeface="Consolas" panose="020B0609020204030204" pitchFamily="49" charset="0"/>
+                  <a:cs typeface="Consolas" panose="020B0609020204030204" pitchFamily="49" charset="0"/>
+                </a:rPr>
+                <a:t> </a:t>
+              </a:r>
+              <a:r>
+                <a:rPr lang="en-US" sz="1400" dirty="0">
+                  <a:solidFill>
+                    <a:srgbClr val="EBA78A"/>
+                  </a:solidFill>
+                  <a:latin typeface="Consolas" panose="020B0609020204030204" pitchFamily="49" charset="0"/>
+                  <a:cs typeface="Consolas" panose="020B0609020204030204" pitchFamily="49" charset="0"/>
+                </a:rPr>
+                <a:t>contraindication</a:t>
+              </a:r>
+              <a:r>
+                <a:rPr lang="en-US" sz="1400" dirty="0">
+                  <a:solidFill>
+                    <a:schemeClr val="bg1">
+                      <a:lumMod val="65000"/>
+                    </a:schemeClr>
+                  </a:solidFill>
+                  <a:latin typeface="Consolas" panose="020B0609020204030204" pitchFamily="49" charset="0"/>
+                  <a:cs typeface="Consolas" panose="020B0609020204030204" pitchFamily="49" charset="0"/>
+                </a:rPr>
+                <a:t>()</a:t>
+              </a:r>
+              <a:r>
+                <a:rPr lang="en-US" sz="1400" dirty="0">
+                  <a:latin typeface="Consolas" panose="020B0609020204030204" pitchFamily="49" charset="0"/>
+                  <a:cs typeface="Consolas" panose="020B0609020204030204" pitchFamily="49" charset="0"/>
+                </a:rPr>
+                <a:t> </a:t>
+              </a:r>
+              <a:r>
+                <a:rPr lang="en-US" sz="1400" dirty="0">
+                  <a:solidFill>
+                    <a:schemeClr val="bg1">
+                      <a:lumMod val="65000"/>
+                    </a:schemeClr>
+                  </a:solidFill>
+                  <a:latin typeface="Consolas" panose="020B0609020204030204" pitchFamily="49" charset="0"/>
+                  <a:cs typeface="Consolas" panose="020B0609020204030204" pitchFamily="49" charset="0"/>
+                </a:rPr>
+                <a:t>to</a:t>
+              </a:r>
+              <a:r>
+                <a:rPr lang="en-US" sz="1400" dirty="0">
+                  <a:latin typeface="Consolas" panose="020B0609020204030204" pitchFamily="49" charset="0"/>
+                  <a:cs typeface="Consolas" panose="020B0609020204030204" pitchFamily="49" charset="0"/>
+                </a:rPr>
+                <a:t> </a:t>
+              </a:r>
+              <a:r>
+                <a:rPr lang="en-US" sz="1400" dirty="0">
+                  <a:solidFill>
+                    <a:srgbClr val="EEB1DC"/>
+                  </a:solidFill>
+                  <a:latin typeface="Consolas" panose="020B0609020204030204" pitchFamily="49" charset="0"/>
+                  <a:cs typeface="Consolas" panose="020B0609020204030204" pitchFamily="49" charset="0"/>
+                </a:rPr>
+                <a:t>drug</a:t>
+              </a:r>
+              <a:r>
+                <a:rPr lang="en-US" sz="1400" dirty="0">
+                  <a:solidFill>
+                    <a:schemeClr val="bg1">
+                      <a:lumMod val="65000"/>
+                    </a:schemeClr>
+                  </a:solidFill>
+                  <a:latin typeface="Consolas" panose="020B0609020204030204" pitchFamily="49" charset="0"/>
+                  <a:cs typeface="Consolas" panose="020B0609020204030204" pitchFamily="49" charset="0"/>
+                </a:rPr>
+                <a:t>(</a:t>
+              </a:r>
+              <a:r>
+                <a:rPr lang="en-US" sz="1400" dirty="0">
+                  <a:solidFill>
+                    <a:srgbClr val="C00000"/>
+                  </a:solidFill>
+                  <a:latin typeface="Consolas" panose="020B0609020204030204" pitchFamily="49" charset="0"/>
+                  <a:cs typeface="Consolas" panose="020B0609020204030204" pitchFamily="49" charset="0"/>
+                </a:rPr>
+                <a:t>“metformin”</a:t>
+              </a:r>
+              <a:r>
+                <a:rPr lang="en-US" sz="1400" dirty="0">
+                  <a:solidFill>
+                    <a:schemeClr val="bg1">
+                      <a:lumMod val="65000"/>
+                    </a:schemeClr>
+                  </a:solidFill>
+                  <a:latin typeface="Consolas" panose="020B0609020204030204" pitchFamily="49" charset="0"/>
+                  <a:cs typeface="Consolas" panose="020B0609020204030204" pitchFamily="49" charset="0"/>
+                </a:rPr>
+                <a:t>)</a:t>
+              </a:r>
+              <a:r>
+                <a:rPr lang="en-US" sz="1400" dirty="0">
+                  <a:latin typeface="Consolas" panose="020B0609020204030204" pitchFamily="49" charset="0"/>
+                  <a:cs typeface="Consolas" panose="020B0609020204030204" pitchFamily="49" charset="0"/>
+                </a:rPr>
+                <a:t>”</a:t>
+              </a:r>
+            </a:p>
+          </p:txBody>
+        </p:sp>
+      </p:grpSp>
+      <p:grpSp>
+        <p:nvGrpSpPr>
+          <p:cNvPr id="91" name="Group 90">
+            <a:extLst>
+              <a:ext uri="{FF2B5EF4-FFF2-40B4-BE49-F238E27FC236}">
+                <a16:creationId xmlns:a16="http://schemas.microsoft.com/office/drawing/2014/main" id="{7DFFED70-3A1B-FDDF-DFF5-2C6E921820C0}"/>
+              </a:ext>
+            </a:extLst>
+          </p:cNvPr>
+          <p:cNvGrpSpPr/>
+          <p:nvPr/>
+        </p:nvGrpSpPr>
+        <p:grpSpPr>
+          <a:xfrm>
+            <a:off x="6859750" y="4110904"/>
+            <a:ext cx="3924597" cy="2425295"/>
+            <a:chOff x="5795467" y="1067845"/>
+            <a:chExt cx="2327324" cy="2425295"/>
+          </a:xfrm>
+        </p:grpSpPr>
+        <p:sp>
+          <p:nvSpPr>
+            <p:cNvPr id="110" name="Rounded Rectangle 109">
+              <a:extLst>
+                <a:ext uri="{FF2B5EF4-FFF2-40B4-BE49-F238E27FC236}">
+                  <a16:creationId xmlns:a16="http://schemas.microsoft.com/office/drawing/2014/main" id="{95C6429A-BE33-C4D7-1ABA-F9A2DC7FF674}"/>
+                </a:ext>
+              </a:extLst>
+            </p:cNvPr>
+            <p:cNvSpPr/>
+            <p:nvPr/>
+          </p:nvSpPr>
+          <p:spPr>
+            <a:xfrm>
+              <a:off x="5795467" y="1067845"/>
+              <a:ext cx="2327324" cy="2425295"/>
+            </a:xfrm>
+            <a:prstGeom prst="roundRect">
+              <a:avLst/>
+            </a:prstGeom>
+            <a:solidFill>
+              <a:srgbClr val="E3E8F7">
+                <a:alpha val="32941"/>
+              </a:srgbClr>
+            </a:solidFill>
+            <a:ln>
+              <a:noFill/>
+            </a:ln>
+          </p:spPr>
+          <p:style>
+            <a:lnRef idx="2">
+              <a:schemeClr val="accent1">
+                <a:shade val="50000"/>
+              </a:schemeClr>
+            </a:lnRef>
+            <a:fillRef idx="1">
+              <a:schemeClr val="accent1"/>
+            </a:fillRef>
+            <a:effectRef idx="0">
+              <a:schemeClr val="accent1"/>
+            </a:effectRef>
+            <a:fontRef idx="minor">
+              <a:schemeClr val="lt1"/>
+            </a:fontRef>
+          </p:style>
+          <p:txBody>
+            <a:bodyPr rtlCol="0" anchor="ctr"/>
+            <a:lstStyle/>
+            <a:p>
+              <a:pPr algn="ctr"/>
+              <a:endParaRPr lang="en-US" sz="1400"/>
+            </a:p>
+          </p:txBody>
+        </p:sp>
+        <p:sp>
+          <p:nvSpPr>
+            <p:cNvPr id="113" name="TextBox 112">
+              <a:extLst>
+                <a:ext uri="{FF2B5EF4-FFF2-40B4-BE49-F238E27FC236}">
+                  <a16:creationId xmlns:a16="http://schemas.microsoft.com/office/drawing/2014/main" id="{CB0B2F81-4D2E-340A-5BE4-8192AAA4DAE6}"/>
+                </a:ext>
+              </a:extLst>
+            </p:cNvPr>
+            <p:cNvSpPr txBox="1"/>
+            <p:nvPr/>
+          </p:nvSpPr>
+          <p:spPr>
+            <a:xfrm>
+              <a:off x="5842333" y="1114041"/>
+              <a:ext cx="2280458" cy="2246769"/>
+            </a:xfrm>
+            <a:prstGeom prst="rect">
+              <a:avLst/>
+            </a:prstGeom>
+            <a:noFill/>
+          </p:spPr>
+          <p:txBody>
+            <a:bodyPr wrap="square" rtlCol="0">
+              <a:spAutoFit/>
+            </a:bodyPr>
+            <a:lstStyle/>
+            <a:p>
+              <a:r>
+                <a:rPr lang="en-US" sz="1400" dirty="0">
+                  <a:solidFill>
+                    <a:schemeClr val="bg1">
+                      <a:lumMod val="85000"/>
+                    </a:schemeClr>
+                  </a:solidFill>
+                  <a:latin typeface="Consolas" panose="020B0609020204030204" pitchFamily="49" charset="0"/>
+                  <a:cs typeface="Consolas" panose="020B0609020204030204" pitchFamily="49" charset="0"/>
+                </a:rPr>
+                <a:t>intersect(</a:t>
+              </a:r>
+            </a:p>
+            <a:p>
+              <a:r>
+                <a:rPr lang="en-US" sz="1400" dirty="0">
+                  <a:latin typeface="Consolas" panose="020B0609020204030204" pitchFamily="49" charset="0"/>
+                  <a:cs typeface="Consolas" panose="020B0609020204030204" pitchFamily="49" charset="0"/>
+                </a:rPr>
+                <a:t>  </a:t>
+              </a:r>
+              <a:r>
+                <a:rPr lang="en-US" sz="1400" dirty="0">
+                  <a:solidFill>
+                    <a:schemeClr val="accent6"/>
+                  </a:solidFill>
+                  <a:latin typeface="Consolas" panose="020B0609020204030204" pitchFamily="49" charset="0"/>
+                  <a:cs typeface="Consolas" panose="020B0609020204030204" pitchFamily="49" charset="0"/>
+                </a:rPr>
+                <a:t>cond</a:t>
+              </a:r>
+              <a:r>
+                <a:rPr lang="en-US" sz="1400" dirty="0">
+                  <a:solidFill>
+                    <a:schemeClr val="bg1">
+                      <a:lumMod val="65000"/>
+                    </a:schemeClr>
+                  </a:solidFill>
+                  <a:latin typeface="Consolas" panose="020B0609020204030204" pitchFamily="49" charset="0"/>
+                  <a:cs typeface="Consolas" panose="020B0609020204030204" pitchFamily="49" charset="0"/>
+                </a:rPr>
+                <a:t>(</a:t>
+              </a:r>
+              <a:r>
+                <a:rPr lang="en-US" sz="1400" dirty="0">
+                  <a:solidFill>
+                    <a:schemeClr val="accent5">
+                      <a:lumMod val="75000"/>
+                    </a:schemeClr>
+                  </a:solidFill>
+                  <a:latin typeface="Consolas" panose="020B0609020204030204" pitchFamily="49" charset="0"/>
+                  <a:cs typeface="Consolas" panose="020B0609020204030204" pitchFamily="49" charset="0"/>
+                </a:rPr>
+                <a:t>CUI: C0241863</a:t>
+              </a:r>
+              <a:r>
+                <a:rPr lang="en-US" sz="1400" dirty="0">
+                  <a:solidFill>
+                    <a:schemeClr val="bg1">
+                      <a:lumMod val="65000"/>
+                    </a:schemeClr>
+                  </a:solidFill>
+                  <a:latin typeface="Consolas" panose="020B0609020204030204" pitchFamily="49" charset="0"/>
+                  <a:cs typeface="Consolas" panose="020B0609020204030204" pitchFamily="49" charset="0"/>
+                </a:rPr>
+                <a:t>), </a:t>
+              </a:r>
+              <a:br>
+                <a:rPr lang="en-US" sz="1400" dirty="0">
+                  <a:solidFill>
+                    <a:schemeClr val="bg1">
+                      <a:lumMod val="65000"/>
+                    </a:schemeClr>
+                  </a:solidFill>
+                  <a:latin typeface="Consolas" panose="020B0609020204030204" pitchFamily="49" charset="0"/>
+                  <a:cs typeface="Consolas" panose="020B0609020204030204" pitchFamily="49" charset="0"/>
+                </a:rPr>
+              </a:br>
+              <a:r>
+                <a:rPr lang="en-US" sz="1400" dirty="0">
+                  <a:solidFill>
+                    <a:schemeClr val="bg1">
+                      <a:lumMod val="65000"/>
+                    </a:schemeClr>
+                  </a:solidFill>
+                  <a:latin typeface="Consolas" panose="020B0609020204030204" pitchFamily="49" charset="0"/>
+                  <a:cs typeface="Consolas" panose="020B0609020204030204" pitchFamily="49" charset="0"/>
+                </a:rPr>
+                <a:t>  </a:t>
+              </a:r>
+              <a:r>
+                <a:rPr lang="en-US" sz="1400" dirty="0">
+                  <a:solidFill>
+                    <a:schemeClr val="bg1">
+                      <a:lumMod val="85000"/>
+                    </a:schemeClr>
+                  </a:solidFill>
+                  <a:latin typeface="Consolas" panose="020B0609020204030204" pitchFamily="49" charset="0"/>
+                  <a:cs typeface="Consolas" panose="020B0609020204030204" pitchFamily="49" charset="0"/>
+                </a:rPr>
+                <a:t>age()</a:t>
+              </a:r>
+            </a:p>
+            <a:p>
+              <a:r>
+                <a:rPr lang="en-US" sz="1400" dirty="0">
+                  <a:solidFill>
+                    <a:schemeClr val="bg1">
+                      <a:lumMod val="85000"/>
+                    </a:schemeClr>
+                  </a:solidFill>
+                  <a:latin typeface="Consolas" panose="020B0609020204030204" pitchFamily="49" charset="0"/>
+                  <a:cs typeface="Consolas" panose="020B0609020204030204" pitchFamily="49" charset="0"/>
+                </a:rPr>
+                <a:t>    .num_filter(eq(op(GT), val(65))),</a:t>
+              </a:r>
+            </a:p>
+            <a:p>
+              <a:r>
+                <a:rPr lang="en-US" sz="1400" dirty="0">
+                  <a:solidFill>
+                    <a:schemeClr val="bg1">
+                      <a:lumMod val="85000"/>
+                    </a:schemeClr>
+                  </a:solidFill>
+                  <a:latin typeface="Consolas" panose="020B0609020204030204" pitchFamily="49" charset="0"/>
+                  <a:cs typeface="Consolas" panose="020B0609020204030204" pitchFamily="49" charset="0"/>
+                </a:rPr>
+                <a:t>  neg(</a:t>
+              </a:r>
+            </a:p>
+            <a:p>
+              <a:r>
+                <a:rPr lang="en-US" sz="1400" dirty="0">
+                  <a:solidFill>
+                    <a:schemeClr val="bg1">
+                      <a:lumMod val="65000"/>
+                    </a:schemeClr>
+                  </a:solidFill>
+                  <a:latin typeface="Consolas" panose="020B0609020204030204" pitchFamily="49" charset="0"/>
+                  <a:cs typeface="Consolas" panose="020B0609020204030204" pitchFamily="49" charset="0"/>
+                </a:rPr>
+                <a:t>    </a:t>
+              </a:r>
+              <a:r>
+                <a:rPr lang="en-US" sz="1400" dirty="0">
+                  <a:solidFill>
+                    <a:srgbClr val="EBA78A"/>
+                  </a:solidFill>
+                  <a:latin typeface="Consolas" panose="020B0609020204030204" pitchFamily="49" charset="0"/>
+                  <a:cs typeface="Consolas" panose="020B0609020204030204" pitchFamily="49" charset="0"/>
+                </a:rPr>
+                <a:t>contraindication</a:t>
+              </a:r>
+              <a:r>
+                <a:rPr lang="en-US" sz="1400" dirty="0">
+                  <a:solidFill>
+                    <a:schemeClr val="bg1">
+                      <a:lumMod val="65000"/>
+                    </a:schemeClr>
+                  </a:solidFill>
+                  <a:latin typeface="Consolas" panose="020B0609020204030204" pitchFamily="49" charset="0"/>
+                  <a:cs typeface="Consolas" panose="020B0609020204030204" pitchFamily="49" charset="0"/>
+                </a:rPr>
+                <a:t>(</a:t>
+              </a:r>
+            </a:p>
+            <a:p>
+              <a:r>
+                <a:rPr lang="en-US" sz="1400" dirty="0">
+                  <a:solidFill>
+                    <a:schemeClr val="bg1">
+                      <a:lumMod val="65000"/>
+                    </a:schemeClr>
+                  </a:solidFill>
+                  <a:latin typeface="Consolas" panose="020B0609020204030204" pitchFamily="49" charset="0"/>
+                  <a:cs typeface="Consolas" panose="020B0609020204030204" pitchFamily="49" charset="0"/>
+                </a:rPr>
+                <a:t>      </a:t>
+              </a:r>
+              <a:r>
+                <a:rPr lang="en-US" sz="1400" dirty="0">
+                  <a:solidFill>
+                    <a:srgbClr val="EEB1DC"/>
+                  </a:solidFill>
+                  <a:latin typeface="Consolas" panose="020B0609020204030204" pitchFamily="49" charset="0"/>
+                  <a:cs typeface="Consolas" panose="020B0609020204030204" pitchFamily="49" charset="0"/>
+                </a:rPr>
+                <a:t>drug</a:t>
+              </a:r>
+              <a:r>
+                <a:rPr lang="en-US" sz="1400" dirty="0">
+                  <a:solidFill>
+                    <a:schemeClr val="bg1">
+                      <a:lumMod val="65000"/>
+                    </a:schemeClr>
+                  </a:solidFill>
+                  <a:latin typeface="Consolas" panose="020B0609020204030204" pitchFamily="49" charset="0"/>
+                  <a:cs typeface="Consolas" panose="020B0609020204030204" pitchFamily="49" charset="0"/>
+                </a:rPr>
+                <a:t>(</a:t>
+              </a:r>
+              <a:r>
+                <a:rPr lang="en-US" sz="1400" dirty="0">
+                  <a:solidFill>
+                    <a:schemeClr val="accent5">
+                      <a:lumMod val="75000"/>
+                    </a:schemeClr>
+                  </a:solidFill>
+                  <a:latin typeface="Consolas" panose="020B0609020204030204" pitchFamily="49" charset="0"/>
+                  <a:cs typeface="Consolas" panose="020B0609020204030204" pitchFamily="49" charset="0"/>
+                </a:rPr>
+                <a:t>CUI: C0025598</a:t>
+              </a:r>
+              <a:r>
+                <a:rPr lang="en-US" sz="1400" dirty="0">
+                  <a:solidFill>
+                    <a:schemeClr val="bg1">
+                      <a:lumMod val="65000"/>
+                    </a:schemeClr>
+                  </a:solidFill>
+                  <a:latin typeface="Consolas" panose="020B0609020204030204" pitchFamily="49" charset="0"/>
+                  <a:cs typeface="Consolas" panose="020B0609020204030204" pitchFamily="49" charset="0"/>
+                </a:rPr>
+                <a:t>). </a:t>
+              </a:r>
+            </a:p>
+            <a:p>
+              <a:r>
+                <a:rPr lang="en-US" sz="1400" dirty="0">
+                  <a:solidFill>
+                    <a:schemeClr val="bg1">
+                      <a:lumMod val="65000"/>
+                    </a:schemeClr>
+                  </a:solidFill>
+                  <a:latin typeface="Consolas" panose="020B0609020204030204" pitchFamily="49" charset="0"/>
+                  <a:cs typeface="Consolas" panose="020B0609020204030204" pitchFamily="49" charset="0"/>
+                </a:rPr>
+                <a:t>    )</a:t>
+              </a:r>
+            </a:p>
+            <a:p>
+              <a:r>
+                <a:rPr lang="en-US" sz="1400" dirty="0">
+                  <a:solidFill>
+                    <a:schemeClr val="bg1">
+                      <a:lumMod val="65000"/>
+                    </a:schemeClr>
+                  </a:solidFill>
+                  <a:latin typeface="Consolas" panose="020B0609020204030204" pitchFamily="49" charset="0"/>
+                  <a:cs typeface="Consolas" panose="020B0609020204030204" pitchFamily="49" charset="0"/>
+                </a:rPr>
+                <a:t>  </a:t>
+              </a:r>
+              <a:r>
+                <a:rPr lang="en-US" sz="1400" dirty="0">
+                  <a:solidFill>
+                    <a:schemeClr val="bg1">
+                      <a:lumMod val="85000"/>
+                    </a:schemeClr>
+                  </a:solidFill>
+                  <a:latin typeface="Consolas" panose="020B0609020204030204" pitchFamily="49" charset="0"/>
+                  <a:cs typeface="Consolas" panose="020B0609020204030204" pitchFamily="49" charset="0"/>
+                </a:rPr>
+                <a:t>)</a:t>
+              </a:r>
+            </a:p>
+            <a:p>
+              <a:r>
+                <a:rPr lang="en-US" sz="1400" dirty="0">
+                  <a:solidFill>
+                    <a:schemeClr val="bg1">
+                      <a:lumMod val="85000"/>
+                    </a:schemeClr>
+                  </a:solidFill>
+                  <a:latin typeface="Consolas" panose="020B0609020204030204" pitchFamily="49" charset="0"/>
+                  <a:cs typeface="Consolas" panose="020B0609020204030204" pitchFamily="49" charset="0"/>
+                </a:rPr>
+                <a:t>)</a:t>
+              </a:r>
+            </a:p>
+          </p:txBody>
+        </p:sp>
+      </p:grpSp>
+      <p:grpSp>
+        <p:nvGrpSpPr>
+          <p:cNvPr id="128" name="Group 127">
+            <a:extLst>
+              <a:ext uri="{FF2B5EF4-FFF2-40B4-BE49-F238E27FC236}">
+                <a16:creationId xmlns:a16="http://schemas.microsoft.com/office/drawing/2014/main" id="{C0402CD3-B300-2C57-6433-00499E07FCEC}"/>
+              </a:ext>
+            </a:extLst>
+          </p:cNvPr>
+          <p:cNvGrpSpPr/>
+          <p:nvPr/>
+        </p:nvGrpSpPr>
+        <p:grpSpPr>
+          <a:xfrm>
+            <a:off x="130717" y="4857653"/>
+            <a:ext cx="4224636" cy="2330751"/>
+            <a:chOff x="5795469" y="1053636"/>
+            <a:chExt cx="2505250" cy="2330751"/>
+          </a:xfrm>
+        </p:grpSpPr>
+        <p:sp>
+          <p:nvSpPr>
+            <p:cNvPr id="129" name="Rounded Rectangle 128">
+              <a:extLst>
+                <a:ext uri="{FF2B5EF4-FFF2-40B4-BE49-F238E27FC236}">
+                  <a16:creationId xmlns:a16="http://schemas.microsoft.com/office/drawing/2014/main" id="{6A262F00-A1EC-EB77-8C5E-323F4071E24E}"/>
+                </a:ext>
+              </a:extLst>
+            </p:cNvPr>
+            <p:cNvSpPr/>
+            <p:nvPr/>
+          </p:nvSpPr>
+          <p:spPr>
+            <a:xfrm>
+              <a:off x="5795469" y="1067845"/>
+              <a:ext cx="2476190" cy="2316542"/>
+            </a:xfrm>
+            <a:prstGeom prst="roundRect">
+              <a:avLst/>
+            </a:prstGeom>
+            <a:solidFill>
+              <a:srgbClr val="E3E8F7">
+                <a:alpha val="32941"/>
+              </a:srgbClr>
+            </a:solidFill>
+            <a:ln>
+              <a:noFill/>
+            </a:ln>
+          </p:spPr>
+          <p:style>
+            <a:lnRef idx="2">
+              <a:schemeClr val="accent1">
+                <a:shade val="50000"/>
+              </a:schemeClr>
+            </a:lnRef>
+            <a:fillRef idx="1">
+              <a:schemeClr val="accent1"/>
+            </a:fillRef>
+            <a:effectRef idx="0">
+              <a:schemeClr val="accent1"/>
+            </a:effectRef>
+            <a:fontRef idx="minor">
+              <a:schemeClr val="lt1"/>
+            </a:fontRef>
+          </p:style>
+          <p:txBody>
+            <a:bodyPr rtlCol="0" anchor="ctr"/>
+            <a:lstStyle/>
+            <a:p>
+              <a:pPr algn="ctr"/>
+              <a:endParaRPr lang="en-US" sz="1400">
+                <a:latin typeface="Consolas" panose="020B0609020204030204" pitchFamily="49" charset="0"/>
+                <a:cs typeface="Consolas" panose="020B0609020204030204" pitchFamily="49" charset="0"/>
+              </a:endParaRPr>
+            </a:p>
+          </p:txBody>
+        </p:sp>
+        <p:sp>
+          <p:nvSpPr>
+            <p:cNvPr id="130" name="TextBox 129">
+              <a:extLst>
+                <a:ext uri="{FF2B5EF4-FFF2-40B4-BE49-F238E27FC236}">
+                  <a16:creationId xmlns:a16="http://schemas.microsoft.com/office/drawing/2014/main" id="{E0134A08-5C33-0D5D-BE66-9C30D449C89A}"/>
+                </a:ext>
+              </a:extLst>
+            </p:cNvPr>
+            <p:cNvSpPr txBox="1"/>
+            <p:nvPr/>
+          </p:nvSpPr>
+          <p:spPr>
+            <a:xfrm>
+              <a:off x="5889843" y="1053636"/>
+              <a:ext cx="2410876" cy="2246769"/>
+            </a:xfrm>
+            <a:prstGeom prst="rect">
+              <a:avLst/>
+            </a:prstGeom>
+            <a:noFill/>
+          </p:spPr>
+          <p:txBody>
+            <a:bodyPr wrap="square" rtlCol="0">
+              <a:spAutoFit/>
+            </a:bodyPr>
+            <a:lstStyle/>
+            <a:p>
+              <a:r>
+                <a:rPr lang="en-US" sz="1400" dirty="0">
+                  <a:solidFill>
+                    <a:schemeClr val="accent5"/>
+                  </a:solidFill>
+                  <a:latin typeface="Consolas" panose="020B0609020204030204" pitchFamily="49" charset="0"/>
+                  <a:cs typeface="Consolas" panose="020B0609020204030204" pitchFamily="49" charset="0"/>
+                </a:rPr>
+                <a:t>intersect</a:t>
+              </a:r>
+              <a:r>
+                <a:rPr lang="en-US" sz="1400" dirty="0">
+                  <a:solidFill>
+                    <a:schemeClr val="bg1">
+                      <a:lumMod val="65000"/>
+                    </a:schemeClr>
+                  </a:solidFill>
+                  <a:latin typeface="Consolas" panose="020B0609020204030204" pitchFamily="49" charset="0"/>
+                  <a:cs typeface="Consolas" panose="020B0609020204030204" pitchFamily="49" charset="0"/>
+                </a:rPr>
+                <a:t>(</a:t>
+              </a:r>
+              <a:endParaRPr lang="en-US" sz="1400" dirty="0">
+                <a:latin typeface="Consolas" panose="020B0609020204030204" pitchFamily="49" charset="0"/>
+                <a:cs typeface="Consolas" panose="020B0609020204030204" pitchFamily="49" charset="0"/>
+              </a:endParaRPr>
+            </a:p>
+            <a:p>
+              <a:r>
+                <a:rPr lang="en-US" sz="1400" dirty="0">
+                  <a:latin typeface="Consolas" panose="020B0609020204030204" pitchFamily="49" charset="0"/>
+                  <a:cs typeface="Consolas" panose="020B0609020204030204" pitchFamily="49" charset="0"/>
+                </a:rPr>
+                <a:t>  </a:t>
+              </a:r>
+              <a:r>
+                <a:rPr lang="en-US" sz="1400" dirty="0">
+                  <a:solidFill>
+                    <a:schemeClr val="accent6"/>
+                  </a:solidFill>
+                  <a:latin typeface="Consolas" panose="020B0609020204030204" pitchFamily="49" charset="0"/>
+                  <a:cs typeface="Consolas" panose="020B0609020204030204" pitchFamily="49" charset="0"/>
+                </a:rPr>
+                <a:t>cond</a:t>
+              </a:r>
+              <a:r>
+                <a:rPr lang="en-US" sz="1400" dirty="0">
+                  <a:solidFill>
+                    <a:schemeClr val="bg1">
+                      <a:lumMod val="65000"/>
+                    </a:schemeClr>
+                  </a:solidFill>
+                  <a:latin typeface="Consolas" panose="020B0609020204030204" pitchFamily="49" charset="0"/>
+                  <a:cs typeface="Consolas" panose="020B0609020204030204" pitchFamily="49" charset="0"/>
+                </a:rPr>
+                <a:t>(</a:t>
+              </a:r>
+              <a:r>
+                <a:rPr lang="en-US" sz="1400" dirty="0">
+                  <a:solidFill>
+                    <a:srgbClr val="C00000"/>
+                  </a:solidFill>
+                  <a:latin typeface="Consolas" panose="020B0609020204030204" pitchFamily="49" charset="0"/>
+                  <a:cs typeface="Consolas" panose="020B0609020204030204" pitchFamily="49" charset="0"/>
+                </a:rPr>
+                <a:t>“Diabetics”</a:t>
+              </a:r>
+              <a:r>
+                <a:rPr lang="en-US" sz="1400" dirty="0">
+                  <a:solidFill>
+                    <a:schemeClr val="bg1">
+                      <a:lumMod val="65000"/>
+                    </a:schemeClr>
+                  </a:solidFill>
+                  <a:latin typeface="Consolas" panose="020B0609020204030204" pitchFamily="49" charset="0"/>
+                  <a:cs typeface="Consolas" panose="020B0609020204030204" pitchFamily="49" charset="0"/>
+                </a:rPr>
+                <a:t>), </a:t>
+              </a:r>
+              <a:br>
+                <a:rPr lang="en-US" sz="1400" dirty="0">
+                  <a:solidFill>
+                    <a:schemeClr val="bg1">
+                      <a:lumMod val="65000"/>
+                    </a:schemeClr>
+                  </a:solidFill>
+                  <a:latin typeface="Consolas" panose="020B0609020204030204" pitchFamily="49" charset="0"/>
+                  <a:cs typeface="Consolas" panose="020B0609020204030204" pitchFamily="49" charset="0"/>
+                </a:rPr>
+              </a:br>
+              <a:r>
+                <a:rPr lang="en-US" sz="1400" dirty="0">
+                  <a:solidFill>
+                    <a:schemeClr val="bg1">
+                      <a:lumMod val="65000"/>
+                    </a:schemeClr>
+                  </a:solidFill>
+                  <a:latin typeface="Consolas" panose="020B0609020204030204" pitchFamily="49" charset="0"/>
+                  <a:cs typeface="Consolas" panose="020B0609020204030204" pitchFamily="49" charset="0"/>
+                </a:rPr>
+                <a:t>  </a:t>
+              </a:r>
+              <a:r>
+                <a:rPr lang="en-US" sz="1400" dirty="0">
+                  <a:solidFill>
+                    <a:srgbClr val="8F1EB0"/>
+                  </a:solidFill>
+                  <a:latin typeface="Consolas" panose="020B0609020204030204" pitchFamily="49" charset="0"/>
+                  <a:cs typeface="Consolas" panose="020B0609020204030204" pitchFamily="49" charset="0"/>
+                </a:rPr>
+                <a:t>age</a:t>
+              </a:r>
+              <a:r>
+                <a:rPr lang="en-US" sz="1400" dirty="0">
+                  <a:solidFill>
+                    <a:schemeClr val="bg1">
+                      <a:lumMod val="65000"/>
+                    </a:schemeClr>
+                  </a:solidFill>
+                  <a:latin typeface="Consolas" panose="020B0609020204030204" pitchFamily="49" charset="0"/>
+                  <a:cs typeface="Consolas" panose="020B0609020204030204" pitchFamily="49" charset="0"/>
+                </a:rPr>
+                <a:t>()</a:t>
+              </a:r>
+            </a:p>
+            <a:p>
+              <a:r>
+                <a:rPr lang="en-US" sz="1400" dirty="0">
+                  <a:solidFill>
+                    <a:schemeClr val="bg1">
+                      <a:lumMod val="65000"/>
+                    </a:schemeClr>
+                  </a:solidFill>
+                  <a:latin typeface="Consolas" panose="020B0609020204030204" pitchFamily="49" charset="0"/>
+                  <a:cs typeface="Consolas" panose="020B0609020204030204" pitchFamily="49" charset="0"/>
+                </a:rPr>
+                <a:t>    .</a:t>
+              </a:r>
+              <a:r>
+                <a:rPr lang="en-US" sz="1400" dirty="0">
+                  <a:solidFill>
+                    <a:schemeClr val="accent5"/>
+                  </a:solidFill>
+                  <a:latin typeface="Consolas" panose="020B0609020204030204" pitchFamily="49" charset="0"/>
+                  <a:cs typeface="Consolas" panose="020B0609020204030204" pitchFamily="49" charset="0"/>
+                </a:rPr>
+                <a:t>num_filter</a:t>
+              </a:r>
+              <a:r>
+                <a:rPr lang="en-US" sz="1400" dirty="0">
+                  <a:solidFill>
+                    <a:schemeClr val="bg1">
+                      <a:lumMod val="65000"/>
+                    </a:schemeClr>
+                  </a:solidFill>
+                  <a:latin typeface="Consolas" panose="020B0609020204030204" pitchFamily="49" charset="0"/>
+                  <a:cs typeface="Consolas" panose="020B0609020204030204" pitchFamily="49" charset="0"/>
+                </a:rPr>
+                <a:t>(</a:t>
+              </a:r>
+              <a:r>
+                <a:rPr lang="en-US" sz="1400" dirty="0">
+                  <a:solidFill>
+                    <a:schemeClr val="accent5">
+                      <a:lumMod val="60000"/>
+                      <a:lumOff val="40000"/>
+                    </a:schemeClr>
+                  </a:solidFill>
+                  <a:latin typeface="Consolas" panose="020B0609020204030204" pitchFamily="49" charset="0"/>
+                  <a:cs typeface="Consolas" panose="020B0609020204030204" pitchFamily="49" charset="0"/>
+                </a:rPr>
+                <a:t>eq</a:t>
+              </a:r>
+              <a:r>
+                <a:rPr lang="en-US" sz="1400" dirty="0">
+                  <a:solidFill>
+                    <a:schemeClr val="bg1">
+                      <a:lumMod val="65000"/>
+                    </a:schemeClr>
+                  </a:solidFill>
+                  <a:latin typeface="Consolas" panose="020B0609020204030204" pitchFamily="49" charset="0"/>
+                  <a:cs typeface="Consolas" panose="020B0609020204030204" pitchFamily="49" charset="0"/>
+                </a:rPr>
+                <a:t>(</a:t>
+              </a:r>
+              <a:r>
+                <a:rPr lang="en-US" sz="1400" dirty="0">
+                  <a:solidFill>
+                    <a:schemeClr val="accent5">
+                      <a:lumMod val="60000"/>
+                      <a:lumOff val="40000"/>
+                    </a:schemeClr>
+                  </a:solidFill>
+                  <a:latin typeface="Consolas" panose="020B0609020204030204" pitchFamily="49" charset="0"/>
+                  <a:cs typeface="Consolas" panose="020B0609020204030204" pitchFamily="49" charset="0"/>
+                </a:rPr>
+                <a:t>op</a:t>
+              </a:r>
+              <a:r>
+                <a:rPr lang="en-US" sz="1400" dirty="0">
+                  <a:solidFill>
+                    <a:schemeClr val="bg1">
+                      <a:lumMod val="65000"/>
+                    </a:schemeClr>
+                  </a:solidFill>
+                  <a:latin typeface="Consolas" panose="020B0609020204030204" pitchFamily="49" charset="0"/>
+                  <a:cs typeface="Consolas" panose="020B0609020204030204" pitchFamily="49" charset="0"/>
+                </a:rPr>
+                <a:t>(</a:t>
+              </a:r>
+              <a:r>
+                <a:rPr lang="en-US" sz="1400" dirty="0">
+                  <a:solidFill>
+                    <a:schemeClr val="accent1"/>
+                  </a:solidFill>
+                  <a:latin typeface="Consolas" panose="020B0609020204030204" pitchFamily="49" charset="0"/>
+                  <a:cs typeface="Consolas" panose="020B0609020204030204" pitchFamily="49" charset="0"/>
+                </a:rPr>
+                <a:t>GT</a:t>
+              </a:r>
+              <a:r>
+                <a:rPr lang="en-US" sz="1400" dirty="0">
+                  <a:solidFill>
+                    <a:schemeClr val="bg1">
+                      <a:lumMod val="65000"/>
+                    </a:schemeClr>
+                  </a:solidFill>
+                  <a:latin typeface="Consolas" panose="020B0609020204030204" pitchFamily="49" charset="0"/>
+                  <a:cs typeface="Consolas" panose="020B0609020204030204" pitchFamily="49" charset="0"/>
+                </a:rPr>
+                <a:t>),</a:t>
+              </a:r>
+              <a:r>
+                <a:rPr lang="en-US" sz="1400" dirty="0">
+                  <a:latin typeface="Consolas" panose="020B0609020204030204" pitchFamily="49" charset="0"/>
+                  <a:cs typeface="Consolas" panose="020B0609020204030204" pitchFamily="49" charset="0"/>
+                </a:rPr>
+                <a:t> </a:t>
+              </a:r>
+              <a:r>
+                <a:rPr lang="en-US" sz="1400" dirty="0">
+                  <a:solidFill>
+                    <a:schemeClr val="accent5">
+                      <a:lumMod val="60000"/>
+                      <a:lumOff val="40000"/>
+                    </a:schemeClr>
+                  </a:solidFill>
+                  <a:latin typeface="Consolas" panose="020B0609020204030204" pitchFamily="49" charset="0"/>
+                  <a:cs typeface="Consolas" panose="020B0609020204030204" pitchFamily="49" charset="0"/>
+                </a:rPr>
+                <a:t>val</a:t>
+              </a:r>
+              <a:r>
+                <a:rPr lang="en-US" sz="1400" dirty="0">
+                  <a:solidFill>
+                    <a:schemeClr val="bg1">
+                      <a:lumMod val="65000"/>
+                    </a:schemeClr>
+                  </a:solidFill>
+                  <a:latin typeface="Consolas" panose="020B0609020204030204" pitchFamily="49" charset="0"/>
+                  <a:cs typeface="Consolas" panose="020B0609020204030204" pitchFamily="49" charset="0"/>
+                </a:rPr>
+                <a:t>(</a:t>
+              </a:r>
+              <a:r>
+                <a:rPr lang="en-US" sz="1400" dirty="0">
+                  <a:solidFill>
+                    <a:srgbClr val="C00000"/>
+                  </a:solidFill>
+                  <a:latin typeface="Consolas" panose="020B0609020204030204" pitchFamily="49" charset="0"/>
+                  <a:cs typeface="Consolas" panose="020B0609020204030204" pitchFamily="49" charset="0"/>
+                </a:rPr>
+                <a:t>“65”</a:t>
+              </a:r>
+              <a:r>
+                <a:rPr lang="en-US" sz="1400" dirty="0">
+                  <a:solidFill>
+                    <a:schemeClr val="bg1">
+                      <a:lumMod val="65000"/>
+                    </a:schemeClr>
+                  </a:solidFill>
+                  <a:latin typeface="Consolas" panose="020B0609020204030204" pitchFamily="49" charset="0"/>
+                  <a:cs typeface="Consolas" panose="020B0609020204030204" pitchFamily="49" charset="0"/>
+                </a:rPr>
+                <a:t>))),</a:t>
+              </a:r>
+            </a:p>
+            <a:p>
+              <a:r>
+                <a:rPr lang="en-US" sz="1400" dirty="0">
+                  <a:solidFill>
+                    <a:schemeClr val="bg1">
+                      <a:lumMod val="65000"/>
+                    </a:schemeClr>
+                  </a:solidFill>
+                  <a:latin typeface="Consolas" panose="020B0609020204030204" pitchFamily="49" charset="0"/>
+                  <a:cs typeface="Consolas" panose="020B0609020204030204" pitchFamily="49" charset="0"/>
+                </a:rPr>
+                <a:t>  </a:t>
+              </a:r>
+              <a:r>
+                <a:rPr lang="en-US" sz="1400" dirty="0">
+                  <a:solidFill>
+                    <a:srgbClr val="EA6E47"/>
+                  </a:solidFill>
+                  <a:latin typeface="Consolas" panose="020B0609020204030204" pitchFamily="49" charset="0"/>
+                  <a:cs typeface="Consolas" panose="020B0609020204030204" pitchFamily="49" charset="0"/>
+                </a:rPr>
+                <a:t>neg</a:t>
+              </a:r>
+              <a:r>
+                <a:rPr lang="en-US" sz="1400" dirty="0">
+                  <a:solidFill>
+                    <a:schemeClr val="bg1">
+                      <a:lumMod val="65000"/>
+                    </a:schemeClr>
+                  </a:solidFill>
+                  <a:latin typeface="Consolas" panose="020B0609020204030204" pitchFamily="49" charset="0"/>
+                  <a:cs typeface="Consolas" panose="020B0609020204030204" pitchFamily="49" charset="0"/>
+                </a:rPr>
+                <a:t>(</a:t>
+              </a:r>
+            </a:p>
+            <a:p>
+              <a:r>
+                <a:rPr lang="en-US" sz="1400" dirty="0">
+                  <a:solidFill>
+                    <a:schemeClr val="bg1">
+                      <a:lumMod val="65000"/>
+                    </a:schemeClr>
+                  </a:solidFill>
+                  <a:latin typeface="Consolas" panose="020B0609020204030204" pitchFamily="49" charset="0"/>
+                  <a:cs typeface="Consolas" panose="020B0609020204030204" pitchFamily="49" charset="0"/>
+                </a:rPr>
+                <a:t>    </a:t>
+              </a:r>
+              <a:r>
+                <a:rPr lang="en-US" sz="1400" dirty="0">
+                  <a:solidFill>
+                    <a:srgbClr val="EBA78A"/>
+                  </a:solidFill>
+                  <a:latin typeface="Consolas" panose="020B0609020204030204" pitchFamily="49" charset="0"/>
+                  <a:cs typeface="Consolas" panose="020B0609020204030204" pitchFamily="49" charset="0"/>
+                </a:rPr>
+                <a:t>contraindication</a:t>
+              </a:r>
+              <a:r>
+                <a:rPr lang="en-US" sz="1400" dirty="0">
+                  <a:solidFill>
+                    <a:schemeClr val="bg1">
+                      <a:lumMod val="65000"/>
+                    </a:schemeClr>
+                  </a:solidFill>
+                  <a:latin typeface="Consolas" panose="020B0609020204030204" pitchFamily="49" charset="0"/>
+                  <a:cs typeface="Consolas" panose="020B0609020204030204" pitchFamily="49" charset="0"/>
+                </a:rPr>
+                <a:t>(</a:t>
+              </a:r>
+            </a:p>
+            <a:p>
+              <a:r>
+                <a:rPr lang="en-US" sz="1400" dirty="0">
+                  <a:solidFill>
+                    <a:schemeClr val="bg1">
+                      <a:lumMod val="65000"/>
+                    </a:schemeClr>
+                  </a:solidFill>
+                  <a:latin typeface="Consolas" panose="020B0609020204030204" pitchFamily="49" charset="0"/>
+                  <a:cs typeface="Consolas" panose="020B0609020204030204" pitchFamily="49" charset="0"/>
+                </a:rPr>
+                <a:t>      </a:t>
+              </a:r>
+              <a:r>
+                <a:rPr lang="en-US" sz="1400" dirty="0">
+                  <a:solidFill>
+                    <a:srgbClr val="EEB1DC"/>
+                  </a:solidFill>
+                  <a:latin typeface="Consolas" panose="020B0609020204030204" pitchFamily="49" charset="0"/>
+                  <a:cs typeface="Consolas" panose="020B0609020204030204" pitchFamily="49" charset="0"/>
+                </a:rPr>
+                <a:t>drug</a:t>
+              </a:r>
+              <a:r>
+                <a:rPr lang="en-US" sz="1400" dirty="0">
+                  <a:solidFill>
+                    <a:schemeClr val="bg1">
+                      <a:lumMod val="65000"/>
+                    </a:schemeClr>
+                  </a:solidFill>
+                  <a:latin typeface="Consolas" panose="020B0609020204030204" pitchFamily="49" charset="0"/>
+                  <a:cs typeface="Consolas" panose="020B0609020204030204" pitchFamily="49" charset="0"/>
+                </a:rPr>
+                <a:t>(</a:t>
+              </a:r>
+              <a:r>
+                <a:rPr lang="en-US" sz="1400" dirty="0">
+                  <a:solidFill>
+                    <a:srgbClr val="C00000"/>
+                  </a:solidFill>
+                  <a:latin typeface="Consolas" panose="020B0609020204030204" pitchFamily="49" charset="0"/>
+                  <a:cs typeface="Consolas" panose="020B0609020204030204" pitchFamily="49" charset="0"/>
+                </a:rPr>
+                <a:t>“metformin”</a:t>
+              </a:r>
+              <a:r>
+                <a:rPr lang="en-US" sz="1400" dirty="0">
+                  <a:solidFill>
+                    <a:schemeClr val="bg1">
+                      <a:lumMod val="65000"/>
+                    </a:schemeClr>
+                  </a:solidFill>
+                  <a:latin typeface="Consolas" panose="020B0609020204030204" pitchFamily="49" charset="0"/>
+                  <a:cs typeface="Consolas" panose="020B0609020204030204" pitchFamily="49" charset="0"/>
+                </a:rPr>
+                <a:t>)</a:t>
+              </a:r>
+            </a:p>
+            <a:p>
+              <a:r>
+                <a:rPr lang="en-US" sz="1400" dirty="0">
+                  <a:solidFill>
+                    <a:schemeClr val="bg1">
+                      <a:lumMod val="65000"/>
+                    </a:schemeClr>
+                  </a:solidFill>
+                  <a:latin typeface="Consolas" panose="020B0609020204030204" pitchFamily="49" charset="0"/>
+                  <a:cs typeface="Consolas" panose="020B0609020204030204" pitchFamily="49" charset="0"/>
+                </a:rPr>
+                <a:t>    )</a:t>
+              </a:r>
+            </a:p>
+            <a:p>
+              <a:r>
+                <a:rPr lang="en-US" sz="1400" dirty="0">
+                  <a:solidFill>
+                    <a:schemeClr val="bg1">
+                      <a:lumMod val="65000"/>
+                    </a:schemeClr>
+                  </a:solidFill>
+                  <a:latin typeface="Consolas" panose="020B0609020204030204" pitchFamily="49" charset="0"/>
+                  <a:cs typeface="Consolas" panose="020B0609020204030204" pitchFamily="49" charset="0"/>
+                </a:rPr>
+                <a:t>  )</a:t>
+              </a:r>
+              <a:endParaRPr lang="en-US" sz="1400" dirty="0">
+                <a:latin typeface="Consolas" panose="020B0609020204030204" pitchFamily="49" charset="0"/>
+                <a:cs typeface="Consolas" panose="020B0609020204030204" pitchFamily="49" charset="0"/>
+              </a:endParaRPr>
+            </a:p>
+            <a:p>
+              <a:r>
+                <a:rPr lang="en-US" sz="1400" dirty="0">
+                  <a:solidFill>
+                    <a:schemeClr val="bg1">
+                      <a:lumMod val="65000"/>
+                    </a:schemeClr>
+                  </a:solidFill>
+                  <a:latin typeface="Consolas" panose="020B0609020204030204" pitchFamily="49" charset="0"/>
+                  <a:cs typeface="Consolas" panose="020B0609020204030204" pitchFamily="49" charset="0"/>
+                </a:rPr>
+                <a:t>)</a:t>
+              </a:r>
+              <a:endParaRPr lang="en-US" sz="1400" dirty="0">
+                <a:latin typeface="Consolas" panose="020B0609020204030204" pitchFamily="49" charset="0"/>
+                <a:cs typeface="Consolas" panose="020B0609020204030204" pitchFamily="49" charset="0"/>
+              </a:endParaRPr>
+            </a:p>
+          </p:txBody>
+        </p:sp>
+      </p:grpSp>
+      <p:grpSp>
+        <p:nvGrpSpPr>
+          <p:cNvPr id="131" name="Group 130">
+            <a:extLst>
+              <a:ext uri="{FF2B5EF4-FFF2-40B4-BE49-F238E27FC236}">
+                <a16:creationId xmlns:a16="http://schemas.microsoft.com/office/drawing/2014/main" id="{A860C1FE-7153-6B2E-172A-054EA773DEFD}"/>
+              </a:ext>
+            </a:extLst>
+          </p:cNvPr>
+          <p:cNvGrpSpPr/>
+          <p:nvPr/>
+        </p:nvGrpSpPr>
+        <p:grpSpPr>
+          <a:xfrm>
+            <a:off x="6889228" y="1828653"/>
+            <a:ext cx="4764263" cy="2182029"/>
+            <a:chOff x="5648925" y="1094821"/>
+            <a:chExt cx="2825254" cy="2182029"/>
+          </a:xfrm>
+        </p:grpSpPr>
+        <p:sp>
+          <p:nvSpPr>
+            <p:cNvPr id="137" name="Rounded Rectangle 136">
+              <a:extLst>
+                <a:ext uri="{FF2B5EF4-FFF2-40B4-BE49-F238E27FC236}">
+                  <a16:creationId xmlns:a16="http://schemas.microsoft.com/office/drawing/2014/main" id="{77947A3F-6EB5-55F5-6807-C714C0D7407A}"/>
+                </a:ext>
+              </a:extLst>
+            </p:cNvPr>
+            <p:cNvSpPr/>
+            <p:nvPr/>
+          </p:nvSpPr>
+          <p:spPr>
+            <a:xfrm>
+              <a:off x="5648925" y="1094821"/>
+              <a:ext cx="2794588" cy="2182029"/>
+            </a:xfrm>
+            <a:prstGeom prst="roundRect">
+              <a:avLst/>
+            </a:prstGeom>
+            <a:solidFill>
+              <a:srgbClr val="E3E8F7">
+                <a:alpha val="32941"/>
+              </a:srgbClr>
+            </a:solidFill>
+            <a:ln>
+              <a:noFill/>
+            </a:ln>
+          </p:spPr>
+          <p:style>
+            <a:lnRef idx="2">
+              <a:schemeClr val="accent1">
+                <a:shade val="50000"/>
+              </a:schemeClr>
+            </a:lnRef>
+            <a:fillRef idx="1">
+              <a:schemeClr val="accent1"/>
+            </a:fillRef>
+            <a:effectRef idx="0">
+              <a:schemeClr val="accent1"/>
+            </a:effectRef>
+            <a:fontRef idx="minor">
+              <a:schemeClr val="lt1"/>
+            </a:fontRef>
+          </p:style>
+          <p:txBody>
+            <a:bodyPr rtlCol="0" anchor="ctr"/>
+            <a:lstStyle/>
+            <a:p>
+              <a:pPr algn="ctr"/>
+              <a:endParaRPr lang="en-US" sz="1400"/>
+            </a:p>
+          </p:txBody>
+        </p:sp>
+        <p:sp>
+          <p:nvSpPr>
+            <p:cNvPr id="138" name="TextBox 137">
+              <a:extLst>
+                <a:ext uri="{FF2B5EF4-FFF2-40B4-BE49-F238E27FC236}">
+                  <a16:creationId xmlns:a16="http://schemas.microsoft.com/office/drawing/2014/main" id="{77A665C2-B5D1-ADAE-73C9-359A83CDA5E1}"/>
+                </a:ext>
+              </a:extLst>
+            </p:cNvPr>
+            <p:cNvSpPr txBox="1"/>
+            <p:nvPr/>
+          </p:nvSpPr>
+          <p:spPr>
+            <a:xfrm>
+              <a:off x="5688531" y="1135278"/>
+              <a:ext cx="2785648" cy="2031325"/>
+            </a:xfrm>
+            <a:prstGeom prst="rect">
+              <a:avLst/>
+            </a:prstGeom>
+            <a:noFill/>
+          </p:spPr>
+          <p:txBody>
+            <a:bodyPr wrap="square" rtlCol="0">
+              <a:spAutoFit/>
+            </a:bodyPr>
+            <a:lstStyle/>
+            <a:p>
+              <a:r>
+                <a:rPr lang="en-US" sz="1400" dirty="0">
+                  <a:solidFill>
+                    <a:schemeClr val="bg1">
+                      <a:lumMod val="85000"/>
+                    </a:schemeClr>
+                  </a:solidFill>
+                  <a:latin typeface="Consolas" panose="020B0609020204030204" pitchFamily="49" charset="0"/>
+                  <a:cs typeface="Consolas" panose="020B0609020204030204" pitchFamily="49" charset="0"/>
+                </a:rPr>
+                <a:t>intersect(</a:t>
+              </a:r>
+            </a:p>
+            <a:p>
+              <a:r>
+                <a:rPr lang="en-US" sz="1400" dirty="0">
+                  <a:solidFill>
+                    <a:schemeClr val="bg1">
+                      <a:lumMod val="85000"/>
+                    </a:schemeClr>
+                  </a:solidFill>
+                  <a:latin typeface="Consolas" panose="020B0609020204030204" pitchFamily="49" charset="0"/>
+                  <a:cs typeface="Consolas" panose="020B0609020204030204" pitchFamily="49" charset="0"/>
+                </a:rPr>
+                <a:t>  cond(CUI: C0241863), </a:t>
+              </a:r>
+              <a:br>
+                <a:rPr lang="en-US" sz="1400" dirty="0">
+                  <a:solidFill>
+                    <a:schemeClr val="bg1">
+                      <a:lumMod val="85000"/>
+                    </a:schemeClr>
+                  </a:solidFill>
+                  <a:latin typeface="Consolas" panose="020B0609020204030204" pitchFamily="49" charset="0"/>
+                  <a:cs typeface="Consolas" panose="020B0609020204030204" pitchFamily="49" charset="0"/>
+                </a:rPr>
+              </a:br>
+              <a:r>
+                <a:rPr lang="en-US" sz="1400" dirty="0">
+                  <a:solidFill>
+                    <a:schemeClr val="bg1">
+                      <a:lumMod val="85000"/>
+                    </a:schemeClr>
+                  </a:solidFill>
+                  <a:latin typeface="Consolas" panose="020B0609020204030204" pitchFamily="49" charset="0"/>
+                  <a:cs typeface="Consolas" panose="020B0609020204030204" pitchFamily="49" charset="0"/>
+                </a:rPr>
+                <a:t>  age()</a:t>
+              </a:r>
+            </a:p>
+            <a:p>
+              <a:r>
+                <a:rPr lang="en-US" sz="1400" dirty="0">
+                  <a:solidFill>
+                    <a:schemeClr val="bg1">
+                      <a:lumMod val="85000"/>
+                    </a:schemeClr>
+                  </a:solidFill>
+                  <a:latin typeface="Consolas" panose="020B0609020204030204" pitchFamily="49" charset="0"/>
+                  <a:cs typeface="Consolas" panose="020B0609020204030204" pitchFamily="49" charset="0"/>
+                </a:rPr>
+                <a:t>    .num_filter(eq(op(GT), val(65))),</a:t>
+              </a:r>
+            </a:p>
+            <a:p>
+              <a:r>
+                <a:rPr lang="en-US" sz="1400" dirty="0">
+                  <a:solidFill>
+                    <a:schemeClr val="bg1">
+                      <a:lumMod val="85000"/>
+                    </a:schemeClr>
+                  </a:solidFill>
+                  <a:latin typeface="Consolas" panose="020B0609020204030204" pitchFamily="49" charset="0"/>
+                  <a:cs typeface="Consolas" panose="020B0609020204030204" pitchFamily="49" charset="0"/>
+                </a:rPr>
+                <a:t>  neg(</a:t>
+              </a:r>
+            </a:p>
+            <a:p>
+              <a:r>
+                <a:rPr lang="en-US" sz="1400" dirty="0">
+                  <a:solidFill>
+                    <a:schemeClr val="bg1">
+                      <a:lumMod val="65000"/>
+                    </a:schemeClr>
+                  </a:solidFill>
+                  <a:latin typeface="Consolas" panose="020B0609020204030204" pitchFamily="49" charset="0"/>
+                  <a:cs typeface="Consolas" panose="020B0609020204030204" pitchFamily="49" charset="0"/>
+                </a:rPr>
+                <a:t>    </a:t>
+              </a:r>
+              <a:r>
+                <a:rPr lang="en-US" sz="1400" dirty="0">
+                  <a:solidFill>
+                    <a:schemeClr val="accent6"/>
+                  </a:solidFill>
+                  <a:latin typeface="Consolas" panose="020B0609020204030204" pitchFamily="49" charset="0"/>
+                  <a:cs typeface="Consolas" panose="020B0609020204030204" pitchFamily="49" charset="0"/>
+                </a:rPr>
+                <a:t>cond</a:t>
+              </a:r>
+              <a:r>
+                <a:rPr lang="en-US" sz="1400" dirty="0">
+                  <a:solidFill>
+                    <a:schemeClr val="bg1">
+                      <a:lumMod val="65000"/>
+                    </a:schemeClr>
+                  </a:solidFill>
+                  <a:latin typeface="Consolas" panose="020B0609020204030204" pitchFamily="49" charset="0"/>
+                  <a:cs typeface="Consolas" panose="020B0609020204030204" pitchFamily="49" charset="0"/>
+                </a:rPr>
+                <a:t>(</a:t>
+              </a:r>
+              <a:r>
+                <a:rPr lang="en-US" sz="1400" dirty="0">
+                  <a:solidFill>
+                    <a:schemeClr val="accent5">
+                      <a:lumMod val="75000"/>
+                    </a:schemeClr>
+                  </a:solidFill>
+                  <a:latin typeface="Consolas" panose="020B0609020204030204" pitchFamily="49" charset="0"/>
+                  <a:cs typeface="Consolas" panose="020B0609020204030204" pitchFamily="49" charset="0"/>
+                </a:rPr>
+                <a:t>CUI: </a:t>
+              </a:r>
+              <a:r>
+                <a:rPr lang="en-US" sz="1400" dirty="0">
+                  <a:solidFill>
+                    <a:schemeClr val="accent5">
+                      <a:lumMod val="75000"/>
+                    </a:schemeClr>
+                  </a:solidFill>
+                </a:rPr>
+                <a:t>C0035078</a:t>
+              </a:r>
+              <a:r>
+                <a:rPr lang="en-US" sz="1400" dirty="0">
+                  <a:solidFill>
+                    <a:schemeClr val="bg1">
+                      <a:lumMod val="65000"/>
+                    </a:schemeClr>
+                  </a:solidFill>
+                  <a:latin typeface="Consolas" panose="020B0609020204030204" pitchFamily="49" charset="0"/>
+                  <a:cs typeface="Consolas" panose="020B0609020204030204" pitchFamily="49" charset="0"/>
+                </a:rPr>
+                <a:t>),</a:t>
+              </a:r>
+              <a:r>
+                <a:rPr lang="en-US" sz="1000" dirty="0">
+                  <a:solidFill>
+                    <a:schemeClr val="accent5">
+                      <a:lumMod val="75000"/>
+                    </a:schemeClr>
+                  </a:solidFill>
+                  <a:latin typeface="Consolas" panose="020B0609020204030204" pitchFamily="49" charset="0"/>
+                  <a:cs typeface="Consolas" panose="020B0609020204030204" pitchFamily="49" charset="0"/>
+                </a:rPr>
+                <a:t> </a:t>
+              </a:r>
+              <a:r>
+                <a:rPr lang="en-US" sz="1300" dirty="0">
+                  <a:solidFill>
+                    <a:srgbClr val="C00000"/>
+                  </a:solidFill>
+                  <a:latin typeface="Consolas" panose="020B0609020204030204" pitchFamily="49" charset="0"/>
+                  <a:cs typeface="Consolas" panose="020B0609020204030204" pitchFamily="49" charset="0"/>
+                </a:rPr>
+                <a:t>“Renal Insufficiency”</a:t>
+              </a:r>
+              <a:br>
+                <a:rPr lang="en-US" sz="1400" dirty="0">
+                  <a:solidFill>
+                    <a:schemeClr val="bg1">
+                      <a:lumMod val="65000"/>
+                    </a:schemeClr>
+                  </a:solidFill>
+                  <a:latin typeface="Consolas" panose="020B0609020204030204" pitchFamily="49" charset="0"/>
+                  <a:cs typeface="Consolas" panose="020B0609020204030204" pitchFamily="49" charset="0"/>
+                </a:rPr>
+              </a:br>
+              <a:r>
+                <a:rPr lang="en-US" sz="1400" dirty="0">
+                  <a:solidFill>
+                    <a:schemeClr val="bg1">
+                      <a:lumMod val="65000"/>
+                    </a:schemeClr>
+                  </a:solidFill>
+                  <a:latin typeface="Consolas" panose="020B0609020204030204" pitchFamily="49" charset="0"/>
+                  <a:cs typeface="Consolas" panose="020B0609020204030204" pitchFamily="49" charset="0"/>
+                </a:rPr>
+                <a:t>    </a:t>
+              </a:r>
+              <a:r>
+                <a:rPr lang="en-US" sz="1400" dirty="0">
+                  <a:solidFill>
+                    <a:srgbClr val="EEB1DC"/>
+                  </a:solidFill>
+                  <a:latin typeface="Consolas" panose="020B0609020204030204" pitchFamily="49" charset="0"/>
+                  <a:cs typeface="Consolas" panose="020B0609020204030204" pitchFamily="49" charset="0"/>
+                </a:rPr>
+                <a:t>drug</a:t>
+              </a:r>
+              <a:r>
+                <a:rPr lang="en-US" sz="1400" dirty="0">
+                  <a:solidFill>
+                    <a:schemeClr val="bg1">
+                      <a:lumMod val="65000"/>
+                    </a:schemeClr>
+                  </a:solidFill>
+                  <a:latin typeface="Consolas" panose="020B0609020204030204" pitchFamily="49" charset="0"/>
+                  <a:cs typeface="Consolas" panose="020B0609020204030204" pitchFamily="49" charset="0"/>
+                </a:rPr>
+                <a:t>(</a:t>
+              </a:r>
+              <a:r>
+                <a:rPr lang="en-US" sz="1400" dirty="0">
+                  <a:solidFill>
+                    <a:schemeClr val="accent5">
+                      <a:lumMod val="75000"/>
+                    </a:schemeClr>
+                  </a:solidFill>
+                  <a:latin typeface="Consolas" panose="020B0609020204030204" pitchFamily="49" charset="0"/>
+                  <a:cs typeface="Consolas" panose="020B0609020204030204" pitchFamily="49" charset="0"/>
+                </a:rPr>
+                <a:t>CUI: </a:t>
+              </a:r>
+              <a:r>
+                <a:rPr lang="en-US" sz="1400" dirty="0">
+                  <a:solidFill>
+                    <a:schemeClr val="accent5">
+                      <a:lumMod val="75000"/>
+                    </a:schemeClr>
+                  </a:solidFill>
+                </a:rPr>
+                <a:t>C3253985</a:t>
+              </a:r>
+              <a:r>
+                <a:rPr lang="en-US" sz="1400" dirty="0">
+                  <a:solidFill>
+                    <a:schemeClr val="bg1">
+                      <a:lumMod val="65000"/>
+                    </a:schemeClr>
+                  </a:solidFill>
+                  <a:latin typeface="Consolas" panose="020B0609020204030204" pitchFamily="49" charset="0"/>
+                  <a:cs typeface="Consolas" panose="020B0609020204030204" pitchFamily="49" charset="0"/>
+                </a:rPr>
+                <a:t>)</a:t>
+              </a:r>
+              <a:r>
+                <a:rPr lang="en-US" sz="1000" dirty="0">
+                  <a:solidFill>
+                    <a:schemeClr val="accent5">
+                      <a:lumMod val="75000"/>
+                    </a:schemeClr>
+                  </a:solidFill>
+                  <a:latin typeface="Consolas" panose="020B0609020204030204" pitchFamily="49" charset="0"/>
+                  <a:cs typeface="Consolas" panose="020B0609020204030204" pitchFamily="49" charset="0"/>
+                </a:rPr>
+                <a:t>  </a:t>
+              </a:r>
+              <a:r>
+                <a:rPr lang="en-US" sz="1300" dirty="0">
+                  <a:solidFill>
+                    <a:srgbClr val="C00000"/>
+                  </a:solidFill>
+                  <a:latin typeface="Consolas" panose="020B0609020204030204" pitchFamily="49" charset="0"/>
+                  <a:cs typeface="Consolas" panose="020B0609020204030204" pitchFamily="49" charset="0"/>
+                </a:rPr>
+                <a:t>“Dolutegravir”</a:t>
+              </a:r>
+              <a:r>
+                <a:rPr lang="en-US" sz="1400" dirty="0">
+                  <a:solidFill>
+                    <a:schemeClr val="bg1">
+                      <a:lumMod val="65000"/>
+                    </a:schemeClr>
+                  </a:solidFill>
+                  <a:latin typeface="Consolas" panose="020B0609020204030204" pitchFamily="49" charset="0"/>
+                  <a:cs typeface="Consolas" panose="020B0609020204030204" pitchFamily="49" charset="0"/>
+                </a:rPr>
+                <a:t>) ...</a:t>
+              </a:r>
+            </a:p>
+            <a:p>
+              <a:r>
+                <a:rPr lang="en-US" sz="1400" dirty="0">
+                  <a:solidFill>
+                    <a:schemeClr val="bg1">
+                      <a:lumMod val="85000"/>
+                    </a:schemeClr>
+                  </a:solidFill>
+                  <a:latin typeface="Consolas" panose="020B0609020204030204" pitchFamily="49" charset="0"/>
+                  <a:cs typeface="Consolas" panose="020B0609020204030204" pitchFamily="49" charset="0"/>
+                </a:rPr>
+                <a:t>  )</a:t>
+              </a:r>
+            </a:p>
+            <a:p>
+              <a:r>
+                <a:rPr lang="en-US" sz="1400" dirty="0">
+                  <a:solidFill>
+                    <a:schemeClr val="bg1">
+                      <a:lumMod val="85000"/>
+                    </a:schemeClr>
+                  </a:solidFill>
+                  <a:latin typeface="Consolas" panose="020B0609020204030204" pitchFamily="49" charset="0"/>
+                  <a:cs typeface="Consolas" panose="020B0609020204030204" pitchFamily="49" charset="0"/>
+                </a:rPr>
+                <a:t>)</a:t>
+              </a:r>
+            </a:p>
+          </p:txBody>
+        </p:sp>
+      </p:grpSp>
+      <p:grpSp>
+        <p:nvGrpSpPr>
+          <p:cNvPr id="148" name="Group 147">
+            <a:extLst>
+              <a:ext uri="{FF2B5EF4-FFF2-40B4-BE49-F238E27FC236}">
+                <a16:creationId xmlns:a16="http://schemas.microsoft.com/office/drawing/2014/main" id="{03473A89-0675-E962-9340-07802022FA88}"/>
+              </a:ext>
+            </a:extLst>
+          </p:cNvPr>
+          <p:cNvGrpSpPr/>
+          <p:nvPr/>
+        </p:nvGrpSpPr>
+        <p:grpSpPr>
+          <a:xfrm>
+            <a:off x="6927222" y="188803"/>
+            <a:ext cx="5010588" cy="1672678"/>
+            <a:chOff x="5454566" y="1067846"/>
+            <a:chExt cx="2971327" cy="1672678"/>
+          </a:xfrm>
+        </p:grpSpPr>
+        <p:sp>
+          <p:nvSpPr>
+            <p:cNvPr id="149" name="Rounded Rectangle 148">
+              <a:extLst>
+                <a:ext uri="{FF2B5EF4-FFF2-40B4-BE49-F238E27FC236}">
+                  <a16:creationId xmlns:a16="http://schemas.microsoft.com/office/drawing/2014/main" id="{2C23072C-40AC-6A91-BDC9-B38667BBFCB5}"/>
+                </a:ext>
+              </a:extLst>
+            </p:cNvPr>
+            <p:cNvSpPr/>
+            <p:nvPr/>
+          </p:nvSpPr>
+          <p:spPr>
+            <a:xfrm>
+              <a:off x="5454566" y="1067846"/>
+              <a:ext cx="2971327" cy="1539628"/>
+            </a:xfrm>
+            <a:prstGeom prst="roundRect">
+              <a:avLst/>
+            </a:prstGeom>
+            <a:solidFill>
+              <a:srgbClr val="E3E8F7">
+                <a:alpha val="32941"/>
+              </a:srgbClr>
+            </a:solidFill>
+            <a:ln>
+              <a:noFill/>
+            </a:ln>
+          </p:spPr>
+          <p:style>
+            <a:lnRef idx="2">
+              <a:schemeClr val="accent1">
+                <a:shade val="50000"/>
+              </a:schemeClr>
+            </a:lnRef>
+            <a:fillRef idx="1">
+              <a:schemeClr val="accent1"/>
+            </a:fillRef>
+            <a:effectRef idx="0">
+              <a:schemeClr val="accent1"/>
+            </a:effectRef>
+            <a:fontRef idx="minor">
+              <a:schemeClr val="lt1"/>
+            </a:fontRef>
+          </p:style>
+          <p:txBody>
+            <a:bodyPr rtlCol="0" anchor="ctr"/>
+            <a:lstStyle/>
+            <a:p>
+              <a:pPr algn="ctr"/>
+              <a:endParaRPr lang="en-US" sz="1400"/>
+            </a:p>
+          </p:txBody>
+        </p:sp>
+        <p:sp>
+          <p:nvSpPr>
+            <p:cNvPr id="158" name="TextBox 157">
+              <a:extLst>
+                <a:ext uri="{FF2B5EF4-FFF2-40B4-BE49-F238E27FC236}">
+                  <a16:creationId xmlns:a16="http://schemas.microsoft.com/office/drawing/2014/main" id="{D42A1ED5-20E0-D596-274D-5AED7404DA7E}"/>
+                </a:ext>
+              </a:extLst>
+            </p:cNvPr>
+            <p:cNvSpPr txBox="1"/>
+            <p:nvPr/>
+          </p:nvSpPr>
+          <p:spPr>
+            <a:xfrm>
+              <a:off x="5454566" y="1140086"/>
+              <a:ext cx="2933937" cy="1600438"/>
+            </a:xfrm>
+            <a:prstGeom prst="rect">
+              <a:avLst/>
+            </a:prstGeom>
+            <a:noFill/>
+          </p:spPr>
+          <p:txBody>
+            <a:bodyPr wrap="square" rtlCol="0">
+              <a:spAutoFit/>
+            </a:bodyPr>
+            <a:lstStyle/>
+            <a:p>
+              <a:r>
+                <a:rPr lang="en-US" sz="1400" dirty="0">
+                  <a:solidFill>
+                    <a:srgbClr val="9F20B9"/>
+                  </a:solidFill>
+                  <a:latin typeface="Consolas" panose="020B0609020204030204" pitchFamily="49" charset="0"/>
+                  <a:cs typeface="Consolas" panose="020B0609020204030204" pitchFamily="49" charset="0"/>
+                </a:rPr>
+                <a:t>INTERSECT</a:t>
+              </a:r>
+              <a:endParaRPr lang="en-US" sz="1400" dirty="0">
+                <a:solidFill>
+                  <a:schemeClr val="bg1">
+                    <a:lumMod val="65000"/>
+                  </a:schemeClr>
+                </a:solidFill>
+                <a:latin typeface="Consolas" panose="020B0609020204030204" pitchFamily="49" charset="0"/>
+                <a:cs typeface="Consolas" panose="020B0609020204030204" pitchFamily="49" charset="0"/>
+              </a:endParaRPr>
+            </a:p>
+            <a:p>
+              <a:r>
+                <a:rPr lang="en-US" sz="1400" dirty="0">
+                  <a:solidFill>
+                    <a:schemeClr val="accent5">
+                      <a:lumMod val="75000"/>
+                    </a:schemeClr>
+                  </a:solidFill>
+                  <a:latin typeface="Consolas" panose="020B0609020204030204" pitchFamily="49" charset="0"/>
+                  <a:cs typeface="Consolas" panose="020B0609020204030204" pitchFamily="49" charset="0"/>
+                </a:rPr>
+                <a:t>  </a:t>
+              </a:r>
+              <a:r>
+                <a:rPr lang="en-US" sz="1400" dirty="0">
+                  <a:solidFill>
+                    <a:srgbClr val="9F20B9"/>
+                  </a:solidFill>
+                  <a:latin typeface="Consolas" panose="020B0609020204030204" pitchFamily="49" charset="0"/>
+                  <a:cs typeface="Consolas" panose="020B0609020204030204" pitchFamily="49" charset="0"/>
+                </a:rPr>
+                <a:t>SELECT</a:t>
+              </a:r>
+              <a:r>
+                <a:rPr lang="en-US" sz="1400" dirty="0">
+                  <a:solidFill>
+                    <a:schemeClr val="bg1">
+                      <a:lumMod val="65000"/>
+                    </a:schemeClr>
+                  </a:solidFill>
+                  <a:latin typeface="Consolas" panose="020B0609020204030204" pitchFamily="49" charset="0"/>
+                  <a:cs typeface="Consolas" panose="020B0609020204030204" pitchFamily="49" charset="0"/>
+                </a:rPr>
+                <a:t>...</a:t>
+              </a:r>
+              <a:r>
+                <a:rPr lang="en-US" sz="1400" dirty="0">
+                  <a:solidFill>
+                    <a:schemeClr val="accent5">
+                      <a:lumMod val="75000"/>
+                    </a:schemeClr>
+                  </a:solidFill>
+                  <a:latin typeface="Consolas" panose="020B0609020204030204" pitchFamily="49" charset="0"/>
+                  <a:cs typeface="Consolas" panose="020B0609020204030204" pitchFamily="49" charset="0"/>
+                </a:rPr>
+                <a:t> </a:t>
+              </a:r>
+              <a:r>
+                <a:rPr lang="en-US" sz="1400" dirty="0">
+                  <a:solidFill>
+                    <a:srgbClr val="9F20B9"/>
+                  </a:solidFill>
+                  <a:latin typeface="Consolas" panose="020B0609020204030204" pitchFamily="49" charset="0"/>
+                  <a:cs typeface="Consolas" panose="020B0609020204030204" pitchFamily="49" charset="0"/>
+                </a:rPr>
+                <a:t>FROM </a:t>
+              </a:r>
+              <a:r>
+                <a:rPr lang="en-US" sz="1400" dirty="0">
+                  <a:solidFill>
+                    <a:schemeClr val="accent5">
+                      <a:lumMod val="75000"/>
+                    </a:schemeClr>
+                  </a:solidFill>
+                  <a:latin typeface="Consolas" panose="020B0609020204030204" pitchFamily="49" charset="0"/>
+                  <a:cs typeface="Consolas" panose="020B0609020204030204" pitchFamily="49" charset="0"/>
+                </a:rPr>
+                <a:t>condition </a:t>
+              </a:r>
+              <a:r>
+                <a:rPr lang="en-US" sz="1400" dirty="0">
+                  <a:solidFill>
+                    <a:srgbClr val="9F20B9"/>
+                  </a:solidFill>
+                  <a:latin typeface="Consolas" panose="020B0609020204030204" pitchFamily="49" charset="0"/>
+                  <a:cs typeface="Consolas" panose="020B0609020204030204" pitchFamily="49" charset="0"/>
+                </a:rPr>
+                <a:t>WHERE</a:t>
+              </a:r>
+              <a:r>
+                <a:rPr lang="en-US" sz="1400" dirty="0">
+                  <a:solidFill>
+                    <a:schemeClr val="accent5">
+                      <a:lumMod val="75000"/>
+                    </a:schemeClr>
+                  </a:solidFill>
+                  <a:latin typeface="Consolas" panose="020B0609020204030204" pitchFamily="49" charset="0"/>
+                  <a:cs typeface="Consolas" panose="020B0609020204030204" pitchFamily="49" charset="0"/>
+                </a:rPr>
+                <a:t> dx_code</a:t>
+              </a:r>
+              <a:r>
+                <a:rPr lang="en-US" sz="1400" dirty="0">
+                  <a:solidFill>
+                    <a:schemeClr val="bg1">
+                      <a:lumMod val="65000"/>
+                    </a:schemeClr>
+                  </a:solidFill>
+                  <a:latin typeface="Consolas" panose="020B0609020204030204" pitchFamily="49" charset="0"/>
+                  <a:cs typeface="Consolas" panose="020B0609020204030204" pitchFamily="49" charset="0"/>
+                </a:rPr>
+                <a:t>... </a:t>
+              </a:r>
+              <a:br>
+                <a:rPr lang="en-US" sz="1400" dirty="0">
+                  <a:solidFill>
+                    <a:schemeClr val="bg1">
+                      <a:lumMod val="65000"/>
+                    </a:schemeClr>
+                  </a:solidFill>
+                  <a:latin typeface="Consolas" panose="020B0609020204030204" pitchFamily="49" charset="0"/>
+                  <a:cs typeface="Consolas" panose="020B0609020204030204" pitchFamily="49" charset="0"/>
+                </a:rPr>
+              </a:br>
+              <a:r>
+                <a:rPr lang="en-US" sz="1400" dirty="0">
+                  <a:solidFill>
+                    <a:schemeClr val="bg1">
+                      <a:lumMod val="65000"/>
+                    </a:schemeClr>
+                  </a:solidFill>
+                  <a:latin typeface="Consolas" panose="020B0609020204030204" pitchFamily="49" charset="0"/>
+                  <a:cs typeface="Consolas" panose="020B0609020204030204" pitchFamily="49" charset="0"/>
+                </a:rPr>
+                <a:t>  </a:t>
+              </a:r>
+              <a:r>
+                <a:rPr lang="en-US" sz="1400" dirty="0">
+                  <a:solidFill>
+                    <a:srgbClr val="9F20B9"/>
+                  </a:solidFill>
+                  <a:latin typeface="Consolas" panose="020B0609020204030204" pitchFamily="49" charset="0"/>
+                  <a:cs typeface="Consolas" panose="020B0609020204030204" pitchFamily="49" charset="0"/>
+                </a:rPr>
+                <a:t>SELECT</a:t>
+              </a:r>
+              <a:r>
+                <a:rPr lang="en-US" sz="1400" dirty="0">
+                  <a:solidFill>
+                    <a:schemeClr val="bg1">
+                      <a:lumMod val="65000"/>
+                    </a:schemeClr>
+                  </a:solidFill>
+                  <a:latin typeface="Consolas" panose="020B0609020204030204" pitchFamily="49" charset="0"/>
+                  <a:cs typeface="Consolas" panose="020B0609020204030204" pitchFamily="49" charset="0"/>
+                </a:rPr>
+                <a:t>...</a:t>
+              </a:r>
+              <a:r>
+                <a:rPr lang="en-US" sz="1400" dirty="0">
+                  <a:solidFill>
+                    <a:schemeClr val="accent5">
+                      <a:lumMod val="75000"/>
+                    </a:schemeClr>
+                  </a:solidFill>
+                  <a:latin typeface="Consolas" panose="020B0609020204030204" pitchFamily="49" charset="0"/>
+                  <a:cs typeface="Consolas" panose="020B0609020204030204" pitchFamily="49" charset="0"/>
+                </a:rPr>
+                <a:t> </a:t>
+              </a:r>
+              <a:r>
+                <a:rPr lang="en-US" sz="1400" dirty="0">
+                  <a:solidFill>
+                    <a:srgbClr val="9F20B9"/>
+                  </a:solidFill>
+                  <a:latin typeface="Consolas" panose="020B0609020204030204" pitchFamily="49" charset="0"/>
+                  <a:cs typeface="Consolas" panose="020B0609020204030204" pitchFamily="49" charset="0"/>
+                </a:rPr>
+                <a:t>FROM</a:t>
+              </a:r>
+              <a:r>
+                <a:rPr lang="en-US" sz="1400" dirty="0">
+                  <a:solidFill>
+                    <a:schemeClr val="accent5">
+                      <a:lumMod val="75000"/>
+                    </a:schemeClr>
+                  </a:solidFill>
+                  <a:latin typeface="Consolas" panose="020B0609020204030204" pitchFamily="49" charset="0"/>
+                  <a:cs typeface="Consolas" panose="020B0609020204030204" pitchFamily="49" charset="0"/>
+                </a:rPr>
+                <a:t> person </a:t>
+              </a:r>
+              <a:r>
+                <a:rPr lang="en-US" sz="1400" dirty="0">
+                  <a:solidFill>
+                    <a:srgbClr val="9F20B9"/>
+                  </a:solidFill>
+                  <a:latin typeface="Consolas" panose="020B0609020204030204" pitchFamily="49" charset="0"/>
+                  <a:cs typeface="Consolas" panose="020B0609020204030204" pitchFamily="49" charset="0"/>
+                </a:rPr>
+                <a:t>WHERE</a:t>
+              </a:r>
+              <a:r>
+                <a:rPr lang="en-US" sz="1400" dirty="0">
+                  <a:solidFill>
+                    <a:schemeClr val="accent5">
+                      <a:lumMod val="75000"/>
+                    </a:schemeClr>
+                  </a:solidFill>
+                  <a:latin typeface="Consolas" panose="020B0609020204030204" pitchFamily="49" charset="0"/>
+                  <a:cs typeface="Consolas" panose="020B0609020204030204" pitchFamily="49" charset="0"/>
+                </a:rPr>
+                <a:t> age &gt; 65</a:t>
+              </a:r>
+              <a:r>
+                <a:rPr lang="en-US" sz="1400" dirty="0">
+                  <a:solidFill>
+                    <a:schemeClr val="bg1">
+                      <a:lumMod val="65000"/>
+                    </a:schemeClr>
+                  </a:solidFill>
+                  <a:latin typeface="Consolas" panose="020B0609020204030204" pitchFamily="49" charset="0"/>
+                  <a:cs typeface="Consolas" panose="020B0609020204030204" pitchFamily="49" charset="0"/>
+                </a:rPr>
+                <a:t> </a:t>
+              </a:r>
+              <a:br>
+                <a:rPr lang="en-US" sz="1400" dirty="0">
+                  <a:solidFill>
+                    <a:schemeClr val="bg1">
+                      <a:lumMod val="65000"/>
+                    </a:schemeClr>
+                  </a:solidFill>
+                  <a:latin typeface="Consolas" panose="020B0609020204030204" pitchFamily="49" charset="0"/>
+                  <a:cs typeface="Consolas" panose="020B0609020204030204" pitchFamily="49" charset="0"/>
+                </a:rPr>
+              </a:br>
+              <a:r>
+                <a:rPr lang="en-US" sz="1400" dirty="0">
+                  <a:solidFill>
+                    <a:schemeClr val="bg1">
+                      <a:lumMod val="65000"/>
+                    </a:schemeClr>
+                  </a:solidFill>
+                  <a:latin typeface="Consolas" panose="020B0609020204030204" pitchFamily="49" charset="0"/>
+                  <a:cs typeface="Consolas" panose="020B0609020204030204" pitchFamily="49" charset="0"/>
+                </a:rPr>
+                <a:t>  </a:t>
+              </a:r>
+              <a:r>
+                <a:rPr lang="en-US" sz="1400" dirty="0">
+                  <a:solidFill>
+                    <a:srgbClr val="9F20B9"/>
+                  </a:solidFill>
+                  <a:latin typeface="Consolas" panose="020B0609020204030204" pitchFamily="49" charset="0"/>
+                  <a:cs typeface="Consolas" panose="020B0609020204030204" pitchFamily="49" charset="0"/>
+                </a:rPr>
+                <a:t>SELECT</a:t>
+              </a:r>
+              <a:r>
+                <a:rPr lang="en-US" sz="1400" dirty="0">
+                  <a:solidFill>
+                    <a:schemeClr val="bg1">
+                      <a:lumMod val="65000"/>
+                    </a:schemeClr>
+                  </a:solidFill>
+                  <a:latin typeface="Consolas" panose="020B0609020204030204" pitchFamily="49" charset="0"/>
+                  <a:cs typeface="Consolas" panose="020B0609020204030204" pitchFamily="49" charset="0"/>
+                </a:rPr>
+                <a:t>... </a:t>
+              </a:r>
+              <a:r>
+                <a:rPr lang="en-US" sz="1400" dirty="0">
+                  <a:solidFill>
+                    <a:srgbClr val="9F20B9"/>
+                  </a:solidFill>
+                  <a:latin typeface="Consolas" panose="020B0609020204030204" pitchFamily="49" charset="0"/>
+                  <a:cs typeface="Consolas" panose="020B0609020204030204" pitchFamily="49" charset="0"/>
+                </a:rPr>
+                <a:t>FROM</a:t>
+              </a:r>
+              <a:r>
+                <a:rPr lang="en-US" sz="1400" dirty="0">
+                  <a:solidFill>
+                    <a:schemeClr val="accent5">
+                      <a:lumMod val="75000"/>
+                    </a:schemeClr>
+                  </a:solidFill>
+                  <a:latin typeface="Consolas" panose="020B0609020204030204" pitchFamily="49" charset="0"/>
+                  <a:cs typeface="Consolas" panose="020B0609020204030204" pitchFamily="49" charset="0"/>
+                </a:rPr>
+                <a:t> person </a:t>
+              </a:r>
+              <a:r>
+                <a:rPr lang="en-US" sz="1400" dirty="0">
+                  <a:solidFill>
+                    <a:srgbClr val="9F20B9"/>
+                  </a:solidFill>
+                  <a:latin typeface="Consolas" panose="020B0609020204030204" pitchFamily="49" charset="0"/>
+                  <a:cs typeface="Consolas" panose="020B0609020204030204" pitchFamily="49" charset="0"/>
+                </a:rPr>
+                <a:t>WHERE</a:t>
+              </a:r>
+              <a:r>
+                <a:rPr lang="en-US" sz="1400" dirty="0">
+                  <a:solidFill>
+                    <a:schemeClr val="accent5">
+                      <a:lumMod val="75000"/>
+                    </a:schemeClr>
+                  </a:solidFill>
+                  <a:latin typeface="Consolas" panose="020B0609020204030204" pitchFamily="49" charset="0"/>
+                  <a:cs typeface="Consolas" panose="020B0609020204030204" pitchFamily="49" charset="0"/>
+                </a:rPr>
+                <a:t> </a:t>
+              </a:r>
+              <a:r>
+                <a:rPr lang="en-US" sz="1400" dirty="0">
+                  <a:solidFill>
+                    <a:srgbClr val="9F20B9"/>
+                  </a:solidFill>
+                  <a:latin typeface="Consolas" panose="020B0609020204030204" pitchFamily="49" charset="0"/>
+                  <a:cs typeface="Consolas" panose="020B0609020204030204" pitchFamily="49" charset="0"/>
+                </a:rPr>
+                <a:t>NOT EXISTS</a:t>
+              </a:r>
+            </a:p>
+            <a:p>
+              <a:r>
+                <a:rPr lang="en-US" sz="1400" dirty="0">
+                  <a:solidFill>
+                    <a:schemeClr val="accent5">
+                      <a:lumMod val="75000"/>
+                    </a:schemeClr>
+                  </a:solidFill>
+                  <a:latin typeface="Consolas" panose="020B0609020204030204" pitchFamily="49" charset="0"/>
+                  <a:cs typeface="Consolas" panose="020B0609020204030204" pitchFamily="49" charset="0"/>
+                </a:rPr>
+                <a:t>   </a:t>
+              </a:r>
+              <a:r>
+                <a:rPr lang="en-US" sz="1400" dirty="0">
+                  <a:solidFill>
+                    <a:schemeClr val="bg1">
+                      <a:lumMod val="65000"/>
+                    </a:schemeClr>
+                  </a:solidFill>
+                  <a:latin typeface="Consolas" panose="020B0609020204030204" pitchFamily="49" charset="0"/>
+                  <a:cs typeface="Consolas" panose="020B0609020204030204" pitchFamily="49" charset="0"/>
+                </a:rPr>
+                <a:t>(</a:t>
+              </a:r>
+              <a:r>
+                <a:rPr lang="en-US" sz="1400" dirty="0">
+                  <a:solidFill>
+                    <a:srgbClr val="9F20B9"/>
+                  </a:solidFill>
+                  <a:latin typeface="Consolas" panose="020B0609020204030204" pitchFamily="49" charset="0"/>
+                  <a:cs typeface="Consolas" panose="020B0609020204030204" pitchFamily="49" charset="0"/>
+                </a:rPr>
+                <a:t>SELECT</a:t>
+              </a:r>
+              <a:r>
+                <a:rPr lang="en-US" sz="1400" dirty="0">
+                  <a:solidFill>
+                    <a:schemeClr val="bg1">
+                      <a:lumMod val="65000"/>
+                    </a:schemeClr>
+                  </a:solidFill>
+                  <a:latin typeface="Consolas" panose="020B0609020204030204" pitchFamily="49" charset="0"/>
+                  <a:cs typeface="Consolas" panose="020B0609020204030204" pitchFamily="49" charset="0"/>
+                </a:rPr>
+                <a:t>...</a:t>
+              </a:r>
+              <a:r>
+                <a:rPr lang="en-US" sz="1400" dirty="0">
+                  <a:solidFill>
+                    <a:schemeClr val="accent5">
+                      <a:lumMod val="75000"/>
+                    </a:schemeClr>
+                  </a:solidFill>
+                  <a:latin typeface="Consolas" panose="020B0609020204030204" pitchFamily="49" charset="0"/>
+                  <a:cs typeface="Consolas" panose="020B0609020204030204" pitchFamily="49" charset="0"/>
+                </a:rPr>
+                <a:t> </a:t>
+              </a:r>
+              <a:r>
+                <a:rPr lang="en-US" sz="1400" dirty="0">
+                  <a:solidFill>
+                    <a:srgbClr val="9F20B9"/>
+                  </a:solidFill>
+                  <a:latin typeface="Consolas" panose="020B0609020204030204" pitchFamily="49" charset="0"/>
+                  <a:cs typeface="Consolas" panose="020B0609020204030204" pitchFamily="49" charset="0"/>
+                </a:rPr>
+                <a:t>FROM</a:t>
+              </a:r>
+              <a:r>
+                <a:rPr lang="en-US" sz="1400" dirty="0">
+                  <a:solidFill>
+                    <a:schemeClr val="accent5">
+                      <a:lumMod val="75000"/>
+                    </a:schemeClr>
+                  </a:solidFill>
+                  <a:latin typeface="Consolas" panose="020B0609020204030204" pitchFamily="49" charset="0"/>
+                  <a:cs typeface="Consolas" panose="020B0609020204030204" pitchFamily="49" charset="0"/>
+                </a:rPr>
+                <a:t> condition </a:t>
+              </a:r>
+              <a:r>
+                <a:rPr lang="en-US" sz="1400" dirty="0">
+                  <a:solidFill>
+                    <a:srgbClr val="9F20B9"/>
+                  </a:solidFill>
+                  <a:latin typeface="Consolas" panose="020B0609020204030204" pitchFamily="49" charset="0"/>
+                  <a:cs typeface="Consolas" panose="020B0609020204030204" pitchFamily="49" charset="0"/>
+                </a:rPr>
+                <a:t>WHERE</a:t>
+              </a:r>
+              <a:r>
+                <a:rPr lang="en-US" sz="1400" dirty="0">
+                  <a:solidFill>
+                    <a:schemeClr val="accent5">
+                      <a:lumMod val="75000"/>
+                    </a:schemeClr>
+                  </a:solidFill>
+                  <a:latin typeface="Consolas" panose="020B0609020204030204" pitchFamily="49" charset="0"/>
+                  <a:cs typeface="Consolas" panose="020B0609020204030204" pitchFamily="49" charset="0"/>
+                </a:rPr>
+                <a:t> dx_code</a:t>
+              </a:r>
+              <a:r>
+                <a:rPr lang="en-US" sz="1400" dirty="0">
+                  <a:solidFill>
+                    <a:schemeClr val="bg1">
+                      <a:lumMod val="65000"/>
+                    </a:schemeClr>
+                  </a:solidFill>
+                  <a:latin typeface="Consolas" panose="020B0609020204030204" pitchFamily="49" charset="0"/>
+                  <a:cs typeface="Consolas" panose="020B0609020204030204" pitchFamily="49" charset="0"/>
+                </a:rPr>
+                <a:t>...</a:t>
+              </a:r>
+              <a:endParaRPr lang="en-US" sz="1400" dirty="0">
+                <a:solidFill>
+                  <a:srgbClr val="9F20B9"/>
+                </a:solidFill>
+                <a:latin typeface="Consolas" panose="020B0609020204030204" pitchFamily="49" charset="0"/>
+                <a:cs typeface="Consolas" panose="020B0609020204030204" pitchFamily="49" charset="0"/>
+              </a:endParaRPr>
+            </a:p>
+            <a:p>
+              <a:r>
+                <a:rPr lang="en-US" sz="1400" dirty="0">
+                  <a:solidFill>
+                    <a:schemeClr val="accent5">
+                      <a:lumMod val="75000"/>
+                    </a:schemeClr>
+                  </a:solidFill>
+                  <a:latin typeface="Consolas" panose="020B0609020204030204" pitchFamily="49" charset="0"/>
+                  <a:cs typeface="Consolas" panose="020B0609020204030204" pitchFamily="49" charset="0"/>
+                </a:rPr>
+                <a:t>    </a:t>
+              </a:r>
+              <a:r>
+                <a:rPr lang="en-US" sz="1400" dirty="0">
+                  <a:solidFill>
+                    <a:srgbClr val="9F20B9"/>
+                  </a:solidFill>
+                  <a:latin typeface="Consolas" panose="020B0609020204030204" pitchFamily="49" charset="0"/>
+                  <a:cs typeface="Consolas" panose="020B0609020204030204" pitchFamily="49" charset="0"/>
+                </a:rPr>
+                <a:t>SELECT</a:t>
+              </a:r>
+              <a:r>
+                <a:rPr lang="en-US" sz="1400" dirty="0">
+                  <a:solidFill>
+                    <a:schemeClr val="bg1">
+                      <a:lumMod val="65000"/>
+                    </a:schemeClr>
+                  </a:solidFill>
+                  <a:latin typeface="Consolas" panose="020B0609020204030204" pitchFamily="49" charset="0"/>
+                  <a:cs typeface="Consolas" panose="020B0609020204030204" pitchFamily="49" charset="0"/>
+                </a:rPr>
+                <a:t>...</a:t>
+              </a:r>
+              <a:r>
+                <a:rPr lang="en-US" sz="1400" dirty="0">
+                  <a:solidFill>
+                    <a:schemeClr val="accent5">
+                      <a:lumMod val="75000"/>
+                    </a:schemeClr>
+                  </a:solidFill>
+                  <a:latin typeface="Consolas" panose="020B0609020204030204" pitchFamily="49" charset="0"/>
+                  <a:cs typeface="Consolas" panose="020B0609020204030204" pitchFamily="49" charset="0"/>
+                </a:rPr>
+                <a:t> </a:t>
+              </a:r>
+              <a:r>
+                <a:rPr lang="en-US" sz="1400" dirty="0">
+                  <a:solidFill>
+                    <a:srgbClr val="9F20B9"/>
+                  </a:solidFill>
+                  <a:latin typeface="Consolas" panose="020B0609020204030204" pitchFamily="49" charset="0"/>
+                  <a:cs typeface="Consolas" panose="020B0609020204030204" pitchFamily="49" charset="0"/>
+                </a:rPr>
+                <a:t>FROM</a:t>
+              </a:r>
+              <a:r>
+                <a:rPr lang="en-US" sz="1400" dirty="0">
+                  <a:solidFill>
+                    <a:schemeClr val="accent5">
+                      <a:lumMod val="75000"/>
+                    </a:schemeClr>
+                  </a:solidFill>
+                  <a:latin typeface="Consolas" panose="020B0609020204030204" pitchFamily="49" charset="0"/>
+                  <a:cs typeface="Consolas" panose="020B0609020204030204" pitchFamily="49" charset="0"/>
+                </a:rPr>
+                <a:t> medication </a:t>
+              </a:r>
+              <a:r>
+                <a:rPr lang="en-US" sz="1400" dirty="0">
+                  <a:solidFill>
+                    <a:srgbClr val="9F20B9"/>
+                  </a:solidFill>
+                  <a:latin typeface="Consolas" panose="020B0609020204030204" pitchFamily="49" charset="0"/>
+                  <a:cs typeface="Consolas" panose="020B0609020204030204" pitchFamily="49" charset="0"/>
+                </a:rPr>
+                <a:t>WHERE</a:t>
+              </a:r>
+              <a:r>
+                <a:rPr lang="en-US" sz="1400" dirty="0">
+                  <a:solidFill>
+                    <a:schemeClr val="accent5">
+                      <a:lumMod val="75000"/>
+                    </a:schemeClr>
+                  </a:solidFill>
+                  <a:latin typeface="Consolas" panose="020B0609020204030204" pitchFamily="49" charset="0"/>
+                  <a:cs typeface="Consolas" panose="020B0609020204030204" pitchFamily="49" charset="0"/>
+                </a:rPr>
+                <a:t> med_code</a:t>
+              </a:r>
+              <a:r>
+                <a:rPr lang="en-US" sz="1400" dirty="0">
+                  <a:solidFill>
+                    <a:schemeClr val="bg1">
+                      <a:lumMod val="65000"/>
+                    </a:schemeClr>
+                  </a:solidFill>
+                  <a:latin typeface="Consolas" panose="020B0609020204030204" pitchFamily="49" charset="0"/>
+                  <a:cs typeface="Consolas" panose="020B0609020204030204" pitchFamily="49" charset="0"/>
+                </a:rPr>
+                <a:t>...)</a:t>
+              </a:r>
+            </a:p>
+            <a:p>
+              <a:endParaRPr lang="en-US" sz="1400" dirty="0">
+                <a:latin typeface="Consolas" panose="020B0609020204030204" pitchFamily="49" charset="0"/>
+                <a:cs typeface="Consolas" panose="020B0609020204030204" pitchFamily="49" charset="0"/>
+              </a:endParaRPr>
+            </a:p>
+          </p:txBody>
+        </p:sp>
+      </p:grpSp>
+      <p:sp>
+        <p:nvSpPr>
+          <p:cNvPr id="13" name="Rounded Rectangle 12">
+            <a:extLst>
+              <a:ext uri="{FF2B5EF4-FFF2-40B4-BE49-F238E27FC236}">
+                <a16:creationId xmlns:a16="http://schemas.microsoft.com/office/drawing/2014/main" id="{28585CC7-B847-2789-4854-01F9BE784464}"/>
+              </a:ext>
+            </a:extLst>
+          </p:cNvPr>
+          <p:cNvSpPr/>
+          <p:nvPr/>
+        </p:nvSpPr>
+        <p:spPr>
+          <a:xfrm>
+            <a:off x="-886332" y="339278"/>
+            <a:ext cx="840798" cy="242507"/>
+          </a:xfrm>
+          <a:prstGeom prst="roundRect">
+            <a:avLst/>
+          </a:prstGeom>
+          <a:ln>
+            <a:noFill/>
+          </a:ln>
+        </p:spPr>
+        <p:style>
+          <a:lnRef idx="2">
+            <a:schemeClr val="accent1">
+              <a:shade val="50000"/>
+            </a:schemeClr>
+          </a:lnRef>
+          <a:fillRef idx="1">
+            <a:schemeClr val="accent1"/>
+          </a:fillRef>
+          <a:effectRef idx="0">
+            <a:schemeClr val="accent1"/>
+          </a:effectRef>
+          <a:fontRef idx="minor">
+            <a:schemeClr val="lt1"/>
+          </a:fontRef>
+        </p:style>
+        <p:txBody>
+          <a:bodyPr rtlCol="0" anchor="ctr"/>
+          <a:lstStyle/>
+          <a:p>
+            <a:pPr algn="ctr"/>
+            <a:r>
+              <a:rPr lang="en-US" sz="1100" dirty="0">
+                <a:latin typeface="Roboto Light" panose="02000000000000000000" pitchFamily="2" charset="0"/>
+                <a:ea typeface="Roboto Light" panose="02000000000000000000" pitchFamily="2" charset="0"/>
+              </a:rPr>
+              <a:t>Raw input</a:t>
+            </a:r>
+          </a:p>
+        </p:txBody>
+      </p:sp>
+      <p:sp>
+        <p:nvSpPr>
+          <p:cNvPr id="159" name="Rounded Rectangle 158">
+            <a:extLst>
+              <a:ext uri="{FF2B5EF4-FFF2-40B4-BE49-F238E27FC236}">
+                <a16:creationId xmlns:a16="http://schemas.microsoft.com/office/drawing/2014/main" id="{1C04D4EF-9495-3067-087B-78ECD5E0D7E2}"/>
+              </a:ext>
+            </a:extLst>
+          </p:cNvPr>
+          <p:cNvSpPr/>
+          <p:nvPr/>
+        </p:nvSpPr>
+        <p:spPr>
+          <a:xfrm>
+            <a:off x="-1074553" y="1636508"/>
+            <a:ext cx="1133508" cy="602841"/>
+          </a:xfrm>
+          <a:prstGeom prst="roundRect">
+            <a:avLst/>
+          </a:prstGeom>
+          <a:ln>
+            <a:noFill/>
+          </a:ln>
+        </p:spPr>
+        <p:style>
+          <a:lnRef idx="2">
+            <a:schemeClr val="accent1">
+              <a:shade val="50000"/>
+            </a:schemeClr>
+          </a:lnRef>
+          <a:fillRef idx="1">
+            <a:schemeClr val="accent1"/>
+          </a:fillRef>
+          <a:effectRef idx="0">
+            <a:schemeClr val="accent1"/>
+          </a:effectRef>
+          <a:fontRef idx="minor">
+            <a:schemeClr val="lt1"/>
+          </a:fontRef>
+        </p:style>
+        <p:txBody>
+          <a:bodyPr rtlCol="0" anchor="ctr"/>
+          <a:lstStyle/>
+          <a:p>
+            <a:pPr algn="ctr"/>
+            <a:r>
+              <a:rPr lang="en-US" sz="1100" dirty="0">
+                <a:latin typeface="Roboto Light" panose="02000000000000000000" pitchFamily="2" charset="0"/>
+                <a:ea typeface="Roboto Light" panose="02000000000000000000" pitchFamily="2" charset="0"/>
+              </a:rPr>
+              <a:t>Predict named entities and relations</a:t>
+            </a:r>
+          </a:p>
+        </p:txBody>
+      </p:sp>
+      <p:sp>
+        <p:nvSpPr>
+          <p:cNvPr id="160" name="Rounded Rectangle 159">
+            <a:extLst>
+              <a:ext uri="{FF2B5EF4-FFF2-40B4-BE49-F238E27FC236}">
+                <a16:creationId xmlns:a16="http://schemas.microsoft.com/office/drawing/2014/main" id="{D819F04B-9669-FBB5-EDA6-DFB88CF64D5A}"/>
+              </a:ext>
+            </a:extLst>
+          </p:cNvPr>
+          <p:cNvSpPr/>
+          <p:nvPr/>
+        </p:nvSpPr>
+        <p:spPr>
+          <a:xfrm>
+            <a:off x="-1032188" y="4003177"/>
+            <a:ext cx="1054931" cy="583426"/>
+          </a:xfrm>
+          <a:prstGeom prst="roundRect">
+            <a:avLst/>
+          </a:prstGeom>
+          <a:ln>
+            <a:noFill/>
+          </a:ln>
+        </p:spPr>
+        <p:style>
+          <a:lnRef idx="2">
+            <a:schemeClr val="accent1">
+              <a:shade val="50000"/>
+            </a:schemeClr>
+          </a:lnRef>
+          <a:fillRef idx="1">
+            <a:schemeClr val="accent1"/>
+          </a:fillRef>
+          <a:effectRef idx="0">
+            <a:schemeClr val="accent1"/>
+          </a:effectRef>
+          <a:fontRef idx="minor">
+            <a:schemeClr val="lt1"/>
+          </a:fontRef>
+        </p:style>
+        <p:txBody>
+          <a:bodyPr rtlCol="0" anchor="ctr"/>
+          <a:lstStyle/>
+          <a:p>
+            <a:pPr algn="ctr"/>
+            <a:r>
+              <a:rPr lang="en-US" sz="1100" dirty="0">
+                <a:latin typeface="Roboto Light" panose="02000000000000000000" pitchFamily="2" charset="0"/>
+                <a:ea typeface="Roboto Light" panose="02000000000000000000" pitchFamily="2" charset="0"/>
+              </a:rPr>
+              <a:t>Transform to logical form input string</a:t>
+            </a:r>
+          </a:p>
+        </p:txBody>
+      </p:sp>
+      <p:sp>
+        <p:nvSpPr>
+          <p:cNvPr id="161" name="Rounded Rectangle 160">
+            <a:extLst>
+              <a:ext uri="{FF2B5EF4-FFF2-40B4-BE49-F238E27FC236}">
+                <a16:creationId xmlns:a16="http://schemas.microsoft.com/office/drawing/2014/main" id="{7B30A475-508E-9961-26AF-C70A3A1695C8}"/>
+              </a:ext>
+            </a:extLst>
+          </p:cNvPr>
+          <p:cNvSpPr/>
+          <p:nvPr/>
+        </p:nvSpPr>
+        <p:spPr>
+          <a:xfrm>
+            <a:off x="-1045432" y="5329795"/>
+            <a:ext cx="1162033" cy="485697"/>
+          </a:xfrm>
+          <a:prstGeom prst="roundRect">
+            <a:avLst/>
+          </a:prstGeom>
+          <a:ln>
+            <a:noFill/>
+          </a:ln>
+        </p:spPr>
+        <p:style>
+          <a:lnRef idx="2">
+            <a:schemeClr val="accent1">
+              <a:shade val="50000"/>
+            </a:schemeClr>
+          </a:lnRef>
+          <a:fillRef idx="1">
+            <a:schemeClr val="accent1"/>
+          </a:fillRef>
+          <a:effectRef idx="0">
+            <a:schemeClr val="accent1"/>
+          </a:effectRef>
+          <a:fontRef idx="minor">
+            <a:schemeClr val="lt1"/>
+          </a:fontRef>
+        </p:style>
+        <p:txBody>
+          <a:bodyPr rtlCol="0" anchor="ctr"/>
+          <a:lstStyle/>
+          <a:p>
+            <a:pPr algn="ctr"/>
+            <a:r>
+              <a:rPr lang="en-US" sz="1100" dirty="0">
+                <a:latin typeface="Roboto Light" panose="02000000000000000000" pitchFamily="2" charset="0"/>
+                <a:ea typeface="Roboto Light" panose="02000000000000000000" pitchFamily="2" charset="0"/>
+              </a:rPr>
+              <a:t>Predict logical form structure</a:t>
+            </a:r>
+          </a:p>
+        </p:txBody>
+      </p:sp>
+      <p:sp>
+        <p:nvSpPr>
+          <p:cNvPr id="15" name="Down Arrow 14">
+            <a:extLst>
+              <a:ext uri="{FF2B5EF4-FFF2-40B4-BE49-F238E27FC236}">
+                <a16:creationId xmlns:a16="http://schemas.microsoft.com/office/drawing/2014/main" id="{A8280E23-31EB-23A9-9DEB-446CCAE79436}"/>
+              </a:ext>
+            </a:extLst>
+          </p:cNvPr>
+          <p:cNvSpPr/>
+          <p:nvPr/>
+        </p:nvSpPr>
+        <p:spPr>
+          <a:xfrm>
+            <a:off x="-558770" y="639661"/>
+            <a:ext cx="185674" cy="903359"/>
+          </a:xfrm>
+          <a:prstGeom prst="downArrow">
+            <a:avLst/>
+          </a:prstGeom>
+          <a:ln>
+            <a:noFill/>
+          </a:ln>
+        </p:spPr>
+        <p:style>
+          <a:lnRef idx="2">
+            <a:schemeClr val="accent1">
+              <a:shade val="50000"/>
+            </a:schemeClr>
+          </a:lnRef>
+          <a:fillRef idx="1">
+            <a:schemeClr val="accent1"/>
+          </a:fillRef>
+          <a:effectRef idx="0">
+            <a:schemeClr val="accent1"/>
+          </a:effectRef>
+          <a:fontRef idx="minor">
+            <a:schemeClr val="lt1"/>
+          </a:fontRef>
+        </p:style>
+        <p:txBody>
+          <a:bodyPr rtlCol="0" anchor="ctr"/>
+          <a:lstStyle/>
+          <a:p>
+            <a:pPr algn="ctr"/>
+            <a:endParaRPr lang="en-US"/>
+          </a:p>
+        </p:txBody>
+      </p:sp>
+      <p:sp>
+        <p:nvSpPr>
+          <p:cNvPr id="162" name="Down Arrow 161">
+            <a:extLst>
+              <a:ext uri="{FF2B5EF4-FFF2-40B4-BE49-F238E27FC236}">
+                <a16:creationId xmlns:a16="http://schemas.microsoft.com/office/drawing/2014/main" id="{AACBEECE-0C94-F771-A325-D7A630BAD519}"/>
+              </a:ext>
+            </a:extLst>
+          </p:cNvPr>
+          <p:cNvSpPr/>
+          <p:nvPr/>
+        </p:nvSpPr>
+        <p:spPr>
+          <a:xfrm>
+            <a:off x="-550178" y="2333482"/>
+            <a:ext cx="178487" cy="1553943"/>
+          </a:xfrm>
+          <a:prstGeom prst="downArrow">
+            <a:avLst/>
+          </a:prstGeom>
+          <a:ln>
+            <a:noFill/>
+          </a:ln>
+        </p:spPr>
+        <p:style>
+          <a:lnRef idx="2">
+            <a:schemeClr val="accent1">
+              <a:shade val="50000"/>
+            </a:schemeClr>
+          </a:lnRef>
+          <a:fillRef idx="1">
+            <a:schemeClr val="accent1"/>
+          </a:fillRef>
+          <a:effectRef idx="0">
+            <a:schemeClr val="accent1"/>
+          </a:effectRef>
+          <a:fontRef idx="minor">
+            <a:schemeClr val="lt1"/>
+          </a:fontRef>
+        </p:style>
+        <p:txBody>
+          <a:bodyPr rtlCol="0" anchor="ctr"/>
+          <a:lstStyle/>
+          <a:p>
+            <a:pPr algn="ctr"/>
+            <a:endParaRPr lang="en-US"/>
+          </a:p>
+        </p:txBody>
+      </p:sp>
+      <p:sp>
+        <p:nvSpPr>
+          <p:cNvPr id="169" name="Down Arrow 168">
+            <a:extLst>
+              <a:ext uri="{FF2B5EF4-FFF2-40B4-BE49-F238E27FC236}">
+                <a16:creationId xmlns:a16="http://schemas.microsoft.com/office/drawing/2014/main" id="{EB649524-0CB8-E520-1B9A-44440FCDB9F6}"/>
+              </a:ext>
+            </a:extLst>
+          </p:cNvPr>
+          <p:cNvSpPr/>
+          <p:nvPr/>
+        </p:nvSpPr>
+        <p:spPr>
+          <a:xfrm>
+            <a:off x="-547167" y="4654353"/>
+            <a:ext cx="174071" cy="600630"/>
+          </a:xfrm>
+          <a:prstGeom prst="downArrow">
+            <a:avLst/>
+          </a:prstGeom>
+          <a:ln>
+            <a:noFill/>
+          </a:ln>
+        </p:spPr>
+        <p:style>
+          <a:lnRef idx="2">
+            <a:schemeClr val="accent1">
+              <a:shade val="50000"/>
+            </a:schemeClr>
+          </a:lnRef>
+          <a:fillRef idx="1">
+            <a:schemeClr val="accent1"/>
+          </a:fillRef>
+          <a:effectRef idx="0">
+            <a:schemeClr val="accent1"/>
+          </a:effectRef>
+          <a:fontRef idx="minor">
+            <a:schemeClr val="lt1"/>
+          </a:fontRef>
+        </p:style>
+        <p:txBody>
+          <a:bodyPr rtlCol="0" anchor="ctr"/>
+          <a:lstStyle/>
+          <a:p>
+            <a:pPr algn="ctr"/>
+            <a:endParaRPr lang="en-US"/>
+          </a:p>
+        </p:txBody>
+      </p:sp>
+      <p:sp>
+        <p:nvSpPr>
+          <p:cNvPr id="170" name="Rounded Rectangle 169">
+            <a:extLst>
+              <a:ext uri="{FF2B5EF4-FFF2-40B4-BE49-F238E27FC236}">
+                <a16:creationId xmlns:a16="http://schemas.microsoft.com/office/drawing/2014/main" id="{08C3CAD3-F0E9-1805-239E-C95A2EA5611C}"/>
+              </a:ext>
+            </a:extLst>
+          </p:cNvPr>
+          <p:cNvSpPr/>
+          <p:nvPr/>
+        </p:nvSpPr>
+        <p:spPr>
+          <a:xfrm>
+            <a:off x="5538097" y="5012134"/>
+            <a:ext cx="1306456" cy="485697"/>
+          </a:xfrm>
+          <a:prstGeom prst="roundRect">
+            <a:avLst/>
+          </a:prstGeom>
+          <a:ln>
+            <a:noFill/>
+          </a:ln>
+        </p:spPr>
+        <p:style>
+          <a:lnRef idx="2">
+            <a:schemeClr val="accent1">
+              <a:shade val="50000"/>
+            </a:schemeClr>
+          </a:lnRef>
+          <a:fillRef idx="1">
+            <a:schemeClr val="accent1"/>
+          </a:fillRef>
+          <a:effectRef idx="0">
+            <a:schemeClr val="accent1"/>
+          </a:effectRef>
+          <a:fontRef idx="minor">
+            <a:schemeClr val="lt1"/>
+          </a:fontRef>
+        </p:style>
+        <p:txBody>
+          <a:bodyPr rtlCol="0" anchor="ctr"/>
+          <a:lstStyle/>
+          <a:p>
+            <a:pPr algn="ctr"/>
+            <a:r>
+              <a:rPr lang="en-US" sz="1100" dirty="0">
+                <a:latin typeface="Roboto Light" panose="02000000000000000000" pitchFamily="2" charset="0"/>
+                <a:ea typeface="Roboto Light" panose="02000000000000000000" pitchFamily="2" charset="0"/>
+              </a:rPr>
+              <a:t>Normalize to UMLS concepts</a:t>
+            </a:r>
+          </a:p>
+        </p:txBody>
+      </p:sp>
+      <p:sp>
+        <p:nvSpPr>
+          <p:cNvPr id="172" name="Rounded Rectangle 171">
+            <a:extLst>
+              <a:ext uri="{FF2B5EF4-FFF2-40B4-BE49-F238E27FC236}">
+                <a16:creationId xmlns:a16="http://schemas.microsoft.com/office/drawing/2014/main" id="{4CAE8038-86A9-3E86-68E5-55685F8254BC}"/>
+              </a:ext>
+            </a:extLst>
+          </p:cNvPr>
+          <p:cNvSpPr/>
+          <p:nvPr/>
+        </p:nvSpPr>
+        <p:spPr>
+          <a:xfrm>
+            <a:off x="5538098" y="2854801"/>
+            <a:ext cx="1306455" cy="738664"/>
+          </a:xfrm>
+          <a:prstGeom prst="roundRect">
+            <a:avLst/>
+          </a:prstGeom>
+          <a:ln>
+            <a:noFill/>
+          </a:ln>
+        </p:spPr>
+        <p:style>
+          <a:lnRef idx="2">
+            <a:schemeClr val="accent1">
+              <a:shade val="50000"/>
+            </a:schemeClr>
+          </a:lnRef>
+          <a:fillRef idx="1">
+            <a:schemeClr val="accent1"/>
+          </a:fillRef>
+          <a:effectRef idx="0">
+            <a:schemeClr val="accent1"/>
+          </a:effectRef>
+          <a:fontRef idx="minor">
+            <a:schemeClr val="lt1"/>
+          </a:fontRef>
+        </p:style>
+        <p:txBody>
+          <a:bodyPr rtlCol="0" anchor="ctr"/>
+          <a:lstStyle/>
+          <a:p>
+            <a:pPr algn="ctr"/>
+            <a:r>
+              <a:rPr lang="en-US" sz="1100" dirty="0">
+                <a:latin typeface="Roboto Light" panose="02000000000000000000" pitchFamily="2" charset="0"/>
+                <a:ea typeface="Roboto Light" panose="02000000000000000000" pitchFamily="2" charset="0"/>
+              </a:rPr>
+              <a:t>Use Knowledge Base to Reason unspecified criteria</a:t>
+            </a:r>
+          </a:p>
+        </p:txBody>
+      </p:sp>
+      <p:sp>
+        <p:nvSpPr>
+          <p:cNvPr id="173" name="Rounded Rectangle 172">
+            <a:extLst>
+              <a:ext uri="{FF2B5EF4-FFF2-40B4-BE49-F238E27FC236}">
+                <a16:creationId xmlns:a16="http://schemas.microsoft.com/office/drawing/2014/main" id="{686ECA24-46A1-8876-06A3-FD3D8DBF93A0}"/>
+              </a:ext>
+            </a:extLst>
+          </p:cNvPr>
+          <p:cNvSpPr/>
+          <p:nvPr/>
+        </p:nvSpPr>
+        <p:spPr>
+          <a:xfrm>
+            <a:off x="5447141" y="307329"/>
+            <a:ext cx="1437355" cy="1291020"/>
+          </a:xfrm>
+          <a:prstGeom prst="roundRect">
+            <a:avLst/>
+          </a:prstGeom>
+          <a:ln>
+            <a:noFill/>
+          </a:ln>
+        </p:spPr>
+        <p:style>
+          <a:lnRef idx="2">
+            <a:schemeClr val="accent1">
+              <a:shade val="50000"/>
+            </a:schemeClr>
+          </a:lnRef>
+          <a:fillRef idx="1">
+            <a:schemeClr val="accent1"/>
+          </a:fillRef>
+          <a:effectRef idx="0">
+            <a:schemeClr val="accent1"/>
+          </a:effectRef>
+          <a:fontRef idx="minor">
+            <a:schemeClr val="lt1"/>
+          </a:fontRef>
+        </p:style>
+        <p:txBody>
+          <a:bodyPr rtlCol="0" anchor="ctr"/>
+          <a:lstStyle/>
+          <a:p>
+            <a:pPr algn="ctr"/>
+            <a:r>
+              <a:rPr lang="en-US" sz="1100" dirty="0">
+                <a:latin typeface="Roboto Light" panose="02000000000000000000" pitchFamily="2" charset="0"/>
+                <a:ea typeface="Roboto Light" panose="02000000000000000000" pitchFamily="2" charset="0"/>
+              </a:rPr>
+              <a:t>Map to database Semantic Metadata Annotation and generate SQL queries</a:t>
+            </a:r>
+          </a:p>
+        </p:txBody>
+      </p:sp>
+      <p:sp>
+        <p:nvSpPr>
+          <p:cNvPr id="174" name="Down Arrow 173">
+            <a:extLst>
+              <a:ext uri="{FF2B5EF4-FFF2-40B4-BE49-F238E27FC236}">
+                <a16:creationId xmlns:a16="http://schemas.microsoft.com/office/drawing/2014/main" id="{C7A79B1C-BF4F-F4ED-C12F-18E9AFA44114}"/>
+              </a:ext>
+            </a:extLst>
+          </p:cNvPr>
+          <p:cNvSpPr/>
+          <p:nvPr/>
+        </p:nvSpPr>
+        <p:spPr>
+          <a:xfrm rot="10800000">
+            <a:off x="6127111" y="1644632"/>
+            <a:ext cx="173838" cy="1144087"/>
+          </a:xfrm>
+          <a:prstGeom prst="downArrow">
+            <a:avLst/>
+          </a:prstGeom>
+          <a:ln>
+            <a:noFill/>
+          </a:ln>
+        </p:spPr>
+        <p:style>
+          <a:lnRef idx="2">
+            <a:schemeClr val="accent1">
+              <a:shade val="50000"/>
+            </a:schemeClr>
+          </a:lnRef>
+          <a:fillRef idx="1">
+            <a:schemeClr val="accent1"/>
+          </a:fillRef>
+          <a:effectRef idx="0">
+            <a:schemeClr val="accent1"/>
+          </a:effectRef>
+          <a:fontRef idx="minor">
+            <a:schemeClr val="lt1"/>
+          </a:fontRef>
+        </p:style>
+        <p:txBody>
+          <a:bodyPr rtlCol="0" anchor="ctr"/>
+          <a:lstStyle/>
+          <a:p>
+            <a:pPr algn="ctr"/>
+            <a:endParaRPr lang="en-US"/>
+          </a:p>
+        </p:txBody>
+      </p:sp>
+      <p:sp>
+        <p:nvSpPr>
+          <p:cNvPr id="175" name="Down Arrow 174">
+            <a:extLst>
+              <a:ext uri="{FF2B5EF4-FFF2-40B4-BE49-F238E27FC236}">
+                <a16:creationId xmlns:a16="http://schemas.microsoft.com/office/drawing/2014/main" id="{6B4E23B9-AAB8-5ECD-7769-DD5C3B531C47}"/>
+              </a:ext>
+            </a:extLst>
+          </p:cNvPr>
+          <p:cNvSpPr/>
+          <p:nvPr/>
+        </p:nvSpPr>
+        <p:spPr>
+          <a:xfrm rot="10800000">
+            <a:off x="6127111" y="3659546"/>
+            <a:ext cx="173837" cy="1283646"/>
+          </a:xfrm>
+          <a:prstGeom prst="downArrow">
+            <a:avLst/>
+          </a:prstGeom>
+          <a:ln>
+            <a:noFill/>
+          </a:ln>
+        </p:spPr>
+        <p:style>
+          <a:lnRef idx="2">
+            <a:schemeClr val="accent1">
+              <a:shade val="50000"/>
+            </a:schemeClr>
+          </a:lnRef>
+          <a:fillRef idx="1">
+            <a:schemeClr val="accent1"/>
+          </a:fillRef>
+          <a:effectRef idx="0">
+            <a:schemeClr val="accent1"/>
+          </a:effectRef>
+          <a:fontRef idx="minor">
+            <a:schemeClr val="lt1"/>
+          </a:fontRef>
+        </p:style>
+        <p:txBody>
+          <a:bodyPr rtlCol="0" anchor="ctr"/>
+          <a:lstStyle/>
+          <a:p>
+            <a:pPr algn="ctr"/>
+            <a:endParaRPr lang="en-US"/>
+          </a:p>
+        </p:txBody>
+      </p:sp>
+      <p:sp>
+        <p:nvSpPr>
+          <p:cNvPr id="176" name="Down Arrow 175">
+            <a:extLst>
+              <a:ext uri="{FF2B5EF4-FFF2-40B4-BE49-F238E27FC236}">
+                <a16:creationId xmlns:a16="http://schemas.microsoft.com/office/drawing/2014/main" id="{C6555DD0-0659-9243-9B8C-92585553A667}"/>
+              </a:ext>
+            </a:extLst>
+          </p:cNvPr>
+          <p:cNvSpPr/>
+          <p:nvPr/>
+        </p:nvSpPr>
+        <p:spPr>
+          <a:xfrm rot="10800000">
+            <a:off x="6127108" y="5566771"/>
+            <a:ext cx="173839" cy="1884229"/>
+          </a:xfrm>
+          <a:prstGeom prst="downArrow">
+            <a:avLst/>
+          </a:prstGeom>
+          <a:ln>
+            <a:noFill/>
+          </a:ln>
+        </p:spPr>
+        <p:style>
+          <a:lnRef idx="2">
+            <a:schemeClr val="accent1">
+              <a:shade val="50000"/>
+            </a:schemeClr>
+          </a:lnRef>
+          <a:fillRef idx="1">
+            <a:schemeClr val="accent1"/>
+          </a:fillRef>
+          <a:effectRef idx="0">
+            <a:schemeClr val="accent1"/>
+          </a:effectRef>
+          <a:fontRef idx="minor">
+            <a:schemeClr val="lt1"/>
+          </a:fontRef>
+        </p:style>
+        <p:txBody>
+          <a:bodyPr rtlCol="0" anchor="ctr"/>
+          <a:lstStyle/>
+          <a:p>
+            <a:pPr algn="ctr"/>
+            <a:endParaRPr lang="en-US"/>
+          </a:p>
+        </p:txBody>
+      </p:sp>
+      <p:sp>
+        <p:nvSpPr>
+          <p:cNvPr id="18" name="Rectangle 17">
+            <a:extLst>
+              <a:ext uri="{FF2B5EF4-FFF2-40B4-BE49-F238E27FC236}">
+                <a16:creationId xmlns:a16="http://schemas.microsoft.com/office/drawing/2014/main" id="{8FADE354-D604-C403-895A-E3BC0CAFA997}"/>
+              </a:ext>
+            </a:extLst>
+          </p:cNvPr>
+          <p:cNvSpPr/>
+          <p:nvPr/>
+        </p:nvSpPr>
+        <p:spPr>
+          <a:xfrm>
+            <a:off x="-491905" y="7394356"/>
+            <a:ext cx="6733435" cy="83981"/>
+          </a:xfrm>
+          <a:prstGeom prst="rect">
+            <a:avLst/>
+          </a:prstGeom>
+          <a:ln>
+            <a:noFill/>
+          </a:ln>
+        </p:spPr>
+        <p:style>
+          <a:lnRef idx="2">
+            <a:schemeClr val="accent1">
+              <a:shade val="50000"/>
+            </a:schemeClr>
+          </a:lnRef>
+          <a:fillRef idx="1">
+            <a:schemeClr val="accent1"/>
+          </a:fillRef>
+          <a:effectRef idx="0">
+            <a:schemeClr val="accent1"/>
+          </a:effectRef>
+          <a:fontRef idx="minor">
+            <a:schemeClr val="lt1"/>
+          </a:fontRef>
+        </p:style>
+        <p:txBody>
+          <a:bodyPr rtlCol="0" anchor="ctr"/>
+          <a:lstStyle/>
+          <a:p>
+            <a:pPr algn="ctr"/>
+            <a:endParaRPr lang="en-US"/>
+          </a:p>
+        </p:txBody>
+      </p:sp>
+      <p:sp>
+        <p:nvSpPr>
+          <p:cNvPr id="177" name="Rectangle 176">
+            <a:extLst>
+              <a:ext uri="{FF2B5EF4-FFF2-40B4-BE49-F238E27FC236}">
+                <a16:creationId xmlns:a16="http://schemas.microsoft.com/office/drawing/2014/main" id="{E3785496-A7D4-1753-6835-C03FE63B3D46}"/>
+              </a:ext>
+            </a:extLst>
+          </p:cNvPr>
+          <p:cNvSpPr/>
+          <p:nvPr/>
+        </p:nvSpPr>
+        <p:spPr>
+          <a:xfrm rot="5400000">
+            <a:off x="-1252588" y="6630308"/>
+            <a:ext cx="1608712" cy="87345"/>
+          </a:xfrm>
+          <a:prstGeom prst="rect">
+            <a:avLst/>
+          </a:prstGeom>
+          <a:ln>
+            <a:noFill/>
+          </a:ln>
+        </p:spPr>
+        <p:style>
+          <a:lnRef idx="2">
+            <a:schemeClr val="accent1">
+              <a:shade val="50000"/>
+            </a:schemeClr>
+          </a:lnRef>
+          <a:fillRef idx="1">
+            <a:schemeClr val="accent1"/>
+          </a:fillRef>
+          <a:effectRef idx="0">
+            <a:schemeClr val="accent1"/>
+          </a:effectRef>
+          <a:fontRef idx="minor">
+            <a:schemeClr val="lt1"/>
+          </a:fontRef>
+        </p:style>
+        <p:txBody>
+          <a:bodyPr rtlCol="0" anchor="ctr"/>
+          <a:lstStyle/>
+          <a:p>
+            <a:pPr algn="ctr"/>
+            <a:endParaRPr lang="en-US"/>
+          </a:p>
+        </p:txBody>
+      </p:sp>
+    </p:spTree>
+    <p:extLst>
+      <p:ext uri="{BB962C8B-B14F-4D97-AF65-F5344CB8AC3E}">
+        <p14:creationId xmlns:p14="http://schemas.microsoft.com/office/powerpoint/2010/main" val="4147402108"/>
+      </p:ext>
+    </p:extLst>
+  </p:cSld>
+  <p:clrMapOvr>
+    <a:masterClrMapping/>
+  </p:clrMapOvr>
+</p:sld>
+</file>
+
+<file path=ppt/slides/slide3.xml><?xml version="1.0" encoding="utf-8"?>
 <p:sld xmlns:a="http://schemas.openxmlformats.org/drawingml/2006/main" xmlns:r="http://schemas.openxmlformats.org/officeDocument/2006/relationships" xmlns:p="http://schemas.openxmlformats.org/presentationml/2006/main">
   <p:cSld>
     <p:spTree>
@@ -9001,7 +14628,7 @@
                 <a:latin typeface="Roboto Light" panose="02000000000000000000" pitchFamily="2" charset="0"/>
                 <a:ea typeface="Roboto Light" panose="02000000000000000000" pitchFamily="2" charset="0"/>
               </a:rPr>
-              <a:t>- Diabetic women and men aged over 65</a:t>
+              <a:t>“- Diabetic women and men aged over 65</a:t>
             </a:r>
             <a:br>
               <a:rPr lang="en-US" sz="1600" dirty="0">
@@ -9027,7 +14654,7 @@
                 <a:latin typeface="Roboto Light" panose="02000000000000000000" pitchFamily="2" charset="0"/>
                 <a:ea typeface="Roboto Light" panose="02000000000000000000" pitchFamily="2" charset="0"/>
               </a:rPr>
-              <a:t>  with no contraindications to metformin</a:t>
+              <a:t>   with no contraindications to metformin”</a:t>
             </a:r>
           </a:p>
         </p:txBody>
@@ -11942,7 +17569,7 @@
         </p:nvGrpSpPr>
         <p:grpSpPr>
           <a:xfrm>
-            <a:off x="5098598" y="5003901"/>
+            <a:off x="5369535" y="4974840"/>
             <a:ext cx="1202572" cy="1227007"/>
             <a:chOff x="8179248" y="4499369"/>
             <a:chExt cx="1202572" cy="1227007"/>
@@ -12179,7 +17806,7 @@
         </p:nvGrpSpPr>
         <p:grpSpPr>
           <a:xfrm>
-            <a:off x="3542720" y="5003901"/>
+            <a:off x="3813657" y="4974840"/>
             <a:ext cx="1545616" cy="1227007"/>
             <a:chOff x="4381761" y="4580373"/>
             <a:chExt cx="1545616" cy="1227007"/>
@@ -12416,7 +18043,7 @@
         </p:nvSpPr>
         <p:spPr>
           <a:xfrm rot="18438532">
-            <a:off x="3078581" y="4197604"/>
+            <a:off x="3153334" y="4201027"/>
             <a:ext cx="457200" cy="737170"/>
           </a:xfrm>
           <a:prstGeom prst="downArrow">
@@ -12470,7 +18097,7 @@
         </p:nvSpPr>
         <p:spPr>
           <a:xfrm rot="13576720">
-            <a:off x="6300764" y="4309753"/>
+            <a:off x="6768322" y="4291393"/>
             <a:ext cx="457200" cy="737170"/>
           </a:xfrm>
           <a:prstGeom prst="downArrow">
@@ -12578,7 +18205,7 @@
         </p:nvCxnSpPr>
         <p:spPr>
           <a:xfrm>
-            <a:off x="5088336" y="960797"/>
+            <a:off x="5267973" y="983802"/>
             <a:ext cx="0" cy="3398797"/>
           </a:xfrm>
           <a:prstGeom prst="line">
@@ -12627,7 +18254,7 @@
 </p:sld>
 </file>
 
-<file path=ppt/slides/slide3.xml><?xml version="1.0" encoding="utf-8"?>
+<file path=ppt/slides/slide4.xml><?xml version="1.0" encoding="utf-8"?>
 <p:sld xmlns:a="http://schemas.openxmlformats.org/drawingml/2006/main" xmlns:r="http://schemas.openxmlformats.org/officeDocument/2006/relationships" xmlns:p="http://schemas.openxmlformats.org/presentationml/2006/main">
   <p:cSld>
     <p:spTree>
@@ -16139,7 +21766,7 @@
 </p:sld>
 </file>
 
-<file path=ppt/slides/slide4.xml><?xml version="1.0" encoding="utf-8"?>
+<file path=ppt/slides/slide5.xml><?xml version="1.0" encoding="utf-8"?>
 <p:sld xmlns:a="http://schemas.openxmlformats.org/drawingml/2006/main" xmlns:r="http://schemas.openxmlformats.org/officeDocument/2006/relationships" xmlns:p="http://schemas.openxmlformats.org/presentationml/2006/main">
   <p:cSld>
     <p:spTree>
@@ -16156,56 +21783,6 @@
           <a:chExt cx="0" cy="0"/>
         </a:xfrm>
       </p:grpSpPr>
-      <p:cxnSp>
-        <p:nvCxnSpPr>
-          <p:cNvPr id="3" name="Straight Connector 2">
-            <a:extLst>
-              <a:ext uri="{FF2B5EF4-FFF2-40B4-BE49-F238E27FC236}">
-                <a16:creationId xmlns:a16="http://schemas.microsoft.com/office/drawing/2014/main" id="{2DBF8E1E-8464-DEAA-D71A-780C4E803DE7}"/>
-              </a:ext>
-            </a:extLst>
-          </p:cNvPr>
-          <p:cNvCxnSpPr/>
-          <p:nvPr/>
-        </p:nvCxnSpPr>
-        <p:spPr>
-          <a:xfrm>
-            <a:off x="9873547" y="127000"/>
-            <a:ext cx="0" cy="6604000"/>
-          </a:xfrm>
-          <a:prstGeom prst="line">
-            <a:avLst/>
-          </a:prstGeom>
-          <a:ln>
-            <a:solidFill>
-              <a:schemeClr val="bg1">
-                <a:lumMod val="85000"/>
-              </a:schemeClr>
-            </a:solidFill>
-          </a:ln>
-          <a:effectLst>
-            <a:outerShdw blurRad="63500" sx="102000" sy="102000" algn="ctr" rotWithShape="0">
-              <a:prstClr val="black">
-                <a:alpha val="3000"/>
-              </a:prstClr>
-            </a:outerShdw>
-          </a:effectLst>
-        </p:spPr>
-        <p:style>
-          <a:lnRef idx="1">
-            <a:schemeClr val="accent1"/>
-          </a:lnRef>
-          <a:fillRef idx="0">
-            <a:schemeClr val="accent1"/>
-          </a:fillRef>
-          <a:effectRef idx="0">
-            <a:schemeClr val="accent1"/>
-          </a:effectRef>
-          <a:fontRef idx="minor">
-            <a:schemeClr val="tx1"/>
-          </a:fontRef>
-        </p:style>
-      </p:cxnSp>
       <p:sp>
         <p:nvSpPr>
           <p:cNvPr id="123" name="Oval 122">
@@ -16220,7 +21797,7 @@
         </p:nvSpPr>
         <p:spPr>
           <a:xfrm>
-            <a:off x="9764245" y="1521581"/>
+            <a:off x="2622563" y="181760"/>
             <a:ext cx="373795" cy="328330"/>
           </a:xfrm>
           <a:prstGeom prst="ellipse">
@@ -16295,8 +21872,8 @@
         </p:nvSpPr>
         <p:spPr>
           <a:xfrm>
-            <a:off x="10106371" y="1521581"/>
-            <a:ext cx="1927096" cy="1384995"/>
+            <a:off x="2964687" y="181760"/>
+            <a:ext cx="7541939" cy="1169551"/>
           </a:xfrm>
           <a:prstGeom prst="rect">
             <a:avLst/>
@@ -16331,8 +21908,61 @@
                 <a:latin typeface="Roboto Light" panose="02000000000000000000" pitchFamily="2" charset="0"/>
                 <a:ea typeface="Roboto Light" panose="02000000000000000000" pitchFamily="2" charset="0"/>
               </a:rPr>
-              <a:t>using fine-tuned T5 model, output as a string.</a:t>
+              <a:t>using fine-tuned T5 model, output as a string. </a:t>
             </a:r>
+            <a:br>
+              <a:rPr lang="en-US" sz="1400" dirty="0">
+                <a:latin typeface="Roboto Light" panose="02000000000000000000" pitchFamily="2" charset="0"/>
+                <a:ea typeface="Roboto Light" panose="02000000000000000000" pitchFamily="2" charset="0"/>
+              </a:rPr>
+            </a:br>
+            <a:r>
+              <a:rPr lang="en-US" sz="1400" dirty="0">
+                <a:latin typeface="Roboto Light" panose="02000000000000000000" pitchFamily="2" charset="0"/>
+                <a:ea typeface="Roboto Light" panose="02000000000000000000" pitchFamily="2" charset="0"/>
+              </a:rPr>
+              <a:t>Then, </a:t>
+            </a:r>
+            <a:r>
+              <a:rPr lang="en-US" sz="1400" b="1" dirty="0">
+                <a:solidFill>
+                  <a:schemeClr val="accent6"/>
+                </a:solidFill>
+                <a:latin typeface="Roboto Light" panose="02000000000000000000" pitchFamily="2" charset="0"/>
+                <a:ea typeface="Roboto Light" panose="02000000000000000000" pitchFamily="2" charset="0"/>
+              </a:rPr>
+              <a:t>parse </a:t>
+            </a:r>
+            <a:r>
+              <a:rPr lang="en-US" sz="1400" dirty="0">
+                <a:latin typeface="Roboto Light" panose="02000000000000000000" pitchFamily="2" charset="0"/>
+                <a:ea typeface="Roboto Light" panose="02000000000000000000" pitchFamily="2" charset="0"/>
+              </a:rPr>
+              <a:t>logical forms and </a:t>
+            </a:r>
+            <a:r>
+              <a:rPr lang="en-US" sz="1400" b="1" dirty="0">
+                <a:solidFill>
+                  <a:schemeClr val="accent6"/>
+                </a:solidFill>
+                <a:latin typeface="Roboto Light" panose="02000000000000000000" pitchFamily="2" charset="0"/>
+                <a:ea typeface="Roboto Light" panose="02000000000000000000" pitchFamily="2" charset="0"/>
+              </a:rPr>
+              <a:t>instantiate</a:t>
+            </a:r>
+            <a:r>
+              <a:rPr lang="en-US" sz="1400" dirty="0">
+                <a:latin typeface="Roboto Light" panose="02000000000000000000" pitchFamily="2" charset="0"/>
+                <a:ea typeface="Roboto Light" panose="02000000000000000000" pitchFamily="2" charset="0"/>
+              </a:rPr>
+              <a:t> as in-memory nested object structure.</a:t>
+            </a:r>
+          </a:p>
+          <a:p>
+            <a:endParaRPr lang="en-US" sz="1400" dirty="0">
+              <a:latin typeface="Roboto Light" panose="02000000000000000000" pitchFamily="2" charset="0"/>
+              <a:ea typeface="Roboto Light" panose="02000000000000000000" pitchFamily="2" charset="0"/>
+            </a:endParaRPr>
           </a:p>
           <a:p>
             <a:br>
@@ -16362,7 +21992,7 @@
         </p:nvGrpSpPr>
         <p:grpSpPr>
           <a:xfrm>
-            <a:off x="5688628" y="468176"/>
+            <a:off x="7860616" y="1289595"/>
             <a:ext cx="3907944" cy="4876800"/>
             <a:chOff x="5795468" y="941294"/>
             <a:chExt cx="3830299" cy="4876800"/>
@@ -16880,7 +22510,7 @@
                   <a:latin typeface="Consolas" panose="020B0609020204030204" pitchFamily="49" charset="0"/>
                   <a:cs typeface="Consolas" panose="020B0609020204030204" pitchFamily="49" charset="0"/>
                 </a:rPr>
-                <a:t>    )</a:t>
+                <a:t>    ),</a:t>
               </a:r>
             </a:p>
             <a:p>
@@ -17080,7 +22710,7 @@
         </p:nvSpPr>
         <p:spPr>
           <a:xfrm>
-            <a:off x="338248" y="1662313"/>
+            <a:off x="322651" y="1800641"/>
             <a:ext cx="4995018" cy="2031325"/>
           </a:xfrm>
           <a:prstGeom prst="rect">
@@ -17532,158 +23162,6 @@
           </a:p>
         </p:txBody>
       </p:sp>
-      <p:sp>
-        <p:nvSpPr>
-          <p:cNvPr id="74" name="Oval 73">
-            <a:extLst>
-              <a:ext uri="{FF2B5EF4-FFF2-40B4-BE49-F238E27FC236}">
-                <a16:creationId xmlns:a16="http://schemas.microsoft.com/office/drawing/2014/main" id="{349D329F-501D-D216-C20A-FEBA246269D5}"/>
-              </a:ext>
-            </a:extLst>
-          </p:cNvPr>
-          <p:cNvSpPr/>
-          <p:nvPr/>
-        </p:nvSpPr>
-        <p:spPr>
-          <a:xfrm>
-            <a:off x="9795914" y="3429000"/>
-            <a:ext cx="373795" cy="328330"/>
-          </a:xfrm>
-          <a:prstGeom prst="ellipse">
-            <a:avLst/>
-          </a:prstGeom>
-          <a:solidFill>
-            <a:schemeClr val="bg1"/>
-          </a:solidFill>
-          <a:ln w="3175">
-            <a:solidFill>
-              <a:schemeClr val="bg1">
-                <a:lumMod val="85000"/>
-              </a:schemeClr>
-            </a:solidFill>
-          </a:ln>
-          <a:effectLst>
-            <a:outerShdw blurRad="63500" algn="ctr" rotWithShape="0">
-              <a:prstClr val="black">
-                <a:alpha val="12929"/>
-              </a:prstClr>
-            </a:outerShdw>
-          </a:effectLst>
-        </p:spPr>
-        <p:style>
-          <a:lnRef idx="2">
-            <a:schemeClr val="accent1">
-              <a:shade val="50000"/>
-            </a:schemeClr>
-          </a:lnRef>
-          <a:fillRef idx="1">
-            <a:schemeClr val="accent1"/>
-          </a:fillRef>
-          <a:effectRef idx="0">
-            <a:schemeClr val="accent1"/>
-          </a:effectRef>
-          <a:fontRef idx="minor">
-            <a:schemeClr val="lt1"/>
-          </a:fontRef>
-        </p:style>
-        <p:txBody>
-          <a:bodyPr rtlCol="0" anchor="ctr"/>
-          <a:lstStyle/>
-          <a:p>
-            <a:pPr algn="ctr"/>
-            <a:r>
-              <a:rPr lang="en-US" sz="2000" dirty="0">
-                <a:solidFill>
-                  <a:schemeClr val="tx1">
-                    <a:lumMod val="95000"/>
-                    <a:lumOff val="5000"/>
-                  </a:schemeClr>
-                </a:solidFill>
-                <a:latin typeface="Roboto Light" panose="02000000000000000000" pitchFamily="2" charset="0"/>
-                <a:ea typeface="Roboto Light" panose="02000000000000000000" pitchFamily="2" charset="0"/>
-              </a:rPr>
-              <a:t>5</a:t>
-            </a:r>
-          </a:p>
-        </p:txBody>
-      </p:sp>
-      <p:sp>
-        <p:nvSpPr>
-          <p:cNvPr id="75" name="TextBox 74">
-            <a:extLst>
-              <a:ext uri="{FF2B5EF4-FFF2-40B4-BE49-F238E27FC236}">
-                <a16:creationId xmlns:a16="http://schemas.microsoft.com/office/drawing/2014/main" id="{FEF08713-770E-68A1-BDCE-168B13508224}"/>
-              </a:ext>
-            </a:extLst>
-          </p:cNvPr>
-          <p:cNvSpPr txBox="1"/>
-          <p:nvPr/>
-        </p:nvSpPr>
-        <p:spPr>
-          <a:xfrm>
-            <a:off x="10138040" y="3429000"/>
-            <a:ext cx="1927096" cy="1600438"/>
-          </a:xfrm>
-          <a:prstGeom prst="rect">
-            <a:avLst/>
-          </a:prstGeom>
-          <a:noFill/>
-        </p:spPr>
-        <p:txBody>
-          <a:bodyPr wrap="square" rtlCol="0">
-            <a:spAutoFit/>
-          </a:bodyPr>
-          <a:lstStyle/>
-          <a:p>
-            <a:r>
-              <a:rPr lang="en-US" sz="1400" b="1" dirty="0">
-                <a:solidFill>
-                  <a:schemeClr val="accent6"/>
-                </a:solidFill>
-                <a:latin typeface="Roboto Light" panose="02000000000000000000" pitchFamily="2" charset="0"/>
-                <a:ea typeface="Roboto Light" panose="02000000000000000000" pitchFamily="2" charset="0"/>
-              </a:rPr>
-              <a:t>Parse and interpret </a:t>
-            </a:r>
-            <a:r>
-              <a:rPr lang="en-US" sz="1400" dirty="0">
-                <a:latin typeface="Roboto Light" panose="02000000000000000000" pitchFamily="2" charset="0"/>
-                <a:ea typeface="Roboto Light" panose="02000000000000000000" pitchFamily="2" charset="0"/>
-              </a:rPr>
-              <a:t>logical forms and </a:t>
-            </a:r>
-            <a:r>
-              <a:rPr lang="en-US" sz="1400" b="1" dirty="0">
-                <a:solidFill>
-                  <a:schemeClr val="accent6"/>
-                </a:solidFill>
-                <a:latin typeface="Roboto Light" panose="02000000000000000000" pitchFamily="2" charset="0"/>
-                <a:ea typeface="Roboto Light" panose="02000000000000000000" pitchFamily="2" charset="0"/>
-              </a:rPr>
-              <a:t>instantiate</a:t>
-            </a:r>
-            <a:r>
-              <a:rPr lang="en-US" sz="1400" dirty="0">
-                <a:latin typeface="Roboto Light" panose="02000000000000000000" pitchFamily="2" charset="0"/>
-                <a:ea typeface="Roboto Light" panose="02000000000000000000" pitchFamily="2" charset="0"/>
-              </a:rPr>
-              <a:t> as in-memory nested object structure.</a:t>
-            </a:r>
-          </a:p>
-          <a:p>
-            <a:br>
-              <a:rPr lang="en-US" sz="1400" dirty="0">
-                <a:latin typeface="Roboto Light" panose="02000000000000000000" pitchFamily="2" charset="0"/>
-                <a:ea typeface="Roboto Light" panose="02000000000000000000" pitchFamily="2" charset="0"/>
-              </a:rPr>
-            </a:br>
-            <a:endParaRPr lang="en-US" sz="1400" dirty="0">
-              <a:latin typeface="Roboto Light" panose="02000000000000000000" pitchFamily="2" charset="0"/>
-              <a:ea typeface="Roboto Light" panose="02000000000000000000" pitchFamily="2" charset="0"/>
-            </a:endParaRPr>
-          </a:p>
-        </p:txBody>
-      </p:sp>
       <p:grpSp>
         <p:nvGrpSpPr>
           <p:cNvPr id="77" name="Group 76">
@@ -17698,7 +23176,7 @@
         </p:nvGrpSpPr>
         <p:grpSpPr>
           <a:xfrm>
-            <a:off x="3811128" y="5416131"/>
+            <a:off x="5245915" y="4835751"/>
             <a:ext cx="1760418" cy="1203707"/>
             <a:chOff x="4417590" y="88498"/>
             <a:chExt cx="1760418" cy="1203707"/>
@@ -17935,7 +23413,7 @@
         </p:nvSpPr>
         <p:spPr>
           <a:xfrm rot="18438532">
-            <a:off x="2861893" y="4964693"/>
+            <a:off x="4296680" y="4384313"/>
             <a:ext cx="457200" cy="737170"/>
           </a:xfrm>
           <a:prstGeom prst="downArrow">
@@ -17989,7 +23467,7 @@
         </p:nvSpPr>
         <p:spPr>
           <a:xfrm rot="13576720">
-            <a:off x="6010996" y="4949961"/>
+            <a:off x="7255843" y="4394782"/>
             <a:ext cx="457200" cy="737170"/>
           </a:xfrm>
           <a:prstGeom prst="downArrow">
@@ -18029,52 +23507,24 @@
           </a:p>
         </p:txBody>
       </p:sp>
-    </p:spTree>
-    <p:extLst>
-      <p:ext uri="{BB962C8B-B14F-4D97-AF65-F5344CB8AC3E}">
-        <p14:creationId xmlns:p14="http://schemas.microsoft.com/office/powerpoint/2010/main" val="3793462775"/>
-      </p:ext>
-    </p:extLst>
-  </p:cSld>
-  <p:clrMapOvr>
-    <a:masterClrMapping/>
-  </p:clrMapOvr>
-</p:sld>
-</file>
-
-<file path=ppt/slides/slide5.xml><?xml version="1.0" encoding="utf-8"?>
-<p:sld xmlns:a="http://schemas.openxmlformats.org/drawingml/2006/main" xmlns:r="http://schemas.openxmlformats.org/officeDocument/2006/relationships" xmlns:p="http://schemas.openxmlformats.org/presentationml/2006/main">
-  <p:cSld>
-    <p:spTree>
-      <p:nvGrpSpPr>
-        <p:cNvPr id="1" name=""/>
-        <p:cNvGrpSpPr/>
-        <p:nvPr/>
-      </p:nvGrpSpPr>
-      <p:grpSpPr>
-        <a:xfrm>
-          <a:off x="0" y="0"/>
-          <a:ext cx="0" cy="0"/>
-          <a:chOff x="0" y="0"/>
-          <a:chExt cx="0" cy="0"/>
-        </a:xfrm>
-      </p:grpSpPr>
       <p:cxnSp>
         <p:nvCxnSpPr>
-          <p:cNvPr id="3" name="Straight Connector 2">
+          <p:cNvPr id="85" name="Straight Connector 84">
             <a:extLst>
               <a:ext uri="{FF2B5EF4-FFF2-40B4-BE49-F238E27FC236}">
-                <a16:creationId xmlns:a16="http://schemas.microsoft.com/office/drawing/2014/main" id="{2DBF8E1E-8464-DEAA-D71A-780C4E803DE7}"/>
+                <a16:creationId xmlns:a16="http://schemas.microsoft.com/office/drawing/2014/main" id="{C9DB651D-C12B-99E5-25FE-0C7D239FC81A}"/>
               </a:ext>
             </a:extLst>
           </p:cNvPr>
-          <p:cNvCxnSpPr/>
+          <p:cNvCxnSpPr>
+            <a:cxnSpLocks/>
+          </p:cNvCxnSpPr>
           <p:nvPr/>
         </p:nvCxnSpPr>
         <p:spPr>
-          <a:xfrm>
-            <a:off x="9873547" y="127000"/>
-            <a:ext cx="0" cy="6604000"/>
+          <a:xfrm flipV="1">
+            <a:off x="93357" y="1060409"/>
+            <a:ext cx="11787124" cy="6413"/>
           </a:xfrm>
           <a:prstGeom prst="line">
             <a:avLst/>
@@ -18109,6 +23559,88 @@
           </a:fontRef>
         </p:style>
       </p:cxnSp>
+      <p:cxnSp>
+        <p:nvCxnSpPr>
+          <p:cNvPr id="86" name="Straight Connector 85">
+            <a:extLst>
+              <a:ext uri="{FF2B5EF4-FFF2-40B4-BE49-F238E27FC236}">
+                <a16:creationId xmlns:a16="http://schemas.microsoft.com/office/drawing/2014/main" id="{341E42CA-3586-86CB-B295-622705E62720}"/>
+              </a:ext>
+            </a:extLst>
+          </p:cNvPr>
+          <p:cNvCxnSpPr>
+            <a:cxnSpLocks/>
+          </p:cNvCxnSpPr>
+          <p:nvPr/>
+        </p:nvCxnSpPr>
+        <p:spPr>
+          <a:xfrm>
+            <a:off x="6078916" y="1147751"/>
+            <a:ext cx="0" cy="3398797"/>
+          </a:xfrm>
+          <a:prstGeom prst="line">
+            <a:avLst/>
+          </a:prstGeom>
+          <a:ln>
+            <a:solidFill>
+              <a:schemeClr val="bg1">
+                <a:lumMod val="85000"/>
+              </a:schemeClr>
+            </a:solidFill>
+          </a:ln>
+          <a:effectLst>
+            <a:outerShdw blurRad="63500" sx="102000" sy="102000" algn="ctr" rotWithShape="0">
+              <a:prstClr val="black">
+                <a:alpha val="3000"/>
+              </a:prstClr>
+            </a:outerShdw>
+          </a:effectLst>
+        </p:spPr>
+        <p:style>
+          <a:lnRef idx="1">
+            <a:schemeClr val="accent1"/>
+          </a:lnRef>
+          <a:fillRef idx="0">
+            <a:schemeClr val="accent1"/>
+          </a:fillRef>
+          <a:effectRef idx="0">
+            <a:schemeClr val="accent1"/>
+          </a:effectRef>
+          <a:fontRef idx="minor">
+            <a:schemeClr val="tx1"/>
+          </a:fontRef>
+        </p:style>
+      </p:cxnSp>
+    </p:spTree>
+    <p:extLst>
+      <p:ext uri="{BB962C8B-B14F-4D97-AF65-F5344CB8AC3E}">
+        <p14:creationId xmlns:p14="http://schemas.microsoft.com/office/powerpoint/2010/main" val="3793462775"/>
+      </p:ext>
+    </p:extLst>
+  </p:cSld>
+  <p:clrMapOvr>
+    <a:masterClrMapping/>
+  </p:clrMapOvr>
+</p:sld>
+</file>
+
+<file path=ppt/slides/slide6.xml><?xml version="1.0" encoding="utf-8"?>
+<p:sld xmlns:a="http://schemas.openxmlformats.org/drawingml/2006/main" xmlns:r="http://schemas.openxmlformats.org/officeDocument/2006/relationships" xmlns:p="http://schemas.openxmlformats.org/presentationml/2006/main">
+  <p:cSld>
+    <p:spTree>
+      <p:nvGrpSpPr>
+        <p:cNvPr id="1" name=""/>
+        <p:cNvGrpSpPr/>
+        <p:nvPr/>
+      </p:nvGrpSpPr>
+      <p:grpSpPr>
+        <a:xfrm>
+          <a:off x="0" y="0"/>
+          <a:ext cx="0" cy="0"/>
+          <a:chOff x="0" y="0"/>
+          <a:chExt cx="0" cy="0"/>
+        </a:xfrm>
+      </p:grpSpPr>
       <p:sp>
         <p:nvSpPr>
           <p:cNvPr id="123" name="Oval 122">
@@ -18123,7 +23655,7 @@
         </p:nvSpPr>
         <p:spPr>
           <a:xfrm>
-            <a:off x="9765587" y="2501652"/>
+            <a:off x="3288269" y="217452"/>
             <a:ext cx="373795" cy="328330"/>
           </a:xfrm>
           <a:prstGeom prst="ellipse">
@@ -18179,7 +23711,7 @@
                 <a:latin typeface="Roboto Light" panose="02000000000000000000" pitchFamily="2" charset="0"/>
                 <a:ea typeface="Roboto Light" panose="02000000000000000000" pitchFamily="2" charset="0"/>
               </a:rPr>
-              <a:t>6</a:t>
+              <a:t>5</a:t>
             </a:r>
           </a:p>
         </p:txBody>
@@ -18198,8 +23730,8 @@
         </p:nvSpPr>
         <p:spPr>
           <a:xfrm>
-            <a:off x="10139382" y="2501652"/>
-            <a:ext cx="1980895" cy="1600438"/>
+            <a:off x="3662064" y="217452"/>
+            <a:ext cx="4867871" cy="954107"/>
           </a:xfrm>
           <a:prstGeom prst="rect">
             <a:avLst/>
@@ -18356,7 +23888,26 @@
                   <a:latin typeface="Consolas" panose="020B0609020204030204" pitchFamily="49" charset="0"/>
                   <a:cs typeface="Consolas" panose="020B0609020204030204" pitchFamily="49" charset="0"/>
                 </a:rPr>
-                <a:t>intersect</a:t>
+                <a:t>intersect(</a:t>
+              </a:r>
+            </a:p>
+            <a:p>
+              <a:r>
+                <a:rPr lang="en-US" dirty="0">
+                  <a:latin typeface="Consolas" panose="020B0609020204030204" pitchFamily="49" charset="0"/>
+                  <a:cs typeface="Consolas" panose="020B0609020204030204" pitchFamily="49" charset="0"/>
+                </a:rPr>
+                <a:t>  </a:t>
+              </a:r>
+              <a:r>
+                <a:rPr lang="en-US" dirty="0">
+                  <a:solidFill>
+                    <a:schemeClr val="accent6"/>
+                  </a:solidFill>
+                  <a:latin typeface="Consolas" panose="020B0609020204030204" pitchFamily="49" charset="0"/>
+                  <a:cs typeface="Consolas" panose="020B0609020204030204" pitchFamily="49" charset="0"/>
+                </a:rPr>
+                <a:t>cond</a:t>
               </a:r>
               <a:r>
                 <a:rPr lang="en-US" dirty="0">
@@ -18370,28 +23921,15 @@
                 </a:rPr>
                 <a:t>(</a:t>
               </a:r>
-              <a:endParaRPr lang="en-US" dirty="0">
-                <a:latin typeface="Consolas" panose="020B0609020204030204" pitchFamily="49" charset="0"/>
-                <a:cs typeface="Consolas" panose="020B0609020204030204" pitchFamily="49" charset="0"/>
-              </a:endParaRPr>
-            </a:p>
-            <a:p>
               <a:r>
                 <a:rPr lang="en-US" dirty="0">
-                  <a:latin typeface="Consolas" panose="020B0609020204030204" pitchFamily="49" charset="0"/>
-                  <a:cs typeface="Consolas" panose="020B0609020204030204" pitchFamily="49" charset="0"/>
-                </a:rPr>
-                <a:t>  </a:t>
-              </a:r>
-              <a:r>
-                <a:rPr lang="en-US" dirty="0">
-                  <a:solidFill>
-                    <a:schemeClr val="accent6"/>
-                  </a:solidFill>
-                  <a:latin typeface="Consolas" panose="020B0609020204030204" pitchFamily="49" charset="0"/>
-                  <a:cs typeface="Consolas" panose="020B0609020204030204" pitchFamily="49" charset="0"/>
-                </a:rPr>
-                <a:t>cond</a:t>
+                  <a:solidFill>
+                    <a:srgbClr val="C00000"/>
+                  </a:solidFill>
+                  <a:latin typeface="Consolas" panose="020B0609020204030204" pitchFamily="49" charset="0"/>
+                  <a:cs typeface="Consolas" panose="020B0609020204030204" pitchFamily="49" charset="0"/>
+                </a:rPr>
+                <a:t>“Diabetic”</a:t>
               </a:r>
               <a:r>
                 <a:rPr lang="en-US" dirty="0">
@@ -18403,17 +23941,28 @@
                   <a:latin typeface="Consolas" panose="020B0609020204030204" pitchFamily="49" charset="0"/>
                   <a:cs typeface="Consolas" panose="020B0609020204030204" pitchFamily="49" charset="0"/>
                 </a:rPr>
-                <a:t>(</a:t>
-              </a:r>
+                <a:t>),</a:t>
+              </a:r>
+            </a:p>
+            <a:p>
               <a:r>
                 <a:rPr lang="en-US" dirty="0">
-                  <a:solidFill>
-                    <a:srgbClr val="C00000"/>
-                  </a:solidFill>
-                  <a:latin typeface="Consolas" panose="020B0609020204030204" pitchFamily="49" charset="0"/>
-                  <a:cs typeface="Consolas" panose="020B0609020204030204" pitchFamily="49" charset="0"/>
-                </a:rPr>
-                <a:t>“Diabetic”</a:t>
+                  <a:latin typeface="Consolas" panose="020B0609020204030204" pitchFamily="49" charset="0"/>
+                  <a:cs typeface="Consolas" panose="020B0609020204030204" pitchFamily="49" charset="0"/>
+                </a:rPr>
+                <a:t>  </a:t>
+              </a:r>
+              <a:r>
+                <a:rPr lang="en-US" dirty="0">
+                  <a:solidFill>
+                    <a:schemeClr val="bg1">
+                      <a:lumMod val="85000"/>
+                    </a:schemeClr>
+                  </a:solidFill>
+                  <a:latin typeface="Consolas" panose="020B0609020204030204" pitchFamily="49" charset="0"/>
+                  <a:cs typeface="Consolas" panose="020B0609020204030204" pitchFamily="49" charset="0"/>
+                </a:rPr>
+                <a:t>...</a:t>
               </a:r>
               <a:r>
                 <a:rPr lang="en-US" dirty="0">
@@ -18425,12 +23974,17 @@
                   <a:latin typeface="Consolas" panose="020B0609020204030204" pitchFamily="49" charset="0"/>
                   <a:cs typeface="Consolas" panose="020B0609020204030204" pitchFamily="49" charset="0"/>
                 </a:rPr>
-                <a:t>),</a:t>
+                <a:t>  </a:t>
               </a:r>
             </a:p>
             <a:p>
               <a:r>
                 <a:rPr lang="en-US" dirty="0">
+                  <a:solidFill>
+                    <a:schemeClr val="bg1">
+                      <a:lumMod val="65000"/>
+                    </a:schemeClr>
+                  </a:solidFill>
                   <a:latin typeface="Consolas" panose="020B0609020204030204" pitchFamily="49" charset="0"/>
                   <a:cs typeface="Consolas" panose="020B0609020204030204" pitchFamily="49" charset="0"/>
                 </a:rPr>
@@ -18446,8 +24000,10 @@
                   <a:latin typeface="Consolas" panose="020B0609020204030204" pitchFamily="49" charset="0"/>
                   <a:cs typeface="Consolas" panose="020B0609020204030204" pitchFamily="49" charset="0"/>
                 </a:rPr>
-                <a:t>...</a:t>
-              </a:r>
+                <a:t>neg(</a:t>
+              </a:r>
+            </a:p>
+            <a:p>
               <a:r>
                 <a:rPr lang="en-US" dirty="0">
                   <a:solidFill>
@@ -18458,10 +24014,18 @@
                   <a:latin typeface="Consolas" panose="020B0609020204030204" pitchFamily="49" charset="0"/>
                   <a:cs typeface="Consolas" panose="020B0609020204030204" pitchFamily="49" charset="0"/>
                 </a:rPr>
-                <a:t>  </a:t>
-              </a:r>
-            </a:p>
-            <a:p>
+                <a:t>    </a:t>
+              </a:r>
+              <a:r>
+                <a:rPr lang="en-US" dirty="0">
+                  <a:solidFill>
+                    <a:srgbClr val="EBA78A"/>
+                  </a:solidFill>
+                  <a:latin typeface="Consolas" panose="020B0609020204030204" pitchFamily="49" charset="0"/>
+                  <a:cs typeface="Consolas" panose="020B0609020204030204" pitchFamily="49" charset="0"/>
+                </a:rPr>
+                <a:t>contraindication</a:t>
+              </a:r>
               <a:r>
                 <a:rPr lang="en-US" dirty="0">
                   <a:solidFill>
@@ -18472,7 +24036,93 @@
                   <a:latin typeface="Consolas" panose="020B0609020204030204" pitchFamily="49" charset="0"/>
                   <a:cs typeface="Consolas" panose="020B0609020204030204" pitchFamily="49" charset="0"/>
                 </a:rPr>
-                <a:t>  </a:t>
+                <a:t>(</a:t>
+              </a:r>
+            </a:p>
+            <a:p>
+              <a:r>
+                <a:rPr lang="en-US" dirty="0">
+                  <a:solidFill>
+                    <a:schemeClr val="bg1">
+                      <a:lumMod val="65000"/>
+                    </a:schemeClr>
+                  </a:solidFill>
+                  <a:latin typeface="Consolas" panose="020B0609020204030204" pitchFamily="49" charset="0"/>
+                  <a:cs typeface="Consolas" panose="020B0609020204030204" pitchFamily="49" charset="0"/>
+                </a:rPr>
+                <a:t>      </a:t>
+              </a:r>
+              <a:r>
+                <a:rPr lang="en-US" dirty="0">
+                  <a:solidFill>
+                    <a:srgbClr val="EEB1DC"/>
+                  </a:solidFill>
+                  <a:latin typeface="Consolas" panose="020B0609020204030204" pitchFamily="49" charset="0"/>
+                  <a:cs typeface="Consolas" panose="020B0609020204030204" pitchFamily="49" charset="0"/>
+                </a:rPr>
+                <a:t>drug</a:t>
+              </a:r>
+              <a:r>
+                <a:rPr lang="en-US" dirty="0">
+                  <a:solidFill>
+                    <a:schemeClr val="bg1">
+                      <a:lumMod val="65000"/>
+                    </a:schemeClr>
+                  </a:solidFill>
+                  <a:latin typeface="Consolas" panose="020B0609020204030204" pitchFamily="49" charset="0"/>
+                  <a:cs typeface="Consolas" panose="020B0609020204030204" pitchFamily="49" charset="0"/>
+                </a:rPr>
+                <a:t>(</a:t>
+              </a:r>
+              <a:r>
+                <a:rPr lang="en-US" dirty="0">
+                  <a:solidFill>
+                    <a:srgbClr val="C00000"/>
+                  </a:solidFill>
+                  <a:latin typeface="Consolas" panose="020B0609020204030204" pitchFamily="49" charset="0"/>
+                  <a:cs typeface="Consolas" panose="020B0609020204030204" pitchFamily="49" charset="0"/>
+                </a:rPr>
+                <a:t>“metformin”</a:t>
+              </a:r>
+              <a:r>
+                <a:rPr lang="en-US" dirty="0">
+                  <a:solidFill>
+                    <a:schemeClr val="bg1">
+                      <a:lumMod val="65000"/>
+                    </a:schemeClr>
+                  </a:solidFill>
+                  <a:latin typeface="Consolas" panose="020B0609020204030204" pitchFamily="49" charset="0"/>
+                  <a:cs typeface="Consolas" panose="020B0609020204030204" pitchFamily="49" charset="0"/>
+                </a:rPr>
+                <a:t>)</a:t>
+              </a:r>
+            </a:p>
+            <a:p>
+              <a:r>
+                <a:rPr lang="en-US" dirty="0">
+                  <a:solidFill>
+                    <a:schemeClr val="bg1">
+                      <a:lumMod val="65000"/>
+                    </a:schemeClr>
+                  </a:solidFill>
+                  <a:latin typeface="Consolas" panose="020B0609020204030204" pitchFamily="49" charset="0"/>
+                  <a:cs typeface="Consolas" panose="020B0609020204030204" pitchFamily="49" charset="0"/>
+                </a:rPr>
+                <a:t>    )</a:t>
+              </a:r>
+            </a:p>
+            <a:p>
+              <a:r>
+                <a:rPr lang="en-US" dirty="0">
+                  <a:solidFill>
+                    <a:schemeClr val="bg1">
+                      <a:lumMod val="65000"/>
+                    </a:schemeClr>
+                  </a:solidFill>
+                  <a:latin typeface="Consolas" panose="020B0609020204030204" pitchFamily="49" charset="0"/>
+                  <a:cs typeface="Consolas" panose="020B0609020204030204" pitchFamily="49" charset="0"/>
+                </a:rPr>
+                <a:t> </a:t>
               </a:r>
               <a:r>
                 <a:rPr lang="en-US" dirty="0">
@@ -18484,19 +24134,7 @@
                   <a:latin typeface="Consolas" panose="020B0609020204030204" pitchFamily="49" charset="0"/>
                   <a:cs typeface="Consolas" panose="020B0609020204030204" pitchFamily="49" charset="0"/>
                 </a:rPr>
-                <a:t>neg</a:t>
-              </a:r>
-              <a:r>
-                <a:rPr lang="en-US" dirty="0">
-                  <a:solidFill>
-                    <a:schemeClr val="bg1">
-                      <a:lumMod val="65000"/>
-                    </a:schemeClr>
-                  </a:solidFill>
-                  <a:latin typeface="Consolas" panose="020B0609020204030204" pitchFamily="49" charset="0"/>
-                  <a:cs typeface="Consolas" panose="020B0609020204030204" pitchFamily="49" charset="0"/>
-                </a:rPr>
-                <a:t>(</a:t>
+                <a:t> )</a:t>
               </a:r>
             </a:p>
             <a:p>
@@ -18504,144 +24142,14 @@
                 <a:rPr lang="en-US" dirty="0">
                   <a:solidFill>
                     <a:schemeClr val="bg1">
-                      <a:lumMod val="65000"/>
+                      <a:lumMod val="85000"/>
                     </a:schemeClr>
                   </a:solidFill>
                   <a:latin typeface="Consolas" panose="020B0609020204030204" pitchFamily="49" charset="0"/>
                   <a:cs typeface="Consolas" panose="020B0609020204030204" pitchFamily="49" charset="0"/>
                 </a:rPr>
-                <a:t>    </a:t>
-              </a:r>
-              <a:r>
-                <a:rPr lang="en-US" dirty="0">
-                  <a:solidFill>
-                    <a:srgbClr val="EBA78A"/>
-                  </a:solidFill>
-                  <a:latin typeface="Consolas" panose="020B0609020204030204" pitchFamily="49" charset="0"/>
-                  <a:cs typeface="Consolas" panose="020B0609020204030204" pitchFamily="49" charset="0"/>
-                </a:rPr>
-                <a:t>contraindication</a:t>
-              </a:r>
-              <a:r>
-                <a:rPr lang="en-US" dirty="0">
-                  <a:solidFill>
-                    <a:schemeClr val="bg1">
-                      <a:lumMod val="65000"/>
-                    </a:schemeClr>
-                  </a:solidFill>
-                  <a:latin typeface="Consolas" panose="020B0609020204030204" pitchFamily="49" charset="0"/>
-                  <a:cs typeface="Consolas" panose="020B0609020204030204" pitchFamily="49" charset="0"/>
-                </a:rPr>
-                <a:t>(</a:t>
-              </a:r>
-            </a:p>
-            <a:p>
-              <a:r>
-                <a:rPr lang="en-US" dirty="0">
-                  <a:solidFill>
-                    <a:schemeClr val="bg1">
-                      <a:lumMod val="65000"/>
-                    </a:schemeClr>
-                  </a:solidFill>
-                  <a:latin typeface="Consolas" panose="020B0609020204030204" pitchFamily="49" charset="0"/>
-                  <a:cs typeface="Consolas" panose="020B0609020204030204" pitchFamily="49" charset="0"/>
-                </a:rPr>
-                <a:t>      </a:t>
-              </a:r>
-              <a:r>
-                <a:rPr lang="en-US" dirty="0">
-                  <a:solidFill>
-                    <a:srgbClr val="EEB1DC"/>
-                  </a:solidFill>
-                  <a:latin typeface="Consolas" panose="020B0609020204030204" pitchFamily="49" charset="0"/>
-                  <a:cs typeface="Consolas" panose="020B0609020204030204" pitchFamily="49" charset="0"/>
-                </a:rPr>
-                <a:t>drug</a:t>
-              </a:r>
-              <a:r>
-                <a:rPr lang="en-US" dirty="0">
-                  <a:solidFill>
-                    <a:schemeClr val="bg1">
-                      <a:lumMod val="65000"/>
-                    </a:schemeClr>
-                  </a:solidFill>
-                  <a:latin typeface="Consolas" panose="020B0609020204030204" pitchFamily="49" charset="0"/>
-                  <a:cs typeface="Consolas" panose="020B0609020204030204" pitchFamily="49" charset="0"/>
-                </a:rPr>
-                <a:t>(</a:t>
-              </a:r>
-              <a:r>
-                <a:rPr lang="en-US" dirty="0">
-                  <a:solidFill>
-                    <a:srgbClr val="C00000"/>
-                  </a:solidFill>
-                  <a:latin typeface="Consolas" panose="020B0609020204030204" pitchFamily="49" charset="0"/>
-                  <a:cs typeface="Consolas" panose="020B0609020204030204" pitchFamily="49" charset="0"/>
-                </a:rPr>
-                <a:t>“metformin”</a:t>
-              </a:r>
-              <a:r>
-                <a:rPr lang="en-US" dirty="0">
-                  <a:solidFill>
-                    <a:schemeClr val="bg1">
-                      <a:lumMod val="65000"/>
-                    </a:schemeClr>
-                  </a:solidFill>
-                  <a:latin typeface="Consolas" panose="020B0609020204030204" pitchFamily="49" charset="0"/>
-                  <a:cs typeface="Consolas" panose="020B0609020204030204" pitchFamily="49" charset="0"/>
-                </a:rPr>
                 <a:t>)</a:t>
               </a:r>
-            </a:p>
-            <a:p>
-              <a:r>
-                <a:rPr lang="en-US" dirty="0">
-                  <a:solidFill>
-                    <a:schemeClr val="bg1">
-                      <a:lumMod val="65000"/>
-                    </a:schemeClr>
-                  </a:solidFill>
-                  <a:latin typeface="Consolas" panose="020B0609020204030204" pitchFamily="49" charset="0"/>
-                  <a:cs typeface="Consolas" panose="020B0609020204030204" pitchFamily="49" charset="0"/>
-                </a:rPr>
-                <a:t>    )</a:t>
-              </a:r>
-            </a:p>
-            <a:p>
-              <a:r>
-                <a:rPr lang="en-US" dirty="0">
-                  <a:solidFill>
-                    <a:schemeClr val="bg1">
-                      <a:lumMod val="65000"/>
-                    </a:schemeClr>
-                  </a:solidFill>
-                  <a:latin typeface="Consolas" panose="020B0609020204030204" pitchFamily="49" charset="0"/>
-                  <a:cs typeface="Consolas" panose="020B0609020204030204" pitchFamily="49" charset="0"/>
-                </a:rPr>
-                <a:t>  )</a:t>
-              </a:r>
-              <a:endParaRPr lang="en-US" dirty="0">
-                <a:latin typeface="Consolas" panose="020B0609020204030204" pitchFamily="49" charset="0"/>
-                <a:cs typeface="Consolas" panose="020B0609020204030204" pitchFamily="49" charset="0"/>
-              </a:endParaRPr>
-            </a:p>
-            <a:p>
-              <a:r>
-                <a:rPr lang="en-US" dirty="0">
-                  <a:solidFill>
-                    <a:schemeClr val="bg1">
-                      <a:lumMod val="65000"/>
-                    </a:schemeClr>
-                  </a:solidFill>
-                  <a:latin typeface="Consolas" panose="020B0609020204030204" pitchFamily="49" charset="0"/>
-                  <a:cs typeface="Consolas" panose="020B0609020204030204" pitchFamily="49" charset="0"/>
-                </a:rPr>
-                <a:t>)</a:t>
-              </a:r>
-              <a:endParaRPr lang="en-US" dirty="0">
-                <a:latin typeface="Consolas" panose="020B0609020204030204" pitchFamily="49" charset="0"/>
-                <a:cs typeface="Consolas" panose="020B0609020204030204" pitchFamily="49" charset="0"/>
-              </a:endParaRPr>
             </a:p>
           </p:txBody>
         </p:sp>
@@ -18660,7 +24168,7 @@
         </p:nvGrpSpPr>
         <p:grpSpPr>
           <a:xfrm>
-            <a:off x="5076120" y="1323911"/>
+            <a:off x="7139839" y="1294400"/>
             <a:ext cx="4651148" cy="3012141"/>
             <a:chOff x="5795468" y="941294"/>
             <a:chExt cx="3768215" cy="3012141"/>
@@ -18758,24 +24266,8 @@
                   <a:latin typeface="Consolas" panose="020B0609020204030204" pitchFamily="49" charset="0"/>
                   <a:cs typeface="Consolas" panose="020B0609020204030204" pitchFamily="49" charset="0"/>
                 </a:rPr>
-                <a:t>intersect</a:t>
-              </a:r>
-              <a:r>
-                <a:rPr lang="en-US" dirty="0">
-                  <a:solidFill>
-                    <a:schemeClr val="bg1">
-                      <a:lumMod val="65000"/>
-                    </a:schemeClr>
-                  </a:solidFill>
-                  <a:latin typeface="Consolas" panose="020B0609020204030204" pitchFamily="49" charset="0"/>
-                  <a:cs typeface="Consolas" panose="020B0609020204030204" pitchFamily="49" charset="0"/>
-                </a:rPr>
-                <a:t>(</a:t>
-              </a:r>
-              <a:endParaRPr lang="en-US" dirty="0">
-                <a:latin typeface="Consolas" panose="020B0609020204030204" pitchFamily="49" charset="0"/>
-                <a:cs typeface="Consolas" panose="020B0609020204030204" pitchFamily="49" charset="0"/>
-              </a:endParaRPr>
+                <a:t>intersect(</a:t>
+              </a:r>
             </a:p>
             <a:p>
               <a:r>
@@ -18893,8 +24385,10 @@
                   <a:latin typeface="Consolas" panose="020B0609020204030204" pitchFamily="49" charset="0"/>
                   <a:cs typeface="Consolas" panose="020B0609020204030204" pitchFamily="49" charset="0"/>
                 </a:rPr>
-                <a:t>neg</a:t>
-              </a:r>
+                <a:t>neg(</a:t>
+              </a:r>
+            </a:p>
+            <a:p>
               <a:r>
                 <a:rPr lang="en-US" dirty="0">
                   <a:solidFill>
@@ -18905,10 +24399,18 @@
                   <a:latin typeface="Consolas" panose="020B0609020204030204" pitchFamily="49" charset="0"/>
                   <a:cs typeface="Consolas" panose="020B0609020204030204" pitchFamily="49" charset="0"/>
                 </a:rPr>
-                <a:t>(</a:t>
-              </a:r>
-            </a:p>
-            <a:p>
+                <a:t>    </a:t>
+              </a:r>
+              <a:r>
+                <a:rPr lang="en-US" dirty="0">
+                  <a:solidFill>
+                    <a:srgbClr val="EBA78A"/>
+                  </a:solidFill>
+                  <a:latin typeface="Consolas" panose="020B0609020204030204" pitchFamily="49" charset="0"/>
+                  <a:cs typeface="Consolas" panose="020B0609020204030204" pitchFamily="49" charset="0"/>
+                </a:rPr>
+                <a:t>contraindication</a:t>
+              </a:r>
               <a:r>
                 <a:rPr lang="en-US" dirty="0">
                   <a:solidFill>
@@ -18919,18 +24421,10 @@
                   <a:latin typeface="Consolas" panose="020B0609020204030204" pitchFamily="49" charset="0"/>
                   <a:cs typeface="Consolas" panose="020B0609020204030204" pitchFamily="49" charset="0"/>
                 </a:rPr>
-                <a:t>    </a:t>
-              </a:r>
-              <a:r>
-                <a:rPr lang="en-US" dirty="0">
-                  <a:solidFill>
-                    <a:srgbClr val="EBA78A"/>
-                  </a:solidFill>
-                  <a:latin typeface="Consolas" panose="020B0609020204030204" pitchFamily="49" charset="0"/>
-                  <a:cs typeface="Consolas" panose="020B0609020204030204" pitchFamily="49" charset="0"/>
-                </a:rPr>
-                <a:t>contraindication</a:t>
-              </a:r>
+                <a:t>(</a:t>
+              </a:r>
+            </a:p>
+            <a:p>
               <a:r>
                 <a:rPr lang="en-US" dirty="0">
                   <a:solidFill>
@@ -18941,10 +24435,18 @@
                   <a:latin typeface="Consolas" panose="020B0609020204030204" pitchFamily="49" charset="0"/>
                   <a:cs typeface="Consolas" panose="020B0609020204030204" pitchFamily="49" charset="0"/>
                 </a:rPr>
-                <a:t>(</a:t>
-              </a:r>
-            </a:p>
-            <a:p>
+                <a:t>      </a:t>
+              </a:r>
+              <a:r>
+                <a:rPr lang="en-US" dirty="0">
+                  <a:solidFill>
+                    <a:srgbClr val="EEB1DC"/>
+                  </a:solidFill>
+                  <a:latin typeface="Consolas" panose="020B0609020204030204" pitchFamily="49" charset="0"/>
+                  <a:cs typeface="Consolas" panose="020B0609020204030204" pitchFamily="49" charset="0"/>
+                </a:rPr>
+                <a:t>drug</a:t>
+              </a:r>
               <a:r>
                 <a:rPr lang="en-US" dirty="0">
                   <a:solidFill>
@@ -18955,17 +24457,29 @@
                   <a:latin typeface="Consolas" panose="020B0609020204030204" pitchFamily="49" charset="0"/>
                   <a:cs typeface="Consolas" panose="020B0609020204030204" pitchFamily="49" charset="0"/>
                 </a:rPr>
-                <a:t>      </a:t>
+                <a:t>(</a:t>
               </a:r>
               <a:r>
                 <a:rPr lang="en-US" dirty="0">
                   <a:solidFill>
-                    <a:srgbClr val="EEB1DC"/>
-                  </a:solidFill>
-                  <a:latin typeface="Consolas" panose="020B0609020204030204" pitchFamily="49" charset="0"/>
-                  <a:cs typeface="Consolas" panose="020B0609020204030204" pitchFamily="49" charset="0"/>
-                </a:rPr>
-                <a:t>drug</a:t>
+                    <a:schemeClr val="accent5">
+                      <a:lumMod val="75000"/>
+                    </a:schemeClr>
+                  </a:solidFill>
+                  <a:latin typeface="Consolas" panose="020B0609020204030204" pitchFamily="49" charset="0"/>
+                  <a:cs typeface="Consolas" panose="020B0609020204030204" pitchFamily="49" charset="0"/>
+                </a:rPr>
+                <a:t>CUI: C0025598 </a:t>
+              </a:r>
+              <a:r>
+                <a:rPr lang="en-US" sz="1100" dirty="0">
+                  <a:solidFill>
+                    <a:srgbClr val="C00000"/>
+                  </a:solidFill>
+                  <a:latin typeface="Consolas" panose="020B0609020204030204" pitchFamily="49" charset="0"/>
+                  <a:cs typeface="Consolas" panose="020B0609020204030204" pitchFamily="49" charset="0"/>
+                </a:rPr>
+                <a:t>“metformin”</a:t>
               </a:r>
               <a:r>
                 <a:rPr lang="en-US" dirty="0">
@@ -18977,30 +24491,10 @@
                   <a:latin typeface="Consolas" panose="020B0609020204030204" pitchFamily="49" charset="0"/>
                   <a:cs typeface="Consolas" panose="020B0609020204030204" pitchFamily="49" charset="0"/>
                 </a:rPr>
-                <a:t>(</a:t>
-              </a:r>
-              <a:r>
-                <a:rPr lang="en-US" dirty="0">
-                  <a:solidFill>
-                    <a:schemeClr val="accent5">
-                      <a:lumMod val="75000"/>
-                    </a:schemeClr>
-                  </a:solidFill>
-                  <a:latin typeface="Consolas" panose="020B0609020204030204" pitchFamily="49" charset="0"/>
-                  <a:cs typeface="Consolas" panose="020B0609020204030204" pitchFamily="49" charset="0"/>
-                </a:rPr>
-                <a:t>CUI: C0025598 </a:t>
-              </a:r>
-              <a:r>
-                <a:rPr lang="en-US" sz="1100" dirty="0">
-                  <a:solidFill>
-                    <a:srgbClr val="C00000"/>
-                  </a:solidFill>
-                  <a:latin typeface="Consolas" panose="020B0609020204030204" pitchFamily="49" charset="0"/>
-                  <a:cs typeface="Consolas" panose="020B0609020204030204" pitchFamily="49" charset="0"/>
-                </a:rPr>
-                <a:t>“metformin”</a:t>
-              </a:r>
+                <a:t>)</a:t>
+              </a:r>
+            </a:p>
+            <a:p>
               <a:r>
                 <a:rPr lang="en-US" dirty="0">
                   <a:solidFill>
@@ -19011,7 +24505,7 @@
                   <a:latin typeface="Consolas" panose="020B0609020204030204" pitchFamily="49" charset="0"/>
                   <a:cs typeface="Consolas" panose="020B0609020204030204" pitchFamily="49" charset="0"/>
                 </a:rPr>
-                <a:t>)</a:t>
+                <a:t>    )</a:t>
               </a:r>
             </a:p>
             <a:p>
@@ -19025,7 +24519,19 @@
                   <a:latin typeface="Consolas" panose="020B0609020204030204" pitchFamily="49" charset="0"/>
                   <a:cs typeface="Consolas" panose="020B0609020204030204" pitchFamily="49" charset="0"/>
                 </a:rPr>
-                <a:t>    )</a:t>
+                <a:t>  </a:t>
+              </a:r>
+              <a:r>
+                <a:rPr lang="en-US" dirty="0">
+                  <a:solidFill>
+                    <a:schemeClr val="bg1">
+                      <a:lumMod val="85000"/>
+                    </a:schemeClr>
+                  </a:solidFill>
+                  <a:latin typeface="Consolas" panose="020B0609020204030204" pitchFamily="49" charset="0"/>
+                  <a:cs typeface="Consolas" panose="020B0609020204030204" pitchFamily="49" charset="0"/>
+                </a:rPr>
+                <a:t>)</a:t>
               </a:r>
             </a:p>
             <a:p>
@@ -19033,36 +24539,14 @@
                 <a:rPr lang="en-US" dirty="0">
                   <a:solidFill>
                     <a:schemeClr val="bg1">
-                      <a:lumMod val="65000"/>
+                      <a:lumMod val="85000"/>
                     </a:schemeClr>
                   </a:solidFill>
                   <a:latin typeface="Consolas" panose="020B0609020204030204" pitchFamily="49" charset="0"/>
                   <a:cs typeface="Consolas" panose="020B0609020204030204" pitchFamily="49" charset="0"/>
                 </a:rPr>
-                <a:t>  )</a:t>
-              </a:r>
-              <a:endParaRPr lang="en-US" dirty="0">
-                <a:latin typeface="Consolas" panose="020B0609020204030204" pitchFamily="49" charset="0"/>
-                <a:cs typeface="Consolas" panose="020B0609020204030204" pitchFamily="49" charset="0"/>
-              </a:endParaRPr>
-            </a:p>
-            <a:p>
-              <a:r>
-                <a:rPr lang="en-US" dirty="0">
-                  <a:solidFill>
-                    <a:schemeClr val="bg1">
-                      <a:lumMod val="65000"/>
-                    </a:schemeClr>
-                  </a:solidFill>
-                  <a:latin typeface="Consolas" panose="020B0609020204030204" pitchFamily="49" charset="0"/>
-                  <a:cs typeface="Consolas" panose="020B0609020204030204" pitchFamily="49" charset="0"/>
-                </a:rPr>
                 <a:t>)</a:t>
               </a:r>
-              <a:endParaRPr lang="en-US" dirty="0">
-                <a:latin typeface="Consolas" panose="020B0609020204030204" pitchFamily="49" charset="0"/>
-                <a:cs typeface="Consolas" panose="020B0609020204030204" pitchFamily="49" charset="0"/>
-              </a:endParaRPr>
             </a:p>
           </p:txBody>
         </p:sp>
@@ -19081,7 +24565,7 @@
         </p:nvGrpSpPr>
         <p:grpSpPr>
           <a:xfrm>
-            <a:off x="3592384" y="4561600"/>
+            <a:off x="4647145" y="5063449"/>
             <a:ext cx="2077280" cy="927632"/>
             <a:chOff x="8418431" y="3097540"/>
             <a:chExt cx="2077280" cy="927632"/>
@@ -19410,7 +24894,7 @@
         </p:nvSpPr>
         <p:spPr>
           <a:xfrm rot="18438532">
-            <a:off x="2929710" y="3937956"/>
+            <a:off x="3984471" y="4439805"/>
             <a:ext cx="457200" cy="737170"/>
           </a:xfrm>
           <a:prstGeom prst="downArrow">
@@ -19464,7 +24948,7 @@
         </p:nvSpPr>
         <p:spPr>
           <a:xfrm rot="13576720">
-            <a:off x="6078813" y="3923224"/>
+            <a:off x="7133574" y="4425073"/>
             <a:ext cx="457200" cy="737170"/>
           </a:xfrm>
           <a:prstGeom prst="downArrow">
@@ -19504,52 +24988,24 @@
           </a:p>
         </p:txBody>
       </p:sp>
-    </p:spTree>
-    <p:extLst>
-      <p:ext uri="{BB962C8B-B14F-4D97-AF65-F5344CB8AC3E}">
-        <p14:creationId xmlns:p14="http://schemas.microsoft.com/office/powerpoint/2010/main" val="2163771372"/>
-      </p:ext>
-    </p:extLst>
-  </p:cSld>
-  <p:clrMapOvr>
-    <a:masterClrMapping/>
-  </p:clrMapOvr>
-</p:sld>
-</file>
-
-<file path=ppt/slides/slide6.xml><?xml version="1.0" encoding="utf-8"?>
-<p:sld xmlns:a="http://schemas.openxmlformats.org/drawingml/2006/main" xmlns:r="http://schemas.openxmlformats.org/officeDocument/2006/relationships" xmlns:p="http://schemas.openxmlformats.org/presentationml/2006/main">
-  <p:cSld>
-    <p:spTree>
-      <p:nvGrpSpPr>
-        <p:cNvPr id="1" name=""/>
-        <p:cNvGrpSpPr/>
-        <p:nvPr/>
-      </p:nvGrpSpPr>
-      <p:grpSpPr>
-        <a:xfrm>
-          <a:off x="0" y="0"/>
-          <a:ext cx="0" cy="0"/>
-          <a:chOff x="0" y="0"/>
-          <a:chExt cx="0" cy="0"/>
-        </a:xfrm>
-      </p:grpSpPr>
       <p:cxnSp>
         <p:nvCxnSpPr>
-          <p:cNvPr id="3" name="Straight Connector 2">
+          <p:cNvPr id="27" name="Straight Connector 26">
             <a:extLst>
               <a:ext uri="{FF2B5EF4-FFF2-40B4-BE49-F238E27FC236}">
-                <a16:creationId xmlns:a16="http://schemas.microsoft.com/office/drawing/2014/main" id="{2DBF8E1E-8464-DEAA-D71A-780C4E803DE7}"/>
+                <a16:creationId xmlns:a16="http://schemas.microsoft.com/office/drawing/2014/main" id="{A2685D8D-6961-4480-0C81-023F9C9C8E14}"/>
               </a:ext>
             </a:extLst>
           </p:cNvPr>
-          <p:cNvCxnSpPr/>
+          <p:cNvCxnSpPr>
+            <a:cxnSpLocks/>
+          </p:cNvCxnSpPr>
           <p:nvPr/>
         </p:nvCxnSpPr>
         <p:spPr>
-          <a:xfrm>
-            <a:off x="9873547" y="127000"/>
-            <a:ext cx="0" cy="6604000"/>
+          <a:xfrm flipV="1">
+            <a:off x="93357" y="1060409"/>
+            <a:ext cx="11787124" cy="6413"/>
           </a:xfrm>
           <a:prstGeom prst="line">
             <a:avLst/>
@@ -19584,6 +25040,88 @@
           </a:fontRef>
         </p:style>
       </p:cxnSp>
+      <p:cxnSp>
+        <p:nvCxnSpPr>
+          <p:cNvPr id="28" name="Straight Connector 27">
+            <a:extLst>
+              <a:ext uri="{FF2B5EF4-FFF2-40B4-BE49-F238E27FC236}">
+                <a16:creationId xmlns:a16="http://schemas.microsoft.com/office/drawing/2014/main" id="{4E3CF716-D80D-4049-4116-E4D0354F9373}"/>
+              </a:ext>
+            </a:extLst>
+          </p:cNvPr>
+          <p:cNvCxnSpPr>
+            <a:cxnSpLocks/>
+          </p:cNvCxnSpPr>
+          <p:nvPr/>
+        </p:nvCxnSpPr>
+        <p:spPr>
+          <a:xfrm>
+            <a:off x="5686308" y="1219468"/>
+            <a:ext cx="0" cy="3398797"/>
+          </a:xfrm>
+          <a:prstGeom prst="line">
+            <a:avLst/>
+          </a:prstGeom>
+          <a:ln>
+            <a:solidFill>
+              <a:schemeClr val="bg1">
+                <a:lumMod val="85000"/>
+              </a:schemeClr>
+            </a:solidFill>
+          </a:ln>
+          <a:effectLst>
+            <a:outerShdw blurRad="63500" sx="102000" sy="102000" algn="ctr" rotWithShape="0">
+              <a:prstClr val="black">
+                <a:alpha val="3000"/>
+              </a:prstClr>
+            </a:outerShdw>
+          </a:effectLst>
+        </p:spPr>
+        <p:style>
+          <a:lnRef idx="1">
+            <a:schemeClr val="accent1"/>
+          </a:lnRef>
+          <a:fillRef idx="0">
+            <a:schemeClr val="accent1"/>
+          </a:fillRef>
+          <a:effectRef idx="0">
+            <a:schemeClr val="accent1"/>
+          </a:effectRef>
+          <a:fontRef idx="minor">
+            <a:schemeClr val="tx1"/>
+          </a:fontRef>
+        </p:style>
+      </p:cxnSp>
+    </p:spTree>
+    <p:extLst>
+      <p:ext uri="{BB962C8B-B14F-4D97-AF65-F5344CB8AC3E}">
+        <p14:creationId xmlns:p14="http://schemas.microsoft.com/office/powerpoint/2010/main" val="2163771372"/>
+      </p:ext>
+    </p:extLst>
+  </p:cSld>
+  <p:clrMapOvr>
+    <a:masterClrMapping/>
+  </p:clrMapOvr>
+</p:sld>
+</file>
+
+<file path=ppt/slides/slide7.xml><?xml version="1.0" encoding="utf-8"?>
+<p:sld xmlns:a="http://schemas.openxmlformats.org/drawingml/2006/main" xmlns:r="http://schemas.openxmlformats.org/officeDocument/2006/relationships" xmlns:p="http://schemas.openxmlformats.org/presentationml/2006/main">
+  <p:cSld>
+    <p:spTree>
+      <p:nvGrpSpPr>
+        <p:cNvPr id="1" name=""/>
+        <p:cNvGrpSpPr/>
+        <p:nvPr/>
+      </p:nvGrpSpPr>
+      <p:grpSpPr>
+        <a:xfrm>
+          <a:off x="0" y="0"/>
+          <a:ext cx="0" cy="0"/>
+          <a:chOff x="0" y="0"/>
+          <a:chExt cx="0" cy="0"/>
+        </a:xfrm>
+      </p:grpSpPr>
       <p:sp>
         <p:nvSpPr>
           <p:cNvPr id="123" name="Oval 122">
@@ -19598,7 +25136,7 @@
         </p:nvSpPr>
         <p:spPr>
           <a:xfrm>
-            <a:off x="9765587" y="2501652"/>
+            <a:off x="2824041" y="62532"/>
             <a:ext cx="373795" cy="328330"/>
           </a:xfrm>
           <a:prstGeom prst="ellipse">
@@ -19673,8 +25211,8 @@
         </p:nvSpPr>
         <p:spPr>
           <a:xfrm>
-            <a:off x="10139382" y="2501652"/>
-            <a:ext cx="1980895" cy="3108543"/>
+            <a:off x="3197836" y="62532"/>
+            <a:ext cx="6468814" cy="1384995"/>
           </a:xfrm>
           <a:prstGeom prst="rect">
             <a:avLst/>
@@ -19714,11 +25252,21 @@
               </a:rPr>
               <a:t> Knowledge Base </a:t>
             </a:r>
+            <a:r>
+              <a:rPr lang="en-US" sz="1400" dirty="0">
+                <a:latin typeface="Roboto Light" panose="02000000000000000000" pitchFamily="2" charset="0"/>
+                <a:ea typeface="Roboto Light" panose="02000000000000000000" pitchFamily="2" charset="0"/>
+              </a:rPr>
+              <a:t>to determine:  </a:t>
+            </a:r>
             <a:br>
-              <a:rPr lang="en-US" sz="1400" b="1" dirty="0">
-                <a:solidFill>
-                  <a:schemeClr val="accent6"/>
-                </a:solidFill>
+              <a:rPr lang="en-US" sz="1400" dirty="0">
+                <a:latin typeface="Roboto Light" panose="02000000000000000000" pitchFamily="2" charset="0"/>
+                <a:ea typeface="Roboto Light" panose="02000000000000000000" pitchFamily="2" charset="0"/>
+              </a:rPr>
+            </a:br>
+            <a:br>
+              <a:rPr lang="en-US" sz="1400" dirty="0">
                 <a:latin typeface="Roboto Light" panose="02000000000000000000" pitchFamily="2" charset="0"/>
                 <a:ea typeface="Roboto Light" panose="02000000000000000000" pitchFamily="2" charset="0"/>
               </a:rPr>
@@ -19728,22 +25276,7 @@
                 <a:latin typeface="Roboto Light" panose="02000000000000000000" pitchFamily="2" charset="0"/>
                 <a:ea typeface="Roboto Light" panose="02000000000000000000" pitchFamily="2" charset="0"/>
               </a:rPr>
-              <a:t>to determine: </a:t>
-            </a:r>
-          </a:p>
-          <a:p>
-            <a:endParaRPr lang="en-US" sz="1400" dirty="0">
-              <a:latin typeface="Roboto Light" panose="02000000000000000000" pitchFamily="2" charset="0"/>
-              <a:ea typeface="Roboto Light" panose="02000000000000000000" pitchFamily="2" charset="0"/>
-            </a:endParaRPr>
-          </a:p>
-          <a:p>
-            <a:r>
-              <a:rPr lang="en-US" sz="1400" dirty="0">
-                <a:latin typeface="Roboto Light" panose="02000000000000000000" pitchFamily="2" charset="0"/>
-                <a:ea typeface="Roboto Light" panose="02000000000000000000" pitchFamily="2" charset="0"/>
-              </a:rPr>
-              <a:t>1- Contraindications  2- Indications</a:t>
+              <a:t>(1) Contraindications  (2) Indications (3) Risk factors (4) Signs / symptoms</a:t>
             </a:r>
           </a:p>
           <a:p>
@@ -19752,25 +25285,7 @@
                 <a:latin typeface="Roboto Light" panose="02000000000000000000" pitchFamily="2" charset="0"/>
                 <a:ea typeface="Roboto Light" panose="02000000000000000000" pitchFamily="2" charset="0"/>
               </a:rPr>
-              <a:t>3- Risk factors</a:t>
-            </a:r>
-          </a:p>
-          <a:p>
-            <a:r>
-              <a:rPr lang="en-US" sz="1400" dirty="0">
-                <a:latin typeface="Roboto Light" panose="02000000000000000000" pitchFamily="2" charset="0"/>
-                <a:ea typeface="Roboto Light" panose="02000000000000000000" pitchFamily="2" charset="0"/>
-              </a:rPr>
-              <a:t>4- Signs / symptoms</a:t>
-            </a:r>
-          </a:p>
-          <a:p>
-            <a:r>
-              <a:rPr lang="en-US" sz="1400" dirty="0">
-                <a:latin typeface="Roboto Light" panose="02000000000000000000" pitchFamily="2" charset="0"/>
-                <a:ea typeface="Roboto Light" panose="02000000000000000000" pitchFamily="2" charset="0"/>
-              </a:rPr>
-              <a:t>5- Unspecified criteria (e.g., “conditions that affect respiratory function”).</a:t>
+              <a:t>(5) Unspecified criteria (e.g., “conditions that affect respiratory function”).</a:t>
             </a:r>
           </a:p>
           <a:p>
@@ -19801,7 +25316,7 @@
         </p:nvGrpSpPr>
         <p:grpSpPr>
           <a:xfrm>
-            <a:off x="71723" y="990600"/>
+            <a:off x="180234" y="1168895"/>
             <a:ext cx="4569914" cy="3276600"/>
             <a:chOff x="5795468" y="941294"/>
             <a:chExt cx="3702402" cy="3276600"/>
@@ -19899,8 +25414,24 @@
                   <a:latin typeface="Consolas" panose="020B0609020204030204" pitchFamily="49" charset="0"/>
                   <a:cs typeface="Consolas" panose="020B0609020204030204" pitchFamily="49" charset="0"/>
                 </a:rPr>
-                <a:t>intersect</a:t>
-              </a:r>
+                <a:t>intersect(</a:t>
+              </a:r>
+            </a:p>
+            <a:p>
+              <a:r>
+                <a:rPr lang="en-US" dirty="0">
+                  <a:solidFill>
+                    <a:schemeClr val="bg1">
+                      <a:lumMod val="85000"/>
+                    </a:schemeClr>
+                  </a:solidFill>
+                  <a:latin typeface="Consolas" panose="020B0609020204030204" pitchFamily="49" charset="0"/>
+                  <a:cs typeface="Consolas" panose="020B0609020204030204" pitchFamily="49" charset="0"/>
+                </a:rPr>
+                <a:t>  ...</a:t>
+              </a:r>
+            </a:p>
+            <a:p>
               <a:r>
                 <a:rPr lang="en-US" dirty="0">
                   <a:solidFill>
@@ -19911,14 +25442,8 @@
                   <a:latin typeface="Consolas" panose="020B0609020204030204" pitchFamily="49" charset="0"/>
                   <a:cs typeface="Consolas" panose="020B0609020204030204" pitchFamily="49" charset="0"/>
                 </a:rPr>
-                <a:t>(</a:t>
-              </a:r>
-              <a:endParaRPr lang="en-US" dirty="0">
-                <a:latin typeface="Consolas" panose="020B0609020204030204" pitchFamily="49" charset="0"/>
-                <a:cs typeface="Consolas" panose="020B0609020204030204" pitchFamily="49" charset="0"/>
-              </a:endParaRPr>
-            </a:p>
-            <a:p>
+                <a:t>  </a:t>
+              </a:r>
               <a:r>
                 <a:rPr lang="en-US" dirty="0">
                   <a:solidFill>
@@ -19929,7 +25454,7 @@
                   <a:latin typeface="Consolas" panose="020B0609020204030204" pitchFamily="49" charset="0"/>
                   <a:cs typeface="Consolas" panose="020B0609020204030204" pitchFamily="49" charset="0"/>
                 </a:rPr>
-                <a:t>  ...</a:t>
+                <a:t>neg(</a:t>
               </a:r>
             </a:p>
             <a:p>
@@ -19943,6 +25468,138 @@
                   <a:latin typeface="Consolas" panose="020B0609020204030204" pitchFamily="49" charset="0"/>
                   <a:cs typeface="Consolas" panose="020B0609020204030204" pitchFamily="49" charset="0"/>
                 </a:rPr>
+                <a:t>    </a:t>
+              </a:r>
+              <a:r>
+                <a:rPr lang="en-US" dirty="0">
+                  <a:solidFill>
+                    <a:srgbClr val="EBA78A"/>
+                  </a:solidFill>
+                  <a:latin typeface="Consolas" panose="020B0609020204030204" pitchFamily="49" charset="0"/>
+                  <a:cs typeface="Consolas" panose="020B0609020204030204" pitchFamily="49" charset="0"/>
+                </a:rPr>
+                <a:t>contraindication</a:t>
+              </a:r>
+              <a:r>
+                <a:rPr lang="en-US" dirty="0">
+                  <a:solidFill>
+                    <a:schemeClr val="bg1">
+                      <a:lumMod val="65000"/>
+                    </a:schemeClr>
+                  </a:solidFill>
+                  <a:latin typeface="Consolas" panose="020B0609020204030204" pitchFamily="49" charset="0"/>
+                  <a:cs typeface="Consolas" panose="020B0609020204030204" pitchFamily="49" charset="0"/>
+                </a:rPr>
+                <a:t>(</a:t>
+              </a:r>
+            </a:p>
+            <a:p>
+              <a:r>
+                <a:rPr lang="en-US" dirty="0">
+                  <a:solidFill>
+                    <a:schemeClr val="bg1">
+                      <a:lumMod val="65000"/>
+                    </a:schemeClr>
+                  </a:solidFill>
+                  <a:latin typeface="Consolas" panose="020B0609020204030204" pitchFamily="49" charset="0"/>
+                  <a:cs typeface="Consolas" panose="020B0609020204030204" pitchFamily="49" charset="0"/>
+                </a:rPr>
+                <a:t>      </a:t>
+              </a:r>
+              <a:r>
+                <a:rPr lang="en-US" dirty="0">
+                  <a:solidFill>
+                    <a:srgbClr val="EEB1DC"/>
+                  </a:solidFill>
+                  <a:latin typeface="Consolas" panose="020B0609020204030204" pitchFamily="49" charset="0"/>
+                  <a:cs typeface="Consolas" panose="020B0609020204030204" pitchFamily="49" charset="0"/>
+                </a:rPr>
+                <a:t>drug</a:t>
+              </a:r>
+              <a:r>
+                <a:rPr lang="en-US" dirty="0">
+                  <a:solidFill>
+                    <a:schemeClr val="bg1">
+                      <a:lumMod val="65000"/>
+                    </a:schemeClr>
+                  </a:solidFill>
+                  <a:latin typeface="Consolas" panose="020B0609020204030204" pitchFamily="49" charset="0"/>
+                  <a:cs typeface="Consolas" panose="020B0609020204030204" pitchFamily="49" charset="0"/>
+                </a:rPr>
+                <a:t>(</a:t>
+              </a:r>
+              <a:r>
+                <a:rPr lang="en-US" dirty="0">
+                  <a:solidFill>
+                    <a:schemeClr val="accent5">
+                      <a:lumMod val="75000"/>
+                    </a:schemeClr>
+                  </a:solidFill>
+                  <a:latin typeface="Consolas" panose="020B0609020204030204" pitchFamily="49" charset="0"/>
+                  <a:cs typeface="Consolas" panose="020B0609020204030204" pitchFamily="49" charset="0"/>
+                </a:rPr>
+                <a:t>CUI: C0025598</a:t>
+              </a:r>
+              <a:r>
+                <a:rPr lang="en-US" sz="1100" dirty="0">
+                  <a:solidFill>
+                    <a:schemeClr val="accent5">
+                      <a:lumMod val="75000"/>
+                    </a:schemeClr>
+                  </a:solidFill>
+                  <a:latin typeface="Consolas" panose="020B0609020204030204" pitchFamily="49" charset="0"/>
+                  <a:cs typeface="Consolas" panose="020B0609020204030204" pitchFamily="49" charset="0"/>
+                </a:rPr>
+                <a:t> </a:t>
+              </a:r>
+              <a:r>
+                <a:rPr lang="en-US" sz="1100" dirty="0">
+                  <a:solidFill>
+                    <a:srgbClr val="C00000"/>
+                  </a:solidFill>
+                  <a:latin typeface="Consolas" panose="020B0609020204030204" pitchFamily="49" charset="0"/>
+                  <a:cs typeface="Consolas" panose="020B0609020204030204" pitchFamily="49" charset="0"/>
+                </a:rPr>
+                <a:t>“metformin”</a:t>
+              </a:r>
+              <a:r>
+                <a:rPr lang="en-US" dirty="0">
+                  <a:solidFill>
+                    <a:schemeClr val="bg1">
+                      <a:lumMod val="65000"/>
+                    </a:schemeClr>
+                  </a:solidFill>
+                  <a:latin typeface="Consolas" panose="020B0609020204030204" pitchFamily="49" charset="0"/>
+                  <a:cs typeface="Consolas" panose="020B0609020204030204" pitchFamily="49" charset="0"/>
+                </a:rPr>
+                <a:t>)</a:t>
+              </a:r>
+            </a:p>
+            <a:p>
+              <a:r>
+                <a:rPr lang="en-US" dirty="0">
+                  <a:solidFill>
+                    <a:schemeClr val="bg1">
+                      <a:lumMod val="65000"/>
+                    </a:schemeClr>
+                  </a:solidFill>
+                  <a:latin typeface="Consolas" panose="020B0609020204030204" pitchFamily="49" charset="0"/>
+                  <a:cs typeface="Consolas" panose="020B0609020204030204" pitchFamily="49" charset="0"/>
+                </a:rPr>
+                <a:t>    )</a:t>
+              </a:r>
+            </a:p>
+            <a:p>
+              <a:r>
+                <a:rPr lang="en-US" dirty="0">
+                  <a:solidFill>
+                    <a:schemeClr val="bg1">
+                      <a:lumMod val="65000"/>
+                    </a:schemeClr>
+                  </a:solidFill>
+                  <a:latin typeface="Consolas" panose="020B0609020204030204" pitchFamily="49" charset="0"/>
+                  <a:cs typeface="Consolas" panose="020B0609020204030204" pitchFamily="49" charset="0"/>
+                </a:rPr>
                 <a:t>  </a:t>
               </a:r>
               <a:r>
@@ -19955,19 +25612,7 @@
                   <a:latin typeface="Consolas" panose="020B0609020204030204" pitchFamily="49" charset="0"/>
                   <a:cs typeface="Consolas" panose="020B0609020204030204" pitchFamily="49" charset="0"/>
                 </a:rPr>
-                <a:t>neg</a:t>
-              </a:r>
-              <a:r>
-                <a:rPr lang="en-US" dirty="0">
-                  <a:solidFill>
-                    <a:schemeClr val="bg1">
-                      <a:lumMod val="65000"/>
-                    </a:schemeClr>
-                  </a:solidFill>
-                  <a:latin typeface="Consolas" panose="020B0609020204030204" pitchFamily="49" charset="0"/>
-                  <a:cs typeface="Consolas" panose="020B0609020204030204" pitchFamily="49" charset="0"/>
-                </a:rPr>
-                <a:t>(</a:t>
+                <a:t>)</a:t>
               </a:r>
             </a:p>
             <a:p>
@@ -19975,168 +25620,14 @@
                 <a:rPr lang="en-US" dirty="0">
                   <a:solidFill>
                     <a:schemeClr val="bg1">
-                      <a:lumMod val="65000"/>
+                      <a:lumMod val="85000"/>
                     </a:schemeClr>
                   </a:solidFill>
                   <a:latin typeface="Consolas" panose="020B0609020204030204" pitchFamily="49" charset="0"/>
                   <a:cs typeface="Consolas" panose="020B0609020204030204" pitchFamily="49" charset="0"/>
                 </a:rPr>
-                <a:t>    </a:t>
-              </a:r>
-              <a:r>
-                <a:rPr lang="en-US" dirty="0">
-                  <a:solidFill>
-                    <a:srgbClr val="EBA78A"/>
-                  </a:solidFill>
-                  <a:latin typeface="Consolas" panose="020B0609020204030204" pitchFamily="49" charset="0"/>
-                  <a:cs typeface="Consolas" panose="020B0609020204030204" pitchFamily="49" charset="0"/>
-                </a:rPr>
-                <a:t>contraindication</a:t>
-              </a:r>
-              <a:r>
-                <a:rPr lang="en-US" dirty="0">
-                  <a:solidFill>
-                    <a:schemeClr val="bg1">
-                      <a:lumMod val="65000"/>
-                    </a:schemeClr>
-                  </a:solidFill>
-                  <a:latin typeface="Consolas" panose="020B0609020204030204" pitchFamily="49" charset="0"/>
-                  <a:cs typeface="Consolas" panose="020B0609020204030204" pitchFamily="49" charset="0"/>
-                </a:rPr>
-                <a:t>(</a:t>
-              </a:r>
-            </a:p>
-            <a:p>
-              <a:r>
-                <a:rPr lang="en-US" dirty="0">
-                  <a:solidFill>
-                    <a:schemeClr val="bg1">
-                      <a:lumMod val="65000"/>
-                    </a:schemeClr>
-                  </a:solidFill>
-                  <a:latin typeface="Consolas" panose="020B0609020204030204" pitchFamily="49" charset="0"/>
-                  <a:cs typeface="Consolas" panose="020B0609020204030204" pitchFamily="49" charset="0"/>
-                </a:rPr>
-                <a:t>      </a:t>
-              </a:r>
-              <a:r>
-                <a:rPr lang="en-US" dirty="0">
-                  <a:solidFill>
-                    <a:srgbClr val="EEB1DC"/>
-                  </a:solidFill>
-                  <a:latin typeface="Consolas" panose="020B0609020204030204" pitchFamily="49" charset="0"/>
-                  <a:cs typeface="Consolas" panose="020B0609020204030204" pitchFamily="49" charset="0"/>
-                </a:rPr>
-                <a:t>drug</a:t>
-              </a:r>
-              <a:r>
-                <a:rPr lang="en-US" dirty="0">
-                  <a:solidFill>
-                    <a:schemeClr val="bg1">
-                      <a:lumMod val="65000"/>
-                    </a:schemeClr>
-                  </a:solidFill>
-                  <a:latin typeface="Consolas" panose="020B0609020204030204" pitchFamily="49" charset="0"/>
-                  <a:cs typeface="Consolas" panose="020B0609020204030204" pitchFamily="49" charset="0"/>
-                </a:rPr>
-                <a:t>(</a:t>
-              </a:r>
-              <a:r>
-                <a:rPr lang="en-US" dirty="0">
-                  <a:solidFill>
-                    <a:schemeClr val="accent5">
-                      <a:lumMod val="75000"/>
-                    </a:schemeClr>
-                  </a:solidFill>
-                  <a:latin typeface="Consolas" panose="020B0609020204030204" pitchFamily="49" charset="0"/>
-                  <a:cs typeface="Consolas" panose="020B0609020204030204" pitchFamily="49" charset="0"/>
-                </a:rPr>
-                <a:t>CUI: C0025598</a:t>
-              </a:r>
-              <a:r>
-                <a:rPr lang="en-US" sz="1100" dirty="0">
-                  <a:solidFill>
-                    <a:schemeClr val="accent5">
-                      <a:lumMod val="75000"/>
-                    </a:schemeClr>
-                  </a:solidFill>
-                  <a:latin typeface="Consolas" panose="020B0609020204030204" pitchFamily="49" charset="0"/>
-                  <a:cs typeface="Consolas" panose="020B0609020204030204" pitchFamily="49" charset="0"/>
-                </a:rPr>
-                <a:t> </a:t>
-              </a:r>
-              <a:r>
-                <a:rPr lang="en-US" sz="1100" dirty="0">
-                  <a:solidFill>
-                    <a:srgbClr val="C00000"/>
-                  </a:solidFill>
-                  <a:latin typeface="Consolas" panose="020B0609020204030204" pitchFamily="49" charset="0"/>
-                  <a:cs typeface="Consolas" panose="020B0609020204030204" pitchFamily="49" charset="0"/>
-                </a:rPr>
-                <a:t>“metformin”</a:t>
-              </a:r>
-              <a:r>
-                <a:rPr lang="en-US" dirty="0">
-                  <a:solidFill>
-                    <a:schemeClr val="bg1">
-                      <a:lumMod val="65000"/>
-                    </a:schemeClr>
-                  </a:solidFill>
-                  <a:latin typeface="Consolas" panose="020B0609020204030204" pitchFamily="49" charset="0"/>
-                  <a:cs typeface="Consolas" panose="020B0609020204030204" pitchFamily="49" charset="0"/>
-                </a:rPr>
                 <a:t>)</a:t>
               </a:r>
-            </a:p>
-            <a:p>
-              <a:r>
-                <a:rPr lang="en-US" dirty="0">
-                  <a:solidFill>
-                    <a:schemeClr val="bg1">
-                      <a:lumMod val="65000"/>
-                    </a:schemeClr>
-                  </a:solidFill>
-                  <a:latin typeface="Consolas" panose="020B0609020204030204" pitchFamily="49" charset="0"/>
-                  <a:cs typeface="Consolas" panose="020B0609020204030204" pitchFamily="49" charset="0"/>
-                </a:rPr>
-                <a:t>    )</a:t>
-              </a:r>
-            </a:p>
-            <a:p>
-              <a:r>
-                <a:rPr lang="en-US" dirty="0">
-                  <a:solidFill>
-                    <a:schemeClr val="bg1">
-                      <a:lumMod val="65000"/>
-                    </a:schemeClr>
-                  </a:solidFill>
-                  <a:latin typeface="Consolas" panose="020B0609020204030204" pitchFamily="49" charset="0"/>
-                  <a:cs typeface="Consolas" panose="020B0609020204030204" pitchFamily="49" charset="0"/>
-                </a:rPr>
-                <a:t>  )</a:t>
-              </a:r>
-              <a:endParaRPr lang="en-US" dirty="0">
-                <a:latin typeface="Consolas" panose="020B0609020204030204" pitchFamily="49" charset="0"/>
-                <a:cs typeface="Consolas" panose="020B0609020204030204" pitchFamily="49" charset="0"/>
-              </a:endParaRPr>
-            </a:p>
-            <a:p>
-              <a:r>
-                <a:rPr lang="en-US" dirty="0">
-                  <a:solidFill>
-                    <a:schemeClr val="bg1">
-                      <a:lumMod val="65000"/>
-                    </a:schemeClr>
-                  </a:solidFill>
-                  <a:latin typeface="Consolas" panose="020B0609020204030204" pitchFamily="49" charset="0"/>
-                  <a:cs typeface="Consolas" panose="020B0609020204030204" pitchFamily="49" charset="0"/>
-                </a:rPr>
-                <a:t>)</a:t>
-              </a:r>
-              <a:endParaRPr lang="en-US" dirty="0">
-                <a:latin typeface="Consolas" panose="020B0609020204030204" pitchFamily="49" charset="0"/>
-                <a:cs typeface="Consolas" panose="020B0609020204030204" pitchFamily="49" charset="0"/>
-              </a:endParaRPr>
             </a:p>
           </p:txBody>
         </p:sp>
@@ -20155,7 +25646,7 @@
         </p:nvGrpSpPr>
         <p:grpSpPr>
           <a:xfrm>
-            <a:off x="4848604" y="990600"/>
+            <a:off x="6986829" y="1168895"/>
             <a:ext cx="5024937" cy="3276600"/>
             <a:chOff x="5795467" y="941294"/>
             <a:chExt cx="4071047" cy="3276600"/>
@@ -20253,8 +25744,24 @@
                   <a:latin typeface="Consolas" panose="020B0609020204030204" pitchFamily="49" charset="0"/>
                   <a:cs typeface="Consolas" panose="020B0609020204030204" pitchFamily="49" charset="0"/>
                 </a:rPr>
-                <a:t>intersect</a:t>
-              </a:r>
+                <a:t>intersect(</a:t>
+              </a:r>
+            </a:p>
+            <a:p>
+              <a:r>
+                <a:rPr lang="en-US" dirty="0">
+                  <a:solidFill>
+                    <a:schemeClr val="bg1">
+                      <a:lumMod val="85000"/>
+                    </a:schemeClr>
+                  </a:solidFill>
+                  <a:latin typeface="Consolas" panose="020B0609020204030204" pitchFamily="49" charset="0"/>
+                  <a:cs typeface="Consolas" panose="020B0609020204030204" pitchFamily="49" charset="0"/>
+                </a:rPr>
+                <a:t>  ...</a:t>
+              </a:r>
+            </a:p>
+            <a:p>
               <a:r>
                 <a:rPr lang="en-US" dirty="0">
                   <a:solidFill>
@@ -20265,14 +25772,8 @@
                   <a:latin typeface="Consolas" panose="020B0609020204030204" pitchFamily="49" charset="0"/>
                   <a:cs typeface="Consolas" panose="020B0609020204030204" pitchFamily="49" charset="0"/>
                 </a:rPr>
-                <a:t>(</a:t>
-              </a:r>
-              <a:endParaRPr lang="en-US" dirty="0">
-                <a:latin typeface="Consolas" panose="020B0609020204030204" pitchFamily="49" charset="0"/>
-                <a:cs typeface="Consolas" panose="020B0609020204030204" pitchFamily="49" charset="0"/>
-              </a:endParaRPr>
-            </a:p>
-            <a:p>
+                <a:t>  </a:t>
+              </a:r>
               <a:r>
                 <a:rPr lang="en-US" dirty="0">
                   <a:solidFill>
@@ -20283,45 +25784,7 @@
                   <a:latin typeface="Consolas" panose="020B0609020204030204" pitchFamily="49" charset="0"/>
                   <a:cs typeface="Consolas" panose="020B0609020204030204" pitchFamily="49" charset="0"/>
                 </a:rPr>
-                <a:t>  ...</a:t>
-              </a:r>
-            </a:p>
-            <a:p>
-              <a:r>
-                <a:rPr lang="en-US" dirty="0">
-                  <a:solidFill>
-                    <a:schemeClr val="bg1">
-                      <a:lumMod val="65000"/>
-                    </a:schemeClr>
-                  </a:solidFill>
-                  <a:latin typeface="Consolas" panose="020B0609020204030204" pitchFamily="49" charset="0"/>
-                  <a:cs typeface="Consolas" panose="020B0609020204030204" pitchFamily="49" charset="0"/>
-                </a:rPr>
-                <a:t>  </a:t>
-              </a:r>
-              <a:r>
-                <a:rPr lang="en-US" dirty="0">
-                  <a:solidFill>
-                    <a:schemeClr val="bg1">
-                      <a:lumMod val="85000"/>
-                    </a:schemeClr>
-                  </a:solidFill>
-                  <a:latin typeface="Consolas" panose="020B0609020204030204" pitchFamily="49" charset="0"/>
-                  <a:cs typeface="Consolas" panose="020B0609020204030204" pitchFamily="49" charset="0"/>
-                </a:rPr>
-                <a:t>neg</a:t>
-              </a:r>
-              <a:r>
-                <a:rPr lang="en-US" dirty="0">
-                  <a:solidFill>
-                    <a:schemeClr val="bg1">
-                      <a:lumMod val="65000"/>
-                    </a:schemeClr>
-                  </a:solidFill>
-                  <a:latin typeface="Consolas" panose="020B0609020204030204" pitchFamily="49" charset="0"/>
-                  <a:cs typeface="Consolas" panose="020B0609020204030204" pitchFamily="49" charset="0"/>
-                </a:rPr>
-                <a:t>(</a:t>
+                <a:t>neg(</a:t>
               </a:r>
             </a:p>
             <a:p>
@@ -20724,19 +26187,27 @@
                   <a:latin typeface="Consolas" panose="020B0609020204030204" pitchFamily="49" charset="0"/>
                   <a:cs typeface="Consolas" panose="020B0609020204030204" pitchFamily="49" charset="0"/>
                 </a:rPr>
-                <a:t>  )</a:t>
-              </a:r>
-              <a:endParaRPr lang="en-US" dirty="0">
-                <a:latin typeface="Consolas" panose="020B0609020204030204" pitchFamily="49" charset="0"/>
-                <a:cs typeface="Consolas" panose="020B0609020204030204" pitchFamily="49" charset="0"/>
-              </a:endParaRPr>
+                <a:t>  </a:t>
+              </a:r>
+              <a:r>
+                <a:rPr lang="en-US" dirty="0">
+                  <a:solidFill>
+                    <a:schemeClr val="bg1">
+                      <a:lumMod val="85000"/>
+                    </a:schemeClr>
+                  </a:solidFill>
+                  <a:latin typeface="Consolas" panose="020B0609020204030204" pitchFamily="49" charset="0"/>
+                  <a:cs typeface="Consolas" panose="020B0609020204030204" pitchFamily="49" charset="0"/>
+                </a:rPr>
+                <a:t>)</a:t>
+              </a:r>
             </a:p>
             <a:p>
               <a:r>
                 <a:rPr lang="en-US" dirty="0">
                   <a:solidFill>
                     <a:schemeClr val="bg1">
-                      <a:lumMod val="65000"/>
+                      <a:lumMod val="85000"/>
                     </a:schemeClr>
                   </a:solidFill>
                   <a:latin typeface="Consolas" panose="020B0609020204030204" pitchFamily="49" charset="0"/>
@@ -20744,10 +26215,6 @@
                 </a:rPr>
                 <a:t>)</a:t>
               </a:r>
-              <a:endParaRPr lang="en-US" dirty="0">
-                <a:latin typeface="Consolas" panose="020B0609020204030204" pitchFamily="49" charset="0"/>
-                <a:cs typeface="Consolas" panose="020B0609020204030204" pitchFamily="49" charset="0"/>
-              </a:endParaRPr>
             </a:p>
           </p:txBody>
         </p:sp>
@@ -20766,7 +26233,7 @@
         </p:nvGrpSpPr>
         <p:grpSpPr>
           <a:xfrm>
-            <a:off x="2760119" y="4309969"/>
+            <a:off x="3827667" y="4284475"/>
             <a:ext cx="3552041" cy="2611817"/>
             <a:chOff x="6670803" y="59599"/>
             <a:chExt cx="3552041" cy="2611817"/>
@@ -22400,7 +27867,7 @@
         </p:nvSpPr>
         <p:spPr>
           <a:xfrm rot="18438532">
-            <a:off x="2506899" y="3920000"/>
+            <a:off x="2637549" y="4107089"/>
             <a:ext cx="457200" cy="737170"/>
           </a:xfrm>
           <a:prstGeom prst="downArrow">
@@ -22454,7 +27921,7 @@
         </p:nvSpPr>
         <p:spPr>
           <a:xfrm rot="13576720">
-            <a:off x="6588259" y="3895862"/>
+            <a:off x="8746575" y="4144964"/>
             <a:ext cx="457200" cy="737170"/>
           </a:xfrm>
           <a:prstGeom prst="downArrow">
@@ -22494,6 +27961,110 @@
           </a:p>
         </p:txBody>
       </p:sp>
+      <p:cxnSp>
+        <p:nvCxnSpPr>
+          <p:cNvPr id="59" name="Straight Connector 58">
+            <a:extLst>
+              <a:ext uri="{FF2B5EF4-FFF2-40B4-BE49-F238E27FC236}">
+                <a16:creationId xmlns:a16="http://schemas.microsoft.com/office/drawing/2014/main" id="{82624213-45BD-F638-CE6E-6F0B4859A518}"/>
+              </a:ext>
+            </a:extLst>
+          </p:cNvPr>
+          <p:cNvCxnSpPr>
+            <a:cxnSpLocks/>
+          </p:cNvCxnSpPr>
+          <p:nvPr/>
+        </p:nvCxnSpPr>
+        <p:spPr>
+          <a:xfrm flipV="1">
+            <a:off x="93357" y="1060409"/>
+            <a:ext cx="11787124" cy="6413"/>
+          </a:xfrm>
+          <a:prstGeom prst="line">
+            <a:avLst/>
+          </a:prstGeom>
+          <a:ln>
+            <a:solidFill>
+              <a:schemeClr val="bg1">
+                <a:lumMod val="85000"/>
+              </a:schemeClr>
+            </a:solidFill>
+          </a:ln>
+          <a:effectLst>
+            <a:outerShdw blurRad="63500" sx="102000" sy="102000" algn="ctr" rotWithShape="0">
+              <a:prstClr val="black">
+                <a:alpha val="3000"/>
+              </a:prstClr>
+            </a:outerShdw>
+          </a:effectLst>
+        </p:spPr>
+        <p:style>
+          <a:lnRef idx="1">
+            <a:schemeClr val="accent1"/>
+          </a:lnRef>
+          <a:fillRef idx="0">
+            <a:schemeClr val="accent1"/>
+          </a:fillRef>
+          <a:effectRef idx="0">
+            <a:schemeClr val="accent1"/>
+          </a:effectRef>
+          <a:fontRef idx="minor">
+            <a:schemeClr val="tx1"/>
+          </a:fontRef>
+        </p:style>
+      </p:cxnSp>
+      <p:cxnSp>
+        <p:nvCxnSpPr>
+          <p:cNvPr id="60" name="Straight Connector 59">
+            <a:extLst>
+              <a:ext uri="{FF2B5EF4-FFF2-40B4-BE49-F238E27FC236}">
+                <a16:creationId xmlns:a16="http://schemas.microsoft.com/office/drawing/2014/main" id="{27D333DD-F6CC-3533-91DA-9E67C2C775AA}"/>
+              </a:ext>
+            </a:extLst>
+          </p:cNvPr>
+          <p:cNvCxnSpPr>
+            <a:cxnSpLocks/>
+          </p:cNvCxnSpPr>
+          <p:nvPr/>
+        </p:nvCxnSpPr>
+        <p:spPr>
+          <a:xfrm>
+            <a:off x="5812129" y="1167222"/>
+            <a:ext cx="0" cy="3089543"/>
+          </a:xfrm>
+          <a:prstGeom prst="line">
+            <a:avLst/>
+          </a:prstGeom>
+          <a:ln>
+            <a:solidFill>
+              <a:schemeClr val="bg1">
+                <a:lumMod val="85000"/>
+              </a:schemeClr>
+            </a:solidFill>
+          </a:ln>
+          <a:effectLst>
+            <a:outerShdw blurRad="63500" sx="102000" sy="102000" algn="ctr" rotWithShape="0">
+              <a:prstClr val="black">
+                <a:alpha val="3000"/>
+              </a:prstClr>
+            </a:outerShdw>
+          </a:effectLst>
+        </p:spPr>
+        <p:style>
+          <a:lnRef idx="1">
+            <a:schemeClr val="accent1"/>
+          </a:lnRef>
+          <a:fillRef idx="0">
+            <a:schemeClr val="accent1"/>
+          </a:fillRef>
+          <a:effectRef idx="0">
+            <a:schemeClr val="accent1"/>
+          </a:effectRef>
+          <a:fontRef idx="minor">
+            <a:schemeClr val="tx1"/>
+          </a:fontRef>
+        </p:style>
+      </p:cxnSp>
     </p:spTree>
     <p:extLst>
       <p:ext uri="{BB962C8B-B14F-4D97-AF65-F5344CB8AC3E}">

--- a/2_query_gen/paper2_figures.pptx
+++ b/2_query_gen/paper2_figures.pptx
@@ -5,7 +5,7 @@
     <p:sldMasterId id="2147483648" r:id="rId1"/>
   </p:sldMasterIdLst>
   <p:notesMasterIdLst>
-    <p:notesMasterId r:id="rId9"/>
+    <p:notesMasterId r:id="rId10"/>
   </p:notesMasterIdLst>
   <p:sldIdLst>
     <p:sldId id="256" r:id="rId2"/>
@@ -15,6 +15,7 @@
     <p:sldId id="262" r:id="rId6"/>
     <p:sldId id="263" r:id="rId7"/>
     <p:sldId id="264" r:id="rId8"/>
+    <p:sldId id="268" r:id="rId9"/>
   </p:sldIdLst>
   <p:sldSz cx="12192000" cy="6858000"/>
   <p:notesSz cx="6858000" cy="9144000"/>
@@ -203,7 +204,7 @@
           <a:p>
             <a:fld id="{42A7560E-CF1B-6641-BCF4-14C496C90A0E}" type="datetimeFigureOut">
               <a:rPr lang="en-US" smtClean="0"/>
-              <a:t>7/8/22</a:t>
+              <a:t>8/3/22</a:t>
             </a:fld>
             <a:endParaRPr lang="en-US"/>
           </a:p>
@@ -701,7 +702,7 @@
           <a:p>
             <a:fld id="{2DCC8752-14D1-7C42-B332-30A088D89386}" type="datetimeFigureOut">
               <a:rPr lang="en-US" smtClean="0"/>
-              <a:t>7/6/22</a:t>
+              <a:t>8/3/22</a:t>
             </a:fld>
             <a:endParaRPr lang="en-US"/>
           </a:p>
@@ -899,7 +900,7 @@
           <a:p>
             <a:fld id="{2DCC8752-14D1-7C42-B332-30A088D89386}" type="datetimeFigureOut">
               <a:rPr lang="en-US" smtClean="0"/>
-              <a:t>7/6/22</a:t>
+              <a:t>8/3/22</a:t>
             </a:fld>
             <a:endParaRPr lang="en-US"/>
           </a:p>
@@ -1107,7 +1108,7 @@
           <a:p>
             <a:fld id="{2DCC8752-14D1-7C42-B332-30A088D89386}" type="datetimeFigureOut">
               <a:rPr lang="en-US" smtClean="0"/>
-              <a:t>7/6/22</a:t>
+              <a:t>8/3/22</a:t>
             </a:fld>
             <a:endParaRPr lang="en-US"/>
           </a:p>
@@ -1305,7 +1306,7 @@
           <a:p>
             <a:fld id="{2DCC8752-14D1-7C42-B332-30A088D89386}" type="datetimeFigureOut">
               <a:rPr lang="en-US" smtClean="0"/>
-              <a:t>7/6/22</a:t>
+              <a:t>8/3/22</a:t>
             </a:fld>
             <a:endParaRPr lang="en-US"/>
           </a:p>
@@ -1580,7 +1581,7 @@
           <a:p>
             <a:fld id="{2DCC8752-14D1-7C42-B332-30A088D89386}" type="datetimeFigureOut">
               <a:rPr lang="en-US" smtClean="0"/>
-              <a:t>7/6/22</a:t>
+              <a:t>8/3/22</a:t>
             </a:fld>
             <a:endParaRPr lang="en-US"/>
           </a:p>
@@ -1845,7 +1846,7 @@
           <a:p>
             <a:fld id="{2DCC8752-14D1-7C42-B332-30A088D89386}" type="datetimeFigureOut">
               <a:rPr lang="en-US" smtClean="0"/>
-              <a:t>7/6/22</a:t>
+              <a:t>8/3/22</a:t>
             </a:fld>
             <a:endParaRPr lang="en-US"/>
           </a:p>
@@ -2257,7 +2258,7 @@
           <a:p>
             <a:fld id="{2DCC8752-14D1-7C42-B332-30A088D89386}" type="datetimeFigureOut">
               <a:rPr lang="en-US" smtClean="0"/>
-              <a:t>7/6/22</a:t>
+              <a:t>8/3/22</a:t>
             </a:fld>
             <a:endParaRPr lang="en-US"/>
           </a:p>
@@ -2398,7 +2399,7 @@
           <a:p>
             <a:fld id="{2DCC8752-14D1-7C42-B332-30A088D89386}" type="datetimeFigureOut">
               <a:rPr lang="en-US" smtClean="0"/>
-              <a:t>7/6/22</a:t>
+              <a:t>8/3/22</a:t>
             </a:fld>
             <a:endParaRPr lang="en-US"/>
           </a:p>
@@ -2511,7 +2512,7 @@
           <a:p>
             <a:fld id="{2DCC8752-14D1-7C42-B332-30A088D89386}" type="datetimeFigureOut">
               <a:rPr lang="en-US" smtClean="0"/>
-              <a:t>7/6/22</a:t>
+              <a:t>8/3/22</a:t>
             </a:fld>
             <a:endParaRPr lang="en-US"/>
           </a:p>
@@ -2822,7 +2823,7 @@
           <a:p>
             <a:fld id="{2DCC8752-14D1-7C42-B332-30A088D89386}" type="datetimeFigureOut">
               <a:rPr lang="en-US" smtClean="0"/>
-              <a:t>7/6/22</a:t>
+              <a:t>8/3/22</a:t>
             </a:fld>
             <a:endParaRPr lang="en-US"/>
           </a:p>
@@ -3110,7 +3111,7 @@
           <a:p>
             <a:fld id="{2DCC8752-14D1-7C42-B332-30A088D89386}" type="datetimeFigureOut">
               <a:rPr lang="en-US" smtClean="0"/>
-              <a:t>7/6/22</a:t>
+              <a:t>8/3/22</a:t>
             </a:fld>
             <a:endParaRPr lang="en-US"/>
           </a:p>
@@ -3351,7 +3352,7 @@
           <a:p>
             <a:fld id="{2DCC8752-14D1-7C42-B332-30A088D89386}" type="datetimeFigureOut">
               <a:rPr lang="en-US" smtClean="0"/>
-              <a:t>7/6/22</a:t>
+              <a:t>8/3/22</a:t>
             </a:fld>
             <a:endParaRPr lang="en-US"/>
           </a:p>
@@ -3817,6 +3818,64 @@
           <a:p>
             <a:pPr algn="ctr"/>
             <a:endParaRPr lang="en-US"/>
+          </a:p>
+        </p:txBody>
+      </p:sp>
+      <p:sp>
+        <p:nvSpPr>
+          <p:cNvPr id="1070" name="Rounded Rectangle 1069">
+            <a:extLst>
+              <a:ext uri="{FF2B5EF4-FFF2-40B4-BE49-F238E27FC236}">
+                <a16:creationId xmlns:a16="http://schemas.microsoft.com/office/drawing/2014/main" id="{0CD3E6A8-2CCA-C2B3-23BB-3DCDB907119A}"/>
+              </a:ext>
+            </a:extLst>
+          </p:cNvPr>
+          <p:cNvSpPr/>
+          <p:nvPr/>
+        </p:nvSpPr>
+        <p:spPr>
+          <a:xfrm>
+            <a:off x="3046684" y="98495"/>
+            <a:ext cx="7203307" cy="6251142"/>
+          </a:xfrm>
+          <a:prstGeom prst="roundRect">
+            <a:avLst/>
+          </a:prstGeom>
+          <a:solidFill>
+            <a:srgbClr val="E3E8F7">
+              <a:alpha val="50196"/>
+            </a:srgbClr>
+          </a:solidFill>
+          <a:ln>
+            <a:noFill/>
+          </a:ln>
+        </p:spPr>
+        <p:style>
+          <a:lnRef idx="2">
+            <a:schemeClr val="accent1">
+              <a:shade val="50000"/>
+            </a:schemeClr>
+          </a:lnRef>
+          <a:fillRef idx="1">
+            <a:schemeClr val="accent1"/>
+          </a:fillRef>
+          <a:effectRef idx="0">
+            <a:schemeClr val="accent1"/>
+          </a:effectRef>
+          <a:fontRef idx="minor">
+            <a:schemeClr val="lt1"/>
+          </a:fontRef>
+        </p:style>
+        <p:txBody>
+          <a:bodyPr rtlCol="0" anchor="ctr"/>
+          <a:lstStyle/>
+          <a:p>
+            <a:pPr algn="ctr"/>
+            <a:endParaRPr lang="en-US">
+              <a:solidFill>
+                <a:srgbClr val="E3E8F7"/>
+              </a:solidFill>
+            </a:endParaRPr>
           </a:p>
         </p:txBody>
       </p:sp>
@@ -6895,8 +6954,8 @@
             </p:nvSpPr>
             <p:spPr>
               <a:xfrm>
-                <a:off x="7061184" y="2092485"/>
-                <a:ext cx="1399742" cy="430887"/>
+                <a:off x="7074812" y="2092485"/>
+                <a:ext cx="1372492" cy="261610"/>
               </a:xfrm>
               <a:prstGeom prst="rect">
                 <a:avLst/>
@@ -6915,20 +6974,7 @@
                     <a:latin typeface="Roboto Light" panose="02000000000000000000" pitchFamily="2" charset="0"/>
                     <a:ea typeface="Roboto Light" panose="02000000000000000000" pitchFamily="2" charset="0"/>
                   </a:rPr>
-                  <a:t>ICD{9|10}, SNOMED</a:t>
-                </a:r>
-                <a:br>
-                  <a:rPr lang="en-US" sz="1100" dirty="0">
-                    <a:latin typeface="Roboto Light" panose="02000000000000000000" pitchFamily="2" charset="0"/>
-                    <a:ea typeface="Roboto Light" panose="02000000000000000000" pitchFamily="2" charset="0"/>
-                  </a:rPr>
-                </a:br>
-                <a:r>
-                  <a:rPr lang="en-US" sz="1100" dirty="0">
-                    <a:latin typeface="Roboto Light" panose="02000000000000000000" pitchFamily="2" charset="0"/>
-                    <a:ea typeface="Roboto Light" panose="02000000000000000000" pitchFamily="2" charset="0"/>
-                  </a:rPr>
-                  <a:t>Mappings</a:t>
+                  <a:t>COVID-19 Ontology</a:t>
                 </a:r>
               </a:p>
             </p:txBody>
@@ -8325,7 +8371,7 @@
           </p:nvSpPr>
           <p:spPr>
             <a:xfrm>
-              <a:off x="5127537" y="3585919"/>
+              <a:off x="4212743" y="3366547"/>
               <a:ext cx="205740" cy="188258"/>
             </a:xfrm>
             <a:prstGeom prst="ellipse">
@@ -8897,64 +8943,6 @@
           </a:prstGeom>
         </p:spPr>
       </p:pic>
-      <p:sp>
-        <p:nvSpPr>
-          <p:cNvPr id="1070" name="Rounded Rectangle 1069">
-            <a:extLst>
-              <a:ext uri="{FF2B5EF4-FFF2-40B4-BE49-F238E27FC236}">
-                <a16:creationId xmlns:a16="http://schemas.microsoft.com/office/drawing/2014/main" id="{0CD3E6A8-2CCA-C2B3-23BB-3DCDB907119A}"/>
-              </a:ext>
-            </a:extLst>
-          </p:cNvPr>
-          <p:cNvSpPr/>
-          <p:nvPr/>
-        </p:nvSpPr>
-        <p:spPr>
-          <a:xfrm>
-            <a:off x="3046684" y="98495"/>
-            <a:ext cx="7203307" cy="6251142"/>
-          </a:xfrm>
-          <a:prstGeom prst="roundRect">
-            <a:avLst/>
-          </a:prstGeom>
-          <a:solidFill>
-            <a:schemeClr val="accent1">
-              <a:alpha val="5098"/>
-            </a:schemeClr>
-          </a:solidFill>
-          <a:ln>
-            <a:noFill/>
-          </a:ln>
-        </p:spPr>
-        <p:style>
-          <a:lnRef idx="2">
-            <a:schemeClr val="accent1">
-              <a:shade val="50000"/>
-            </a:schemeClr>
-          </a:lnRef>
-          <a:fillRef idx="1">
-            <a:schemeClr val="accent1"/>
-          </a:fillRef>
-          <a:effectRef idx="0">
-            <a:schemeClr val="accent1"/>
-          </a:effectRef>
-          <a:fontRef idx="minor">
-            <a:schemeClr val="lt1"/>
-          </a:fontRef>
-        </p:style>
-        <p:txBody>
-          <a:bodyPr rtlCol="0" anchor="ctr"/>
-          <a:lstStyle/>
-          <a:p>
-            <a:pPr algn="ctr"/>
-            <a:endParaRPr lang="en-US">
-              <a:solidFill>
-                <a:srgbClr val="E3E8F7"/>
-              </a:solidFill>
-            </a:endParaRPr>
-          </a:p>
-        </p:txBody>
-      </p:sp>
     </p:spTree>
     <p:extLst>
       <p:ext uri="{BB962C8B-B14F-4D97-AF65-F5344CB8AC3E}">
@@ -8999,7 +8987,7 @@
         </p:nvSpPr>
         <p:spPr>
           <a:xfrm>
-            <a:off x="-1134318" y="1"/>
+            <a:off x="-1134319" y="3514"/>
             <a:ext cx="13195602" cy="7588468"/>
           </a:xfrm>
           <a:prstGeom prst="rect">
@@ -13835,8 +13823,8 @@
             <a:pPr algn="ctr"/>
             <a:r>
               <a:rPr lang="en-US" sz="1100" dirty="0">
-                <a:latin typeface="Roboto Light" panose="02000000000000000000" pitchFamily="2" charset="0"/>
-                <a:ea typeface="Roboto Light" panose="02000000000000000000" pitchFamily="2" charset="0"/>
+                <a:latin typeface="Roboto" panose="02000000000000000000" pitchFamily="2" charset="0"/>
+                <a:ea typeface="Roboto" panose="02000000000000000000" pitchFamily="2" charset="0"/>
               </a:rPr>
               <a:t>Raw input</a:t>
             </a:r>
@@ -13857,8 +13845,8 @@
         </p:nvSpPr>
         <p:spPr>
           <a:xfrm>
-            <a:off x="-1074553" y="1636508"/>
-            <a:ext cx="1133508" cy="602841"/>
+            <a:off x="-1074554" y="1636508"/>
+            <a:ext cx="1219331" cy="602841"/>
           </a:xfrm>
           <a:prstGeom prst="roundRect">
             <a:avLst/>
@@ -13890,8 +13878,8 @@
             <a:pPr algn="ctr"/>
             <a:r>
               <a:rPr lang="en-US" sz="1100" dirty="0">
-                <a:latin typeface="Roboto Light" panose="02000000000000000000" pitchFamily="2" charset="0"/>
-                <a:ea typeface="Roboto Light" panose="02000000000000000000" pitchFamily="2" charset="0"/>
+                <a:latin typeface="Roboto" panose="02000000000000000000" pitchFamily="2" charset="0"/>
+                <a:ea typeface="Roboto" panose="02000000000000000000" pitchFamily="2" charset="0"/>
               </a:rPr>
               <a:t>Predict named entities and relations</a:t>
             </a:r>
@@ -13912,8 +13900,8 @@
         </p:nvSpPr>
         <p:spPr>
           <a:xfrm>
-            <a:off x="-1032188" y="4003177"/>
-            <a:ext cx="1054931" cy="583426"/>
+            <a:off x="-1058905" y="3977948"/>
+            <a:ext cx="1176965" cy="583426"/>
           </a:xfrm>
           <a:prstGeom prst="roundRect">
             <a:avLst/>
@@ -13945,8 +13933,8 @@
             <a:pPr algn="ctr"/>
             <a:r>
               <a:rPr lang="en-US" sz="1100" dirty="0">
-                <a:latin typeface="Roboto Light" panose="02000000000000000000" pitchFamily="2" charset="0"/>
-                <a:ea typeface="Roboto Light" panose="02000000000000000000" pitchFamily="2" charset="0"/>
+                <a:latin typeface="Roboto" panose="02000000000000000000" pitchFamily="2" charset="0"/>
+                <a:ea typeface="Roboto" panose="02000000000000000000" pitchFamily="2" charset="0"/>
               </a:rPr>
               <a:t>Transform to logical form input string</a:t>
             </a:r>
@@ -14000,8 +13988,8 @@
             <a:pPr algn="ctr"/>
             <a:r>
               <a:rPr lang="en-US" sz="1100" dirty="0">
-                <a:latin typeface="Roboto Light" panose="02000000000000000000" pitchFamily="2" charset="0"/>
-                <a:ea typeface="Roboto Light" panose="02000000000000000000" pitchFamily="2" charset="0"/>
+                <a:latin typeface="Roboto" panose="02000000000000000000" pitchFamily="2" charset="0"/>
+                <a:ea typeface="Roboto" panose="02000000000000000000" pitchFamily="2" charset="0"/>
               </a:rPr>
               <a:t>Predict logical form structure</a:t>
             </a:r>
@@ -14202,8 +14190,8 @@
             <a:pPr algn="ctr"/>
             <a:r>
               <a:rPr lang="en-US" sz="1100" dirty="0">
-                <a:latin typeface="Roboto Light" panose="02000000000000000000" pitchFamily="2" charset="0"/>
-                <a:ea typeface="Roboto Light" panose="02000000000000000000" pitchFamily="2" charset="0"/>
+                <a:latin typeface="Roboto" panose="02000000000000000000" pitchFamily="2" charset="0"/>
+                <a:ea typeface="Roboto" panose="02000000000000000000" pitchFamily="2" charset="0"/>
               </a:rPr>
               <a:t>Normalize to UMLS concepts</a:t>
             </a:r>
@@ -14224,8 +14212,8 @@
         </p:nvSpPr>
         <p:spPr>
           <a:xfrm>
-            <a:off x="5538098" y="2854801"/>
-            <a:ext cx="1306455" cy="738664"/>
+            <a:off x="5495691" y="2864074"/>
+            <a:ext cx="1400683" cy="738664"/>
           </a:xfrm>
           <a:prstGeom prst="roundRect">
             <a:avLst/>
@@ -14257,10 +14245,10 @@
             <a:pPr algn="ctr"/>
             <a:r>
               <a:rPr lang="en-US" sz="1100" dirty="0">
-                <a:latin typeface="Roboto Light" panose="02000000000000000000" pitchFamily="2" charset="0"/>
-                <a:ea typeface="Roboto Light" panose="02000000000000000000" pitchFamily="2" charset="0"/>
+                <a:latin typeface="Roboto" panose="02000000000000000000" pitchFamily="2" charset="0"/>
+                <a:ea typeface="Roboto" panose="02000000000000000000" pitchFamily="2" charset="0"/>
               </a:rPr>
-              <a:t>Use Knowledge Base to Reason unspecified criteria</a:t>
+              <a:t>Use Knowledge Base to reason upon unspecified criteria</a:t>
             </a:r>
           </a:p>
         </p:txBody>
@@ -14312,8 +14300,8 @@
             <a:pPr algn="ctr"/>
             <a:r>
               <a:rPr lang="en-US" sz="1100" dirty="0">
-                <a:latin typeface="Roboto Light" panose="02000000000000000000" pitchFamily="2" charset="0"/>
-                <a:ea typeface="Roboto Light" panose="02000000000000000000" pitchFamily="2" charset="0"/>
+                <a:latin typeface="Roboto" panose="02000000000000000000" pitchFamily="2" charset="0"/>
+                <a:ea typeface="Roboto" panose="02000000000000000000" pitchFamily="2" charset="0"/>
               </a:rPr>
               <a:t>Map to database Semantic Metadata Annotation and generate SQL queries</a:t>
             </a:r>
@@ -28078,6 +28066,1639 @@
 </p:sld>
 </file>
 
+<file path=ppt/slides/slide8.xml><?xml version="1.0" encoding="utf-8"?>
+<p:sld xmlns:a="http://schemas.openxmlformats.org/drawingml/2006/main" xmlns:r="http://schemas.openxmlformats.org/officeDocument/2006/relationships" xmlns:p="http://schemas.openxmlformats.org/presentationml/2006/main">
+  <p:cSld>
+    <p:spTree>
+      <p:nvGrpSpPr>
+        <p:cNvPr id="1" name=""/>
+        <p:cNvGrpSpPr/>
+        <p:nvPr/>
+      </p:nvGrpSpPr>
+      <p:grpSpPr>
+        <a:xfrm>
+          <a:off x="0" y="0"/>
+          <a:ext cx="0" cy="0"/>
+          <a:chOff x="0" y="0"/>
+          <a:chExt cx="0" cy="0"/>
+        </a:xfrm>
+      </p:grpSpPr>
+      <p:sp>
+        <p:nvSpPr>
+          <p:cNvPr id="6" name="Rectangle 5">
+            <a:extLst>
+              <a:ext uri="{FF2B5EF4-FFF2-40B4-BE49-F238E27FC236}">
+                <a16:creationId xmlns:a16="http://schemas.microsoft.com/office/drawing/2014/main" id="{C276FB95-1FAE-747D-DA95-88B06FE6A470}"/>
+              </a:ext>
+            </a:extLst>
+          </p:cNvPr>
+          <p:cNvSpPr/>
+          <p:nvPr/>
+        </p:nvSpPr>
+        <p:spPr>
+          <a:xfrm>
+            <a:off x="3434080" y="2194560"/>
+            <a:ext cx="2753360" cy="386080"/>
+          </a:xfrm>
+          <a:prstGeom prst="rect">
+            <a:avLst/>
+          </a:prstGeom>
+          <a:solidFill>
+            <a:schemeClr val="accent5"/>
+          </a:solidFill>
+          <a:ln>
+            <a:noFill/>
+          </a:ln>
+        </p:spPr>
+        <p:style>
+          <a:lnRef idx="2">
+            <a:schemeClr val="accent1">
+              <a:shade val="50000"/>
+            </a:schemeClr>
+          </a:lnRef>
+          <a:fillRef idx="1">
+            <a:schemeClr val="accent1"/>
+          </a:fillRef>
+          <a:effectRef idx="0">
+            <a:schemeClr val="accent1"/>
+          </a:effectRef>
+          <a:fontRef idx="minor">
+            <a:schemeClr val="lt1"/>
+          </a:fontRef>
+        </p:style>
+        <p:txBody>
+          <a:bodyPr rtlCol="0" anchor="ctr"/>
+          <a:lstStyle/>
+          <a:p>
+            <a:pPr algn="ctr"/>
+            <a:endParaRPr lang="en-US"/>
+          </a:p>
+        </p:txBody>
+      </p:sp>
+      <p:sp>
+        <p:nvSpPr>
+          <p:cNvPr id="7" name="Rectangle 6">
+            <a:extLst>
+              <a:ext uri="{FF2B5EF4-FFF2-40B4-BE49-F238E27FC236}">
+                <a16:creationId xmlns:a16="http://schemas.microsoft.com/office/drawing/2014/main" id="{63A29296-CBC7-EB98-E3E2-18ABE8798C58}"/>
+              </a:ext>
+            </a:extLst>
+          </p:cNvPr>
+          <p:cNvSpPr/>
+          <p:nvPr/>
+        </p:nvSpPr>
+        <p:spPr>
+          <a:xfrm>
+            <a:off x="6258560" y="2194560"/>
+            <a:ext cx="1402080" cy="386080"/>
+          </a:xfrm>
+          <a:prstGeom prst="rect">
+            <a:avLst/>
+          </a:prstGeom>
+          <a:gradFill flip="none" rotWithShape="1">
+            <a:gsLst>
+              <a:gs pos="0">
+                <a:schemeClr val="accent5"/>
+              </a:gs>
+              <a:gs pos="100000">
+                <a:schemeClr val="accent4"/>
+              </a:gs>
+              <a:gs pos="100000">
+                <a:srgbClr val="FFC000"/>
+              </a:gs>
+            </a:gsLst>
+            <a:lin ang="0" scaled="1"/>
+            <a:tileRect/>
+          </a:gradFill>
+          <a:ln>
+            <a:noFill/>
+          </a:ln>
+        </p:spPr>
+        <p:style>
+          <a:lnRef idx="2">
+            <a:schemeClr val="accent1">
+              <a:shade val="50000"/>
+            </a:schemeClr>
+          </a:lnRef>
+          <a:fillRef idx="1">
+            <a:schemeClr val="accent1"/>
+          </a:fillRef>
+          <a:effectRef idx="0">
+            <a:schemeClr val="accent1"/>
+          </a:effectRef>
+          <a:fontRef idx="minor">
+            <a:schemeClr val="lt1"/>
+          </a:fontRef>
+        </p:style>
+        <p:txBody>
+          <a:bodyPr rtlCol="0" anchor="ctr"/>
+          <a:lstStyle/>
+          <a:p>
+            <a:pPr algn="ctr"/>
+            <a:endParaRPr lang="en-US" dirty="0"/>
+          </a:p>
+        </p:txBody>
+      </p:sp>
+      <p:sp>
+        <p:nvSpPr>
+          <p:cNvPr id="8" name="Rectangle 7">
+            <a:extLst>
+              <a:ext uri="{FF2B5EF4-FFF2-40B4-BE49-F238E27FC236}">
+                <a16:creationId xmlns:a16="http://schemas.microsoft.com/office/drawing/2014/main" id="{3ACFA50E-92EE-5F70-DCDE-354EA3FD4467}"/>
+              </a:ext>
+            </a:extLst>
+          </p:cNvPr>
+          <p:cNvSpPr/>
+          <p:nvPr/>
+        </p:nvSpPr>
+        <p:spPr>
+          <a:xfrm>
+            <a:off x="7741920" y="2194560"/>
+            <a:ext cx="2326640" cy="386080"/>
+          </a:xfrm>
+          <a:prstGeom prst="rect">
+            <a:avLst/>
+          </a:prstGeom>
+          <a:solidFill>
+            <a:srgbClr val="FFC000"/>
+          </a:solidFill>
+          <a:ln>
+            <a:noFill/>
+          </a:ln>
+        </p:spPr>
+        <p:style>
+          <a:lnRef idx="2">
+            <a:schemeClr val="accent1">
+              <a:shade val="50000"/>
+            </a:schemeClr>
+          </a:lnRef>
+          <a:fillRef idx="1">
+            <a:schemeClr val="accent1"/>
+          </a:fillRef>
+          <a:effectRef idx="0">
+            <a:schemeClr val="accent1"/>
+          </a:effectRef>
+          <a:fontRef idx="minor">
+            <a:schemeClr val="lt1"/>
+          </a:fontRef>
+        </p:style>
+        <p:txBody>
+          <a:bodyPr rtlCol="0" anchor="ctr"/>
+          <a:lstStyle/>
+          <a:p>
+            <a:pPr algn="ctr"/>
+            <a:endParaRPr lang="en-US"/>
+          </a:p>
+        </p:txBody>
+      </p:sp>
+      <p:sp>
+        <p:nvSpPr>
+          <p:cNvPr id="11" name="TextBox 10">
+            <a:extLst>
+              <a:ext uri="{FF2B5EF4-FFF2-40B4-BE49-F238E27FC236}">
+                <a16:creationId xmlns:a16="http://schemas.microsoft.com/office/drawing/2014/main" id="{F1619607-D6B9-3521-D428-B294C5CF7044}"/>
+              </a:ext>
+            </a:extLst>
+          </p:cNvPr>
+          <p:cNvSpPr txBox="1"/>
+          <p:nvPr/>
+        </p:nvSpPr>
+        <p:spPr>
+          <a:xfrm>
+            <a:off x="1737360" y="2194560"/>
+            <a:ext cx="1515158" cy="369332"/>
+          </a:xfrm>
+          <a:prstGeom prst="rect">
+            <a:avLst/>
+          </a:prstGeom>
+          <a:noFill/>
+        </p:spPr>
+        <p:txBody>
+          <a:bodyPr wrap="none" rtlCol="0">
+            <a:spAutoFit/>
+          </a:bodyPr>
+          <a:lstStyle/>
+          <a:p>
+            <a:r>
+              <a:rPr lang="en-US" dirty="0">
+                <a:latin typeface="Roboto Light" panose="02000000000000000000" pitchFamily="2" charset="0"/>
+                <a:ea typeface="Roboto Light" panose="02000000000000000000" pitchFamily="2" charset="0"/>
+              </a:rPr>
+              <a:t>Tobacco Use</a:t>
+            </a:r>
+          </a:p>
+        </p:txBody>
+      </p:sp>
+      <p:sp>
+        <p:nvSpPr>
+          <p:cNvPr id="12" name="TextBox 11">
+            <a:extLst>
+              <a:ext uri="{FF2B5EF4-FFF2-40B4-BE49-F238E27FC236}">
+                <a16:creationId xmlns:a16="http://schemas.microsoft.com/office/drawing/2014/main" id="{273CB21C-39D9-C185-86E6-1487F184D736}"/>
+              </a:ext>
+            </a:extLst>
+          </p:cNvPr>
+          <p:cNvSpPr txBox="1"/>
+          <p:nvPr/>
+        </p:nvSpPr>
+        <p:spPr>
+          <a:xfrm>
+            <a:off x="4481182" y="1927423"/>
+            <a:ext cx="659155" cy="307777"/>
+          </a:xfrm>
+          <a:prstGeom prst="rect">
+            <a:avLst/>
+          </a:prstGeom>
+          <a:noFill/>
+        </p:spPr>
+        <p:txBody>
+          <a:bodyPr wrap="none" rtlCol="0">
+            <a:spAutoFit/>
+          </a:bodyPr>
+          <a:lstStyle/>
+          <a:p>
+            <a:r>
+              <a:rPr lang="en-US" sz="1400" dirty="0">
+                <a:latin typeface="Roboto Light" panose="02000000000000000000" pitchFamily="2" charset="0"/>
+                <a:ea typeface="Roboto Light" panose="02000000000000000000" pitchFamily="2" charset="0"/>
+              </a:rPr>
+              <a:t>42.4%</a:t>
+            </a:r>
+          </a:p>
+        </p:txBody>
+      </p:sp>
+      <p:sp>
+        <p:nvSpPr>
+          <p:cNvPr id="13" name="TextBox 12">
+            <a:extLst>
+              <a:ext uri="{FF2B5EF4-FFF2-40B4-BE49-F238E27FC236}">
+                <a16:creationId xmlns:a16="http://schemas.microsoft.com/office/drawing/2014/main" id="{5FA53418-B98B-DB2E-DA99-634C097145E2}"/>
+              </a:ext>
+            </a:extLst>
+          </p:cNvPr>
+          <p:cNvSpPr txBox="1"/>
+          <p:nvPr/>
+        </p:nvSpPr>
+        <p:spPr>
+          <a:xfrm>
+            <a:off x="6640182" y="1927422"/>
+            <a:ext cx="659155" cy="307777"/>
+          </a:xfrm>
+          <a:prstGeom prst="rect">
+            <a:avLst/>
+          </a:prstGeom>
+          <a:noFill/>
+        </p:spPr>
+        <p:txBody>
+          <a:bodyPr wrap="none" rtlCol="0">
+            <a:spAutoFit/>
+          </a:bodyPr>
+          <a:lstStyle/>
+          <a:p>
+            <a:r>
+              <a:rPr lang="en-US" sz="1400" dirty="0">
+                <a:latin typeface="Roboto Light" panose="02000000000000000000" pitchFamily="2" charset="0"/>
+                <a:ea typeface="Roboto Light" panose="02000000000000000000" pitchFamily="2" charset="0"/>
+              </a:rPr>
+              <a:t>21.4%</a:t>
+            </a:r>
+          </a:p>
+        </p:txBody>
+      </p:sp>
+      <p:sp>
+        <p:nvSpPr>
+          <p:cNvPr id="14" name="TextBox 13">
+            <a:extLst>
+              <a:ext uri="{FF2B5EF4-FFF2-40B4-BE49-F238E27FC236}">
+                <a16:creationId xmlns:a16="http://schemas.microsoft.com/office/drawing/2014/main" id="{9C5F941A-04CB-ACC1-6847-7B553FB35BEB}"/>
+              </a:ext>
+            </a:extLst>
+          </p:cNvPr>
+          <p:cNvSpPr txBox="1"/>
+          <p:nvPr/>
+        </p:nvSpPr>
+        <p:spPr>
+          <a:xfrm>
+            <a:off x="8585822" y="1927421"/>
+            <a:ext cx="659155" cy="307777"/>
+          </a:xfrm>
+          <a:prstGeom prst="rect">
+            <a:avLst/>
+          </a:prstGeom>
+          <a:noFill/>
+        </p:spPr>
+        <p:txBody>
+          <a:bodyPr wrap="none" rtlCol="0">
+            <a:spAutoFit/>
+          </a:bodyPr>
+          <a:lstStyle/>
+          <a:p>
+            <a:r>
+              <a:rPr lang="en-US" sz="1400" dirty="0">
+                <a:latin typeface="Roboto Light" panose="02000000000000000000" pitchFamily="2" charset="0"/>
+                <a:ea typeface="Roboto Light" panose="02000000000000000000" pitchFamily="2" charset="0"/>
+              </a:rPr>
+              <a:t>36.2%</a:t>
+            </a:r>
+          </a:p>
+        </p:txBody>
+      </p:sp>
+      <p:sp>
+        <p:nvSpPr>
+          <p:cNvPr id="15" name="Rectangle 14">
+            <a:extLst>
+              <a:ext uri="{FF2B5EF4-FFF2-40B4-BE49-F238E27FC236}">
+                <a16:creationId xmlns:a16="http://schemas.microsoft.com/office/drawing/2014/main" id="{9BA1F5BD-8335-056B-07CC-6779DB43F24E}"/>
+              </a:ext>
+            </a:extLst>
+          </p:cNvPr>
+          <p:cNvSpPr/>
+          <p:nvPr/>
+        </p:nvSpPr>
+        <p:spPr>
+          <a:xfrm>
+            <a:off x="3434080" y="2915579"/>
+            <a:ext cx="4480560" cy="386080"/>
+          </a:xfrm>
+          <a:prstGeom prst="rect">
+            <a:avLst/>
+          </a:prstGeom>
+          <a:solidFill>
+            <a:schemeClr val="accent5"/>
+          </a:solidFill>
+          <a:ln>
+            <a:noFill/>
+          </a:ln>
+        </p:spPr>
+        <p:style>
+          <a:lnRef idx="2">
+            <a:schemeClr val="accent1">
+              <a:shade val="50000"/>
+            </a:schemeClr>
+          </a:lnRef>
+          <a:fillRef idx="1">
+            <a:schemeClr val="accent1"/>
+          </a:fillRef>
+          <a:effectRef idx="0">
+            <a:schemeClr val="accent1"/>
+          </a:effectRef>
+          <a:fontRef idx="minor">
+            <a:schemeClr val="lt1"/>
+          </a:fontRef>
+        </p:style>
+        <p:txBody>
+          <a:bodyPr rtlCol="0" anchor="ctr"/>
+          <a:lstStyle/>
+          <a:p>
+            <a:pPr algn="ctr"/>
+            <a:endParaRPr lang="en-US"/>
+          </a:p>
+        </p:txBody>
+      </p:sp>
+      <p:sp>
+        <p:nvSpPr>
+          <p:cNvPr id="16" name="Rectangle 15">
+            <a:extLst>
+              <a:ext uri="{FF2B5EF4-FFF2-40B4-BE49-F238E27FC236}">
+                <a16:creationId xmlns:a16="http://schemas.microsoft.com/office/drawing/2014/main" id="{E92E2DCE-855E-A486-E549-B77C2FB6C356}"/>
+              </a:ext>
+            </a:extLst>
+          </p:cNvPr>
+          <p:cNvSpPr/>
+          <p:nvPr/>
+        </p:nvSpPr>
+        <p:spPr>
+          <a:xfrm>
+            <a:off x="7983842" y="2913793"/>
+            <a:ext cx="1361440" cy="386080"/>
+          </a:xfrm>
+          <a:prstGeom prst="rect">
+            <a:avLst/>
+          </a:prstGeom>
+          <a:gradFill flip="none" rotWithShape="1">
+            <a:gsLst>
+              <a:gs pos="0">
+                <a:schemeClr val="accent5"/>
+              </a:gs>
+              <a:gs pos="100000">
+                <a:schemeClr val="accent4"/>
+              </a:gs>
+              <a:gs pos="100000">
+                <a:srgbClr val="FFC000"/>
+              </a:gs>
+            </a:gsLst>
+            <a:lin ang="0" scaled="1"/>
+            <a:tileRect/>
+          </a:gradFill>
+          <a:ln>
+            <a:noFill/>
+          </a:ln>
+        </p:spPr>
+        <p:style>
+          <a:lnRef idx="2">
+            <a:schemeClr val="accent1">
+              <a:shade val="50000"/>
+            </a:schemeClr>
+          </a:lnRef>
+          <a:fillRef idx="1">
+            <a:schemeClr val="accent1"/>
+          </a:fillRef>
+          <a:effectRef idx="0">
+            <a:schemeClr val="accent1"/>
+          </a:effectRef>
+          <a:fontRef idx="minor">
+            <a:schemeClr val="lt1"/>
+          </a:fontRef>
+        </p:style>
+        <p:txBody>
+          <a:bodyPr rtlCol="0" anchor="ctr"/>
+          <a:lstStyle/>
+          <a:p>
+            <a:pPr algn="ctr"/>
+            <a:endParaRPr lang="en-US" dirty="0"/>
+          </a:p>
+        </p:txBody>
+      </p:sp>
+      <p:sp>
+        <p:nvSpPr>
+          <p:cNvPr id="17" name="Rectangle 16">
+            <a:extLst>
+              <a:ext uri="{FF2B5EF4-FFF2-40B4-BE49-F238E27FC236}">
+                <a16:creationId xmlns:a16="http://schemas.microsoft.com/office/drawing/2014/main" id="{44EEE1CC-F75A-DB94-A562-113A3FFBA61B}"/>
+              </a:ext>
+            </a:extLst>
+          </p:cNvPr>
+          <p:cNvSpPr/>
+          <p:nvPr/>
+        </p:nvSpPr>
+        <p:spPr>
+          <a:xfrm>
+            <a:off x="9414484" y="2907205"/>
+            <a:ext cx="640080" cy="386080"/>
+          </a:xfrm>
+          <a:prstGeom prst="rect">
+            <a:avLst/>
+          </a:prstGeom>
+          <a:solidFill>
+            <a:srgbClr val="FFC000"/>
+          </a:solidFill>
+          <a:ln>
+            <a:noFill/>
+          </a:ln>
+        </p:spPr>
+        <p:style>
+          <a:lnRef idx="2">
+            <a:schemeClr val="accent1">
+              <a:shade val="50000"/>
+            </a:schemeClr>
+          </a:lnRef>
+          <a:fillRef idx="1">
+            <a:schemeClr val="accent1"/>
+          </a:fillRef>
+          <a:effectRef idx="0">
+            <a:schemeClr val="accent1"/>
+          </a:effectRef>
+          <a:fontRef idx="minor">
+            <a:schemeClr val="lt1"/>
+          </a:fontRef>
+        </p:style>
+        <p:txBody>
+          <a:bodyPr rtlCol="0" anchor="ctr"/>
+          <a:lstStyle/>
+          <a:p>
+            <a:pPr algn="ctr"/>
+            <a:endParaRPr lang="en-US"/>
+          </a:p>
+        </p:txBody>
+      </p:sp>
+      <p:sp>
+        <p:nvSpPr>
+          <p:cNvPr id="18" name="TextBox 17">
+            <a:extLst>
+              <a:ext uri="{FF2B5EF4-FFF2-40B4-BE49-F238E27FC236}">
+                <a16:creationId xmlns:a16="http://schemas.microsoft.com/office/drawing/2014/main" id="{1CF6E622-7709-776B-A8A6-03B5715E245F}"/>
+              </a:ext>
+            </a:extLst>
+          </p:cNvPr>
+          <p:cNvSpPr txBox="1"/>
+          <p:nvPr/>
+        </p:nvSpPr>
+        <p:spPr>
+          <a:xfrm>
+            <a:off x="1872012" y="2934065"/>
+            <a:ext cx="1380506" cy="369332"/>
+          </a:xfrm>
+          <a:prstGeom prst="rect">
+            <a:avLst/>
+          </a:prstGeom>
+          <a:noFill/>
+        </p:spPr>
+        <p:txBody>
+          <a:bodyPr wrap="none" rtlCol="0">
+            <a:spAutoFit/>
+          </a:bodyPr>
+          <a:lstStyle/>
+          <a:p>
+            <a:r>
+              <a:rPr lang="en-US" dirty="0">
+                <a:latin typeface="Roboto Light" panose="02000000000000000000" pitchFamily="2" charset="0"/>
+                <a:ea typeface="Roboto Light" panose="02000000000000000000" pitchFamily="2" charset="0"/>
+              </a:rPr>
+              <a:t>Alcohol Use</a:t>
+            </a:r>
+          </a:p>
+        </p:txBody>
+      </p:sp>
+      <p:sp>
+        <p:nvSpPr>
+          <p:cNvPr id="19" name="TextBox 18">
+            <a:extLst>
+              <a:ext uri="{FF2B5EF4-FFF2-40B4-BE49-F238E27FC236}">
+                <a16:creationId xmlns:a16="http://schemas.microsoft.com/office/drawing/2014/main" id="{1385365F-6FB0-B13F-7054-1B4F7BE94A38}"/>
+              </a:ext>
+            </a:extLst>
+          </p:cNvPr>
+          <p:cNvSpPr txBox="1"/>
+          <p:nvPr/>
+        </p:nvSpPr>
+        <p:spPr>
+          <a:xfrm>
+            <a:off x="5222241" y="2633178"/>
+            <a:ext cx="659155" cy="307777"/>
+          </a:xfrm>
+          <a:prstGeom prst="rect">
+            <a:avLst/>
+          </a:prstGeom>
+          <a:noFill/>
+        </p:spPr>
+        <p:txBody>
+          <a:bodyPr wrap="none" rtlCol="0">
+            <a:spAutoFit/>
+          </a:bodyPr>
+          <a:lstStyle/>
+          <a:p>
+            <a:r>
+              <a:rPr lang="en-US" sz="1400" dirty="0">
+                <a:latin typeface="Roboto Light" panose="02000000000000000000" pitchFamily="2" charset="0"/>
+                <a:ea typeface="Roboto Light" panose="02000000000000000000" pitchFamily="2" charset="0"/>
+              </a:rPr>
+              <a:t>71.3%</a:t>
+            </a:r>
+          </a:p>
+        </p:txBody>
+      </p:sp>
+      <p:sp>
+        <p:nvSpPr>
+          <p:cNvPr id="20" name="TextBox 19">
+            <a:extLst>
+              <a:ext uri="{FF2B5EF4-FFF2-40B4-BE49-F238E27FC236}">
+                <a16:creationId xmlns:a16="http://schemas.microsoft.com/office/drawing/2014/main" id="{2DD30AF1-029A-382C-6710-AB52FA2EAD88}"/>
+              </a:ext>
+            </a:extLst>
+          </p:cNvPr>
+          <p:cNvSpPr txBox="1"/>
+          <p:nvPr/>
+        </p:nvSpPr>
+        <p:spPr>
+          <a:xfrm>
+            <a:off x="8370007" y="2633178"/>
+            <a:ext cx="659155" cy="307777"/>
+          </a:xfrm>
+          <a:prstGeom prst="rect">
+            <a:avLst/>
+          </a:prstGeom>
+          <a:noFill/>
+        </p:spPr>
+        <p:txBody>
+          <a:bodyPr wrap="none" rtlCol="0">
+            <a:spAutoFit/>
+          </a:bodyPr>
+          <a:lstStyle/>
+          <a:p>
+            <a:r>
+              <a:rPr lang="en-US" sz="1400" dirty="0">
+                <a:latin typeface="Roboto Light" panose="02000000000000000000" pitchFamily="2" charset="0"/>
+                <a:ea typeface="Roboto Light" panose="02000000000000000000" pitchFamily="2" charset="0"/>
+              </a:rPr>
+              <a:t>20.3%</a:t>
+            </a:r>
+          </a:p>
+        </p:txBody>
+      </p:sp>
+      <p:sp>
+        <p:nvSpPr>
+          <p:cNvPr id="21" name="TextBox 20">
+            <a:extLst>
+              <a:ext uri="{FF2B5EF4-FFF2-40B4-BE49-F238E27FC236}">
+                <a16:creationId xmlns:a16="http://schemas.microsoft.com/office/drawing/2014/main" id="{3A6260BC-4459-9B3D-3AC3-BCD1A0A35027}"/>
+              </a:ext>
+            </a:extLst>
+          </p:cNvPr>
+          <p:cNvSpPr txBox="1"/>
+          <p:nvPr/>
+        </p:nvSpPr>
+        <p:spPr>
+          <a:xfrm>
+            <a:off x="9525973" y="2633178"/>
+            <a:ext cx="417102" cy="307777"/>
+          </a:xfrm>
+          <a:prstGeom prst="rect">
+            <a:avLst/>
+          </a:prstGeom>
+          <a:noFill/>
+        </p:spPr>
+        <p:txBody>
+          <a:bodyPr wrap="none" rtlCol="0">
+            <a:spAutoFit/>
+          </a:bodyPr>
+          <a:lstStyle/>
+          <a:p>
+            <a:r>
+              <a:rPr lang="en-US" sz="1400" dirty="0">
+                <a:latin typeface="Roboto Light" panose="02000000000000000000" pitchFamily="2" charset="0"/>
+                <a:ea typeface="Roboto Light" panose="02000000000000000000" pitchFamily="2" charset="0"/>
+              </a:rPr>
+              <a:t>8%</a:t>
+            </a:r>
+          </a:p>
+        </p:txBody>
+      </p:sp>
+      <p:sp>
+        <p:nvSpPr>
+          <p:cNvPr id="22" name="Rectangle 21">
+            <a:extLst>
+              <a:ext uri="{FF2B5EF4-FFF2-40B4-BE49-F238E27FC236}">
+                <a16:creationId xmlns:a16="http://schemas.microsoft.com/office/drawing/2014/main" id="{2E282F90-079C-35A6-0CBA-14A5526DBBC6}"/>
+              </a:ext>
+            </a:extLst>
+          </p:cNvPr>
+          <p:cNvSpPr/>
+          <p:nvPr/>
+        </p:nvSpPr>
+        <p:spPr>
+          <a:xfrm>
+            <a:off x="3434080" y="3627208"/>
+            <a:ext cx="4114800" cy="386080"/>
+          </a:xfrm>
+          <a:prstGeom prst="rect">
+            <a:avLst/>
+          </a:prstGeom>
+          <a:solidFill>
+            <a:schemeClr val="accent5"/>
+          </a:solidFill>
+          <a:ln>
+            <a:noFill/>
+          </a:ln>
+        </p:spPr>
+        <p:style>
+          <a:lnRef idx="2">
+            <a:schemeClr val="accent1">
+              <a:shade val="50000"/>
+            </a:schemeClr>
+          </a:lnRef>
+          <a:fillRef idx="1">
+            <a:schemeClr val="accent1"/>
+          </a:fillRef>
+          <a:effectRef idx="0">
+            <a:schemeClr val="accent1"/>
+          </a:effectRef>
+          <a:fontRef idx="minor">
+            <a:schemeClr val="lt1"/>
+          </a:fontRef>
+        </p:style>
+        <p:txBody>
+          <a:bodyPr rtlCol="0" anchor="ctr"/>
+          <a:lstStyle/>
+          <a:p>
+            <a:pPr algn="ctr"/>
+            <a:endParaRPr lang="en-US"/>
+          </a:p>
+        </p:txBody>
+      </p:sp>
+      <p:sp>
+        <p:nvSpPr>
+          <p:cNvPr id="23" name="Rectangle 22">
+            <a:extLst>
+              <a:ext uri="{FF2B5EF4-FFF2-40B4-BE49-F238E27FC236}">
+                <a16:creationId xmlns:a16="http://schemas.microsoft.com/office/drawing/2014/main" id="{5F3BDBA3-5F85-15DA-9280-44181E1BDFEB}"/>
+              </a:ext>
+            </a:extLst>
+          </p:cNvPr>
+          <p:cNvSpPr/>
+          <p:nvPr/>
+        </p:nvSpPr>
+        <p:spPr>
+          <a:xfrm>
+            <a:off x="7625080" y="3627208"/>
+            <a:ext cx="1259840" cy="386080"/>
+          </a:xfrm>
+          <a:prstGeom prst="rect">
+            <a:avLst/>
+          </a:prstGeom>
+          <a:gradFill flip="none" rotWithShape="1">
+            <a:gsLst>
+              <a:gs pos="0">
+                <a:schemeClr val="accent5"/>
+              </a:gs>
+              <a:gs pos="100000">
+                <a:schemeClr val="accent4"/>
+              </a:gs>
+              <a:gs pos="100000">
+                <a:srgbClr val="FFC000"/>
+              </a:gs>
+            </a:gsLst>
+            <a:lin ang="0" scaled="1"/>
+            <a:tileRect/>
+          </a:gradFill>
+          <a:ln>
+            <a:noFill/>
+          </a:ln>
+        </p:spPr>
+        <p:style>
+          <a:lnRef idx="2">
+            <a:schemeClr val="accent1">
+              <a:shade val="50000"/>
+            </a:schemeClr>
+          </a:lnRef>
+          <a:fillRef idx="1">
+            <a:schemeClr val="accent1"/>
+          </a:fillRef>
+          <a:effectRef idx="0">
+            <a:schemeClr val="accent1"/>
+          </a:effectRef>
+          <a:fontRef idx="minor">
+            <a:schemeClr val="lt1"/>
+          </a:fontRef>
+        </p:style>
+        <p:txBody>
+          <a:bodyPr rtlCol="0" anchor="ctr"/>
+          <a:lstStyle/>
+          <a:p>
+            <a:pPr algn="ctr"/>
+            <a:endParaRPr lang="en-US" dirty="0"/>
+          </a:p>
+        </p:txBody>
+      </p:sp>
+      <p:sp>
+        <p:nvSpPr>
+          <p:cNvPr id="24" name="Rectangle 23">
+            <a:extLst>
+              <a:ext uri="{FF2B5EF4-FFF2-40B4-BE49-F238E27FC236}">
+                <a16:creationId xmlns:a16="http://schemas.microsoft.com/office/drawing/2014/main" id="{FE7FEB2E-B51D-9D23-40BE-6FFA7729D0B6}"/>
+              </a:ext>
+            </a:extLst>
+          </p:cNvPr>
+          <p:cNvSpPr/>
+          <p:nvPr/>
+        </p:nvSpPr>
+        <p:spPr>
+          <a:xfrm>
+            <a:off x="8973102" y="3628920"/>
+            <a:ext cx="1095458" cy="386080"/>
+          </a:xfrm>
+          <a:prstGeom prst="rect">
+            <a:avLst/>
+          </a:prstGeom>
+          <a:solidFill>
+            <a:srgbClr val="FFC000"/>
+          </a:solidFill>
+          <a:ln>
+            <a:noFill/>
+          </a:ln>
+        </p:spPr>
+        <p:style>
+          <a:lnRef idx="2">
+            <a:schemeClr val="accent1">
+              <a:shade val="50000"/>
+            </a:schemeClr>
+          </a:lnRef>
+          <a:fillRef idx="1">
+            <a:schemeClr val="accent1"/>
+          </a:fillRef>
+          <a:effectRef idx="0">
+            <a:schemeClr val="accent1"/>
+          </a:effectRef>
+          <a:fontRef idx="minor">
+            <a:schemeClr val="lt1"/>
+          </a:fontRef>
+        </p:style>
+        <p:txBody>
+          <a:bodyPr rtlCol="0" anchor="ctr"/>
+          <a:lstStyle/>
+          <a:p>
+            <a:pPr algn="ctr"/>
+            <a:endParaRPr lang="en-US"/>
+          </a:p>
+        </p:txBody>
+      </p:sp>
+      <p:sp>
+        <p:nvSpPr>
+          <p:cNvPr id="25" name="TextBox 24">
+            <a:extLst>
+              <a:ext uri="{FF2B5EF4-FFF2-40B4-BE49-F238E27FC236}">
+                <a16:creationId xmlns:a16="http://schemas.microsoft.com/office/drawing/2014/main" id="{E7BB43D3-D4D9-F755-E635-82C06F14E810}"/>
+              </a:ext>
+            </a:extLst>
+          </p:cNvPr>
+          <p:cNvSpPr txBox="1"/>
+          <p:nvPr/>
+        </p:nvSpPr>
+        <p:spPr>
+          <a:xfrm>
+            <a:off x="2141316" y="3635916"/>
+            <a:ext cx="1111202" cy="369332"/>
+          </a:xfrm>
+          <a:prstGeom prst="rect">
+            <a:avLst/>
+          </a:prstGeom>
+          <a:noFill/>
+        </p:spPr>
+        <p:txBody>
+          <a:bodyPr wrap="none" rtlCol="0">
+            <a:spAutoFit/>
+          </a:bodyPr>
+          <a:lstStyle/>
+          <a:p>
+            <a:pPr algn="r"/>
+            <a:r>
+              <a:rPr lang="en-US" dirty="0">
+                <a:latin typeface="Roboto Light" panose="02000000000000000000" pitchFamily="2" charset="0"/>
+                <a:ea typeface="Roboto Light" panose="02000000000000000000" pitchFamily="2" charset="0"/>
+              </a:rPr>
+              <a:t>Drug Use</a:t>
+            </a:r>
+          </a:p>
+        </p:txBody>
+      </p:sp>
+      <p:sp>
+        <p:nvSpPr>
+          <p:cNvPr id="26" name="TextBox 25">
+            <a:extLst>
+              <a:ext uri="{FF2B5EF4-FFF2-40B4-BE49-F238E27FC236}">
+                <a16:creationId xmlns:a16="http://schemas.microsoft.com/office/drawing/2014/main" id="{6279A6D2-2701-E508-0101-C031B7F574A2}"/>
+              </a:ext>
+            </a:extLst>
+          </p:cNvPr>
+          <p:cNvSpPr txBox="1"/>
+          <p:nvPr/>
+        </p:nvSpPr>
+        <p:spPr>
+          <a:xfrm>
+            <a:off x="4979645" y="3344037"/>
+            <a:ext cx="659155" cy="307777"/>
+          </a:xfrm>
+          <a:prstGeom prst="rect">
+            <a:avLst/>
+          </a:prstGeom>
+          <a:noFill/>
+        </p:spPr>
+        <p:txBody>
+          <a:bodyPr wrap="none" rtlCol="0">
+            <a:spAutoFit/>
+          </a:bodyPr>
+          <a:lstStyle/>
+          <a:p>
+            <a:r>
+              <a:rPr lang="en-US" sz="1400" dirty="0">
+                <a:latin typeface="Roboto Light" panose="02000000000000000000" pitchFamily="2" charset="0"/>
+                <a:ea typeface="Roboto Light" panose="02000000000000000000" pitchFamily="2" charset="0"/>
+              </a:rPr>
+              <a:t>64.7%</a:t>
+            </a:r>
+          </a:p>
+        </p:txBody>
+      </p:sp>
+      <p:sp>
+        <p:nvSpPr>
+          <p:cNvPr id="27" name="TextBox 26">
+            <a:extLst>
+              <a:ext uri="{FF2B5EF4-FFF2-40B4-BE49-F238E27FC236}">
+                <a16:creationId xmlns:a16="http://schemas.microsoft.com/office/drawing/2014/main" id="{B9252628-CC84-106B-2A0D-70A07A283034}"/>
+              </a:ext>
+            </a:extLst>
+          </p:cNvPr>
+          <p:cNvSpPr txBox="1"/>
+          <p:nvPr/>
+        </p:nvSpPr>
+        <p:spPr>
+          <a:xfrm>
+            <a:off x="7926667" y="3352071"/>
+            <a:ext cx="659155" cy="307777"/>
+          </a:xfrm>
+          <a:prstGeom prst="rect">
+            <a:avLst/>
+          </a:prstGeom>
+          <a:noFill/>
+        </p:spPr>
+        <p:txBody>
+          <a:bodyPr wrap="none" rtlCol="0">
+            <a:spAutoFit/>
+          </a:bodyPr>
+          <a:lstStyle/>
+          <a:p>
+            <a:r>
+              <a:rPr lang="en-US" sz="1400" dirty="0">
+                <a:latin typeface="Roboto Light" panose="02000000000000000000" pitchFamily="2" charset="0"/>
+                <a:ea typeface="Roboto Light" panose="02000000000000000000" pitchFamily="2" charset="0"/>
+              </a:rPr>
+              <a:t>19.7%</a:t>
+            </a:r>
+          </a:p>
+        </p:txBody>
+      </p:sp>
+      <p:sp>
+        <p:nvSpPr>
+          <p:cNvPr id="28" name="TextBox 27">
+            <a:extLst>
+              <a:ext uri="{FF2B5EF4-FFF2-40B4-BE49-F238E27FC236}">
+                <a16:creationId xmlns:a16="http://schemas.microsoft.com/office/drawing/2014/main" id="{D2DB9489-696C-BE01-1823-0F5D1D90C94D}"/>
+              </a:ext>
+            </a:extLst>
+          </p:cNvPr>
+          <p:cNvSpPr txBox="1"/>
+          <p:nvPr/>
+        </p:nvSpPr>
+        <p:spPr>
+          <a:xfrm>
+            <a:off x="9345282" y="3353468"/>
+            <a:ext cx="659155" cy="307777"/>
+          </a:xfrm>
+          <a:prstGeom prst="rect">
+            <a:avLst/>
+          </a:prstGeom>
+          <a:noFill/>
+        </p:spPr>
+        <p:txBody>
+          <a:bodyPr wrap="none" rtlCol="0">
+            <a:spAutoFit/>
+          </a:bodyPr>
+          <a:lstStyle/>
+          <a:p>
+            <a:r>
+              <a:rPr lang="en-US" sz="1400" dirty="0">
+                <a:latin typeface="Roboto Light" panose="02000000000000000000" pitchFamily="2" charset="0"/>
+                <a:ea typeface="Roboto Light" panose="02000000000000000000" pitchFamily="2" charset="0"/>
+              </a:rPr>
+              <a:t>15.6%</a:t>
+            </a:r>
+          </a:p>
+        </p:txBody>
+      </p:sp>
+      <p:sp>
+        <p:nvSpPr>
+          <p:cNvPr id="29" name="Rectangle 28">
+            <a:extLst>
+              <a:ext uri="{FF2B5EF4-FFF2-40B4-BE49-F238E27FC236}">
+                <a16:creationId xmlns:a16="http://schemas.microsoft.com/office/drawing/2014/main" id="{4B01D369-A0E5-E25F-B0B4-072EECB23AC2}"/>
+              </a:ext>
+            </a:extLst>
+          </p:cNvPr>
+          <p:cNvSpPr/>
+          <p:nvPr/>
+        </p:nvSpPr>
+        <p:spPr>
+          <a:xfrm>
+            <a:off x="3434080" y="4373135"/>
+            <a:ext cx="5706614" cy="386080"/>
+          </a:xfrm>
+          <a:prstGeom prst="rect">
+            <a:avLst/>
+          </a:prstGeom>
+          <a:solidFill>
+            <a:schemeClr val="accent5"/>
+          </a:solidFill>
+          <a:ln>
+            <a:noFill/>
+          </a:ln>
+        </p:spPr>
+        <p:style>
+          <a:lnRef idx="2">
+            <a:schemeClr val="accent1">
+              <a:shade val="50000"/>
+            </a:schemeClr>
+          </a:lnRef>
+          <a:fillRef idx="1">
+            <a:schemeClr val="accent1"/>
+          </a:fillRef>
+          <a:effectRef idx="0">
+            <a:schemeClr val="accent1"/>
+          </a:effectRef>
+          <a:fontRef idx="minor">
+            <a:schemeClr val="lt1"/>
+          </a:fontRef>
+        </p:style>
+        <p:txBody>
+          <a:bodyPr rtlCol="0" anchor="ctr"/>
+          <a:lstStyle/>
+          <a:p>
+            <a:pPr algn="ctr"/>
+            <a:endParaRPr lang="en-US" dirty="0"/>
+          </a:p>
+        </p:txBody>
+      </p:sp>
+      <p:sp>
+        <p:nvSpPr>
+          <p:cNvPr id="30" name="Rectangle 29">
+            <a:extLst>
+              <a:ext uri="{FF2B5EF4-FFF2-40B4-BE49-F238E27FC236}">
+                <a16:creationId xmlns:a16="http://schemas.microsoft.com/office/drawing/2014/main" id="{ECAC943A-8FB1-8A21-AB65-0694061EC95A}"/>
+              </a:ext>
+            </a:extLst>
+          </p:cNvPr>
+          <p:cNvSpPr/>
+          <p:nvPr/>
+        </p:nvSpPr>
+        <p:spPr>
+          <a:xfrm>
+            <a:off x="9230710" y="4358092"/>
+            <a:ext cx="606838" cy="386080"/>
+          </a:xfrm>
+          <a:prstGeom prst="rect">
+            <a:avLst/>
+          </a:prstGeom>
+          <a:gradFill flip="none" rotWithShape="1">
+            <a:gsLst>
+              <a:gs pos="0">
+                <a:schemeClr val="accent5"/>
+              </a:gs>
+              <a:gs pos="100000">
+                <a:schemeClr val="accent4"/>
+              </a:gs>
+              <a:gs pos="100000">
+                <a:srgbClr val="FFC000"/>
+              </a:gs>
+            </a:gsLst>
+            <a:lin ang="0" scaled="1"/>
+            <a:tileRect/>
+          </a:gradFill>
+          <a:ln>
+            <a:noFill/>
+          </a:ln>
+        </p:spPr>
+        <p:style>
+          <a:lnRef idx="2">
+            <a:schemeClr val="accent1">
+              <a:shade val="50000"/>
+            </a:schemeClr>
+          </a:lnRef>
+          <a:fillRef idx="1">
+            <a:schemeClr val="accent1"/>
+          </a:fillRef>
+          <a:effectRef idx="0">
+            <a:schemeClr val="accent1"/>
+          </a:effectRef>
+          <a:fontRef idx="minor">
+            <a:schemeClr val="lt1"/>
+          </a:fontRef>
+        </p:style>
+        <p:txBody>
+          <a:bodyPr rtlCol="0" anchor="ctr"/>
+          <a:lstStyle/>
+          <a:p>
+            <a:pPr algn="ctr"/>
+            <a:endParaRPr lang="en-US" dirty="0"/>
+          </a:p>
+        </p:txBody>
+      </p:sp>
+      <p:sp>
+        <p:nvSpPr>
+          <p:cNvPr id="31" name="Rectangle 30">
+            <a:extLst>
+              <a:ext uri="{FF2B5EF4-FFF2-40B4-BE49-F238E27FC236}">
+                <a16:creationId xmlns:a16="http://schemas.microsoft.com/office/drawing/2014/main" id="{07D8CA73-E112-FD0B-8CB0-95C357FB76B1}"/>
+              </a:ext>
+            </a:extLst>
+          </p:cNvPr>
+          <p:cNvSpPr/>
+          <p:nvPr/>
+        </p:nvSpPr>
+        <p:spPr>
+          <a:xfrm>
+            <a:off x="9927564" y="4358092"/>
+            <a:ext cx="132080" cy="386080"/>
+          </a:xfrm>
+          <a:prstGeom prst="rect">
+            <a:avLst/>
+          </a:prstGeom>
+          <a:solidFill>
+            <a:srgbClr val="FFC000"/>
+          </a:solidFill>
+          <a:ln>
+            <a:noFill/>
+          </a:ln>
+        </p:spPr>
+        <p:style>
+          <a:lnRef idx="2">
+            <a:schemeClr val="accent1">
+              <a:shade val="50000"/>
+            </a:schemeClr>
+          </a:lnRef>
+          <a:fillRef idx="1">
+            <a:schemeClr val="accent1"/>
+          </a:fillRef>
+          <a:effectRef idx="0">
+            <a:schemeClr val="accent1"/>
+          </a:effectRef>
+          <a:fontRef idx="minor">
+            <a:schemeClr val="lt1"/>
+          </a:fontRef>
+        </p:style>
+        <p:txBody>
+          <a:bodyPr rtlCol="0" anchor="ctr"/>
+          <a:lstStyle/>
+          <a:p>
+            <a:pPr algn="ctr"/>
+            <a:endParaRPr lang="en-US"/>
+          </a:p>
+        </p:txBody>
+      </p:sp>
+      <p:sp>
+        <p:nvSpPr>
+          <p:cNvPr id="32" name="TextBox 31">
+            <a:extLst>
+              <a:ext uri="{FF2B5EF4-FFF2-40B4-BE49-F238E27FC236}">
+                <a16:creationId xmlns:a16="http://schemas.microsoft.com/office/drawing/2014/main" id="{3806DF21-1C28-E4BA-F0EB-546F68B9D050}"/>
+              </a:ext>
+            </a:extLst>
+          </p:cNvPr>
+          <p:cNvSpPr txBox="1"/>
+          <p:nvPr/>
+        </p:nvSpPr>
+        <p:spPr>
+          <a:xfrm>
+            <a:off x="1788656" y="4358093"/>
+            <a:ext cx="1463862" cy="369332"/>
+          </a:xfrm>
+          <a:prstGeom prst="rect">
+            <a:avLst/>
+          </a:prstGeom>
+          <a:noFill/>
+        </p:spPr>
+        <p:txBody>
+          <a:bodyPr wrap="none" rtlCol="0">
+            <a:spAutoFit/>
+          </a:bodyPr>
+          <a:lstStyle/>
+          <a:p>
+            <a:pPr algn="r"/>
+            <a:r>
+              <a:rPr lang="en-US" dirty="0">
+                <a:latin typeface="Roboto Light" panose="02000000000000000000" pitchFamily="2" charset="0"/>
+                <a:ea typeface="Roboto Light" panose="02000000000000000000" pitchFamily="2" charset="0"/>
+              </a:rPr>
+              <a:t>Employment</a:t>
+            </a:r>
+          </a:p>
+        </p:txBody>
+      </p:sp>
+      <p:sp>
+        <p:nvSpPr>
+          <p:cNvPr id="33" name="TextBox 32">
+            <a:extLst>
+              <a:ext uri="{FF2B5EF4-FFF2-40B4-BE49-F238E27FC236}">
+                <a16:creationId xmlns:a16="http://schemas.microsoft.com/office/drawing/2014/main" id="{A041266A-0A74-E851-B6C3-8E008A21C1CF}"/>
+              </a:ext>
+            </a:extLst>
+          </p:cNvPr>
+          <p:cNvSpPr txBox="1"/>
+          <p:nvPr/>
+        </p:nvSpPr>
+        <p:spPr>
+          <a:xfrm>
+            <a:off x="5857862" y="4068582"/>
+            <a:ext cx="659155" cy="307777"/>
+          </a:xfrm>
+          <a:prstGeom prst="rect">
+            <a:avLst/>
+          </a:prstGeom>
+          <a:noFill/>
+        </p:spPr>
+        <p:txBody>
+          <a:bodyPr wrap="none" rtlCol="0">
+            <a:spAutoFit/>
+          </a:bodyPr>
+          <a:lstStyle/>
+          <a:p>
+            <a:r>
+              <a:rPr lang="en-US" sz="1400" dirty="0">
+                <a:latin typeface="Roboto Light" panose="02000000000000000000" pitchFamily="2" charset="0"/>
+                <a:ea typeface="Roboto Light" panose="02000000000000000000" pitchFamily="2" charset="0"/>
+              </a:rPr>
+              <a:t>90.2%</a:t>
+            </a:r>
+          </a:p>
+        </p:txBody>
+      </p:sp>
+      <p:sp>
+        <p:nvSpPr>
+          <p:cNvPr id="34" name="TextBox 33">
+            <a:extLst>
+              <a:ext uri="{FF2B5EF4-FFF2-40B4-BE49-F238E27FC236}">
+                <a16:creationId xmlns:a16="http://schemas.microsoft.com/office/drawing/2014/main" id="{3B22AAF1-C90E-1905-FAB6-562CFD6452FC}"/>
+              </a:ext>
+            </a:extLst>
+          </p:cNvPr>
+          <p:cNvSpPr txBox="1"/>
+          <p:nvPr/>
+        </p:nvSpPr>
+        <p:spPr>
+          <a:xfrm>
+            <a:off x="9292430" y="4078854"/>
+            <a:ext cx="559769" cy="307777"/>
+          </a:xfrm>
+          <a:prstGeom prst="rect">
+            <a:avLst/>
+          </a:prstGeom>
+          <a:noFill/>
+        </p:spPr>
+        <p:txBody>
+          <a:bodyPr wrap="none" rtlCol="0">
+            <a:spAutoFit/>
+          </a:bodyPr>
+          <a:lstStyle/>
+          <a:p>
+            <a:r>
+              <a:rPr lang="en-US" sz="1400" dirty="0">
+                <a:latin typeface="Roboto Light" panose="02000000000000000000" pitchFamily="2" charset="0"/>
+                <a:ea typeface="Roboto Light" panose="02000000000000000000" pitchFamily="2" charset="0"/>
+              </a:rPr>
+              <a:t>7.8%</a:t>
+            </a:r>
+          </a:p>
+        </p:txBody>
+      </p:sp>
+      <p:sp>
+        <p:nvSpPr>
+          <p:cNvPr id="35" name="TextBox 34">
+            <a:extLst>
+              <a:ext uri="{FF2B5EF4-FFF2-40B4-BE49-F238E27FC236}">
+                <a16:creationId xmlns:a16="http://schemas.microsoft.com/office/drawing/2014/main" id="{506D0BC0-51E6-327F-56D3-E477BDA7C74A}"/>
+              </a:ext>
+            </a:extLst>
+          </p:cNvPr>
+          <p:cNvSpPr txBox="1"/>
+          <p:nvPr/>
+        </p:nvSpPr>
+        <p:spPr>
+          <a:xfrm>
+            <a:off x="9774679" y="4100633"/>
+            <a:ext cx="559769" cy="307777"/>
+          </a:xfrm>
+          <a:prstGeom prst="rect">
+            <a:avLst/>
+          </a:prstGeom>
+          <a:noFill/>
+        </p:spPr>
+        <p:txBody>
+          <a:bodyPr wrap="none" rtlCol="0">
+            <a:spAutoFit/>
+          </a:bodyPr>
+          <a:lstStyle/>
+          <a:p>
+            <a:r>
+              <a:rPr lang="en-US" sz="1400" dirty="0">
+                <a:latin typeface="Roboto Light" panose="02000000000000000000" pitchFamily="2" charset="0"/>
+                <a:ea typeface="Roboto Light" panose="02000000000000000000" pitchFamily="2" charset="0"/>
+              </a:rPr>
+              <a:t>1.9%</a:t>
+            </a:r>
+          </a:p>
+        </p:txBody>
+      </p:sp>
+      <p:sp>
+        <p:nvSpPr>
+          <p:cNvPr id="36" name="Rectangle 35">
+            <a:extLst>
+              <a:ext uri="{FF2B5EF4-FFF2-40B4-BE49-F238E27FC236}">
+                <a16:creationId xmlns:a16="http://schemas.microsoft.com/office/drawing/2014/main" id="{A4916C20-F2CD-4969-BF70-7362966860CC}"/>
+              </a:ext>
+            </a:extLst>
+          </p:cNvPr>
+          <p:cNvSpPr/>
+          <p:nvPr/>
+        </p:nvSpPr>
+        <p:spPr>
+          <a:xfrm>
+            <a:off x="3434080" y="5076442"/>
+            <a:ext cx="3992880" cy="386080"/>
+          </a:xfrm>
+          <a:prstGeom prst="rect">
+            <a:avLst/>
+          </a:prstGeom>
+          <a:solidFill>
+            <a:schemeClr val="accent5"/>
+          </a:solidFill>
+          <a:ln>
+            <a:noFill/>
+          </a:ln>
+        </p:spPr>
+        <p:style>
+          <a:lnRef idx="2">
+            <a:schemeClr val="accent1">
+              <a:shade val="50000"/>
+            </a:schemeClr>
+          </a:lnRef>
+          <a:fillRef idx="1">
+            <a:schemeClr val="accent1"/>
+          </a:fillRef>
+          <a:effectRef idx="0">
+            <a:schemeClr val="accent1"/>
+          </a:effectRef>
+          <a:fontRef idx="minor">
+            <a:schemeClr val="lt1"/>
+          </a:fontRef>
+        </p:style>
+        <p:txBody>
+          <a:bodyPr rtlCol="0" anchor="ctr"/>
+          <a:lstStyle/>
+          <a:p>
+            <a:pPr algn="ctr"/>
+            <a:endParaRPr lang="en-US" dirty="0"/>
+          </a:p>
+        </p:txBody>
+      </p:sp>
+      <p:sp>
+        <p:nvSpPr>
+          <p:cNvPr id="37" name="Rectangle 36">
+            <a:extLst>
+              <a:ext uri="{FF2B5EF4-FFF2-40B4-BE49-F238E27FC236}">
+                <a16:creationId xmlns:a16="http://schemas.microsoft.com/office/drawing/2014/main" id="{FC861D80-7E1C-C389-D1D7-9E0D5E341417}"/>
+              </a:ext>
+            </a:extLst>
+          </p:cNvPr>
+          <p:cNvSpPr/>
+          <p:nvPr/>
+        </p:nvSpPr>
+        <p:spPr>
+          <a:xfrm>
+            <a:off x="7512969" y="5076442"/>
+            <a:ext cx="375920" cy="386080"/>
+          </a:xfrm>
+          <a:prstGeom prst="rect">
+            <a:avLst/>
+          </a:prstGeom>
+          <a:gradFill flip="none" rotWithShape="1">
+            <a:gsLst>
+              <a:gs pos="0">
+                <a:schemeClr val="accent5"/>
+              </a:gs>
+              <a:gs pos="100000">
+                <a:schemeClr val="accent4"/>
+              </a:gs>
+              <a:gs pos="100000">
+                <a:srgbClr val="FFC000"/>
+              </a:gs>
+            </a:gsLst>
+            <a:lin ang="0" scaled="1"/>
+            <a:tileRect/>
+          </a:gradFill>
+          <a:ln>
+            <a:noFill/>
+          </a:ln>
+        </p:spPr>
+        <p:style>
+          <a:lnRef idx="2">
+            <a:schemeClr val="accent1">
+              <a:shade val="50000"/>
+            </a:schemeClr>
+          </a:lnRef>
+          <a:fillRef idx="1">
+            <a:schemeClr val="accent1"/>
+          </a:fillRef>
+          <a:effectRef idx="0">
+            <a:schemeClr val="accent1"/>
+          </a:effectRef>
+          <a:fontRef idx="minor">
+            <a:schemeClr val="lt1"/>
+          </a:fontRef>
+        </p:style>
+        <p:txBody>
+          <a:bodyPr rtlCol="0" anchor="ctr"/>
+          <a:lstStyle/>
+          <a:p>
+            <a:pPr algn="ctr"/>
+            <a:endParaRPr lang="en-US" dirty="0"/>
+          </a:p>
+        </p:txBody>
+      </p:sp>
+      <p:sp>
+        <p:nvSpPr>
+          <p:cNvPr id="38" name="Rectangle 37">
+            <a:extLst>
+              <a:ext uri="{FF2B5EF4-FFF2-40B4-BE49-F238E27FC236}">
+                <a16:creationId xmlns:a16="http://schemas.microsoft.com/office/drawing/2014/main" id="{203508DA-924A-7712-6A47-9B4745FC892E}"/>
+              </a:ext>
+            </a:extLst>
+          </p:cNvPr>
+          <p:cNvSpPr/>
+          <p:nvPr/>
+        </p:nvSpPr>
+        <p:spPr>
+          <a:xfrm>
+            <a:off x="7974898" y="5091846"/>
+            <a:ext cx="2079666" cy="386080"/>
+          </a:xfrm>
+          <a:prstGeom prst="rect">
+            <a:avLst/>
+          </a:prstGeom>
+          <a:solidFill>
+            <a:srgbClr val="FFC000"/>
+          </a:solidFill>
+          <a:ln>
+            <a:noFill/>
+          </a:ln>
+        </p:spPr>
+        <p:style>
+          <a:lnRef idx="2">
+            <a:schemeClr val="accent1">
+              <a:shade val="50000"/>
+            </a:schemeClr>
+          </a:lnRef>
+          <a:fillRef idx="1">
+            <a:schemeClr val="accent1"/>
+          </a:fillRef>
+          <a:effectRef idx="0">
+            <a:schemeClr val="accent1"/>
+          </a:effectRef>
+          <a:fontRef idx="minor">
+            <a:schemeClr val="lt1"/>
+          </a:fontRef>
+        </p:style>
+        <p:txBody>
+          <a:bodyPr rtlCol="0" anchor="ctr"/>
+          <a:lstStyle/>
+          <a:p>
+            <a:pPr algn="ctr"/>
+            <a:endParaRPr lang="en-US"/>
+          </a:p>
+        </p:txBody>
+      </p:sp>
+      <p:sp>
+        <p:nvSpPr>
+          <p:cNvPr id="39" name="TextBox 38">
+            <a:extLst>
+              <a:ext uri="{FF2B5EF4-FFF2-40B4-BE49-F238E27FC236}">
+                <a16:creationId xmlns:a16="http://schemas.microsoft.com/office/drawing/2014/main" id="{6D2B70B9-6F80-4F6A-FB77-8EAF44DDA2B7}"/>
+              </a:ext>
+            </a:extLst>
+          </p:cNvPr>
+          <p:cNvSpPr txBox="1"/>
+          <p:nvPr/>
+        </p:nvSpPr>
+        <p:spPr>
+          <a:xfrm>
+            <a:off x="1567441" y="5061400"/>
+            <a:ext cx="1685077" cy="369332"/>
+          </a:xfrm>
+          <a:prstGeom prst="rect">
+            <a:avLst/>
+          </a:prstGeom>
+          <a:noFill/>
+        </p:spPr>
+        <p:txBody>
+          <a:bodyPr wrap="none" rtlCol="0">
+            <a:spAutoFit/>
+          </a:bodyPr>
+          <a:lstStyle/>
+          <a:p>
+            <a:pPr algn="r"/>
+            <a:r>
+              <a:rPr lang="en-US" dirty="0">
+                <a:latin typeface="Roboto Light" panose="02000000000000000000" pitchFamily="2" charset="0"/>
+                <a:ea typeface="Roboto Light" panose="02000000000000000000" pitchFamily="2" charset="0"/>
+              </a:rPr>
+              <a:t>Homelessness</a:t>
+            </a:r>
+          </a:p>
+        </p:txBody>
+      </p:sp>
+      <p:sp>
+        <p:nvSpPr>
+          <p:cNvPr id="40" name="TextBox 39">
+            <a:extLst>
+              <a:ext uri="{FF2B5EF4-FFF2-40B4-BE49-F238E27FC236}">
+                <a16:creationId xmlns:a16="http://schemas.microsoft.com/office/drawing/2014/main" id="{13C2D52E-9332-DAF3-A801-BF04D05AA31D}"/>
+              </a:ext>
+            </a:extLst>
+          </p:cNvPr>
+          <p:cNvSpPr txBox="1"/>
+          <p:nvPr/>
+        </p:nvSpPr>
+        <p:spPr>
+          <a:xfrm>
+            <a:off x="4979645" y="4811285"/>
+            <a:ext cx="659155" cy="307777"/>
+          </a:xfrm>
+          <a:prstGeom prst="rect">
+            <a:avLst/>
+          </a:prstGeom>
+          <a:noFill/>
+        </p:spPr>
+        <p:txBody>
+          <a:bodyPr wrap="none" rtlCol="0">
+            <a:spAutoFit/>
+          </a:bodyPr>
+          <a:lstStyle/>
+          <a:p>
+            <a:r>
+              <a:rPr lang="en-US" sz="1400" dirty="0">
+                <a:latin typeface="Roboto Light" panose="02000000000000000000" pitchFamily="2" charset="0"/>
+                <a:ea typeface="Roboto Light" panose="02000000000000000000" pitchFamily="2" charset="0"/>
+              </a:rPr>
+              <a:t>63.6%</a:t>
+            </a:r>
+          </a:p>
+        </p:txBody>
+      </p:sp>
+      <p:sp>
+        <p:nvSpPr>
+          <p:cNvPr id="41" name="TextBox 40">
+            <a:extLst>
+              <a:ext uri="{FF2B5EF4-FFF2-40B4-BE49-F238E27FC236}">
+                <a16:creationId xmlns:a16="http://schemas.microsoft.com/office/drawing/2014/main" id="{BD0B30EE-7C50-E9D8-2C50-CEDE731C67F0}"/>
+              </a:ext>
+            </a:extLst>
+          </p:cNvPr>
+          <p:cNvSpPr txBox="1"/>
+          <p:nvPr/>
+        </p:nvSpPr>
+        <p:spPr>
+          <a:xfrm>
+            <a:off x="7454086" y="4815620"/>
+            <a:ext cx="559769" cy="307777"/>
+          </a:xfrm>
+          <a:prstGeom prst="rect">
+            <a:avLst/>
+          </a:prstGeom>
+          <a:noFill/>
+        </p:spPr>
+        <p:txBody>
+          <a:bodyPr wrap="none" rtlCol="0">
+            <a:spAutoFit/>
+          </a:bodyPr>
+          <a:lstStyle/>
+          <a:p>
+            <a:r>
+              <a:rPr lang="en-US" sz="1400" dirty="0">
+                <a:latin typeface="Roboto Light" panose="02000000000000000000" pitchFamily="2" charset="0"/>
+                <a:ea typeface="Roboto Light" panose="02000000000000000000" pitchFamily="2" charset="0"/>
+              </a:rPr>
+              <a:t>4.4%</a:t>
+            </a:r>
+          </a:p>
+        </p:txBody>
+      </p:sp>
+      <p:sp>
+        <p:nvSpPr>
+          <p:cNvPr id="42" name="TextBox 41">
+            <a:extLst>
+              <a:ext uri="{FF2B5EF4-FFF2-40B4-BE49-F238E27FC236}">
+                <a16:creationId xmlns:a16="http://schemas.microsoft.com/office/drawing/2014/main" id="{F0DC6780-8401-706F-372B-765F599CF498}"/>
+              </a:ext>
+            </a:extLst>
+          </p:cNvPr>
+          <p:cNvSpPr txBox="1"/>
+          <p:nvPr/>
+        </p:nvSpPr>
+        <p:spPr>
+          <a:xfrm>
+            <a:off x="8734846" y="4815620"/>
+            <a:ext cx="659155" cy="307777"/>
+          </a:xfrm>
+          <a:prstGeom prst="rect">
+            <a:avLst/>
+          </a:prstGeom>
+          <a:noFill/>
+        </p:spPr>
+        <p:txBody>
+          <a:bodyPr wrap="none" rtlCol="0">
+            <a:spAutoFit/>
+          </a:bodyPr>
+          <a:lstStyle/>
+          <a:p>
+            <a:r>
+              <a:rPr lang="en-US" sz="1400" dirty="0">
+                <a:latin typeface="Roboto Light" panose="02000000000000000000" pitchFamily="2" charset="0"/>
+                <a:ea typeface="Roboto Light" panose="02000000000000000000" pitchFamily="2" charset="0"/>
+              </a:rPr>
+              <a:t>31.9%</a:t>
+            </a:r>
+          </a:p>
+        </p:txBody>
+      </p:sp>
+    </p:spTree>
+    <p:extLst>
+      <p:ext uri="{BB962C8B-B14F-4D97-AF65-F5344CB8AC3E}">
+        <p14:creationId xmlns:p14="http://schemas.microsoft.com/office/powerpoint/2010/main" val="2909554008"/>
+      </p:ext>
+    </p:extLst>
+  </p:cSld>
+  <p:clrMapOvr>
+    <a:masterClrMapping/>
+  </p:clrMapOvr>
+</p:sld>
+</file>
+
 <file path=ppt/theme/theme1.xml><?xml version="1.0" encoding="utf-8"?>
 <a:theme xmlns:a="http://schemas.openxmlformats.org/drawingml/2006/main" name="Office Theme">
   <a:themeElements>

--- a/2_query_gen/paper2_figures.pptx
+++ b/2_query_gen/paper2_figures.pptx
@@ -5,17 +5,18 @@
     <p:sldMasterId id="2147483648" r:id="rId1"/>
   </p:sldMasterIdLst>
   <p:notesMasterIdLst>
-    <p:notesMasterId r:id="rId10"/>
+    <p:notesMasterId r:id="rId11"/>
   </p:notesMasterIdLst>
   <p:sldIdLst>
     <p:sldId id="256" r:id="rId2"/>
     <p:sldId id="267" r:id="rId3"/>
-    <p:sldId id="265" r:id="rId4"/>
-    <p:sldId id="266" r:id="rId5"/>
-    <p:sldId id="262" r:id="rId6"/>
-    <p:sldId id="263" r:id="rId7"/>
-    <p:sldId id="264" r:id="rId8"/>
-    <p:sldId id="268" r:id="rId9"/>
+    <p:sldId id="269" r:id="rId4"/>
+    <p:sldId id="265" r:id="rId5"/>
+    <p:sldId id="266" r:id="rId6"/>
+    <p:sldId id="262" r:id="rId7"/>
+    <p:sldId id="263" r:id="rId8"/>
+    <p:sldId id="264" r:id="rId9"/>
+    <p:sldId id="268" r:id="rId10"/>
   </p:sldIdLst>
   <p:sldSz cx="12192000" cy="6858000"/>
   <p:notesSz cx="6858000" cy="9144000"/>
@@ -204,7 +205,7 @@
           <a:p>
             <a:fld id="{42A7560E-CF1B-6641-BCF4-14C496C90A0E}" type="datetimeFigureOut">
               <a:rPr lang="en-US" smtClean="0"/>
-              <a:t>8/3/22</a:t>
+              <a:t>8/17/22</a:t>
             </a:fld>
             <a:endParaRPr lang="en-US"/>
           </a:p>
@@ -536,7 +537,7 @@
           <a:p>
             <a:fld id="{ED8374DD-E871-8E4D-8457-C0E0CFD2B840}" type="slidenum">
               <a:rPr lang="en-US" smtClean="0"/>
-              <a:t>6</a:t>
+              <a:t>7</a:t>
             </a:fld>
             <a:endParaRPr lang="en-US"/>
           </a:p>
@@ -702,7 +703,7 @@
           <a:p>
             <a:fld id="{2DCC8752-14D1-7C42-B332-30A088D89386}" type="datetimeFigureOut">
               <a:rPr lang="en-US" smtClean="0"/>
-              <a:t>8/3/22</a:t>
+              <a:t>8/17/22</a:t>
             </a:fld>
             <a:endParaRPr lang="en-US"/>
           </a:p>
@@ -900,7 +901,7 @@
           <a:p>
             <a:fld id="{2DCC8752-14D1-7C42-B332-30A088D89386}" type="datetimeFigureOut">
               <a:rPr lang="en-US" smtClean="0"/>
-              <a:t>8/3/22</a:t>
+              <a:t>8/17/22</a:t>
             </a:fld>
             <a:endParaRPr lang="en-US"/>
           </a:p>
@@ -1108,7 +1109,7 @@
           <a:p>
             <a:fld id="{2DCC8752-14D1-7C42-B332-30A088D89386}" type="datetimeFigureOut">
               <a:rPr lang="en-US" smtClean="0"/>
-              <a:t>8/3/22</a:t>
+              <a:t>8/17/22</a:t>
             </a:fld>
             <a:endParaRPr lang="en-US"/>
           </a:p>
@@ -1306,7 +1307,7 @@
           <a:p>
             <a:fld id="{2DCC8752-14D1-7C42-B332-30A088D89386}" type="datetimeFigureOut">
               <a:rPr lang="en-US" smtClean="0"/>
-              <a:t>8/3/22</a:t>
+              <a:t>8/17/22</a:t>
             </a:fld>
             <a:endParaRPr lang="en-US"/>
           </a:p>
@@ -1581,7 +1582,7 @@
           <a:p>
             <a:fld id="{2DCC8752-14D1-7C42-B332-30A088D89386}" type="datetimeFigureOut">
               <a:rPr lang="en-US" smtClean="0"/>
-              <a:t>8/3/22</a:t>
+              <a:t>8/17/22</a:t>
             </a:fld>
             <a:endParaRPr lang="en-US"/>
           </a:p>
@@ -1846,7 +1847,7 @@
           <a:p>
             <a:fld id="{2DCC8752-14D1-7C42-B332-30A088D89386}" type="datetimeFigureOut">
               <a:rPr lang="en-US" smtClean="0"/>
-              <a:t>8/3/22</a:t>
+              <a:t>8/17/22</a:t>
             </a:fld>
             <a:endParaRPr lang="en-US"/>
           </a:p>
@@ -2258,7 +2259,7 @@
           <a:p>
             <a:fld id="{2DCC8752-14D1-7C42-B332-30A088D89386}" type="datetimeFigureOut">
               <a:rPr lang="en-US" smtClean="0"/>
-              <a:t>8/3/22</a:t>
+              <a:t>8/17/22</a:t>
             </a:fld>
             <a:endParaRPr lang="en-US"/>
           </a:p>
@@ -2399,7 +2400,7 @@
           <a:p>
             <a:fld id="{2DCC8752-14D1-7C42-B332-30A088D89386}" type="datetimeFigureOut">
               <a:rPr lang="en-US" smtClean="0"/>
-              <a:t>8/3/22</a:t>
+              <a:t>8/17/22</a:t>
             </a:fld>
             <a:endParaRPr lang="en-US"/>
           </a:p>
@@ -2512,7 +2513,7 @@
           <a:p>
             <a:fld id="{2DCC8752-14D1-7C42-B332-30A088D89386}" type="datetimeFigureOut">
               <a:rPr lang="en-US" smtClean="0"/>
-              <a:t>8/3/22</a:t>
+              <a:t>8/17/22</a:t>
             </a:fld>
             <a:endParaRPr lang="en-US"/>
           </a:p>
@@ -2823,7 +2824,7 @@
           <a:p>
             <a:fld id="{2DCC8752-14D1-7C42-B332-30A088D89386}" type="datetimeFigureOut">
               <a:rPr lang="en-US" smtClean="0"/>
-              <a:t>8/3/22</a:t>
+              <a:t>8/17/22</a:t>
             </a:fld>
             <a:endParaRPr lang="en-US"/>
           </a:p>
@@ -3111,7 +3112,7 @@
           <a:p>
             <a:fld id="{2DCC8752-14D1-7C42-B332-30A088D89386}" type="datetimeFigureOut">
               <a:rPr lang="en-US" smtClean="0"/>
-              <a:t>8/3/22</a:t>
+              <a:t>8/17/22</a:t>
             </a:fld>
             <a:endParaRPr lang="en-US"/>
           </a:p>
@@ -3352,7 +3353,7 @@
           <a:p>
             <a:fld id="{2DCC8752-14D1-7C42-B332-30A088D89386}" type="datetimeFigureOut">
               <a:rPr lang="en-US" smtClean="0"/>
-              <a:t>8/3/22</a:t>
+              <a:t>8/17/22</a:t>
             </a:fld>
             <a:endParaRPr lang="en-US"/>
           </a:p>
@@ -8987,8 +8988,8 @@
         </p:nvSpPr>
         <p:spPr>
           <a:xfrm>
-            <a:off x="-1134319" y="3514"/>
-            <a:ext cx="13195602" cy="7588468"/>
+            <a:off x="-1059856" y="0"/>
+            <a:ext cx="13195602" cy="7804916"/>
           </a:xfrm>
           <a:prstGeom prst="rect">
             <a:avLst/>
@@ -9071,7 +9072,11 @@
               </a:srgbClr>
             </a:solidFill>
             <a:ln>
-              <a:noFill/>
+              <a:solidFill>
+                <a:schemeClr val="bg1">
+                  <a:lumMod val="85000"/>
+                </a:schemeClr>
+              </a:solidFill>
             </a:ln>
           </p:spPr>
           <p:style>
@@ -9095,7 +9100,7 @@
             <a:lstStyle/>
             <a:p>
               <a:pPr algn="ctr"/>
-              <a:endParaRPr lang="en-US" sz="1400">
+              <a:endParaRPr lang="en-US" sz="1400" dirty="0">
                 <a:latin typeface="Consolas" panose="020B0609020204030204" pitchFamily="49" charset="0"/>
                 <a:cs typeface="Consolas" panose="020B0609020204030204" pitchFamily="49" charset="0"/>
               </a:endParaRPr>
@@ -9187,7 +9192,11 @@
               </a:srgbClr>
             </a:solidFill>
             <a:ln>
-              <a:noFill/>
+              <a:solidFill>
+                <a:schemeClr val="bg1">
+                  <a:lumMod val="85000"/>
+                </a:schemeClr>
+              </a:solidFill>
             </a:ln>
           </p:spPr>
           <p:style>
@@ -11294,7 +11303,11 @@
               </a:srgbClr>
             </a:solidFill>
             <a:ln>
-              <a:noFill/>
+              <a:solidFill>
+                <a:schemeClr val="bg1">
+                  <a:lumMod val="85000"/>
+                </a:schemeClr>
+              </a:solidFill>
             </a:ln>
           </p:spPr>
           <p:style>
@@ -11339,8 +11352,8 @@
           </p:nvSpPr>
           <p:spPr>
             <a:xfrm>
-              <a:off x="84081" y="3958370"/>
-              <a:ext cx="5283259" cy="738664"/>
+              <a:off x="84081" y="4031522"/>
+              <a:ext cx="5283259" cy="523220"/>
             </a:xfrm>
             <a:prstGeom prst="rect">
               <a:avLst/>
@@ -11559,17 +11572,6 @@
                 </a:rPr>
                 <a:t>)) with</a:t>
               </a:r>
-              <a:br>
-                <a:rPr lang="en-US" sz="1400" dirty="0">
-                  <a:solidFill>
-                    <a:schemeClr val="bg1">
-                      <a:lumMod val="65000"/>
-                    </a:schemeClr>
-                  </a:solidFill>
-                  <a:latin typeface="Consolas" panose="020B0609020204030204" pitchFamily="49" charset="0"/>
-                  <a:cs typeface="Consolas" panose="020B0609020204030204" pitchFamily="49" charset="0"/>
-                </a:rPr>
-              </a:br>
               <a:br>
                 <a:rPr lang="en-US" sz="1400" dirty="0">
                   <a:solidFill>
@@ -11771,7 +11773,11 @@
               </a:srgbClr>
             </a:solidFill>
             <a:ln>
-              <a:noFill/>
+              <a:solidFill>
+                <a:schemeClr val="bg1">
+                  <a:lumMod val="85000"/>
+                </a:schemeClr>
+              </a:solidFill>
             </a:ln>
           </p:spPr>
           <p:style>
@@ -12125,10 +12131,10 @@
         </p:nvGrpSpPr>
         <p:grpSpPr>
           <a:xfrm>
-            <a:off x="130717" y="4857653"/>
-            <a:ext cx="4224636" cy="2330751"/>
+            <a:off x="130718" y="4857653"/>
+            <a:ext cx="4189750" cy="2330751"/>
             <a:chOff x="5795469" y="1053636"/>
-            <a:chExt cx="2505250" cy="2330751"/>
+            <a:chExt cx="2484562" cy="2330751"/>
           </a:xfrm>
         </p:grpSpPr>
         <p:sp>
@@ -12157,7 +12163,11 @@
               </a:srgbClr>
             </a:solidFill>
             <a:ln>
-              <a:noFill/>
+              <a:solidFill>
+                <a:schemeClr val="bg1">
+                  <a:lumMod val="85000"/>
+                </a:schemeClr>
+              </a:solidFill>
             </a:ln>
           </p:spPr>
           <p:style>
@@ -12203,12 +12213,15 @@
           <p:spPr>
             <a:xfrm>
               <a:off x="5889843" y="1053636"/>
-              <a:ext cx="2410876" cy="2246769"/>
+              <a:ext cx="2390188" cy="2246769"/>
             </a:xfrm>
             <a:prstGeom prst="rect">
               <a:avLst/>
             </a:prstGeom>
             <a:noFill/>
+            <a:ln>
+              <a:noFill/>
+            </a:ln>
           </p:spPr>
           <p:txBody>
             <a:bodyPr wrap="square" rtlCol="0">
@@ -12732,7 +12745,11 @@
               </a:srgbClr>
             </a:solidFill>
             <a:ln>
-              <a:noFill/>
+              <a:solidFill>
+                <a:schemeClr val="bg1">
+                  <a:lumMod val="85000"/>
+                </a:schemeClr>
+              </a:solidFill>
             </a:ln>
           </p:spPr>
           <p:style>
@@ -13058,18 +13075,15 @@
                 </a:rPr>
                 <a:t>“Dolutegravir”</a:t>
               </a:r>
-              <a:r>
-                <a:rPr lang="en-US" sz="1400" dirty="0">
-                  <a:solidFill>
-                    <a:schemeClr val="bg1">
-                      <a:lumMod val="65000"/>
-                    </a:schemeClr>
-                  </a:solidFill>
-                  <a:latin typeface="Consolas" panose="020B0609020204030204" pitchFamily="49" charset="0"/>
-                  <a:cs typeface="Consolas" panose="020B0609020204030204" pitchFamily="49" charset="0"/>
-                </a:rPr>
-                <a:t>) ...</a:t>
-              </a:r>
+              <a:endParaRPr lang="en-US" sz="1400" dirty="0">
+                <a:solidFill>
+                  <a:schemeClr val="bg1">
+                    <a:lumMod val="65000"/>
+                  </a:schemeClr>
+                </a:solidFill>
+                <a:latin typeface="Consolas" panose="020B0609020204030204" pitchFamily="49" charset="0"/>
+                <a:cs typeface="Consolas" panose="020B0609020204030204" pitchFamily="49" charset="0"/>
+              </a:endParaRPr>
             </a:p>
             <a:p>
               <a:r>
@@ -13116,10 +13130,10 @@
         </p:nvGrpSpPr>
         <p:grpSpPr>
           <a:xfrm>
-            <a:off x="6927222" y="188803"/>
-            <a:ext cx="5010588" cy="1672678"/>
-            <a:chOff x="5454566" y="1067846"/>
-            <a:chExt cx="2971327" cy="1672678"/>
+            <a:off x="6927221" y="45600"/>
+            <a:ext cx="5010588" cy="1892328"/>
+            <a:chOff x="5454565" y="924643"/>
+            <a:chExt cx="2971327" cy="1892328"/>
           </a:xfrm>
         </p:grpSpPr>
         <p:sp>
@@ -13136,8 +13150,8 @@
           </p:nvSpPr>
           <p:spPr>
             <a:xfrm>
-              <a:off x="5454566" y="1067846"/>
-              <a:ext cx="2971327" cy="1539628"/>
+              <a:off x="5454565" y="924643"/>
+              <a:ext cx="2971327" cy="1682496"/>
             </a:xfrm>
             <a:prstGeom prst="roundRect">
               <a:avLst/>
@@ -13148,7 +13162,11 @@
               </a:srgbClr>
             </a:solidFill>
             <a:ln>
-              <a:noFill/>
+              <a:solidFill>
+                <a:schemeClr val="bg1">
+                  <a:lumMod val="85000"/>
+                </a:schemeClr>
+              </a:solidFill>
             </a:ln>
           </p:spPr>
           <p:style>
@@ -13190,8 +13208,8 @@
           </p:nvSpPr>
           <p:spPr>
             <a:xfrm>
-              <a:off x="5454566" y="1140086"/>
-              <a:ext cx="2933937" cy="1600438"/>
+              <a:off x="5454565" y="1001089"/>
+              <a:ext cx="2933937" cy="1815882"/>
             </a:xfrm>
             <a:prstGeom prst="rect">
               <a:avLst/>
@@ -13212,19 +13230,20 @@
                   <a:latin typeface="Consolas" panose="020B0609020204030204" pitchFamily="49" charset="0"/>
                   <a:cs typeface="Consolas" panose="020B0609020204030204" pitchFamily="49" charset="0"/>
                 </a:rPr>
-                <a:t>INTERSECT</a:t>
-              </a:r>
-              <a:endParaRPr lang="en-US" sz="1400" dirty="0">
-                <a:solidFill>
-                  <a:schemeClr val="bg1">
-                    <a:lumMod val="65000"/>
-                  </a:schemeClr>
-                </a:solidFill>
-                <a:latin typeface="Consolas" panose="020B0609020204030204" pitchFamily="49" charset="0"/>
-                <a:cs typeface="Consolas" panose="020B0609020204030204" pitchFamily="49" charset="0"/>
-              </a:endParaRPr>
-            </a:p>
-            <a:p>
+                <a:t>SELECT</a:t>
+              </a:r>
+              <a:r>
+                <a:rPr lang="en-US" sz="1400" dirty="0">
+                  <a:solidFill>
+                    <a:schemeClr val="bg1">
+                      <a:lumMod val="65000"/>
+                    </a:schemeClr>
+                  </a:solidFill>
+                  <a:latin typeface="Consolas" panose="020B0609020204030204" pitchFamily="49" charset="0"/>
+                  <a:cs typeface="Consolas" panose="020B0609020204030204" pitchFamily="49" charset="0"/>
+                </a:rPr>
+                <a:t>...</a:t>
+              </a:r>
               <a:r>
                 <a:rPr lang="en-US" sz="1400" dirty="0">
                   <a:solidFill>
@@ -13235,7 +13254,7 @@
                   <a:latin typeface="Consolas" panose="020B0609020204030204" pitchFamily="49" charset="0"/>
                   <a:cs typeface="Consolas" panose="020B0609020204030204" pitchFamily="49" charset="0"/>
                 </a:rPr>
-                <a:t>  </a:t>
+                <a:t> </a:t>
               </a:r>
               <a:r>
                 <a:rPr lang="en-US" sz="1400" dirty="0">
@@ -13245,7 +13264,41 @@
                   <a:latin typeface="Consolas" panose="020B0609020204030204" pitchFamily="49" charset="0"/>
                   <a:cs typeface="Consolas" panose="020B0609020204030204" pitchFamily="49" charset="0"/>
                 </a:rPr>
-                <a:t>SELECT</a:t>
+                <a:t>FROM </a:t>
+              </a:r>
+              <a:r>
+                <a:rPr lang="en-US" sz="1400" dirty="0">
+                  <a:solidFill>
+                    <a:schemeClr val="accent5">
+                      <a:lumMod val="75000"/>
+                    </a:schemeClr>
+                  </a:solidFill>
+                  <a:latin typeface="Consolas" panose="020B0609020204030204" pitchFamily="49" charset="0"/>
+                  <a:cs typeface="Consolas" panose="020B0609020204030204" pitchFamily="49" charset="0"/>
+                </a:rPr>
+                <a:t>condition </a:t>
+              </a:r>
+              <a:r>
+                <a:rPr lang="en-US" sz="1400" dirty="0">
+                  <a:solidFill>
+                    <a:srgbClr val="9F20B9"/>
+                  </a:solidFill>
+                  <a:latin typeface="Consolas" panose="020B0609020204030204" pitchFamily="49" charset="0"/>
+                  <a:cs typeface="Consolas" panose="020B0609020204030204" pitchFamily="49" charset="0"/>
+                </a:rPr>
+                <a:t>WHERE</a:t>
+              </a:r>
+              <a:r>
+                <a:rPr lang="en-US" sz="1400" dirty="0">
+                  <a:solidFill>
+                    <a:schemeClr val="accent5">
+                      <a:lumMod val="75000"/>
+                    </a:schemeClr>
+                  </a:solidFill>
+                  <a:latin typeface="Consolas" panose="020B0609020204030204" pitchFamily="49" charset="0"/>
+                  <a:cs typeface="Consolas" panose="020B0609020204030204" pitchFamily="49" charset="0"/>
+                </a:rPr>
+                <a:t> dx_code</a:t>
               </a:r>
               <a:r>
                 <a:rPr lang="en-US" sz="1400" dirty="0">
@@ -13259,6 +13312,63 @@
                 </a:rPr>
                 <a:t>...</a:t>
               </a:r>
+            </a:p>
+            <a:p>
+              <a:r>
+                <a:rPr lang="en-US" sz="1400" dirty="0">
+                  <a:solidFill>
+                    <a:srgbClr val="9F20B9"/>
+                  </a:solidFill>
+                  <a:latin typeface="Consolas" panose="020B0609020204030204" pitchFamily="49" charset="0"/>
+                  <a:cs typeface="Consolas" panose="020B0609020204030204" pitchFamily="49" charset="0"/>
+                </a:rPr>
+                <a:t>INTERSECT</a:t>
+              </a:r>
+              <a:r>
+                <a:rPr lang="en-US" sz="1400" dirty="0">
+                  <a:solidFill>
+                    <a:schemeClr val="bg1">
+                      <a:lumMod val="65000"/>
+                    </a:schemeClr>
+                  </a:solidFill>
+                  <a:latin typeface="Consolas" panose="020B0609020204030204" pitchFamily="49" charset="0"/>
+                  <a:cs typeface="Consolas" panose="020B0609020204030204" pitchFamily="49" charset="0"/>
+                </a:rPr>
+                <a:t> </a:t>
+              </a:r>
+              <a:br>
+                <a:rPr lang="en-US" sz="1400" dirty="0">
+                  <a:solidFill>
+                    <a:schemeClr val="bg1">
+                      <a:lumMod val="65000"/>
+                    </a:schemeClr>
+                  </a:solidFill>
+                  <a:latin typeface="Consolas" panose="020B0609020204030204" pitchFamily="49" charset="0"/>
+                  <a:cs typeface="Consolas" panose="020B0609020204030204" pitchFamily="49" charset="0"/>
+                </a:rPr>
+              </a:br>
+              <a:r>
+                <a:rPr lang="en-US" sz="1400" dirty="0">
+                  <a:solidFill>
+                    <a:srgbClr val="9F20B9"/>
+                  </a:solidFill>
+                  <a:latin typeface="Consolas" panose="020B0609020204030204" pitchFamily="49" charset="0"/>
+                  <a:cs typeface="Consolas" panose="020B0609020204030204" pitchFamily="49" charset="0"/>
+                </a:rPr>
+                <a:t>SELECT</a:t>
+              </a:r>
+              <a:r>
+                <a:rPr lang="en-US" sz="1400" dirty="0">
+                  <a:solidFill>
+                    <a:schemeClr val="bg1">
+                      <a:lumMod val="65000"/>
+                    </a:schemeClr>
+                  </a:solidFill>
+                  <a:latin typeface="Consolas" panose="020B0609020204030204" pitchFamily="49" charset="0"/>
+                  <a:cs typeface="Consolas" panose="020B0609020204030204" pitchFamily="49" charset="0"/>
+                </a:rPr>
+                <a:t>...</a:t>
+              </a:r>
               <a:r>
                 <a:rPr lang="en-US" sz="1400" dirty="0">
                   <a:solidFill>
@@ -13279,7 +13389,7 @@
                   <a:latin typeface="Consolas" panose="020B0609020204030204" pitchFamily="49" charset="0"/>
                   <a:cs typeface="Consolas" panose="020B0609020204030204" pitchFamily="49" charset="0"/>
                 </a:rPr>
-                <a:t>FROM </a:t>
+                <a:t>FROM</a:t>
               </a:r>
               <a:r>
                 <a:rPr lang="en-US" sz="1400" dirty="0">
@@ -13291,7 +13401,7 @@
                   <a:latin typeface="Consolas" panose="020B0609020204030204" pitchFamily="49" charset="0"/>
                   <a:cs typeface="Consolas" panose="020B0609020204030204" pitchFamily="49" charset="0"/>
                 </a:rPr>
-                <a:t>condition </a:t>
+                <a:t> person </a:t>
               </a:r>
               <a:r>
                 <a:rPr lang="en-US" sz="1400" dirty="0">
@@ -13313,7 +13423,7 @@
                   <a:latin typeface="Consolas" panose="020B0609020204030204" pitchFamily="49" charset="0"/>
                   <a:cs typeface="Consolas" panose="020B0609020204030204" pitchFamily="49" charset="0"/>
                 </a:rPr>
-                <a:t> dx_code</a:t>
+                <a:t> age &gt; 65</a:t>
               </a:r>
               <a:r>
                 <a:rPr lang="en-US" sz="1400" dirty="0">
@@ -13325,7 +13435,19 @@
                   <a:latin typeface="Consolas" panose="020B0609020204030204" pitchFamily="49" charset="0"/>
                   <a:cs typeface="Consolas" panose="020B0609020204030204" pitchFamily="49" charset="0"/>
                 </a:rPr>
-                <a:t>... </a:t>
+                <a:t> </a:t>
+              </a:r>
+            </a:p>
+            <a:p>
+              <a:r>
+                <a:rPr lang="en-US" sz="1400" dirty="0">
+                  <a:solidFill>
+                    <a:srgbClr val="9F20B9"/>
+                  </a:solidFill>
+                  <a:latin typeface="Consolas" panose="020B0609020204030204" pitchFamily="49" charset="0"/>
+                  <a:cs typeface="Consolas" panose="020B0609020204030204" pitchFamily="49" charset="0"/>
+                </a:rPr>
+                <a:t>INTERSECT</a:t>
               </a:r>
               <a:br>
                 <a:rPr lang="en-US" sz="1400" dirty="0">
@@ -13338,131 +13460,6 @@
                   <a:cs typeface="Consolas" panose="020B0609020204030204" pitchFamily="49" charset="0"/>
                 </a:rPr>
               </a:br>
-              <a:r>
-                <a:rPr lang="en-US" sz="1400" dirty="0">
-                  <a:solidFill>
-                    <a:schemeClr val="bg1">
-                      <a:lumMod val="65000"/>
-                    </a:schemeClr>
-                  </a:solidFill>
-                  <a:latin typeface="Consolas" panose="020B0609020204030204" pitchFamily="49" charset="0"/>
-                  <a:cs typeface="Consolas" panose="020B0609020204030204" pitchFamily="49" charset="0"/>
-                </a:rPr>
-                <a:t>  </a:t>
-              </a:r>
-              <a:r>
-                <a:rPr lang="en-US" sz="1400" dirty="0">
-                  <a:solidFill>
-                    <a:srgbClr val="9F20B9"/>
-                  </a:solidFill>
-                  <a:latin typeface="Consolas" panose="020B0609020204030204" pitchFamily="49" charset="0"/>
-                  <a:cs typeface="Consolas" panose="020B0609020204030204" pitchFamily="49" charset="0"/>
-                </a:rPr>
-                <a:t>SELECT</a:t>
-              </a:r>
-              <a:r>
-                <a:rPr lang="en-US" sz="1400" dirty="0">
-                  <a:solidFill>
-                    <a:schemeClr val="bg1">
-                      <a:lumMod val="65000"/>
-                    </a:schemeClr>
-                  </a:solidFill>
-                  <a:latin typeface="Consolas" panose="020B0609020204030204" pitchFamily="49" charset="0"/>
-                  <a:cs typeface="Consolas" panose="020B0609020204030204" pitchFamily="49" charset="0"/>
-                </a:rPr>
-                <a:t>...</a:t>
-              </a:r>
-              <a:r>
-                <a:rPr lang="en-US" sz="1400" dirty="0">
-                  <a:solidFill>
-                    <a:schemeClr val="accent5">
-                      <a:lumMod val="75000"/>
-                    </a:schemeClr>
-                  </a:solidFill>
-                  <a:latin typeface="Consolas" panose="020B0609020204030204" pitchFamily="49" charset="0"/>
-                  <a:cs typeface="Consolas" panose="020B0609020204030204" pitchFamily="49" charset="0"/>
-                </a:rPr>
-                <a:t> </a:t>
-              </a:r>
-              <a:r>
-                <a:rPr lang="en-US" sz="1400" dirty="0">
-                  <a:solidFill>
-                    <a:srgbClr val="9F20B9"/>
-                  </a:solidFill>
-                  <a:latin typeface="Consolas" panose="020B0609020204030204" pitchFamily="49" charset="0"/>
-                  <a:cs typeface="Consolas" panose="020B0609020204030204" pitchFamily="49" charset="0"/>
-                </a:rPr>
-                <a:t>FROM</a:t>
-              </a:r>
-              <a:r>
-                <a:rPr lang="en-US" sz="1400" dirty="0">
-                  <a:solidFill>
-                    <a:schemeClr val="accent5">
-                      <a:lumMod val="75000"/>
-                    </a:schemeClr>
-                  </a:solidFill>
-                  <a:latin typeface="Consolas" panose="020B0609020204030204" pitchFamily="49" charset="0"/>
-                  <a:cs typeface="Consolas" panose="020B0609020204030204" pitchFamily="49" charset="0"/>
-                </a:rPr>
-                <a:t> person </a:t>
-              </a:r>
-              <a:r>
-                <a:rPr lang="en-US" sz="1400" dirty="0">
-                  <a:solidFill>
-                    <a:srgbClr val="9F20B9"/>
-                  </a:solidFill>
-                  <a:latin typeface="Consolas" panose="020B0609020204030204" pitchFamily="49" charset="0"/>
-                  <a:cs typeface="Consolas" panose="020B0609020204030204" pitchFamily="49" charset="0"/>
-                </a:rPr>
-                <a:t>WHERE</a:t>
-              </a:r>
-              <a:r>
-                <a:rPr lang="en-US" sz="1400" dirty="0">
-                  <a:solidFill>
-                    <a:schemeClr val="accent5">
-                      <a:lumMod val="75000"/>
-                    </a:schemeClr>
-                  </a:solidFill>
-                  <a:latin typeface="Consolas" panose="020B0609020204030204" pitchFamily="49" charset="0"/>
-                  <a:cs typeface="Consolas" panose="020B0609020204030204" pitchFamily="49" charset="0"/>
-                </a:rPr>
-                <a:t> age &gt; 65</a:t>
-              </a:r>
-              <a:r>
-                <a:rPr lang="en-US" sz="1400" dirty="0">
-                  <a:solidFill>
-                    <a:schemeClr val="bg1">
-                      <a:lumMod val="65000"/>
-                    </a:schemeClr>
-                  </a:solidFill>
-                  <a:latin typeface="Consolas" panose="020B0609020204030204" pitchFamily="49" charset="0"/>
-                  <a:cs typeface="Consolas" panose="020B0609020204030204" pitchFamily="49" charset="0"/>
-                </a:rPr>
-                <a:t> </a:t>
-              </a:r>
-              <a:br>
-                <a:rPr lang="en-US" sz="1400" dirty="0">
-                  <a:solidFill>
-                    <a:schemeClr val="bg1">
-                      <a:lumMod val="65000"/>
-                    </a:schemeClr>
-                  </a:solidFill>
-                  <a:latin typeface="Consolas" panose="020B0609020204030204" pitchFamily="49" charset="0"/>
-                  <a:cs typeface="Consolas" panose="020B0609020204030204" pitchFamily="49" charset="0"/>
-                </a:rPr>
-              </a:br>
-              <a:r>
-                <a:rPr lang="en-US" sz="1400" dirty="0">
-                  <a:solidFill>
-                    <a:schemeClr val="bg1">
-                      <a:lumMod val="65000"/>
-                    </a:schemeClr>
-                  </a:solidFill>
-                  <a:latin typeface="Consolas" panose="020B0609020204030204" pitchFamily="49" charset="0"/>
-                  <a:cs typeface="Consolas" panose="020B0609020204030204" pitchFamily="49" charset="0"/>
-                </a:rPr>
-                <a:t>  </a:t>
-              </a:r>
               <a:r>
                 <a:rPr lang="en-US" sz="1400" dirty="0">
                   <a:solidFill>
@@ -13936,7 +13933,7 @@
                 <a:latin typeface="Roboto" panose="02000000000000000000" pitchFamily="2" charset="0"/>
                 <a:ea typeface="Roboto" panose="02000000000000000000" pitchFamily="2" charset="0"/>
               </a:rPr>
-              <a:t>Transform to logical form input string</a:t>
+              <a:t>Prepare logical form input</a:t>
             </a:r>
           </a:p>
         </p:txBody>
@@ -13955,8 +13952,8 @@
         </p:nvSpPr>
         <p:spPr>
           <a:xfrm>
-            <a:off x="-1045432" y="5329795"/>
-            <a:ext cx="1162033" cy="485697"/>
+            <a:off x="-1041952" y="5268994"/>
+            <a:ext cx="1162033" cy="600630"/>
           </a:xfrm>
           <a:prstGeom prst="roundRect">
             <a:avLst/>
@@ -13991,7 +13988,7 @@
                 <a:latin typeface="Roboto" panose="02000000000000000000" pitchFamily="2" charset="0"/>
                 <a:ea typeface="Roboto" panose="02000000000000000000" pitchFamily="2" charset="0"/>
               </a:rPr>
-              <a:t>Predict logical form structure</a:t>
+              <a:t>Transform to logical form structure</a:t>
             </a:r>
           </a:p>
         </p:txBody>
@@ -14212,7 +14209,7 @@
         </p:nvSpPr>
         <p:spPr>
           <a:xfrm>
-            <a:off x="5495691" y="2864074"/>
+            <a:off x="5457191" y="2864074"/>
             <a:ext cx="1400683" cy="738664"/>
           </a:xfrm>
           <a:prstGeom prst="roundRect">
@@ -14303,7 +14300,7 @@
                 <a:latin typeface="Roboto" panose="02000000000000000000" pitchFamily="2" charset="0"/>
                 <a:ea typeface="Roboto" panose="02000000000000000000" pitchFamily="2" charset="0"/>
               </a:rPr>
-              <a:t>Map to database Semantic Metadata Annotation and generate SQL queries</a:t>
+              <a:t>Link to Semantic Metadata Mapping and generate SQL queries</a:t>
             </a:r>
           </a:p>
         </p:txBody>
@@ -14518,8 +14515,8 @@
         </p:nvSpPr>
         <p:spPr>
           <a:xfrm rot="5400000">
-            <a:off x="-1252588" y="6630308"/>
-            <a:ext cx="1608712" cy="87345"/>
+            <a:off x="-1204682" y="6675378"/>
+            <a:ext cx="1515734" cy="90183"/>
           </a:xfrm>
           <a:prstGeom prst="rect">
             <a:avLst/>
@@ -14567,6 +14564,2196 @@
 </file>
 
 <file path=ppt/slides/slide3.xml><?xml version="1.0" encoding="utf-8"?>
+<p:sld xmlns:a="http://schemas.openxmlformats.org/drawingml/2006/main" xmlns:r="http://schemas.openxmlformats.org/officeDocument/2006/relationships" xmlns:p="http://schemas.openxmlformats.org/presentationml/2006/main">
+  <p:cSld>
+    <p:spTree>
+      <p:nvGrpSpPr>
+        <p:cNvPr id="1" name=""/>
+        <p:cNvGrpSpPr/>
+        <p:nvPr/>
+      </p:nvGrpSpPr>
+      <p:grpSpPr>
+        <a:xfrm>
+          <a:off x="0" y="0"/>
+          <a:ext cx="0" cy="0"/>
+          <a:chOff x="0" y="0"/>
+          <a:chExt cx="0" cy="0"/>
+        </a:xfrm>
+      </p:grpSpPr>
+      <p:grpSp>
+        <p:nvGrpSpPr>
+          <p:cNvPr id="14" name="Group 13">
+            <a:extLst>
+              <a:ext uri="{FF2B5EF4-FFF2-40B4-BE49-F238E27FC236}">
+                <a16:creationId xmlns:a16="http://schemas.microsoft.com/office/drawing/2014/main" id="{D0F912F2-20D1-ABD2-98E4-D1D71BE7988A}"/>
+              </a:ext>
+            </a:extLst>
+          </p:cNvPr>
+          <p:cNvGrpSpPr/>
+          <p:nvPr/>
+        </p:nvGrpSpPr>
+        <p:grpSpPr>
+          <a:xfrm>
+            <a:off x="4503871" y="21827"/>
+            <a:ext cx="5672329" cy="789136"/>
+            <a:chOff x="5795469" y="1067845"/>
+            <a:chExt cx="1901879" cy="789136"/>
+          </a:xfrm>
+        </p:grpSpPr>
+        <p:sp>
+          <p:nvSpPr>
+            <p:cNvPr id="16" name="Rounded Rectangle 15">
+              <a:extLst>
+                <a:ext uri="{FF2B5EF4-FFF2-40B4-BE49-F238E27FC236}">
+                  <a16:creationId xmlns:a16="http://schemas.microsoft.com/office/drawing/2014/main" id="{8047D057-9D34-C179-0EBB-B9327E8056B9}"/>
+                </a:ext>
+              </a:extLst>
+            </p:cNvPr>
+            <p:cNvSpPr/>
+            <p:nvPr/>
+          </p:nvSpPr>
+          <p:spPr>
+            <a:xfrm>
+              <a:off x="5795469" y="1067845"/>
+              <a:ext cx="1901879" cy="624164"/>
+            </a:xfrm>
+            <a:prstGeom prst="roundRect">
+              <a:avLst/>
+            </a:prstGeom>
+            <a:solidFill>
+              <a:srgbClr val="E3E8F7">
+                <a:alpha val="32941"/>
+              </a:srgbClr>
+            </a:solidFill>
+            <a:ln>
+              <a:solidFill>
+                <a:schemeClr val="bg1">
+                  <a:lumMod val="85000"/>
+                </a:schemeClr>
+              </a:solidFill>
+            </a:ln>
+          </p:spPr>
+          <p:style>
+            <a:lnRef idx="2">
+              <a:schemeClr val="accent1">
+                <a:shade val="50000"/>
+              </a:schemeClr>
+            </a:lnRef>
+            <a:fillRef idx="1">
+              <a:schemeClr val="accent1"/>
+            </a:fillRef>
+            <a:effectRef idx="0">
+              <a:schemeClr val="accent1"/>
+            </a:effectRef>
+            <a:fontRef idx="minor">
+              <a:schemeClr val="lt1"/>
+            </a:fontRef>
+          </p:style>
+          <p:txBody>
+            <a:bodyPr rtlCol="0" anchor="ctr"/>
+            <a:lstStyle/>
+            <a:p>
+              <a:pPr algn="ctr"/>
+              <a:endParaRPr lang="en-US" sz="1400">
+                <a:latin typeface="Consolas" panose="020B0609020204030204" pitchFamily="49" charset="0"/>
+                <a:cs typeface="Consolas" panose="020B0609020204030204" pitchFamily="49" charset="0"/>
+              </a:endParaRPr>
+            </a:p>
+          </p:txBody>
+        </p:sp>
+        <p:sp>
+          <p:nvSpPr>
+            <p:cNvPr id="17" name="TextBox 16">
+              <a:extLst>
+                <a:ext uri="{FF2B5EF4-FFF2-40B4-BE49-F238E27FC236}">
+                  <a16:creationId xmlns:a16="http://schemas.microsoft.com/office/drawing/2014/main" id="{C3F6F53D-16B6-F295-4D01-D3126565BB06}"/>
+                </a:ext>
+              </a:extLst>
+            </p:cNvPr>
+            <p:cNvSpPr txBox="1"/>
+            <p:nvPr/>
+          </p:nvSpPr>
+          <p:spPr>
+            <a:xfrm>
+              <a:off x="5881471" y="1118317"/>
+              <a:ext cx="1815877" cy="738664"/>
+            </a:xfrm>
+            <a:prstGeom prst="rect">
+              <a:avLst/>
+            </a:prstGeom>
+            <a:noFill/>
+            <a:ln>
+              <a:noFill/>
+            </a:ln>
+          </p:spPr>
+          <p:txBody>
+            <a:bodyPr wrap="square" rtlCol="0">
+              <a:spAutoFit/>
+            </a:bodyPr>
+            <a:lstStyle/>
+            <a:p>
+              <a:r>
+                <a:rPr lang="en-US" sz="1400" dirty="0">
+                  <a:solidFill>
+                    <a:schemeClr val="accent6"/>
+                  </a:solidFill>
+                  <a:latin typeface="Consolas" panose="020B0609020204030204" pitchFamily="49" charset="0"/>
+                  <a:cs typeface="Consolas" panose="020B0609020204030204" pitchFamily="49" charset="0"/>
+                </a:rPr>
+                <a:t>lab</a:t>
+              </a:r>
+              <a:r>
+                <a:rPr lang="en-US" sz="1400" dirty="0">
+                  <a:solidFill>
+                    <a:schemeClr val="bg1">
+                      <a:lumMod val="65000"/>
+                    </a:schemeClr>
+                  </a:solidFill>
+                  <a:latin typeface="Consolas" panose="020B0609020204030204" pitchFamily="49" charset="0"/>
+                  <a:cs typeface="Consolas" panose="020B0609020204030204" pitchFamily="49" charset="0"/>
+                </a:rPr>
+                <a:t>(</a:t>
+              </a:r>
+              <a:r>
+                <a:rPr lang="en-US" sz="1400" dirty="0">
+                  <a:solidFill>
+                    <a:schemeClr val="accent5">
+                      <a:lumMod val="75000"/>
+                    </a:schemeClr>
+                  </a:solidFill>
+                  <a:latin typeface="Consolas" panose="020B0609020204030204" pitchFamily="49" charset="0"/>
+                  <a:cs typeface="Consolas" panose="020B0609020204030204" pitchFamily="49" charset="0"/>
+                </a:rPr>
+                <a:t>CUI: C0362994, LOINC: 777-3, </a:t>
+              </a:r>
+              <a:r>
+                <a:rPr lang="en-US" sz="1400" dirty="0">
+                  <a:solidFill>
+                    <a:srgbClr val="C00000"/>
+                  </a:solidFill>
+                  <a:latin typeface="Consolas" panose="020B0609020204030204" pitchFamily="49" charset="0"/>
+                  <a:cs typeface="Consolas" panose="020B0609020204030204" pitchFamily="49" charset="0"/>
+                </a:rPr>
+                <a:t>“Platelet count”</a:t>
+              </a:r>
+              <a:r>
+                <a:rPr lang="en-US" sz="1400" dirty="0">
+                  <a:solidFill>
+                    <a:schemeClr val="bg1">
+                      <a:lumMod val="65000"/>
+                    </a:schemeClr>
+                  </a:solidFill>
+                  <a:latin typeface="Consolas" panose="020B0609020204030204" pitchFamily="49" charset="0"/>
+                  <a:cs typeface="Consolas" panose="020B0609020204030204" pitchFamily="49" charset="0"/>
+                </a:rPr>
+                <a:t>)</a:t>
+              </a:r>
+            </a:p>
+            <a:p>
+              <a:r>
+                <a:rPr lang="en-US" sz="1400" dirty="0">
+                  <a:solidFill>
+                    <a:schemeClr val="bg1">
+                      <a:lumMod val="65000"/>
+                    </a:schemeClr>
+                  </a:solidFill>
+                  <a:latin typeface="Consolas" panose="020B0609020204030204" pitchFamily="49" charset="0"/>
+                  <a:cs typeface="Consolas" panose="020B0609020204030204" pitchFamily="49" charset="0"/>
+                </a:rPr>
+                <a:t>    .</a:t>
+              </a:r>
+              <a:r>
+                <a:rPr lang="en-US" sz="1400" dirty="0">
+                  <a:solidFill>
+                    <a:schemeClr val="accent5"/>
+                  </a:solidFill>
+                  <a:latin typeface="Consolas" panose="020B0609020204030204" pitchFamily="49" charset="0"/>
+                  <a:cs typeface="Consolas" panose="020B0609020204030204" pitchFamily="49" charset="0"/>
+                </a:rPr>
+                <a:t>num_filter</a:t>
+              </a:r>
+              <a:r>
+                <a:rPr lang="en-US" sz="1400" dirty="0">
+                  <a:solidFill>
+                    <a:schemeClr val="bg1">
+                      <a:lumMod val="65000"/>
+                    </a:schemeClr>
+                  </a:solidFill>
+                  <a:latin typeface="Consolas" panose="020B0609020204030204" pitchFamily="49" charset="0"/>
+                  <a:cs typeface="Consolas" panose="020B0609020204030204" pitchFamily="49" charset="0"/>
+                </a:rPr>
+                <a:t>(</a:t>
+              </a:r>
+              <a:r>
+                <a:rPr lang="en-US" sz="1400" dirty="0">
+                  <a:solidFill>
+                    <a:schemeClr val="accent5">
+                      <a:lumMod val="60000"/>
+                      <a:lumOff val="40000"/>
+                    </a:schemeClr>
+                  </a:solidFill>
+                  <a:latin typeface="Consolas" panose="020B0609020204030204" pitchFamily="49" charset="0"/>
+                  <a:cs typeface="Consolas" panose="020B0609020204030204" pitchFamily="49" charset="0"/>
+                </a:rPr>
+                <a:t>eq</a:t>
+              </a:r>
+              <a:r>
+                <a:rPr lang="en-US" sz="1400" dirty="0">
+                  <a:solidFill>
+                    <a:schemeClr val="bg1">
+                      <a:lumMod val="65000"/>
+                    </a:schemeClr>
+                  </a:solidFill>
+                  <a:latin typeface="Consolas" panose="020B0609020204030204" pitchFamily="49" charset="0"/>
+                  <a:cs typeface="Consolas" panose="020B0609020204030204" pitchFamily="49" charset="0"/>
+                </a:rPr>
+                <a:t>(</a:t>
+              </a:r>
+              <a:r>
+                <a:rPr lang="en-US" sz="1400" dirty="0">
+                  <a:solidFill>
+                    <a:schemeClr val="accent5">
+                      <a:lumMod val="60000"/>
+                      <a:lumOff val="40000"/>
+                    </a:schemeClr>
+                  </a:solidFill>
+                  <a:latin typeface="Consolas" panose="020B0609020204030204" pitchFamily="49" charset="0"/>
+                  <a:cs typeface="Consolas" panose="020B0609020204030204" pitchFamily="49" charset="0"/>
+                </a:rPr>
+                <a:t>op</a:t>
+              </a:r>
+              <a:r>
+                <a:rPr lang="en-US" sz="1400" dirty="0">
+                  <a:solidFill>
+                    <a:schemeClr val="bg1">
+                      <a:lumMod val="65000"/>
+                    </a:schemeClr>
+                  </a:solidFill>
+                  <a:latin typeface="Consolas" panose="020B0609020204030204" pitchFamily="49" charset="0"/>
+                  <a:cs typeface="Consolas" panose="020B0609020204030204" pitchFamily="49" charset="0"/>
+                </a:rPr>
+                <a:t>(</a:t>
+              </a:r>
+              <a:r>
+                <a:rPr lang="en-US" sz="1400" dirty="0">
+                  <a:solidFill>
+                    <a:schemeClr val="accent1"/>
+                  </a:solidFill>
+                  <a:latin typeface="Consolas" panose="020B0609020204030204" pitchFamily="49" charset="0"/>
+                  <a:cs typeface="Consolas" panose="020B0609020204030204" pitchFamily="49" charset="0"/>
+                </a:rPr>
+                <a:t>LT</a:t>
+              </a:r>
+              <a:r>
+                <a:rPr lang="en-US" sz="1400" dirty="0">
+                  <a:solidFill>
+                    <a:schemeClr val="bg1">
+                      <a:lumMod val="65000"/>
+                    </a:schemeClr>
+                  </a:solidFill>
+                  <a:latin typeface="Consolas" panose="020B0609020204030204" pitchFamily="49" charset="0"/>
+                  <a:cs typeface="Consolas" panose="020B0609020204030204" pitchFamily="49" charset="0"/>
+                </a:rPr>
+                <a:t>),</a:t>
+              </a:r>
+              <a:r>
+                <a:rPr lang="en-US" sz="1400" dirty="0">
+                  <a:latin typeface="Consolas" panose="020B0609020204030204" pitchFamily="49" charset="0"/>
+                  <a:cs typeface="Consolas" panose="020B0609020204030204" pitchFamily="49" charset="0"/>
+                </a:rPr>
+                <a:t> </a:t>
+              </a:r>
+              <a:r>
+                <a:rPr lang="en-US" sz="1400" dirty="0">
+                  <a:solidFill>
+                    <a:schemeClr val="accent5">
+                      <a:lumMod val="60000"/>
+                      <a:lumOff val="40000"/>
+                    </a:schemeClr>
+                  </a:solidFill>
+                  <a:latin typeface="Consolas" panose="020B0609020204030204" pitchFamily="49" charset="0"/>
+                  <a:cs typeface="Consolas" panose="020B0609020204030204" pitchFamily="49" charset="0"/>
+                </a:rPr>
+                <a:t>val</a:t>
+              </a:r>
+              <a:r>
+                <a:rPr lang="en-US" sz="1400" dirty="0">
+                  <a:solidFill>
+                    <a:schemeClr val="bg1">
+                      <a:lumMod val="65000"/>
+                    </a:schemeClr>
+                  </a:solidFill>
+                  <a:latin typeface="Consolas" panose="020B0609020204030204" pitchFamily="49" charset="0"/>
+                  <a:cs typeface="Consolas" panose="020B0609020204030204" pitchFamily="49" charset="0"/>
+                </a:rPr>
+                <a:t>(</a:t>
+              </a:r>
+              <a:r>
+                <a:rPr lang="en-US" sz="1400" dirty="0">
+                  <a:solidFill>
+                    <a:srgbClr val="C00000"/>
+                  </a:solidFill>
+                  <a:latin typeface="Consolas" panose="020B0609020204030204" pitchFamily="49" charset="0"/>
+                  <a:cs typeface="Consolas" panose="020B0609020204030204" pitchFamily="49" charset="0"/>
+                </a:rPr>
+                <a:t>“200”</a:t>
+              </a:r>
+              <a:r>
+                <a:rPr lang="en-US" sz="1400" dirty="0">
+                  <a:solidFill>
+                    <a:schemeClr val="bg1">
+                      <a:lumMod val="65000"/>
+                    </a:schemeClr>
+                  </a:solidFill>
+                  <a:latin typeface="Consolas" panose="020B0609020204030204" pitchFamily="49" charset="0"/>
+                  <a:cs typeface="Consolas" panose="020B0609020204030204" pitchFamily="49" charset="0"/>
+                </a:rPr>
+                <a:t>)))</a:t>
+              </a:r>
+              <a:endParaRPr lang="en-US" sz="1400" dirty="0">
+                <a:latin typeface="Consolas" panose="020B0609020204030204" pitchFamily="49" charset="0"/>
+                <a:cs typeface="Consolas" panose="020B0609020204030204" pitchFamily="49" charset="0"/>
+              </a:endParaRPr>
+            </a:p>
+          </p:txBody>
+        </p:sp>
+      </p:grpSp>
+      <p:graphicFrame>
+        <p:nvGraphicFramePr>
+          <p:cNvPr id="27" name="Table 27">
+            <a:extLst>
+              <a:ext uri="{FF2B5EF4-FFF2-40B4-BE49-F238E27FC236}">
+                <a16:creationId xmlns:a16="http://schemas.microsoft.com/office/drawing/2014/main" id="{8FF8AE74-061D-318A-40DD-AD2D00FDE0D2}"/>
+              </a:ext>
+            </a:extLst>
+          </p:cNvPr>
+          <p:cNvGraphicFramePr>
+            <a:graphicFrameLocks noGrp="1"/>
+          </p:cNvGraphicFramePr>
+          <p:nvPr>
+            <p:extLst>
+              <p:ext uri="{D42A27DB-BD31-4B8C-83A1-F6EECF244321}">
+                <p14:modId xmlns:p14="http://schemas.microsoft.com/office/powerpoint/2010/main" val="1541899761"/>
+              </p:ext>
+            </p:extLst>
+          </p:nvPr>
+        </p:nvGraphicFramePr>
+        <p:xfrm>
+          <a:off x="1569755" y="1075433"/>
+          <a:ext cx="5199244" cy="609600"/>
+        </p:xfrm>
+        <a:graphic>
+          <a:graphicData uri="http://schemas.openxmlformats.org/drawingml/2006/table">
+            <a:tbl>
+              <a:tblPr firstRow="1" bandRow="1">
+                <a:tableStyleId>{5C22544A-7EE6-4342-B048-85BDC9FD1C3A}</a:tableStyleId>
+              </a:tblPr>
+              <a:tblGrid>
+                <a:gridCol w="1175884">
+                  <a:extLst>
+                    <a:ext uri="{9D8B030D-6E8A-4147-A177-3AD203B41FA5}">
+                      <a16:colId xmlns:a16="http://schemas.microsoft.com/office/drawing/2014/main" val="2094717374"/>
+                    </a:ext>
+                  </a:extLst>
+                </a:gridCol>
+                <a:gridCol w="1799924">
+                  <a:extLst>
+                    <a:ext uri="{9D8B030D-6E8A-4147-A177-3AD203B41FA5}">
+                      <a16:colId xmlns:a16="http://schemas.microsoft.com/office/drawing/2014/main" val="1559110898"/>
+                    </a:ext>
+                  </a:extLst>
+                </a:gridCol>
+                <a:gridCol w="1068405">
+                  <a:extLst>
+                    <a:ext uri="{9D8B030D-6E8A-4147-A177-3AD203B41FA5}">
+                      <a16:colId xmlns:a16="http://schemas.microsoft.com/office/drawing/2014/main" val="3592753278"/>
+                    </a:ext>
+                  </a:extLst>
+                </a:gridCol>
+                <a:gridCol w="1155031">
+                  <a:extLst>
+                    <a:ext uri="{9D8B030D-6E8A-4147-A177-3AD203B41FA5}">
+                      <a16:colId xmlns:a16="http://schemas.microsoft.com/office/drawing/2014/main" val="3658954953"/>
+                    </a:ext>
+                  </a:extLst>
+                </a:gridCol>
+              </a:tblGrid>
+              <a:tr h="214340">
+                <a:tc>
+                  <a:txBody>
+                    <a:bodyPr/>
+                    <a:lstStyle/>
+                    <a:p>
+                      <a:pPr algn="ctr"/>
+                      <a:r>
+                        <a:rPr lang="en-US" sz="1400" b="0" i="0" dirty="0">
+                          <a:latin typeface="Consolas" panose="020B0609020204030204" pitchFamily="49" charset="0"/>
+                          <a:cs typeface="Consolas" panose="020B0609020204030204" pitchFamily="49" charset="0"/>
+                        </a:rPr>
+                        <a:t>patient_id</a:t>
+                      </a:r>
+                    </a:p>
+                  </a:txBody>
+                  <a:tcPr/>
+                </a:tc>
+                <a:tc>
+                  <a:txBody>
+                    <a:bodyPr/>
+                    <a:lstStyle/>
+                    <a:p>
+                      <a:pPr algn="ctr"/>
+                      <a:r>
+                        <a:rPr lang="en-US" sz="1400" b="0" i="0" dirty="0">
+                          <a:latin typeface="Consolas" panose="020B0609020204030204" pitchFamily="49" charset="0"/>
+                          <a:cs typeface="Consolas" panose="020B0609020204030204" pitchFamily="49" charset="0"/>
+                        </a:rPr>
+                        <a:t>lab_code_source</a:t>
+                      </a:r>
+                    </a:p>
+                  </a:txBody>
+                  <a:tcPr/>
+                </a:tc>
+                <a:tc>
+                  <a:txBody>
+                    <a:bodyPr/>
+                    <a:lstStyle/>
+                    <a:p>
+                      <a:pPr algn="ctr"/>
+                      <a:r>
+                        <a:rPr lang="en-US" sz="1400" b="0" i="0" dirty="0">
+                          <a:latin typeface="Consolas" panose="020B0609020204030204" pitchFamily="49" charset="0"/>
+                          <a:cs typeface="Consolas" panose="020B0609020204030204" pitchFamily="49" charset="0"/>
+                        </a:rPr>
+                        <a:t>lab_code</a:t>
+                      </a:r>
+                    </a:p>
+                  </a:txBody>
+                  <a:tcPr/>
+                </a:tc>
+                <a:tc>
+                  <a:txBody>
+                    <a:bodyPr/>
+                    <a:lstStyle/>
+                    <a:p>
+                      <a:pPr algn="ctr"/>
+                      <a:r>
+                        <a:rPr lang="en-US" sz="1400" b="0" i="0" dirty="0">
+                          <a:latin typeface="Consolas" panose="020B0609020204030204" pitchFamily="49" charset="0"/>
+                          <a:cs typeface="Consolas" panose="020B0609020204030204" pitchFamily="49" charset="0"/>
+                        </a:rPr>
+                        <a:t>lab_value</a:t>
+                      </a:r>
+                    </a:p>
+                  </a:txBody>
+                  <a:tcPr/>
+                </a:tc>
+                <a:extLst>
+                  <a:ext uri="{0D108BD9-81ED-4DB2-BD59-A6C34878D82A}">
+                    <a16:rowId xmlns:a16="http://schemas.microsoft.com/office/drawing/2014/main" val="2733095005"/>
+                  </a:ext>
+                </a:extLst>
+              </a:tr>
+              <a:tr h="274613">
+                <a:tc>
+                  <a:txBody>
+                    <a:bodyPr/>
+                    <a:lstStyle/>
+                    <a:p>
+                      <a:pPr algn="ctr"/>
+                      <a:r>
+                        <a:rPr lang="en-US" sz="1400" b="0" i="0" dirty="0">
+                          <a:latin typeface="Consolas" panose="020B0609020204030204" pitchFamily="49" charset="0"/>
+                          <a:cs typeface="Consolas" panose="020B0609020204030204" pitchFamily="49" charset="0"/>
+                        </a:rPr>
+                        <a:t>ABC</a:t>
+                      </a:r>
+                    </a:p>
+                  </a:txBody>
+                  <a:tcPr>
+                    <a:solidFill>
+                      <a:srgbClr val="E3E8F7"/>
+                    </a:solidFill>
+                  </a:tcPr>
+                </a:tc>
+                <a:tc>
+                  <a:txBody>
+                    <a:bodyPr/>
+                    <a:lstStyle/>
+                    <a:p>
+                      <a:pPr algn="ctr"/>
+                      <a:r>
+                        <a:rPr lang="en-US" sz="1400" b="0" i="0" dirty="0">
+                          <a:latin typeface="Consolas" panose="020B0609020204030204" pitchFamily="49" charset="0"/>
+                          <a:cs typeface="Consolas" panose="020B0609020204030204" pitchFamily="49" charset="0"/>
+                        </a:rPr>
+                        <a:t>LNC</a:t>
+                      </a:r>
+                    </a:p>
+                  </a:txBody>
+                  <a:tcPr>
+                    <a:solidFill>
+                      <a:srgbClr val="E3E8F7"/>
+                    </a:solidFill>
+                  </a:tcPr>
+                </a:tc>
+                <a:tc>
+                  <a:txBody>
+                    <a:bodyPr/>
+                    <a:lstStyle/>
+                    <a:p>
+                      <a:pPr algn="ctr"/>
+                      <a:r>
+                        <a:rPr lang="en-US" sz="1400" b="0" i="0" dirty="0">
+                          <a:latin typeface="Consolas" panose="020B0609020204030204" pitchFamily="49" charset="0"/>
+                          <a:cs typeface="Consolas" panose="020B0609020204030204" pitchFamily="49" charset="0"/>
+                        </a:rPr>
+                        <a:t>777-3</a:t>
+                      </a:r>
+                    </a:p>
+                  </a:txBody>
+                  <a:tcPr>
+                    <a:solidFill>
+                      <a:srgbClr val="E3E8F7"/>
+                    </a:solidFill>
+                  </a:tcPr>
+                </a:tc>
+                <a:tc>
+                  <a:txBody>
+                    <a:bodyPr/>
+                    <a:lstStyle/>
+                    <a:p>
+                      <a:pPr algn="ctr"/>
+                      <a:r>
+                        <a:rPr lang="en-US" sz="1400" b="0" i="0" dirty="0">
+                          <a:latin typeface="Consolas" panose="020B0609020204030204" pitchFamily="49" charset="0"/>
+                          <a:cs typeface="Consolas" panose="020B0609020204030204" pitchFamily="49" charset="0"/>
+                        </a:rPr>
+                        <a:t>311</a:t>
+                      </a:r>
+                    </a:p>
+                  </a:txBody>
+                  <a:tcPr>
+                    <a:solidFill>
+                      <a:srgbClr val="E3E8F7"/>
+                    </a:solidFill>
+                  </a:tcPr>
+                </a:tc>
+                <a:extLst>
+                  <a:ext uri="{0D108BD9-81ED-4DB2-BD59-A6C34878D82A}">
+                    <a16:rowId xmlns:a16="http://schemas.microsoft.com/office/drawing/2014/main" val="3568814513"/>
+                  </a:ext>
+                </a:extLst>
+              </a:tr>
+            </a:tbl>
+          </a:graphicData>
+        </a:graphic>
+      </p:graphicFrame>
+      <p:graphicFrame>
+        <p:nvGraphicFramePr>
+          <p:cNvPr id="28" name="Table 27">
+            <a:extLst>
+              <a:ext uri="{FF2B5EF4-FFF2-40B4-BE49-F238E27FC236}">
+                <a16:creationId xmlns:a16="http://schemas.microsoft.com/office/drawing/2014/main" id="{DB803CF3-E688-8EB7-5F59-B20E79C3AC6B}"/>
+              </a:ext>
+            </a:extLst>
+          </p:cNvPr>
+          <p:cNvGraphicFramePr>
+            <a:graphicFrameLocks noGrp="1"/>
+          </p:cNvGraphicFramePr>
+          <p:nvPr>
+            <p:extLst>
+              <p:ext uri="{D42A27DB-BD31-4B8C-83A1-F6EECF244321}">
+                <p14:modId xmlns:p14="http://schemas.microsoft.com/office/powerpoint/2010/main" val="2837246715"/>
+              </p:ext>
+            </p:extLst>
+          </p:nvPr>
+        </p:nvGraphicFramePr>
+        <p:xfrm>
+          <a:off x="7612785" y="1065437"/>
+          <a:ext cx="4044213" cy="613230"/>
+        </p:xfrm>
+        <a:graphic>
+          <a:graphicData uri="http://schemas.openxmlformats.org/drawingml/2006/table">
+            <a:tbl>
+              <a:tblPr firstRow="1" bandRow="1">
+                <a:tableStyleId>{5C22544A-7EE6-4342-B048-85BDC9FD1C3A}</a:tableStyleId>
+              </a:tblPr>
+              <a:tblGrid>
+                <a:gridCol w="1175884">
+                  <a:extLst>
+                    <a:ext uri="{9D8B030D-6E8A-4147-A177-3AD203B41FA5}">
+                      <a16:colId xmlns:a16="http://schemas.microsoft.com/office/drawing/2014/main" val="2094717374"/>
+                    </a:ext>
+                  </a:extLst>
+                </a:gridCol>
+                <a:gridCol w="1352027">
+                  <a:extLst>
+                    <a:ext uri="{9D8B030D-6E8A-4147-A177-3AD203B41FA5}">
+                      <a16:colId xmlns:a16="http://schemas.microsoft.com/office/drawing/2014/main" val="1559110898"/>
+                    </a:ext>
+                  </a:extLst>
+                </a:gridCol>
+                <a:gridCol w="1516302">
+                  <a:extLst>
+                    <a:ext uri="{9D8B030D-6E8A-4147-A177-3AD203B41FA5}">
+                      <a16:colId xmlns:a16="http://schemas.microsoft.com/office/drawing/2014/main" val="3592753278"/>
+                    </a:ext>
+                  </a:extLst>
+                </a:gridCol>
+              </a:tblGrid>
+              <a:tr h="240735">
+                <a:tc>
+                  <a:txBody>
+                    <a:bodyPr/>
+                    <a:lstStyle/>
+                    <a:p>
+                      <a:pPr algn="ctr"/>
+                      <a:r>
+                        <a:rPr lang="en-US" sz="1400" b="0" i="0" dirty="0">
+                          <a:latin typeface="Consolas" panose="020B0609020204030204" pitchFamily="49" charset="0"/>
+                          <a:cs typeface="Consolas" panose="020B0609020204030204" pitchFamily="49" charset="0"/>
+                        </a:rPr>
+                        <a:t>patient_id</a:t>
+                      </a:r>
+                    </a:p>
+                  </a:txBody>
+                  <a:tcPr/>
+                </a:tc>
+                <a:tc>
+                  <a:txBody>
+                    <a:bodyPr/>
+                    <a:lstStyle/>
+                    <a:p>
+                      <a:pPr algn="ctr"/>
+                      <a:r>
+                        <a:rPr lang="en-US" sz="1400" b="0" i="0" dirty="0">
+                          <a:latin typeface="Consolas" panose="020B0609020204030204" pitchFamily="49" charset="0"/>
+                          <a:cs typeface="Consolas" panose="020B0609020204030204" pitchFamily="49" charset="0"/>
+                        </a:rPr>
+                        <a:t>platelets</a:t>
+                      </a:r>
+                    </a:p>
+                  </a:txBody>
+                  <a:tcPr/>
+                </a:tc>
+                <a:tc>
+                  <a:txBody>
+                    <a:bodyPr/>
+                    <a:lstStyle/>
+                    <a:p>
+                      <a:pPr algn="ctr"/>
+                      <a:r>
+                        <a:rPr lang="en-US" sz="1400" b="0" i="0" dirty="0">
+                          <a:latin typeface="Consolas" panose="020B0609020204030204" pitchFamily="49" charset="0"/>
+                          <a:cs typeface="Consolas" panose="020B0609020204030204" pitchFamily="49" charset="0"/>
+                        </a:rPr>
+                        <a:t>hematocrit</a:t>
+                      </a:r>
+                    </a:p>
+                  </a:txBody>
+                  <a:tcPr/>
+                </a:tc>
+                <a:extLst>
+                  <a:ext uri="{0D108BD9-81ED-4DB2-BD59-A6C34878D82A}">
+                    <a16:rowId xmlns:a16="http://schemas.microsoft.com/office/drawing/2014/main" val="2733095005"/>
+                  </a:ext>
+                </a:extLst>
+              </a:tr>
+              <a:tr h="308430">
+                <a:tc>
+                  <a:txBody>
+                    <a:bodyPr/>
+                    <a:lstStyle/>
+                    <a:p>
+                      <a:pPr algn="ctr"/>
+                      <a:r>
+                        <a:rPr lang="en-US" sz="1400" b="0" i="0" dirty="0">
+                          <a:latin typeface="Consolas" panose="020B0609020204030204" pitchFamily="49" charset="0"/>
+                          <a:cs typeface="Consolas" panose="020B0609020204030204" pitchFamily="49" charset="0"/>
+                        </a:rPr>
+                        <a:t>ABC</a:t>
+                      </a:r>
+                    </a:p>
+                  </a:txBody>
+                  <a:tcPr>
+                    <a:solidFill>
+                      <a:srgbClr val="E3E8F7"/>
+                    </a:solidFill>
+                  </a:tcPr>
+                </a:tc>
+                <a:tc>
+                  <a:txBody>
+                    <a:bodyPr/>
+                    <a:lstStyle/>
+                    <a:p>
+                      <a:pPr algn="ctr"/>
+                      <a:r>
+                        <a:rPr lang="en-US" sz="1400" b="0" i="0" dirty="0">
+                          <a:latin typeface="Consolas" panose="020B0609020204030204" pitchFamily="49" charset="0"/>
+                          <a:cs typeface="Consolas" panose="020B0609020204030204" pitchFamily="49" charset="0"/>
+                        </a:rPr>
+                        <a:t>235</a:t>
+                      </a:r>
+                    </a:p>
+                  </a:txBody>
+                  <a:tcPr>
+                    <a:solidFill>
+                      <a:srgbClr val="E3E8F7"/>
+                    </a:solidFill>
+                  </a:tcPr>
+                </a:tc>
+                <a:tc>
+                  <a:txBody>
+                    <a:bodyPr/>
+                    <a:lstStyle/>
+                    <a:p>
+                      <a:pPr algn="ctr"/>
+                      <a:r>
+                        <a:rPr lang="en-US" sz="1400" b="0" i="0" dirty="0">
+                          <a:latin typeface="Consolas" panose="020B0609020204030204" pitchFamily="49" charset="0"/>
+                          <a:cs typeface="Consolas" panose="020B0609020204030204" pitchFamily="49" charset="0"/>
+                        </a:rPr>
+                        <a:t>38.4</a:t>
+                      </a:r>
+                    </a:p>
+                  </a:txBody>
+                  <a:tcPr>
+                    <a:solidFill>
+                      <a:srgbClr val="E3E8F7"/>
+                    </a:solidFill>
+                  </a:tcPr>
+                </a:tc>
+                <a:extLst>
+                  <a:ext uri="{0D108BD9-81ED-4DB2-BD59-A6C34878D82A}">
+                    <a16:rowId xmlns:a16="http://schemas.microsoft.com/office/drawing/2014/main" val="3568814513"/>
+                  </a:ext>
+                </a:extLst>
+              </a:tr>
+            </a:tbl>
+          </a:graphicData>
+        </a:graphic>
+      </p:graphicFrame>
+      <p:grpSp>
+        <p:nvGrpSpPr>
+          <p:cNvPr id="30" name="Group 29">
+            <a:extLst>
+              <a:ext uri="{FF2B5EF4-FFF2-40B4-BE49-F238E27FC236}">
+                <a16:creationId xmlns:a16="http://schemas.microsoft.com/office/drawing/2014/main" id="{AC348BEC-8D65-1CEB-49A9-590C10C9C46B}"/>
+              </a:ext>
+            </a:extLst>
+          </p:cNvPr>
+          <p:cNvGrpSpPr/>
+          <p:nvPr/>
+        </p:nvGrpSpPr>
+        <p:grpSpPr>
+          <a:xfrm>
+            <a:off x="2166778" y="5553099"/>
+            <a:ext cx="3746732" cy="1461442"/>
+            <a:chOff x="5454565" y="924642"/>
+            <a:chExt cx="2971327" cy="1461442"/>
+          </a:xfrm>
+        </p:grpSpPr>
+        <p:sp>
+          <p:nvSpPr>
+            <p:cNvPr id="31" name="Rounded Rectangle 30">
+              <a:extLst>
+                <a:ext uri="{FF2B5EF4-FFF2-40B4-BE49-F238E27FC236}">
+                  <a16:creationId xmlns:a16="http://schemas.microsoft.com/office/drawing/2014/main" id="{892EBA9E-02FC-6561-BC36-C6CB0F4C2407}"/>
+                </a:ext>
+              </a:extLst>
+            </p:cNvPr>
+            <p:cNvSpPr/>
+            <p:nvPr/>
+          </p:nvSpPr>
+          <p:spPr>
+            <a:xfrm>
+              <a:off x="5454565" y="924642"/>
+              <a:ext cx="2971327" cy="1245997"/>
+            </a:xfrm>
+            <a:prstGeom prst="roundRect">
+              <a:avLst/>
+            </a:prstGeom>
+            <a:solidFill>
+              <a:srgbClr val="E3E8F7">
+                <a:alpha val="32941"/>
+              </a:srgbClr>
+            </a:solidFill>
+            <a:ln>
+              <a:solidFill>
+                <a:schemeClr val="bg1">
+                  <a:lumMod val="85000"/>
+                </a:schemeClr>
+              </a:solidFill>
+            </a:ln>
+          </p:spPr>
+          <p:style>
+            <a:lnRef idx="2">
+              <a:schemeClr val="accent1">
+                <a:shade val="50000"/>
+              </a:schemeClr>
+            </a:lnRef>
+            <a:fillRef idx="1">
+              <a:schemeClr val="accent1"/>
+            </a:fillRef>
+            <a:effectRef idx="0">
+              <a:schemeClr val="accent1"/>
+            </a:effectRef>
+            <a:fontRef idx="minor">
+              <a:schemeClr val="lt1"/>
+            </a:fontRef>
+          </p:style>
+          <p:txBody>
+            <a:bodyPr rtlCol="0" anchor="ctr"/>
+            <a:lstStyle/>
+            <a:p>
+              <a:pPr algn="ctr"/>
+              <a:endParaRPr lang="en-US" sz="1400"/>
+            </a:p>
+          </p:txBody>
+        </p:sp>
+        <p:sp>
+          <p:nvSpPr>
+            <p:cNvPr id="32" name="TextBox 31">
+              <a:extLst>
+                <a:ext uri="{FF2B5EF4-FFF2-40B4-BE49-F238E27FC236}">
+                  <a16:creationId xmlns:a16="http://schemas.microsoft.com/office/drawing/2014/main" id="{F4931A3F-36FF-2BF4-BB1F-71344D692615}"/>
+                </a:ext>
+              </a:extLst>
+            </p:cNvPr>
+            <p:cNvSpPr txBox="1"/>
+            <p:nvPr/>
+          </p:nvSpPr>
+          <p:spPr>
+            <a:xfrm>
+              <a:off x="5454565" y="1001089"/>
+              <a:ext cx="2933937" cy="1384995"/>
+            </a:xfrm>
+            <a:prstGeom prst="rect">
+              <a:avLst/>
+            </a:prstGeom>
+            <a:noFill/>
+          </p:spPr>
+          <p:txBody>
+            <a:bodyPr wrap="square" rtlCol="0">
+              <a:spAutoFit/>
+            </a:bodyPr>
+            <a:lstStyle/>
+            <a:p>
+              <a:r>
+                <a:rPr lang="en-US" sz="1400" dirty="0">
+                  <a:solidFill>
+                    <a:srgbClr val="9F20B9"/>
+                  </a:solidFill>
+                  <a:latin typeface="Consolas" panose="020B0609020204030204" pitchFamily="49" charset="0"/>
+                  <a:cs typeface="Consolas" panose="020B0609020204030204" pitchFamily="49" charset="0"/>
+                </a:rPr>
+                <a:t>SELECT </a:t>
+              </a:r>
+              <a:r>
+                <a:rPr lang="en-US" sz="1400" dirty="0">
+                  <a:solidFill>
+                    <a:schemeClr val="accent5">
+                      <a:lumMod val="75000"/>
+                    </a:schemeClr>
+                  </a:solidFill>
+                  <a:latin typeface="Consolas" panose="020B0609020204030204" pitchFamily="49" charset="0"/>
+                  <a:cs typeface="Consolas" panose="020B0609020204030204" pitchFamily="49" charset="0"/>
+                </a:rPr>
+                <a:t>patient_id</a:t>
+              </a:r>
+            </a:p>
+            <a:p>
+              <a:r>
+                <a:rPr lang="en-US" sz="1400" dirty="0">
+                  <a:solidFill>
+                    <a:srgbClr val="9F20B9"/>
+                  </a:solidFill>
+                  <a:latin typeface="Consolas" panose="020B0609020204030204" pitchFamily="49" charset="0"/>
+                  <a:cs typeface="Consolas" panose="020B0609020204030204" pitchFamily="49" charset="0"/>
+                </a:rPr>
+                <a:t>FROM   </a:t>
+              </a:r>
+              <a:r>
+                <a:rPr lang="en-US" sz="1400" dirty="0">
+                  <a:solidFill>
+                    <a:schemeClr val="accent5">
+                      <a:lumMod val="75000"/>
+                    </a:schemeClr>
+                  </a:solidFill>
+                  <a:latin typeface="Consolas" panose="020B0609020204030204" pitchFamily="49" charset="0"/>
+                  <a:cs typeface="Consolas" panose="020B0609020204030204" pitchFamily="49" charset="0"/>
+                </a:rPr>
+                <a:t>labs</a:t>
+              </a:r>
+            </a:p>
+            <a:p>
+              <a:r>
+                <a:rPr lang="en-US" sz="1400" dirty="0">
+                  <a:solidFill>
+                    <a:srgbClr val="9F20B9"/>
+                  </a:solidFill>
+                  <a:latin typeface="Consolas" panose="020B0609020204030204" pitchFamily="49" charset="0"/>
+                  <a:cs typeface="Consolas" panose="020B0609020204030204" pitchFamily="49" charset="0"/>
+                </a:rPr>
+                <a:t>WHERE  </a:t>
+              </a:r>
+              <a:r>
+                <a:rPr lang="en-US" sz="1400" dirty="0">
+                  <a:solidFill>
+                    <a:schemeClr val="accent5">
+                      <a:lumMod val="75000"/>
+                    </a:schemeClr>
+                  </a:solidFill>
+                  <a:latin typeface="Consolas" panose="020B0609020204030204" pitchFamily="49" charset="0"/>
+                  <a:cs typeface="Consolas" panose="020B0609020204030204" pitchFamily="49" charset="0"/>
+                </a:rPr>
+                <a:t>lab_code_source </a:t>
+              </a:r>
+              <a:r>
+                <a:rPr lang="en-US" sz="1400" dirty="0">
+                  <a:solidFill>
+                    <a:schemeClr val="bg1">
+                      <a:lumMod val="75000"/>
+                    </a:schemeClr>
+                  </a:solidFill>
+                  <a:latin typeface="Consolas" panose="020B0609020204030204" pitchFamily="49" charset="0"/>
+                  <a:cs typeface="Consolas" panose="020B0609020204030204" pitchFamily="49" charset="0"/>
+                </a:rPr>
+                <a:t>=</a:t>
+              </a:r>
+              <a:r>
+                <a:rPr lang="en-US" sz="1400" dirty="0">
+                  <a:solidFill>
+                    <a:schemeClr val="accent5">
+                      <a:lumMod val="75000"/>
+                    </a:schemeClr>
+                  </a:solidFill>
+                  <a:latin typeface="Consolas" panose="020B0609020204030204" pitchFamily="49" charset="0"/>
+                  <a:cs typeface="Consolas" panose="020B0609020204030204" pitchFamily="49" charset="0"/>
+                </a:rPr>
+                <a:t> </a:t>
+              </a:r>
+              <a:r>
+                <a:rPr lang="en-US" sz="1400" dirty="0">
+                  <a:solidFill>
+                    <a:srgbClr val="C00000"/>
+                  </a:solidFill>
+                  <a:latin typeface="Consolas" panose="020B0609020204030204" pitchFamily="49" charset="0"/>
+                  <a:cs typeface="Consolas" panose="020B0609020204030204" pitchFamily="49" charset="0"/>
+                </a:rPr>
+                <a:t>‘LNC’</a:t>
+              </a:r>
+              <a:br>
+                <a:rPr lang="en-US" sz="1400" dirty="0">
+                  <a:solidFill>
+                    <a:srgbClr val="C00000"/>
+                  </a:solidFill>
+                  <a:latin typeface="Consolas" panose="020B0609020204030204" pitchFamily="49" charset="0"/>
+                  <a:cs typeface="Consolas" panose="020B0609020204030204" pitchFamily="49" charset="0"/>
+                </a:rPr>
+              </a:br>
+              <a:r>
+                <a:rPr lang="en-US" sz="1400" dirty="0">
+                  <a:solidFill>
+                    <a:schemeClr val="accent5">
+                      <a:lumMod val="75000"/>
+                    </a:schemeClr>
+                  </a:solidFill>
+                  <a:latin typeface="Consolas" panose="020B0609020204030204" pitchFamily="49" charset="0"/>
+                  <a:cs typeface="Consolas" panose="020B0609020204030204" pitchFamily="49" charset="0"/>
+                </a:rPr>
+                <a:t>       </a:t>
+              </a:r>
+              <a:r>
+                <a:rPr lang="en-US" sz="1400" dirty="0">
+                  <a:solidFill>
+                    <a:schemeClr val="bg1">
+                      <a:lumMod val="75000"/>
+                    </a:schemeClr>
+                  </a:solidFill>
+                  <a:latin typeface="Consolas" panose="020B0609020204030204" pitchFamily="49" charset="0"/>
+                  <a:cs typeface="Consolas" panose="020B0609020204030204" pitchFamily="49" charset="0"/>
+                </a:rPr>
+                <a:t>AND </a:t>
+              </a:r>
+              <a:r>
+                <a:rPr lang="en-US" sz="1400" dirty="0">
+                  <a:solidFill>
+                    <a:schemeClr val="accent5">
+                      <a:lumMod val="75000"/>
+                    </a:schemeClr>
+                  </a:solidFill>
+                  <a:latin typeface="Consolas" panose="020B0609020204030204" pitchFamily="49" charset="0"/>
+                  <a:cs typeface="Consolas" panose="020B0609020204030204" pitchFamily="49" charset="0"/>
+                </a:rPr>
+                <a:t>lab_code </a:t>
+              </a:r>
+              <a:r>
+                <a:rPr lang="en-US" sz="1400" dirty="0">
+                  <a:solidFill>
+                    <a:schemeClr val="bg1">
+                      <a:lumMod val="75000"/>
+                    </a:schemeClr>
+                  </a:solidFill>
+                  <a:latin typeface="Consolas" panose="020B0609020204030204" pitchFamily="49" charset="0"/>
+                  <a:cs typeface="Consolas" panose="020B0609020204030204" pitchFamily="49" charset="0"/>
+                </a:rPr>
+                <a:t>= </a:t>
+              </a:r>
+              <a:r>
+                <a:rPr lang="en-US" sz="1400" dirty="0">
+                  <a:solidFill>
+                    <a:srgbClr val="C00000"/>
+                  </a:solidFill>
+                  <a:latin typeface="Consolas" panose="020B0609020204030204" pitchFamily="49" charset="0"/>
+                  <a:cs typeface="Consolas" panose="020B0609020204030204" pitchFamily="49" charset="0"/>
+                </a:rPr>
+                <a:t>‘777-3’</a:t>
+              </a:r>
+            </a:p>
+            <a:p>
+              <a:r>
+                <a:rPr lang="en-US" sz="1400" dirty="0">
+                  <a:solidFill>
+                    <a:schemeClr val="accent5">
+                      <a:lumMod val="75000"/>
+                    </a:schemeClr>
+                  </a:solidFill>
+                  <a:latin typeface="Consolas" panose="020B0609020204030204" pitchFamily="49" charset="0"/>
+                  <a:cs typeface="Consolas" panose="020B0609020204030204" pitchFamily="49" charset="0"/>
+                </a:rPr>
+                <a:t>       </a:t>
+              </a:r>
+              <a:r>
+                <a:rPr lang="en-US" sz="1400" dirty="0">
+                  <a:solidFill>
+                    <a:schemeClr val="bg1">
+                      <a:lumMod val="75000"/>
+                    </a:schemeClr>
+                  </a:solidFill>
+                  <a:latin typeface="Consolas" panose="020B0609020204030204" pitchFamily="49" charset="0"/>
+                  <a:cs typeface="Consolas" panose="020B0609020204030204" pitchFamily="49" charset="0"/>
+                </a:rPr>
+                <a:t>AND </a:t>
+              </a:r>
+              <a:r>
+                <a:rPr lang="en-US" sz="1400" dirty="0">
+                  <a:solidFill>
+                    <a:schemeClr val="accent5">
+                      <a:lumMod val="75000"/>
+                    </a:schemeClr>
+                  </a:solidFill>
+                  <a:latin typeface="Consolas" panose="020B0609020204030204" pitchFamily="49" charset="0"/>
+                  <a:cs typeface="Consolas" panose="020B0609020204030204" pitchFamily="49" charset="0"/>
+                </a:rPr>
+                <a:t>lab_value </a:t>
+              </a:r>
+              <a:r>
+                <a:rPr lang="en-US" sz="1400" dirty="0">
+                  <a:solidFill>
+                    <a:schemeClr val="bg1">
+                      <a:lumMod val="75000"/>
+                    </a:schemeClr>
+                  </a:solidFill>
+                  <a:latin typeface="Consolas" panose="020B0609020204030204" pitchFamily="49" charset="0"/>
+                  <a:cs typeface="Consolas" panose="020B0609020204030204" pitchFamily="49" charset="0"/>
+                </a:rPr>
+                <a:t>&lt;</a:t>
+              </a:r>
+              <a:r>
+                <a:rPr lang="en-US" sz="1400" dirty="0">
+                  <a:solidFill>
+                    <a:schemeClr val="accent5">
+                      <a:lumMod val="75000"/>
+                    </a:schemeClr>
+                  </a:solidFill>
+                  <a:latin typeface="Consolas" panose="020B0609020204030204" pitchFamily="49" charset="0"/>
+                  <a:cs typeface="Consolas" panose="020B0609020204030204" pitchFamily="49" charset="0"/>
+                </a:rPr>
+                <a:t> 200</a:t>
+              </a:r>
+              <a:endParaRPr lang="en-US" sz="1400" dirty="0">
+                <a:solidFill>
+                  <a:schemeClr val="bg1">
+                    <a:lumMod val="65000"/>
+                  </a:schemeClr>
+                </a:solidFill>
+                <a:latin typeface="Consolas" panose="020B0609020204030204" pitchFamily="49" charset="0"/>
+                <a:cs typeface="Consolas" panose="020B0609020204030204" pitchFamily="49" charset="0"/>
+              </a:endParaRPr>
+            </a:p>
+            <a:p>
+              <a:endParaRPr lang="en-US" sz="1400" dirty="0">
+                <a:latin typeface="Consolas" panose="020B0609020204030204" pitchFamily="49" charset="0"/>
+                <a:cs typeface="Consolas" panose="020B0609020204030204" pitchFamily="49" charset="0"/>
+              </a:endParaRPr>
+            </a:p>
+          </p:txBody>
+        </p:sp>
+      </p:grpSp>
+      <p:grpSp>
+        <p:nvGrpSpPr>
+          <p:cNvPr id="33" name="Group 32">
+            <a:extLst>
+              <a:ext uri="{FF2B5EF4-FFF2-40B4-BE49-F238E27FC236}">
+                <a16:creationId xmlns:a16="http://schemas.microsoft.com/office/drawing/2014/main" id="{8F85BC5A-C7E9-4053-15D7-2717951C37E0}"/>
+              </a:ext>
+            </a:extLst>
+          </p:cNvPr>
+          <p:cNvGrpSpPr/>
+          <p:nvPr/>
+        </p:nvGrpSpPr>
+        <p:grpSpPr>
+          <a:xfrm>
+            <a:off x="8061183" y="5547344"/>
+            <a:ext cx="3257447" cy="1019794"/>
+            <a:chOff x="5454565" y="924643"/>
+            <a:chExt cx="2971327" cy="1186827"/>
+          </a:xfrm>
+        </p:grpSpPr>
+        <p:sp>
+          <p:nvSpPr>
+            <p:cNvPr id="34" name="Rounded Rectangle 33">
+              <a:extLst>
+                <a:ext uri="{FF2B5EF4-FFF2-40B4-BE49-F238E27FC236}">
+                  <a16:creationId xmlns:a16="http://schemas.microsoft.com/office/drawing/2014/main" id="{2CE3C988-8DAE-09E9-8DBF-709E2DC45018}"/>
+                </a:ext>
+              </a:extLst>
+            </p:cNvPr>
+            <p:cNvSpPr/>
+            <p:nvPr/>
+          </p:nvSpPr>
+          <p:spPr>
+            <a:xfrm>
+              <a:off x="5454565" y="924643"/>
+              <a:ext cx="2971327" cy="1099806"/>
+            </a:xfrm>
+            <a:prstGeom prst="roundRect">
+              <a:avLst/>
+            </a:prstGeom>
+            <a:solidFill>
+              <a:srgbClr val="E3E8F7">
+                <a:alpha val="32941"/>
+              </a:srgbClr>
+            </a:solidFill>
+            <a:ln>
+              <a:solidFill>
+                <a:schemeClr val="bg1">
+                  <a:lumMod val="85000"/>
+                </a:schemeClr>
+              </a:solidFill>
+            </a:ln>
+          </p:spPr>
+          <p:style>
+            <a:lnRef idx="2">
+              <a:schemeClr val="accent1">
+                <a:shade val="50000"/>
+              </a:schemeClr>
+            </a:lnRef>
+            <a:fillRef idx="1">
+              <a:schemeClr val="accent1"/>
+            </a:fillRef>
+            <a:effectRef idx="0">
+              <a:schemeClr val="accent1"/>
+            </a:effectRef>
+            <a:fontRef idx="minor">
+              <a:schemeClr val="lt1"/>
+            </a:fontRef>
+          </p:style>
+          <p:txBody>
+            <a:bodyPr rtlCol="0" anchor="ctr"/>
+            <a:lstStyle/>
+            <a:p>
+              <a:pPr algn="ctr"/>
+              <a:endParaRPr lang="en-US" sz="1400"/>
+            </a:p>
+          </p:txBody>
+        </p:sp>
+        <p:sp>
+          <p:nvSpPr>
+            <p:cNvPr id="35" name="TextBox 34">
+              <a:extLst>
+                <a:ext uri="{FF2B5EF4-FFF2-40B4-BE49-F238E27FC236}">
+                  <a16:creationId xmlns:a16="http://schemas.microsoft.com/office/drawing/2014/main" id="{E901D661-89F5-4B78-1D17-8A4F6A1BD053}"/>
+                </a:ext>
+              </a:extLst>
+            </p:cNvPr>
+            <p:cNvSpPr txBox="1"/>
+            <p:nvPr/>
+          </p:nvSpPr>
+          <p:spPr>
+            <a:xfrm>
+              <a:off x="5454565" y="1001089"/>
+              <a:ext cx="2933937" cy="1110381"/>
+            </a:xfrm>
+            <a:prstGeom prst="rect">
+              <a:avLst/>
+            </a:prstGeom>
+            <a:noFill/>
+          </p:spPr>
+          <p:txBody>
+            <a:bodyPr wrap="square" rtlCol="0">
+              <a:spAutoFit/>
+            </a:bodyPr>
+            <a:lstStyle/>
+            <a:p>
+              <a:r>
+                <a:rPr lang="en-US" sz="1400" dirty="0">
+                  <a:solidFill>
+                    <a:srgbClr val="9F20B9"/>
+                  </a:solidFill>
+                  <a:latin typeface="Consolas" panose="020B0609020204030204" pitchFamily="49" charset="0"/>
+                  <a:cs typeface="Consolas" panose="020B0609020204030204" pitchFamily="49" charset="0"/>
+                </a:rPr>
+                <a:t>SELECT </a:t>
+              </a:r>
+              <a:r>
+                <a:rPr lang="en-US" sz="1400" dirty="0">
+                  <a:solidFill>
+                    <a:schemeClr val="accent5">
+                      <a:lumMod val="75000"/>
+                    </a:schemeClr>
+                  </a:solidFill>
+                  <a:latin typeface="Consolas" panose="020B0609020204030204" pitchFamily="49" charset="0"/>
+                  <a:cs typeface="Consolas" panose="020B0609020204030204" pitchFamily="49" charset="0"/>
+                </a:rPr>
+                <a:t>patient_id</a:t>
+              </a:r>
+            </a:p>
+            <a:p>
+              <a:r>
+                <a:rPr lang="en-US" sz="1400" dirty="0">
+                  <a:solidFill>
+                    <a:srgbClr val="9F20B9"/>
+                  </a:solidFill>
+                  <a:latin typeface="Consolas" panose="020B0609020204030204" pitchFamily="49" charset="0"/>
+                  <a:cs typeface="Consolas" panose="020B0609020204030204" pitchFamily="49" charset="0"/>
+                </a:rPr>
+                <a:t>FROM   </a:t>
+              </a:r>
+              <a:r>
+                <a:rPr lang="en-US" sz="1400" dirty="0">
+                  <a:solidFill>
+                    <a:schemeClr val="accent5">
+                      <a:lumMod val="75000"/>
+                    </a:schemeClr>
+                  </a:solidFill>
+                  <a:latin typeface="Consolas" panose="020B0609020204030204" pitchFamily="49" charset="0"/>
+                  <a:cs typeface="Consolas" panose="020B0609020204030204" pitchFamily="49" charset="0"/>
+                </a:rPr>
+                <a:t>complete_blood_counts</a:t>
+              </a:r>
+            </a:p>
+            <a:p>
+              <a:r>
+                <a:rPr lang="en-US" sz="1400" dirty="0">
+                  <a:solidFill>
+                    <a:srgbClr val="9F20B9"/>
+                  </a:solidFill>
+                  <a:latin typeface="Consolas" panose="020B0609020204030204" pitchFamily="49" charset="0"/>
+                  <a:cs typeface="Consolas" panose="020B0609020204030204" pitchFamily="49" charset="0"/>
+                </a:rPr>
+                <a:t>WHERE  </a:t>
+              </a:r>
+              <a:r>
+                <a:rPr lang="en-US" sz="1400" dirty="0">
+                  <a:solidFill>
+                    <a:schemeClr val="accent5">
+                      <a:lumMod val="75000"/>
+                    </a:schemeClr>
+                  </a:solidFill>
+                  <a:latin typeface="Consolas" panose="020B0609020204030204" pitchFamily="49" charset="0"/>
+                  <a:cs typeface="Consolas" panose="020B0609020204030204" pitchFamily="49" charset="0"/>
+                </a:rPr>
+                <a:t>platelets </a:t>
+              </a:r>
+              <a:r>
+                <a:rPr lang="en-US" sz="1400" dirty="0">
+                  <a:solidFill>
+                    <a:schemeClr val="bg1">
+                      <a:lumMod val="75000"/>
+                    </a:schemeClr>
+                  </a:solidFill>
+                  <a:latin typeface="Consolas" panose="020B0609020204030204" pitchFamily="49" charset="0"/>
+                  <a:cs typeface="Consolas" panose="020B0609020204030204" pitchFamily="49" charset="0"/>
+                </a:rPr>
+                <a:t>&lt;</a:t>
+              </a:r>
+              <a:r>
+                <a:rPr lang="en-US" sz="1400" dirty="0">
+                  <a:solidFill>
+                    <a:schemeClr val="accent5">
+                      <a:lumMod val="75000"/>
+                    </a:schemeClr>
+                  </a:solidFill>
+                  <a:latin typeface="Consolas" panose="020B0609020204030204" pitchFamily="49" charset="0"/>
+                  <a:cs typeface="Consolas" panose="020B0609020204030204" pitchFamily="49" charset="0"/>
+                </a:rPr>
+                <a:t> 200</a:t>
+              </a:r>
+              <a:endParaRPr lang="en-US" sz="1400" dirty="0">
+                <a:solidFill>
+                  <a:schemeClr val="bg1">
+                    <a:lumMod val="65000"/>
+                  </a:schemeClr>
+                </a:solidFill>
+                <a:latin typeface="Consolas" panose="020B0609020204030204" pitchFamily="49" charset="0"/>
+                <a:cs typeface="Consolas" panose="020B0609020204030204" pitchFamily="49" charset="0"/>
+              </a:endParaRPr>
+            </a:p>
+            <a:p>
+              <a:endParaRPr lang="en-US" sz="1400" dirty="0">
+                <a:latin typeface="Consolas" panose="020B0609020204030204" pitchFamily="49" charset="0"/>
+                <a:cs typeface="Consolas" panose="020B0609020204030204" pitchFamily="49" charset="0"/>
+              </a:endParaRPr>
+            </a:p>
+          </p:txBody>
+        </p:sp>
+      </p:grpSp>
+      <p:cxnSp>
+        <p:nvCxnSpPr>
+          <p:cNvPr id="37" name="Straight Connector 36">
+            <a:extLst>
+              <a:ext uri="{FF2B5EF4-FFF2-40B4-BE49-F238E27FC236}">
+                <a16:creationId xmlns:a16="http://schemas.microsoft.com/office/drawing/2014/main" id="{58EFD857-AFE1-A4DF-E0E2-96134AFC8EDF}"/>
+              </a:ext>
+            </a:extLst>
+          </p:cNvPr>
+          <p:cNvCxnSpPr/>
+          <p:nvPr/>
+        </p:nvCxnSpPr>
+        <p:spPr>
+          <a:xfrm>
+            <a:off x="1247660" y="98056"/>
+            <a:ext cx="0" cy="6642430"/>
+          </a:xfrm>
+          <a:prstGeom prst="line">
+            <a:avLst/>
+          </a:prstGeom>
+          <a:ln>
+            <a:solidFill>
+              <a:schemeClr val="bg1">
+                <a:lumMod val="85000"/>
+              </a:schemeClr>
+            </a:solidFill>
+          </a:ln>
+        </p:spPr>
+        <p:style>
+          <a:lnRef idx="1">
+            <a:schemeClr val="accent1"/>
+          </a:lnRef>
+          <a:fillRef idx="0">
+            <a:schemeClr val="accent1"/>
+          </a:fillRef>
+          <a:effectRef idx="0">
+            <a:schemeClr val="accent1"/>
+          </a:effectRef>
+          <a:fontRef idx="minor">
+            <a:schemeClr val="tx1"/>
+          </a:fontRef>
+        </p:style>
+      </p:cxnSp>
+      <p:cxnSp>
+        <p:nvCxnSpPr>
+          <p:cNvPr id="48" name="Straight Connector 47">
+            <a:extLst>
+              <a:ext uri="{FF2B5EF4-FFF2-40B4-BE49-F238E27FC236}">
+                <a16:creationId xmlns:a16="http://schemas.microsoft.com/office/drawing/2014/main" id="{A21E53F8-EF1E-D0FB-FAAD-C4268D171C47}"/>
+              </a:ext>
+            </a:extLst>
+          </p:cNvPr>
+          <p:cNvCxnSpPr>
+            <a:cxnSpLocks/>
+          </p:cNvCxnSpPr>
+          <p:nvPr/>
+        </p:nvCxnSpPr>
+        <p:spPr>
+          <a:xfrm>
+            <a:off x="7054517" y="986757"/>
+            <a:ext cx="0" cy="5605207"/>
+          </a:xfrm>
+          <a:prstGeom prst="line">
+            <a:avLst/>
+          </a:prstGeom>
+          <a:ln>
+            <a:solidFill>
+              <a:schemeClr val="bg1">
+                <a:lumMod val="85000"/>
+              </a:schemeClr>
+            </a:solidFill>
+          </a:ln>
+        </p:spPr>
+        <p:style>
+          <a:lnRef idx="1">
+            <a:schemeClr val="accent1"/>
+          </a:lnRef>
+          <a:fillRef idx="0">
+            <a:schemeClr val="accent1"/>
+          </a:fillRef>
+          <a:effectRef idx="0">
+            <a:schemeClr val="accent1"/>
+          </a:effectRef>
+          <a:fontRef idx="minor">
+            <a:schemeClr val="tx1"/>
+          </a:fontRef>
+        </p:style>
+      </p:cxnSp>
+      <p:sp>
+        <p:nvSpPr>
+          <p:cNvPr id="51" name="TextBox 50">
+            <a:extLst>
+              <a:ext uri="{FF2B5EF4-FFF2-40B4-BE49-F238E27FC236}">
+                <a16:creationId xmlns:a16="http://schemas.microsoft.com/office/drawing/2014/main" id="{CDEE8972-7F38-D1F6-083A-AFC0101E162D}"/>
+              </a:ext>
+            </a:extLst>
+          </p:cNvPr>
+          <p:cNvSpPr txBox="1"/>
+          <p:nvPr/>
+        </p:nvSpPr>
+        <p:spPr>
+          <a:xfrm>
+            <a:off x="28394" y="46852"/>
+            <a:ext cx="1119217" cy="646331"/>
+          </a:xfrm>
+          <a:prstGeom prst="rect">
+            <a:avLst/>
+          </a:prstGeom>
+          <a:noFill/>
+        </p:spPr>
+        <p:txBody>
+          <a:bodyPr wrap="none" rtlCol="0">
+            <a:spAutoFit/>
+          </a:bodyPr>
+          <a:lstStyle/>
+          <a:p>
+            <a:pPr algn="ctr"/>
+            <a:r>
+              <a:rPr lang="en-US" dirty="0">
+                <a:latin typeface="Roboto Light" panose="02000000000000000000" pitchFamily="2" charset="0"/>
+                <a:ea typeface="Roboto Light" panose="02000000000000000000" pitchFamily="2" charset="0"/>
+              </a:rPr>
+              <a:t>Eligibility </a:t>
+            </a:r>
+            <a:br>
+              <a:rPr lang="en-US" dirty="0">
+                <a:latin typeface="Roboto Light" panose="02000000000000000000" pitchFamily="2" charset="0"/>
+                <a:ea typeface="Roboto Light" panose="02000000000000000000" pitchFamily="2" charset="0"/>
+              </a:rPr>
+            </a:br>
+            <a:r>
+              <a:rPr lang="en-US" dirty="0">
+                <a:latin typeface="Roboto Light" panose="02000000000000000000" pitchFamily="2" charset="0"/>
+                <a:ea typeface="Roboto Light" panose="02000000000000000000" pitchFamily="2" charset="0"/>
+              </a:rPr>
+              <a:t>Criteria</a:t>
+            </a:r>
+          </a:p>
+        </p:txBody>
+      </p:sp>
+      <p:sp>
+        <p:nvSpPr>
+          <p:cNvPr id="52" name="TextBox 51">
+            <a:extLst>
+              <a:ext uri="{FF2B5EF4-FFF2-40B4-BE49-F238E27FC236}">
+                <a16:creationId xmlns:a16="http://schemas.microsoft.com/office/drawing/2014/main" id="{5B9E36CE-2166-9BD5-3758-FA831D9F0112}"/>
+              </a:ext>
+            </a:extLst>
+          </p:cNvPr>
+          <p:cNvSpPr txBox="1"/>
+          <p:nvPr/>
+        </p:nvSpPr>
+        <p:spPr>
+          <a:xfrm>
+            <a:off x="28394" y="3107677"/>
+            <a:ext cx="1169241" cy="1200329"/>
+          </a:xfrm>
+          <a:prstGeom prst="rect">
+            <a:avLst/>
+          </a:prstGeom>
+          <a:noFill/>
+        </p:spPr>
+        <p:txBody>
+          <a:bodyPr wrap="square" rtlCol="0">
+            <a:spAutoFit/>
+          </a:bodyPr>
+          <a:lstStyle/>
+          <a:p>
+            <a:pPr algn="ctr"/>
+            <a:r>
+              <a:rPr lang="en-US" dirty="0">
+                <a:latin typeface="Roboto Light" panose="02000000000000000000" pitchFamily="2" charset="0"/>
+                <a:ea typeface="Roboto Light" panose="02000000000000000000" pitchFamily="2" charset="0"/>
+              </a:rPr>
+              <a:t>Semantic </a:t>
+            </a:r>
+            <a:br>
+              <a:rPr lang="en-US" dirty="0">
+                <a:latin typeface="Roboto Light" panose="02000000000000000000" pitchFamily="2" charset="0"/>
+                <a:ea typeface="Roboto Light" panose="02000000000000000000" pitchFamily="2" charset="0"/>
+              </a:rPr>
+            </a:br>
+            <a:r>
+              <a:rPr lang="en-US" dirty="0">
+                <a:latin typeface="Roboto Light" panose="02000000000000000000" pitchFamily="2" charset="0"/>
+                <a:ea typeface="Roboto Light" panose="02000000000000000000" pitchFamily="2" charset="0"/>
+              </a:rPr>
+              <a:t>Metadata </a:t>
+            </a:r>
+          </a:p>
+          <a:p>
+            <a:pPr algn="ctr"/>
+            <a:r>
+              <a:rPr lang="en-US" dirty="0">
+                <a:latin typeface="Roboto Light" panose="02000000000000000000" pitchFamily="2" charset="0"/>
+                <a:ea typeface="Roboto Light" panose="02000000000000000000" pitchFamily="2" charset="0"/>
+              </a:rPr>
+              <a:t>Mapping</a:t>
+            </a:r>
+            <a:br>
+              <a:rPr lang="en-US" dirty="0">
+                <a:latin typeface="Roboto Light" panose="02000000000000000000" pitchFamily="2" charset="0"/>
+                <a:ea typeface="Roboto Light" panose="02000000000000000000" pitchFamily="2" charset="0"/>
+              </a:rPr>
+            </a:br>
+            <a:endParaRPr lang="en-US" dirty="0">
+              <a:latin typeface="Roboto Light" panose="02000000000000000000" pitchFamily="2" charset="0"/>
+              <a:ea typeface="Roboto Light" panose="02000000000000000000" pitchFamily="2" charset="0"/>
+            </a:endParaRPr>
+          </a:p>
+        </p:txBody>
+      </p:sp>
+      <p:sp>
+        <p:nvSpPr>
+          <p:cNvPr id="53" name="TextBox 52">
+            <a:extLst>
+              <a:ext uri="{FF2B5EF4-FFF2-40B4-BE49-F238E27FC236}">
+                <a16:creationId xmlns:a16="http://schemas.microsoft.com/office/drawing/2014/main" id="{1319DF95-4BB4-B149-83D5-11341845AFD9}"/>
+              </a:ext>
+            </a:extLst>
+          </p:cNvPr>
+          <p:cNvSpPr txBox="1"/>
+          <p:nvPr/>
+        </p:nvSpPr>
+        <p:spPr>
+          <a:xfrm>
+            <a:off x="28394" y="953105"/>
+            <a:ext cx="1219266" cy="923330"/>
+          </a:xfrm>
+          <a:prstGeom prst="rect">
+            <a:avLst/>
+          </a:prstGeom>
+          <a:noFill/>
+        </p:spPr>
+        <p:txBody>
+          <a:bodyPr wrap="square" rtlCol="0">
+            <a:spAutoFit/>
+          </a:bodyPr>
+          <a:lstStyle/>
+          <a:p>
+            <a:pPr algn="ctr"/>
+            <a:r>
+              <a:rPr lang="en-US" dirty="0">
+                <a:latin typeface="Roboto Light" panose="02000000000000000000" pitchFamily="2" charset="0"/>
+                <a:ea typeface="Roboto Light" panose="02000000000000000000" pitchFamily="2" charset="0"/>
+              </a:rPr>
+              <a:t>Example</a:t>
+            </a:r>
+            <a:br>
+              <a:rPr lang="en-US" dirty="0">
+                <a:latin typeface="Roboto Light" panose="02000000000000000000" pitchFamily="2" charset="0"/>
+                <a:ea typeface="Roboto Light" panose="02000000000000000000" pitchFamily="2" charset="0"/>
+              </a:rPr>
+            </a:br>
+            <a:r>
+              <a:rPr lang="en-US" dirty="0">
+                <a:latin typeface="Roboto Light" panose="02000000000000000000" pitchFamily="2" charset="0"/>
+                <a:ea typeface="Roboto Light" panose="02000000000000000000" pitchFamily="2" charset="0"/>
+              </a:rPr>
+              <a:t>SQL Record</a:t>
+            </a:r>
+          </a:p>
+        </p:txBody>
+      </p:sp>
+      <p:sp>
+        <p:nvSpPr>
+          <p:cNvPr id="54" name="TextBox 53">
+            <a:extLst>
+              <a:ext uri="{FF2B5EF4-FFF2-40B4-BE49-F238E27FC236}">
+                <a16:creationId xmlns:a16="http://schemas.microsoft.com/office/drawing/2014/main" id="{E1BF1B86-1AB0-EE1A-43D3-7F2D29296004}"/>
+              </a:ext>
+            </a:extLst>
+          </p:cNvPr>
+          <p:cNvSpPr txBox="1"/>
+          <p:nvPr/>
+        </p:nvSpPr>
+        <p:spPr>
+          <a:xfrm>
+            <a:off x="47162" y="5708594"/>
+            <a:ext cx="1219267" cy="646331"/>
+          </a:xfrm>
+          <a:prstGeom prst="rect">
+            <a:avLst/>
+          </a:prstGeom>
+          <a:noFill/>
+        </p:spPr>
+        <p:txBody>
+          <a:bodyPr wrap="square" rtlCol="0">
+            <a:spAutoFit/>
+          </a:bodyPr>
+          <a:lstStyle/>
+          <a:p>
+            <a:pPr algn="ctr"/>
+            <a:r>
+              <a:rPr lang="en-US" dirty="0">
+                <a:latin typeface="Roboto Light" panose="02000000000000000000" pitchFamily="2" charset="0"/>
+                <a:ea typeface="Roboto Light" panose="02000000000000000000" pitchFamily="2" charset="0"/>
+              </a:rPr>
+              <a:t>Generated</a:t>
+            </a:r>
+            <a:br>
+              <a:rPr lang="en-US" dirty="0">
+                <a:latin typeface="Roboto Light" panose="02000000000000000000" pitchFamily="2" charset="0"/>
+                <a:ea typeface="Roboto Light" panose="02000000000000000000" pitchFamily="2" charset="0"/>
+              </a:rPr>
+            </a:br>
+            <a:r>
+              <a:rPr lang="en-US" dirty="0">
+                <a:latin typeface="Roboto Light" panose="02000000000000000000" pitchFamily="2" charset="0"/>
+                <a:ea typeface="Roboto Light" panose="02000000000000000000" pitchFamily="2" charset="0"/>
+              </a:rPr>
+              <a:t>Query</a:t>
+            </a:r>
+          </a:p>
+        </p:txBody>
+      </p:sp>
+      <p:sp>
+        <p:nvSpPr>
+          <p:cNvPr id="56" name="TextBox 55">
+            <a:extLst>
+              <a:ext uri="{FF2B5EF4-FFF2-40B4-BE49-F238E27FC236}">
+                <a16:creationId xmlns:a16="http://schemas.microsoft.com/office/drawing/2014/main" id="{BF237948-D2F6-F4F8-8BDE-CEE8C56C3CF0}"/>
+              </a:ext>
+            </a:extLst>
+          </p:cNvPr>
+          <p:cNvSpPr txBox="1"/>
+          <p:nvPr/>
+        </p:nvSpPr>
+        <p:spPr>
+          <a:xfrm>
+            <a:off x="2873589" y="723845"/>
+            <a:ext cx="2481770" cy="369332"/>
+          </a:xfrm>
+          <a:prstGeom prst="rect">
+            <a:avLst/>
+          </a:prstGeom>
+          <a:noFill/>
+        </p:spPr>
+        <p:txBody>
+          <a:bodyPr wrap="none" rtlCol="0">
+            <a:spAutoFit/>
+          </a:bodyPr>
+          <a:lstStyle/>
+          <a:p>
+            <a:pPr algn="ctr"/>
+            <a:r>
+              <a:rPr lang="en-US" b="1" dirty="0">
+                <a:latin typeface="Roboto Light" panose="02000000000000000000" pitchFamily="2" charset="0"/>
+                <a:ea typeface="Roboto Light" panose="02000000000000000000" pitchFamily="2" charset="0"/>
+              </a:rPr>
+              <a:t>(1)</a:t>
+            </a:r>
+            <a:r>
+              <a:rPr lang="en-US" dirty="0">
+                <a:latin typeface="Roboto Light" panose="02000000000000000000" pitchFamily="2" charset="0"/>
+                <a:ea typeface="Roboto Light" panose="02000000000000000000" pitchFamily="2" charset="0"/>
+              </a:rPr>
+              <a:t> Tall Table Structure</a:t>
+            </a:r>
+          </a:p>
+        </p:txBody>
+      </p:sp>
+      <p:sp>
+        <p:nvSpPr>
+          <p:cNvPr id="57" name="TextBox 56">
+            <a:extLst>
+              <a:ext uri="{FF2B5EF4-FFF2-40B4-BE49-F238E27FC236}">
+                <a16:creationId xmlns:a16="http://schemas.microsoft.com/office/drawing/2014/main" id="{620DC55C-3C18-A4A6-2703-791868CB94F7}"/>
+              </a:ext>
+            </a:extLst>
+          </p:cNvPr>
+          <p:cNvSpPr txBox="1"/>
+          <p:nvPr/>
+        </p:nvSpPr>
+        <p:spPr>
+          <a:xfrm>
+            <a:off x="8354936" y="724389"/>
+            <a:ext cx="2872902" cy="369332"/>
+          </a:xfrm>
+          <a:prstGeom prst="rect">
+            <a:avLst/>
+          </a:prstGeom>
+          <a:noFill/>
+        </p:spPr>
+        <p:txBody>
+          <a:bodyPr wrap="none" rtlCol="0">
+            <a:spAutoFit/>
+          </a:bodyPr>
+          <a:lstStyle/>
+          <a:p>
+            <a:pPr algn="ctr"/>
+            <a:r>
+              <a:rPr lang="en-US" b="1" dirty="0">
+                <a:latin typeface="Roboto Light" panose="02000000000000000000" pitchFamily="2" charset="0"/>
+                <a:ea typeface="Roboto Light" panose="02000000000000000000" pitchFamily="2" charset="0"/>
+              </a:rPr>
+              <a:t>(2) </a:t>
+            </a:r>
+            <a:r>
+              <a:rPr lang="en-US" dirty="0">
+                <a:latin typeface="Roboto Light" panose="02000000000000000000" pitchFamily="2" charset="0"/>
+                <a:ea typeface="Roboto Light" panose="02000000000000000000" pitchFamily="2" charset="0"/>
+              </a:rPr>
+              <a:t>Pivoted Table Structure</a:t>
+            </a:r>
+          </a:p>
+        </p:txBody>
+      </p:sp>
+      <p:sp>
+        <p:nvSpPr>
+          <p:cNvPr id="60" name="Down Arrow 59">
+            <a:extLst>
+              <a:ext uri="{FF2B5EF4-FFF2-40B4-BE49-F238E27FC236}">
+                <a16:creationId xmlns:a16="http://schemas.microsoft.com/office/drawing/2014/main" id="{30BA263B-0EB2-10F7-2CCC-F7654613F408}"/>
+              </a:ext>
+            </a:extLst>
+          </p:cNvPr>
+          <p:cNvSpPr/>
+          <p:nvPr/>
+        </p:nvSpPr>
+        <p:spPr>
+          <a:xfrm rot="18438532">
+            <a:off x="8108416" y="682480"/>
+            <a:ext cx="200658" cy="363966"/>
+          </a:xfrm>
+          <a:prstGeom prst="downArrow">
+            <a:avLst/>
+          </a:prstGeom>
+          <a:solidFill>
+            <a:schemeClr val="bg1">
+              <a:lumMod val="85000"/>
+            </a:schemeClr>
+          </a:solidFill>
+          <a:ln>
+            <a:solidFill>
+              <a:schemeClr val="bg1">
+                <a:lumMod val="75000"/>
+              </a:schemeClr>
+            </a:solidFill>
+          </a:ln>
+        </p:spPr>
+        <p:style>
+          <a:lnRef idx="2">
+            <a:schemeClr val="accent1">
+              <a:shade val="50000"/>
+            </a:schemeClr>
+          </a:lnRef>
+          <a:fillRef idx="1">
+            <a:schemeClr val="accent1"/>
+          </a:fillRef>
+          <a:effectRef idx="0">
+            <a:schemeClr val="accent1"/>
+          </a:effectRef>
+          <a:fontRef idx="minor">
+            <a:schemeClr val="lt1"/>
+          </a:fontRef>
+        </p:style>
+        <p:txBody>
+          <a:bodyPr rtlCol="0" anchor="ctr"/>
+          <a:lstStyle/>
+          <a:p>
+            <a:pPr algn="ctr"/>
+            <a:endParaRPr lang="en-US"/>
+          </a:p>
+        </p:txBody>
+      </p:sp>
+      <p:sp>
+        <p:nvSpPr>
+          <p:cNvPr id="61" name="Down Arrow 60">
+            <a:extLst>
+              <a:ext uri="{FF2B5EF4-FFF2-40B4-BE49-F238E27FC236}">
+                <a16:creationId xmlns:a16="http://schemas.microsoft.com/office/drawing/2014/main" id="{00FC80BB-5C12-EB87-C274-97DEB44FDEAB}"/>
+              </a:ext>
+            </a:extLst>
+          </p:cNvPr>
+          <p:cNvSpPr/>
+          <p:nvPr/>
+        </p:nvSpPr>
+        <p:spPr>
+          <a:xfrm rot="2925828">
+            <a:off x="5957897" y="702481"/>
+            <a:ext cx="214967" cy="350148"/>
+          </a:xfrm>
+          <a:prstGeom prst="downArrow">
+            <a:avLst/>
+          </a:prstGeom>
+          <a:solidFill>
+            <a:schemeClr val="bg1">
+              <a:lumMod val="85000"/>
+            </a:schemeClr>
+          </a:solidFill>
+          <a:ln>
+            <a:solidFill>
+              <a:schemeClr val="bg1">
+                <a:lumMod val="75000"/>
+              </a:schemeClr>
+            </a:solidFill>
+          </a:ln>
+        </p:spPr>
+        <p:style>
+          <a:lnRef idx="2">
+            <a:schemeClr val="accent1">
+              <a:shade val="50000"/>
+            </a:schemeClr>
+          </a:lnRef>
+          <a:fillRef idx="1">
+            <a:schemeClr val="accent1"/>
+          </a:fillRef>
+          <a:effectRef idx="0">
+            <a:schemeClr val="accent1"/>
+          </a:effectRef>
+          <a:fontRef idx="minor">
+            <a:schemeClr val="lt1"/>
+          </a:fontRef>
+        </p:style>
+        <p:txBody>
+          <a:bodyPr rtlCol="0" anchor="ctr"/>
+          <a:lstStyle/>
+          <a:p>
+            <a:pPr algn="ctr"/>
+            <a:endParaRPr lang="en-US"/>
+          </a:p>
+        </p:txBody>
+      </p:sp>
+      <p:pic>
+        <p:nvPicPr>
+          <p:cNvPr id="66" name="Picture 65">
+            <a:extLst>
+              <a:ext uri="{FF2B5EF4-FFF2-40B4-BE49-F238E27FC236}">
+                <a16:creationId xmlns:a16="http://schemas.microsoft.com/office/drawing/2014/main" id="{D4905706-FD69-CFB3-6F24-79730F5EFA02}"/>
+              </a:ext>
+            </a:extLst>
+          </p:cNvPr>
+          <p:cNvPicPr>
+            <a:picLocks noChangeAspect="1"/>
+          </p:cNvPicPr>
+          <p:nvPr/>
+        </p:nvPicPr>
+        <p:blipFill>
+          <a:blip r:embed="rId2"/>
+          <a:stretch>
+            <a:fillRect/>
+          </a:stretch>
+        </p:blipFill>
+        <p:spPr>
+          <a:xfrm>
+            <a:off x="1808970" y="1776013"/>
+            <a:ext cx="4691312" cy="3729269"/>
+          </a:xfrm>
+          <a:prstGeom prst="rect">
+            <a:avLst/>
+          </a:prstGeom>
+          <a:effectLst>
+            <a:outerShdw blurRad="63500" sx="101000" sy="101000" algn="ctr" rotWithShape="0">
+              <a:prstClr val="black">
+                <a:alpha val="30000"/>
+              </a:prstClr>
+            </a:outerShdw>
+          </a:effectLst>
+        </p:spPr>
+      </p:pic>
+      <p:sp>
+        <p:nvSpPr>
+          <p:cNvPr id="63" name="Down Arrow 62">
+            <a:extLst>
+              <a:ext uri="{FF2B5EF4-FFF2-40B4-BE49-F238E27FC236}">
+                <a16:creationId xmlns:a16="http://schemas.microsoft.com/office/drawing/2014/main" id="{9D203871-FB24-FFAF-8EC6-351C7D8DE591}"/>
+              </a:ext>
+            </a:extLst>
+          </p:cNvPr>
+          <p:cNvSpPr/>
+          <p:nvPr/>
+        </p:nvSpPr>
+        <p:spPr>
+          <a:xfrm>
+            <a:off x="3915090" y="5356366"/>
+            <a:ext cx="202960" cy="352228"/>
+          </a:xfrm>
+          <a:prstGeom prst="downArrow">
+            <a:avLst/>
+          </a:prstGeom>
+          <a:solidFill>
+            <a:schemeClr val="bg1">
+              <a:lumMod val="85000"/>
+            </a:schemeClr>
+          </a:solidFill>
+          <a:ln>
+            <a:solidFill>
+              <a:schemeClr val="bg1">
+                <a:lumMod val="75000"/>
+              </a:schemeClr>
+            </a:solidFill>
+          </a:ln>
+        </p:spPr>
+        <p:style>
+          <a:lnRef idx="2">
+            <a:schemeClr val="accent1">
+              <a:shade val="50000"/>
+            </a:schemeClr>
+          </a:lnRef>
+          <a:fillRef idx="1">
+            <a:schemeClr val="accent1"/>
+          </a:fillRef>
+          <a:effectRef idx="0">
+            <a:schemeClr val="accent1"/>
+          </a:effectRef>
+          <a:fontRef idx="minor">
+            <a:schemeClr val="lt1"/>
+          </a:fontRef>
+        </p:style>
+        <p:txBody>
+          <a:bodyPr rtlCol="0" anchor="ctr"/>
+          <a:lstStyle/>
+          <a:p>
+            <a:pPr algn="ctr"/>
+            <a:endParaRPr lang="en-US"/>
+          </a:p>
+        </p:txBody>
+      </p:sp>
+      <p:sp>
+        <p:nvSpPr>
+          <p:cNvPr id="62" name="Down Arrow 61">
+            <a:extLst>
+              <a:ext uri="{FF2B5EF4-FFF2-40B4-BE49-F238E27FC236}">
+                <a16:creationId xmlns:a16="http://schemas.microsoft.com/office/drawing/2014/main" id="{697593C1-56FC-17C2-E4AB-97ABE198ADE6}"/>
+              </a:ext>
+            </a:extLst>
+          </p:cNvPr>
+          <p:cNvSpPr/>
+          <p:nvPr/>
+        </p:nvSpPr>
+        <p:spPr>
+          <a:xfrm>
+            <a:off x="3951666" y="1614602"/>
+            <a:ext cx="202960" cy="352228"/>
+          </a:xfrm>
+          <a:prstGeom prst="downArrow">
+            <a:avLst/>
+          </a:prstGeom>
+          <a:solidFill>
+            <a:schemeClr val="bg1">
+              <a:lumMod val="85000"/>
+            </a:schemeClr>
+          </a:solidFill>
+          <a:ln>
+            <a:solidFill>
+              <a:schemeClr val="bg1">
+                <a:lumMod val="75000"/>
+              </a:schemeClr>
+            </a:solidFill>
+          </a:ln>
+        </p:spPr>
+        <p:style>
+          <a:lnRef idx="2">
+            <a:schemeClr val="accent1">
+              <a:shade val="50000"/>
+            </a:schemeClr>
+          </a:lnRef>
+          <a:fillRef idx="1">
+            <a:schemeClr val="accent1"/>
+          </a:fillRef>
+          <a:effectRef idx="0">
+            <a:schemeClr val="accent1"/>
+          </a:effectRef>
+          <a:fontRef idx="minor">
+            <a:schemeClr val="lt1"/>
+          </a:fontRef>
+        </p:style>
+        <p:txBody>
+          <a:bodyPr rtlCol="0" anchor="ctr"/>
+          <a:lstStyle/>
+          <a:p>
+            <a:pPr algn="ctr"/>
+            <a:endParaRPr lang="en-US"/>
+          </a:p>
+        </p:txBody>
+      </p:sp>
+      <p:pic>
+        <p:nvPicPr>
+          <p:cNvPr id="68" name="Picture 67">
+            <a:extLst>
+              <a:ext uri="{FF2B5EF4-FFF2-40B4-BE49-F238E27FC236}">
+                <a16:creationId xmlns:a16="http://schemas.microsoft.com/office/drawing/2014/main" id="{2A1C53DA-E558-67BD-F588-5C34AAC76201}"/>
+              </a:ext>
+            </a:extLst>
+          </p:cNvPr>
+          <p:cNvPicPr>
+            <a:picLocks noChangeAspect="1"/>
+          </p:cNvPicPr>
+          <p:nvPr/>
+        </p:nvPicPr>
+        <p:blipFill>
+          <a:blip r:embed="rId3"/>
+          <a:stretch>
+            <a:fillRect/>
+          </a:stretch>
+        </p:blipFill>
+        <p:spPr>
+          <a:xfrm>
+            <a:off x="7340036" y="1863941"/>
+            <a:ext cx="4561585" cy="3263114"/>
+          </a:xfrm>
+          <a:prstGeom prst="rect">
+            <a:avLst/>
+          </a:prstGeom>
+          <a:effectLst>
+            <a:outerShdw blurRad="63500" sx="101000" sy="101000" algn="ctr" rotWithShape="0">
+              <a:prstClr val="black">
+                <a:alpha val="30000"/>
+              </a:prstClr>
+            </a:outerShdw>
+          </a:effectLst>
+        </p:spPr>
+      </p:pic>
+      <p:sp>
+        <p:nvSpPr>
+          <p:cNvPr id="64" name="Down Arrow 63">
+            <a:extLst>
+              <a:ext uri="{FF2B5EF4-FFF2-40B4-BE49-F238E27FC236}">
+                <a16:creationId xmlns:a16="http://schemas.microsoft.com/office/drawing/2014/main" id="{0EF3C78C-6DF5-B843-EE19-021A9BFAE097}"/>
+              </a:ext>
+            </a:extLst>
+          </p:cNvPr>
+          <p:cNvSpPr/>
+          <p:nvPr/>
+        </p:nvSpPr>
+        <p:spPr>
+          <a:xfrm>
+            <a:off x="9609549" y="1679898"/>
+            <a:ext cx="217373" cy="320395"/>
+          </a:xfrm>
+          <a:prstGeom prst="downArrow">
+            <a:avLst/>
+          </a:prstGeom>
+          <a:solidFill>
+            <a:schemeClr val="bg1">
+              <a:lumMod val="85000"/>
+            </a:schemeClr>
+          </a:solidFill>
+          <a:ln>
+            <a:solidFill>
+              <a:schemeClr val="bg1">
+                <a:lumMod val="75000"/>
+              </a:schemeClr>
+            </a:solidFill>
+          </a:ln>
+        </p:spPr>
+        <p:style>
+          <a:lnRef idx="2">
+            <a:schemeClr val="accent1">
+              <a:shade val="50000"/>
+            </a:schemeClr>
+          </a:lnRef>
+          <a:fillRef idx="1">
+            <a:schemeClr val="accent1"/>
+          </a:fillRef>
+          <a:effectRef idx="0">
+            <a:schemeClr val="accent1"/>
+          </a:effectRef>
+          <a:fontRef idx="minor">
+            <a:schemeClr val="lt1"/>
+          </a:fontRef>
+        </p:style>
+        <p:txBody>
+          <a:bodyPr rtlCol="0" anchor="ctr"/>
+          <a:lstStyle/>
+          <a:p>
+            <a:pPr algn="ctr"/>
+            <a:endParaRPr lang="en-US"/>
+          </a:p>
+        </p:txBody>
+      </p:sp>
+      <p:sp>
+        <p:nvSpPr>
+          <p:cNvPr id="65" name="Down Arrow 64">
+            <a:extLst>
+              <a:ext uri="{FF2B5EF4-FFF2-40B4-BE49-F238E27FC236}">
+                <a16:creationId xmlns:a16="http://schemas.microsoft.com/office/drawing/2014/main" id="{4B162390-498A-A71F-1D45-8713AB1CB223}"/>
+              </a:ext>
+            </a:extLst>
+          </p:cNvPr>
+          <p:cNvSpPr/>
+          <p:nvPr/>
+        </p:nvSpPr>
+        <p:spPr>
+          <a:xfrm>
+            <a:off x="9588427" y="5174037"/>
+            <a:ext cx="202960" cy="352228"/>
+          </a:xfrm>
+          <a:prstGeom prst="downArrow">
+            <a:avLst/>
+          </a:prstGeom>
+          <a:solidFill>
+            <a:schemeClr val="bg1">
+              <a:lumMod val="85000"/>
+            </a:schemeClr>
+          </a:solidFill>
+          <a:ln>
+            <a:solidFill>
+              <a:schemeClr val="bg1">
+                <a:lumMod val="75000"/>
+              </a:schemeClr>
+            </a:solidFill>
+          </a:ln>
+        </p:spPr>
+        <p:style>
+          <a:lnRef idx="2">
+            <a:schemeClr val="accent1">
+              <a:shade val="50000"/>
+            </a:schemeClr>
+          </a:lnRef>
+          <a:fillRef idx="1">
+            <a:schemeClr val="accent1"/>
+          </a:fillRef>
+          <a:effectRef idx="0">
+            <a:schemeClr val="accent1"/>
+          </a:effectRef>
+          <a:fontRef idx="minor">
+            <a:schemeClr val="lt1"/>
+          </a:fontRef>
+        </p:style>
+        <p:txBody>
+          <a:bodyPr rtlCol="0" anchor="ctr"/>
+          <a:lstStyle/>
+          <a:p>
+            <a:pPr algn="ctr"/>
+            <a:endParaRPr lang="en-US"/>
+          </a:p>
+        </p:txBody>
+      </p:sp>
+    </p:spTree>
+    <p:extLst>
+      <p:ext uri="{BB962C8B-B14F-4D97-AF65-F5344CB8AC3E}">
+        <p14:creationId xmlns:p14="http://schemas.microsoft.com/office/powerpoint/2010/main" val="3945895699"/>
+      </p:ext>
+    </p:extLst>
+  </p:cSld>
+  <p:clrMapOvr>
+    <a:masterClrMapping/>
+  </p:clrMapOvr>
+</p:sld>
+</file>
+
+<file path=ppt/slides/slide4.xml><?xml version="1.0" encoding="utf-8"?>
 <p:sld xmlns:a="http://schemas.openxmlformats.org/drawingml/2006/main" xmlns:r="http://schemas.openxmlformats.org/officeDocument/2006/relationships" xmlns:p="http://schemas.openxmlformats.org/presentationml/2006/main">
   <p:cSld>
     <p:spTree>
@@ -18242,7 +20429,7 @@
 </p:sld>
 </file>
 
-<file path=ppt/slides/slide4.xml><?xml version="1.0" encoding="utf-8"?>
+<file path=ppt/slides/slide5.xml><?xml version="1.0" encoding="utf-8"?>
 <p:sld xmlns:a="http://schemas.openxmlformats.org/drawingml/2006/main" xmlns:r="http://schemas.openxmlformats.org/officeDocument/2006/relationships" xmlns:p="http://schemas.openxmlformats.org/presentationml/2006/main">
   <p:cSld>
     <p:spTree>
@@ -21754,7 +23941,7 @@
 </p:sld>
 </file>
 
-<file path=ppt/slides/slide5.xml><?xml version="1.0" encoding="utf-8"?>
+<file path=ppt/slides/slide6.xml><?xml version="1.0" encoding="utf-8"?>
 <p:sld xmlns:a="http://schemas.openxmlformats.org/drawingml/2006/main" xmlns:r="http://schemas.openxmlformats.org/officeDocument/2006/relationships" xmlns:p="http://schemas.openxmlformats.org/presentationml/2006/main">
   <p:cSld>
     <p:spTree>
@@ -23612,7 +25799,7 @@
 </p:sld>
 </file>
 
-<file path=ppt/slides/slide6.xml><?xml version="1.0" encoding="utf-8"?>
+<file path=ppt/slides/slide7.xml><?xml version="1.0" encoding="utf-8"?>
 <p:sld xmlns:a="http://schemas.openxmlformats.org/drawingml/2006/main" xmlns:r="http://schemas.openxmlformats.org/officeDocument/2006/relationships" xmlns:p="http://schemas.openxmlformats.org/presentationml/2006/main">
   <p:cSld>
     <p:spTree>
@@ -25093,7 +27280,7 @@
 </p:sld>
 </file>
 
-<file path=ppt/slides/slide7.xml><?xml version="1.0" encoding="utf-8"?>
+<file path=ppt/slides/slide8.xml><?xml version="1.0" encoding="utf-8"?>
 <p:sld xmlns:a="http://schemas.openxmlformats.org/drawingml/2006/main" xmlns:r="http://schemas.openxmlformats.org/officeDocument/2006/relationships" xmlns:p="http://schemas.openxmlformats.org/presentationml/2006/main">
   <p:cSld>
     <p:spTree>
@@ -28066,7 +30253,7 @@
 </p:sld>
 </file>
 
-<file path=ppt/slides/slide8.xml><?xml version="1.0" encoding="utf-8"?>
+<file path=ppt/slides/slide9.xml><?xml version="1.0" encoding="utf-8"?>
 <p:sld xmlns:a="http://schemas.openxmlformats.org/drawingml/2006/main" xmlns:r="http://schemas.openxmlformats.org/officeDocument/2006/relationships" xmlns:p="http://schemas.openxmlformats.org/presentationml/2006/main">
   <p:cSld>
     <p:spTree>

--- a/2_query_gen/paper2_figures.pptx
+++ b/2_query_gen/paper2_figures.pptx
@@ -205,7 +205,7 @@
           <a:p>
             <a:fld id="{42A7560E-CF1B-6641-BCF4-14C496C90A0E}" type="datetimeFigureOut">
               <a:rPr lang="en-US" smtClean="0"/>
-              <a:t>8/17/22</a:t>
+              <a:t>8/31/22</a:t>
             </a:fld>
             <a:endParaRPr lang="en-US"/>
           </a:p>
@@ -703,7 +703,7 @@
           <a:p>
             <a:fld id="{2DCC8752-14D1-7C42-B332-30A088D89386}" type="datetimeFigureOut">
               <a:rPr lang="en-US" smtClean="0"/>
-              <a:t>8/17/22</a:t>
+              <a:t>8/31/22</a:t>
             </a:fld>
             <a:endParaRPr lang="en-US"/>
           </a:p>
@@ -901,7 +901,7 @@
           <a:p>
             <a:fld id="{2DCC8752-14D1-7C42-B332-30A088D89386}" type="datetimeFigureOut">
               <a:rPr lang="en-US" smtClean="0"/>
-              <a:t>8/17/22</a:t>
+              <a:t>8/31/22</a:t>
             </a:fld>
             <a:endParaRPr lang="en-US"/>
           </a:p>
@@ -1109,7 +1109,7 @@
           <a:p>
             <a:fld id="{2DCC8752-14D1-7C42-B332-30A088D89386}" type="datetimeFigureOut">
               <a:rPr lang="en-US" smtClean="0"/>
-              <a:t>8/17/22</a:t>
+              <a:t>8/31/22</a:t>
             </a:fld>
             <a:endParaRPr lang="en-US"/>
           </a:p>
@@ -1307,7 +1307,7 @@
           <a:p>
             <a:fld id="{2DCC8752-14D1-7C42-B332-30A088D89386}" type="datetimeFigureOut">
               <a:rPr lang="en-US" smtClean="0"/>
-              <a:t>8/17/22</a:t>
+              <a:t>8/31/22</a:t>
             </a:fld>
             <a:endParaRPr lang="en-US"/>
           </a:p>
@@ -1582,7 +1582,7 @@
           <a:p>
             <a:fld id="{2DCC8752-14D1-7C42-B332-30A088D89386}" type="datetimeFigureOut">
               <a:rPr lang="en-US" smtClean="0"/>
-              <a:t>8/17/22</a:t>
+              <a:t>8/31/22</a:t>
             </a:fld>
             <a:endParaRPr lang="en-US"/>
           </a:p>
@@ -1847,7 +1847,7 @@
           <a:p>
             <a:fld id="{2DCC8752-14D1-7C42-B332-30A088D89386}" type="datetimeFigureOut">
               <a:rPr lang="en-US" smtClean="0"/>
-              <a:t>8/17/22</a:t>
+              <a:t>8/31/22</a:t>
             </a:fld>
             <a:endParaRPr lang="en-US"/>
           </a:p>
@@ -2259,7 +2259,7 @@
           <a:p>
             <a:fld id="{2DCC8752-14D1-7C42-B332-30A088D89386}" type="datetimeFigureOut">
               <a:rPr lang="en-US" smtClean="0"/>
-              <a:t>8/17/22</a:t>
+              <a:t>8/31/22</a:t>
             </a:fld>
             <a:endParaRPr lang="en-US"/>
           </a:p>
@@ -2400,7 +2400,7 @@
           <a:p>
             <a:fld id="{2DCC8752-14D1-7C42-B332-30A088D89386}" type="datetimeFigureOut">
               <a:rPr lang="en-US" smtClean="0"/>
-              <a:t>8/17/22</a:t>
+              <a:t>8/31/22</a:t>
             </a:fld>
             <a:endParaRPr lang="en-US"/>
           </a:p>
@@ -2513,7 +2513,7 @@
           <a:p>
             <a:fld id="{2DCC8752-14D1-7C42-B332-30A088D89386}" type="datetimeFigureOut">
               <a:rPr lang="en-US" smtClean="0"/>
-              <a:t>8/17/22</a:t>
+              <a:t>8/31/22</a:t>
             </a:fld>
             <a:endParaRPr lang="en-US"/>
           </a:p>
@@ -2824,7 +2824,7 @@
           <a:p>
             <a:fld id="{2DCC8752-14D1-7C42-B332-30A088D89386}" type="datetimeFigureOut">
               <a:rPr lang="en-US" smtClean="0"/>
-              <a:t>8/17/22</a:t>
+              <a:t>8/31/22</a:t>
             </a:fld>
             <a:endParaRPr lang="en-US"/>
           </a:p>
@@ -3112,7 +3112,7 @@
           <a:p>
             <a:fld id="{2DCC8752-14D1-7C42-B332-30A088D89386}" type="datetimeFigureOut">
               <a:rPr lang="en-US" smtClean="0"/>
-              <a:t>8/17/22</a:t>
+              <a:t>8/31/22</a:t>
             </a:fld>
             <a:endParaRPr lang="en-US"/>
           </a:p>
@@ -3353,7 +3353,7 @@
           <a:p>
             <a:fld id="{2DCC8752-14D1-7C42-B332-30A088D89386}" type="datetimeFigureOut">
               <a:rPr lang="en-US" smtClean="0"/>
-              <a:t>8/17/22</a:t>
+              <a:t>8/31/22</a:t>
             </a:fld>
             <a:endParaRPr lang="en-US"/>
           </a:p>
@@ -30270,12 +30270,1724 @@
           <a:chExt cx="0" cy="0"/>
         </a:xfrm>
       </p:grpSpPr>
+      <p:grpSp>
+        <p:nvGrpSpPr>
+          <p:cNvPr id="3" name="Group 2">
+            <a:extLst>
+              <a:ext uri="{FF2B5EF4-FFF2-40B4-BE49-F238E27FC236}">
+                <a16:creationId xmlns:a16="http://schemas.microsoft.com/office/drawing/2014/main" id="{7B1C577F-224F-9AEC-C65E-D2172F7CB996}"/>
+              </a:ext>
+            </a:extLst>
+          </p:cNvPr>
+          <p:cNvGrpSpPr/>
+          <p:nvPr/>
+        </p:nvGrpSpPr>
+        <p:grpSpPr>
+          <a:xfrm>
+            <a:off x="2181391" y="2568865"/>
+            <a:ext cx="7887169" cy="653219"/>
+            <a:chOff x="2181391" y="1927421"/>
+            <a:chExt cx="7887169" cy="653219"/>
+          </a:xfrm>
+        </p:grpSpPr>
+        <p:sp>
+          <p:nvSpPr>
+            <p:cNvPr id="6" name="Rectangle 5">
+              <a:extLst>
+                <a:ext uri="{FF2B5EF4-FFF2-40B4-BE49-F238E27FC236}">
+                  <a16:creationId xmlns:a16="http://schemas.microsoft.com/office/drawing/2014/main" id="{C276FB95-1FAE-747D-DA95-88B06FE6A470}"/>
+                </a:ext>
+              </a:extLst>
+            </p:cNvPr>
+            <p:cNvSpPr/>
+            <p:nvPr/>
+          </p:nvSpPr>
+          <p:spPr>
+            <a:xfrm>
+              <a:off x="3434080" y="2194560"/>
+              <a:ext cx="2753360" cy="386080"/>
+            </a:xfrm>
+            <a:prstGeom prst="rect">
+              <a:avLst/>
+            </a:prstGeom>
+            <a:solidFill>
+              <a:schemeClr val="accent5"/>
+            </a:solidFill>
+            <a:ln>
+              <a:noFill/>
+            </a:ln>
+          </p:spPr>
+          <p:style>
+            <a:lnRef idx="2">
+              <a:schemeClr val="accent1">
+                <a:shade val="50000"/>
+              </a:schemeClr>
+            </a:lnRef>
+            <a:fillRef idx="1">
+              <a:schemeClr val="accent1"/>
+            </a:fillRef>
+            <a:effectRef idx="0">
+              <a:schemeClr val="accent1"/>
+            </a:effectRef>
+            <a:fontRef idx="minor">
+              <a:schemeClr val="lt1"/>
+            </a:fontRef>
+          </p:style>
+          <p:txBody>
+            <a:bodyPr rtlCol="0" anchor="ctr"/>
+            <a:lstStyle/>
+            <a:p>
+              <a:pPr algn="ctr"/>
+              <a:endParaRPr lang="en-US"/>
+            </a:p>
+          </p:txBody>
+        </p:sp>
+        <p:sp>
+          <p:nvSpPr>
+            <p:cNvPr id="7" name="Rectangle 6">
+              <a:extLst>
+                <a:ext uri="{FF2B5EF4-FFF2-40B4-BE49-F238E27FC236}">
+                  <a16:creationId xmlns:a16="http://schemas.microsoft.com/office/drawing/2014/main" id="{63A29296-CBC7-EB98-E3E2-18ABE8798C58}"/>
+                </a:ext>
+              </a:extLst>
+            </p:cNvPr>
+            <p:cNvSpPr/>
+            <p:nvPr/>
+          </p:nvSpPr>
+          <p:spPr>
+            <a:xfrm>
+              <a:off x="6258560" y="2194560"/>
+              <a:ext cx="1402080" cy="386080"/>
+            </a:xfrm>
+            <a:prstGeom prst="rect">
+              <a:avLst/>
+            </a:prstGeom>
+            <a:gradFill flip="none" rotWithShape="1">
+              <a:gsLst>
+                <a:gs pos="0">
+                  <a:schemeClr val="accent5"/>
+                </a:gs>
+                <a:gs pos="100000">
+                  <a:schemeClr val="accent4"/>
+                </a:gs>
+                <a:gs pos="100000">
+                  <a:srgbClr val="FFC000"/>
+                </a:gs>
+              </a:gsLst>
+              <a:lin ang="0" scaled="1"/>
+              <a:tileRect/>
+            </a:gradFill>
+            <a:ln>
+              <a:noFill/>
+            </a:ln>
+          </p:spPr>
+          <p:style>
+            <a:lnRef idx="2">
+              <a:schemeClr val="accent1">
+                <a:shade val="50000"/>
+              </a:schemeClr>
+            </a:lnRef>
+            <a:fillRef idx="1">
+              <a:schemeClr val="accent1"/>
+            </a:fillRef>
+            <a:effectRef idx="0">
+              <a:schemeClr val="accent1"/>
+            </a:effectRef>
+            <a:fontRef idx="minor">
+              <a:schemeClr val="lt1"/>
+            </a:fontRef>
+          </p:style>
+          <p:txBody>
+            <a:bodyPr rtlCol="0" anchor="ctr"/>
+            <a:lstStyle/>
+            <a:p>
+              <a:pPr algn="ctr"/>
+              <a:endParaRPr lang="en-US" dirty="0"/>
+            </a:p>
+          </p:txBody>
+        </p:sp>
+        <p:sp>
+          <p:nvSpPr>
+            <p:cNvPr id="8" name="Rectangle 7">
+              <a:extLst>
+                <a:ext uri="{FF2B5EF4-FFF2-40B4-BE49-F238E27FC236}">
+                  <a16:creationId xmlns:a16="http://schemas.microsoft.com/office/drawing/2014/main" id="{3ACFA50E-92EE-5F70-DCDE-354EA3FD4467}"/>
+                </a:ext>
+              </a:extLst>
+            </p:cNvPr>
+            <p:cNvSpPr/>
+            <p:nvPr/>
+          </p:nvSpPr>
+          <p:spPr>
+            <a:xfrm>
+              <a:off x="7741920" y="2194560"/>
+              <a:ext cx="2326640" cy="386080"/>
+            </a:xfrm>
+            <a:prstGeom prst="rect">
+              <a:avLst/>
+            </a:prstGeom>
+            <a:solidFill>
+              <a:srgbClr val="FFC000"/>
+            </a:solidFill>
+            <a:ln>
+              <a:noFill/>
+            </a:ln>
+          </p:spPr>
+          <p:style>
+            <a:lnRef idx="2">
+              <a:schemeClr val="accent1">
+                <a:shade val="50000"/>
+              </a:schemeClr>
+            </a:lnRef>
+            <a:fillRef idx="1">
+              <a:schemeClr val="accent1"/>
+            </a:fillRef>
+            <a:effectRef idx="0">
+              <a:schemeClr val="accent1"/>
+            </a:effectRef>
+            <a:fontRef idx="minor">
+              <a:schemeClr val="lt1"/>
+            </a:fontRef>
+          </p:style>
+          <p:txBody>
+            <a:bodyPr rtlCol="0" anchor="ctr"/>
+            <a:lstStyle/>
+            <a:p>
+              <a:pPr algn="ctr"/>
+              <a:endParaRPr lang="en-US"/>
+            </a:p>
+          </p:txBody>
+        </p:sp>
+        <p:sp>
+          <p:nvSpPr>
+            <p:cNvPr id="11" name="TextBox 10">
+              <a:extLst>
+                <a:ext uri="{FF2B5EF4-FFF2-40B4-BE49-F238E27FC236}">
+                  <a16:creationId xmlns:a16="http://schemas.microsoft.com/office/drawing/2014/main" id="{F1619607-D6B9-3521-D428-B294C5CF7044}"/>
+                </a:ext>
+              </a:extLst>
+            </p:cNvPr>
+            <p:cNvSpPr txBox="1"/>
+            <p:nvPr/>
+          </p:nvSpPr>
+          <p:spPr>
+            <a:xfrm>
+              <a:off x="2181391" y="2193533"/>
+              <a:ext cx="1071127" cy="369332"/>
+            </a:xfrm>
+            <a:prstGeom prst="rect">
+              <a:avLst/>
+            </a:prstGeom>
+            <a:noFill/>
+          </p:spPr>
+          <p:txBody>
+            <a:bodyPr wrap="none" rtlCol="0">
+              <a:spAutoFit/>
+            </a:bodyPr>
+            <a:lstStyle/>
+            <a:p>
+              <a:r>
+                <a:rPr lang="en-US" dirty="0">
+                  <a:latin typeface="Roboto Light" panose="02000000000000000000" pitchFamily="2" charset="0"/>
+                  <a:ea typeface="Roboto Light" panose="02000000000000000000" pitchFamily="2" charset="0"/>
+                </a:rPr>
+                <a:t>Tobacco</a:t>
+              </a:r>
+            </a:p>
+          </p:txBody>
+        </p:sp>
+        <p:sp>
+          <p:nvSpPr>
+            <p:cNvPr id="12" name="TextBox 11">
+              <a:extLst>
+                <a:ext uri="{FF2B5EF4-FFF2-40B4-BE49-F238E27FC236}">
+                  <a16:creationId xmlns:a16="http://schemas.microsoft.com/office/drawing/2014/main" id="{273CB21C-39D9-C185-86E6-1487F184D736}"/>
+                </a:ext>
+              </a:extLst>
+            </p:cNvPr>
+            <p:cNvSpPr txBox="1"/>
+            <p:nvPr/>
+          </p:nvSpPr>
+          <p:spPr>
+            <a:xfrm>
+              <a:off x="4481182" y="1927423"/>
+              <a:ext cx="659155" cy="307777"/>
+            </a:xfrm>
+            <a:prstGeom prst="rect">
+              <a:avLst/>
+            </a:prstGeom>
+            <a:noFill/>
+          </p:spPr>
+          <p:txBody>
+            <a:bodyPr wrap="none" rtlCol="0">
+              <a:spAutoFit/>
+            </a:bodyPr>
+            <a:lstStyle/>
+            <a:p>
+              <a:r>
+                <a:rPr lang="en-US" sz="1400" dirty="0">
+                  <a:latin typeface="Roboto Light" panose="02000000000000000000" pitchFamily="2" charset="0"/>
+                  <a:ea typeface="Roboto Light" panose="02000000000000000000" pitchFamily="2" charset="0"/>
+                </a:rPr>
+                <a:t>42.4%</a:t>
+              </a:r>
+            </a:p>
+          </p:txBody>
+        </p:sp>
+        <p:sp>
+          <p:nvSpPr>
+            <p:cNvPr id="13" name="TextBox 12">
+              <a:extLst>
+                <a:ext uri="{FF2B5EF4-FFF2-40B4-BE49-F238E27FC236}">
+                  <a16:creationId xmlns:a16="http://schemas.microsoft.com/office/drawing/2014/main" id="{5FA53418-B98B-DB2E-DA99-634C097145E2}"/>
+                </a:ext>
+              </a:extLst>
+            </p:cNvPr>
+            <p:cNvSpPr txBox="1"/>
+            <p:nvPr/>
+          </p:nvSpPr>
+          <p:spPr>
+            <a:xfrm>
+              <a:off x="6640182" y="1927422"/>
+              <a:ext cx="659155" cy="307777"/>
+            </a:xfrm>
+            <a:prstGeom prst="rect">
+              <a:avLst/>
+            </a:prstGeom>
+            <a:noFill/>
+          </p:spPr>
+          <p:txBody>
+            <a:bodyPr wrap="none" rtlCol="0">
+              <a:spAutoFit/>
+            </a:bodyPr>
+            <a:lstStyle/>
+            <a:p>
+              <a:r>
+                <a:rPr lang="en-US" sz="1400" dirty="0">
+                  <a:latin typeface="Roboto Light" panose="02000000000000000000" pitchFamily="2" charset="0"/>
+                  <a:ea typeface="Roboto Light" panose="02000000000000000000" pitchFamily="2" charset="0"/>
+                </a:rPr>
+                <a:t>21.4%</a:t>
+              </a:r>
+            </a:p>
+          </p:txBody>
+        </p:sp>
+        <p:sp>
+          <p:nvSpPr>
+            <p:cNvPr id="14" name="TextBox 13">
+              <a:extLst>
+                <a:ext uri="{FF2B5EF4-FFF2-40B4-BE49-F238E27FC236}">
+                  <a16:creationId xmlns:a16="http://schemas.microsoft.com/office/drawing/2014/main" id="{9C5F941A-04CB-ACC1-6847-7B553FB35BEB}"/>
+                </a:ext>
+              </a:extLst>
+            </p:cNvPr>
+            <p:cNvSpPr txBox="1"/>
+            <p:nvPr/>
+          </p:nvSpPr>
+          <p:spPr>
+            <a:xfrm>
+              <a:off x="8585822" y="1927421"/>
+              <a:ext cx="659155" cy="307777"/>
+            </a:xfrm>
+            <a:prstGeom prst="rect">
+              <a:avLst/>
+            </a:prstGeom>
+            <a:noFill/>
+          </p:spPr>
+          <p:txBody>
+            <a:bodyPr wrap="none" rtlCol="0">
+              <a:spAutoFit/>
+            </a:bodyPr>
+            <a:lstStyle/>
+            <a:p>
+              <a:r>
+                <a:rPr lang="en-US" sz="1400" dirty="0">
+                  <a:latin typeface="Roboto Light" panose="02000000000000000000" pitchFamily="2" charset="0"/>
+                  <a:ea typeface="Roboto Light" panose="02000000000000000000" pitchFamily="2" charset="0"/>
+                </a:rPr>
+                <a:t>36.2%</a:t>
+              </a:r>
+            </a:p>
+          </p:txBody>
+        </p:sp>
+      </p:grpSp>
+      <p:grpSp>
+        <p:nvGrpSpPr>
+          <p:cNvPr id="2" name="Group 1">
+            <a:extLst>
+              <a:ext uri="{FF2B5EF4-FFF2-40B4-BE49-F238E27FC236}">
+                <a16:creationId xmlns:a16="http://schemas.microsoft.com/office/drawing/2014/main" id="{04AFBE33-A3F8-FBE1-0302-3AF97972D269}"/>
+              </a:ext>
+            </a:extLst>
+          </p:cNvPr>
+          <p:cNvGrpSpPr/>
+          <p:nvPr/>
+        </p:nvGrpSpPr>
+        <p:grpSpPr>
+          <a:xfrm>
+            <a:off x="2365258" y="1817300"/>
+            <a:ext cx="7687225" cy="668481"/>
+            <a:chOff x="2367339" y="2633178"/>
+            <a:chExt cx="7687225" cy="668481"/>
+          </a:xfrm>
+        </p:grpSpPr>
+        <p:sp>
+          <p:nvSpPr>
+            <p:cNvPr id="15" name="Rectangle 14">
+              <a:extLst>
+                <a:ext uri="{FF2B5EF4-FFF2-40B4-BE49-F238E27FC236}">
+                  <a16:creationId xmlns:a16="http://schemas.microsoft.com/office/drawing/2014/main" id="{9BA1F5BD-8335-056B-07CC-6779DB43F24E}"/>
+                </a:ext>
+              </a:extLst>
+            </p:cNvPr>
+            <p:cNvSpPr/>
+            <p:nvPr/>
+          </p:nvSpPr>
+          <p:spPr>
+            <a:xfrm>
+              <a:off x="3434080" y="2915579"/>
+              <a:ext cx="4480560" cy="386080"/>
+            </a:xfrm>
+            <a:prstGeom prst="rect">
+              <a:avLst/>
+            </a:prstGeom>
+            <a:solidFill>
+              <a:schemeClr val="accent5"/>
+            </a:solidFill>
+            <a:ln>
+              <a:noFill/>
+            </a:ln>
+          </p:spPr>
+          <p:style>
+            <a:lnRef idx="2">
+              <a:schemeClr val="accent1">
+                <a:shade val="50000"/>
+              </a:schemeClr>
+            </a:lnRef>
+            <a:fillRef idx="1">
+              <a:schemeClr val="accent1"/>
+            </a:fillRef>
+            <a:effectRef idx="0">
+              <a:schemeClr val="accent1"/>
+            </a:effectRef>
+            <a:fontRef idx="minor">
+              <a:schemeClr val="lt1"/>
+            </a:fontRef>
+          </p:style>
+          <p:txBody>
+            <a:bodyPr rtlCol="0" anchor="ctr"/>
+            <a:lstStyle/>
+            <a:p>
+              <a:pPr algn="ctr"/>
+              <a:endParaRPr lang="en-US"/>
+            </a:p>
+          </p:txBody>
+        </p:sp>
+        <p:sp>
+          <p:nvSpPr>
+            <p:cNvPr id="16" name="Rectangle 15">
+              <a:extLst>
+                <a:ext uri="{FF2B5EF4-FFF2-40B4-BE49-F238E27FC236}">
+                  <a16:creationId xmlns:a16="http://schemas.microsoft.com/office/drawing/2014/main" id="{E92E2DCE-855E-A486-E549-B77C2FB6C356}"/>
+                </a:ext>
+              </a:extLst>
+            </p:cNvPr>
+            <p:cNvSpPr/>
+            <p:nvPr/>
+          </p:nvSpPr>
+          <p:spPr>
+            <a:xfrm>
+              <a:off x="7983842" y="2913793"/>
+              <a:ext cx="1361440" cy="386080"/>
+            </a:xfrm>
+            <a:prstGeom prst="rect">
+              <a:avLst/>
+            </a:prstGeom>
+            <a:gradFill flip="none" rotWithShape="1">
+              <a:gsLst>
+                <a:gs pos="0">
+                  <a:schemeClr val="accent5"/>
+                </a:gs>
+                <a:gs pos="100000">
+                  <a:schemeClr val="accent4"/>
+                </a:gs>
+                <a:gs pos="100000">
+                  <a:srgbClr val="FFC000"/>
+                </a:gs>
+              </a:gsLst>
+              <a:lin ang="0" scaled="1"/>
+              <a:tileRect/>
+            </a:gradFill>
+            <a:ln>
+              <a:noFill/>
+            </a:ln>
+          </p:spPr>
+          <p:style>
+            <a:lnRef idx="2">
+              <a:schemeClr val="accent1">
+                <a:shade val="50000"/>
+              </a:schemeClr>
+            </a:lnRef>
+            <a:fillRef idx="1">
+              <a:schemeClr val="accent1"/>
+            </a:fillRef>
+            <a:effectRef idx="0">
+              <a:schemeClr val="accent1"/>
+            </a:effectRef>
+            <a:fontRef idx="minor">
+              <a:schemeClr val="lt1"/>
+            </a:fontRef>
+          </p:style>
+          <p:txBody>
+            <a:bodyPr rtlCol="0" anchor="ctr"/>
+            <a:lstStyle/>
+            <a:p>
+              <a:pPr algn="ctr"/>
+              <a:endParaRPr lang="en-US" dirty="0"/>
+            </a:p>
+          </p:txBody>
+        </p:sp>
+        <p:sp>
+          <p:nvSpPr>
+            <p:cNvPr id="17" name="Rectangle 16">
+              <a:extLst>
+                <a:ext uri="{FF2B5EF4-FFF2-40B4-BE49-F238E27FC236}">
+                  <a16:creationId xmlns:a16="http://schemas.microsoft.com/office/drawing/2014/main" id="{44EEE1CC-F75A-DB94-A562-113A3FFBA61B}"/>
+                </a:ext>
+              </a:extLst>
+            </p:cNvPr>
+            <p:cNvSpPr/>
+            <p:nvPr/>
+          </p:nvSpPr>
+          <p:spPr>
+            <a:xfrm>
+              <a:off x="9414484" y="2907205"/>
+              <a:ext cx="640080" cy="386080"/>
+            </a:xfrm>
+            <a:prstGeom prst="rect">
+              <a:avLst/>
+            </a:prstGeom>
+            <a:solidFill>
+              <a:srgbClr val="FFC000"/>
+            </a:solidFill>
+            <a:ln>
+              <a:noFill/>
+            </a:ln>
+          </p:spPr>
+          <p:style>
+            <a:lnRef idx="2">
+              <a:schemeClr val="accent1">
+                <a:shade val="50000"/>
+              </a:schemeClr>
+            </a:lnRef>
+            <a:fillRef idx="1">
+              <a:schemeClr val="accent1"/>
+            </a:fillRef>
+            <a:effectRef idx="0">
+              <a:schemeClr val="accent1"/>
+            </a:effectRef>
+            <a:fontRef idx="minor">
+              <a:schemeClr val="lt1"/>
+            </a:fontRef>
+          </p:style>
+          <p:txBody>
+            <a:bodyPr rtlCol="0" anchor="ctr"/>
+            <a:lstStyle/>
+            <a:p>
+              <a:pPr algn="ctr"/>
+              <a:endParaRPr lang="en-US"/>
+            </a:p>
+          </p:txBody>
+        </p:sp>
+        <p:sp>
+          <p:nvSpPr>
+            <p:cNvPr id="18" name="TextBox 17">
+              <a:extLst>
+                <a:ext uri="{FF2B5EF4-FFF2-40B4-BE49-F238E27FC236}">
+                  <a16:creationId xmlns:a16="http://schemas.microsoft.com/office/drawing/2014/main" id="{1CF6E622-7709-776B-A8A6-03B5715E245F}"/>
+                </a:ext>
+              </a:extLst>
+            </p:cNvPr>
+            <p:cNvSpPr txBox="1"/>
+            <p:nvPr/>
+          </p:nvSpPr>
+          <p:spPr>
+            <a:xfrm>
+              <a:off x="2367339" y="2923953"/>
+              <a:ext cx="936475" cy="369332"/>
+            </a:xfrm>
+            <a:prstGeom prst="rect">
+              <a:avLst/>
+            </a:prstGeom>
+            <a:noFill/>
+          </p:spPr>
+          <p:txBody>
+            <a:bodyPr wrap="none" rtlCol="0">
+              <a:spAutoFit/>
+            </a:bodyPr>
+            <a:lstStyle/>
+            <a:p>
+              <a:r>
+                <a:rPr lang="en-US" dirty="0">
+                  <a:latin typeface="Roboto Light" panose="02000000000000000000" pitchFamily="2" charset="0"/>
+                  <a:ea typeface="Roboto Light" panose="02000000000000000000" pitchFamily="2" charset="0"/>
+                </a:rPr>
+                <a:t>Alcohol</a:t>
+              </a:r>
+            </a:p>
+          </p:txBody>
+        </p:sp>
+        <p:sp>
+          <p:nvSpPr>
+            <p:cNvPr id="19" name="TextBox 18">
+              <a:extLst>
+                <a:ext uri="{FF2B5EF4-FFF2-40B4-BE49-F238E27FC236}">
+                  <a16:creationId xmlns:a16="http://schemas.microsoft.com/office/drawing/2014/main" id="{1385365F-6FB0-B13F-7054-1B4F7BE94A38}"/>
+                </a:ext>
+              </a:extLst>
+            </p:cNvPr>
+            <p:cNvSpPr txBox="1"/>
+            <p:nvPr/>
+          </p:nvSpPr>
+          <p:spPr>
+            <a:xfrm>
+              <a:off x="5222241" y="2633178"/>
+              <a:ext cx="659155" cy="307777"/>
+            </a:xfrm>
+            <a:prstGeom prst="rect">
+              <a:avLst/>
+            </a:prstGeom>
+            <a:noFill/>
+          </p:spPr>
+          <p:txBody>
+            <a:bodyPr wrap="none" rtlCol="0">
+              <a:spAutoFit/>
+            </a:bodyPr>
+            <a:lstStyle/>
+            <a:p>
+              <a:r>
+                <a:rPr lang="en-US" sz="1400" dirty="0">
+                  <a:latin typeface="Roboto Light" panose="02000000000000000000" pitchFamily="2" charset="0"/>
+                  <a:ea typeface="Roboto Light" panose="02000000000000000000" pitchFamily="2" charset="0"/>
+                </a:rPr>
+                <a:t>71.3%</a:t>
+              </a:r>
+            </a:p>
+          </p:txBody>
+        </p:sp>
+        <p:sp>
+          <p:nvSpPr>
+            <p:cNvPr id="20" name="TextBox 19">
+              <a:extLst>
+                <a:ext uri="{FF2B5EF4-FFF2-40B4-BE49-F238E27FC236}">
+                  <a16:creationId xmlns:a16="http://schemas.microsoft.com/office/drawing/2014/main" id="{2DD30AF1-029A-382C-6710-AB52FA2EAD88}"/>
+                </a:ext>
+              </a:extLst>
+            </p:cNvPr>
+            <p:cNvSpPr txBox="1"/>
+            <p:nvPr/>
+          </p:nvSpPr>
+          <p:spPr>
+            <a:xfrm>
+              <a:off x="8370007" y="2633178"/>
+              <a:ext cx="659155" cy="307777"/>
+            </a:xfrm>
+            <a:prstGeom prst="rect">
+              <a:avLst/>
+            </a:prstGeom>
+            <a:noFill/>
+          </p:spPr>
+          <p:txBody>
+            <a:bodyPr wrap="none" rtlCol="0">
+              <a:spAutoFit/>
+            </a:bodyPr>
+            <a:lstStyle/>
+            <a:p>
+              <a:r>
+                <a:rPr lang="en-US" sz="1400" dirty="0">
+                  <a:latin typeface="Roboto Light" panose="02000000000000000000" pitchFamily="2" charset="0"/>
+                  <a:ea typeface="Roboto Light" panose="02000000000000000000" pitchFamily="2" charset="0"/>
+                </a:rPr>
+                <a:t>20.3%</a:t>
+              </a:r>
+            </a:p>
+          </p:txBody>
+        </p:sp>
+        <p:sp>
+          <p:nvSpPr>
+            <p:cNvPr id="21" name="TextBox 20">
+              <a:extLst>
+                <a:ext uri="{FF2B5EF4-FFF2-40B4-BE49-F238E27FC236}">
+                  <a16:creationId xmlns:a16="http://schemas.microsoft.com/office/drawing/2014/main" id="{3A6260BC-4459-9B3D-3AC3-BCD1A0A35027}"/>
+                </a:ext>
+              </a:extLst>
+            </p:cNvPr>
+            <p:cNvSpPr txBox="1"/>
+            <p:nvPr/>
+          </p:nvSpPr>
+          <p:spPr>
+            <a:xfrm>
+              <a:off x="9525973" y="2633178"/>
+              <a:ext cx="417102" cy="307777"/>
+            </a:xfrm>
+            <a:prstGeom prst="rect">
+              <a:avLst/>
+            </a:prstGeom>
+            <a:noFill/>
+          </p:spPr>
+          <p:txBody>
+            <a:bodyPr wrap="none" rtlCol="0">
+              <a:spAutoFit/>
+            </a:bodyPr>
+            <a:lstStyle/>
+            <a:p>
+              <a:r>
+                <a:rPr lang="en-US" sz="1400" dirty="0">
+                  <a:latin typeface="Roboto Light" panose="02000000000000000000" pitchFamily="2" charset="0"/>
+                  <a:ea typeface="Roboto Light" panose="02000000000000000000" pitchFamily="2" charset="0"/>
+                </a:rPr>
+                <a:t>8%</a:t>
+              </a:r>
+            </a:p>
+          </p:txBody>
+        </p:sp>
+      </p:grpSp>
+      <p:grpSp>
+        <p:nvGrpSpPr>
+          <p:cNvPr id="4" name="Group 3">
+            <a:extLst>
+              <a:ext uri="{FF2B5EF4-FFF2-40B4-BE49-F238E27FC236}">
+                <a16:creationId xmlns:a16="http://schemas.microsoft.com/office/drawing/2014/main" id="{623D7895-155F-EF10-67BA-ABC8AF400B6E}"/>
+              </a:ext>
+            </a:extLst>
+          </p:cNvPr>
+          <p:cNvGrpSpPr/>
+          <p:nvPr/>
+        </p:nvGrpSpPr>
+        <p:grpSpPr>
+          <a:xfrm>
+            <a:off x="2585970" y="3299259"/>
+            <a:ext cx="7483212" cy="670963"/>
+            <a:chOff x="2585348" y="3344037"/>
+            <a:chExt cx="7483212" cy="670963"/>
+          </a:xfrm>
+        </p:grpSpPr>
+        <p:sp>
+          <p:nvSpPr>
+            <p:cNvPr id="22" name="Rectangle 21">
+              <a:extLst>
+                <a:ext uri="{FF2B5EF4-FFF2-40B4-BE49-F238E27FC236}">
+                  <a16:creationId xmlns:a16="http://schemas.microsoft.com/office/drawing/2014/main" id="{2E282F90-079C-35A6-0CBA-14A5526DBBC6}"/>
+                </a:ext>
+              </a:extLst>
+            </p:cNvPr>
+            <p:cNvSpPr/>
+            <p:nvPr/>
+          </p:nvSpPr>
+          <p:spPr>
+            <a:xfrm>
+              <a:off x="3434080" y="3627208"/>
+              <a:ext cx="4114800" cy="386080"/>
+            </a:xfrm>
+            <a:prstGeom prst="rect">
+              <a:avLst/>
+            </a:prstGeom>
+            <a:solidFill>
+              <a:schemeClr val="accent5"/>
+            </a:solidFill>
+            <a:ln>
+              <a:noFill/>
+            </a:ln>
+          </p:spPr>
+          <p:style>
+            <a:lnRef idx="2">
+              <a:schemeClr val="accent1">
+                <a:shade val="50000"/>
+              </a:schemeClr>
+            </a:lnRef>
+            <a:fillRef idx="1">
+              <a:schemeClr val="accent1"/>
+            </a:fillRef>
+            <a:effectRef idx="0">
+              <a:schemeClr val="accent1"/>
+            </a:effectRef>
+            <a:fontRef idx="minor">
+              <a:schemeClr val="lt1"/>
+            </a:fontRef>
+          </p:style>
+          <p:txBody>
+            <a:bodyPr rtlCol="0" anchor="ctr"/>
+            <a:lstStyle/>
+            <a:p>
+              <a:pPr algn="ctr"/>
+              <a:endParaRPr lang="en-US"/>
+            </a:p>
+          </p:txBody>
+        </p:sp>
+        <p:sp>
+          <p:nvSpPr>
+            <p:cNvPr id="23" name="Rectangle 22">
+              <a:extLst>
+                <a:ext uri="{FF2B5EF4-FFF2-40B4-BE49-F238E27FC236}">
+                  <a16:creationId xmlns:a16="http://schemas.microsoft.com/office/drawing/2014/main" id="{5F3BDBA3-5F85-15DA-9280-44181E1BDFEB}"/>
+                </a:ext>
+              </a:extLst>
+            </p:cNvPr>
+            <p:cNvSpPr/>
+            <p:nvPr/>
+          </p:nvSpPr>
+          <p:spPr>
+            <a:xfrm>
+              <a:off x="7625080" y="3627208"/>
+              <a:ext cx="1259840" cy="386080"/>
+            </a:xfrm>
+            <a:prstGeom prst="rect">
+              <a:avLst/>
+            </a:prstGeom>
+            <a:gradFill flip="none" rotWithShape="1">
+              <a:gsLst>
+                <a:gs pos="0">
+                  <a:schemeClr val="accent5"/>
+                </a:gs>
+                <a:gs pos="100000">
+                  <a:schemeClr val="accent4"/>
+                </a:gs>
+                <a:gs pos="100000">
+                  <a:srgbClr val="FFC000"/>
+                </a:gs>
+              </a:gsLst>
+              <a:lin ang="0" scaled="1"/>
+              <a:tileRect/>
+            </a:gradFill>
+            <a:ln>
+              <a:noFill/>
+            </a:ln>
+          </p:spPr>
+          <p:style>
+            <a:lnRef idx="2">
+              <a:schemeClr val="accent1">
+                <a:shade val="50000"/>
+              </a:schemeClr>
+            </a:lnRef>
+            <a:fillRef idx="1">
+              <a:schemeClr val="accent1"/>
+            </a:fillRef>
+            <a:effectRef idx="0">
+              <a:schemeClr val="accent1"/>
+            </a:effectRef>
+            <a:fontRef idx="minor">
+              <a:schemeClr val="lt1"/>
+            </a:fontRef>
+          </p:style>
+          <p:txBody>
+            <a:bodyPr rtlCol="0" anchor="ctr"/>
+            <a:lstStyle/>
+            <a:p>
+              <a:pPr algn="ctr"/>
+              <a:endParaRPr lang="en-US" dirty="0"/>
+            </a:p>
+          </p:txBody>
+        </p:sp>
+        <p:sp>
+          <p:nvSpPr>
+            <p:cNvPr id="24" name="Rectangle 23">
+              <a:extLst>
+                <a:ext uri="{FF2B5EF4-FFF2-40B4-BE49-F238E27FC236}">
+                  <a16:creationId xmlns:a16="http://schemas.microsoft.com/office/drawing/2014/main" id="{FE7FEB2E-B51D-9D23-40BE-6FFA7729D0B6}"/>
+                </a:ext>
+              </a:extLst>
+            </p:cNvPr>
+            <p:cNvSpPr/>
+            <p:nvPr/>
+          </p:nvSpPr>
+          <p:spPr>
+            <a:xfrm>
+              <a:off x="8973102" y="3628920"/>
+              <a:ext cx="1095458" cy="386080"/>
+            </a:xfrm>
+            <a:prstGeom prst="rect">
+              <a:avLst/>
+            </a:prstGeom>
+            <a:solidFill>
+              <a:srgbClr val="FFC000"/>
+            </a:solidFill>
+            <a:ln>
+              <a:noFill/>
+            </a:ln>
+          </p:spPr>
+          <p:style>
+            <a:lnRef idx="2">
+              <a:schemeClr val="accent1">
+                <a:shade val="50000"/>
+              </a:schemeClr>
+            </a:lnRef>
+            <a:fillRef idx="1">
+              <a:schemeClr val="accent1"/>
+            </a:fillRef>
+            <a:effectRef idx="0">
+              <a:schemeClr val="accent1"/>
+            </a:effectRef>
+            <a:fontRef idx="minor">
+              <a:schemeClr val="lt1"/>
+            </a:fontRef>
+          </p:style>
+          <p:txBody>
+            <a:bodyPr rtlCol="0" anchor="ctr"/>
+            <a:lstStyle/>
+            <a:p>
+              <a:pPr algn="ctr"/>
+              <a:endParaRPr lang="en-US"/>
+            </a:p>
+          </p:txBody>
+        </p:sp>
+        <p:sp>
+          <p:nvSpPr>
+            <p:cNvPr id="25" name="TextBox 24">
+              <a:extLst>
+                <a:ext uri="{FF2B5EF4-FFF2-40B4-BE49-F238E27FC236}">
+                  <a16:creationId xmlns:a16="http://schemas.microsoft.com/office/drawing/2014/main" id="{E7BB43D3-D4D9-F755-E635-82C06F14E810}"/>
+                </a:ext>
+              </a:extLst>
+            </p:cNvPr>
+            <p:cNvSpPr txBox="1"/>
+            <p:nvPr/>
+          </p:nvSpPr>
+          <p:spPr>
+            <a:xfrm>
+              <a:off x="2585348" y="3635916"/>
+              <a:ext cx="667170" cy="369332"/>
+            </a:xfrm>
+            <a:prstGeom prst="rect">
+              <a:avLst/>
+            </a:prstGeom>
+            <a:noFill/>
+          </p:spPr>
+          <p:txBody>
+            <a:bodyPr wrap="none" rtlCol="0">
+              <a:spAutoFit/>
+            </a:bodyPr>
+            <a:lstStyle/>
+            <a:p>
+              <a:pPr algn="r"/>
+              <a:r>
+                <a:rPr lang="en-US" dirty="0">
+                  <a:latin typeface="Roboto Light" panose="02000000000000000000" pitchFamily="2" charset="0"/>
+                  <a:ea typeface="Roboto Light" panose="02000000000000000000" pitchFamily="2" charset="0"/>
+                </a:rPr>
+                <a:t>Drug</a:t>
+              </a:r>
+            </a:p>
+          </p:txBody>
+        </p:sp>
+        <p:sp>
+          <p:nvSpPr>
+            <p:cNvPr id="26" name="TextBox 25">
+              <a:extLst>
+                <a:ext uri="{FF2B5EF4-FFF2-40B4-BE49-F238E27FC236}">
+                  <a16:creationId xmlns:a16="http://schemas.microsoft.com/office/drawing/2014/main" id="{6279A6D2-2701-E508-0101-C031B7F574A2}"/>
+                </a:ext>
+              </a:extLst>
+            </p:cNvPr>
+            <p:cNvSpPr txBox="1"/>
+            <p:nvPr/>
+          </p:nvSpPr>
+          <p:spPr>
+            <a:xfrm>
+              <a:off x="4979645" y="3344037"/>
+              <a:ext cx="659155" cy="307777"/>
+            </a:xfrm>
+            <a:prstGeom prst="rect">
+              <a:avLst/>
+            </a:prstGeom>
+            <a:noFill/>
+          </p:spPr>
+          <p:txBody>
+            <a:bodyPr wrap="none" rtlCol="0">
+              <a:spAutoFit/>
+            </a:bodyPr>
+            <a:lstStyle/>
+            <a:p>
+              <a:r>
+                <a:rPr lang="en-US" sz="1400" dirty="0">
+                  <a:latin typeface="Roboto Light" panose="02000000000000000000" pitchFamily="2" charset="0"/>
+                  <a:ea typeface="Roboto Light" panose="02000000000000000000" pitchFamily="2" charset="0"/>
+                </a:rPr>
+                <a:t>64.7%</a:t>
+              </a:r>
+            </a:p>
+          </p:txBody>
+        </p:sp>
+        <p:sp>
+          <p:nvSpPr>
+            <p:cNvPr id="27" name="TextBox 26">
+              <a:extLst>
+                <a:ext uri="{FF2B5EF4-FFF2-40B4-BE49-F238E27FC236}">
+                  <a16:creationId xmlns:a16="http://schemas.microsoft.com/office/drawing/2014/main" id="{B9252628-CC84-106B-2A0D-70A07A283034}"/>
+                </a:ext>
+              </a:extLst>
+            </p:cNvPr>
+            <p:cNvSpPr txBox="1"/>
+            <p:nvPr/>
+          </p:nvSpPr>
+          <p:spPr>
+            <a:xfrm>
+              <a:off x="7926667" y="3352071"/>
+              <a:ext cx="659155" cy="307777"/>
+            </a:xfrm>
+            <a:prstGeom prst="rect">
+              <a:avLst/>
+            </a:prstGeom>
+            <a:noFill/>
+          </p:spPr>
+          <p:txBody>
+            <a:bodyPr wrap="none" rtlCol="0">
+              <a:spAutoFit/>
+            </a:bodyPr>
+            <a:lstStyle/>
+            <a:p>
+              <a:r>
+                <a:rPr lang="en-US" sz="1400" dirty="0">
+                  <a:latin typeface="Roboto Light" panose="02000000000000000000" pitchFamily="2" charset="0"/>
+                  <a:ea typeface="Roboto Light" panose="02000000000000000000" pitchFamily="2" charset="0"/>
+                </a:rPr>
+                <a:t>19.7%</a:t>
+              </a:r>
+            </a:p>
+          </p:txBody>
+        </p:sp>
+        <p:sp>
+          <p:nvSpPr>
+            <p:cNvPr id="28" name="TextBox 27">
+              <a:extLst>
+                <a:ext uri="{FF2B5EF4-FFF2-40B4-BE49-F238E27FC236}">
+                  <a16:creationId xmlns:a16="http://schemas.microsoft.com/office/drawing/2014/main" id="{D2DB9489-696C-BE01-1823-0F5D1D90C94D}"/>
+                </a:ext>
+              </a:extLst>
+            </p:cNvPr>
+            <p:cNvSpPr txBox="1"/>
+            <p:nvPr/>
+          </p:nvSpPr>
+          <p:spPr>
+            <a:xfrm>
+              <a:off x="9345282" y="3353468"/>
+              <a:ext cx="659155" cy="307777"/>
+            </a:xfrm>
+            <a:prstGeom prst="rect">
+              <a:avLst/>
+            </a:prstGeom>
+            <a:noFill/>
+          </p:spPr>
+          <p:txBody>
+            <a:bodyPr wrap="none" rtlCol="0">
+              <a:spAutoFit/>
+            </a:bodyPr>
+            <a:lstStyle/>
+            <a:p>
+              <a:r>
+                <a:rPr lang="en-US" sz="1400" dirty="0">
+                  <a:latin typeface="Roboto Light" panose="02000000000000000000" pitchFamily="2" charset="0"/>
+                  <a:ea typeface="Roboto Light" panose="02000000000000000000" pitchFamily="2" charset="0"/>
+                </a:rPr>
+                <a:t>15.6%</a:t>
+              </a:r>
+            </a:p>
+          </p:txBody>
+        </p:sp>
+      </p:grpSp>
+      <p:grpSp>
+        <p:nvGrpSpPr>
+          <p:cNvPr id="5" name="Group 4">
+            <a:extLst>
+              <a:ext uri="{FF2B5EF4-FFF2-40B4-BE49-F238E27FC236}">
+                <a16:creationId xmlns:a16="http://schemas.microsoft.com/office/drawing/2014/main" id="{4B96A9A9-0B04-5520-0559-9FEF82EAB7E2}"/>
+              </a:ext>
+            </a:extLst>
+          </p:cNvPr>
+          <p:cNvGrpSpPr/>
+          <p:nvPr/>
+        </p:nvGrpSpPr>
+        <p:grpSpPr>
+          <a:xfrm>
+            <a:off x="1823104" y="3951115"/>
+            <a:ext cx="8545792" cy="684958"/>
+            <a:chOff x="1788656" y="4074257"/>
+            <a:chExt cx="8545792" cy="684958"/>
+          </a:xfrm>
+        </p:grpSpPr>
+        <p:sp>
+          <p:nvSpPr>
+            <p:cNvPr id="29" name="Rectangle 28">
+              <a:extLst>
+                <a:ext uri="{FF2B5EF4-FFF2-40B4-BE49-F238E27FC236}">
+                  <a16:creationId xmlns:a16="http://schemas.microsoft.com/office/drawing/2014/main" id="{4B01D369-A0E5-E25F-B0B4-072EECB23AC2}"/>
+                </a:ext>
+              </a:extLst>
+            </p:cNvPr>
+            <p:cNvSpPr/>
+            <p:nvPr/>
+          </p:nvSpPr>
+          <p:spPr>
+            <a:xfrm>
+              <a:off x="3434080" y="4373135"/>
+              <a:ext cx="5706614" cy="386080"/>
+            </a:xfrm>
+            <a:prstGeom prst="rect">
+              <a:avLst/>
+            </a:prstGeom>
+            <a:solidFill>
+              <a:schemeClr val="accent5"/>
+            </a:solidFill>
+            <a:ln>
+              <a:noFill/>
+            </a:ln>
+          </p:spPr>
+          <p:style>
+            <a:lnRef idx="2">
+              <a:schemeClr val="accent1">
+                <a:shade val="50000"/>
+              </a:schemeClr>
+            </a:lnRef>
+            <a:fillRef idx="1">
+              <a:schemeClr val="accent1"/>
+            </a:fillRef>
+            <a:effectRef idx="0">
+              <a:schemeClr val="accent1"/>
+            </a:effectRef>
+            <a:fontRef idx="minor">
+              <a:schemeClr val="lt1"/>
+            </a:fontRef>
+          </p:style>
+          <p:txBody>
+            <a:bodyPr rtlCol="0" anchor="ctr"/>
+            <a:lstStyle/>
+            <a:p>
+              <a:pPr algn="ctr"/>
+              <a:endParaRPr lang="en-US" dirty="0"/>
+            </a:p>
+          </p:txBody>
+        </p:sp>
+        <p:sp>
+          <p:nvSpPr>
+            <p:cNvPr id="30" name="Rectangle 29">
+              <a:extLst>
+                <a:ext uri="{FF2B5EF4-FFF2-40B4-BE49-F238E27FC236}">
+                  <a16:creationId xmlns:a16="http://schemas.microsoft.com/office/drawing/2014/main" id="{ECAC943A-8FB1-8A21-AB65-0694061EC95A}"/>
+                </a:ext>
+              </a:extLst>
+            </p:cNvPr>
+            <p:cNvSpPr/>
+            <p:nvPr/>
+          </p:nvSpPr>
+          <p:spPr>
+            <a:xfrm>
+              <a:off x="9230710" y="4358092"/>
+              <a:ext cx="606838" cy="386080"/>
+            </a:xfrm>
+            <a:prstGeom prst="rect">
+              <a:avLst/>
+            </a:prstGeom>
+            <a:gradFill flip="none" rotWithShape="1">
+              <a:gsLst>
+                <a:gs pos="0">
+                  <a:schemeClr val="accent5"/>
+                </a:gs>
+                <a:gs pos="100000">
+                  <a:schemeClr val="accent4"/>
+                </a:gs>
+                <a:gs pos="100000">
+                  <a:srgbClr val="FFC000"/>
+                </a:gs>
+              </a:gsLst>
+              <a:lin ang="0" scaled="1"/>
+              <a:tileRect/>
+            </a:gradFill>
+            <a:ln>
+              <a:noFill/>
+            </a:ln>
+          </p:spPr>
+          <p:style>
+            <a:lnRef idx="2">
+              <a:schemeClr val="accent1">
+                <a:shade val="50000"/>
+              </a:schemeClr>
+            </a:lnRef>
+            <a:fillRef idx="1">
+              <a:schemeClr val="accent1"/>
+            </a:fillRef>
+            <a:effectRef idx="0">
+              <a:schemeClr val="accent1"/>
+            </a:effectRef>
+            <a:fontRef idx="minor">
+              <a:schemeClr val="lt1"/>
+            </a:fontRef>
+          </p:style>
+          <p:txBody>
+            <a:bodyPr rtlCol="0" anchor="ctr"/>
+            <a:lstStyle/>
+            <a:p>
+              <a:pPr algn="ctr"/>
+              <a:endParaRPr lang="en-US" dirty="0"/>
+            </a:p>
+          </p:txBody>
+        </p:sp>
+        <p:sp>
+          <p:nvSpPr>
+            <p:cNvPr id="31" name="Rectangle 30">
+              <a:extLst>
+                <a:ext uri="{FF2B5EF4-FFF2-40B4-BE49-F238E27FC236}">
+                  <a16:creationId xmlns:a16="http://schemas.microsoft.com/office/drawing/2014/main" id="{07D8CA73-E112-FD0B-8CB0-95C357FB76B1}"/>
+                </a:ext>
+              </a:extLst>
+            </p:cNvPr>
+            <p:cNvSpPr/>
+            <p:nvPr/>
+          </p:nvSpPr>
+          <p:spPr>
+            <a:xfrm>
+              <a:off x="9927564" y="4358092"/>
+              <a:ext cx="132080" cy="386080"/>
+            </a:xfrm>
+            <a:prstGeom prst="rect">
+              <a:avLst/>
+            </a:prstGeom>
+            <a:solidFill>
+              <a:srgbClr val="FFC000"/>
+            </a:solidFill>
+            <a:ln>
+              <a:noFill/>
+            </a:ln>
+          </p:spPr>
+          <p:style>
+            <a:lnRef idx="2">
+              <a:schemeClr val="accent1">
+                <a:shade val="50000"/>
+              </a:schemeClr>
+            </a:lnRef>
+            <a:fillRef idx="1">
+              <a:schemeClr val="accent1"/>
+            </a:fillRef>
+            <a:effectRef idx="0">
+              <a:schemeClr val="accent1"/>
+            </a:effectRef>
+            <a:fontRef idx="minor">
+              <a:schemeClr val="lt1"/>
+            </a:fontRef>
+          </p:style>
+          <p:txBody>
+            <a:bodyPr rtlCol="0" anchor="ctr"/>
+            <a:lstStyle/>
+            <a:p>
+              <a:pPr algn="ctr"/>
+              <a:endParaRPr lang="en-US"/>
+            </a:p>
+          </p:txBody>
+        </p:sp>
+        <p:sp>
+          <p:nvSpPr>
+            <p:cNvPr id="32" name="TextBox 31">
+              <a:extLst>
+                <a:ext uri="{FF2B5EF4-FFF2-40B4-BE49-F238E27FC236}">
+                  <a16:creationId xmlns:a16="http://schemas.microsoft.com/office/drawing/2014/main" id="{3806DF21-1C28-E4BA-F0EB-546F68B9D050}"/>
+                </a:ext>
+              </a:extLst>
+            </p:cNvPr>
+            <p:cNvSpPr txBox="1"/>
+            <p:nvPr/>
+          </p:nvSpPr>
+          <p:spPr>
+            <a:xfrm>
+              <a:off x="1788656" y="4358093"/>
+              <a:ext cx="1463862" cy="369332"/>
+            </a:xfrm>
+            <a:prstGeom prst="rect">
+              <a:avLst/>
+            </a:prstGeom>
+            <a:noFill/>
+          </p:spPr>
+          <p:txBody>
+            <a:bodyPr wrap="none" rtlCol="0">
+              <a:spAutoFit/>
+            </a:bodyPr>
+            <a:lstStyle/>
+            <a:p>
+              <a:pPr algn="r"/>
+              <a:r>
+                <a:rPr lang="en-US" dirty="0">
+                  <a:latin typeface="Roboto Light" panose="02000000000000000000" pitchFamily="2" charset="0"/>
+                  <a:ea typeface="Roboto Light" panose="02000000000000000000" pitchFamily="2" charset="0"/>
+                </a:rPr>
+                <a:t>Employment</a:t>
+              </a:r>
+            </a:p>
+          </p:txBody>
+        </p:sp>
+        <p:sp>
+          <p:nvSpPr>
+            <p:cNvPr id="33" name="TextBox 32">
+              <a:extLst>
+                <a:ext uri="{FF2B5EF4-FFF2-40B4-BE49-F238E27FC236}">
+                  <a16:creationId xmlns:a16="http://schemas.microsoft.com/office/drawing/2014/main" id="{A041266A-0A74-E851-B6C3-8E008A21C1CF}"/>
+                </a:ext>
+              </a:extLst>
+            </p:cNvPr>
+            <p:cNvSpPr txBox="1"/>
+            <p:nvPr/>
+          </p:nvSpPr>
+          <p:spPr>
+            <a:xfrm>
+              <a:off x="5857862" y="4094958"/>
+              <a:ext cx="659155" cy="307777"/>
+            </a:xfrm>
+            <a:prstGeom prst="rect">
+              <a:avLst/>
+            </a:prstGeom>
+            <a:noFill/>
+          </p:spPr>
+          <p:txBody>
+            <a:bodyPr wrap="none" rtlCol="0">
+              <a:spAutoFit/>
+            </a:bodyPr>
+            <a:lstStyle/>
+            <a:p>
+              <a:r>
+                <a:rPr lang="en-US" sz="1400" dirty="0">
+                  <a:latin typeface="Roboto Light" panose="02000000000000000000" pitchFamily="2" charset="0"/>
+                  <a:ea typeface="Roboto Light" panose="02000000000000000000" pitchFamily="2" charset="0"/>
+                </a:rPr>
+                <a:t>90.2%</a:t>
+              </a:r>
+            </a:p>
+          </p:txBody>
+        </p:sp>
+        <p:sp>
+          <p:nvSpPr>
+            <p:cNvPr id="34" name="TextBox 33">
+              <a:extLst>
+                <a:ext uri="{FF2B5EF4-FFF2-40B4-BE49-F238E27FC236}">
+                  <a16:creationId xmlns:a16="http://schemas.microsoft.com/office/drawing/2014/main" id="{3B22AAF1-C90E-1905-FAB6-562CFD6452FC}"/>
+                </a:ext>
+              </a:extLst>
+            </p:cNvPr>
+            <p:cNvSpPr txBox="1"/>
+            <p:nvPr/>
+          </p:nvSpPr>
+          <p:spPr>
+            <a:xfrm>
+              <a:off x="9292430" y="4078854"/>
+              <a:ext cx="559769" cy="307777"/>
+            </a:xfrm>
+            <a:prstGeom prst="rect">
+              <a:avLst/>
+            </a:prstGeom>
+            <a:noFill/>
+          </p:spPr>
+          <p:txBody>
+            <a:bodyPr wrap="none" rtlCol="0">
+              <a:spAutoFit/>
+            </a:bodyPr>
+            <a:lstStyle/>
+            <a:p>
+              <a:r>
+                <a:rPr lang="en-US" sz="1400" dirty="0">
+                  <a:latin typeface="Roboto Light" panose="02000000000000000000" pitchFamily="2" charset="0"/>
+                  <a:ea typeface="Roboto Light" panose="02000000000000000000" pitchFamily="2" charset="0"/>
+                </a:rPr>
+                <a:t>7.8%</a:t>
+              </a:r>
+            </a:p>
+          </p:txBody>
+        </p:sp>
+        <p:sp>
+          <p:nvSpPr>
+            <p:cNvPr id="35" name="TextBox 34">
+              <a:extLst>
+                <a:ext uri="{FF2B5EF4-FFF2-40B4-BE49-F238E27FC236}">
+                  <a16:creationId xmlns:a16="http://schemas.microsoft.com/office/drawing/2014/main" id="{506D0BC0-51E6-327F-56D3-E477BDA7C74A}"/>
+                </a:ext>
+              </a:extLst>
+            </p:cNvPr>
+            <p:cNvSpPr txBox="1"/>
+            <p:nvPr/>
+          </p:nvSpPr>
+          <p:spPr>
+            <a:xfrm>
+              <a:off x="9774679" y="4074257"/>
+              <a:ext cx="559769" cy="307777"/>
+            </a:xfrm>
+            <a:prstGeom prst="rect">
+              <a:avLst/>
+            </a:prstGeom>
+            <a:noFill/>
+          </p:spPr>
+          <p:txBody>
+            <a:bodyPr wrap="none" rtlCol="0">
+              <a:spAutoFit/>
+            </a:bodyPr>
+            <a:lstStyle/>
+            <a:p>
+              <a:r>
+                <a:rPr lang="en-US" sz="1400" dirty="0">
+                  <a:latin typeface="Roboto Light" panose="02000000000000000000" pitchFamily="2" charset="0"/>
+                  <a:ea typeface="Roboto Light" panose="02000000000000000000" pitchFamily="2" charset="0"/>
+                </a:rPr>
+                <a:t>1.9%</a:t>
+              </a:r>
+            </a:p>
+          </p:txBody>
+        </p:sp>
+      </p:grpSp>
+      <p:grpSp>
+        <p:nvGrpSpPr>
+          <p:cNvPr id="9" name="Group 8">
+            <a:extLst>
+              <a:ext uri="{FF2B5EF4-FFF2-40B4-BE49-F238E27FC236}">
+                <a16:creationId xmlns:a16="http://schemas.microsoft.com/office/drawing/2014/main" id="{5792171B-05C0-6A17-C595-1C2EB2C3AEE3}"/>
+              </a:ext>
+            </a:extLst>
+          </p:cNvPr>
+          <p:cNvGrpSpPr/>
+          <p:nvPr/>
+        </p:nvGrpSpPr>
+        <p:grpSpPr>
+          <a:xfrm>
+            <a:off x="1842227" y="4644376"/>
+            <a:ext cx="8227436" cy="666641"/>
+            <a:chOff x="1827128" y="4811285"/>
+            <a:chExt cx="8227436" cy="666641"/>
+          </a:xfrm>
+        </p:grpSpPr>
+        <p:sp>
+          <p:nvSpPr>
+            <p:cNvPr id="36" name="Rectangle 35">
+              <a:extLst>
+                <a:ext uri="{FF2B5EF4-FFF2-40B4-BE49-F238E27FC236}">
+                  <a16:creationId xmlns:a16="http://schemas.microsoft.com/office/drawing/2014/main" id="{A4916C20-F2CD-4969-BF70-7362966860CC}"/>
+                </a:ext>
+              </a:extLst>
+            </p:cNvPr>
+            <p:cNvSpPr/>
+            <p:nvPr/>
+          </p:nvSpPr>
+          <p:spPr>
+            <a:xfrm>
+              <a:off x="3434080" y="5076442"/>
+              <a:ext cx="3992880" cy="386080"/>
+            </a:xfrm>
+            <a:prstGeom prst="rect">
+              <a:avLst/>
+            </a:prstGeom>
+            <a:solidFill>
+              <a:schemeClr val="accent5"/>
+            </a:solidFill>
+            <a:ln>
+              <a:noFill/>
+            </a:ln>
+          </p:spPr>
+          <p:style>
+            <a:lnRef idx="2">
+              <a:schemeClr val="accent1">
+                <a:shade val="50000"/>
+              </a:schemeClr>
+            </a:lnRef>
+            <a:fillRef idx="1">
+              <a:schemeClr val="accent1"/>
+            </a:fillRef>
+            <a:effectRef idx="0">
+              <a:schemeClr val="accent1"/>
+            </a:effectRef>
+            <a:fontRef idx="minor">
+              <a:schemeClr val="lt1"/>
+            </a:fontRef>
+          </p:style>
+          <p:txBody>
+            <a:bodyPr rtlCol="0" anchor="ctr"/>
+            <a:lstStyle/>
+            <a:p>
+              <a:pPr algn="ctr"/>
+              <a:endParaRPr lang="en-US" dirty="0"/>
+            </a:p>
+          </p:txBody>
+        </p:sp>
+        <p:sp>
+          <p:nvSpPr>
+            <p:cNvPr id="37" name="Rectangle 36">
+              <a:extLst>
+                <a:ext uri="{FF2B5EF4-FFF2-40B4-BE49-F238E27FC236}">
+                  <a16:creationId xmlns:a16="http://schemas.microsoft.com/office/drawing/2014/main" id="{FC861D80-7E1C-C389-D1D7-9E0D5E341417}"/>
+                </a:ext>
+              </a:extLst>
+            </p:cNvPr>
+            <p:cNvSpPr/>
+            <p:nvPr/>
+          </p:nvSpPr>
+          <p:spPr>
+            <a:xfrm>
+              <a:off x="7512969" y="5076442"/>
+              <a:ext cx="375920" cy="386080"/>
+            </a:xfrm>
+            <a:prstGeom prst="rect">
+              <a:avLst/>
+            </a:prstGeom>
+            <a:gradFill flip="none" rotWithShape="1">
+              <a:gsLst>
+                <a:gs pos="0">
+                  <a:schemeClr val="accent5"/>
+                </a:gs>
+                <a:gs pos="100000">
+                  <a:schemeClr val="accent4"/>
+                </a:gs>
+                <a:gs pos="100000">
+                  <a:srgbClr val="FFC000"/>
+                </a:gs>
+              </a:gsLst>
+              <a:lin ang="0" scaled="1"/>
+              <a:tileRect/>
+            </a:gradFill>
+            <a:ln>
+              <a:noFill/>
+            </a:ln>
+          </p:spPr>
+          <p:style>
+            <a:lnRef idx="2">
+              <a:schemeClr val="accent1">
+                <a:shade val="50000"/>
+              </a:schemeClr>
+            </a:lnRef>
+            <a:fillRef idx="1">
+              <a:schemeClr val="accent1"/>
+            </a:fillRef>
+            <a:effectRef idx="0">
+              <a:schemeClr val="accent1"/>
+            </a:effectRef>
+            <a:fontRef idx="minor">
+              <a:schemeClr val="lt1"/>
+            </a:fontRef>
+          </p:style>
+          <p:txBody>
+            <a:bodyPr rtlCol="0" anchor="ctr"/>
+            <a:lstStyle/>
+            <a:p>
+              <a:pPr algn="ctr"/>
+              <a:endParaRPr lang="en-US" dirty="0"/>
+            </a:p>
+          </p:txBody>
+        </p:sp>
+        <p:sp>
+          <p:nvSpPr>
+            <p:cNvPr id="38" name="Rectangle 37">
+              <a:extLst>
+                <a:ext uri="{FF2B5EF4-FFF2-40B4-BE49-F238E27FC236}">
+                  <a16:creationId xmlns:a16="http://schemas.microsoft.com/office/drawing/2014/main" id="{203508DA-924A-7712-6A47-9B4745FC892E}"/>
+                </a:ext>
+              </a:extLst>
+            </p:cNvPr>
+            <p:cNvSpPr/>
+            <p:nvPr/>
+          </p:nvSpPr>
+          <p:spPr>
+            <a:xfrm>
+              <a:off x="7974898" y="5091846"/>
+              <a:ext cx="2079666" cy="386080"/>
+            </a:xfrm>
+            <a:prstGeom prst="rect">
+              <a:avLst/>
+            </a:prstGeom>
+            <a:solidFill>
+              <a:srgbClr val="FFC000"/>
+            </a:solidFill>
+            <a:ln>
+              <a:noFill/>
+            </a:ln>
+          </p:spPr>
+          <p:style>
+            <a:lnRef idx="2">
+              <a:schemeClr val="accent1">
+                <a:shade val="50000"/>
+              </a:schemeClr>
+            </a:lnRef>
+            <a:fillRef idx="1">
+              <a:schemeClr val="accent1"/>
+            </a:fillRef>
+            <a:effectRef idx="0">
+              <a:schemeClr val="accent1"/>
+            </a:effectRef>
+            <a:fontRef idx="minor">
+              <a:schemeClr val="lt1"/>
+            </a:fontRef>
+          </p:style>
+          <p:txBody>
+            <a:bodyPr rtlCol="0" anchor="ctr"/>
+            <a:lstStyle/>
+            <a:p>
+              <a:pPr algn="ctr"/>
+              <a:endParaRPr lang="en-US"/>
+            </a:p>
+          </p:txBody>
+        </p:sp>
+        <p:sp>
+          <p:nvSpPr>
+            <p:cNvPr id="39" name="TextBox 38">
+              <a:extLst>
+                <a:ext uri="{FF2B5EF4-FFF2-40B4-BE49-F238E27FC236}">
+                  <a16:creationId xmlns:a16="http://schemas.microsoft.com/office/drawing/2014/main" id="{6D2B70B9-6F80-4F6A-FB77-8EAF44DDA2B7}"/>
+                </a:ext>
+              </a:extLst>
+            </p:cNvPr>
+            <p:cNvSpPr txBox="1"/>
+            <p:nvPr/>
+          </p:nvSpPr>
+          <p:spPr>
+            <a:xfrm>
+              <a:off x="1827128" y="5061400"/>
+              <a:ext cx="1425390" cy="369332"/>
+            </a:xfrm>
+            <a:prstGeom prst="rect">
+              <a:avLst/>
+            </a:prstGeom>
+            <a:noFill/>
+          </p:spPr>
+          <p:txBody>
+            <a:bodyPr wrap="none" rtlCol="0">
+              <a:spAutoFit/>
+            </a:bodyPr>
+            <a:lstStyle/>
+            <a:p>
+              <a:pPr algn="r"/>
+              <a:r>
+                <a:rPr lang="en-US" dirty="0" err="1">
+                  <a:latin typeface="Roboto Light" panose="02000000000000000000" pitchFamily="2" charset="0"/>
+                  <a:ea typeface="Roboto Light" panose="02000000000000000000" pitchFamily="2" charset="0"/>
+                </a:rPr>
+                <a:t>LivingStatus</a:t>
+              </a:r>
+              <a:endParaRPr lang="en-US" dirty="0">
+                <a:latin typeface="Roboto Light" panose="02000000000000000000" pitchFamily="2" charset="0"/>
+                <a:ea typeface="Roboto Light" panose="02000000000000000000" pitchFamily="2" charset="0"/>
+              </a:endParaRPr>
+            </a:p>
+          </p:txBody>
+        </p:sp>
+        <p:sp>
+          <p:nvSpPr>
+            <p:cNvPr id="40" name="TextBox 39">
+              <a:extLst>
+                <a:ext uri="{FF2B5EF4-FFF2-40B4-BE49-F238E27FC236}">
+                  <a16:creationId xmlns:a16="http://schemas.microsoft.com/office/drawing/2014/main" id="{13C2D52E-9332-DAF3-A801-BF04D05AA31D}"/>
+                </a:ext>
+              </a:extLst>
+            </p:cNvPr>
+            <p:cNvSpPr txBox="1"/>
+            <p:nvPr/>
+          </p:nvSpPr>
+          <p:spPr>
+            <a:xfrm>
+              <a:off x="4979645" y="4811285"/>
+              <a:ext cx="659155" cy="307777"/>
+            </a:xfrm>
+            <a:prstGeom prst="rect">
+              <a:avLst/>
+            </a:prstGeom>
+            <a:noFill/>
+          </p:spPr>
+          <p:txBody>
+            <a:bodyPr wrap="none" rtlCol="0">
+              <a:spAutoFit/>
+            </a:bodyPr>
+            <a:lstStyle/>
+            <a:p>
+              <a:r>
+                <a:rPr lang="en-US" sz="1400" dirty="0">
+                  <a:latin typeface="Roboto Light" panose="02000000000000000000" pitchFamily="2" charset="0"/>
+                  <a:ea typeface="Roboto Light" panose="02000000000000000000" pitchFamily="2" charset="0"/>
+                </a:rPr>
+                <a:t>63.6%</a:t>
+              </a:r>
+            </a:p>
+          </p:txBody>
+        </p:sp>
+        <p:sp>
+          <p:nvSpPr>
+            <p:cNvPr id="41" name="TextBox 40">
+              <a:extLst>
+                <a:ext uri="{FF2B5EF4-FFF2-40B4-BE49-F238E27FC236}">
+                  <a16:creationId xmlns:a16="http://schemas.microsoft.com/office/drawing/2014/main" id="{BD0B30EE-7C50-E9D8-2C50-CEDE731C67F0}"/>
+                </a:ext>
+              </a:extLst>
+            </p:cNvPr>
+            <p:cNvSpPr txBox="1"/>
+            <p:nvPr/>
+          </p:nvSpPr>
+          <p:spPr>
+            <a:xfrm>
+              <a:off x="7454086" y="4815620"/>
+              <a:ext cx="559769" cy="307777"/>
+            </a:xfrm>
+            <a:prstGeom prst="rect">
+              <a:avLst/>
+            </a:prstGeom>
+            <a:noFill/>
+          </p:spPr>
+          <p:txBody>
+            <a:bodyPr wrap="none" rtlCol="0">
+              <a:spAutoFit/>
+            </a:bodyPr>
+            <a:lstStyle/>
+            <a:p>
+              <a:r>
+                <a:rPr lang="en-US" sz="1400" dirty="0">
+                  <a:latin typeface="Roboto Light" panose="02000000000000000000" pitchFamily="2" charset="0"/>
+                  <a:ea typeface="Roboto Light" panose="02000000000000000000" pitchFamily="2" charset="0"/>
+                </a:rPr>
+                <a:t>4.4%</a:t>
+              </a:r>
+            </a:p>
+          </p:txBody>
+        </p:sp>
+        <p:sp>
+          <p:nvSpPr>
+            <p:cNvPr id="42" name="TextBox 41">
+              <a:extLst>
+                <a:ext uri="{FF2B5EF4-FFF2-40B4-BE49-F238E27FC236}">
+                  <a16:creationId xmlns:a16="http://schemas.microsoft.com/office/drawing/2014/main" id="{F0DC6780-8401-706F-372B-765F599CF498}"/>
+                </a:ext>
+              </a:extLst>
+            </p:cNvPr>
+            <p:cNvSpPr txBox="1"/>
+            <p:nvPr/>
+          </p:nvSpPr>
+          <p:spPr>
+            <a:xfrm>
+              <a:off x="8734846" y="4815620"/>
+              <a:ext cx="659155" cy="307777"/>
+            </a:xfrm>
+            <a:prstGeom prst="rect">
+              <a:avLst/>
+            </a:prstGeom>
+            <a:noFill/>
+          </p:spPr>
+          <p:txBody>
+            <a:bodyPr wrap="none" rtlCol="0">
+              <a:spAutoFit/>
+            </a:bodyPr>
+            <a:lstStyle/>
+            <a:p>
+              <a:r>
+                <a:rPr lang="en-US" sz="1400" dirty="0">
+                  <a:latin typeface="Roboto Light" panose="02000000000000000000" pitchFamily="2" charset="0"/>
+                  <a:ea typeface="Roboto Light" panose="02000000000000000000" pitchFamily="2" charset="0"/>
+                </a:rPr>
+                <a:t>31.9%</a:t>
+              </a:r>
+            </a:p>
+          </p:txBody>
+        </p:sp>
+      </p:grpSp>
       <p:sp>
         <p:nvSpPr>
-          <p:cNvPr id="6" name="Rectangle 5">
+          <p:cNvPr id="10" name="Rectangle 9">
             <a:extLst>
               <a:ext uri="{FF2B5EF4-FFF2-40B4-BE49-F238E27FC236}">
-                <a16:creationId xmlns:a16="http://schemas.microsoft.com/office/drawing/2014/main" id="{C276FB95-1FAE-747D-DA95-88B06FE6A470}"/>
+                <a16:creationId xmlns:a16="http://schemas.microsoft.com/office/drawing/2014/main" id="{01AF0FE6-A073-0B19-9994-796751D3C498}"/>
               </a:ext>
             </a:extLst>
           </p:cNvPr>
@@ -30284,8 +31996,8 @@
         </p:nvSpPr>
         <p:spPr>
           <a:xfrm>
-            <a:off x="3434080" y="2194560"/>
-            <a:ext cx="2753360" cy="386080"/>
+            <a:off x="8905863" y="877918"/>
+            <a:ext cx="290342" cy="245690"/>
           </a:xfrm>
           <a:prstGeom prst="rect">
             <a:avLst/>
@@ -30324,10 +32036,48 @@
       </p:sp>
       <p:sp>
         <p:nvSpPr>
-          <p:cNvPr id="7" name="Rectangle 6">
+          <p:cNvPr id="43" name="TextBox 42">
             <a:extLst>
               <a:ext uri="{FF2B5EF4-FFF2-40B4-BE49-F238E27FC236}">
-                <a16:creationId xmlns:a16="http://schemas.microsoft.com/office/drawing/2014/main" id="{63A29296-CBC7-EB98-E3E2-18ABE8798C58}"/>
+                <a16:creationId xmlns:a16="http://schemas.microsoft.com/office/drawing/2014/main" id="{2E7D9738-2517-2CD9-FEB1-3B79A706AB22}"/>
+              </a:ext>
+            </a:extLst>
+          </p:cNvPr>
+          <p:cNvSpPr txBox="1"/>
+          <p:nvPr/>
+        </p:nvSpPr>
+        <p:spPr>
+          <a:xfrm>
+            <a:off x="9198311" y="844082"/>
+            <a:ext cx="1011815" cy="307777"/>
+          </a:xfrm>
+          <a:prstGeom prst="rect">
+            <a:avLst/>
+          </a:prstGeom>
+          <a:noFill/>
+        </p:spPr>
+        <p:txBody>
+          <a:bodyPr wrap="none" rtlCol="0">
+            <a:spAutoFit/>
+          </a:bodyPr>
+          <a:lstStyle/>
+          <a:p>
+            <a:r>
+              <a:rPr lang="en-US" sz="1400" dirty="0">
+                <a:latin typeface="Roboto Light" panose="02000000000000000000" pitchFamily="2" charset="0"/>
+                <a:ea typeface="Roboto Light" panose="02000000000000000000" pitchFamily="2" charset="0"/>
+              </a:rPr>
+              <a:t>Structured</a:t>
+            </a:r>
+          </a:p>
+        </p:txBody>
+      </p:sp>
+      <p:sp>
+        <p:nvSpPr>
+          <p:cNvPr id="44" name="Rectangle 43">
+            <a:extLst>
+              <a:ext uri="{FF2B5EF4-FFF2-40B4-BE49-F238E27FC236}">
+                <a16:creationId xmlns:a16="http://schemas.microsoft.com/office/drawing/2014/main" id="{9CE45C6D-FF7F-5C03-A2B7-CABE4887783E}"/>
               </a:ext>
             </a:extLst>
           </p:cNvPr>
@@ -30336,8 +32086,102 @@
         </p:nvSpPr>
         <p:spPr>
           <a:xfrm>
-            <a:off x="6258560" y="2194560"/>
-            <a:ext cx="1402080" cy="386080"/>
+            <a:off x="8907969" y="1411091"/>
+            <a:ext cx="290342" cy="245691"/>
+          </a:xfrm>
+          <a:prstGeom prst="rect">
+            <a:avLst/>
+          </a:prstGeom>
+          <a:solidFill>
+            <a:srgbClr val="FFC000"/>
+          </a:solidFill>
+          <a:ln>
+            <a:noFill/>
+          </a:ln>
+        </p:spPr>
+        <p:style>
+          <a:lnRef idx="2">
+            <a:schemeClr val="accent1">
+              <a:shade val="50000"/>
+            </a:schemeClr>
+          </a:lnRef>
+          <a:fillRef idx="1">
+            <a:schemeClr val="accent1"/>
+          </a:fillRef>
+          <a:effectRef idx="0">
+            <a:schemeClr val="accent1"/>
+          </a:effectRef>
+          <a:fontRef idx="minor">
+            <a:schemeClr val="lt1"/>
+          </a:fontRef>
+        </p:style>
+        <p:txBody>
+          <a:bodyPr rtlCol="0" anchor="ctr"/>
+          <a:lstStyle/>
+          <a:p>
+            <a:pPr algn="ctr"/>
+            <a:endParaRPr lang="en-US"/>
+          </a:p>
+        </p:txBody>
+      </p:sp>
+      <p:sp>
+        <p:nvSpPr>
+          <p:cNvPr id="45" name="TextBox 44">
+            <a:extLst>
+              <a:ext uri="{FF2B5EF4-FFF2-40B4-BE49-F238E27FC236}">
+                <a16:creationId xmlns:a16="http://schemas.microsoft.com/office/drawing/2014/main" id="{6EF6A5E3-5EEA-039E-BBC4-1296355DD61C}"/>
+              </a:ext>
+            </a:extLst>
+          </p:cNvPr>
+          <p:cNvSpPr txBox="1"/>
+          <p:nvPr/>
+        </p:nvSpPr>
+        <p:spPr>
+          <a:xfrm>
+            <a:off x="9196205" y="1367981"/>
+            <a:ext cx="872355" cy="307777"/>
+          </a:xfrm>
+          <a:prstGeom prst="rect">
+            <a:avLst/>
+          </a:prstGeom>
+          <a:noFill/>
+        </p:spPr>
+        <p:txBody>
+          <a:bodyPr wrap="none" rtlCol="0">
+            <a:spAutoFit/>
+          </a:bodyPr>
+          <a:lstStyle/>
+          <a:p>
+            <a:r>
+              <a:rPr lang="en-US" sz="1400" dirty="0" err="1">
+                <a:latin typeface="Roboto Light" panose="02000000000000000000" pitchFamily="2" charset="0"/>
+                <a:ea typeface="Roboto Light" panose="02000000000000000000" pitchFamily="2" charset="0"/>
+              </a:rPr>
+              <a:t>mSpERT</a:t>
+            </a:r>
+            <a:endParaRPr lang="en-US" sz="1400" dirty="0">
+              <a:latin typeface="Roboto Light" panose="02000000000000000000" pitchFamily="2" charset="0"/>
+              <a:ea typeface="Roboto Light" panose="02000000000000000000" pitchFamily="2" charset="0"/>
+            </a:endParaRPr>
+          </a:p>
+        </p:txBody>
+      </p:sp>
+      <p:sp>
+        <p:nvSpPr>
+          <p:cNvPr id="46" name="Rectangle 45">
+            <a:extLst>
+              <a:ext uri="{FF2B5EF4-FFF2-40B4-BE49-F238E27FC236}">
+                <a16:creationId xmlns:a16="http://schemas.microsoft.com/office/drawing/2014/main" id="{4A81D8E5-8E23-AB6F-E7EB-0E1945FA3CE5}"/>
+              </a:ext>
+            </a:extLst>
+          </p:cNvPr>
+          <p:cNvSpPr/>
+          <p:nvPr/>
+        </p:nvSpPr>
+        <p:spPr>
+          <a:xfrm>
+            <a:off x="8908962" y="1143814"/>
+            <a:ext cx="290343" cy="245691"/>
           </a:xfrm>
           <a:prstGeom prst="rect">
             <a:avLst/>
@@ -30388,62 +32232,10 @@
       </p:sp>
       <p:sp>
         <p:nvSpPr>
-          <p:cNvPr id="8" name="Rectangle 7">
+          <p:cNvPr id="47" name="TextBox 46">
             <a:extLst>
               <a:ext uri="{FF2B5EF4-FFF2-40B4-BE49-F238E27FC236}">
-                <a16:creationId xmlns:a16="http://schemas.microsoft.com/office/drawing/2014/main" id="{3ACFA50E-92EE-5F70-DCDE-354EA3FD4467}"/>
-              </a:ext>
-            </a:extLst>
-          </p:cNvPr>
-          <p:cNvSpPr/>
-          <p:nvPr/>
-        </p:nvSpPr>
-        <p:spPr>
-          <a:xfrm>
-            <a:off x="7741920" y="2194560"/>
-            <a:ext cx="2326640" cy="386080"/>
-          </a:xfrm>
-          <a:prstGeom prst="rect">
-            <a:avLst/>
-          </a:prstGeom>
-          <a:solidFill>
-            <a:srgbClr val="FFC000"/>
-          </a:solidFill>
-          <a:ln>
-            <a:noFill/>
-          </a:ln>
-        </p:spPr>
-        <p:style>
-          <a:lnRef idx="2">
-            <a:schemeClr val="accent1">
-              <a:shade val="50000"/>
-            </a:schemeClr>
-          </a:lnRef>
-          <a:fillRef idx="1">
-            <a:schemeClr val="accent1"/>
-          </a:fillRef>
-          <a:effectRef idx="0">
-            <a:schemeClr val="accent1"/>
-          </a:effectRef>
-          <a:fontRef idx="minor">
-            <a:schemeClr val="lt1"/>
-          </a:fontRef>
-        </p:style>
-        <p:txBody>
-          <a:bodyPr rtlCol="0" anchor="ctr"/>
-          <a:lstStyle/>
-          <a:p>
-            <a:pPr algn="ctr"/>
-            <a:endParaRPr lang="en-US"/>
-          </a:p>
-        </p:txBody>
-      </p:sp>
-      <p:sp>
-        <p:nvSpPr>
-          <p:cNvPr id="11" name="TextBox 10">
-            <a:extLst>
-              <a:ext uri="{FF2B5EF4-FFF2-40B4-BE49-F238E27FC236}">
-                <a16:creationId xmlns:a16="http://schemas.microsoft.com/office/drawing/2014/main" id="{F1619607-D6B9-3521-D428-B294C5CF7044}"/>
+                <a16:creationId xmlns:a16="http://schemas.microsoft.com/office/drawing/2014/main" id="{1C688770-E13D-834E-C6C1-06C5C1C68BBF}"/>
               </a:ext>
             </a:extLst>
           </p:cNvPr>
@@ -30452,46 +32244,8 @@
         </p:nvSpPr>
         <p:spPr>
           <a:xfrm>
-            <a:off x="1737360" y="2194560"/>
-            <a:ext cx="1515158" cy="369332"/>
-          </a:xfrm>
-          <a:prstGeom prst="rect">
-            <a:avLst/>
-          </a:prstGeom>
-          <a:noFill/>
-        </p:spPr>
-        <p:txBody>
-          <a:bodyPr wrap="none" rtlCol="0">
-            <a:spAutoFit/>
-          </a:bodyPr>
-          <a:lstStyle/>
-          <a:p>
-            <a:r>
-              <a:rPr lang="en-US" dirty="0">
-                <a:latin typeface="Roboto Light" panose="02000000000000000000" pitchFamily="2" charset="0"/>
-                <a:ea typeface="Roboto Light" panose="02000000000000000000" pitchFamily="2" charset="0"/>
-              </a:rPr>
-              <a:t>Tobacco Use</a:t>
-            </a:r>
-          </a:p>
-        </p:txBody>
-      </p:sp>
-      <p:sp>
-        <p:nvSpPr>
-          <p:cNvPr id="12" name="TextBox 11">
-            <a:extLst>
-              <a:ext uri="{FF2B5EF4-FFF2-40B4-BE49-F238E27FC236}">
-                <a16:creationId xmlns:a16="http://schemas.microsoft.com/office/drawing/2014/main" id="{273CB21C-39D9-C185-86E6-1487F184D736}"/>
-              </a:ext>
-            </a:extLst>
-          </p:cNvPr>
-          <p:cNvSpPr txBox="1"/>
-          <p:nvPr/>
-        </p:nvSpPr>
-        <p:spPr>
-          <a:xfrm>
-            <a:off x="4481182" y="1927423"/>
-            <a:ext cx="659155" cy="307777"/>
+            <a:off x="9200595" y="1094199"/>
+            <a:ext cx="551754" cy="307777"/>
           </a:xfrm>
           <a:prstGeom prst="rect">
             <a:avLst/>
@@ -30509,1366 +32263,7 @@
                 <a:latin typeface="Roboto Light" panose="02000000000000000000" pitchFamily="2" charset="0"/>
                 <a:ea typeface="Roboto Light" panose="02000000000000000000" pitchFamily="2" charset="0"/>
               </a:rPr>
-              <a:t>42.4%</a:t>
-            </a:r>
-          </a:p>
-        </p:txBody>
-      </p:sp>
-      <p:sp>
-        <p:nvSpPr>
-          <p:cNvPr id="13" name="TextBox 12">
-            <a:extLst>
-              <a:ext uri="{FF2B5EF4-FFF2-40B4-BE49-F238E27FC236}">
-                <a16:creationId xmlns:a16="http://schemas.microsoft.com/office/drawing/2014/main" id="{5FA53418-B98B-DB2E-DA99-634C097145E2}"/>
-              </a:ext>
-            </a:extLst>
-          </p:cNvPr>
-          <p:cNvSpPr txBox="1"/>
-          <p:nvPr/>
-        </p:nvSpPr>
-        <p:spPr>
-          <a:xfrm>
-            <a:off x="6640182" y="1927422"/>
-            <a:ext cx="659155" cy="307777"/>
-          </a:xfrm>
-          <a:prstGeom prst="rect">
-            <a:avLst/>
-          </a:prstGeom>
-          <a:noFill/>
-        </p:spPr>
-        <p:txBody>
-          <a:bodyPr wrap="none" rtlCol="0">
-            <a:spAutoFit/>
-          </a:bodyPr>
-          <a:lstStyle/>
-          <a:p>
-            <a:r>
-              <a:rPr lang="en-US" sz="1400" dirty="0">
-                <a:latin typeface="Roboto Light" panose="02000000000000000000" pitchFamily="2" charset="0"/>
-                <a:ea typeface="Roboto Light" panose="02000000000000000000" pitchFamily="2" charset="0"/>
-              </a:rPr>
-              <a:t>21.4%</a:t>
-            </a:r>
-          </a:p>
-        </p:txBody>
-      </p:sp>
-      <p:sp>
-        <p:nvSpPr>
-          <p:cNvPr id="14" name="TextBox 13">
-            <a:extLst>
-              <a:ext uri="{FF2B5EF4-FFF2-40B4-BE49-F238E27FC236}">
-                <a16:creationId xmlns:a16="http://schemas.microsoft.com/office/drawing/2014/main" id="{9C5F941A-04CB-ACC1-6847-7B553FB35BEB}"/>
-              </a:ext>
-            </a:extLst>
-          </p:cNvPr>
-          <p:cNvSpPr txBox="1"/>
-          <p:nvPr/>
-        </p:nvSpPr>
-        <p:spPr>
-          <a:xfrm>
-            <a:off x="8585822" y="1927421"/>
-            <a:ext cx="659155" cy="307777"/>
-          </a:xfrm>
-          <a:prstGeom prst="rect">
-            <a:avLst/>
-          </a:prstGeom>
-          <a:noFill/>
-        </p:spPr>
-        <p:txBody>
-          <a:bodyPr wrap="none" rtlCol="0">
-            <a:spAutoFit/>
-          </a:bodyPr>
-          <a:lstStyle/>
-          <a:p>
-            <a:r>
-              <a:rPr lang="en-US" sz="1400" dirty="0">
-                <a:latin typeface="Roboto Light" panose="02000000000000000000" pitchFamily="2" charset="0"/>
-                <a:ea typeface="Roboto Light" panose="02000000000000000000" pitchFamily="2" charset="0"/>
-              </a:rPr>
-              <a:t>36.2%</a:t>
-            </a:r>
-          </a:p>
-        </p:txBody>
-      </p:sp>
-      <p:sp>
-        <p:nvSpPr>
-          <p:cNvPr id="15" name="Rectangle 14">
-            <a:extLst>
-              <a:ext uri="{FF2B5EF4-FFF2-40B4-BE49-F238E27FC236}">
-                <a16:creationId xmlns:a16="http://schemas.microsoft.com/office/drawing/2014/main" id="{9BA1F5BD-8335-056B-07CC-6779DB43F24E}"/>
-              </a:ext>
-            </a:extLst>
-          </p:cNvPr>
-          <p:cNvSpPr/>
-          <p:nvPr/>
-        </p:nvSpPr>
-        <p:spPr>
-          <a:xfrm>
-            <a:off x="3434080" y="2915579"/>
-            <a:ext cx="4480560" cy="386080"/>
-          </a:xfrm>
-          <a:prstGeom prst="rect">
-            <a:avLst/>
-          </a:prstGeom>
-          <a:solidFill>
-            <a:schemeClr val="accent5"/>
-          </a:solidFill>
-          <a:ln>
-            <a:noFill/>
-          </a:ln>
-        </p:spPr>
-        <p:style>
-          <a:lnRef idx="2">
-            <a:schemeClr val="accent1">
-              <a:shade val="50000"/>
-            </a:schemeClr>
-          </a:lnRef>
-          <a:fillRef idx="1">
-            <a:schemeClr val="accent1"/>
-          </a:fillRef>
-          <a:effectRef idx="0">
-            <a:schemeClr val="accent1"/>
-          </a:effectRef>
-          <a:fontRef idx="minor">
-            <a:schemeClr val="lt1"/>
-          </a:fontRef>
-        </p:style>
-        <p:txBody>
-          <a:bodyPr rtlCol="0" anchor="ctr"/>
-          <a:lstStyle/>
-          <a:p>
-            <a:pPr algn="ctr"/>
-            <a:endParaRPr lang="en-US"/>
-          </a:p>
-        </p:txBody>
-      </p:sp>
-      <p:sp>
-        <p:nvSpPr>
-          <p:cNvPr id="16" name="Rectangle 15">
-            <a:extLst>
-              <a:ext uri="{FF2B5EF4-FFF2-40B4-BE49-F238E27FC236}">
-                <a16:creationId xmlns:a16="http://schemas.microsoft.com/office/drawing/2014/main" id="{E92E2DCE-855E-A486-E549-B77C2FB6C356}"/>
-              </a:ext>
-            </a:extLst>
-          </p:cNvPr>
-          <p:cNvSpPr/>
-          <p:nvPr/>
-        </p:nvSpPr>
-        <p:spPr>
-          <a:xfrm>
-            <a:off x="7983842" y="2913793"/>
-            <a:ext cx="1361440" cy="386080"/>
-          </a:xfrm>
-          <a:prstGeom prst="rect">
-            <a:avLst/>
-          </a:prstGeom>
-          <a:gradFill flip="none" rotWithShape="1">
-            <a:gsLst>
-              <a:gs pos="0">
-                <a:schemeClr val="accent5"/>
-              </a:gs>
-              <a:gs pos="100000">
-                <a:schemeClr val="accent4"/>
-              </a:gs>
-              <a:gs pos="100000">
-                <a:srgbClr val="FFC000"/>
-              </a:gs>
-            </a:gsLst>
-            <a:lin ang="0" scaled="1"/>
-            <a:tileRect/>
-          </a:gradFill>
-          <a:ln>
-            <a:noFill/>
-          </a:ln>
-        </p:spPr>
-        <p:style>
-          <a:lnRef idx="2">
-            <a:schemeClr val="accent1">
-              <a:shade val="50000"/>
-            </a:schemeClr>
-          </a:lnRef>
-          <a:fillRef idx="1">
-            <a:schemeClr val="accent1"/>
-          </a:fillRef>
-          <a:effectRef idx="0">
-            <a:schemeClr val="accent1"/>
-          </a:effectRef>
-          <a:fontRef idx="minor">
-            <a:schemeClr val="lt1"/>
-          </a:fontRef>
-        </p:style>
-        <p:txBody>
-          <a:bodyPr rtlCol="0" anchor="ctr"/>
-          <a:lstStyle/>
-          <a:p>
-            <a:pPr algn="ctr"/>
-            <a:endParaRPr lang="en-US" dirty="0"/>
-          </a:p>
-        </p:txBody>
-      </p:sp>
-      <p:sp>
-        <p:nvSpPr>
-          <p:cNvPr id="17" name="Rectangle 16">
-            <a:extLst>
-              <a:ext uri="{FF2B5EF4-FFF2-40B4-BE49-F238E27FC236}">
-                <a16:creationId xmlns:a16="http://schemas.microsoft.com/office/drawing/2014/main" id="{44EEE1CC-F75A-DB94-A562-113A3FFBA61B}"/>
-              </a:ext>
-            </a:extLst>
-          </p:cNvPr>
-          <p:cNvSpPr/>
-          <p:nvPr/>
-        </p:nvSpPr>
-        <p:spPr>
-          <a:xfrm>
-            <a:off x="9414484" y="2907205"/>
-            <a:ext cx="640080" cy="386080"/>
-          </a:xfrm>
-          <a:prstGeom prst="rect">
-            <a:avLst/>
-          </a:prstGeom>
-          <a:solidFill>
-            <a:srgbClr val="FFC000"/>
-          </a:solidFill>
-          <a:ln>
-            <a:noFill/>
-          </a:ln>
-        </p:spPr>
-        <p:style>
-          <a:lnRef idx="2">
-            <a:schemeClr val="accent1">
-              <a:shade val="50000"/>
-            </a:schemeClr>
-          </a:lnRef>
-          <a:fillRef idx="1">
-            <a:schemeClr val="accent1"/>
-          </a:fillRef>
-          <a:effectRef idx="0">
-            <a:schemeClr val="accent1"/>
-          </a:effectRef>
-          <a:fontRef idx="minor">
-            <a:schemeClr val="lt1"/>
-          </a:fontRef>
-        </p:style>
-        <p:txBody>
-          <a:bodyPr rtlCol="0" anchor="ctr"/>
-          <a:lstStyle/>
-          <a:p>
-            <a:pPr algn="ctr"/>
-            <a:endParaRPr lang="en-US"/>
-          </a:p>
-        </p:txBody>
-      </p:sp>
-      <p:sp>
-        <p:nvSpPr>
-          <p:cNvPr id="18" name="TextBox 17">
-            <a:extLst>
-              <a:ext uri="{FF2B5EF4-FFF2-40B4-BE49-F238E27FC236}">
-                <a16:creationId xmlns:a16="http://schemas.microsoft.com/office/drawing/2014/main" id="{1CF6E622-7709-776B-A8A6-03B5715E245F}"/>
-              </a:ext>
-            </a:extLst>
-          </p:cNvPr>
-          <p:cNvSpPr txBox="1"/>
-          <p:nvPr/>
-        </p:nvSpPr>
-        <p:spPr>
-          <a:xfrm>
-            <a:off x="1872012" y="2934065"/>
-            <a:ext cx="1380506" cy="369332"/>
-          </a:xfrm>
-          <a:prstGeom prst="rect">
-            <a:avLst/>
-          </a:prstGeom>
-          <a:noFill/>
-        </p:spPr>
-        <p:txBody>
-          <a:bodyPr wrap="none" rtlCol="0">
-            <a:spAutoFit/>
-          </a:bodyPr>
-          <a:lstStyle/>
-          <a:p>
-            <a:r>
-              <a:rPr lang="en-US" dirty="0">
-                <a:latin typeface="Roboto Light" panose="02000000000000000000" pitchFamily="2" charset="0"/>
-                <a:ea typeface="Roboto Light" panose="02000000000000000000" pitchFamily="2" charset="0"/>
-              </a:rPr>
-              <a:t>Alcohol Use</a:t>
-            </a:r>
-          </a:p>
-        </p:txBody>
-      </p:sp>
-      <p:sp>
-        <p:nvSpPr>
-          <p:cNvPr id="19" name="TextBox 18">
-            <a:extLst>
-              <a:ext uri="{FF2B5EF4-FFF2-40B4-BE49-F238E27FC236}">
-                <a16:creationId xmlns:a16="http://schemas.microsoft.com/office/drawing/2014/main" id="{1385365F-6FB0-B13F-7054-1B4F7BE94A38}"/>
-              </a:ext>
-            </a:extLst>
-          </p:cNvPr>
-          <p:cNvSpPr txBox="1"/>
-          <p:nvPr/>
-        </p:nvSpPr>
-        <p:spPr>
-          <a:xfrm>
-            <a:off x="5222241" y="2633178"/>
-            <a:ext cx="659155" cy="307777"/>
-          </a:xfrm>
-          <a:prstGeom prst="rect">
-            <a:avLst/>
-          </a:prstGeom>
-          <a:noFill/>
-        </p:spPr>
-        <p:txBody>
-          <a:bodyPr wrap="none" rtlCol="0">
-            <a:spAutoFit/>
-          </a:bodyPr>
-          <a:lstStyle/>
-          <a:p>
-            <a:r>
-              <a:rPr lang="en-US" sz="1400" dirty="0">
-                <a:latin typeface="Roboto Light" panose="02000000000000000000" pitchFamily="2" charset="0"/>
-                <a:ea typeface="Roboto Light" panose="02000000000000000000" pitchFamily="2" charset="0"/>
-              </a:rPr>
-              <a:t>71.3%</a:t>
-            </a:r>
-          </a:p>
-        </p:txBody>
-      </p:sp>
-      <p:sp>
-        <p:nvSpPr>
-          <p:cNvPr id="20" name="TextBox 19">
-            <a:extLst>
-              <a:ext uri="{FF2B5EF4-FFF2-40B4-BE49-F238E27FC236}">
-                <a16:creationId xmlns:a16="http://schemas.microsoft.com/office/drawing/2014/main" id="{2DD30AF1-029A-382C-6710-AB52FA2EAD88}"/>
-              </a:ext>
-            </a:extLst>
-          </p:cNvPr>
-          <p:cNvSpPr txBox="1"/>
-          <p:nvPr/>
-        </p:nvSpPr>
-        <p:spPr>
-          <a:xfrm>
-            <a:off x="8370007" y="2633178"/>
-            <a:ext cx="659155" cy="307777"/>
-          </a:xfrm>
-          <a:prstGeom prst="rect">
-            <a:avLst/>
-          </a:prstGeom>
-          <a:noFill/>
-        </p:spPr>
-        <p:txBody>
-          <a:bodyPr wrap="none" rtlCol="0">
-            <a:spAutoFit/>
-          </a:bodyPr>
-          <a:lstStyle/>
-          <a:p>
-            <a:r>
-              <a:rPr lang="en-US" sz="1400" dirty="0">
-                <a:latin typeface="Roboto Light" panose="02000000000000000000" pitchFamily="2" charset="0"/>
-                <a:ea typeface="Roboto Light" panose="02000000000000000000" pitchFamily="2" charset="0"/>
-              </a:rPr>
-              <a:t>20.3%</a:t>
-            </a:r>
-          </a:p>
-        </p:txBody>
-      </p:sp>
-      <p:sp>
-        <p:nvSpPr>
-          <p:cNvPr id="21" name="TextBox 20">
-            <a:extLst>
-              <a:ext uri="{FF2B5EF4-FFF2-40B4-BE49-F238E27FC236}">
-                <a16:creationId xmlns:a16="http://schemas.microsoft.com/office/drawing/2014/main" id="{3A6260BC-4459-9B3D-3AC3-BCD1A0A35027}"/>
-              </a:ext>
-            </a:extLst>
-          </p:cNvPr>
-          <p:cNvSpPr txBox="1"/>
-          <p:nvPr/>
-        </p:nvSpPr>
-        <p:spPr>
-          <a:xfrm>
-            <a:off x="9525973" y="2633178"/>
-            <a:ext cx="417102" cy="307777"/>
-          </a:xfrm>
-          <a:prstGeom prst="rect">
-            <a:avLst/>
-          </a:prstGeom>
-          <a:noFill/>
-        </p:spPr>
-        <p:txBody>
-          <a:bodyPr wrap="none" rtlCol="0">
-            <a:spAutoFit/>
-          </a:bodyPr>
-          <a:lstStyle/>
-          <a:p>
-            <a:r>
-              <a:rPr lang="en-US" sz="1400" dirty="0">
-                <a:latin typeface="Roboto Light" panose="02000000000000000000" pitchFamily="2" charset="0"/>
-                <a:ea typeface="Roboto Light" panose="02000000000000000000" pitchFamily="2" charset="0"/>
-              </a:rPr>
-              <a:t>8%</a:t>
-            </a:r>
-          </a:p>
-        </p:txBody>
-      </p:sp>
-      <p:sp>
-        <p:nvSpPr>
-          <p:cNvPr id="22" name="Rectangle 21">
-            <a:extLst>
-              <a:ext uri="{FF2B5EF4-FFF2-40B4-BE49-F238E27FC236}">
-                <a16:creationId xmlns:a16="http://schemas.microsoft.com/office/drawing/2014/main" id="{2E282F90-079C-35A6-0CBA-14A5526DBBC6}"/>
-              </a:ext>
-            </a:extLst>
-          </p:cNvPr>
-          <p:cNvSpPr/>
-          <p:nvPr/>
-        </p:nvSpPr>
-        <p:spPr>
-          <a:xfrm>
-            <a:off x="3434080" y="3627208"/>
-            <a:ext cx="4114800" cy="386080"/>
-          </a:xfrm>
-          <a:prstGeom prst="rect">
-            <a:avLst/>
-          </a:prstGeom>
-          <a:solidFill>
-            <a:schemeClr val="accent5"/>
-          </a:solidFill>
-          <a:ln>
-            <a:noFill/>
-          </a:ln>
-        </p:spPr>
-        <p:style>
-          <a:lnRef idx="2">
-            <a:schemeClr val="accent1">
-              <a:shade val="50000"/>
-            </a:schemeClr>
-          </a:lnRef>
-          <a:fillRef idx="1">
-            <a:schemeClr val="accent1"/>
-          </a:fillRef>
-          <a:effectRef idx="0">
-            <a:schemeClr val="accent1"/>
-          </a:effectRef>
-          <a:fontRef idx="minor">
-            <a:schemeClr val="lt1"/>
-          </a:fontRef>
-        </p:style>
-        <p:txBody>
-          <a:bodyPr rtlCol="0" anchor="ctr"/>
-          <a:lstStyle/>
-          <a:p>
-            <a:pPr algn="ctr"/>
-            <a:endParaRPr lang="en-US"/>
-          </a:p>
-        </p:txBody>
-      </p:sp>
-      <p:sp>
-        <p:nvSpPr>
-          <p:cNvPr id="23" name="Rectangle 22">
-            <a:extLst>
-              <a:ext uri="{FF2B5EF4-FFF2-40B4-BE49-F238E27FC236}">
-                <a16:creationId xmlns:a16="http://schemas.microsoft.com/office/drawing/2014/main" id="{5F3BDBA3-5F85-15DA-9280-44181E1BDFEB}"/>
-              </a:ext>
-            </a:extLst>
-          </p:cNvPr>
-          <p:cNvSpPr/>
-          <p:nvPr/>
-        </p:nvSpPr>
-        <p:spPr>
-          <a:xfrm>
-            <a:off x="7625080" y="3627208"/>
-            <a:ext cx="1259840" cy="386080"/>
-          </a:xfrm>
-          <a:prstGeom prst="rect">
-            <a:avLst/>
-          </a:prstGeom>
-          <a:gradFill flip="none" rotWithShape="1">
-            <a:gsLst>
-              <a:gs pos="0">
-                <a:schemeClr val="accent5"/>
-              </a:gs>
-              <a:gs pos="100000">
-                <a:schemeClr val="accent4"/>
-              </a:gs>
-              <a:gs pos="100000">
-                <a:srgbClr val="FFC000"/>
-              </a:gs>
-            </a:gsLst>
-            <a:lin ang="0" scaled="1"/>
-            <a:tileRect/>
-          </a:gradFill>
-          <a:ln>
-            <a:noFill/>
-          </a:ln>
-        </p:spPr>
-        <p:style>
-          <a:lnRef idx="2">
-            <a:schemeClr val="accent1">
-              <a:shade val="50000"/>
-            </a:schemeClr>
-          </a:lnRef>
-          <a:fillRef idx="1">
-            <a:schemeClr val="accent1"/>
-          </a:fillRef>
-          <a:effectRef idx="0">
-            <a:schemeClr val="accent1"/>
-          </a:effectRef>
-          <a:fontRef idx="minor">
-            <a:schemeClr val="lt1"/>
-          </a:fontRef>
-        </p:style>
-        <p:txBody>
-          <a:bodyPr rtlCol="0" anchor="ctr"/>
-          <a:lstStyle/>
-          <a:p>
-            <a:pPr algn="ctr"/>
-            <a:endParaRPr lang="en-US" dirty="0"/>
-          </a:p>
-        </p:txBody>
-      </p:sp>
-      <p:sp>
-        <p:nvSpPr>
-          <p:cNvPr id="24" name="Rectangle 23">
-            <a:extLst>
-              <a:ext uri="{FF2B5EF4-FFF2-40B4-BE49-F238E27FC236}">
-                <a16:creationId xmlns:a16="http://schemas.microsoft.com/office/drawing/2014/main" id="{FE7FEB2E-B51D-9D23-40BE-6FFA7729D0B6}"/>
-              </a:ext>
-            </a:extLst>
-          </p:cNvPr>
-          <p:cNvSpPr/>
-          <p:nvPr/>
-        </p:nvSpPr>
-        <p:spPr>
-          <a:xfrm>
-            <a:off x="8973102" y="3628920"/>
-            <a:ext cx="1095458" cy="386080"/>
-          </a:xfrm>
-          <a:prstGeom prst="rect">
-            <a:avLst/>
-          </a:prstGeom>
-          <a:solidFill>
-            <a:srgbClr val="FFC000"/>
-          </a:solidFill>
-          <a:ln>
-            <a:noFill/>
-          </a:ln>
-        </p:spPr>
-        <p:style>
-          <a:lnRef idx="2">
-            <a:schemeClr val="accent1">
-              <a:shade val="50000"/>
-            </a:schemeClr>
-          </a:lnRef>
-          <a:fillRef idx="1">
-            <a:schemeClr val="accent1"/>
-          </a:fillRef>
-          <a:effectRef idx="0">
-            <a:schemeClr val="accent1"/>
-          </a:effectRef>
-          <a:fontRef idx="minor">
-            <a:schemeClr val="lt1"/>
-          </a:fontRef>
-        </p:style>
-        <p:txBody>
-          <a:bodyPr rtlCol="0" anchor="ctr"/>
-          <a:lstStyle/>
-          <a:p>
-            <a:pPr algn="ctr"/>
-            <a:endParaRPr lang="en-US"/>
-          </a:p>
-        </p:txBody>
-      </p:sp>
-      <p:sp>
-        <p:nvSpPr>
-          <p:cNvPr id="25" name="TextBox 24">
-            <a:extLst>
-              <a:ext uri="{FF2B5EF4-FFF2-40B4-BE49-F238E27FC236}">
-                <a16:creationId xmlns:a16="http://schemas.microsoft.com/office/drawing/2014/main" id="{E7BB43D3-D4D9-F755-E635-82C06F14E810}"/>
-              </a:ext>
-            </a:extLst>
-          </p:cNvPr>
-          <p:cNvSpPr txBox="1"/>
-          <p:nvPr/>
-        </p:nvSpPr>
-        <p:spPr>
-          <a:xfrm>
-            <a:off x="2141316" y="3635916"/>
-            <a:ext cx="1111202" cy="369332"/>
-          </a:xfrm>
-          <a:prstGeom prst="rect">
-            <a:avLst/>
-          </a:prstGeom>
-          <a:noFill/>
-        </p:spPr>
-        <p:txBody>
-          <a:bodyPr wrap="none" rtlCol="0">
-            <a:spAutoFit/>
-          </a:bodyPr>
-          <a:lstStyle/>
-          <a:p>
-            <a:pPr algn="r"/>
-            <a:r>
-              <a:rPr lang="en-US" dirty="0">
-                <a:latin typeface="Roboto Light" panose="02000000000000000000" pitchFamily="2" charset="0"/>
-                <a:ea typeface="Roboto Light" panose="02000000000000000000" pitchFamily="2" charset="0"/>
-              </a:rPr>
-              <a:t>Drug Use</a:t>
-            </a:r>
-          </a:p>
-        </p:txBody>
-      </p:sp>
-      <p:sp>
-        <p:nvSpPr>
-          <p:cNvPr id="26" name="TextBox 25">
-            <a:extLst>
-              <a:ext uri="{FF2B5EF4-FFF2-40B4-BE49-F238E27FC236}">
-                <a16:creationId xmlns:a16="http://schemas.microsoft.com/office/drawing/2014/main" id="{6279A6D2-2701-E508-0101-C031B7F574A2}"/>
-              </a:ext>
-            </a:extLst>
-          </p:cNvPr>
-          <p:cNvSpPr txBox="1"/>
-          <p:nvPr/>
-        </p:nvSpPr>
-        <p:spPr>
-          <a:xfrm>
-            <a:off x="4979645" y="3344037"/>
-            <a:ext cx="659155" cy="307777"/>
-          </a:xfrm>
-          <a:prstGeom prst="rect">
-            <a:avLst/>
-          </a:prstGeom>
-          <a:noFill/>
-        </p:spPr>
-        <p:txBody>
-          <a:bodyPr wrap="none" rtlCol="0">
-            <a:spAutoFit/>
-          </a:bodyPr>
-          <a:lstStyle/>
-          <a:p>
-            <a:r>
-              <a:rPr lang="en-US" sz="1400" dirty="0">
-                <a:latin typeface="Roboto Light" panose="02000000000000000000" pitchFamily="2" charset="0"/>
-                <a:ea typeface="Roboto Light" panose="02000000000000000000" pitchFamily="2" charset="0"/>
-              </a:rPr>
-              <a:t>64.7%</a:t>
-            </a:r>
-          </a:p>
-        </p:txBody>
-      </p:sp>
-      <p:sp>
-        <p:nvSpPr>
-          <p:cNvPr id="27" name="TextBox 26">
-            <a:extLst>
-              <a:ext uri="{FF2B5EF4-FFF2-40B4-BE49-F238E27FC236}">
-                <a16:creationId xmlns:a16="http://schemas.microsoft.com/office/drawing/2014/main" id="{B9252628-CC84-106B-2A0D-70A07A283034}"/>
-              </a:ext>
-            </a:extLst>
-          </p:cNvPr>
-          <p:cNvSpPr txBox="1"/>
-          <p:nvPr/>
-        </p:nvSpPr>
-        <p:spPr>
-          <a:xfrm>
-            <a:off x="7926667" y="3352071"/>
-            <a:ext cx="659155" cy="307777"/>
-          </a:xfrm>
-          <a:prstGeom prst="rect">
-            <a:avLst/>
-          </a:prstGeom>
-          <a:noFill/>
-        </p:spPr>
-        <p:txBody>
-          <a:bodyPr wrap="none" rtlCol="0">
-            <a:spAutoFit/>
-          </a:bodyPr>
-          <a:lstStyle/>
-          <a:p>
-            <a:r>
-              <a:rPr lang="en-US" sz="1400" dirty="0">
-                <a:latin typeface="Roboto Light" panose="02000000000000000000" pitchFamily="2" charset="0"/>
-                <a:ea typeface="Roboto Light" panose="02000000000000000000" pitchFamily="2" charset="0"/>
-              </a:rPr>
-              <a:t>19.7%</a:t>
-            </a:r>
-          </a:p>
-        </p:txBody>
-      </p:sp>
-      <p:sp>
-        <p:nvSpPr>
-          <p:cNvPr id="28" name="TextBox 27">
-            <a:extLst>
-              <a:ext uri="{FF2B5EF4-FFF2-40B4-BE49-F238E27FC236}">
-                <a16:creationId xmlns:a16="http://schemas.microsoft.com/office/drawing/2014/main" id="{D2DB9489-696C-BE01-1823-0F5D1D90C94D}"/>
-              </a:ext>
-            </a:extLst>
-          </p:cNvPr>
-          <p:cNvSpPr txBox="1"/>
-          <p:nvPr/>
-        </p:nvSpPr>
-        <p:spPr>
-          <a:xfrm>
-            <a:off x="9345282" y="3353468"/>
-            <a:ext cx="659155" cy="307777"/>
-          </a:xfrm>
-          <a:prstGeom prst="rect">
-            <a:avLst/>
-          </a:prstGeom>
-          <a:noFill/>
-        </p:spPr>
-        <p:txBody>
-          <a:bodyPr wrap="none" rtlCol="0">
-            <a:spAutoFit/>
-          </a:bodyPr>
-          <a:lstStyle/>
-          <a:p>
-            <a:r>
-              <a:rPr lang="en-US" sz="1400" dirty="0">
-                <a:latin typeface="Roboto Light" panose="02000000000000000000" pitchFamily="2" charset="0"/>
-                <a:ea typeface="Roboto Light" panose="02000000000000000000" pitchFamily="2" charset="0"/>
-              </a:rPr>
-              <a:t>15.6%</a:t>
-            </a:r>
-          </a:p>
-        </p:txBody>
-      </p:sp>
-      <p:sp>
-        <p:nvSpPr>
-          <p:cNvPr id="29" name="Rectangle 28">
-            <a:extLst>
-              <a:ext uri="{FF2B5EF4-FFF2-40B4-BE49-F238E27FC236}">
-                <a16:creationId xmlns:a16="http://schemas.microsoft.com/office/drawing/2014/main" id="{4B01D369-A0E5-E25F-B0B4-072EECB23AC2}"/>
-              </a:ext>
-            </a:extLst>
-          </p:cNvPr>
-          <p:cNvSpPr/>
-          <p:nvPr/>
-        </p:nvSpPr>
-        <p:spPr>
-          <a:xfrm>
-            <a:off x="3434080" y="4373135"/>
-            <a:ext cx="5706614" cy="386080"/>
-          </a:xfrm>
-          <a:prstGeom prst="rect">
-            <a:avLst/>
-          </a:prstGeom>
-          <a:solidFill>
-            <a:schemeClr val="accent5"/>
-          </a:solidFill>
-          <a:ln>
-            <a:noFill/>
-          </a:ln>
-        </p:spPr>
-        <p:style>
-          <a:lnRef idx="2">
-            <a:schemeClr val="accent1">
-              <a:shade val="50000"/>
-            </a:schemeClr>
-          </a:lnRef>
-          <a:fillRef idx="1">
-            <a:schemeClr val="accent1"/>
-          </a:fillRef>
-          <a:effectRef idx="0">
-            <a:schemeClr val="accent1"/>
-          </a:effectRef>
-          <a:fontRef idx="minor">
-            <a:schemeClr val="lt1"/>
-          </a:fontRef>
-        </p:style>
-        <p:txBody>
-          <a:bodyPr rtlCol="0" anchor="ctr"/>
-          <a:lstStyle/>
-          <a:p>
-            <a:pPr algn="ctr"/>
-            <a:endParaRPr lang="en-US" dirty="0"/>
-          </a:p>
-        </p:txBody>
-      </p:sp>
-      <p:sp>
-        <p:nvSpPr>
-          <p:cNvPr id="30" name="Rectangle 29">
-            <a:extLst>
-              <a:ext uri="{FF2B5EF4-FFF2-40B4-BE49-F238E27FC236}">
-                <a16:creationId xmlns:a16="http://schemas.microsoft.com/office/drawing/2014/main" id="{ECAC943A-8FB1-8A21-AB65-0694061EC95A}"/>
-              </a:ext>
-            </a:extLst>
-          </p:cNvPr>
-          <p:cNvSpPr/>
-          <p:nvPr/>
-        </p:nvSpPr>
-        <p:spPr>
-          <a:xfrm>
-            <a:off x="9230710" y="4358092"/>
-            <a:ext cx="606838" cy="386080"/>
-          </a:xfrm>
-          <a:prstGeom prst="rect">
-            <a:avLst/>
-          </a:prstGeom>
-          <a:gradFill flip="none" rotWithShape="1">
-            <a:gsLst>
-              <a:gs pos="0">
-                <a:schemeClr val="accent5"/>
-              </a:gs>
-              <a:gs pos="100000">
-                <a:schemeClr val="accent4"/>
-              </a:gs>
-              <a:gs pos="100000">
-                <a:srgbClr val="FFC000"/>
-              </a:gs>
-            </a:gsLst>
-            <a:lin ang="0" scaled="1"/>
-            <a:tileRect/>
-          </a:gradFill>
-          <a:ln>
-            <a:noFill/>
-          </a:ln>
-        </p:spPr>
-        <p:style>
-          <a:lnRef idx="2">
-            <a:schemeClr val="accent1">
-              <a:shade val="50000"/>
-            </a:schemeClr>
-          </a:lnRef>
-          <a:fillRef idx="1">
-            <a:schemeClr val="accent1"/>
-          </a:fillRef>
-          <a:effectRef idx="0">
-            <a:schemeClr val="accent1"/>
-          </a:effectRef>
-          <a:fontRef idx="minor">
-            <a:schemeClr val="lt1"/>
-          </a:fontRef>
-        </p:style>
-        <p:txBody>
-          <a:bodyPr rtlCol="0" anchor="ctr"/>
-          <a:lstStyle/>
-          <a:p>
-            <a:pPr algn="ctr"/>
-            <a:endParaRPr lang="en-US" dirty="0"/>
-          </a:p>
-        </p:txBody>
-      </p:sp>
-      <p:sp>
-        <p:nvSpPr>
-          <p:cNvPr id="31" name="Rectangle 30">
-            <a:extLst>
-              <a:ext uri="{FF2B5EF4-FFF2-40B4-BE49-F238E27FC236}">
-                <a16:creationId xmlns:a16="http://schemas.microsoft.com/office/drawing/2014/main" id="{07D8CA73-E112-FD0B-8CB0-95C357FB76B1}"/>
-              </a:ext>
-            </a:extLst>
-          </p:cNvPr>
-          <p:cNvSpPr/>
-          <p:nvPr/>
-        </p:nvSpPr>
-        <p:spPr>
-          <a:xfrm>
-            <a:off x="9927564" y="4358092"/>
-            <a:ext cx="132080" cy="386080"/>
-          </a:xfrm>
-          <a:prstGeom prst="rect">
-            <a:avLst/>
-          </a:prstGeom>
-          <a:solidFill>
-            <a:srgbClr val="FFC000"/>
-          </a:solidFill>
-          <a:ln>
-            <a:noFill/>
-          </a:ln>
-        </p:spPr>
-        <p:style>
-          <a:lnRef idx="2">
-            <a:schemeClr val="accent1">
-              <a:shade val="50000"/>
-            </a:schemeClr>
-          </a:lnRef>
-          <a:fillRef idx="1">
-            <a:schemeClr val="accent1"/>
-          </a:fillRef>
-          <a:effectRef idx="0">
-            <a:schemeClr val="accent1"/>
-          </a:effectRef>
-          <a:fontRef idx="minor">
-            <a:schemeClr val="lt1"/>
-          </a:fontRef>
-        </p:style>
-        <p:txBody>
-          <a:bodyPr rtlCol="0" anchor="ctr"/>
-          <a:lstStyle/>
-          <a:p>
-            <a:pPr algn="ctr"/>
-            <a:endParaRPr lang="en-US"/>
-          </a:p>
-        </p:txBody>
-      </p:sp>
-      <p:sp>
-        <p:nvSpPr>
-          <p:cNvPr id="32" name="TextBox 31">
-            <a:extLst>
-              <a:ext uri="{FF2B5EF4-FFF2-40B4-BE49-F238E27FC236}">
-                <a16:creationId xmlns:a16="http://schemas.microsoft.com/office/drawing/2014/main" id="{3806DF21-1C28-E4BA-F0EB-546F68B9D050}"/>
-              </a:ext>
-            </a:extLst>
-          </p:cNvPr>
-          <p:cNvSpPr txBox="1"/>
-          <p:nvPr/>
-        </p:nvSpPr>
-        <p:spPr>
-          <a:xfrm>
-            <a:off x="1788656" y="4358093"/>
-            <a:ext cx="1463862" cy="369332"/>
-          </a:xfrm>
-          <a:prstGeom prst="rect">
-            <a:avLst/>
-          </a:prstGeom>
-          <a:noFill/>
-        </p:spPr>
-        <p:txBody>
-          <a:bodyPr wrap="none" rtlCol="0">
-            <a:spAutoFit/>
-          </a:bodyPr>
-          <a:lstStyle/>
-          <a:p>
-            <a:pPr algn="r"/>
-            <a:r>
-              <a:rPr lang="en-US" dirty="0">
-                <a:latin typeface="Roboto Light" panose="02000000000000000000" pitchFamily="2" charset="0"/>
-                <a:ea typeface="Roboto Light" panose="02000000000000000000" pitchFamily="2" charset="0"/>
-              </a:rPr>
-              <a:t>Employment</a:t>
-            </a:r>
-          </a:p>
-        </p:txBody>
-      </p:sp>
-      <p:sp>
-        <p:nvSpPr>
-          <p:cNvPr id="33" name="TextBox 32">
-            <a:extLst>
-              <a:ext uri="{FF2B5EF4-FFF2-40B4-BE49-F238E27FC236}">
-                <a16:creationId xmlns:a16="http://schemas.microsoft.com/office/drawing/2014/main" id="{A041266A-0A74-E851-B6C3-8E008A21C1CF}"/>
-              </a:ext>
-            </a:extLst>
-          </p:cNvPr>
-          <p:cNvSpPr txBox="1"/>
-          <p:nvPr/>
-        </p:nvSpPr>
-        <p:spPr>
-          <a:xfrm>
-            <a:off x="5857862" y="4068582"/>
-            <a:ext cx="659155" cy="307777"/>
-          </a:xfrm>
-          <a:prstGeom prst="rect">
-            <a:avLst/>
-          </a:prstGeom>
-          <a:noFill/>
-        </p:spPr>
-        <p:txBody>
-          <a:bodyPr wrap="none" rtlCol="0">
-            <a:spAutoFit/>
-          </a:bodyPr>
-          <a:lstStyle/>
-          <a:p>
-            <a:r>
-              <a:rPr lang="en-US" sz="1400" dirty="0">
-                <a:latin typeface="Roboto Light" panose="02000000000000000000" pitchFamily="2" charset="0"/>
-                <a:ea typeface="Roboto Light" panose="02000000000000000000" pitchFamily="2" charset="0"/>
-              </a:rPr>
-              <a:t>90.2%</a:t>
-            </a:r>
-          </a:p>
-        </p:txBody>
-      </p:sp>
-      <p:sp>
-        <p:nvSpPr>
-          <p:cNvPr id="34" name="TextBox 33">
-            <a:extLst>
-              <a:ext uri="{FF2B5EF4-FFF2-40B4-BE49-F238E27FC236}">
-                <a16:creationId xmlns:a16="http://schemas.microsoft.com/office/drawing/2014/main" id="{3B22AAF1-C90E-1905-FAB6-562CFD6452FC}"/>
-              </a:ext>
-            </a:extLst>
-          </p:cNvPr>
-          <p:cNvSpPr txBox="1"/>
-          <p:nvPr/>
-        </p:nvSpPr>
-        <p:spPr>
-          <a:xfrm>
-            <a:off x="9292430" y="4078854"/>
-            <a:ext cx="559769" cy="307777"/>
-          </a:xfrm>
-          <a:prstGeom prst="rect">
-            <a:avLst/>
-          </a:prstGeom>
-          <a:noFill/>
-        </p:spPr>
-        <p:txBody>
-          <a:bodyPr wrap="none" rtlCol="0">
-            <a:spAutoFit/>
-          </a:bodyPr>
-          <a:lstStyle/>
-          <a:p>
-            <a:r>
-              <a:rPr lang="en-US" sz="1400" dirty="0">
-                <a:latin typeface="Roboto Light" panose="02000000000000000000" pitchFamily="2" charset="0"/>
-                <a:ea typeface="Roboto Light" panose="02000000000000000000" pitchFamily="2" charset="0"/>
-              </a:rPr>
-              <a:t>7.8%</a:t>
-            </a:r>
-          </a:p>
-        </p:txBody>
-      </p:sp>
-      <p:sp>
-        <p:nvSpPr>
-          <p:cNvPr id="35" name="TextBox 34">
-            <a:extLst>
-              <a:ext uri="{FF2B5EF4-FFF2-40B4-BE49-F238E27FC236}">
-                <a16:creationId xmlns:a16="http://schemas.microsoft.com/office/drawing/2014/main" id="{506D0BC0-51E6-327F-56D3-E477BDA7C74A}"/>
-              </a:ext>
-            </a:extLst>
-          </p:cNvPr>
-          <p:cNvSpPr txBox="1"/>
-          <p:nvPr/>
-        </p:nvSpPr>
-        <p:spPr>
-          <a:xfrm>
-            <a:off x="9774679" y="4100633"/>
-            <a:ext cx="559769" cy="307777"/>
-          </a:xfrm>
-          <a:prstGeom prst="rect">
-            <a:avLst/>
-          </a:prstGeom>
-          <a:noFill/>
-        </p:spPr>
-        <p:txBody>
-          <a:bodyPr wrap="none" rtlCol="0">
-            <a:spAutoFit/>
-          </a:bodyPr>
-          <a:lstStyle/>
-          <a:p>
-            <a:r>
-              <a:rPr lang="en-US" sz="1400" dirty="0">
-                <a:latin typeface="Roboto Light" panose="02000000000000000000" pitchFamily="2" charset="0"/>
-                <a:ea typeface="Roboto Light" panose="02000000000000000000" pitchFamily="2" charset="0"/>
-              </a:rPr>
-              <a:t>1.9%</a:t>
-            </a:r>
-          </a:p>
-        </p:txBody>
-      </p:sp>
-      <p:sp>
-        <p:nvSpPr>
-          <p:cNvPr id="36" name="Rectangle 35">
-            <a:extLst>
-              <a:ext uri="{FF2B5EF4-FFF2-40B4-BE49-F238E27FC236}">
-                <a16:creationId xmlns:a16="http://schemas.microsoft.com/office/drawing/2014/main" id="{A4916C20-F2CD-4969-BF70-7362966860CC}"/>
-              </a:ext>
-            </a:extLst>
-          </p:cNvPr>
-          <p:cNvSpPr/>
-          <p:nvPr/>
-        </p:nvSpPr>
-        <p:spPr>
-          <a:xfrm>
-            <a:off x="3434080" y="5076442"/>
-            <a:ext cx="3992880" cy="386080"/>
-          </a:xfrm>
-          <a:prstGeom prst="rect">
-            <a:avLst/>
-          </a:prstGeom>
-          <a:solidFill>
-            <a:schemeClr val="accent5"/>
-          </a:solidFill>
-          <a:ln>
-            <a:noFill/>
-          </a:ln>
-        </p:spPr>
-        <p:style>
-          <a:lnRef idx="2">
-            <a:schemeClr val="accent1">
-              <a:shade val="50000"/>
-            </a:schemeClr>
-          </a:lnRef>
-          <a:fillRef idx="1">
-            <a:schemeClr val="accent1"/>
-          </a:fillRef>
-          <a:effectRef idx="0">
-            <a:schemeClr val="accent1"/>
-          </a:effectRef>
-          <a:fontRef idx="minor">
-            <a:schemeClr val="lt1"/>
-          </a:fontRef>
-        </p:style>
-        <p:txBody>
-          <a:bodyPr rtlCol="0" anchor="ctr"/>
-          <a:lstStyle/>
-          <a:p>
-            <a:pPr algn="ctr"/>
-            <a:endParaRPr lang="en-US" dirty="0"/>
-          </a:p>
-        </p:txBody>
-      </p:sp>
-      <p:sp>
-        <p:nvSpPr>
-          <p:cNvPr id="37" name="Rectangle 36">
-            <a:extLst>
-              <a:ext uri="{FF2B5EF4-FFF2-40B4-BE49-F238E27FC236}">
-                <a16:creationId xmlns:a16="http://schemas.microsoft.com/office/drawing/2014/main" id="{FC861D80-7E1C-C389-D1D7-9E0D5E341417}"/>
-              </a:ext>
-            </a:extLst>
-          </p:cNvPr>
-          <p:cNvSpPr/>
-          <p:nvPr/>
-        </p:nvSpPr>
-        <p:spPr>
-          <a:xfrm>
-            <a:off x="7512969" y="5076442"/>
-            <a:ext cx="375920" cy="386080"/>
-          </a:xfrm>
-          <a:prstGeom prst="rect">
-            <a:avLst/>
-          </a:prstGeom>
-          <a:gradFill flip="none" rotWithShape="1">
-            <a:gsLst>
-              <a:gs pos="0">
-                <a:schemeClr val="accent5"/>
-              </a:gs>
-              <a:gs pos="100000">
-                <a:schemeClr val="accent4"/>
-              </a:gs>
-              <a:gs pos="100000">
-                <a:srgbClr val="FFC000"/>
-              </a:gs>
-            </a:gsLst>
-            <a:lin ang="0" scaled="1"/>
-            <a:tileRect/>
-          </a:gradFill>
-          <a:ln>
-            <a:noFill/>
-          </a:ln>
-        </p:spPr>
-        <p:style>
-          <a:lnRef idx="2">
-            <a:schemeClr val="accent1">
-              <a:shade val="50000"/>
-            </a:schemeClr>
-          </a:lnRef>
-          <a:fillRef idx="1">
-            <a:schemeClr val="accent1"/>
-          </a:fillRef>
-          <a:effectRef idx="0">
-            <a:schemeClr val="accent1"/>
-          </a:effectRef>
-          <a:fontRef idx="minor">
-            <a:schemeClr val="lt1"/>
-          </a:fontRef>
-        </p:style>
-        <p:txBody>
-          <a:bodyPr rtlCol="0" anchor="ctr"/>
-          <a:lstStyle/>
-          <a:p>
-            <a:pPr algn="ctr"/>
-            <a:endParaRPr lang="en-US" dirty="0"/>
-          </a:p>
-        </p:txBody>
-      </p:sp>
-      <p:sp>
-        <p:nvSpPr>
-          <p:cNvPr id="38" name="Rectangle 37">
-            <a:extLst>
-              <a:ext uri="{FF2B5EF4-FFF2-40B4-BE49-F238E27FC236}">
-                <a16:creationId xmlns:a16="http://schemas.microsoft.com/office/drawing/2014/main" id="{203508DA-924A-7712-6A47-9B4745FC892E}"/>
-              </a:ext>
-            </a:extLst>
-          </p:cNvPr>
-          <p:cNvSpPr/>
-          <p:nvPr/>
-        </p:nvSpPr>
-        <p:spPr>
-          <a:xfrm>
-            <a:off x="7974898" y="5091846"/>
-            <a:ext cx="2079666" cy="386080"/>
-          </a:xfrm>
-          <a:prstGeom prst="rect">
-            <a:avLst/>
-          </a:prstGeom>
-          <a:solidFill>
-            <a:srgbClr val="FFC000"/>
-          </a:solidFill>
-          <a:ln>
-            <a:noFill/>
-          </a:ln>
-        </p:spPr>
-        <p:style>
-          <a:lnRef idx="2">
-            <a:schemeClr val="accent1">
-              <a:shade val="50000"/>
-            </a:schemeClr>
-          </a:lnRef>
-          <a:fillRef idx="1">
-            <a:schemeClr val="accent1"/>
-          </a:fillRef>
-          <a:effectRef idx="0">
-            <a:schemeClr val="accent1"/>
-          </a:effectRef>
-          <a:fontRef idx="minor">
-            <a:schemeClr val="lt1"/>
-          </a:fontRef>
-        </p:style>
-        <p:txBody>
-          <a:bodyPr rtlCol="0" anchor="ctr"/>
-          <a:lstStyle/>
-          <a:p>
-            <a:pPr algn="ctr"/>
-            <a:endParaRPr lang="en-US"/>
-          </a:p>
-        </p:txBody>
-      </p:sp>
-      <p:sp>
-        <p:nvSpPr>
-          <p:cNvPr id="39" name="TextBox 38">
-            <a:extLst>
-              <a:ext uri="{FF2B5EF4-FFF2-40B4-BE49-F238E27FC236}">
-                <a16:creationId xmlns:a16="http://schemas.microsoft.com/office/drawing/2014/main" id="{6D2B70B9-6F80-4F6A-FB77-8EAF44DDA2B7}"/>
-              </a:ext>
-            </a:extLst>
-          </p:cNvPr>
-          <p:cNvSpPr txBox="1"/>
-          <p:nvPr/>
-        </p:nvSpPr>
-        <p:spPr>
-          <a:xfrm>
-            <a:off x="1567441" y="5061400"/>
-            <a:ext cx="1685077" cy="369332"/>
-          </a:xfrm>
-          <a:prstGeom prst="rect">
-            <a:avLst/>
-          </a:prstGeom>
-          <a:noFill/>
-        </p:spPr>
-        <p:txBody>
-          <a:bodyPr wrap="none" rtlCol="0">
-            <a:spAutoFit/>
-          </a:bodyPr>
-          <a:lstStyle/>
-          <a:p>
-            <a:pPr algn="r"/>
-            <a:r>
-              <a:rPr lang="en-US" dirty="0">
-                <a:latin typeface="Roboto Light" panose="02000000000000000000" pitchFamily="2" charset="0"/>
-                <a:ea typeface="Roboto Light" panose="02000000000000000000" pitchFamily="2" charset="0"/>
-              </a:rPr>
-              <a:t>Homelessness</a:t>
-            </a:r>
-          </a:p>
-        </p:txBody>
-      </p:sp>
-      <p:sp>
-        <p:nvSpPr>
-          <p:cNvPr id="40" name="TextBox 39">
-            <a:extLst>
-              <a:ext uri="{FF2B5EF4-FFF2-40B4-BE49-F238E27FC236}">
-                <a16:creationId xmlns:a16="http://schemas.microsoft.com/office/drawing/2014/main" id="{13C2D52E-9332-DAF3-A801-BF04D05AA31D}"/>
-              </a:ext>
-            </a:extLst>
-          </p:cNvPr>
-          <p:cNvSpPr txBox="1"/>
-          <p:nvPr/>
-        </p:nvSpPr>
-        <p:spPr>
-          <a:xfrm>
-            <a:off x="4979645" y="4811285"/>
-            <a:ext cx="659155" cy="307777"/>
-          </a:xfrm>
-          <a:prstGeom prst="rect">
-            <a:avLst/>
-          </a:prstGeom>
-          <a:noFill/>
-        </p:spPr>
-        <p:txBody>
-          <a:bodyPr wrap="none" rtlCol="0">
-            <a:spAutoFit/>
-          </a:bodyPr>
-          <a:lstStyle/>
-          <a:p>
-            <a:r>
-              <a:rPr lang="en-US" sz="1400" dirty="0">
-                <a:latin typeface="Roboto Light" panose="02000000000000000000" pitchFamily="2" charset="0"/>
-                <a:ea typeface="Roboto Light" panose="02000000000000000000" pitchFamily="2" charset="0"/>
-              </a:rPr>
-              <a:t>63.6%</a:t>
-            </a:r>
-          </a:p>
-        </p:txBody>
-      </p:sp>
-      <p:sp>
-        <p:nvSpPr>
-          <p:cNvPr id="41" name="TextBox 40">
-            <a:extLst>
-              <a:ext uri="{FF2B5EF4-FFF2-40B4-BE49-F238E27FC236}">
-                <a16:creationId xmlns:a16="http://schemas.microsoft.com/office/drawing/2014/main" id="{BD0B30EE-7C50-E9D8-2C50-CEDE731C67F0}"/>
-              </a:ext>
-            </a:extLst>
-          </p:cNvPr>
-          <p:cNvSpPr txBox="1"/>
-          <p:nvPr/>
-        </p:nvSpPr>
-        <p:spPr>
-          <a:xfrm>
-            <a:off x="7454086" y="4815620"/>
-            <a:ext cx="559769" cy="307777"/>
-          </a:xfrm>
-          <a:prstGeom prst="rect">
-            <a:avLst/>
-          </a:prstGeom>
-          <a:noFill/>
-        </p:spPr>
-        <p:txBody>
-          <a:bodyPr wrap="none" rtlCol="0">
-            <a:spAutoFit/>
-          </a:bodyPr>
-          <a:lstStyle/>
-          <a:p>
-            <a:r>
-              <a:rPr lang="en-US" sz="1400" dirty="0">
-                <a:latin typeface="Roboto Light" panose="02000000000000000000" pitchFamily="2" charset="0"/>
-                <a:ea typeface="Roboto Light" panose="02000000000000000000" pitchFamily="2" charset="0"/>
-              </a:rPr>
-              <a:t>4.4%</a:t>
-            </a:r>
-          </a:p>
-        </p:txBody>
-      </p:sp>
-      <p:sp>
-        <p:nvSpPr>
-          <p:cNvPr id="42" name="TextBox 41">
-            <a:extLst>
-              <a:ext uri="{FF2B5EF4-FFF2-40B4-BE49-F238E27FC236}">
-                <a16:creationId xmlns:a16="http://schemas.microsoft.com/office/drawing/2014/main" id="{F0DC6780-8401-706F-372B-765F599CF498}"/>
-              </a:ext>
-            </a:extLst>
-          </p:cNvPr>
-          <p:cNvSpPr txBox="1"/>
-          <p:nvPr/>
-        </p:nvSpPr>
-        <p:spPr>
-          <a:xfrm>
-            <a:off x="8734846" y="4815620"/>
-            <a:ext cx="659155" cy="307777"/>
-          </a:xfrm>
-          <a:prstGeom prst="rect">
-            <a:avLst/>
-          </a:prstGeom>
-          <a:noFill/>
-        </p:spPr>
-        <p:txBody>
-          <a:bodyPr wrap="none" rtlCol="0">
-            <a:spAutoFit/>
-          </a:bodyPr>
-          <a:lstStyle/>
-          <a:p>
-            <a:r>
-              <a:rPr lang="en-US" sz="1400" dirty="0">
-                <a:latin typeface="Roboto Light" panose="02000000000000000000" pitchFamily="2" charset="0"/>
-                <a:ea typeface="Roboto Light" panose="02000000000000000000" pitchFamily="2" charset="0"/>
-              </a:rPr>
-              <a:t>31.9%</a:t>
+              <a:t>Both</a:t>
             </a:r>
           </a:p>
         </p:txBody>

--- a/2_query_gen/paper2_figures.pptx
+++ b/2_query_gen/paper2_figures.pptx
@@ -205,7 +205,7 @@
           <a:p>
             <a:fld id="{42A7560E-CF1B-6641-BCF4-14C496C90A0E}" type="datetimeFigureOut">
               <a:rPr lang="en-US" smtClean="0"/>
-              <a:t>8/31/22</a:t>
+              <a:t>9/12/22</a:t>
             </a:fld>
             <a:endParaRPr lang="en-US"/>
           </a:p>
@@ -703,7 +703,7 @@
           <a:p>
             <a:fld id="{2DCC8752-14D1-7C42-B332-30A088D89386}" type="datetimeFigureOut">
               <a:rPr lang="en-US" smtClean="0"/>
-              <a:t>8/31/22</a:t>
+              <a:t>9/12/22</a:t>
             </a:fld>
             <a:endParaRPr lang="en-US"/>
           </a:p>
@@ -901,7 +901,7 @@
           <a:p>
             <a:fld id="{2DCC8752-14D1-7C42-B332-30A088D89386}" type="datetimeFigureOut">
               <a:rPr lang="en-US" smtClean="0"/>
-              <a:t>8/31/22</a:t>
+              <a:t>9/12/22</a:t>
             </a:fld>
             <a:endParaRPr lang="en-US"/>
           </a:p>
@@ -1109,7 +1109,7 @@
           <a:p>
             <a:fld id="{2DCC8752-14D1-7C42-B332-30A088D89386}" type="datetimeFigureOut">
               <a:rPr lang="en-US" smtClean="0"/>
-              <a:t>8/31/22</a:t>
+              <a:t>9/12/22</a:t>
             </a:fld>
             <a:endParaRPr lang="en-US"/>
           </a:p>
@@ -1307,7 +1307,7 @@
           <a:p>
             <a:fld id="{2DCC8752-14D1-7C42-B332-30A088D89386}" type="datetimeFigureOut">
               <a:rPr lang="en-US" smtClean="0"/>
-              <a:t>8/31/22</a:t>
+              <a:t>9/12/22</a:t>
             </a:fld>
             <a:endParaRPr lang="en-US"/>
           </a:p>
@@ -1582,7 +1582,7 @@
           <a:p>
             <a:fld id="{2DCC8752-14D1-7C42-B332-30A088D89386}" type="datetimeFigureOut">
               <a:rPr lang="en-US" smtClean="0"/>
-              <a:t>8/31/22</a:t>
+              <a:t>9/12/22</a:t>
             </a:fld>
             <a:endParaRPr lang="en-US"/>
           </a:p>
@@ -1847,7 +1847,7 @@
           <a:p>
             <a:fld id="{2DCC8752-14D1-7C42-B332-30A088D89386}" type="datetimeFigureOut">
               <a:rPr lang="en-US" smtClean="0"/>
-              <a:t>8/31/22</a:t>
+              <a:t>9/12/22</a:t>
             </a:fld>
             <a:endParaRPr lang="en-US"/>
           </a:p>
@@ -2259,7 +2259,7 @@
           <a:p>
             <a:fld id="{2DCC8752-14D1-7C42-B332-30A088D89386}" type="datetimeFigureOut">
               <a:rPr lang="en-US" smtClean="0"/>
-              <a:t>8/31/22</a:t>
+              <a:t>9/12/22</a:t>
             </a:fld>
             <a:endParaRPr lang="en-US"/>
           </a:p>
@@ -2400,7 +2400,7 @@
           <a:p>
             <a:fld id="{2DCC8752-14D1-7C42-B332-30A088D89386}" type="datetimeFigureOut">
               <a:rPr lang="en-US" smtClean="0"/>
-              <a:t>8/31/22</a:t>
+              <a:t>9/12/22</a:t>
             </a:fld>
             <a:endParaRPr lang="en-US"/>
           </a:p>
@@ -2513,7 +2513,7 @@
           <a:p>
             <a:fld id="{2DCC8752-14D1-7C42-B332-30A088D89386}" type="datetimeFigureOut">
               <a:rPr lang="en-US" smtClean="0"/>
-              <a:t>8/31/22</a:t>
+              <a:t>9/12/22</a:t>
             </a:fld>
             <a:endParaRPr lang="en-US"/>
           </a:p>
@@ -2824,7 +2824,7 @@
           <a:p>
             <a:fld id="{2DCC8752-14D1-7C42-B332-30A088D89386}" type="datetimeFigureOut">
               <a:rPr lang="en-US" smtClean="0"/>
-              <a:t>8/31/22</a:t>
+              <a:t>9/12/22</a:t>
             </a:fld>
             <a:endParaRPr lang="en-US"/>
           </a:p>
@@ -3112,7 +3112,7 @@
           <a:p>
             <a:fld id="{2DCC8752-14D1-7C42-B332-30A088D89386}" type="datetimeFigureOut">
               <a:rPr lang="en-US" smtClean="0"/>
-              <a:t>8/31/22</a:t>
+              <a:t>9/12/22</a:t>
             </a:fld>
             <a:endParaRPr lang="en-US"/>
           </a:p>
@@ -3353,7 +3353,7 @@
           <a:p>
             <a:fld id="{2DCC8752-14D1-7C42-B332-30A088D89386}" type="datetimeFigureOut">
               <a:rPr lang="en-US" smtClean="0"/>
-              <a:t>8/31/22</a:t>
+              <a:t>9/12/22</a:t>
             </a:fld>
             <a:endParaRPr lang="en-US"/>
           </a:p>
@@ -14595,9 +14595,9 @@
         <p:grpSpPr>
           <a:xfrm>
             <a:off x="4503871" y="21827"/>
-            <a:ext cx="5672329" cy="789136"/>
+            <a:ext cx="5672329" cy="624164"/>
             <a:chOff x="5795469" y="1067845"/>
-            <a:chExt cx="1901879" cy="789136"/>
+            <a:chExt cx="1901879" cy="624164"/>
           </a:xfrm>
         </p:grpSpPr>
         <p:sp>
@@ -14676,7 +14676,7 @@
           <p:spPr>
             <a:xfrm>
               <a:off x="5881471" y="1118317"/>
-              <a:ext cx="1815877" cy="738664"/>
+              <a:ext cx="1815877" cy="523220"/>
             </a:xfrm>
             <a:prstGeom prst="rect">
               <a:avLst/>
@@ -14896,7 +14896,7 @@
                   <a:latin typeface="Consolas" panose="020B0609020204030204" pitchFamily="49" charset="0"/>
                   <a:cs typeface="Consolas" panose="020B0609020204030204" pitchFamily="49" charset="0"/>
                 </a:rPr>
-                <a:t>“200”</a:t>
+                <a:t>“250”</a:t>
               </a:r>
               <a:r>
                 <a:rPr lang="en-US" sz="1400" dirty="0">
@@ -14933,7 +14933,7 @@
           <p:nvPr>
             <p:extLst>
               <p:ext uri="{D42A27DB-BD31-4B8C-83A1-F6EECF244321}">
-                <p14:modId xmlns:p14="http://schemas.microsoft.com/office/powerpoint/2010/main" val="1541899761"/>
+                <p14:modId xmlns:p14="http://schemas.microsoft.com/office/powerpoint/2010/main" val="3754492164"/>
               </p:ext>
             </p:extLst>
           </p:nvPr>
@@ -15128,7 +15128,7 @@
                           <a:latin typeface="Consolas" panose="020B0609020204030204" pitchFamily="49" charset="0"/>
                           <a:cs typeface="Consolas" panose="020B0609020204030204" pitchFamily="49" charset="0"/>
                         </a:rPr>
-                        <a:t>311</a:t>
+                        <a:t>211</a:t>
                       </a:r>
                     </a:p>
                   </a:txBody>
@@ -15163,7 +15163,7 @@
           <p:nvPr>
             <p:extLst>
               <p:ext uri="{D42A27DB-BD31-4B8C-83A1-F6EECF244321}">
-                <p14:modId xmlns:p14="http://schemas.microsoft.com/office/powerpoint/2010/main" val="2837246715"/>
+                <p14:modId xmlns:p14="http://schemas.microsoft.com/office/powerpoint/2010/main" val="1931522691"/>
               </p:ext>
             </p:extLst>
           </p:nvPr>
@@ -15292,7 +15292,7 @@
                           <a:latin typeface="Consolas" panose="020B0609020204030204" pitchFamily="49" charset="0"/>
                           <a:cs typeface="Consolas" panose="020B0609020204030204" pitchFamily="49" charset="0"/>
                         </a:rPr>
-                        <a:t>235</a:t>
+                        <a:t>211</a:t>
                       </a:r>
                     </a:p>
                   </a:txBody>
@@ -15670,7 +15670,7 @@
                   <a:latin typeface="Consolas" panose="020B0609020204030204" pitchFamily="49" charset="0"/>
                   <a:cs typeface="Consolas" panose="020B0609020204030204" pitchFamily="49" charset="0"/>
                 </a:rPr>
-                <a:t> 200</a:t>
+                <a:t> 250</a:t>
               </a:r>
               <a:endParaRPr lang="en-US" sz="1400" dirty="0">
                 <a:solidFill>
@@ -15889,7 +15889,7 @@
                   <a:latin typeface="Consolas" panose="020B0609020204030204" pitchFamily="49" charset="0"/>
                   <a:cs typeface="Consolas" panose="020B0609020204030204" pitchFamily="49" charset="0"/>
                 </a:rPr>
-                <a:t> 200</a:t>
+                <a:t> 250</a:t>
               </a:r>
               <a:endParaRPr lang="en-US" sz="1400" dirty="0">
                 <a:solidFill>

--- a/2_query_gen/paper2_figures.pptx
+++ b/2_query_gen/paper2_figures.pptx
@@ -205,7 +205,7 @@
           <a:p>
             <a:fld id="{42A7560E-CF1B-6641-BCF4-14C496C90A0E}" type="datetimeFigureOut">
               <a:rPr lang="en-US" smtClean="0"/>
-              <a:t>9/12/22</a:t>
+              <a:t>9/15/22</a:t>
             </a:fld>
             <a:endParaRPr lang="en-US"/>
           </a:p>
@@ -703,7 +703,7 @@
           <a:p>
             <a:fld id="{2DCC8752-14D1-7C42-B332-30A088D89386}" type="datetimeFigureOut">
               <a:rPr lang="en-US" smtClean="0"/>
-              <a:t>9/12/22</a:t>
+              <a:t>9/15/22</a:t>
             </a:fld>
             <a:endParaRPr lang="en-US"/>
           </a:p>
@@ -901,7 +901,7 @@
           <a:p>
             <a:fld id="{2DCC8752-14D1-7C42-B332-30A088D89386}" type="datetimeFigureOut">
               <a:rPr lang="en-US" smtClean="0"/>
-              <a:t>9/12/22</a:t>
+              <a:t>9/15/22</a:t>
             </a:fld>
             <a:endParaRPr lang="en-US"/>
           </a:p>
@@ -1109,7 +1109,7 @@
           <a:p>
             <a:fld id="{2DCC8752-14D1-7C42-B332-30A088D89386}" type="datetimeFigureOut">
               <a:rPr lang="en-US" smtClean="0"/>
-              <a:t>9/12/22</a:t>
+              <a:t>9/15/22</a:t>
             </a:fld>
             <a:endParaRPr lang="en-US"/>
           </a:p>
@@ -1307,7 +1307,7 @@
           <a:p>
             <a:fld id="{2DCC8752-14D1-7C42-B332-30A088D89386}" type="datetimeFigureOut">
               <a:rPr lang="en-US" smtClean="0"/>
-              <a:t>9/12/22</a:t>
+              <a:t>9/15/22</a:t>
             </a:fld>
             <a:endParaRPr lang="en-US"/>
           </a:p>
@@ -1582,7 +1582,7 @@
           <a:p>
             <a:fld id="{2DCC8752-14D1-7C42-B332-30A088D89386}" type="datetimeFigureOut">
               <a:rPr lang="en-US" smtClean="0"/>
-              <a:t>9/12/22</a:t>
+              <a:t>9/15/22</a:t>
             </a:fld>
             <a:endParaRPr lang="en-US"/>
           </a:p>
@@ -1847,7 +1847,7 @@
           <a:p>
             <a:fld id="{2DCC8752-14D1-7C42-B332-30A088D89386}" type="datetimeFigureOut">
               <a:rPr lang="en-US" smtClean="0"/>
-              <a:t>9/12/22</a:t>
+              <a:t>9/15/22</a:t>
             </a:fld>
             <a:endParaRPr lang="en-US"/>
           </a:p>
@@ -2259,7 +2259,7 @@
           <a:p>
             <a:fld id="{2DCC8752-14D1-7C42-B332-30A088D89386}" type="datetimeFigureOut">
               <a:rPr lang="en-US" smtClean="0"/>
-              <a:t>9/12/22</a:t>
+              <a:t>9/15/22</a:t>
             </a:fld>
             <a:endParaRPr lang="en-US"/>
           </a:p>
@@ -2400,7 +2400,7 @@
           <a:p>
             <a:fld id="{2DCC8752-14D1-7C42-B332-30A088D89386}" type="datetimeFigureOut">
               <a:rPr lang="en-US" smtClean="0"/>
-              <a:t>9/12/22</a:t>
+              <a:t>9/15/22</a:t>
             </a:fld>
             <a:endParaRPr lang="en-US"/>
           </a:p>
@@ -2513,7 +2513,7 @@
           <a:p>
             <a:fld id="{2DCC8752-14D1-7C42-B332-30A088D89386}" type="datetimeFigureOut">
               <a:rPr lang="en-US" smtClean="0"/>
-              <a:t>9/12/22</a:t>
+              <a:t>9/15/22</a:t>
             </a:fld>
             <a:endParaRPr lang="en-US"/>
           </a:p>
@@ -2824,7 +2824,7 @@
           <a:p>
             <a:fld id="{2DCC8752-14D1-7C42-B332-30A088D89386}" type="datetimeFigureOut">
               <a:rPr lang="en-US" smtClean="0"/>
-              <a:t>9/12/22</a:t>
+              <a:t>9/15/22</a:t>
             </a:fld>
             <a:endParaRPr lang="en-US"/>
           </a:p>
@@ -3112,7 +3112,7 @@
           <a:p>
             <a:fld id="{2DCC8752-14D1-7C42-B332-30A088D89386}" type="datetimeFigureOut">
               <a:rPr lang="en-US" smtClean="0"/>
-              <a:t>9/12/22</a:t>
+              <a:t>9/15/22</a:t>
             </a:fld>
             <a:endParaRPr lang="en-US"/>
           </a:p>
@@ -3353,7 +3353,7 @@
           <a:p>
             <a:fld id="{2DCC8752-14D1-7C42-B332-30A088D89386}" type="datetimeFigureOut">
               <a:rPr lang="en-US" smtClean="0"/>
-              <a:t>9/12/22</a:t>
+              <a:t>9/15/22</a:t>
             </a:fld>
             <a:endParaRPr lang="en-US"/>
           </a:p>
@@ -30284,10 +30284,10 @@
         </p:nvGrpSpPr>
         <p:grpSpPr>
           <a:xfrm>
-            <a:off x="2181391" y="2568865"/>
-            <a:ext cx="7887169" cy="653219"/>
-            <a:chOff x="2181391" y="1927421"/>
-            <a:chExt cx="7887169" cy="653219"/>
+            <a:off x="2641347" y="2806250"/>
+            <a:ext cx="7427213" cy="609259"/>
+            <a:chOff x="2641347" y="1971381"/>
+            <a:chExt cx="7427213" cy="609259"/>
           </a:xfrm>
         </p:grpSpPr>
         <p:sp>
@@ -30338,7 +30338,10 @@
             <a:lstStyle/>
             <a:p>
               <a:pPr algn="ctr"/>
-              <a:endParaRPr lang="en-US"/>
+              <a:endParaRPr lang="en-US" sz="1200">
+                <a:latin typeface="Times New Roman" panose="02020603050405020304" pitchFamily="18" charset="0"/>
+                <a:cs typeface="Times New Roman" panose="02020603050405020304" pitchFamily="18" charset="0"/>
+              </a:endParaRPr>
             </a:p>
           </p:txBody>
         </p:sp>
@@ -30402,7 +30405,10 @@
             <a:lstStyle/>
             <a:p>
               <a:pPr algn="ctr"/>
-              <a:endParaRPr lang="en-US" dirty="0"/>
+              <a:endParaRPr lang="en-US" sz="1200" dirty="0">
+                <a:latin typeface="Times New Roman" panose="02020603050405020304" pitchFamily="18" charset="0"/>
+                <a:cs typeface="Times New Roman" panose="02020603050405020304" pitchFamily="18" charset="0"/>
+              </a:endParaRPr>
             </a:p>
           </p:txBody>
         </p:sp>
@@ -30454,7 +30460,10 @@
             <a:lstStyle/>
             <a:p>
               <a:pPr algn="ctr"/>
-              <a:endParaRPr lang="en-US"/>
+              <a:endParaRPr lang="en-US" sz="1200">
+                <a:latin typeface="Times New Roman" panose="02020603050405020304" pitchFamily="18" charset="0"/>
+                <a:cs typeface="Times New Roman" panose="02020603050405020304" pitchFamily="18" charset="0"/>
+              </a:endParaRPr>
             </a:p>
           </p:txBody>
         </p:sp>
@@ -30472,8 +30481,8 @@
           </p:nvSpPr>
           <p:spPr>
             <a:xfrm>
-              <a:off x="2181391" y="2193533"/>
-              <a:ext cx="1071127" cy="369332"/>
+              <a:off x="2641347" y="2204420"/>
+              <a:ext cx="790858" cy="307777"/>
             </a:xfrm>
             <a:prstGeom prst="rect">
               <a:avLst/>
@@ -30487,12 +30496,18 @@
             <a:lstStyle/>
             <a:p>
               <a:r>
-                <a:rPr lang="en-US" dirty="0">
-                  <a:latin typeface="Roboto Light" panose="02000000000000000000" pitchFamily="2" charset="0"/>
+                <a:rPr lang="en-US" sz="1400" dirty="0">
+                  <a:latin typeface="Times New Roman" panose="02020603050405020304" pitchFamily="18" charset="0"/>
                   <a:ea typeface="Roboto Light" panose="02000000000000000000" pitchFamily="2" charset="0"/>
+                  <a:cs typeface="Times New Roman" panose="02020603050405020304" pitchFamily="18" charset="0"/>
                 </a:rPr>
                 <a:t>Tobacco</a:t>
               </a:r>
+              <a:endParaRPr lang="en-US" sz="1200" dirty="0">
+                <a:latin typeface="Times New Roman" panose="02020603050405020304" pitchFamily="18" charset="0"/>
+                <a:ea typeface="Roboto Light" panose="02000000000000000000" pitchFamily="2" charset="0"/>
+                <a:cs typeface="Times New Roman" panose="02020603050405020304" pitchFamily="18" charset="0"/>
+              </a:endParaRPr>
             </a:p>
           </p:txBody>
         </p:sp>
@@ -30510,8 +30525,8 @@
           </p:nvSpPr>
           <p:spPr>
             <a:xfrm>
-              <a:off x="4481182" y="1927423"/>
-              <a:ext cx="659155" cy="307777"/>
+              <a:off x="4481182" y="1971383"/>
+              <a:ext cx="582211" cy="276999"/>
             </a:xfrm>
             <a:prstGeom prst="rect">
               <a:avLst/>
@@ -30525,9 +30540,10 @@
             <a:lstStyle/>
             <a:p>
               <a:r>
-                <a:rPr lang="en-US" sz="1400" dirty="0">
-                  <a:latin typeface="Roboto Light" panose="02000000000000000000" pitchFamily="2" charset="0"/>
+                <a:rPr lang="en-US" sz="1200" dirty="0">
+                  <a:latin typeface="Times New Roman" panose="02020603050405020304" pitchFamily="18" charset="0"/>
                   <a:ea typeface="Roboto Light" panose="02000000000000000000" pitchFamily="2" charset="0"/>
+                  <a:cs typeface="Times New Roman" panose="02020603050405020304" pitchFamily="18" charset="0"/>
                 </a:rPr>
                 <a:t>42.4%</a:t>
               </a:r>
@@ -30548,8 +30564,8 @@
           </p:nvSpPr>
           <p:spPr>
             <a:xfrm>
-              <a:off x="6640182" y="1927422"/>
-              <a:ext cx="659155" cy="307777"/>
+              <a:off x="6640182" y="1971382"/>
+              <a:ext cx="582211" cy="276999"/>
             </a:xfrm>
             <a:prstGeom prst="rect">
               <a:avLst/>
@@ -30563,9 +30579,10 @@
             <a:lstStyle/>
             <a:p>
               <a:r>
-                <a:rPr lang="en-US" sz="1400" dirty="0">
-                  <a:latin typeface="Roboto Light" panose="02000000000000000000" pitchFamily="2" charset="0"/>
+                <a:rPr lang="en-US" sz="1200" dirty="0">
+                  <a:latin typeface="Times New Roman" panose="02020603050405020304" pitchFamily="18" charset="0"/>
                   <a:ea typeface="Roboto Light" panose="02000000000000000000" pitchFamily="2" charset="0"/>
+                  <a:cs typeface="Times New Roman" panose="02020603050405020304" pitchFamily="18" charset="0"/>
                 </a:rPr>
                 <a:t>21.4%</a:t>
               </a:r>
@@ -30586,8 +30603,8 @@
           </p:nvSpPr>
           <p:spPr>
             <a:xfrm>
-              <a:off x="8585822" y="1927421"/>
-              <a:ext cx="659155" cy="307777"/>
+              <a:off x="8585822" y="1971381"/>
+              <a:ext cx="582211" cy="276999"/>
             </a:xfrm>
             <a:prstGeom prst="rect">
               <a:avLst/>
@@ -30601,9 +30618,10 @@
             <a:lstStyle/>
             <a:p>
               <a:r>
-                <a:rPr lang="en-US" sz="1400" dirty="0">
-                  <a:latin typeface="Roboto Light" panose="02000000000000000000" pitchFamily="2" charset="0"/>
+                <a:rPr lang="en-US" sz="1200" dirty="0">
+                  <a:latin typeface="Times New Roman" panose="02020603050405020304" pitchFamily="18" charset="0"/>
                   <a:ea typeface="Roboto Light" panose="02000000000000000000" pitchFamily="2" charset="0"/>
+                  <a:cs typeface="Times New Roman" panose="02020603050405020304" pitchFamily="18" charset="0"/>
                 </a:rPr>
                 <a:t>36.2%</a:t>
               </a:r>
@@ -30625,10 +30643,10 @@
         </p:nvGrpSpPr>
         <p:grpSpPr>
           <a:xfrm>
-            <a:off x="2365258" y="1817300"/>
-            <a:ext cx="7687225" cy="668481"/>
-            <a:chOff x="2367339" y="2633178"/>
-            <a:chExt cx="7687225" cy="668481"/>
+            <a:off x="2658121" y="2142605"/>
+            <a:ext cx="7394362" cy="633313"/>
+            <a:chOff x="2660202" y="2668346"/>
+            <a:chExt cx="7394362" cy="633313"/>
           </a:xfrm>
         </p:grpSpPr>
         <p:sp>
@@ -30679,7 +30697,10 @@
             <a:lstStyle/>
             <a:p>
               <a:pPr algn="ctr"/>
-              <a:endParaRPr lang="en-US"/>
+              <a:endParaRPr lang="en-US" sz="1200">
+                <a:latin typeface="Times New Roman" panose="02020603050405020304" pitchFamily="18" charset="0"/>
+                <a:cs typeface="Times New Roman" panose="02020603050405020304" pitchFamily="18" charset="0"/>
+              </a:endParaRPr>
             </a:p>
           </p:txBody>
         </p:sp>
@@ -30743,7 +30764,10 @@
             <a:lstStyle/>
             <a:p>
               <a:pPr algn="ctr"/>
-              <a:endParaRPr lang="en-US" dirty="0"/>
+              <a:endParaRPr lang="en-US" sz="1200" dirty="0">
+                <a:latin typeface="Times New Roman" panose="02020603050405020304" pitchFamily="18" charset="0"/>
+                <a:cs typeface="Times New Roman" panose="02020603050405020304" pitchFamily="18" charset="0"/>
+              </a:endParaRPr>
             </a:p>
           </p:txBody>
         </p:sp>
@@ -30795,7 +30819,10 @@
             <a:lstStyle/>
             <a:p>
               <a:pPr algn="ctr"/>
-              <a:endParaRPr lang="en-US"/>
+              <a:endParaRPr lang="en-US" sz="1200">
+                <a:latin typeface="Times New Roman" panose="02020603050405020304" pitchFamily="18" charset="0"/>
+                <a:cs typeface="Times New Roman" panose="02020603050405020304" pitchFamily="18" charset="0"/>
+              </a:endParaRPr>
             </a:p>
           </p:txBody>
         </p:sp>
@@ -30813,8 +30840,8 @@
           </p:nvSpPr>
           <p:spPr>
             <a:xfrm>
-              <a:off x="2367339" y="2923953"/>
-              <a:ext cx="936475" cy="369332"/>
+              <a:off x="2660202" y="2954960"/>
+              <a:ext cx="763351" cy="307777"/>
             </a:xfrm>
             <a:prstGeom prst="rect">
               <a:avLst/>
@@ -30828,12 +30855,18 @@
             <a:lstStyle/>
             <a:p>
               <a:r>
-                <a:rPr lang="en-US" dirty="0">
-                  <a:latin typeface="Roboto Light" panose="02000000000000000000" pitchFamily="2" charset="0"/>
+                <a:rPr lang="en-US" sz="1400" dirty="0">
+                  <a:latin typeface="Times New Roman" panose="02020603050405020304" pitchFamily="18" charset="0"/>
                   <a:ea typeface="Roboto Light" panose="02000000000000000000" pitchFamily="2" charset="0"/>
+                  <a:cs typeface="Times New Roman" panose="02020603050405020304" pitchFamily="18" charset="0"/>
                 </a:rPr>
                 <a:t>Alcohol</a:t>
               </a:r>
+              <a:endParaRPr lang="en-US" sz="1200" dirty="0">
+                <a:latin typeface="Times New Roman" panose="02020603050405020304" pitchFamily="18" charset="0"/>
+                <a:ea typeface="Roboto Light" panose="02000000000000000000" pitchFamily="2" charset="0"/>
+                <a:cs typeface="Times New Roman" panose="02020603050405020304" pitchFamily="18" charset="0"/>
+              </a:endParaRPr>
             </a:p>
           </p:txBody>
         </p:sp>
@@ -30851,8 +30884,8 @@
           </p:nvSpPr>
           <p:spPr>
             <a:xfrm>
-              <a:off x="5222241" y="2633178"/>
-              <a:ext cx="659155" cy="307777"/>
+              <a:off x="5222241" y="2668346"/>
+              <a:ext cx="582211" cy="276999"/>
             </a:xfrm>
             <a:prstGeom prst="rect">
               <a:avLst/>
@@ -30866,9 +30899,10 @@
             <a:lstStyle/>
             <a:p>
               <a:r>
-                <a:rPr lang="en-US" sz="1400" dirty="0">
-                  <a:latin typeface="Roboto Light" panose="02000000000000000000" pitchFamily="2" charset="0"/>
+                <a:rPr lang="en-US" sz="1200" dirty="0">
+                  <a:latin typeface="Times New Roman" panose="02020603050405020304" pitchFamily="18" charset="0"/>
                   <a:ea typeface="Roboto Light" panose="02000000000000000000" pitchFamily="2" charset="0"/>
+                  <a:cs typeface="Times New Roman" panose="02020603050405020304" pitchFamily="18" charset="0"/>
                 </a:rPr>
                 <a:t>71.3%</a:t>
               </a:r>
@@ -30889,8 +30923,8 @@
           </p:nvSpPr>
           <p:spPr>
             <a:xfrm>
-              <a:off x="8370007" y="2633178"/>
-              <a:ext cx="659155" cy="307777"/>
+              <a:off x="8370007" y="2668346"/>
+              <a:ext cx="582211" cy="276999"/>
             </a:xfrm>
             <a:prstGeom prst="rect">
               <a:avLst/>
@@ -30904,9 +30938,10 @@
             <a:lstStyle/>
             <a:p>
               <a:r>
-                <a:rPr lang="en-US" sz="1400" dirty="0">
-                  <a:latin typeface="Roboto Light" panose="02000000000000000000" pitchFamily="2" charset="0"/>
+                <a:rPr lang="en-US" sz="1200" dirty="0">
+                  <a:latin typeface="Times New Roman" panose="02020603050405020304" pitchFamily="18" charset="0"/>
                   <a:ea typeface="Roboto Light" panose="02000000000000000000" pitchFamily="2" charset="0"/>
+                  <a:cs typeface="Times New Roman" panose="02020603050405020304" pitchFamily="18" charset="0"/>
                 </a:rPr>
                 <a:t>20.3%</a:t>
               </a:r>
@@ -30927,8 +30962,8 @@
           </p:nvSpPr>
           <p:spPr>
             <a:xfrm>
-              <a:off x="9525973" y="2633178"/>
-              <a:ext cx="417102" cy="307777"/>
+              <a:off x="9525973" y="2668346"/>
+              <a:ext cx="389850" cy="276999"/>
             </a:xfrm>
             <a:prstGeom prst="rect">
               <a:avLst/>
@@ -30942,9 +30977,10 @@
             <a:lstStyle/>
             <a:p>
               <a:r>
-                <a:rPr lang="en-US" sz="1400" dirty="0">
-                  <a:latin typeface="Roboto Light" panose="02000000000000000000" pitchFamily="2" charset="0"/>
+                <a:rPr lang="en-US" sz="1200" dirty="0">
+                  <a:latin typeface="Times New Roman" panose="02020603050405020304" pitchFamily="18" charset="0"/>
                   <a:ea typeface="Roboto Light" panose="02000000000000000000" pitchFamily="2" charset="0"/>
+                  <a:cs typeface="Times New Roman" panose="02020603050405020304" pitchFamily="18" charset="0"/>
                 </a:rPr>
                 <a:t>8%</a:t>
               </a:r>
@@ -30966,10 +31002,10 @@
         </p:nvGrpSpPr>
         <p:grpSpPr>
           <a:xfrm>
-            <a:off x="2585970" y="3299259"/>
-            <a:ext cx="7483212" cy="670963"/>
-            <a:chOff x="2585348" y="3344037"/>
-            <a:chExt cx="7483212" cy="670963"/>
+            <a:off x="2875629" y="3404763"/>
+            <a:ext cx="7202345" cy="644587"/>
+            <a:chOff x="2866215" y="3370413"/>
+            <a:chExt cx="7202345" cy="644587"/>
           </a:xfrm>
         </p:grpSpPr>
         <p:sp>
@@ -31020,7 +31056,10 @@
             <a:lstStyle/>
             <a:p>
               <a:pPr algn="ctr"/>
-              <a:endParaRPr lang="en-US"/>
+              <a:endParaRPr lang="en-US" sz="1200">
+                <a:latin typeface="Times New Roman" panose="02020603050405020304" pitchFamily="18" charset="0"/>
+                <a:cs typeface="Times New Roman" panose="02020603050405020304" pitchFamily="18" charset="0"/>
+              </a:endParaRPr>
             </a:p>
           </p:txBody>
         </p:sp>
@@ -31084,7 +31123,10 @@
             <a:lstStyle/>
             <a:p>
               <a:pPr algn="ctr"/>
-              <a:endParaRPr lang="en-US" dirty="0"/>
+              <a:endParaRPr lang="en-US" sz="1200" dirty="0">
+                <a:latin typeface="Times New Roman" panose="02020603050405020304" pitchFamily="18" charset="0"/>
+                <a:cs typeface="Times New Roman" panose="02020603050405020304" pitchFamily="18" charset="0"/>
+              </a:endParaRPr>
             </a:p>
           </p:txBody>
         </p:sp>
@@ -31136,7 +31178,10 @@
             <a:lstStyle/>
             <a:p>
               <a:pPr algn="ctr"/>
-              <a:endParaRPr lang="en-US"/>
+              <a:endParaRPr lang="en-US" sz="1200">
+                <a:latin typeface="Times New Roman" panose="02020603050405020304" pitchFamily="18" charset="0"/>
+                <a:cs typeface="Times New Roman" panose="02020603050405020304" pitchFamily="18" charset="0"/>
+              </a:endParaRPr>
             </a:p>
           </p:txBody>
         </p:sp>
@@ -31154,8 +31199,8 @@
           </p:nvSpPr>
           <p:spPr>
             <a:xfrm>
-              <a:off x="2585348" y="3635916"/>
-              <a:ext cx="667170" cy="369332"/>
+              <a:off x="2866215" y="3635916"/>
+              <a:ext cx="553357" cy="307777"/>
             </a:xfrm>
             <a:prstGeom prst="rect">
               <a:avLst/>
@@ -31170,12 +31215,18 @@
             <a:p>
               <a:pPr algn="r"/>
               <a:r>
-                <a:rPr lang="en-US" dirty="0">
-                  <a:latin typeface="Roboto Light" panose="02000000000000000000" pitchFamily="2" charset="0"/>
+                <a:rPr lang="en-US" sz="1400" dirty="0">
+                  <a:latin typeface="Times New Roman" panose="02020603050405020304" pitchFamily="18" charset="0"/>
                   <a:ea typeface="Roboto Light" panose="02000000000000000000" pitchFamily="2" charset="0"/>
+                  <a:cs typeface="Times New Roman" panose="02020603050405020304" pitchFamily="18" charset="0"/>
                 </a:rPr>
                 <a:t>Drug</a:t>
               </a:r>
+              <a:endParaRPr lang="en-US" sz="1200" dirty="0">
+                <a:latin typeface="Times New Roman" panose="02020603050405020304" pitchFamily="18" charset="0"/>
+                <a:ea typeface="Roboto Light" panose="02000000000000000000" pitchFamily="2" charset="0"/>
+                <a:cs typeface="Times New Roman" panose="02020603050405020304" pitchFamily="18" charset="0"/>
+              </a:endParaRPr>
             </a:p>
           </p:txBody>
         </p:sp>
@@ -31193,8 +31244,8 @@
           </p:nvSpPr>
           <p:spPr>
             <a:xfrm>
-              <a:off x="4979645" y="3344037"/>
-              <a:ext cx="659155" cy="307777"/>
+              <a:off x="4979645" y="3370413"/>
+              <a:ext cx="582211" cy="276999"/>
             </a:xfrm>
             <a:prstGeom prst="rect">
               <a:avLst/>
@@ -31208,9 +31259,10 @@
             <a:lstStyle/>
             <a:p>
               <a:r>
-                <a:rPr lang="en-US" sz="1400" dirty="0">
-                  <a:latin typeface="Roboto Light" panose="02000000000000000000" pitchFamily="2" charset="0"/>
+                <a:rPr lang="en-US" sz="1200" dirty="0">
+                  <a:latin typeface="Times New Roman" panose="02020603050405020304" pitchFamily="18" charset="0"/>
                   <a:ea typeface="Roboto Light" panose="02000000000000000000" pitchFamily="2" charset="0"/>
+                  <a:cs typeface="Times New Roman" panose="02020603050405020304" pitchFamily="18" charset="0"/>
                 </a:rPr>
                 <a:t>64.7%</a:t>
               </a:r>
@@ -31231,8 +31283,8 @@
           </p:nvSpPr>
           <p:spPr>
             <a:xfrm>
-              <a:off x="7926667" y="3352071"/>
-              <a:ext cx="659155" cy="307777"/>
+              <a:off x="7926667" y="3378447"/>
+              <a:ext cx="582211" cy="276999"/>
             </a:xfrm>
             <a:prstGeom prst="rect">
               <a:avLst/>
@@ -31246,9 +31298,10 @@
             <a:lstStyle/>
             <a:p>
               <a:r>
-                <a:rPr lang="en-US" sz="1400" dirty="0">
-                  <a:latin typeface="Roboto Light" panose="02000000000000000000" pitchFamily="2" charset="0"/>
+                <a:rPr lang="en-US" sz="1200" dirty="0">
+                  <a:latin typeface="Times New Roman" panose="02020603050405020304" pitchFamily="18" charset="0"/>
                   <a:ea typeface="Roboto Light" panose="02000000000000000000" pitchFamily="2" charset="0"/>
+                  <a:cs typeface="Times New Roman" panose="02020603050405020304" pitchFamily="18" charset="0"/>
                 </a:rPr>
                 <a:t>19.7%</a:t>
               </a:r>
@@ -31269,8 +31322,8 @@
           </p:nvSpPr>
           <p:spPr>
             <a:xfrm>
-              <a:off x="9345282" y="3353468"/>
-              <a:ext cx="659155" cy="307777"/>
+              <a:off x="9345282" y="3379844"/>
+              <a:ext cx="582211" cy="276999"/>
             </a:xfrm>
             <a:prstGeom prst="rect">
               <a:avLst/>
@@ -31284,9 +31337,10 @@
             <a:lstStyle/>
             <a:p>
               <a:r>
-                <a:rPr lang="en-US" sz="1400" dirty="0">
-                  <a:latin typeface="Roboto Light" panose="02000000000000000000" pitchFamily="2" charset="0"/>
+                <a:rPr lang="en-US" sz="1200" dirty="0">
+                  <a:latin typeface="Times New Roman" panose="02020603050405020304" pitchFamily="18" charset="0"/>
                   <a:ea typeface="Roboto Light" panose="02000000000000000000" pitchFamily="2" charset="0"/>
+                  <a:cs typeface="Times New Roman" panose="02020603050405020304" pitchFamily="18" charset="0"/>
                 </a:rPr>
                 <a:t>15.6%</a:t>
               </a:r>
@@ -31308,10 +31362,10 @@
         </p:nvGrpSpPr>
         <p:grpSpPr>
           <a:xfrm>
-            <a:off x="1823104" y="3951115"/>
-            <a:ext cx="8545792" cy="684958"/>
-            <a:chOff x="1788656" y="4074257"/>
-            <a:chExt cx="8545792" cy="684958"/>
+            <a:off x="2314747" y="4039943"/>
+            <a:ext cx="7980370" cy="640998"/>
+            <a:chOff x="2299576" y="4118217"/>
+            <a:chExt cx="7980370" cy="640998"/>
           </a:xfrm>
         </p:grpSpPr>
         <p:sp>
@@ -31362,7 +31416,10 @@
             <a:lstStyle/>
             <a:p>
               <a:pPr algn="ctr"/>
-              <a:endParaRPr lang="en-US" dirty="0"/>
+              <a:endParaRPr lang="en-US" sz="1200" dirty="0">
+                <a:latin typeface="Times New Roman" panose="02020603050405020304" pitchFamily="18" charset="0"/>
+                <a:cs typeface="Times New Roman" panose="02020603050405020304" pitchFamily="18" charset="0"/>
+              </a:endParaRPr>
             </a:p>
           </p:txBody>
         </p:sp>
@@ -31426,7 +31483,10 @@
             <a:lstStyle/>
             <a:p>
               <a:pPr algn="ctr"/>
-              <a:endParaRPr lang="en-US" dirty="0"/>
+              <a:endParaRPr lang="en-US" sz="1200" dirty="0">
+                <a:latin typeface="Times New Roman" panose="02020603050405020304" pitchFamily="18" charset="0"/>
+                <a:cs typeface="Times New Roman" panose="02020603050405020304" pitchFamily="18" charset="0"/>
+              </a:endParaRPr>
             </a:p>
           </p:txBody>
         </p:sp>
@@ -31478,7 +31538,10 @@
             <a:lstStyle/>
             <a:p>
               <a:pPr algn="ctr"/>
-              <a:endParaRPr lang="en-US"/>
+              <a:endParaRPr lang="en-US" sz="1200">
+                <a:latin typeface="Times New Roman" panose="02020603050405020304" pitchFamily="18" charset="0"/>
+                <a:cs typeface="Times New Roman" panose="02020603050405020304" pitchFamily="18" charset="0"/>
+              </a:endParaRPr>
             </a:p>
           </p:txBody>
         </p:sp>
@@ -31496,8 +31559,8 @@
           </p:nvSpPr>
           <p:spPr>
             <a:xfrm>
-              <a:off x="1788656" y="4358093"/>
-              <a:ext cx="1463862" cy="369332"/>
+              <a:off x="2299576" y="4358093"/>
+              <a:ext cx="1111203" cy="307777"/>
             </a:xfrm>
             <a:prstGeom prst="rect">
               <a:avLst/>
@@ -31512,12 +31575,18 @@
             <a:p>
               <a:pPr algn="r"/>
               <a:r>
-                <a:rPr lang="en-US" dirty="0">
-                  <a:latin typeface="Roboto Light" panose="02000000000000000000" pitchFamily="2" charset="0"/>
+                <a:rPr lang="en-US" sz="1400" dirty="0">
+                  <a:latin typeface="Times New Roman" panose="02020603050405020304" pitchFamily="18" charset="0"/>
                   <a:ea typeface="Roboto Light" panose="02000000000000000000" pitchFamily="2" charset="0"/>
+                  <a:cs typeface="Times New Roman" panose="02020603050405020304" pitchFamily="18" charset="0"/>
                 </a:rPr>
                 <a:t>Employment</a:t>
               </a:r>
+              <a:endParaRPr lang="en-US" sz="1200" dirty="0">
+                <a:latin typeface="Times New Roman" panose="02020603050405020304" pitchFamily="18" charset="0"/>
+                <a:ea typeface="Roboto Light" panose="02000000000000000000" pitchFamily="2" charset="0"/>
+                <a:cs typeface="Times New Roman" panose="02020603050405020304" pitchFamily="18" charset="0"/>
+              </a:endParaRPr>
             </a:p>
           </p:txBody>
         </p:sp>
@@ -31535,8 +31604,8 @@
           </p:nvSpPr>
           <p:spPr>
             <a:xfrm>
-              <a:off x="5857862" y="4094958"/>
-              <a:ext cx="659155" cy="307777"/>
+              <a:off x="5857862" y="4138918"/>
+              <a:ext cx="582211" cy="276999"/>
             </a:xfrm>
             <a:prstGeom prst="rect">
               <a:avLst/>
@@ -31550,9 +31619,10 @@
             <a:lstStyle/>
             <a:p>
               <a:r>
-                <a:rPr lang="en-US" sz="1400" dirty="0">
-                  <a:latin typeface="Roboto Light" panose="02000000000000000000" pitchFamily="2" charset="0"/>
+                <a:rPr lang="en-US" sz="1200" dirty="0">
+                  <a:latin typeface="Times New Roman" panose="02020603050405020304" pitchFamily="18" charset="0"/>
                   <a:ea typeface="Roboto Light" panose="02000000000000000000" pitchFamily="2" charset="0"/>
+                  <a:cs typeface="Times New Roman" panose="02020603050405020304" pitchFamily="18" charset="0"/>
                 </a:rPr>
                 <a:t>90.2%</a:t>
               </a:r>
@@ -31573,8 +31643,8 @@
           </p:nvSpPr>
           <p:spPr>
             <a:xfrm>
-              <a:off x="9292430" y="4078854"/>
-              <a:ext cx="559769" cy="307777"/>
+              <a:off x="9292430" y="4122814"/>
+              <a:ext cx="505267" cy="276999"/>
             </a:xfrm>
             <a:prstGeom prst="rect">
               <a:avLst/>
@@ -31588,9 +31658,10 @@
             <a:lstStyle/>
             <a:p>
               <a:r>
-                <a:rPr lang="en-US" sz="1400" dirty="0">
-                  <a:latin typeface="Roboto Light" panose="02000000000000000000" pitchFamily="2" charset="0"/>
+                <a:rPr lang="en-US" sz="1200" dirty="0">
+                  <a:latin typeface="Times New Roman" panose="02020603050405020304" pitchFamily="18" charset="0"/>
                   <a:ea typeface="Roboto Light" panose="02000000000000000000" pitchFamily="2" charset="0"/>
+                  <a:cs typeface="Times New Roman" panose="02020603050405020304" pitchFamily="18" charset="0"/>
                 </a:rPr>
                 <a:t>7.8%</a:t>
               </a:r>
@@ -31611,8 +31682,8 @@
           </p:nvSpPr>
           <p:spPr>
             <a:xfrm>
-              <a:off x="9774679" y="4074257"/>
-              <a:ext cx="559769" cy="307777"/>
+              <a:off x="9774679" y="4118217"/>
+              <a:ext cx="505267" cy="276999"/>
             </a:xfrm>
             <a:prstGeom prst="rect">
               <a:avLst/>
@@ -31626,9 +31697,10 @@
             <a:lstStyle/>
             <a:p>
               <a:r>
-                <a:rPr lang="en-US" sz="1400" dirty="0">
-                  <a:latin typeface="Roboto Light" panose="02000000000000000000" pitchFamily="2" charset="0"/>
+                <a:rPr lang="en-US" sz="1200" dirty="0">
+                  <a:latin typeface="Times New Roman" panose="02020603050405020304" pitchFamily="18" charset="0"/>
                   <a:ea typeface="Roboto Light" panose="02000000000000000000" pitchFamily="2" charset="0"/>
+                  <a:cs typeface="Times New Roman" panose="02020603050405020304" pitchFamily="18" charset="0"/>
                 </a:rPr>
                 <a:t>1.9%</a:t>
               </a:r>
@@ -31650,10 +31722,10 @@
         </p:nvGrpSpPr>
         <p:grpSpPr>
           <a:xfrm>
-            <a:off x="1842227" y="4644376"/>
-            <a:ext cx="8227436" cy="666641"/>
-            <a:chOff x="1827128" y="4811285"/>
-            <a:chExt cx="8227436" cy="666641"/>
+            <a:off x="2288197" y="4684053"/>
+            <a:ext cx="7781466" cy="626964"/>
+            <a:chOff x="2273098" y="4850962"/>
+            <a:chExt cx="7781466" cy="626964"/>
           </a:xfrm>
         </p:grpSpPr>
         <p:sp>
@@ -31704,7 +31776,10 @@
             <a:lstStyle/>
             <a:p>
               <a:pPr algn="ctr"/>
-              <a:endParaRPr lang="en-US" dirty="0"/>
+              <a:endParaRPr lang="en-US" sz="1200" dirty="0">
+                <a:latin typeface="Times New Roman" panose="02020603050405020304" pitchFamily="18" charset="0"/>
+                <a:cs typeface="Times New Roman" panose="02020603050405020304" pitchFamily="18" charset="0"/>
+              </a:endParaRPr>
             </a:p>
           </p:txBody>
         </p:sp>
@@ -31768,7 +31843,10 @@
             <a:lstStyle/>
             <a:p>
               <a:pPr algn="ctr"/>
-              <a:endParaRPr lang="en-US" dirty="0"/>
+              <a:endParaRPr lang="en-US" sz="1200" dirty="0">
+                <a:latin typeface="Times New Roman" panose="02020603050405020304" pitchFamily="18" charset="0"/>
+                <a:cs typeface="Times New Roman" panose="02020603050405020304" pitchFamily="18" charset="0"/>
+              </a:endParaRPr>
             </a:p>
           </p:txBody>
         </p:sp>
@@ -31820,7 +31898,10 @@
             <a:lstStyle/>
             <a:p>
               <a:pPr algn="ctr"/>
-              <a:endParaRPr lang="en-US"/>
+              <a:endParaRPr lang="en-US" sz="1200">
+                <a:latin typeface="Times New Roman" panose="02020603050405020304" pitchFamily="18" charset="0"/>
+                <a:cs typeface="Times New Roman" panose="02020603050405020304" pitchFamily="18" charset="0"/>
+              </a:endParaRPr>
             </a:p>
           </p:txBody>
         </p:sp>
@@ -31838,8 +31919,8 @@
           </p:nvSpPr>
           <p:spPr>
             <a:xfrm>
-              <a:off x="1827128" y="5061400"/>
-              <a:ext cx="1425390" cy="369332"/>
+              <a:off x="2273098" y="5061400"/>
+              <a:ext cx="1146468" cy="307777"/>
             </a:xfrm>
             <a:prstGeom prst="rect">
               <a:avLst/>
@@ -31854,16 +31935,13 @@
             <a:p>
               <a:pPr algn="r"/>
               <a:r>
-                <a:rPr lang="en-US" dirty="0" err="1">
-                  <a:latin typeface="Roboto Light" panose="02000000000000000000" pitchFamily="2" charset="0"/>
+                <a:rPr lang="en-US" sz="1400" dirty="0">
+                  <a:latin typeface="Times New Roman" panose="02020603050405020304" pitchFamily="18" charset="0"/>
                   <a:ea typeface="Roboto Light" panose="02000000000000000000" pitchFamily="2" charset="0"/>
-                </a:rPr>
-                <a:t>LivingStatus</a:t>
-              </a:r>
-              <a:endParaRPr lang="en-US" dirty="0">
-                <a:latin typeface="Roboto Light" panose="02000000000000000000" pitchFamily="2" charset="0"/>
-                <a:ea typeface="Roboto Light" panose="02000000000000000000" pitchFamily="2" charset="0"/>
-              </a:endParaRPr>
+                  <a:cs typeface="Times New Roman" panose="02020603050405020304" pitchFamily="18" charset="0"/>
+                </a:rPr>
+                <a:t>Living Status</a:t>
+              </a:r>
             </a:p>
           </p:txBody>
         </p:sp>
@@ -31881,8 +31959,8 @@
           </p:nvSpPr>
           <p:spPr>
             <a:xfrm>
-              <a:off x="4979645" y="4811285"/>
-              <a:ext cx="659155" cy="307777"/>
+              <a:off x="4985078" y="4850962"/>
+              <a:ext cx="582211" cy="276999"/>
             </a:xfrm>
             <a:prstGeom prst="rect">
               <a:avLst/>
@@ -31896,9 +31974,10 @@
             <a:lstStyle/>
             <a:p>
               <a:r>
-                <a:rPr lang="en-US" sz="1400" dirty="0">
-                  <a:latin typeface="Roboto Light" panose="02000000000000000000" pitchFamily="2" charset="0"/>
+                <a:rPr lang="en-US" sz="1200" dirty="0">
+                  <a:latin typeface="Times New Roman" panose="02020603050405020304" pitchFamily="18" charset="0"/>
                   <a:ea typeface="Roboto Light" panose="02000000000000000000" pitchFamily="2" charset="0"/>
+                  <a:cs typeface="Times New Roman" panose="02020603050405020304" pitchFamily="18" charset="0"/>
                 </a:rPr>
                 <a:t>63.6%</a:t>
               </a:r>
@@ -31919,8 +31998,8 @@
           </p:nvSpPr>
           <p:spPr>
             <a:xfrm>
-              <a:off x="7454086" y="4815620"/>
-              <a:ext cx="559769" cy="307777"/>
+              <a:off x="7459519" y="4855297"/>
+              <a:ext cx="505267" cy="276999"/>
             </a:xfrm>
             <a:prstGeom prst="rect">
               <a:avLst/>
@@ -31934,9 +32013,10 @@
             <a:lstStyle/>
             <a:p>
               <a:r>
-                <a:rPr lang="en-US" sz="1400" dirty="0">
-                  <a:latin typeface="Roboto Light" panose="02000000000000000000" pitchFamily="2" charset="0"/>
+                <a:rPr lang="en-US" sz="1200" dirty="0">
+                  <a:latin typeface="Times New Roman" panose="02020603050405020304" pitchFamily="18" charset="0"/>
                   <a:ea typeface="Roboto Light" panose="02000000000000000000" pitchFamily="2" charset="0"/>
+                  <a:cs typeface="Times New Roman" panose="02020603050405020304" pitchFamily="18" charset="0"/>
                 </a:rPr>
                 <a:t>4.4%</a:t>
               </a:r>
@@ -31957,8 +32037,8 @@
           </p:nvSpPr>
           <p:spPr>
             <a:xfrm>
-              <a:off x="8734846" y="4815620"/>
-              <a:ext cx="659155" cy="307777"/>
+              <a:off x="8740279" y="4855297"/>
+              <a:ext cx="582211" cy="276999"/>
             </a:xfrm>
             <a:prstGeom prst="rect">
               <a:avLst/>
@@ -31972,9 +32052,10 @@
             <a:lstStyle/>
             <a:p>
               <a:r>
-                <a:rPr lang="en-US" sz="1400" dirty="0">
-                  <a:latin typeface="Roboto Light" panose="02000000000000000000" pitchFamily="2" charset="0"/>
+                <a:rPr lang="en-US" sz="1200" dirty="0">
+                  <a:latin typeface="Times New Roman" panose="02020603050405020304" pitchFamily="18" charset="0"/>
                   <a:ea typeface="Roboto Light" panose="02000000000000000000" pitchFamily="2" charset="0"/>
+                  <a:cs typeface="Times New Roman" panose="02020603050405020304" pitchFamily="18" charset="0"/>
                 </a:rPr>
                 <a:t>31.9%</a:t>
               </a:r>
@@ -31996,7 +32077,7 @@
         </p:nvSpPr>
         <p:spPr>
           <a:xfrm>
-            <a:off x="8905863" y="877918"/>
+            <a:off x="8976199" y="1247193"/>
             <a:ext cx="290342" cy="245690"/>
           </a:xfrm>
           <a:prstGeom prst="rect">
@@ -32030,7 +32111,10 @@
           <a:lstStyle/>
           <a:p>
             <a:pPr algn="ctr"/>
-            <a:endParaRPr lang="en-US"/>
+            <a:endParaRPr lang="en-US" sz="1200">
+              <a:latin typeface="Times New Roman" panose="02020603050405020304" pitchFamily="18" charset="0"/>
+              <a:cs typeface="Times New Roman" panose="02020603050405020304" pitchFamily="18" charset="0"/>
+            </a:endParaRPr>
           </a:p>
         </p:txBody>
       </p:sp>
@@ -32048,8 +32132,8 @@
         </p:nvSpPr>
         <p:spPr>
           <a:xfrm>
-            <a:off x="9198311" y="844082"/>
-            <a:ext cx="1011815" cy="307777"/>
+            <a:off x="9268647" y="1213357"/>
+            <a:ext cx="931665" cy="307777"/>
           </a:xfrm>
           <a:prstGeom prst="rect">
             <a:avLst/>
@@ -32064,8 +32148,9 @@
           <a:p>
             <a:r>
               <a:rPr lang="en-US" sz="1400" dirty="0">
-                <a:latin typeface="Roboto Light" panose="02000000000000000000" pitchFamily="2" charset="0"/>
+                <a:latin typeface="Times New Roman" panose="02020603050405020304" pitchFamily="18" charset="0"/>
                 <a:ea typeface="Roboto Light" panose="02000000000000000000" pitchFamily="2" charset="0"/>
+                <a:cs typeface="Times New Roman" panose="02020603050405020304" pitchFamily="18" charset="0"/>
               </a:rPr>
               <a:t>Structured</a:t>
             </a:r>
@@ -32086,7 +32171,7 @@
         </p:nvSpPr>
         <p:spPr>
           <a:xfrm>
-            <a:off x="8907969" y="1411091"/>
+            <a:off x="8978305" y="1780366"/>
             <a:ext cx="290342" cy="245691"/>
           </a:xfrm>
           <a:prstGeom prst="rect">
@@ -32120,7 +32205,10 @@
           <a:lstStyle/>
           <a:p>
             <a:pPr algn="ctr"/>
-            <a:endParaRPr lang="en-US"/>
+            <a:endParaRPr lang="en-US" sz="1200">
+              <a:latin typeface="Times New Roman" panose="02020603050405020304" pitchFamily="18" charset="0"/>
+              <a:cs typeface="Times New Roman" panose="02020603050405020304" pitchFamily="18" charset="0"/>
+            </a:endParaRPr>
           </a:p>
         </p:txBody>
       </p:sp>
@@ -32138,8 +32226,8 @@
         </p:nvSpPr>
         <p:spPr>
           <a:xfrm>
-            <a:off x="9196205" y="1367981"/>
-            <a:ext cx="872355" cy="307777"/>
+            <a:off x="9266541" y="1737256"/>
+            <a:ext cx="522900" cy="307777"/>
           </a:xfrm>
           <a:prstGeom prst="rect">
             <a:avLst/>
@@ -32153,16 +32241,13 @@
           <a:lstStyle/>
           <a:p>
             <a:r>
-              <a:rPr lang="en-US" sz="1400" dirty="0" err="1">
-                <a:latin typeface="Roboto Light" panose="02000000000000000000" pitchFamily="2" charset="0"/>
+              <a:rPr lang="en-US" sz="1400" dirty="0">
+                <a:latin typeface="Times New Roman" panose="02020603050405020304" pitchFamily="18" charset="0"/>
                 <a:ea typeface="Roboto Light" panose="02000000000000000000" pitchFamily="2" charset="0"/>
+                <a:cs typeface="Times New Roman" panose="02020603050405020304" pitchFamily="18" charset="0"/>
               </a:rPr>
-              <a:t>mSpERT</a:t>
+              <a:t>NLP</a:t>
             </a:r>
-            <a:endParaRPr lang="en-US" sz="1400" dirty="0">
-              <a:latin typeface="Roboto Light" panose="02000000000000000000" pitchFamily="2" charset="0"/>
-              <a:ea typeface="Roboto Light" panose="02000000000000000000" pitchFamily="2" charset="0"/>
-            </a:endParaRPr>
           </a:p>
         </p:txBody>
       </p:sp>
@@ -32180,7 +32265,7 @@
         </p:nvSpPr>
         <p:spPr>
           <a:xfrm>
-            <a:off x="8908962" y="1143814"/>
+            <a:off x="8979298" y="1513089"/>
             <a:ext cx="290343" cy="245691"/>
           </a:xfrm>
           <a:prstGeom prst="rect">
@@ -32226,7 +32311,10 @@
           <a:lstStyle/>
           <a:p>
             <a:pPr algn="ctr"/>
-            <a:endParaRPr lang="en-US" dirty="0"/>
+            <a:endParaRPr lang="en-US" sz="1200" dirty="0">
+              <a:latin typeface="Times New Roman" panose="02020603050405020304" pitchFamily="18" charset="0"/>
+              <a:cs typeface="Times New Roman" panose="02020603050405020304" pitchFamily="18" charset="0"/>
+            </a:endParaRPr>
           </a:p>
         </p:txBody>
       </p:sp>
@@ -32244,8 +32332,8 @@
         </p:nvSpPr>
         <p:spPr>
           <a:xfrm>
-            <a:off x="9200595" y="1094199"/>
-            <a:ext cx="551754" cy="307777"/>
+            <a:off x="9270931" y="1463474"/>
+            <a:ext cx="534121" cy="307777"/>
           </a:xfrm>
           <a:prstGeom prst="rect">
             <a:avLst/>
@@ -32260,8 +32348,9 @@
           <a:p>
             <a:r>
               <a:rPr lang="en-US" sz="1400" dirty="0">
-                <a:latin typeface="Roboto Light" panose="02000000000000000000" pitchFamily="2" charset="0"/>
+                <a:latin typeface="Times New Roman" panose="02020603050405020304" pitchFamily="18" charset="0"/>
                 <a:ea typeface="Roboto Light" panose="02000000000000000000" pitchFamily="2" charset="0"/>
+                <a:cs typeface="Times New Roman" panose="02020603050405020304" pitchFamily="18" charset="0"/>
               </a:rPr>
               <a:t>Both</a:t>
             </a:r>

--- a/2_query_gen/paper2_figures.pptx
+++ b/2_query_gen/paper2_figures.pptx
@@ -211,7 +211,7 @@
           <a:p>
             <a:fld id="{42A7560E-CF1B-6641-BCF4-14C496C90A0E}" type="datetimeFigureOut">
               <a:rPr lang="en-US" smtClean="0"/>
-              <a:t>9/26/22</a:t>
+              <a:t>10/4/22</a:t>
             </a:fld>
             <a:endParaRPr lang="en-US"/>
           </a:p>
@@ -709,7 +709,7 @@
           <a:p>
             <a:fld id="{2DCC8752-14D1-7C42-B332-30A088D89386}" type="datetimeFigureOut">
               <a:rPr lang="en-US" smtClean="0"/>
-              <a:t>9/26/22</a:t>
+              <a:t>10/4/22</a:t>
             </a:fld>
             <a:endParaRPr lang="en-US"/>
           </a:p>
@@ -907,7 +907,7 @@
           <a:p>
             <a:fld id="{2DCC8752-14D1-7C42-B332-30A088D89386}" type="datetimeFigureOut">
               <a:rPr lang="en-US" smtClean="0"/>
-              <a:t>9/26/22</a:t>
+              <a:t>10/4/22</a:t>
             </a:fld>
             <a:endParaRPr lang="en-US"/>
           </a:p>
@@ -1115,7 +1115,7 @@
           <a:p>
             <a:fld id="{2DCC8752-14D1-7C42-B332-30A088D89386}" type="datetimeFigureOut">
               <a:rPr lang="en-US" smtClean="0"/>
-              <a:t>9/26/22</a:t>
+              <a:t>10/4/22</a:t>
             </a:fld>
             <a:endParaRPr lang="en-US"/>
           </a:p>
@@ -1313,7 +1313,7 @@
           <a:p>
             <a:fld id="{2DCC8752-14D1-7C42-B332-30A088D89386}" type="datetimeFigureOut">
               <a:rPr lang="en-US" smtClean="0"/>
-              <a:t>9/26/22</a:t>
+              <a:t>10/4/22</a:t>
             </a:fld>
             <a:endParaRPr lang="en-US"/>
           </a:p>
@@ -1588,7 +1588,7 @@
           <a:p>
             <a:fld id="{2DCC8752-14D1-7C42-B332-30A088D89386}" type="datetimeFigureOut">
               <a:rPr lang="en-US" smtClean="0"/>
-              <a:t>9/26/22</a:t>
+              <a:t>10/4/22</a:t>
             </a:fld>
             <a:endParaRPr lang="en-US"/>
           </a:p>
@@ -1853,7 +1853,7 @@
           <a:p>
             <a:fld id="{2DCC8752-14D1-7C42-B332-30A088D89386}" type="datetimeFigureOut">
               <a:rPr lang="en-US" smtClean="0"/>
-              <a:t>9/26/22</a:t>
+              <a:t>10/4/22</a:t>
             </a:fld>
             <a:endParaRPr lang="en-US"/>
           </a:p>
@@ -2265,7 +2265,7 @@
           <a:p>
             <a:fld id="{2DCC8752-14D1-7C42-B332-30A088D89386}" type="datetimeFigureOut">
               <a:rPr lang="en-US" smtClean="0"/>
-              <a:t>9/26/22</a:t>
+              <a:t>10/4/22</a:t>
             </a:fld>
             <a:endParaRPr lang="en-US"/>
           </a:p>
@@ -2406,7 +2406,7 @@
           <a:p>
             <a:fld id="{2DCC8752-14D1-7C42-B332-30A088D89386}" type="datetimeFigureOut">
               <a:rPr lang="en-US" smtClean="0"/>
-              <a:t>9/26/22</a:t>
+              <a:t>10/4/22</a:t>
             </a:fld>
             <a:endParaRPr lang="en-US"/>
           </a:p>
@@ -2519,7 +2519,7 @@
           <a:p>
             <a:fld id="{2DCC8752-14D1-7C42-B332-30A088D89386}" type="datetimeFigureOut">
               <a:rPr lang="en-US" smtClean="0"/>
-              <a:t>9/26/22</a:t>
+              <a:t>10/4/22</a:t>
             </a:fld>
             <a:endParaRPr lang="en-US"/>
           </a:p>
@@ -2830,7 +2830,7 @@
           <a:p>
             <a:fld id="{2DCC8752-14D1-7C42-B332-30A088D89386}" type="datetimeFigureOut">
               <a:rPr lang="en-US" smtClean="0"/>
-              <a:t>9/26/22</a:t>
+              <a:t>10/4/22</a:t>
             </a:fld>
             <a:endParaRPr lang="en-US"/>
           </a:p>
@@ -3118,7 +3118,7 @@
           <a:p>
             <a:fld id="{2DCC8752-14D1-7C42-B332-30A088D89386}" type="datetimeFigureOut">
               <a:rPr lang="en-US" smtClean="0"/>
-              <a:t>9/26/22</a:t>
+              <a:t>10/4/22</a:t>
             </a:fld>
             <a:endParaRPr lang="en-US"/>
           </a:p>
@@ -3359,7 +3359,7 @@
           <a:p>
             <a:fld id="{2DCC8752-14D1-7C42-B332-30A088D89386}" type="datetimeFigureOut">
               <a:rPr lang="en-US" smtClean="0"/>
-              <a:t>9/26/22</a:t>
+              <a:t>10/4/22</a:t>
             </a:fld>
             <a:endParaRPr lang="en-US"/>
           </a:p>
@@ -29242,20 +29242,20 @@
           <p:nvPr>
             <p:extLst>
               <p:ext uri="{D42A27DB-BD31-4B8C-83A1-F6EECF244321}">
-                <p14:modId xmlns:p14="http://schemas.microsoft.com/office/powerpoint/2010/main" val="3754492164"/>
+                <p14:modId xmlns:p14="http://schemas.microsoft.com/office/powerpoint/2010/main" val="1475932708"/>
               </p:ext>
             </p:extLst>
           </p:nvPr>
         </p:nvGraphicFramePr>
         <p:xfrm>
-          <a:off x="1569755" y="1075433"/>
+          <a:off x="1603192" y="1159489"/>
           <a:ext cx="5199244" cy="609600"/>
         </p:xfrm>
         <a:graphic>
           <a:graphicData uri="http://schemas.openxmlformats.org/drawingml/2006/table">
             <a:tbl>
               <a:tblPr firstRow="1" bandRow="1">
-                <a:tableStyleId>{5C22544A-7EE6-4342-B048-85BDC9FD1C3A}</a:tableStyleId>
+                <a:tableStyleId>{2D5ABB26-0587-4C30-8999-92F81FD0307C}</a:tableStyleId>
               </a:tblPr>
               <a:tblGrid>
                 <a:gridCol w="1175884">
@@ -29295,15 +29295,26 @@
                     <a:p>
                       <a:pPr algn="ctr"/>
                       <a:r>
-                        <a:rPr lang="en-US" sz="1400" b="0" i="0" dirty="0">
-                          <a:latin typeface="Consolas" panose="020B0609020204030204" pitchFamily="49" charset="0"/>
-                          <a:cs typeface="Consolas" panose="020B0609020204030204" pitchFamily="49" charset="0"/>
-                        </a:rPr>
+                        <a:rPr lang="en-US" sz="1400" b="1" dirty="0"/>
                         <a:t>patient_id</a:t>
                       </a:r>
+                      <a:endParaRPr lang="en-US" sz="1400" b="1" i="0" dirty="0">
+                        <a:latin typeface="Consolas" panose="020B0609020204030204" pitchFamily="49" charset="0"/>
+                        <a:cs typeface="Consolas" panose="020B0609020204030204" pitchFamily="49" charset="0"/>
+                      </a:endParaRPr>
                     </a:p>
                   </a:txBody>
-                  <a:tcPr/>
+                  <a:tcPr>
+                    <a:lnB w="12700" cap="flat" cmpd="sng" algn="ctr">
+                      <a:solidFill>
+                        <a:schemeClr val="tx1"/>
+                      </a:solidFill>
+                      <a:prstDash val="solid"/>
+                      <a:round/>
+                      <a:headEnd type="none" w="med" len="med"/>
+                      <a:tailEnd type="none" w="med" len="med"/>
+                    </a:lnB>
+                  </a:tcPr>
                 </a:tc>
                 <a:tc>
                   <a:txBody>
@@ -29312,15 +29323,26 @@
                     <a:p>
                       <a:pPr algn="ctr"/>
                       <a:r>
-                        <a:rPr lang="en-US" sz="1400" b="0" i="0" dirty="0">
-                          <a:latin typeface="Consolas" panose="020B0609020204030204" pitchFamily="49" charset="0"/>
-                          <a:cs typeface="Consolas" panose="020B0609020204030204" pitchFamily="49" charset="0"/>
-                        </a:rPr>
+                        <a:rPr lang="en-US" sz="1400" b="1" dirty="0"/>
                         <a:t>lab_code_source</a:t>
                       </a:r>
+                      <a:endParaRPr lang="en-US" sz="1400" b="1" i="0" dirty="0">
+                        <a:latin typeface="Consolas" panose="020B0609020204030204" pitchFamily="49" charset="0"/>
+                        <a:cs typeface="Consolas" panose="020B0609020204030204" pitchFamily="49" charset="0"/>
+                      </a:endParaRPr>
                     </a:p>
                   </a:txBody>
-                  <a:tcPr/>
+                  <a:tcPr>
+                    <a:lnB w="12700" cap="flat" cmpd="sng" algn="ctr">
+                      <a:solidFill>
+                        <a:schemeClr val="tx1"/>
+                      </a:solidFill>
+                      <a:prstDash val="solid"/>
+                      <a:round/>
+                      <a:headEnd type="none" w="med" len="med"/>
+                      <a:tailEnd type="none" w="med" len="med"/>
+                    </a:lnB>
+                  </a:tcPr>
                 </a:tc>
                 <a:tc>
                   <a:txBody>
@@ -29329,15 +29351,26 @@
                     <a:p>
                       <a:pPr algn="ctr"/>
                       <a:r>
-                        <a:rPr lang="en-US" sz="1400" b="0" i="0" dirty="0">
-                          <a:latin typeface="Consolas" panose="020B0609020204030204" pitchFamily="49" charset="0"/>
-                          <a:cs typeface="Consolas" panose="020B0609020204030204" pitchFamily="49" charset="0"/>
-                        </a:rPr>
+                        <a:rPr lang="en-US" sz="1400" b="1" dirty="0"/>
                         <a:t>lab_code</a:t>
                       </a:r>
+                      <a:endParaRPr lang="en-US" sz="1400" b="1" i="0" dirty="0">
+                        <a:latin typeface="Consolas" panose="020B0609020204030204" pitchFamily="49" charset="0"/>
+                        <a:cs typeface="Consolas" panose="020B0609020204030204" pitchFamily="49" charset="0"/>
+                      </a:endParaRPr>
                     </a:p>
                   </a:txBody>
-                  <a:tcPr/>
+                  <a:tcPr>
+                    <a:lnB w="12700" cap="flat" cmpd="sng" algn="ctr">
+                      <a:solidFill>
+                        <a:schemeClr val="tx1"/>
+                      </a:solidFill>
+                      <a:prstDash val="solid"/>
+                      <a:round/>
+                      <a:headEnd type="none" w="med" len="med"/>
+                      <a:tailEnd type="none" w="med" len="med"/>
+                    </a:lnB>
+                  </a:tcPr>
                 </a:tc>
                 <a:tc>
                   <a:txBody>
@@ -29346,15 +29379,26 @@
                     <a:p>
                       <a:pPr algn="ctr"/>
                       <a:r>
-                        <a:rPr lang="en-US" sz="1400" b="0" i="0" dirty="0">
-                          <a:latin typeface="Consolas" panose="020B0609020204030204" pitchFamily="49" charset="0"/>
-                          <a:cs typeface="Consolas" panose="020B0609020204030204" pitchFamily="49" charset="0"/>
-                        </a:rPr>
+                        <a:rPr lang="en-US" sz="1400" b="1" dirty="0"/>
                         <a:t>lab_value</a:t>
                       </a:r>
+                      <a:endParaRPr lang="en-US" sz="1400" b="1" i="0" dirty="0">
+                        <a:latin typeface="Consolas" panose="020B0609020204030204" pitchFamily="49" charset="0"/>
+                        <a:cs typeface="Consolas" panose="020B0609020204030204" pitchFamily="49" charset="0"/>
+                      </a:endParaRPr>
                     </a:p>
                   </a:txBody>
-                  <a:tcPr/>
+                  <a:tcPr>
+                    <a:lnB w="12700" cap="flat" cmpd="sng" algn="ctr">
+                      <a:solidFill>
+                        <a:schemeClr val="tx1"/>
+                      </a:solidFill>
+                      <a:prstDash val="solid"/>
+                      <a:round/>
+                      <a:headEnd type="none" w="med" len="med"/>
+                      <a:tailEnd type="none" w="med" len="med"/>
+                    </a:lnB>
+                  </a:tcPr>
                 </a:tc>
                 <a:extLst>
                   <a:ext uri="{0D108BD9-81ED-4DB2-BD59-A6C34878D82A}">
@@ -29370,18 +29414,25 @@
                     <a:p>
                       <a:pPr algn="ctr"/>
                       <a:r>
-                        <a:rPr lang="en-US" sz="1400" b="0" i="0" dirty="0">
-                          <a:latin typeface="Consolas" panose="020B0609020204030204" pitchFamily="49" charset="0"/>
-                          <a:cs typeface="Consolas" panose="020B0609020204030204" pitchFamily="49" charset="0"/>
-                        </a:rPr>
+                        <a:rPr lang="en-US" sz="1400" b="0" dirty="0"/>
                         <a:t>ABC</a:t>
                       </a:r>
+                      <a:endParaRPr lang="en-US" sz="1400" b="0" i="0" dirty="0">
+                        <a:latin typeface="Consolas" panose="020B0609020204030204" pitchFamily="49" charset="0"/>
+                        <a:cs typeface="Consolas" panose="020B0609020204030204" pitchFamily="49" charset="0"/>
+                      </a:endParaRPr>
                     </a:p>
                   </a:txBody>
                   <a:tcPr>
-                    <a:solidFill>
-                      <a:srgbClr val="E3E8F7"/>
-                    </a:solidFill>
+                    <a:lnT w="12700" cap="flat" cmpd="sng" algn="ctr">
+                      <a:solidFill>
+                        <a:schemeClr val="tx1"/>
+                      </a:solidFill>
+                      <a:prstDash val="solid"/>
+                      <a:round/>
+                      <a:headEnd type="none" w="med" len="med"/>
+                      <a:tailEnd type="none" w="med" len="med"/>
+                    </a:lnT>
                   </a:tcPr>
                 </a:tc>
                 <a:tc>
@@ -29391,18 +29442,25 @@
                     <a:p>
                       <a:pPr algn="ctr"/>
                       <a:r>
-                        <a:rPr lang="en-US" sz="1400" b="0" i="0" dirty="0">
-                          <a:latin typeface="Consolas" panose="020B0609020204030204" pitchFamily="49" charset="0"/>
-                          <a:cs typeface="Consolas" panose="020B0609020204030204" pitchFamily="49" charset="0"/>
-                        </a:rPr>
+                        <a:rPr lang="en-US" sz="1400" b="0" dirty="0"/>
                         <a:t>LNC</a:t>
                       </a:r>
+                      <a:endParaRPr lang="en-US" sz="1400" b="0" i="0" dirty="0">
+                        <a:latin typeface="Consolas" panose="020B0609020204030204" pitchFamily="49" charset="0"/>
+                        <a:cs typeface="Consolas" panose="020B0609020204030204" pitchFamily="49" charset="0"/>
+                      </a:endParaRPr>
                     </a:p>
                   </a:txBody>
                   <a:tcPr>
-                    <a:solidFill>
-                      <a:srgbClr val="E3E8F7"/>
-                    </a:solidFill>
+                    <a:lnT w="12700" cap="flat" cmpd="sng" algn="ctr">
+                      <a:solidFill>
+                        <a:schemeClr val="tx1"/>
+                      </a:solidFill>
+                      <a:prstDash val="solid"/>
+                      <a:round/>
+                      <a:headEnd type="none" w="med" len="med"/>
+                      <a:tailEnd type="none" w="med" len="med"/>
+                    </a:lnT>
                   </a:tcPr>
                 </a:tc>
                 <a:tc>
@@ -29412,18 +29470,25 @@
                     <a:p>
                       <a:pPr algn="ctr"/>
                       <a:r>
-                        <a:rPr lang="en-US" sz="1400" b="0" i="0" dirty="0">
-                          <a:latin typeface="Consolas" panose="020B0609020204030204" pitchFamily="49" charset="0"/>
-                          <a:cs typeface="Consolas" panose="020B0609020204030204" pitchFamily="49" charset="0"/>
-                        </a:rPr>
+                        <a:rPr lang="en-US" sz="1400" b="0" dirty="0"/>
                         <a:t>777-3</a:t>
                       </a:r>
+                      <a:endParaRPr lang="en-US" sz="1400" b="0" i="0" dirty="0">
+                        <a:latin typeface="Consolas" panose="020B0609020204030204" pitchFamily="49" charset="0"/>
+                        <a:cs typeface="Consolas" panose="020B0609020204030204" pitchFamily="49" charset="0"/>
+                      </a:endParaRPr>
                     </a:p>
                   </a:txBody>
                   <a:tcPr>
-                    <a:solidFill>
-                      <a:srgbClr val="E3E8F7"/>
-                    </a:solidFill>
+                    <a:lnT w="12700" cap="flat" cmpd="sng" algn="ctr">
+                      <a:solidFill>
+                        <a:schemeClr val="tx1"/>
+                      </a:solidFill>
+                      <a:prstDash val="solid"/>
+                      <a:round/>
+                      <a:headEnd type="none" w="med" len="med"/>
+                      <a:tailEnd type="none" w="med" len="med"/>
+                    </a:lnT>
                   </a:tcPr>
                 </a:tc>
                 <a:tc>
@@ -29433,18 +29498,25 @@
                     <a:p>
                       <a:pPr algn="ctr"/>
                       <a:r>
-                        <a:rPr lang="en-US" sz="1400" b="0" i="0" dirty="0">
-                          <a:latin typeface="Consolas" panose="020B0609020204030204" pitchFamily="49" charset="0"/>
-                          <a:cs typeface="Consolas" panose="020B0609020204030204" pitchFamily="49" charset="0"/>
-                        </a:rPr>
+                        <a:rPr lang="en-US" sz="1400" b="0" dirty="0"/>
                         <a:t>211</a:t>
                       </a:r>
+                      <a:endParaRPr lang="en-US" sz="1400" b="0" i="0" dirty="0">
+                        <a:latin typeface="Consolas" panose="020B0609020204030204" pitchFamily="49" charset="0"/>
+                        <a:cs typeface="Consolas" panose="020B0609020204030204" pitchFamily="49" charset="0"/>
+                      </a:endParaRPr>
                     </a:p>
                   </a:txBody>
                   <a:tcPr>
-                    <a:solidFill>
-                      <a:srgbClr val="E3E8F7"/>
-                    </a:solidFill>
+                    <a:lnT w="12700" cap="flat" cmpd="sng" algn="ctr">
+                      <a:solidFill>
+                        <a:schemeClr val="tx1"/>
+                      </a:solidFill>
+                      <a:prstDash val="solid"/>
+                      <a:round/>
+                      <a:headEnd type="none" w="med" len="med"/>
+                      <a:tailEnd type="none" w="med" len="med"/>
+                    </a:lnT>
                   </a:tcPr>
                 </a:tc>
                 <a:extLst>
@@ -29472,20 +29544,20 @@
           <p:nvPr>
             <p:extLst>
               <p:ext uri="{D42A27DB-BD31-4B8C-83A1-F6EECF244321}">
-                <p14:modId xmlns:p14="http://schemas.microsoft.com/office/powerpoint/2010/main" val="1931522691"/>
+                <p14:modId xmlns:p14="http://schemas.microsoft.com/office/powerpoint/2010/main" val="1692044093"/>
               </p:ext>
             </p:extLst>
           </p:nvPr>
         </p:nvGraphicFramePr>
         <p:xfrm>
-          <a:off x="7612785" y="1065437"/>
+          <a:off x="7589067" y="1143749"/>
           <a:ext cx="4044213" cy="613230"/>
         </p:xfrm>
         <a:graphic>
           <a:graphicData uri="http://schemas.openxmlformats.org/drawingml/2006/table">
             <a:tbl>
               <a:tblPr firstRow="1" bandRow="1">
-                <a:tableStyleId>{5C22544A-7EE6-4342-B048-85BDC9FD1C3A}</a:tableStyleId>
+                <a:tableStyleId>{2D5ABB26-0587-4C30-8999-92F81FD0307C}</a:tableStyleId>
               </a:tblPr>
               <a:tblGrid>
                 <a:gridCol w="1175884">
@@ -29518,15 +29590,26 @@
                     <a:p>
                       <a:pPr algn="ctr"/>
                       <a:r>
-                        <a:rPr lang="en-US" sz="1400" b="0" i="0" dirty="0">
-                          <a:latin typeface="Consolas" panose="020B0609020204030204" pitchFamily="49" charset="0"/>
-                          <a:cs typeface="Consolas" panose="020B0609020204030204" pitchFamily="49" charset="0"/>
-                        </a:rPr>
+                        <a:rPr lang="en-US" sz="1400" b="1" dirty="0"/>
                         <a:t>patient_id</a:t>
                       </a:r>
+                      <a:endParaRPr lang="en-US" sz="1400" b="1" i="0" dirty="0">
+                        <a:latin typeface="Consolas" panose="020B0609020204030204" pitchFamily="49" charset="0"/>
+                        <a:cs typeface="Consolas" panose="020B0609020204030204" pitchFamily="49" charset="0"/>
+                      </a:endParaRPr>
                     </a:p>
                   </a:txBody>
-                  <a:tcPr/>
+                  <a:tcPr>
+                    <a:lnB w="12700" cap="flat" cmpd="sng" algn="ctr">
+                      <a:solidFill>
+                        <a:schemeClr val="tx1"/>
+                      </a:solidFill>
+                      <a:prstDash val="solid"/>
+                      <a:round/>
+                      <a:headEnd type="none" w="med" len="med"/>
+                      <a:tailEnd type="none" w="med" len="med"/>
+                    </a:lnB>
+                  </a:tcPr>
                 </a:tc>
                 <a:tc>
                   <a:txBody>
@@ -29535,15 +29618,26 @@
                     <a:p>
                       <a:pPr algn="ctr"/>
                       <a:r>
-                        <a:rPr lang="en-US" sz="1400" b="0" i="0" dirty="0">
-                          <a:latin typeface="Consolas" panose="020B0609020204030204" pitchFamily="49" charset="0"/>
-                          <a:cs typeface="Consolas" panose="020B0609020204030204" pitchFamily="49" charset="0"/>
-                        </a:rPr>
+                        <a:rPr lang="en-US" sz="1400" b="1" dirty="0"/>
                         <a:t>platelets</a:t>
                       </a:r>
+                      <a:endParaRPr lang="en-US" sz="1400" b="1" i="0" dirty="0">
+                        <a:latin typeface="Consolas" panose="020B0609020204030204" pitchFamily="49" charset="0"/>
+                        <a:cs typeface="Consolas" panose="020B0609020204030204" pitchFamily="49" charset="0"/>
+                      </a:endParaRPr>
                     </a:p>
                   </a:txBody>
-                  <a:tcPr/>
+                  <a:tcPr>
+                    <a:lnB w="12700" cap="flat" cmpd="sng" algn="ctr">
+                      <a:solidFill>
+                        <a:schemeClr val="tx1"/>
+                      </a:solidFill>
+                      <a:prstDash val="solid"/>
+                      <a:round/>
+                      <a:headEnd type="none" w="med" len="med"/>
+                      <a:tailEnd type="none" w="med" len="med"/>
+                    </a:lnB>
+                  </a:tcPr>
                 </a:tc>
                 <a:tc>
                   <a:txBody>
@@ -29552,15 +29646,26 @@
                     <a:p>
                       <a:pPr algn="ctr"/>
                       <a:r>
-                        <a:rPr lang="en-US" sz="1400" b="0" i="0" dirty="0">
-                          <a:latin typeface="Consolas" panose="020B0609020204030204" pitchFamily="49" charset="0"/>
-                          <a:cs typeface="Consolas" panose="020B0609020204030204" pitchFamily="49" charset="0"/>
-                        </a:rPr>
+                        <a:rPr lang="en-US" sz="1400" b="1" dirty="0"/>
                         <a:t>hematocrit</a:t>
                       </a:r>
+                      <a:endParaRPr lang="en-US" sz="1400" b="1" i="0" dirty="0">
+                        <a:latin typeface="Consolas" panose="020B0609020204030204" pitchFamily="49" charset="0"/>
+                        <a:cs typeface="Consolas" panose="020B0609020204030204" pitchFamily="49" charset="0"/>
+                      </a:endParaRPr>
                     </a:p>
                   </a:txBody>
-                  <a:tcPr/>
+                  <a:tcPr>
+                    <a:lnB w="12700" cap="flat" cmpd="sng" algn="ctr">
+                      <a:solidFill>
+                        <a:schemeClr val="tx1"/>
+                      </a:solidFill>
+                      <a:prstDash val="solid"/>
+                      <a:round/>
+                      <a:headEnd type="none" w="med" len="med"/>
+                      <a:tailEnd type="none" w="med" len="med"/>
+                    </a:lnB>
+                  </a:tcPr>
                 </a:tc>
                 <a:extLst>
                   <a:ext uri="{0D108BD9-81ED-4DB2-BD59-A6C34878D82A}">
@@ -29576,18 +29681,25 @@
                     <a:p>
                       <a:pPr algn="ctr"/>
                       <a:r>
-                        <a:rPr lang="en-US" sz="1400" b="0" i="0" dirty="0">
-                          <a:latin typeface="Consolas" panose="020B0609020204030204" pitchFamily="49" charset="0"/>
-                          <a:cs typeface="Consolas" panose="020B0609020204030204" pitchFamily="49" charset="0"/>
-                        </a:rPr>
+                        <a:rPr lang="en-US" sz="1400" b="0" dirty="0"/>
                         <a:t>ABC</a:t>
                       </a:r>
+                      <a:endParaRPr lang="en-US" sz="1400" b="0" i="0" dirty="0">
+                        <a:latin typeface="Consolas" panose="020B0609020204030204" pitchFamily="49" charset="0"/>
+                        <a:cs typeface="Consolas" panose="020B0609020204030204" pitchFamily="49" charset="0"/>
+                      </a:endParaRPr>
                     </a:p>
                   </a:txBody>
                   <a:tcPr>
-                    <a:solidFill>
-                      <a:srgbClr val="E3E8F7"/>
-                    </a:solidFill>
+                    <a:lnT w="12700" cap="flat" cmpd="sng" algn="ctr">
+                      <a:solidFill>
+                        <a:schemeClr val="tx1"/>
+                      </a:solidFill>
+                      <a:prstDash val="solid"/>
+                      <a:round/>
+                      <a:headEnd type="none" w="med" len="med"/>
+                      <a:tailEnd type="none" w="med" len="med"/>
+                    </a:lnT>
                   </a:tcPr>
                 </a:tc>
                 <a:tc>
@@ -29597,18 +29709,25 @@
                     <a:p>
                       <a:pPr algn="ctr"/>
                       <a:r>
-                        <a:rPr lang="en-US" sz="1400" b="0" i="0" dirty="0">
-                          <a:latin typeface="Consolas" panose="020B0609020204030204" pitchFamily="49" charset="0"/>
-                          <a:cs typeface="Consolas" panose="020B0609020204030204" pitchFamily="49" charset="0"/>
-                        </a:rPr>
+                        <a:rPr lang="en-US" sz="1400" b="0" dirty="0"/>
                         <a:t>211</a:t>
                       </a:r>
+                      <a:endParaRPr lang="en-US" sz="1400" b="0" i="0" dirty="0">
+                        <a:latin typeface="Consolas" panose="020B0609020204030204" pitchFamily="49" charset="0"/>
+                        <a:cs typeface="Consolas" panose="020B0609020204030204" pitchFamily="49" charset="0"/>
+                      </a:endParaRPr>
                     </a:p>
                   </a:txBody>
                   <a:tcPr>
-                    <a:solidFill>
-                      <a:srgbClr val="E3E8F7"/>
-                    </a:solidFill>
+                    <a:lnT w="12700" cap="flat" cmpd="sng" algn="ctr">
+                      <a:solidFill>
+                        <a:schemeClr val="tx1"/>
+                      </a:solidFill>
+                      <a:prstDash val="solid"/>
+                      <a:round/>
+                      <a:headEnd type="none" w="med" len="med"/>
+                      <a:tailEnd type="none" w="med" len="med"/>
+                    </a:lnT>
                   </a:tcPr>
                 </a:tc>
                 <a:tc>
@@ -29618,18 +29737,25 @@
                     <a:p>
                       <a:pPr algn="ctr"/>
                       <a:r>
-                        <a:rPr lang="en-US" sz="1400" b="0" i="0" dirty="0">
-                          <a:latin typeface="Consolas" panose="020B0609020204030204" pitchFamily="49" charset="0"/>
-                          <a:cs typeface="Consolas" panose="020B0609020204030204" pitchFamily="49" charset="0"/>
-                        </a:rPr>
+                        <a:rPr lang="en-US" sz="1400" b="0" dirty="0"/>
                         <a:t>38.4</a:t>
                       </a:r>
+                      <a:endParaRPr lang="en-US" sz="1400" b="0" i="0" dirty="0">
+                        <a:latin typeface="Consolas" panose="020B0609020204030204" pitchFamily="49" charset="0"/>
+                        <a:cs typeface="Consolas" panose="020B0609020204030204" pitchFamily="49" charset="0"/>
+                      </a:endParaRPr>
                     </a:p>
                   </a:txBody>
                   <a:tcPr>
-                    <a:solidFill>
-                      <a:srgbClr val="E3E8F7"/>
-                    </a:solidFill>
+                    <a:lnT w="12700" cap="flat" cmpd="sng" algn="ctr">
+                      <a:solidFill>
+                        <a:schemeClr val="tx1"/>
+                      </a:solidFill>
+                      <a:prstDash val="solid"/>
+                      <a:round/>
+                      <a:headEnd type="none" w="med" len="med"/>
+                      <a:tailEnd type="none" w="med" len="med"/>
+                    </a:lnT>
                   </a:tcPr>
                 </a:tc>
                 <a:extLst>
@@ -30641,7 +30767,7 @@
         </p:nvSpPr>
         <p:spPr>
           <a:xfrm rot="18438532">
-            <a:off x="8108416" y="682480"/>
+            <a:off x="7522932" y="717786"/>
             <a:ext cx="200658" cy="363966"/>
           </a:xfrm>
           <a:prstGeom prst="downArrow">
@@ -30699,256 +30825,8 @@
         </p:nvSpPr>
         <p:spPr>
           <a:xfrm rot="2925828">
-            <a:off x="5957897" y="702481"/>
+            <a:off x="6526655" y="721872"/>
             <a:ext cx="214967" cy="350148"/>
-          </a:xfrm>
-          <a:prstGeom prst="downArrow">
-            <a:avLst/>
-          </a:prstGeom>
-          <a:solidFill>
-            <a:schemeClr val="bg1">
-              <a:lumMod val="85000"/>
-            </a:schemeClr>
-          </a:solidFill>
-          <a:ln>
-            <a:solidFill>
-              <a:schemeClr val="bg1">
-                <a:lumMod val="75000"/>
-              </a:schemeClr>
-            </a:solidFill>
-          </a:ln>
-        </p:spPr>
-        <p:style>
-          <a:lnRef idx="2">
-            <a:schemeClr val="accent1">
-              <a:shade val="50000"/>
-            </a:schemeClr>
-          </a:lnRef>
-          <a:fillRef idx="1">
-            <a:schemeClr val="accent1"/>
-          </a:fillRef>
-          <a:effectRef idx="0">
-            <a:schemeClr val="accent1"/>
-          </a:effectRef>
-          <a:fontRef idx="minor">
-            <a:schemeClr val="lt1"/>
-          </a:fontRef>
-        </p:style>
-        <p:txBody>
-          <a:bodyPr rtlCol="0" anchor="ctr"/>
-          <a:lstStyle/>
-          <a:p>
-            <a:pPr algn="ctr"/>
-            <a:endParaRPr lang="en-US"/>
-          </a:p>
-        </p:txBody>
-      </p:sp>
-      <p:pic>
-        <p:nvPicPr>
-          <p:cNvPr id="66" name="Picture 65">
-            <a:extLst>
-              <a:ext uri="{FF2B5EF4-FFF2-40B4-BE49-F238E27FC236}">
-                <a16:creationId xmlns:a16="http://schemas.microsoft.com/office/drawing/2014/main" id="{D4905706-FD69-CFB3-6F24-79730F5EFA02}"/>
-              </a:ext>
-            </a:extLst>
-          </p:cNvPr>
-          <p:cNvPicPr>
-            <a:picLocks noChangeAspect="1"/>
-          </p:cNvPicPr>
-          <p:nvPr/>
-        </p:nvPicPr>
-        <p:blipFill>
-          <a:blip r:embed="rId2"/>
-          <a:stretch>
-            <a:fillRect/>
-          </a:stretch>
-        </p:blipFill>
-        <p:spPr>
-          <a:xfrm>
-            <a:off x="1808970" y="1776013"/>
-            <a:ext cx="4691312" cy="3729269"/>
-          </a:xfrm>
-          <a:prstGeom prst="rect">
-            <a:avLst/>
-          </a:prstGeom>
-          <a:effectLst>
-            <a:outerShdw blurRad="63500" sx="101000" sy="101000" algn="ctr" rotWithShape="0">
-              <a:prstClr val="black">
-                <a:alpha val="30000"/>
-              </a:prstClr>
-            </a:outerShdw>
-          </a:effectLst>
-        </p:spPr>
-      </p:pic>
-      <p:sp>
-        <p:nvSpPr>
-          <p:cNvPr id="63" name="Down Arrow 62">
-            <a:extLst>
-              <a:ext uri="{FF2B5EF4-FFF2-40B4-BE49-F238E27FC236}">
-                <a16:creationId xmlns:a16="http://schemas.microsoft.com/office/drawing/2014/main" id="{9D203871-FB24-FFAF-8EC6-351C7D8DE591}"/>
-              </a:ext>
-            </a:extLst>
-          </p:cNvPr>
-          <p:cNvSpPr/>
-          <p:nvPr/>
-        </p:nvSpPr>
-        <p:spPr>
-          <a:xfrm>
-            <a:off x="3915090" y="5356366"/>
-            <a:ext cx="202960" cy="352228"/>
-          </a:xfrm>
-          <a:prstGeom prst="downArrow">
-            <a:avLst/>
-          </a:prstGeom>
-          <a:solidFill>
-            <a:schemeClr val="bg1">
-              <a:lumMod val="85000"/>
-            </a:schemeClr>
-          </a:solidFill>
-          <a:ln>
-            <a:solidFill>
-              <a:schemeClr val="bg1">
-                <a:lumMod val="75000"/>
-              </a:schemeClr>
-            </a:solidFill>
-          </a:ln>
-        </p:spPr>
-        <p:style>
-          <a:lnRef idx="2">
-            <a:schemeClr val="accent1">
-              <a:shade val="50000"/>
-            </a:schemeClr>
-          </a:lnRef>
-          <a:fillRef idx="1">
-            <a:schemeClr val="accent1"/>
-          </a:fillRef>
-          <a:effectRef idx="0">
-            <a:schemeClr val="accent1"/>
-          </a:effectRef>
-          <a:fontRef idx="minor">
-            <a:schemeClr val="lt1"/>
-          </a:fontRef>
-        </p:style>
-        <p:txBody>
-          <a:bodyPr rtlCol="0" anchor="ctr"/>
-          <a:lstStyle/>
-          <a:p>
-            <a:pPr algn="ctr"/>
-            <a:endParaRPr lang="en-US"/>
-          </a:p>
-        </p:txBody>
-      </p:sp>
-      <p:sp>
-        <p:nvSpPr>
-          <p:cNvPr id="62" name="Down Arrow 61">
-            <a:extLst>
-              <a:ext uri="{FF2B5EF4-FFF2-40B4-BE49-F238E27FC236}">
-                <a16:creationId xmlns:a16="http://schemas.microsoft.com/office/drawing/2014/main" id="{697593C1-56FC-17C2-E4AB-97ABE198ADE6}"/>
-              </a:ext>
-            </a:extLst>
-          </p:cNvPr>
-          <p:cNvSpPr/>
-          <p:nvPr/>
-        </p:nvSpPr>
-        <p:spPr>
-          <a:xfrm>
-            <a:off x="3951666" y="1614602"/>
-            <a:ext cx="202960" cy="352228"/>
-          </a:xfrm>
-          <a:prstGeom prst="downArrow">
-            <a:avLst/>
-          </a:prstGeom>
-          <a:solidFill>
-            <a:schemeClr val="bg1">
-              <a:lumMod val="85000"/>
-            </a:schemeClr>
-          </a:solidFill>
-          <a:ln>
-            <a:solidFill>
-              <a:schemeClr val="bg1">
-                <a:lumMod val="75000"/>
-              </a:schemeClr>
-            </a:solidFill>
-          </a:ln>
-        </p:spPr>
-        <p:style>
-          <a:lnRef idx="2">
-            <a:schemeClr val="accent1">
-              <a:shade val="50000"/>
-            </a:schemeClr>
-          </a:lnRef>
-          <a:fillRef idx="1">
-            <a:schemeClr val="accent1"/>
-          </a:fillRef>
-          <a:effectRef idx="0">
-            <a:schemeClr val="accent1"/>
-          </a:effectRef>
-          <a:fontRef idx="minor">
-            <a:schemeClr val="lt1"/>
-          </a:fontRef>
-        </p:style>
-        <p:txBody>
-          <a:bodyPr rtlCol="0" anchor="ctr"/>
-          <a:lstStyle/>
-          <a:p>
-            <a:pPr algn="ctr"/>
-            <a:endParaRPr lang="en-US"/>
-          </a:p>
-        </p:txBody>
-      </p:sp>
-      <p:pic>
-        <p:nvPicPr>
-          <p:cNvPr id="68" name="Picture 67">
-            <a:extLst>
-              <a:ext uri="{FF2B5EF4-FFF2-40B4-BE49-F238E27FC236}">
-                <a16:creationId xmlns:a16="http://schemas.microsoft.com/office/drawing/2014/main" id="{2A1C53DA-E558-67BD-F588-5C34AAC76201}"/>
-              </a:ext>
-            </a:extLst>
-          </p:cNvPr>
-          <p:cNvPicPr>
-            <a:picLocks noChangeAspect="1"/>
-          </p:cNvPicPr>
-          <p:nvPr/>
-        </p:nvPicPr>
-        <p:blipFill>
-          <a:blip r:embed="rId3"/>
-          <a:stretch>
-            <a:fillRect/>
-          </a:stretch>
-        </p:blipFill>
-        <p:spPr>
-          <a:xfrm>
-            <a:off x="7340036" y="1863941"/>
-            <a:ext cx="4561585" cy="3263114"/>
-          </a:xfrm>
-          <a:prstGeom prst="rect">
-            <a:avLst/>
-          </a:prstGeom>
-          <a:effectLst>
-            <a:outerShdw blurRad="63500" sx="101000" sy="101000" algn="ctr" rotWithShape="0">
-              <a:prstClr val="black">
-                <a:alpha val="30000"/>
-              </a:prstClr>
-            </a:outerShdw>
-          </a:effectLst>
-        </p:spPr>
-      </p:pic>
-      <p:sp>
-        <p:nvSpPr>
-          <p:cNvPr id="64" name="Down Arrow 63">
-            <a:extLst>
-              <a:ext uri="{FF2B5EF4-FFF2-40B4-BE49-F238E27FC236}">
-                <a16:creationId xmlns:a16="http://schemas.microsoft.com/office/drawing/2014/main" id="{0EF3C78C-6DF5-B843-EE19-021A9BFAE097}"/>
-              </a:ext>
-            </a:extLst>
-          </p:cNvPr>
-          <p:cNvSpPr/>
-          <p:nvPr/>
-        </p:nvSpPr>
-        <p:spPr>
-          <a:xfrm>
-            <a:off x="9609549" y="1679898"/>
-            <a:ext cx="217373" cy="320395"/>
           </a:xfrm>
           <a:prstGeom prst="downArrow">
             <a:avLst/>
@@ -31049,6 +30927,270 @@
           </a:p>
         </p:txBody>
       </p:sp>
+      <p:pic>
+        <p:nvPicPr>
+          <p:cNvPr id="6" name="Picture 5">
+            <a:extLst>
+              <a:ext uri="{FF2B5EF4-FFF2-40B4-BE49-F238E27FC236}">
+                <a16:creationId xmlns:a16="http://schemas.microsoft.com/office/drawing/2014/main" id="{FC1473A7-47E6-F72E-8E08-E56974C23A17}"/>
+              </a:ext>
+            </a:extLst>
+          </p:cNvPr>
+          <p:cNvPicPr>
+            <a:picLocks noChangeAspect="1"/>
+          </p:cNvPicPr>
+          <p:nvPr/>
+        </p:nvPicPr>
+        <p:blipFill>
+          <a:blip r:embed="rId2">
+            <a:extLst>
+              <a:ext uri="{BEBA8EAE-BF5A-486C-A8C5-ECC9F3942E4B}">
+                <a14:imgProps xmlns:a14="http://schemas.microsoft.com/office/drawing/2010/main">
+                  <a14:imgLayer r:embed="rId3">
+                    <a14:imgEffect>
+                      <a14:sharpenSoften amount="25000"/>
+                    </a14:imgEffect>
+                    <a14:imgEffect>
+                      <a14:brightnessContrast contrast="20000"/>
+                    </a14:imgEffect>
+                  </a14:imgLayer>
+                </a14:imgProps>
+              </a:ext>
+            </a:extLst>
+          </a:blip>
+          <a:stretch>
+            <a:fillRect/>
+          </a:stretch>
+        </p:blipFill>
+        <p:spPr>
+          <a:xfrm>
+            <a:off x="7512473" y="2143836"/>
+            <a:ext cx="4197399" cy="2984817"/>
+          </a:xfrm>
+          <a:prstGeom prst="rect">
+            <a:avLst/>
+          </a:prstGeom>
+        </p:spPr>
+      </p:pic>
+      <p:sp>
+        <p:nvSpPr>
+          <p:cNvPr id="62" name="Down Arrow 61">
+            <a:extLst>
+              <a:ext uri="{FF2B5EF4-FFF2-40B4-BE49-F238E27FC236}">
+                <a16:creationId xmlns:a16="http://schemas.microsoft.com/office/drawing/2014/main" id="{697593C1-56FC-17C2-E4AB-97ABE198ADE6}"/>
+              </a:ext>
+            </a:extLst>
+          </p:cNvPr>
+          <p:cNvSpPr/>
+          <p:nvPr/>
+        </p:nvSpPr>
+        <p:spPr>
+          <a:xfrm>
+            <a:off x="3938664" y="1709798"/>
+            <a:ext cx="202960" cy="352228"/>
+          </a:xfrm>
+          <a:prstGeom prst="downArrow">
+            <a:avLst/>
+          </a:prstGeom>
+          <a:solidFill>
+            <a:schemeClr val="bg1">
+              <a:lumMod val="85000"/>
+            </a:schemeClr>
+          </a:solidFill>
+          <a:ln>
+            <a:solidFill>
+              <a:schemeClr val="bg1">
+                <a:lumMod val="75000"/>
+              </a:schemeClr>
+            </a:solidFill>
+          </a:ln>
+        </p:spPr>
+        <p:style>
+          <a:lnRef idx="2">
+            <a:schemeClr val="accent1">
+              <a:shade val="50000"/>
+            </a:schemeClr>
+          </a:lnRef>
+          <a:fillRef idx="1">
+            <a:schemeClr val="accent1"/>
+          </a:fillRef>
+          <a:effectRef idx="0">
+            <a:schemeClr val="accent1"/>
+          </a:effectRef>
+          <a:fontRef idx="minor">
+            <a:schemeClr val="lt1"/>
+          </a:fontRef>
+        </p:style>
+        <p:txBody>
+          <a:bodyPr rtlCol="0" anchor="ctr"/>
+          <a:lstStyle/>
+          <a:p>
+            <a:pPr algn="ctr"/>
+            <a:endParaRPr lang="en-US"/>
+          </a:p>
+        </p:txBody>
+      </p:sp>
+      <p:sp>
+        <p:nvSpPr>
+          <p:cNvPr id="64" name="Down Arrow 63">
+            <a:extLst>
+              <a:ext uri="{FF2B5EF4-FFF2-40B4-BE49-F238E27FC236}">
+                <a16:creationId xmlns:a16="http://schemas.microsoft.com/office/drawing/2014/main" id="{0EF3C78C-6DF5-B843-EE19-021A9BFAE097}"/>
+              </a:ext>
+            </a:extLst>
+          </p:cNvPr>
+          <p:cNvSpPr/>
+          <p:nvPr/>
+        </p:nvSpPr>
+        <p:spPr>
+          <a:xfrm>
+            <a:off x="9582635" y="1778058"/>
+            <a:ext cx="217373" cy="320395"/>
+          </a:xfrm>
+          <a:prstGeom prst="downArrow">
+            <a:avLst/>
+          </a:prstGeom>
+          <a:solidFill>
+            <a:schemeClr val="bg1">
+              <a:lumMod val="85000"/>
+            </a:schemeClr>
+          </a:solidFill>
+          <a:ln>
+            <a:solidFill>
+              <a:schemeClr val="bg1">
+                <a:lumMod val="75000"/>
+              </a:schemeClr>
+            </a:solidFill>
+          </a:ln>
+        </p:spPr>
+        <p:style>
+          <a:lnRef idx="2">
+            <a:schemeClr val="accent1">
+              <a:shade val="50000"/>
+            </a:schemeClr>
+          </a:lnRef>
+          <a:fillRef idx="1">
+            <a:schemeClr val="accent1"/>
+          </a:fillRef>
+          <a:effectRef idx="0">
+            <a:schemeClr val="accent1"/>
+          </a:effectRef>
+          <a:fontRef idx="minor">
+            <a:schemeClr val="lt1"/>
+          </a:fontRef>
+        </p:style>
+        <p:txBody>
+          <a:bodyPr rtlCol="0" anchor="ctr"/>
+          <a:lstStyle/>
+          <a:p>
+            <a:pPr algn="ctr"/>
+            <a:endParaRPr lang="en-US"/>
+          </a:p>
+        </p:txBody>
+      </p:sp>
+      <p:sp>
+        <p:nvSpPr>
+          <p:cNvPr id="63" name="Down Arrow 62">
+            <a:extLst>
+              <a:ext uri="{FF2B5EF4-FFF2-40B4-BE49-F238E27FC236}">
+                <a16:creationId xmlns:a16="http://schemas.microsoft.com/office/drawing/2014/main" id="{9D203871-FB24-FFAF-8EC6-351C7D8DE591}"/>
+              </a:ext>
+            </a:extLst>
+          </p:cNvPr>
+          <p:cNvSpPr/>
+          <p:nvPr/>
+        </p:nvSpPr>
+        <p:spPr>
+          <a:xfrm>
+            <a:off x="3938664" y="5161540"/>
+            <a:ext cx="202960" cy="352228"/>
+          </a:xfrm>
+          <a:prstGeom prst="downArrow">
+            <a:avLst/>
+          </a:prstGeom>
+          <a:solidFill>
+            <a:schemeClr val="bg1">
+              <a:lumMod val="85000"/>
+            </a:schemeClr>
+          </a:solidFill>
+          <a:ln>
+            <a:solidFill>
+              <a:schemeClr val="bg1">
+                <a:lumMod val="75000"/>
+              </a:schemeClr>
+            </a:solidFill>
+          </a:ln>
+        </p:spPr>
+        <p:style>
+          <a:lnRef idx="2">
+            <a:schemeClr val="accent1">
+              <a:shade val="50000"/>
+            </a:schemeClr>
+          </a:lnRef>
+          <a:fillRef idx="1">
+            <a:schemeClr val="accent1"/>
+          </a:fillRef>
+          <a:effectRef idx="0">
+            <a:schemeClr val="accent1"/>
+          </a:effectRef>
+          <a:fontRef idx="minor">
+            <a:schemeClr val="lt1"/>
+          </a:fontRef>
+        </p:style>
+        <p:txBody>
+          <a:bodyPr rtlCol="0" anchor="ctr"/>
+          <a:lstStyle/>
+          <a:p>
+            <a:pPr algn="ctr"/>
+            <a:endParaRPr lang="en-US"/>
+          </a:p>
+        </p:txBody>
+      </p:sp>
+      <p:pic>
+        <p:nvPicPr>
+          <p:cNvPr id="7" name="Picture 6">
+            <a:extLst>
+              <a:ext uri="{FF2B5EF4-FFF2-40B4-BE49-F238E27FC236}">
+                <a16:creationId xmlns:a16="http://schemas.microsoft.com/office/drawing/2014/main" id="{F5E6FDDC-F45A-656F-5FCD-1841A846B88F}"/>
+              </a:ext>
+            </a:extLst>
+          </p:cNvPr>
+          <p:cNvPicPr>
+            <a:picLocks noChangeAspect="1"/>
+          </p:cNvPicPr>
+          <p:nvPr/>
+        </p:nvPicPr>
+        <p:blipFill>
+          <a:blip r:embed="rId4">
+            <a:extLst>
+              <a:ext uri="{BEBA8EAE-BF5A-486C-A8C5-ECC9F3942E4B}">
+                <a14:imgProps xmlns:a14="http://schemas.microsoft.com/office/drawing/2010/main">
+                  <a14:imgLayer r:embed="rId5">
+                    <a14:imgEffect>
+                      <a14:sharpenSoften amount="25000"/>
+                    </a14:imgEffect>
+                    <a14:imgEffect>
+                      <a14:brightnessContrast contrast="20000"/>
+                    </a14:imgEffect>
+                  </a14:imgLayer>
+                </a14:imgProps>
+              </a:ext>
+            </a:extLst>
+          </a:blip>
+          <a:stretch>
+            <a:fillRect/>
+          </a:stretch>
+        </p:blipFill>
+        <p:spPr>
+          <a:xfrm>
+            <a:off x="1765289" y="2116255"/>
+            <a:ext cx="4926042" cy="3007062"/>
+          </a:xfrm>
+          <a:prstGeom prst="rect">
+            <a:avLst/>
+          </a:prstGeom>
+        </p:spPr>
+      </p:pic>
     </p:spTree>
     <p:extLst>
       <p:ext uri="{BB962C8B-B14F-4D97-AF65-F5344CB8AC3E}">
